--- a/presentation/Presentation.pptx
+++ b/presentation/Presentation.pptx
@@ -5,13 +5,29 @@
     <p:sldMasterId id="2147483648" r:id="rId1"/>
   </p:sldMasterIdLst>
   <p:notesMasterIdLst>
-    <p:notesMasterId r:id="rId6"/>
+    <p:notesMasterId r:id="rId22"/>
   </p:notesMasterIdLst>
   <p:sldIdLst>
     <p:sldId id="256" r:id="rId2"/>
-    <p:sldId id="257" r:id="rId3"/>
-    <p:sldId id="258" r:id="rId4"/>
-    <p:sldId id="259" r:id="rId5"/>
+    <p:sldId id="258" r:id="rId3"/>
+    <p:sldId id="259" r:id="rId4"/>
+    <p:sldId id="260" r:id="rId5"/>
+    <p:sldId id="263" r:id="rId6"/>
+    <p:sldId id="264" r:id="rId7"/>
+    <p:sldId id="261" r:id="rId8"/>
+    <p:sldId id="267" r:id="rId9"/>
+    <p:sldId id="266" r:id="rId10"/>
+    <p:sldId id="273" r:id="rId11"/>
+    <p:sldId id="272" r:id="rId12"/>
+    <p:sldId id="271" r:id="rId13"/>
+    <p:sldId id="270" r:id="rId14"/>
+    <p:sldId id="269" r:id="rId15"/>
+    <p:sldId id="268" r:id="rId16"/>
+    <p:sldId id="265" r:id="rId17"/>
+    <p:sldId id="274" r:id="rId18"/>
+    <p:sldId id="275" r:id="rId19"/>
+    <p:sldId id="276" r:id="rId20"/>
+    <p:sldId id="277" r:id="rId21"/>
   </p:sldIdLst>
   <p:sldSz cx="12192000" cy="6858000"/>
   <p:notesSz cx="6858000" cy="9144000"/>
@@ -200,7 +216,7 @@
           <a:p>
             <a:fld id="{3055C09D-E245-48FB-89F4-1FC6DB8B2588}" type="datetimeFigureOut">
               <a:rPr lang="en-US"/>
-              <a:t>5/5/2017</a:t>
+              <a:t>5/9/2017</a:t>
             </a:fld>
             <a:endParaRPr lang="en-US"/>
           </a:p>
@@ -467,90 +483,6 @@
 </p:notesMaster>
 </file>
 
-<file path=ppt/notesSlides/notesSlide1.xml><?xml version="1.0" encoding="utf-8"?>
-<p:notes xmlns:a="http://schemas.openxmlformats.org/drawingml/2006/main" xmlns:r="http://schemas.openxmlformats.org/officeDocument/2006/relationships" xmlns:p="http://schemas.openxmlformats.org/presentationml/2006/main">
-  <p:cSld>
-    <p:spTree>
-      <p:nvGrpSpPr>
-        <p:cNvPr id="1" name=""/>
-        <p:cNvGrpSpPr/>
-        <p:nvPr/>
-      </p:nvGrpSpPr>
-      <p:grpSpPr>
-        <a:xfrm>
-          <a:off x="0" y="0"/>
-          <a:ext cx="0" cy="0"/>
-          <a:chOff x="0" y="0"/>
-          <a:chExt cx="0" cy="0"/>
-        </a:xfrm>
-      </p:grpSpPr>
-      <p:sp>
-        <p:nvSpPr>
-          <p:cNvPr id="2" name="Slide Image Placeholder 1"/>
-          <p:cNvSpPr>
-            <a:spLocks noGrp="1" noRot="1" noChangeAspect="1"/>
-          </p:cNvSpPr>
-          <p:nvPr>
-            <p:ph type="sldImg"/>
-          </p:nvPr>
-        </p:nvSpPr>
-        <p:spPr/>
-      </p:sp>
-      <p:sp>
-        <p:nvSpPr>
-          <p:cNvPr id="3" name="Notes Placeholder 2"/>
-          <p:cNvSpPr>
-            <a:spLocks noGrp="1"/>
-          </p:cNvSpPr>
-          <p:nvPr>
-            <p:ph type="body" idx="1"/>
-          </p:nvPr>
-        </p:nvSpPr>
-        <p:spPr/>
-        <p:txBody>
-          <a:bodyPr/>
-          <a:lstStyle/>
-          <a:p>
-            <a:endParaRPr lang="en-US"/>
-          </a:p>
-        </p:txBody>
-      </p:sp>
-      <p:sp>
-        <p:nvSpPr>
-          <p:cNvPr id="4" name="Slide Number Placeholder 3"/>
-          <p:cNvSpPr>
-            <a:spLocks noGrp="1"/>
-          </p:cNvSpPr>
-          <p:nvPr>
-            <p:ph type="sldNum" sz="quarter" idx="10"/>
-          </p:nvPr>
-        </p:nvSpPr>
-        <p:spPr/>
-        <p:txBody>
-          <a:bodyPr/>
-          <a:lstStyle/>
-          <a:p>
-            <a:fld id="{A0DB6F54-822B-449E-9F3E-1F6CD1E26A69}" type="slidenum">
-              <a:rPr lang="en-US"/>
-              <a:t>2</a:t>
-            </a:fld>
-            <a:endParaRPr lang="en-US"/>
-          </a:p>
-        </p:txBody>
-      </p:sp>
-    </p:spTree>
-    <p:extLst>
-      <p:ext uri="{BB962C8B-B14F-4D97-AF65-F5344CB8AC3E}">
-        <p14:creationId xmlns:p14="http://schemas.microsoft.com/office/powerpoint/2010/main" val="1525629848"/>
-      </p:ext>
-    </p:extLst>
-  </p:cSld>
-  <p:clrMapOvr>
-    <a:masterClrMapping/>
-  </p:clrMapOvr>
-</p:notes>
-</file>
-
 <file path=ppt/slideLayouts/slideLayout1.xml><?xml version="1.0" encoding="utf-8"?>
 <p:sldLayout xmlns:a="http://schemas.openxmlformats.org/drawingml/2006/main" xmlns:r="http://schemas.openxmlformats.org/officeDocument/2006/relationships" xmlns:p="http://schemas.openxmlformats.org/presentationml/2006/main" type="title" preserve="1">
   <p:cSld name="Title Slide">
@@ -781,7 +713,7 @@
             <a:fld id="{B61BEF0D-F0BB-DE4B-95CE-6DB70DBA9567}" type="datetimeFigureOut">
               <a:rPr lang="en-US" dirty="0"/>
               <a:pPr/>
-              <a:t>5/5/2017</a:t>
+              <a:t>5/9/2017</a:t>
             </a:fld>
             <a:endParaRPr lang="en-US" dirty="0"/>
           </a:p>
@@ -1112,7 +1044,7 @@
             <a:fld id="{B61BEF0D-F0BB-DE4B-95CE-6DB70DBA9567}" type="datetimeFigureOut">
               <a:rPr lang="en-US" dirty="0"/>
               <a:pPr/>
-              <a:t>5/5/2017</a:t>
+              <a:t>5/9/2017</a:t>
             </a:fld>
             <a:endParaRPr lang="en-US" dirty="0"/>
           </a:p>
@@ -1387,7 +1319,7 @@
             <a:fld id="{B61BEF0D-F0BB-DE4B-95CE-6DB70DBA9567}" type="datetimeFigureOut">
               <a:rPr lang="en-US" dirty="0"/>
               <a:pPr/>
-              <a:t>5/5/2017</a:t>
+              <a:t>5/9/2017</a:t>
             </a:fld>
             <a:endParaRPr lang="en-US" dirty="0"/>
           </a:p>
@@ -1952,7 +1884,7 @@
             <a:fld id="{B61BEF0D-F0BB-DE4B-95CE-6DB70DBA9567}" type="datetimeFigureOut">
               <a:rPr lang="en-US" dirty="0"/>
               <a:pPr/>
-              <a:t>5/5/2017</a:t>
+              <a:t>5/9/2017</a:t>
             </a:fld>
             <a:endParaRPr lang="en-US" dirty="0"/>
           </a:p>
@@ -2227,7 +2159,7 @@
             <a:fld id="{B61BEF0D-F0BB-DE4B-95CE-6DB70DBA9567}" type="datetimeFigureOut">
               <a:rPr lang="en-US" dirty="0"/>
               <a:pPr/>
-              <a:t>5/5/2017</a:t>
+              <a:t>5/9/2017</a:t>
             </a:fld>
             <a:endParaRPr lang="en-US" dirty="0"/>
           </a:p>
@@ -2786,7 +2718,7 @@
             <a:fld id="{B61BEF0D-F0BB-DE4B-95CE-6DB70DBA9567}" type="datetimeFigureOut">
               <a:rPr lang="en-US" dirty="0"/>
               <a:pPr/>
-              <a:t>5/5/2017</a:t>
+              <a:t>5/9/2017</a:t>
             </a:fld>
             <a:endParaRPr lang="en-US" dirty="0"/>
           </a:p>
@@ -3110,7 +3042,7 @@
             <a:fld id="{B61BEF0D-F0BB-DE4B-95CE-6DB70DBA9567}" type="datetimeFigureOut">
               <a:rPr lang="en-US" dirty="0"/>
               <a:pPr/>
-              <a:t>5/5/2017</a:t>
+              <a:t>5/9/2017</a:t>
             </a:fld>
             <a:endParaRPr lang="en-US" dirty="0"/>
           </a:p>
@@ -3284,7 +3216,7 @@
             <a:fld id="{B61BEF0D-F0BB-DE4B-95CE-6DB70DBA9567}" type="datetimeFigureOut">
               <a:rPr lang="en-US" dirty="0"/>
               <a:pPr/>
-              <a:t>5/5/2017</a:t>
+              <a:t>5/9/2017</a:t>
             </a:fld>
             <a:endParaRPr lang="en-US" dirty="0"/>
           </a:p>
@@ -3519,7 +3451,7 @@
             <a:fld id="{B61BEF0D-F0BB-DE4B-95CE-6DB70DBA9567}" type="datetimeFigureOut">
               <a:rPr lang="en-US" dirty="0"/>
               <a:pPr/>
-              <a:t>5/5/2017</a:t>
+              <a:t>5/9/2017</a:t>
             </a:fld>
             <a:endParaRPr lang="en-US" dirty="0"/>
           </a:p>
@@ -3716,7 +3648,7 @@
             <a:fld id="{B61BEF0D-F0BB-DE4B-95CE-6DB70DBA9567}" type="datetimeFigureOut">
               <a:rPr lang="en-US" dirty="0"/>
               <a:pPr/>
-              <a:t>5/5/2017</a:t>
+              <a:t>5/9/2017</a:t>
             </a:fld>
             <a:endParaRPr lang="en-US" dirty="0"/>
           </a:p>
@@ -3989,7 +3921,7 @@
             <a:fld id="{B61BEF0D-F0BB-DE4B-95CE-6DB70DBA9567}" type="datetimeFigureOut">
               <a:rPr lang="en-US" dirty="0"/>
               <a:pPr/>
-              <a:t>5/5/2017</a:t>
+              <a:t>5/9/2017</a:t>
             </a:fld>
             <a:endParaRPr lang="en-US" dirty="0"/>
           </a:p>
@@ -4252,7 +4184,7 @@
             <a:fld id="{B61BEF0D-F0BB-DE4B-95CE-6DB70DBA9567}" type="datetimeFigureOut">
               <a:rPr lang="en-US" dirty="0"/>
               <a:pPr/>
-              <a:t>5/5/2017</a:t>
+              <a:t>5/9/2017</a:t>
             </a:fld>
             <a:endParaRPr lang="en-US" dirty="0"/>
           </a:p>
@@ -4623,7 +4555,7 @@
             <a:fld id="{B61BEF0D-F0BB-DE4B-95CE-6DB70DBA9567}" type="datetimeFigureOut">
               <a:rPr lang="en-US" dirty="0"/>
               <a:pPr/>
-              <a:t>5/5/2017</a:t>
+              <a:t>5/9/2017</a:t>
             </a:fld>
             <a:endParaRPr lang="en-US" dirty="0"/>
           </a:p>
@@ -4768,7 +4700,7 @@
             <a:fld id="{B61BEF0D-F0BB-DE4B-95CE-6DB70DBA9567}" type="datetimeFigureOut">
               <a:rPr lang="en-US" dirty="0"/>
               <a:pPr/>
-              <a:t>5/5/2017</a:t>
+              <a:t>5/9/2017</a:t>
             </a:fld>
             <a:endParaRPr lang="en-US" dirty="0"/>
           </a:p>
@@ -4890,7 +4822,7 @@
             <a:fld id="{B61BEF0D-F0BB-DE4B-95CE-6DB70DBA9567}" type="datetimeFigureOut">
               <a:rPr lang="en-US" dirty="0"/>
               <a:pPr/>
-              <a:t>5/5/2017</a:t>
+              <a:t>5/9/2017</a:t>
             </a:fld>
             <a:endParaRPr lang="en-US" dirty="0"/>
           </a:p>
@@ -5172,7 +5104,7 @@
             <a:fld id="{B61BEF0D-F0BB-DE4B-95CE-6DB70DBA9567}" type="datetimeFigureOut">
               <a:rPr lang="en-US" dirty="0"/>
               <a:pPr/>
-              <a:t>5/5/2017</a:t>
+              <a:t>5/9/2017</a:t>
             </a:fld>
             <a:endParaRPr lang="en-US" dirty="0"/>
           </a:p>
@@ -5493,7 +5425,7 @@
             <a:fld id="{B61BEF0D-F0BB-DE4B-95CE-6DB70DBA9567}" type="datetimeFigureOut">
               <a:rPr lang="en-US" dirty="0"/>
               <a:pPr/>
-              <a:t>5/5/2017</a:t>
+              <a:t>5/9/2017</a:t>
             </a:fld>
             <a:endParaRPr lang="en-US" dirty="0"/>
           </a:p>
@@ -5704,7 +5636,7 @@
             <a:fld id="{B61BEF0D-F0BB-DE4B-95CE-6DB70DBA9567}" type="datetimeFigureOut">
               <a:rPr lang="en-US" dirty="0"/>
               <a:pPr/>
-              <a:t>5/5/2017</a:t>
+              <a:t>5/9/2017</a:t>
             </a:fld>
             <a:endParaRPr lang="en-US" dirty="0"/>
           </a:p>
@@ -6273,6 +6205,5241 @@
   <p:clrMapOvr>
     <a:masterClrMapping/>
   </p:clrMapOvr>
+  <p:timing>
+    <p:tnLst>
+      <p:par>
+        <p:cTn id="1" dur="indefinite" restart="never" nodeType="tmRoot"/>
+      </p:par>
+    </p:tnLst>
+  </p:timing>
+</p:sld>
+</file>
+
+<file path=ppt/slides/slide10.xml><?xml version="1.0" encoding="utf-8"?>
+<p:sld xmlns:a="http://schemas.openxmlformats.org/drawingml/2006/main" xmlns:r="http://schemas.openxmlformats.org/officeDocument/2006/relationships" xmlns:p="http://schemas.openxmlformats.org/presentationml/2006/main">
+  <p:cSld>
+    <p:spTree>
+      <p:nvGrpSpPr>
+        <p:cNvPr id="1" name=""/>
+        <p:cNvGrpSpPr/>
+        <p:nvPr/>
+      </p:nvGrpSpPr>
+      <p:grpSpPr>
+        <a:xfrm>
+          <a:off x="0" y="0"/>
+          <a:ext cx="0" cy="0"/>
+          <a:chOff x="0" y="0"/>
+          <a:chExt cx="0" cy="0"/>
+        </a:xfrm>
+      </p:grpSpPr>
+      <p:sp>
+        <p:nvSpPr>
+          <p:cNvPr id="2" name="Title 1"/>
+          <p:cNvSpPr>
+            <a:spLocks noGrp="1"/>
+          </p:cNvSpPr>
+          <p:nvPr>
+            <p:ph type="title"/>
+          </p:nvPr>
+        </p:nvSpPr>
+        <p:spPr/>
+        <p:txBody>
+          <a:bodyPr/>
+          <a:lstStyle/>
+          <a:p>
+            <a:r>
+              <a:rPr lang="hy-AM" dirty="0"/>
+              <a:t>Լցոնում </a:t>
+            </a:r>
+            <a:r>
+              <a:rPr lang="en-US" dirty="0" smtClean="0"/>
+              <a:t>8 </a:t>
+            </a:r>
+            <a:r>
+              <a:rPr lang="hy-AM" dirty="0"/>
+              <a:t>Ուղղությամբ</a:t>
+            </a:r>
+            <a:endParaRPr lang="en-US" dirty="0"/>
+          </a:p>
+        </p:txBody>
+      </p:sp>
+      <p:sp>
+        <p:nvSpPr>
+          <p:cNvPr id="3" name="Text Placeholder 2"/>
+          <p:cNvSpPr>
+            <a:spLocks noGrp="1"/>
+          </p:cNvSpPr>
+          <p:nvPr>
+            <p:ph type="body" idx="1"/>
+          </p:nvPr>
+        </p:nvSpPr>
+        <p:spPr/>
+        <p:txBody>
+          <a:bodyPr/>
+          <a:lstStyle/>
+          <a:p>
+            <a:endParaRPr lang="en-US"/>
+          </a:p>
+        </p:txBody>
+      </p:sp>
+      <p:sp>
+        <p:nvSpPr>
+          <p:cNvPr id="5" name="Text Placeholder 4"/>
+          <p:cNvSpPr>
+            <a:spLocks noGrp="1"/>
+          </p:cNvSpPr>
+          <p:nvPr>
+            <p:ph type="body" sz="quarter" idx="3"/>
+          </p:nvPr>
+        </p:nvSpPr>
+        <p:spPr/>
+        <p:txBody>
+          <a:bodyPr/>
+          <a:lstStyle/>
+          <a:p>
+            <a:endParaRPr lang="en-US"/>
+          </a:p>
+        </p:txBody>
+      </p:sp>
+      <p:sp>
+        <p:nvSpPr>
+          <p:cNvPr id="6" name="Content Placeholder 5"/>
+          <p:cNvSpPr>
+            <a:spLocks noGrp="1"/>
+          </p:cNvSpPr>
+          <p:nvPr>
+            <p:ph sz="quarter" idx="4"/>
+          </p:nvPr>
+        </p:nvSpPr>
+        <p:spPr/>
+        <p:txBody>
+          <a:bodyPr/>
+          <a:lstStyle/>
+          <a:p>
+            <a:endParaRPr lang="en-US"/>
+          </a:p>
+        </p:txBody>
+      </p:sp>
+      <p:pic>
+        <p:nvPicPr>
+          <p:cNvPr id="9" name="Content Placeholder 8"/>
+          <p:cNvPicPr>
+            <a:picLocks noGrp="1" noChangeAspect="1"/>
+          </p:cNvPicPr>
+          <p:nvPr>
+            <p:ph sz="half" idx="2"/>
+          </p:nvPr>
+        </p:nvPicPr>
+        <p:blipFill>
+          <a:blip r:embed="rId2">
+            <a:extLst>
+              <a:ext uri="{28A0092B-C50C-407E-A947-70E740481C1C}">
+                <a14:useLocalDpi xmlns:a14="http://schemas.microsoft.com/office/drawing/2010/main" val="0"/>
+              </a:ext>
+            </a:extLst>
+          </a:blip>
+          <a:stretch>
+            <a:fillRect/>
+          </a:stretch>
+        </p:blipFill>
+        <p:spPr>
+          <a:xfrm>
+            <a:off x="2498725" y="3644900"/>
+            <a:ext cx="1371600" cy="1371600"/>
+          </a:xfrm>
+        </p:spPr>
+      </p:pic>
+    </p:spTree>
+    <p:extLst>
+      <p:ext uri="{BB962C8B-B14F-4D97-AF65-F5344CB8AC3E}">
+        <p14:creationId xmlns:p14="http://schemas.microsoft.com/office/powerpoint/2010/main" val="620566112"/>
+      </p:ext>
+    </p:extLst>
+  </p:cSld>
+  <p:clrMapOvr>
+    <a:masterClrMapping/>
+  </p:clrMapOvr>
+  <p:timing>
+    <p:tnLst>
+      <p:par>
+        <p:cTn id="1" dur="indefinite" restart="never" nodeType="tmRoot"/>
+      </p:par>
+    </p:tnLst>
+  </p:timing>
+</p:sld>
+</file>
+
+<file path=ppt/slides/slide11.xml><?xml version="1.0" encoding="utf-8"?>
+<p:sld xmlns:a="http://schemas.openxmlformats.org/drawingml/2006/main" xmlns:r="http://schemas.openxmlformats.org/officeDocument/2006/relationships" xmlns:p="http://schemas.openxmlformats.org/presentationml/2006/main">
+  <p:cSld>
+    <p:spTree>
+      <p:nvGrpSpPr>
+        <p:cNvPr id="1" name=""/>
+        <p:cNvGrpSpPr/>
+        <p:nvPr/>
+      </p:nvGrpSpPr>
+      <p:grpSpPr>
+        <a:xfrm>
+          <a:off x="0" y="0"/>
+          <a:ext cx="0" cy="0"/>
+          <a:chOff x="0" y="0"/>
+          <a:chExt cx="0" cy="0"/>
+        </a:xfrm>
+      </p:grpSpPr>
+      <p:sp>
+        <p:nvSpPr>
+          <p:cNvPr id="2" name="Title 1"/>
+          <p:cNvSpPr>
+            <a:spLocks noGrp="1"/>
+          </p:cNvSpPr>
+          <p:nvPr>
+            <p:ph type="title"/>
+          </p:nvPr>
+        </p:nvSpPr>
+        <p:spPr/>
+        <p:txBody>
+          <a:bodyPr/>
+          <a:lstStyle/>
+          <a:p>
+            <a:pPr algn="ctr"/>
+            <a:r>
+              <a:rPr lang="hy-AM" dirty="0" smtClean="0"/>
+              <a:t>Պատկերի բուրգեր</a:t>
+            </a:r>
+            <a:br>
+              <a:rPr lang="hy-AM" dirty="0" smtClean="0"/>
+            </a:br>
+            <a:r>
+              <a:rPr lang="hy-AM" dirty="0" smtClean="0"/>
+              <a:t>Գաուսիան բուրգեր</a:t>
+            </a:r>
+            <a:endParaRPr lang="en-US" dirty="0"/>
+          </a:p>
+        </p:txBody>
+      </p:sp>
+      <p:sp>
+        <p:nvSpPr>
+          <p:cNvPr id="3" name="Text Placeholder 2"/>
+          <p:cNvSpPr>
+            <a:spLocks noGrp="1"/>
+          </p:cNvSpPr>
+          <p:nvPr>
+            <p:ph type="body" idx="1"/>
+          </p:nvPr>
+        </p:nvSpPr>
+        <p:spPr/>
+        <p:txBody>
+          <a:bodyPr/>
+          <a:lstStyle/>
+          <a:p>
+            <a:endParaRPr lang="en-US"/>
+          </a:p>
+        </p:txBody>
+      </p:sp>
+      <p:sp>
+        <p:nvSpPr>
+          <p:cNvPr id="4" name="Content Placeholder 3"/>
+          <p:cNvSpPr>
+            <a:spLocks noGrp="1"/>
+          </p:cNvSpPr>
+          <p:nvPr>
+            <p:ph sz="half" idx="2"/>
+          </p:nvPr>
+        </p:nvSpPr>
+        <p:spPr/>
+        <p:txBody>
+          <a:bodyPr/>
+          <a:lstStyle/>
+          <a:p>
+            <a:endParaRPr lang="en-US"/>
+          </a:p>
+        </p:txBody>
+      </p:sp>
+      <p:sp>
+        <p:nvSpPr>
+          <p:cNvPr id="5" name="Text Placeholder 4"/>
+          <p:cNvSpPr>
+            <a:spLocks noGrp="1"/>
+          </p:cNvSpPr>
+          <p:nvPr>
+            <p:ph type="body" sz="quarter" idx="3"/>
+          </p:nvPr>
+        </p:nvSpPr>
+        <p:spPr/>
+        <p:txBody>
+          <a:bodyPr/>
+          <a:lstStyle/>
+          <a:p>
+            <a:endParaRPr lang="en-US"/>
+          </a:p>
+        </p:txBody>
+      </p:sp>
+      <p:sp>
+        <p:nvSpPr>
+          <p:cNvPr id="6" name="Content Placeholder 5"/>
+          <p:cNvSpPr>
+            <a:spLocks noGrp="1"/>
+          </p:cNvSpPr>
+          <p:nvPr>
+            <p:ph sz="quarter" idx="4"/>
+          </p:nvPr>
+        </p:nvSpPr>
+        <p:spPr/>
+        <p:txBody>
+          <a:bodyPr/>
+          <a:lstStyle/>
+          <a:p>
+            <a:endParaRPr lang="en-US" dirty="0"/>
+          </a:p>
+        </p:txBody>
+      </p:sp>
+      <p:pic>
+        <p:nvPicPr>
+          <p:cNvPr id="7" name="Picture 6"/>
+          <p:cNvPicPr/>
+          <p:nvPr/>
+        </p:nvPicPr>
+        <p:blipFill>
+          <a:blip r:embed="rId2"/>
+          <a:stretch>
+            <a:fillRect/>
+          </a:stretch>
+        </p:blipFill>
+        <p:spPr>
+          <a:xfrm>
+            <a:off x="1760274" y="3081595"/>
+            <a:ext cx="2847975" cy="2276475"/>
+          </a:xfrm>
+          <a:prstGeom prst="rect">
+            <a:avLst/>
+          </a:prstGeom>
+        </p:spPr>
+      </p:pic>
+    </p:spTree>
+    <p:extLst>
+      <p:ext uri="{BB962C8B-B14F-4D97-AF65-F5344CB8AC3E}">
+        <p14:creationId xmlns:p14="http://schemas.microsoft.com/office/powerpoint/2010/main" val="3426608426"/>
+      </p:ext>
+    </p:extLst>
+  </p:cSld>
+  <p:clrMapOvr>
+    <a:masterClrMapping/>
+  </p:clrMapOvr>
+  <p:timing>
+    <p:tnLst>
+      <p:par>
+        <p:cTn id="1" dur="indefinite" restart="never" nodeType="tmRoot"/>
+      </p:par>
+    </p:tnLst>
+  </p:timing>
+</p:sld>
+</file>
+
+<file path=ppt/slides/slide12.xml><?xml version="1.0" encoding="utf-8"?>
+<p:sld xmlns:a="http://schemas.openxmlformats.org/drawingml/2006/main" xmlns:r="http://schemas.openxmlformats.org/officeDocument/2006/relationships" xmlns:p="http://schemas.openxmlformats.org/presentationml/2006/main">
+  <p:cSld>
+    <p:spTree>
+      <p:nvGrpSpPr>
+        <p:cNvPr id="1" name=""/>
+        <p:cNvGrpSpPr/>
+        <p:nvPr/>
+      </p:nvGrpSpPr>
+      <p:grpSpPr>
+        <a:xfrm>
+          <a:off x="0" y="0"/>
+          <a:ext cx="0" cy="0"/>
+          <a:chOff x="0" y="0"/>
+          <a:chExt cx="0" cy="0"/>
+        </a:xfrm>
+      </p:grpSpPr>
+      <p:sp>
+        <p:nvSpPr>
+          <p:cNvPr id="2" name="Title 1"/>
+          <p:cNvSpPr>
+            <a:spLocks noGrp="1"/>
+          </p:cNvSpPr>
+          <p:nvPr>
+            <p:ph type="title"/>
+          </p:nvPr>
+        </p:nvSpPr>
+        <p:spPr/>
+        <p:txBody>
+          <a:bodyPr/>
+          <a:lstStyle/>
+          <a:p>
+            <a:pPr algn="ctr"/>
+            <a:r>
+              <a:rPr lang="hy-AM" dirty="0"/>
+              <a:t>Պատկերի բուրգեր</a:t>
+            </a:r>
+            <a:br>
+              <a:rPr lang="hy-AM" dirty="0"/>
+            </a:br>
+            <a:r>
+              <a:rPr lang="hy-AM" dirty="0"/>
+              <a:t>Գաուսիան բուրգեր</a:t>
+            </a:r>
+            <a:endParaRPr lang="en-US" dirty="0"/>
+          </a:p>
+        </p:txBody>
+      </p:sp>
+      <p:sp>
+        <p:nvSpPr>
+          <p:cNvPr id="3" name="Text Placeholder 2"/>
+          <p:cNvSpPr>
+            <a:spLocks noGrp="1"/>
+          </p:cNvSpPr>
+          <p:nvPr>
+            <p:ph type="body" idx="1"/>
+          </p:nvPr>
+        </p:nvSpPr>
+        <p:spPr/>
+        <p:txBody>
+          <a:bodyPr/>
+          <a:lstStyle/>
+          <a:p>
+            <a:endParaRPr lang="en-US"/>
+          </a:p>
+        </p:txBody>
+      </p:sp>
+      <p:pic>
+        <p:nvPicPr>
+          <p:cNvPr id="7" name="Content Placeholder 6"/>
+          <p:cNvPicPr>
+            <a:picLocks noGrp="1" noChangeAspect="1"/>
+          </p:cNvPicPr>
+          <p:nvPr>
+            <p:ph sz="half" idx="2"/>
+          </p:nvPr>
+        </p:nvPicPr>
+        <p:blipFill>
+          <a:blip r:embed="rId2"/>
+          <a:stretch>
+            <a:fillRect/>
+          </a:stretch>
+        </p:blipFill>
+        <p:spPr>
+          <a:xfrm>
+            <a:off x="685801" y="2946929"/>
+            <a:ext cx="3115328" cy="2921000"/>
+          </a:xfrm>
+          <a:prstGeom prst="rect">
+            <a:avLst/>
+          </a:prstGeom>
+        </p:spPr>
+      </p:pic>
+      <p:sp>
+        <p:nvSpPr>
+          <p:cNvPr id="5" name="Text Placeholder 4"/>
+          <p:cNvSpPr>
+            <a:spLocks noGrp="1"/>
+          </p:cNvSpPr>
+          <p:nvPr>
+            <p:ph type="body" sz="quarter" idx="3"/>
+          </p:nvPr>
+        </p:nvSpPr>
+        <p:spPr/>
+        <p:txBody>
+          <a:bodyPr/>
+          <a:lstStyle/>
+          <a:p>
+            <a:endParaRPr lang="en-US"/>
+          </a:p>
+        </p:txBody>
+      </p:sp>
+      <p:sp>
+        <p:nvSpPr>
+          <p:cNvPr id="6" name="Content Placeholder 5"/>
+          <p:cNvSpPr>
+            <a:spLocks noGrp="1"/>
+          </p:cNvSpPr>
+          <p:nvPr>
+            <p:ph sz="quarter" idx="4"/>
+          </p:nvPr>
+        </p:nvSpPr>
+        <p:spPr/>
+        <p:txBody>
+          <a:bodyPr/>
+          <a:lstStyle/>
+          <a:p>
+            <a:endParaRPr lang="en-US"/>
+          </a:p>
+        </p:txBody>
+      </p:sp>
+      <p:pic>
+        <p:nvPicPr>
+          <p:cNvPr id="8" name="Picture 7"/>
+          <p:cNvPicPr>
+            <a:picLocks noChangeAspect="1"/>
+          </p:cNvPicPr>
+          <p:nvPr/>
+        </p:nvPicPr>
+        <p:blipFill>
+          <a:blip r:embed="rId3"/>
+          <a:stretch>
+            <a:fillRect/>
+          </a:stretch>
+        </p:blipFill>
+        <p:spPr>
+          <a:xfrm>
+            <a:off x="4014600" y="3703505"/>
+            <a:ext cx="2270871" cy="2164424"/>
+          </a:xfrm>
+          <a:prstGeom prst="rect">
+            <a:avLst/>
+          </a:prstGeom>
+        </p:spPr>
+      </p:pic>
+      <p:pic>
+        <p:nvPicPr>
+          <p:cNvPr id="9" name="Picture 8"/>
+          <p:cNvPicPr>
+            <a:picLocks noChangeAspect="1"/>
+          </p:cNvPicPr>
+          <p:nvPr/>
+        </p:nvPicPr>
+        <p:blipFill>
+          <a:blip r:embed="rId4"/>
+          <a:stretch>
+            <a:fillRect/>
+          </a:stretch>
+        </p:blipFill>
+        <p:spPr>
+          <a:xfrm>
+            <a:off x="6518189" y="2946929"/>
+            <a:ext cx="3091173" cy="2892712"/>
+          </a:xfrm>
+          <a:prstGeom prst="rect">
+            <a:avLst/>
+          </a:prstGeom>
+        </p:spPr>
+      </p:pic>
+    </p:spTree>
+    <p:extLst>
+      <p:ext uri="{BB962C8B-B14F-4D97-AF65-F5344CB8AC3E}">
+        <p14:creationId xmlns:p14="http://schemas.microsoft.com/office/powerpoint/2010/main" val="535914472"/>
+      </p:ext>
+    </p:extLst>
+  </p:cSld>
+  <p:clrMapOvr>
+    <a:masterClrMapping/>
+  </p:clrMapOvr>
+  <p:timing>
+    <p:tnLst>
+      <p:par>
+        <p:cTn id="1" dur="indefinite" restart="never" nodeType="tmRoot"/>
+      </p:par>
+    </p:tnLst>
+  </p:timing>
+</p:sld>
+</file>
+
+<file path=ppt/slides/slide13.xml><?xml version="1.0" encoding="utf-8"?>
+<p:sld xmlns:a="http://schemas.openxmlformats.org/drawingml/2006/main" xmlns:r="http://schemas.openxmlformats.org/officeDocument/2006/relationships" xmlns:p="http://schemas.openxmlformats.org/presentationml/2006/main">
+  <p:cSld>
+    <p:spTree>
+      <p:nvGrpSpPr>
+        <p:cNvPr id="1" name=""/>
+        <p:cNvGrpSpPr/>
+        <p:nvPr/>
+      </p:nvGrpSpPr>
+      <p:grpSpPr>
+        <a:xfrm>
+          <a:off x="0" y="0"/>
+          <a:ext cx="0" cy="0"/>
+          <a:chOff x="0" y="0"/>
+          <a:chExt cx="0" cy="0"/>
+        </a:xfrm>
+      </p:grpSpPr>
+      <p:sp>
+        <p:nvSpPr>
+          <p:cNvPr id="2" name="Title 1"/>
+          <p:cNvSpPr>
+            <a:spLocks noGrp="1"/>
+          </p:cNvSpPr>
+          <p:nvPr>
+            <p:ph type="title"/>
+          </p:nvPr>
+        </p:nvSpPr>
+        <p:spPr/>
+        <p:txBody>
+          <a:bodyPr/>
+          <a:lstStyle/>
+          <a:p>
+            <a:pPr algn="ctr"/>
+            <a:r>
+              <a:rPr lang="hy-AM" dirty="0"/>
+              <a:t>Պատկերի բուրգեր</a:t>
+            </a:r>
+            <a:br>
+              <a:rPr lang="hy-AM" dirty="0"/>
+            </a:br>
+            <a:r>
+              <a:rPr lang="hy-AM" dirty="0" smtClean="0"/>
+              <a:t>Լապլասիան բուրգեր</a:t>
+            </a:r>
+            <a:endParaRPr lang="en-US" dirty="0"/>
+          </a:p>
+        </p:txBody>
+      </p:sp>
+      <p:sp>
+        <p:nvSpPr>
+          <p:cNvPr id="3" name="Text Placeholder 2"/>
+          <p:cNvSpPr>
+            <a:spLocks noGrp="1"/>
+          </p:cNvSpPr>
+          <p:nvPr>
+            <p:ph type="body" idx="1"/>
+          </p:nvPr>
+        </p:nvSpPr>
+        <p:spPr/>
+        <p:txBody>
+          <a:bodyPr/>
+          <a:lstStyle/>
+          <a:p>
+            <a:endParaRPr lang="en-US"/>
+          </a:p>
+        </p:txBody>
+      </p:sp>
+      <p:sp>
+        <p:nvSpPr>
+          <p:cNvPr id="4" name="Content Placeholder 3"/>
+          <p:cNvSpPr>
+            <a:spLocks noGrp="1"/>
+          </p:cNvSpPr>
+          <p:nvPr>
+            <p:ph sz="half" idx="2"/>
+          </p:nvPr>
+        </p:nvSpPr>
+        <p:spPr/>
+        <p:txBody>
+          <a:bodyPr/>
+          <a:lstStyle/>
+          <a:p>
+            <a:endParaRPr lang="en-US" dirty="0"/>
+          </a:p>
+        </p:txBody>
+      </p:sp>
+      <p:sp>
+        <p:nvSpPr>
+          <p:cNvPr id="5" name="Text Placeholder 4"/>
+          <p:cNvSpPr>
+            <a:spLocks noGrp="1"/>
+          </p:cNvSpPr>
+          <p:nvPr>
+            <p:ph type="body" sz="quarter" idx="3"/>
+          </p:nvPr>
+        </p:nvSpPr>
+        <p:spPr/>
+        <p:txBody>
+          <a:bodyPr/>
+          <a:lstStyle/>
+          <a:p>
+            <a:endParaRPr lang="en-US" dirty="0"/>
+          </a:p>
+        </p:txBody>
+      </p:sp>
+      <p:sp>
+        <p:nvSpPr>
+          <p:cNvPr id="6" name="Content Placeholder 5"/>
+          <p:cNvSpPr>
+            <a:spLocks noGrp="1"/>
+          </p:cNvSpPr>
+          <p:nvPr>
+            <p:ph sz="quarter" idx="4"/>
+          </p:nvPr>
+        </p:nvSpPr>
+        <p:spPr/>
+        <p:txBody>
+          <a:bodyPr/>
+          <a:lstStyle/>
+          <a:p>
+            <a:endParaRPr lang="en-US" dirty="0"/>
+          </a:p>
+        </p:txBody>
+      </p:sp>
+      <p:pic>
+        <p:nvPicPr>
+          <p:cNvPr id="7" name="Picture 6"/>
+          <p:cNvPicPr>
+            <a:picLocks noChangeAspect="1"/>
+          </p:cNvPicPr>
+          <p:nvPr/>
+        </p:nvPicPr>
+        <p:blipFill>
+          <a:blip r:embed="rId2"/>
+          <a:stretch>
+            <a:fillRect/>
+          </a:stretch>
+        </p:blipFill>
+        <p:spPr>
+          <a:xfrm>
+            <a:off x="4615249" y="2788716"/>
+            <a:ext cx="3150206" cy="2935280"/>
+          </a:xfrm>
+          <a:prstGeom prst="rect">
+            <a:avLst/>
+          </a:prstGeom>
+        </p:spPr>
+      </p:pic>
+      <p:pic>
+        <p:nvPicPr>
+          <p:cNvPr id="8" name="Content Placeholder 6"/>
+          <p:cNvPicPr>
+            <a:picLocks noChangeAspect="1"/>
+          </p:cNvPicPr>
+          <p:nvPr/>
+        </p:nvPicPr>
+        <p:blipFill>
+          <a:blip r:embed="rId3"/>
+          <a:stretch>
+            <a:fillRect/>
+          </a:stretch>
+        </p:blipFill>
+        <p:spPr>
+          <a:xfrm>
+            <a:off x="1359162" y="2788716"/>
+            <a:ext cx="3115328" cy="2921000"/>
+          </a:xfrm>
+          <a:prstGeom prst="rect">
+            <a:avLst/>
+          </a:prstGeom>
+        </p:spPr>
+      </p:pic>
+    </p:spTree>
+    <p:extLst>
+      <p:ext uri="{BB962C8B-B14F-4D97-AF65-F5344CB8AC3E}">
+        <p14:creationId xmlns:p14="http://schemas.microsoft.com/office/powerpoint/2010/main" val="3408638008"/>
+      </p:ext>
+    </p:extLst>
+  </p:cSld>
+  <p:clrMapOvr>
+    <a:masterClrMapping/>
+  </p:clrMapOvr>
+  <p:timing>
+    <p:tnLst>
+      <p:par>
+        <p:cTn id="1" dur="indefinite" restart="never" nodeType="tmRoot"/>
+      </p:par>
+    </p:tnLst>
+  </p:timing>
+</p:sld>
+</file>
+
+<file path=ppt/slides/slide14.xml><?xml version="1.0" encoding="utf-8"?>
+<p:sld xmlns:a="http://schemas.openxmlformats.org/drawingml/2006/main" xmlns:r="http://schemas.openxmlformats.org/officeDocument/2006/relationships" xmlns:p="http://schemas.openxmlformats.org/presentationml/2006/main">
+  <p:cSld>
+    <p:spTree>
+      <p:nvGrpSpPr>
+        <p:cNvPr id="1" name=""/>
+        <p:cNvGrpSpPr/>
+        <p:nvPr/>
+      </p:nvGrpSpPr>
+      <p:grpSpPr>
+        <a:xfrm>
+          <a:off x="0" y="0"/>
+          <a:ext cx="0" cy="0"/>
+          <a:chOff x="0" y="0"/>
+          <a:chExt cx="0" cy="0"/>
+        </a:xfrm>
+      </p:grpSpPr>
+      <p:sp>
+        <p:nvSpPr>
+          <p:cNvPr id="2" name="Title 1"/>
+          <p:cNvSpPr>
+            <a:spLocks noGrp="1"/>
+          </p:cNvSpPr>
+          <p:nvPr>
+            <p:ph type="title"/>
+          </p:nvPr>
+        </p:nvSpPr>
+        <p:spPr/>
+        <p:txBody>
+          <a:bodyPr/>
+          <a:lstStyle/>
+          <a:p>
+            <a:pPr algn="ctr"/>
+            <a:r>
+              <a:rPr lang="hy-AM" dirty="0" smtClean="0"/>
+              <a:t>Օբյեկտների հԱյտնաբերումը</a:t>
+            </a:r>
+            <a:endParaRPr lang="en-US" dirty="0"/>
+          </a:p>
+        </p:txBody>
+      </p:sp>
+      <p:sp>
+        <p:nvSpPr>
+          <p:cNvPr id="3" name="Text Placeholder 2"/>
+          <p:cNvSpPr>
+            <a:spLocks noGrp="1"/>
+          </p:cNvSpPr>
+          <p:nvPr>
+            <p:ph type="body" idx="1"/>
+          </p:nvPr>
+        </p:nvSpPr>
+        <p:spPr/>
+        <p:txBody>
+          <a:bodyPr/>
+          <a:lstStyle/>
+          <a:p>
+            <a:endParaRPr lang="en-US"/>
+          </a:p>
+        </p:txBody>
+      </p:sp>
+      <p:sp>
+        <p:nvSpPr>
+          <p:cNvPr id="5" name="Text Placeholder 4"/>
+          <p:cNvSpPr>
+            <a:spLocks noGrp="1"/>
+          </p:cNvSpPr>
+          <p:nvPr>
+            <p:ph type="body" sz="quarter" idx="3"/>
+          </p:nvPr>
+        </p:nvSpPr>
+        <p:spPr/>
+        <p:txBody>
+          <a:bodyPr/>
+          <a:lstStyle/>
+          <a:p>
+            <a:endParaRPr lang="en-US"/>
+          </a:p>
+        </p:txBody>
+      </p:sp>
+      <p:sp>
+        <p:nvSpPr>
+          <p:cNvPr id="6" name="Content Placeholder 5"/>
+          <p:cNvSpPr>
+            <a:spLocks noGrp="1"/>
+          </p:cNvSpPr>
+          <p:nvPr>
+            <p:ph sz="quarter" idx="4"/>
+          </p:nvPr>
+        </p:nvSpPr>
+        <p:spPr/>
+        <p:txBody>
+          <a:bodyPr/>
+          <a:lstStyle/>
+          <a:p>
+            <a:endParaRPr lang="en-US" dirty="0"/>
+          </a:p>
+        </p:txBody>
+      </p:sp>
+      <mc:AlternateContent xmlns:mc="http://schemas.openxmlformats.org/markup-compatibility/2006" xmlns:a14="http://schemas.microsoft.com/office/drawing/2010/main">
+        <mc:Choice Requires="a14">
+          <p:graphicFrame>
+            <p:nvGraphicFramePr>
+              <p:cNvPr id="14" name="Content Placeholder 13"/>
+              <p:cNvGraphicFramePr>
+                <a:graphicFrameLocks noGrp="1"/>
+              </p:cNvGraphicFramePr>
+              <p:nvPr>
+                <p:ph sz="half" idx="2"/>
+                <p:extLst>
+                  <p:ext uri="{D42A27DB-BD31-4B8C-83A1-F6EECF244321}">
+                    <p14:modId xmlns:p14="http://schemas.microsoft.com/office/powerpoint/2010/main" val="3135647179"/>
+                  </p:ext>
+                </p:extLst>
+              </p:nvPr>
+            </p:nvGraphicFramePr>
+            <p:xfrm>
+              <a:off x="685800" y="2946928"/>
+              <a:ext cx="4997450" cy="2281064"/>
+            </p:xfrm>
+            <a:graphic>
+              <a:graphicData uri="http://schemas.openxmlformats.org/drawingml/2006/table">
+                <a:tbl>
+                  <a:tblPr firstRow="1" firstCol="1" bandRow="1">
+                    <a:tableStyleId>{21E4AEA4-8DFA-4A89-87EB-49C32662AFE0}</a:tableStyleId>
+                  </a:tblPr>
+                  <a:tblGrid>
+                    <a:gridCol w="999490">
+                      <a:extLst>
+                        <a:ext uri="{9D8B030D-6E8A-4147-A177-3AD203B41FA5}">
+                          <a16:colId xmlns="" xmlns:a16="http://schemas.microsoft.com/office/drawing/2014/main" val="1216725777"/>
+                        </a:ext>
+                      </a:extLst>
+                    </a:gridCol>
+                    <a:gridCol w="999490">
+                      <a:extLst>
+                        <a:ext uri="{9D8B030D-6E8A-4147-A177-3AD203B41FA5}">
+                          <a16:colId xmlns="" xmlns:a16="http://schemas.microsoft.com/office/drawing/2014/main" val="1506238522"/>
+                        </a:ext>
+                      </a:extLst>
+                    </a:gridCol>
+                    <a:gridCol w="999490">
+                      <a:extLst>
+                        <a:ext uri="{9D8B030D-6E8A-4147-A177-3AD203B41FA5}">
+                          <a16:colId xmlns="" xmlns:a16="http://schemas.microsoft.com/office/drawing/2014/main" val="2836820485"/>
+                        </a:ext>
+                      </a:extLst>
+                    </a:gridCol>
+                    <a:gridCol w="999490">
+                      <a:extLst>
+                        <a:ext uri="{9D8B030D-6E8A-4147-A177-3AD203B41FA5}">
+                          <a16:colId xmlns="" xmlns:a16="http://schemas.microsoft.com/office/drawing/2014/main" val="1651784423"/>
+                        </a:ext>
+                      </a:extLst>
+                    </a:gridCol>
+                    <a:gridCol w="999490">
+                      <a:extLst>
+                        <a:ext uri="{9D8B030D-6E8A-4147-A177-3AD203B41FA5}">
+                          <a16:colId xmlns="" xmlns:a16="http://schemas.microsoft.com/office/drawing/2014/main" val="1257235431"/>
+                        </a:ext>
+                      </a:extLst>
+                    </a:gridCol>
+                  </a:tblGrid>
+                  <a:tr h="543362">
+                    <a:tc>
+                      <a:txBody>
+                        <a:bodyPr/>
+                        <a:lstStyle/>
+                        <a:p>
+                          <a:pPr marL="228600" marR="0" algn="ctr">
+                            <a:lnSpc>
+                              <a:spcPct val="150000"/>
+                            </a:lnSpc>
+                            <a:spcBef>
+                              <a:spcPts val="0"/>
+                            </a:spcBef>
+                            <a:spcAft>
+                              <a:spcPts val="800"/>
+                            </a:spcAft>
+                          </a:pPr>
+                          <a:r>
+                            <a:rPr lang="en-US" sz="1000">
+                              <a:effectLst/>
+                            </a:rPr>
+                            <a:t>Անուն</a:t>
+                          </a:r>
+                          <a:endParaRPr lang="en-US" sz="900">
+                            <a:solidFill>
+                              <a:srgbClr val="00000A"/>
+                            </a:solidFill>
+                            <a:effectLst/>
+                            <a:latin typeface="Calibri" panose="020F0502020204030204" pitchFamily="34" charset="0"/>
+                            <a:ea typeface="Calibri" panose="020F0502020204030204" pitchFamily="34" charset="0"/>
+                            <a:cs typeface="Calibri" panose="020F0502020204030204" pitchFamily="34" charset="0"/>
+                          </a:endParaRPr>
+                        </a:p>
+                      </a:txBody>
+                      <a:tcPr marL="57725" marR="57725" marT="0" marB="0"/>
+                    </a:tc>
+                    <a:tc>
+                      <a:txBody>
+                        <a:bodyPr/>
+                        <a:lstStyle/>
+                        <a:p>
+                          <a:pPr marL="228600" marR="0" algn="ctr">
+                            <a:lnSpc>
+                              <a:spcPct val="150000"/>
+                            </a:lnSpc>
+                            <a:spcBef>
+                              <a:spcPts val="0"/>
+                            </a:spcBef>
+                            <a:spcAft>
+                              <a:spcPts val="800"/>
+                            </a:spcAft>
+                          </a:pPr>
+                          <a:r>
+                            <a:rPr lang="hy-AM" sz="1000" dirty="0">
+                              <a:effectLst/>
+                            </a:rPr>
+                            <a:t>Հասակ </a:t>
+                          </a:r>
+                          <a:r>
+                            <a:rPr lang="en-US" sz="1000" dirty="0">
+                              <a:effectLst/>
+                            </a:rPr>
+                            <a:t>(</a:t>
+                          </a:r>
+                          <a14:m>
+                            <m:oMath xmlns:m="http://schemas.openxmlformats.org/officeDocument/2006/math">
+                              <m:sSub>
+                                <m:sSubPr>
+                                  <m:ctrlPr>
+                                    <a:rPr lang="en-US" sz="1000" i="1">
+                                      <a:effectLst/>
+                                      <a:latin typeface="Cambria Math" panose="02040503050406030204" pitchFamily="18" charset="0"/>
+                                    </a:rPr>
+                                  </m:ctrlPr>
+                                </m:sSubPr>
+                                <m:e>
+                                  <m:r>
+                                    <a:rPr lang="en-US" sz="1000">
+                                      <a:effectLst/>
+                                      <a:latin typeface="Cambria Math" panose="02040503050406030204" pitchFamily="18" charset="0"/>
+                                    </a:rPr>
+                                    <m:t>𝒉</m:t>
+                                  </m:r>
+                                </m:e>
+                                <m:sub>
+                                  <m:r>
+                                    <a:rPr lang="en-US" sz="1000">
+                                      <a:effectLst/>
+                                      <a:latin typeface="Cambria Math" panose="02040503050406030204" pitchFamily="18" charset="0"/>
+                                    </a:rPr>
+                                    <m:t>𝟏</m:t>
+                                  </m:r>
+                                </m:sub>
+                              </m:sSub>
+                            </m:oMath>
+                          </a14:m>
+                          <a:r>
+                            <a:rPr lang="en-US" sz="1000" dirty="0">
+                              <a:effectLst/>
+                            </a:rPr>
+                            <a:t>)</a:t>
+                          </a:r>
+                          <a:endParaRPr lang="en-US" sz="900" dirty="0">
+                            <a:solidFill>
+                              <a:srgbClr val="00000A"/>
+                            </a:solidFill>
+                            <a:effectLst/>
+                            <a:latin typeface="Calibri" panose="020F0502020204030204" pitchFamily="34" charset="0"/>
+                            <a:ea typeface="Calibri" panose="020F0502020204030204" pitchFamily="34" charset="0"/>
+                            <a:cs typeface="Calibri" panose="020F0502020204030204" pitchFamily="34" charset="0"/>
+                          </a:endParaRPr>
+                        </a:p>
+                      </a:txBody>
+                      <a:tcPr marL="57725" marR="57725" marT="0" marB="0"/>
+                    </a:tc>
+                    <a:tc>
+                      <a:txBody>
+                        <a:bodyPr/>
+                        <a:lstStyle/>
+                        <a:p>
+                          <a:pPr marL="228600" marR="0" algn="ctr">
+                            <a:lnSpc>
+                              <a:spcPct val="150000"/>
+                            </a:lnSpc>
+                            <a:spcBef>
+                              <a:spcPts val="0"/>
+                            </a:spcBef>
+                            <a:spcAft>
+                              <a:spcPts val="800"/>
+                            </a:spcAft>
+                          </a:pPr>
+                          <a:r>
+                            <a:rPr lang="hy-AM" sz="1000">
+                              <a:effectLst/>
+                            </a:rPr>
+                            <a:t>Մազեր </a:t>
+                          </a:r>
+                          <a:r>
+                            <a:rPr lang="en-US" sz="1000">
+                              <a:effectLst/>
+                            </a:rPr>
+                            <a:t>(</a:t>
+                          </a:r>
+                          <a14:m>
+                            <m:oMath xmlns:m="http://schemas.openxmlformats.org/officeDocument/2006/math">
+                              <m:sSub>
+                                <m:sSubPr>
+                                  <m:ctrlPr>
+                                    <a:rPr lang="en-US" sz="1000" i="1">
+                                      <a:effectLst/>
+                                      <a:latin typeface="Cambria Math" panose="02040503050406030204" pitchFamily="18" charset="0"/>
+                                    </a:rPr>
+                                  </m:ctrlPr>
+                                </m:sSubPr>
+                                <m:e>
+                                  <m:r>
+                                    <a:rPr lang="en-US" sz="1000">
+                                      <a:effectLst/>
+                                      <a:latin typeface="Cambria Math" panose="02040503050406030204" pitchFamily="18" charset="0"/>
+                                    </a:rPr>
+                                    <m:t>𝒉</m:t>
+                                  </m:r>
+                                </m:e>
+                                <m:sub>
+                                  <m:r>
+                                    <a:rPr lang="en-US" sz="1000">
+                                      <a:effectLst/>
+                                      <a:latin typeface="Cambria Math" panose="02040503050406030204" pitchFamily="18" charset="0"/>
+                                    </a:rPr>
+                                    <m:t>𝟐</m:t>
+                                  </m:r>
+                                </m:sub>
+                              </m:sSub>
+                            </m:oMath>
+                          </a14:m>
+                          <a:r>
+                            <a:rPr lang="en-US" sz="1000">
+                              <a:effectLst/>
+                            </a:rPr>
+                            <a:t>)</a:t>
+                          </a:r>
+                          <a:endParaRPr lang="en-US" sz="900">
+                            <a:solidFill>
+                              <a:srgbClr val="00000A"/>
+                            </a:solidFill>
+                            <a:effectLst/>
+                            <a:latin typeface="Calibri" panose="020F0502020204030204" pitchFamily="34" charset="0"/>
+                            <a:ea typeface="Calibri" panose="020F0502020204030204" pitchFamily="34" charset="0"/>
+                            <a:cs typeface="Calibri" panose="020F0502020204030204" pitchFamily="34" charset="0"/>
+                          </a:endParaRPr>
+                        </a:p>
+                      </a:txBody>
+                      <a:tcPr marL="57725" marR="57725" marT="0" marB="0"/>
+                    </a:tc>
+                    <a:tc>
+                      <a:txBody>
+                        <a:bodyPr/>
+                        <a:lstStyle/>
+                        <a:p>
+                          <a:pPr marL="228600" marR="0" algn="ctr">
+                            <a:lnSpc>
+                              <a:spcPct val="150000"/>
+                            </a:lnSpc>
+                            <a:spcBef>
+                              <a:spcPts val="0"/>
+                            </a:spcBef>
+                            <a:spcAft>
+                              <a:spcPts val="800"/>
+                            </a:spcAft>
+                          </a:pPr>
+                          <a:r>
+                            <a:rPr lang="hy-AM" sz="1000">
+                              <a:effectLst/>
+                            </a:rPr>
+                            <a:t>Մորուք </a:t>
+                          </a:r>
+                          <a:r>
+                            <a:rPr lang="en-US" sz="1000">
+                              <a:effectLst/>
+                            </a:rPr>
+                            <a:t>(</a:t>
+                          </a:r>
+                          <a14:m>
+                            <m:oMath xmlns:m="http://schemas.openxmlformats.org/officeDocument/2006/math">
+                              <m:sSub>
+                                <m:sSubPr>
+                                  <m:ctrlPr>
+                                    <a:rPr lang="en-US" sz="1000" i="1">
+                                      <a:effectLst/>
+                                      <a:latin typeface="Cambria Math" panose="02040503050406030204" pitchFamily="18" charset="0"/>
+                                    </a:rPr>
+                                  </m:ctrlPr>
+                                </m:sSubPr>
+                                <m:e>
+                                  <m:r>
+                                    <a:rPr lang="en-US" sz="1000">
+                                      <a:effectLst/>
+                                      <a:latin typeface="Cambria Math" panose="02040503050406030204" pitchFamily="18" charset="0"/>
+                                    </a:rPr>
+                                    <m:t>𝒉</m:t>
+                                  </m:r>
+                                </m:e>
+                                <m:sub>
+                                  <m:r>
+                                    <a:rPr lang="en-US" sz="1000">
+                                      <a:effectLst/>
+                                      <a:latin typeface="Cambria Math" panose="02040503050406030204" pitchFamily="18" charset="0"/>
+                                    </a:rPr>
+                                    <m:t>𝟑</m:t>
+                                  </m:r>
+                                </m:sub>
+                              </m:sSub>
+                            </m:oMath>
+                          </a14:m>
+                          <a:r>
+                            <a:rPr lang="en-US" sz="1000">
+                              <a:effectLst/>
+                            </a:rPr>
+                            <a:t>)</a:t>
+                          </a:r>
+                          <a:endParaRPr lang="en-US" sz="900">
+                            <a:solidFill>
+                              <a:srgbClr val="00000A"/>
+                            </a:solidFill>
+                            <a:effectLst/>
+                            <a:latin typeface="Calibri" panose="020F0502020204030204" pitchFamily="34" charset="0"/>
+                            <a:ea typeface="Calibri" panose="020F0502020204030204" pitchFamily="34" charset="0"/>
+                            <a:cs typeface="Calibri" panose="020F0502020204030204" pitchFamily="34" charset="0"/>
+                          </a:endParaRPr>
+                        </a:p>
+                      </a:txBody>
+                      <a:tcPr marL="57725" marR="57725" marT="0" marB="0"/>
+                    </a:tc>
+                    <a:tc>
+                      <a:txBody>
+                        <a:bodyPr/>
+                        <a:lstStyle/>
+                        <a:p>
+                          <a:pPr marL="228600" marR="0" algn="ctr">
+                            <a:lnSpc>
+                              <a:spcPct val="150000"/>
+                            </a:lnSpc>
+                            <a:spcBef>
+                              <a:spcPts val="0"/>
+                            </a:spcBef>
+                            <a:spcAft>
+                              <a:spcPts val="800"/>
+                            </a:spcAft>
+                          </a:pPr>
+                          <a:r>
+                            <a:rPr lang="hy-AM" sz="1000">
+                              <a:effectLst/>
+                            </a:rPr>
+                            <a:t>Սեռ</a:t>
+                          </a:r>
+                          <a:r>
+                            <a:rPr lang="en-US" sz="1000">
+                              <a:effectLst/>
+                            </a:rPr>
+                            <a:t> (f(x))</a:t>
+                          </a:r>
+                          <a:endParaRPr lang="en-US" sz="900">
+                            <a:solidFill>
+                              <a:srgbClr val="00000A"/>
+                            </a:solidFill>
+                            <a:effectLst/>
+                            <a:latin typeface="Calibri" panose="020F0502020204030204" pitchFamily="34" charset="0"/>
+                            <a:ea typeface="Calibri" panose="020F0502020204030204" pitchFamily="34" charset="0"/>
+                            <a:cs typeface="Calibri" panose="020F0502020204030204" pitchFamily="34" charset="0"/>
+                          </a:endParaRPr>
+                        </a:p>
+                      </a:txBody>
+                      <a:tcPr marL="57725" marR="57725" marT="0" marB="0"/>
+                    </a:tc>
+                    <a:extLst>
+                      <a:ext uri="{0D108BD9-81ED-4DB2-BD59-A6C34878D82A}">
+                        <a16:rowId xmlns="" xmlns:a16="http://schemas.microsoft.com/office/drawing/2014/main" val="1324942624"/>
+                      </a:ext>
+                    </a:extLst>
+                  </a:tr>
+                  <a:tr h="289617">
+                    <a:tc>
+                      <a:txBody>
+                        <a:bodyPr/>
+                        <a:lstStyle/>
+                        <a:p>
+                          <a:pPr marL="228600" marR="0" algn="ctr">
+                            <a:lnSpc>
+                              <a:spcPct val="150000"/>
+                            </a:lnSpc>
+                            <a:spcBef>
+                              <a:spcPts val="0"/>
+                            </a:spcBef>
+                            <a:spcAft>
+                              <a:spcPts val="800"/>
+                            </a:spcAft>
+                          </a:pPr>
+                          <a:r>
+                            <a:rPr lang="hy-AM" sz="1000">
+                              <a:effectLst/>
+                            </a:rPr>
+                            <a:t>Աննա</a:t>
+                          </a:r>
+                          <a:endParaRPr lang="en-US" sz="900">
+                            <a:solidFill>
+                              <a:srgbClr val="00000A"/>
+                            </a:solidFill>
+                            <a:effectLst/>
+                            <a:latin typeface="Calibri" panose="020F0502020204030204" pitchFamily="34" charset="0"/>
+                            <a:ea typeface="Calibri" panose="020F0502020204030204" pitchFamily="34" charset="0"/>
+                            <a:cs typeface="Calibri" panose="020F0502020204030204" pitchFamily="34" charset="0"/>
+                          </a:endParaRPr>
+                        </a:p>
+                      </a:txBody>
+                      <a:tcPr marL="57725" marR="57725" marT="0" marB="0"/>
+                    </a:tc>
+                    <a:tc>
+                      <a:txBody>
+                        <a:bodyPr/>
+                        <a:lstStyle/>
+                        <a:p>
+                          <a:pPr marL="228600" marR="0" algn="ctr">
+                            <a:lnSpc>
+                              <a:spcPct val="150000"/>
+                            </a:lnSpc>
+                            <a:spcBef>
+                              <a:spcPts val="0"/>
+                            </a:spcBef>
+                            <a:spcAft>
+                              <a:spcPts val="800"/>
+                            </a:spcAft>
+                          </a:pPr>
+                          <a:r>
+                            <a:rPr lang="en-US" sz="1000">
+                              <a:effectLst/>
+                            </a:rPr>
+                            <a:t>1.69</a:t>
+                          </a:r>
+                          <a:endParaRPr lang="en-US" sz="900">
+                            <a:solidFill>
+                              <a:srgbClr val="00000A"/>
+                            </a:solidFill>
+                            <a:effectLst/>
+                            <a:latin typeface="Calibri" panose="020F0502020204030204" pitchFamily="34" charset="0"/>
+                            <a:ea typeface="Calibri" panose="020F0502020204030204" pitchFamily="34" charset="0"/>
+                            <a:cs typeface="Calibri" panose="020F0502020204030204" pitchFamily="34" charset="0"/>
+                          </a:endParaRPr>
+                        </a:p>
+                      </a:txBody>
+                      <a:tcPr marL="57725" marR="57725" marT="0" marB="0"/>
+                    </a:tc>
+                    <a:tc>
+                      <a:txBody>
+                        <a:bodyPr/>
+                        <a:lstStyle/>
+                        <a:p>
+                          <a:pPr marL="228600" marR="0" algn="ctr">
+                            <a:lnSpc>
+                              <a:spcPct val="150000"/>
+                            </a:lnSpc>
+                            <a:spcBef>
+                              <a:spcPts val="0"/>
+                            </a:spcBef>
+                            <a:spcAft>
+                              <a:spcPts val="800"/>
+                            </a:spcAft>
+                          </a:pPr>
+                          <a:r>
+                            <a:rPr lang="hy-AM" sz="1000">
+                              <a:effectLst/>
+                            </a:rPr>
+                            <a:t>Երկար</a:t>
+                          </a:r>
+                          <a:endParaRPr lang="en-US" sz="900">
+                            <a:solidFill>
+                              <a:srgbClr val="00000A"/>
+                            </a:solidFill>
+                            <a:effectLst/>
+                            <a:latin typeface="Calibri" panose="020F0502020204030204" pitchFamily="34" charset="0"/>
+                            <a:ea typeface="Calibri" panose="020F0502020204030204" pitchFamily="34" charset="0"/>
+                            <a:cs typeface="Calibri" panose="020F0502020204030204" pitchFamily="34" charset="0"/>
+                          </a:endParaRPr>
+                        </a:p>
+                      </a:txBody>
+                      <a:tcPr marL="57725" marR="57725" marT="0" marB="0"/>
+                    </a:tc>
+                    <a:tc>
+                      <a:txBody>
+                        <a:bodyPr/>
+                        <a:lstStyle/>
+                        <a:p>
+                          <a:pPr marL="228600" marR="0" algn="ctr">
+                            <a:lnSpc>
+                              <a:spcPct val="150000"/>
+                            </a:lnSpc>
+                            <a:spcBef>
+                              <a:spcPts val="0"/>
+                            </a:spcBef>
+                            <a:spcAft>
+                              <a:spcPts val="800"/>
+                            </a:spcAft>
+                          </a:pPr>
+                          <a:r>
+                            <a:rPr lang="hy-AM" sz="1000">
+                              <a:effectLst/>
+                            </a:rPr>
+                            <a:t>Ա</a:t>
+                          </a:r>
+                          <a:r>
+                            <a:rPr lang="en-US" sz="1000">
+                              <a:effectLst/>
+                            </a:rPr>
+                            <a:t>նթրաշ</a:t>
+                          </a:r>
+                          <a:endParaRPr lang="en-US" sz="900">
+                            <a:solidFill>
+                              <a:srgbClr val="00000A"/>
+                            </a:solidFill>
+                            <a:effectLst/>
+                            <a:latin typeface="Calibri" panose="020F0502020204030204" pitchFamily="34" charset="0"/>
+                            <a:ea typeface="Calibri" panose="020F0502020204030204" pitchFamily="34" charset="0"/>
+                            <a:cs typeface="Calibri" panose="020F0502020204030204" pitchFamily="34" charset="0"/>
+                          </a:endParaRPr>
+                        </a:p>
+                      </a:txBody>
+                      <a:tcPr marL="57725" marR="57725" marT="0" marB="0"/>
+                    </a:tc>
+                    <a:tc>
+                      <a:txBody>
+                        <a:bodyPr/>
+                        <a:lstStyle/>
+                        <a:p>
+                          <a:pPr marL="228600" marR="0" algn="ctr">
+                            <a:lnSpc>
+                              <a:spcPct val="150000"/>
+                            </a:lnSpc>
+                            <a:spcBef>
+                              <a:spcPts val="0"/>
+                            </a:spcBef>
+                            <a:spcAft>
+                              <a:spcPts val="800"/>
+                            </a:spcAft>
+                          </a:pPr>
+                          <a:r>
+                            <a:rPr lang="hy-AM" sz="1000">
+                              <a:effectLst/>
+                            </a:rPr>
+                            <a:t>Կին</a:t>
+                          </a:r>
+                          <a:endParaRPr lang="en-US" sz="900">
+                            <a:solidFill>
+                              <a:srgbClr val="00000A"/>
+                            </a:solidFill>
+                            <a:effectLst/>
+                            <a:latin typeface="Calibri" panose="020F0502020204030204" pitchFamily="34" charset="0"/>
+                            <a:ea typeface="Calibri" panose="020F0502020204030204" pitchFamily="34" charset="0"/>
+                            <a:cs typeface="Calibri" panose="020F0502020204030204" pitchFamily="34" charset="0"/>
+                          </a:endParaRPr>
+                        </a:p>
+                      </a:txBody>
+                      <a:tcPr marL="57725" marR="57725" marT="0" marB="0"/>
+                    </a:tc>
+                    <a:extLst>
+                      <a:ext uri="{0D108BD9-81ED-4DB2-BD59-A6C34878D82A}">
+                        <a16:rowId xmlns="" xmlns:a16="http://schemas.microsoft.com/office/drawing/2014/main" val="2491110305"/>
+                      </a:ext>
+                    </a:extLst>
+                  </a:tr>
+                  <a:tr h="289617">
+                    <a:tc>
+                      <a:txBody>
+                        <a:bodyPr/>
+                        <a:lstStyle/>
+                        <a:p>
+                          <a:pPr marL="228600" marR="0" algn="ctr">
+                            <a:lnSpc>
+                              <a:spcPct val="150000"/>
+                            </a:lnSpc>
+                            <a:spcBef>
+                              <a:spcPts val="0"/>
+                            </a:spcBef>
+                            <a:spcAft>
+                              <a:spcPts val="800"/>
+                            </a:spcAft>
+                          </a:pPr>
+                          <a:r>
+                            <a:rPr lang="hy-AM" sz="1000">
+                              <a:effectLst/>
+                            </a:rPr>
+                            <a:t>Վահան</a:t>
+                          </a:r>
+                          <a:endParaRPr lang="en-US" sz="900">
+                            <a:solidFill>
+                              <a:srgbClr val="00000A"/>
+                            </a:solidFill>
+                            <a:effectLst/>
+                            <a:latin typeface="Calibri" panose="020F0502020204030204" pitchFamily="34" charset="0"/>
+                            <a:ea typeface="Calibri" panose="020F0502020204030204" pitchFamily="34" charset="0"/>
+                            <a:cs typeface="Calibri" panose="020F0502020204030204" pitchFamily="34" charset="0"/>
+                          </a:endParaRPr>
+                        </a:p>
+                      </a:txBody>
+                      <a:tcPr marL="57725" marR="57725" marT="0" marB="0"/>
+                    </a:tc>
+                    <a:tc>
+                      <a:txBody>
+                        <a:bodyPr/>
+                        <a:lstStyle/>
+                        <a:p>
+                          <a:pPr marL="228600" marR="0" algn="ctr">
+                            <a:lnSpc>
+                              <a:spcPct val="150000"/>
+                            </a:lnSpc>
+                            <a:spcBef>
+                              <a:spcPts val="0"/>
+                            </a:spcBef>
+                            <a:spcAft>
+                              <a:spcPts val="800"/>
+                            </a:spcAft>
+                          </a:pPr>
+                          <a:r>
+                            <a:rPr lang="en-US" sz="1000">
+                              <a:effectLst/>
+                            </a:rPr>
+                            <a:t>1.75</a:t>
+                          </a:r>
+                          <a:endParaRPr lang="en-US" sz="900">
+                            <a:solidFill>
+                              <a:srgbClr val="00000A"/>
+                            </a:solidFill>
+                            <a:effectLst/>
+                            <a:latin typeface="Calibri" panose="020F0502020204030204" pitchFamily="34" charset="0"/>
+                            <a:ea typeface="Calibri" panose="020F0502020204030204" pitchFamily="34" charset="0"/>
+                            <a:cs typeface="Calibri" panose="020F0502020204030204" pitchFamily="34" charset="0"/>
+                          </a:endParaRPr>
+                        </a:p>
+                      </a:txBody>
+                      <a:tcPr marL="57725" marR="57725" marT="0" marB="0"/>
+                    </a:tc>
+                    <a:tc>
+                      <a:txBody>
+                        <a:bodyPr/>
+                        <a:lstStyle/>
+                        <a:p>
+                          <a:pPr marL="228600" marR="0" algn="ctr">
+                            <a:lnSpc>
+                              <a:spcPct val="150000"/>
+                            </a:lnSpc>
+                            <a:spcBef>
+                              <a:spcPts val="0"/>
+                            </a:spcBef>
+                            <a:spcAft>
+                              <a:spcPts val="800"/>
+                            </a:spcAft>
+                          </a:pPr>
+                          <a:r>
+                            <a:rPr lang="hy-AM" sz="1000">
+                              <a:effectLst/>
+                            </a:rPr>
+                            <a:t>Կարճ</a:t>
+                          </a:r>
+                          <a:endParaRPr lang="en-US" sz="900">
+                            <a:solidFill>
+                              <a:srgbClr val="00000A"/>
+                            </a:solidFill>
+                            <a:effectLst/>
+                            <a:latin typeface="Calibri" panose="020F0502020204030204" pitchFamily="34" charset="0"/>
+                            <a:ea typeface="Calibri" panose="020F0502020204030204" pitchFamily="34" charset="0"/>
+                            <a:cs typeface="Calibri" panose="020F0502020204030204" pitchFamily="34" charset="0"/>
+                          </a:endParaRPr>
+                        </a:p>
+                      </a:txBody>
+                      <a:tcPr marL="57725" marR="57725" marT="0" marB="0"/>
+                    </a:tc>
+                    <a:tc>
+                      <a:txBody>
+                        <a:bodyPr/>
+                        <a:lstStyle/>
+                        <a:p>
+                          <a:pPr marL="228600" marR="0" algn="ctr">
+                            <a:lnSpc>
+                              <a:spcPct val="150000"/>
+                            </a:lnSpc>
+                            <a:spcBef>
+                              <a:spcPts val="0"/>
+                            </a:spcBef>
+                            <a:spcAft>
+                              <a:spcPts val="800"/>
+                            </a:spcAft>
+                          </a:pPr>
+                          <a:r>
+                            <a:rPr lang="hy-AM" sz="1000">
+                              <a:effectLst/>
+                            </a:rPr>
+                            <a:t>Ա</a:t>
+                          </a:r>
+                          <a:r>
+                            <a:rPr lang="en-US" sz="1000">
+                              <a:effectLst/>
+                            </a:rPr>
+                            <a:t>նթրաշ</a:t>
+                          </a:r>
+                          <a:endParaRPr lang="en-US" sz="900">
+                            <a:solidFill>
+                              <a:srgbClr val="00000A"/>
+                            </a:solidFill>
+                            <a:effectLst/>
+                            <a:latin typeface="Calibri" panose="020F0502020204030204" pitchFamily="34" charset="0"/>
+                            <a:ea typeface="Calibri" panose="020F0502020204030204" pitchFamily="34" charset="0"/>
+                            <a:cs typeface="Calibri" panose="020F0502020204030204" pitchFamily="34" charset="0"/>
+                          </a:endParaRPr>
+                        </a:p>
+                      </a:txBody>
+                      <a:tcPr marL="57725" marR="57725" marT="0" marB="0"/>
+                    </a:tc>
+                    <a:tc>
+                      <a:txBody>
+                        <a:bodyPr/>
+                        <a:lstStyle/>
+                        <a:p>
+                          <a:pPr marL="228600" marR="0" algn="ctr">
+                            <a:lnSpc>
+                              <a:spcPct val="150000"/>
+                            </a:lnSpc>
+                            <a:spcBef>
+                              <a:spcPts val="0"/>
+                            </a:spcBef>
+                            <a:spcAft>
+                              <a:spcPts val="800"/>
+                            </a:spcAft>
+                          </a:pPr>
+                          <a:r>
+                            <a:rPr lang="hy-AM" sz="1000">
+                              <a:effectLst/>
+                            </a:rPr>
+                            <a:t>Տղամարդ</a:t>
+                          </a:r>
+                          <a:endParaRPr lang="en-US" sz="900">
+                            <a:solidFill>
+                              <a:srgbClr val="00000A"/>
+                            </a:solidFill>
+                            <a:effectLst/>
+                            <a:latin typeface="Calibri" panose="020F0502020204030204" pitchFamily="34" charset="0"/>
+                            <a:ea typeface="Calibri" panose="020F0502020204030204" pitchFamily="34" charset="0"/>
+                            <a:cs typeface="Calibri" panose="020F0502020204030204" pitchFamily="34" charset="0"/>
+                          </a:endParaRPr>
+                        </a:p>
+                      </a:txBody>
+                      <a:tcPr marL="57725" marR="57725" marT="0" marB="0"/>
+                    </a:tc>
+                    <a:extLst>
+                      <a:ext uri="{0D108BD9-81ED-4DB2-BD59-A6C34878D82A}">
+                        <a16:rowId xmlns="" xmlns:a16="http://schemas.microsoft.com/office/drawing/2014/main" val="1031351399"/>
+                      </a:ext>
+                    </a:extLst>
+                  </a:tr>
+                  <a:tr h="289617">
+                    <a:tc>
+                      <a:txBody>
+                        <a:bodyPr/>
+                        <a:lstStyle/>
+                        <a:p>
+                          <a:pPr marL="228600" marR="0" algn="ctr">
+                            <a:lnSpc>
+                              <a:spcPct val="150000"/>
+                            </a:lnSpc>
+                            <a:spcBef>
+                              <a:spcPts val="0"/>
+                            </a:spcBef>
+                            <a:spcAft>
+                              <a:spcPts val="800"/>
+                            </a:spcAft>
+                          </a:pPr>
+                          <a:r>
+                            <a:rPr lang="hy-AM" sz="1000">
+                              <a:effectLst/>
+                            </a:rPr>
+                            <a:t>Գևորգ</a:t>
+                          </a:r>
+                          <a:endParaRPr lang="en-US" sz="900">
+                            <a:solidFill>
+                              <a:srgbClr val="00000A"/>
+                            </a:solidFill>
+                            <a:effectLst/>
+                            <a:latin typeface="Calibri" panose="020F0502020204030204" pitchFamily="34" charset="0"/>
+                            <a:ea typeface="Calibri" panose="020F0502020204030204" pitchFamily="34" charset="0"/>
+                            <a:cs typeface="Calibri" panose="020F0502020204030204" pitchFamily="34" charset="0"/>
+                          </a:endParaRPr>
+                        </a:p>
+                      </a:txBody>
+                      <a:tcPr marL="57725" marR="57725" marT="0" marB="0"/>
+                    </a:tc>
+                    <a:tc>
+                      <a:txBody>
+                        <a:bodyPr/>
+                        <a:lstStyle/>
+                        <a:p>
+                          <a:pPr marL="228600" marR="0" algn="ctr">
+                            <a:lnSpc>
+                              <a:spcPct val="150000"/>
+                            </a:lnSpc>
+                            <a:spcBef>
+                              <a:spcPts val="0"/>
+                            </a:spcBef>
+                            <a:spcAft>
+                              <a:spcPts val="800"/>
+                            </a:spcAft>
+                          </a:pPr>
+                          <a:r>
+                            <a:rPr lang="en-US" sz="1000">
+                              <a:effectLst/>
+                            </a:rPr>
+                            <a:t>1.80</a:t>
+                          </a:r>
+                          <a:endParaRPr lang="en-US" sz="900">
+                            <a:solidFill>
+                              <a:srgbClr val="00000A"/>
+                            </a:solidFill>
+                            <a:effectLst/>
+                            <a:latin typeface="Calibri" panose="020F0502020204030204" pitchFamily="34" charset="0"/>
+                            <a:ea typeface="Calibri" panose="020F0502020204030204" pitchFamily="34" charset="0"/>
+                            <a:cs typeface="Calibri" panose="020F0502020204030204" pitchFamily="34" charset="0"/>
+                          </a:endParaRPr>
+                        </a:p>
+                      </a:txBody>
+                      <a:tcPr marL="57725" marR="57725" marT="0" marB="0"/>
+                    </a:tc>
+                    <a:tc>
+                      <a:txBody>
+                        <a:bodyPr/>
+                        <a:lstStyle/>
+                        <a:p>
+                          <a:pPr marL="228600" marR="0" algn="ctr">
+                            <a:lnSpc>
+                              <a:spcPct val="150000"/>
+                            </a:lnSpc>
+                            <a:spcBef>
+                              <a:spcPts val="0"/>
+                            </a:spcBef>
+                            <a:spcAft>
+                              <a:spcPts val="800"/>
+                            </a:spcAft>
+                          </a:pPr>
+                          <a:r>
+                            <a:rPr lang="hy-AM" sz="1000">
+                              <a:effectLst/>
+                            </a:rPr>
+                            <a:t>Կարճ</a:t>
+                          </a:r>
+                          <a:endParaRPr lang="en-US" sz="900">
+                            <a:solidFill>
+                              <a:srgbClr val="00000A"/>
+                            </a:solidFill>
+                            <a:effectLst/>
+                            <a:latin typeface="Calibri" panose="020F0502020204030204" pitchFamily="34" charset="0"/>
+                            <a:ea typeface="Calibri" panose="020F0502020204030204" pitchFamily="34" charset="0"/>
+                            <a:cs typeface="Calibri" panose="020F0502020204030204" pitchFamily="34" charset="0"/>
+                          </a:endParaRPr>
+                        </a:p>
+                      </a:txBody>
+                      <a:tcPr marL="57725" marR="57725" marT="0" marB="0"/>
+                    </a:tc>
+                    <a:tc>
+                      <a:txBody>
+                        <a:bodyPr/>
+                        <a:lstStyle/>
+                        <a:p>
+                          <a:pPr marL="228600" marR="0" algn="ctr">
+                            <a:lnSpc>
+                              <a:spcPct val="150000"/>
+                            </a:lnSpc>
+                            <a:spcBef>
+                              <a:spcPts val="0"/>
+                            </a:spcBef>
+                            <a:spcAft>
+                              <a:spcPts val="800"/>
+                            </a:spcAft>
+                          </a:pPr>
+                          <a:r>
+                            <a:rPr lang="hy-AM" sz="1000">
+                              <a:effectLst/>
+                            </a:rPr>
+                            <a:t>Ա</a:t>
+                          </a:r>
+                          <a:r>
+                            <a:rPr lang="en-US" sz="1000">
+                              <a:effectLst/>
+                            </a:rPr>
+                            <a:t>նթրաշ</a:t>
+                          </a:r>
+                          <a:endParaRPr lang="en-US" sz="900">
+                            <a:solidFill>
+                              <a:srgbClr val="00000A"/>
+                            </a:solidFill>
+                            <a:effectLst/>
+                            <a:latin typeface="Calibri" panose="020F0502020204030204" pitchFamily="34" charset="0"/>
+                            <a:ea typeface="Calibri" panose="020F0502020204030204" pitchFamily="34" charset="0"/>
+                            <a:cs typeface="Calibri" panose="020F0502020204030204" pitchFamily="34" charset="0"/>
+                          </a:endParaRPr>
+                        </a:p>
+                      </a:txBody>
+                      <a:tcPr marL="57725" marR="57725" marT="0" marB="0"/>
+                    </a:tc>
+                    <a:tc>
+                      <a:txBody>
+                        <a:bodyPr/>
+                        <a:lstStyle/>
+                        <a:p>
+                          <a:pPr marL="228600" marR="0" algn="ctr">
+                            <a:lnSpc>
+                              <a:spcPct val="150000"/>
+                            </a:lnSpc>
+                            <a:spcBef>
+                              <a:spcPts val="0"/>
+                            </a:spcBef>
+                            <a:spcAft>
+                              <a:spcPts val="800"/>
+                            </a:spcAft>
+                          </a:pPr>
+                          <a:r>
+                            <a:rPr lang="hy-AM" sz="1000">
+                              <a:effectLst/>
+                            </a:rPr>
+                            <a:t>Տղամարդ</a:t>
+                          </a:r>
+                          <a:endParaRPr lang="en-US" sz="900">
+                            <a:solidFill>
+                              <a:srgbClr val="00000A"/>
+                            </a:solidFill>
+                            <a:effectLst/>
+                            <a:latin typeface="Calibri" panose="020F0502020204030204" pitchFamily="34" charset="0"/>
+                            <a:ea typeface="Calibri" panose="020F0502020204030204" pitchFamily="34" charset="0"/>
+                            <a:cs typeface="Calibri" panose="020F0502020204030204" pitchFamily="34" charset="0"/>
+                          </a:endParaRPr>
+                        </a:p>
+                      </a:txBody>
+                      <a:tcPr marL="57725" marR="57725" marT="0" marB="0"/>
+                    </a:tc>
+                    <a:extLst>
+                      <a:ext uri="{0D108BD9-81ED-4DB2-BD59-A6C34878D82A}">
+                        <a16:rowId xmlns="" xmlns:a16="http://schemas.microsoft.com/office/drawing/2014/main" val="1041437350"/>
+                      </a:ext>
+                    </a:extLst>
+                  </a:tr>
+                  <a:tr h="289617">
+                    <a:tc>
+                      <a:txBody>
+                        <a:bodyPr/>
+                        <a:lstStyle/>
+                        <a:p>
+                          <a:pPr marL="228600" marR="0" algn="ctr">
+                            <a:lnSpc>
+                              <a:spcPct val="150000"/>
+                            </a:lnSpc>
+                            <a:spcBef>
+                              <a:spcPts val="0"/>
+                            </a:spcBef>
+                            <a:spcAft>
+                              <a:spcPts val="800"/>
+                            </a:spcAft>
+                          </a:pPr>
+                          <a:r>
+                            <a:rPr lang="hy-AM" sz="1000">
+                              <a:effectLst/>
+                            </a:rPr>
+                            <a:t>Արամ</a:t>
+                          </a:r>
+                          <a:endParaRPr lang="en-US" sz="900">
+                            <a:solidFill>
+                              <a:srgbClr val="00000A"/>
+                            </a:solidFill>
+                            <a:effectLst/>
+                            <a:latin typeface="Calibri" panose="020F0502020204030204" pitchFamily="34" charset="0"/>
+                            <a:ea typeface="Calibri" panose="020F0502020204030204" pitchFamily="34" charset="0"/>
+                            <a:cs typeface="Calibri" panose="020F0502020204030204" pitchFamily="34" charset="0"/>
+                          </a:endParaRPr>
+                        </a:p>
+                      </a:txBody>
+                      <a:tcPr marL="57725" marR="57725" marT="0" marB="0"/>
+                    </a:tc>
+                    <a:tc>
+                      <a:txBody>
+                        <a:bodyPr/>
+                        <a:lstStyle/>
+                        <a:p>
+                          <a:pPr marL="228600" marR="0" algn="ctr">
+                            <a:lnSpc>
+                              <a:spcPct val="150000"/>
+                            </a:lnSpc>
+                            <a:spcBef>
+                              <a:spcPts val="0"/>
+                            </a:spcBef>
+                            <a:spcAft>
+                              <a:spcPts val="800"/>
+                            </a:spcAft>
+                          </a:pPr>
+                          <a:r>
+                            <a:rPr lang="en-US" sz="1000">
+                              <a:effectLst/>
+                            </a:rPr>
+                            <a:t>1.83</a:t>
+                          </a:r>
+                          <a:endParaRPr lang="en-US" sz="900">
+                            <a:solidFill>
+                              <a:srgbClr val="00000A"/>
+                            </a:solidFill>
+                            <a:effectLst/>
+                            <a:latin typeface="Calibri" panose="020F0502020204030204" pitchFamily="34" charset="0"/>
+                            <a:ea typeface="Calibri" panose="020F0502020204030204" pitchFamily="34" charset="0"/>
+                            <a:cs typeface="Calibri" panose="020F0502020204030204" pitchFamily="34" charset="0"/>
+                          </a:endParaRPr>
+                        </a:p>
+                      </a:txBody>
+                      <a:tcPr marL="57725" marR="57725" marT="0" marB="0"/>
+                    </a:tc>
+                    <a:tc>
+                      <a:txBody>
+                        <a:bodyPr/>
+                        <a:lstStyle/>
+                        <a:p>
+                          <a:pPr marL="228600" marR="0" algn="ctr">
+                            <a:lnSpc>
+                              <a:spcPct val="150000"/>
+                            </a:lnSpc>
+                            <a:spcBef>
+                              <a:spcPts val="0"/>
+                            </a:spcBef>
+                            <a:spcAft>
+                              <a:spcPts val="800"/>
+                            </a:spcAft>
+                          </a:pPr>
+                          <a:r>
+                            <a:rPr lang="hy-AM" sz="1000">
+                              <a:effectLst/>
+                            </a:rPr>
+                            <a:t>Կարճ</a:t>
+                          </a:r>
+                          <a:endParaRPr lang="en-US" sz="900">
+                            <a:solidFill>
+                              <a:srgbClr val="00000A"/>
+                            </a:solidFill>
+                            <a:effectLst/>
+                            <a:latin typeface="Calibri" panose="020F0502020204030204" pitchFamily="34" charset="0"/>
+                            <a:ea typeface="Calibri" panose="020F0502020204030204" pitchFamily="34" charset="0"/>
+                            <a:cs typeface="Calibri" panose="020F0502020204030204" pitchFamily="34" charset="0"/>
+                          </a:endParaRPr>
+                        </a:p>
+                      </a:txBody>
+                      <a:tcPr marL="57725" marR="57725" marT="0" marB="0"/>
+                    </a:tc>
+                    <a:tc>
+                      <a:txBody>
+                        <a:bodyPr/>
+                        <a:lstStyle/>
+                        <a:p>
+                          <a:pPr marL="228600" marR="0" algn="ctr">
+                            <a:lnSpc>
+                              <a:spcPct val="150000"/>
+                            </a:lnSpc>
+                            <a:spcBef>
+                              <a:spcPts val="0"/>
+                            </a:spcBef>
+                            <a:spcAft>
+                              <a:spcPts val="800"/>
+                            </a:spcAft>
+                          </a:pPr>
+                          <a:r>
+                            <a:rPr lang="hy-AM" sz="1000">
+                              <a:effectLst/>
+                            </a:rPr>
+                            <a:t>Թրաշով</a:t>
+                          </a:r>
+                          <a:endParaRPr lang="en-US" sz="900">
+                            <a:solidFill>
+                              <a:srgbClr val="00000A"/>
+                            </a:solidFill>
+                            <a:effectLst/>
+                            <a:latin typeface="Calibri" panose="020F0502020204030204" pitchFamily="34" charset="0"/>
+                            <a:ea typeface="Calibri" panose="020F0502020204030204" pitchFamily="34" charset="0"/>
+                            <a:cs typeface="Calibri" panose="020F0502020204030204" pitchFamily="34" charset="0"/>
+                          </a:endParaRPr>
+                        </a:p>
+                      </a:txBody>
+                      <a:tcPr marL="57725" marR="57725" marT="0" marB="0"/>
+                    </a:tc>
+                    <a:tc>
+                      <a:txBody>
+                        <a:bodyPr/>
+                        <a:lstStyle/>
+                        <a:p>
+                          <a:pPr marL="228600" marR="0" algn="ctr">
+                            <a:lnSpc>
+                              <a:spcPct val="150000"/>
+                            </a:lnSpc>
+                            <a:spcBef>
+                              <a:spcPts val="0"/>
+                            </a:spcBef>
+                            <a:spcAft>
+                              <a:spcPts val="800"/>
+                            </a:spcAft>
+                          </a:pPr>
+                          <a:r>
+                            <a:rPr lang="hy-AM" sz="1000">
+                              <a:effectLst/>
+                            </a:rPr>
+                            <a:t>Տղամարդ</a:t>
+                          </a:r>
+                          <a:endParaRPr lang="en-US" sz="900">
+                            <a:solidFill>
+                              <a:srgbClr val="00000A"/>
+                            </a:solidFill>
+                            <a:effectLst/>
+                            <a:latin typeface="Calibri" panose="020F0502020204030204" pitchFamily="34" charset="0"/>
+                            <a:ea typeface="Calibri" panose="020F0502020204030204" pitchFamily="34" charset="0"/>
+                            <a:cs typeface="Calibri" panose="020F0502020204030204" pitchFamily="34" charset="0"/>
+                          </a:endParaRPr>
+                        </a:p>
+                      </a:txBody>
+                      <a:tcPr marL="57725" marR="57725" marT="0" marB="0"/>
+                    </a:tc>
+                    <a:extLst>
+                      <a:ext uri="{0D108BD9-81ED-4DB2-BD59-A6C34878D82A}">
+                        <a16:rowId xmlns="" xmlns:a16="http://schemas.microsoft.com/office/drawing/2014/main" val="2051532882"/>
+                      </a:ext>
+                    </a:extLst>
+                  </a:tr>
+                  <a:tr h="289617">
+                    <a:tc>
+                      <a:txBody>
+                        <a:bodyPr/>
+                        <a:lstStyle/>
+                        <a:p>
+                          <a:pPr marL="228600" marR="0" algn="ctr">
+                            <a:lnSpc>
+                              <a:spcPct val="150000"/>
+                            </a:lnSpc>
+                            <a:spcBef>
+                              <a:spcPts val="0"/>
+                            </a:spcBef>
+                            <a:spcAft>
+                              <a:spcPts val="800"/>
+                            </a:spcAft>
+                          </a:pPr>
+                          <a:r>
+                            <a:rPr lang="hy-AM" sz="1000">
+                              <a:effectLst/>
+                            </a:rPr>
+                            <a:t>Սարա</a:t>
+                          </a:r>
+                          <a:endParaRPr lang="en-US" sz="900">
+                            <a:solidFill>
+                              <a:srgbClr val="00000A"/>
+                            </a:solidFill>
+                            <a:effectLst/>
+                            <a:latin typeface="Calibri" panose="020F0502020204030204" pitchFamily="34" charset="0"/>
+                            <a:ea typeface="Calibri" panose="020F0502020204030204" pitchFamily="34" charset="0"/>
+                            <a:cs typeface="Calibri" panose="020F0502020204030204" pitchFamily="34" charset="0"/>
+                          </a:endParaRPr>
+                        </a:p>
+                      </a:txBody>
+                      <a:tcPr marL="57725" marR="57725" marT="0" marB="0"/>
+                    </a:tc>
+                    <a:tc>
+                      <a:txBody>
+                        <a:bodyPr/>
+                        <a:lstStyle/>
+                        <a:p>
+                          <a:pPr marL="228600" marR="0" algn="ctr">
+                            <a:lnSpc>
+                              <a:spcPct val="150000"/>
+                            </a:lnSpc>
+                            <a:spcBef>
+                              <a:spcPts val="0"/>
+                            </a:spcBef>
+                            <a:spcAft>
+                              <a:spcPts val="800"/>
+                            </a:spcAft>
+                          </a:pPr>
+                          <a:r>
+                            <a:rPr lang="en-US" sz="1000">
+                              <a:effectLst/>
+                            </a:rPr>
+                            <a:t>1.77</a:t>
+                          </a:r>
+                          <a:endParaRPr lang="en-US" sz="900">
+                            <a:solidFill>
+                              <a:srgbClr val="00000A"/>
+                            </a:solidFill>
+                            <a:effectLst/>
+                            <a:latin typeface="Calibri" panose="020F0502020204030204" pitchFamily="34" charset="0"/>
+                            <a:ea typeface="Calibri" panose="020F0502020204030204" pitchFamily="34" charset="0"/>
+                            <a:cs typeface="Calibri" panose="020F0502020204030204" pitchFamily="34" charset="0"/>
+                          </a:endParaRPr>
+                        </a:p>
+                      </a:txBody>
+                      <a:tcPr marL="57725" marR="57725" marT="0" marB="0"/>
+                    </a:tc>
+                    <a:tc>
+                      <a:txBody>
+                        <a:bodyPr/>
+                        <a:lstStyle/>
+                        <a:p>
+                          <a:pPr marL="228600" marR="0" algn="ctr">
+                            <a:lnSpc>
+                              <a:spcPct val="150000"/>
+                            </a:lnSpc>
+                            <a:spcBef>
+                              <a:spcPts val="0"/>
+                            </a:spcBef>
+                            <a:spcAft>
+                              <a:spcPts val="800"/>
+                            </a:spcAft>
+                          </a:pPr>
+                          <a:r>
+                            <a:rPr lang="hy-AM" sz="1000">
+                              <a:effectLst/>
+                            </a:rPr>
+                            <a:t>Կարճ</a:t>
+                          </a:r>
+                          <a:endParaRPr lang="en-US" sz="900">
+                            <a:solidFill>
+                              <a:srgbClr val="00000A"/>
+                            </a:solidFill>
+                            <a:effectLst/>
+                            <a:latin typeface="Calibri" panose="020F0502020204030204" pitchFamily="34" charset="0"/>
+                            <a:ea typeface="Calibri" panose="020F0502020204030204" pitchFamily="34" charset="0"/>
+                            <a:cs typeface="Calibri" panose="020F0502020204030204" pitchFamily="34" charset="0"/>
+                          </a:endParaRPr>
+                        </a:p>
+                      </a:txBody>
+                      <a:tcPr marL="57725" marR="57725" marT="0" marB="0"/>
+                    </a:tc>
+                    <a:tc>
+                      <a:txBody>
+                        <a:bodyPr/>
+                        <a:lstStyle/>
+                        <a:p>
+                          <a:pPr marL="228600" marR="0" algn="ctr">
+                            <a:lnSpc>
+                              <a:spcPct val="150000"/>
+                            </a:lnSpc>
+                            <a:spcBef>
+                              <a:spcPts val="0"/>
+                            </a:spcBef>
+                            <a:spcAft>
+                              <a:spcPts val="800"/>
+                            </a:spcAft>
+                          </a:pPr>
+                          <a:r>
+                            <a:rPr lang="hy-AM" sz="1000">
+                              <a:effectLst/>
+                            </a:rPr>
+                            <a:t>Ա</a:t>
+                          </a:r>
+                          <a:r>
+                            <a:rPr lang="en-US" sz="1000">
+                              <a:effectLst/>
+                            </a:rPr>
+                            <a:t>նթրաշ</a:t>
+                          </a:r>
+                          <a:endParaRPr lang="en-US" sz="900">
+                            <a:solidFill>
+                              <a:srgbClr val="00000A"/>
+                            </a:solidFill>
+                            <a:effectLst/>
+                            <a:latin typeface="Calibri" panose="020F0502020204030204" pitchFamily="34" charset="0"/>
+                            <a:ea typeface="Calibri" panose="020F0502020204030204" pitchFamily="34" charset="0"/>
+                            <a:cs typeface="Calibri" panose="020F0502020204030204" pitchFamily="34" charset="0"/>
+                          </a:endParaRPr>
+                        </a:p>
+                      </a:txBody>
+                      <a:tcPr marL="57725" marR="57725" marT="0" marB="0"/>
+                    </a:tc>
+                    <a:tc>
+                      <a:txBody>
+                        <a:bodyPr/>
+                        <a:lstStyle/>
+                        <a:p>
+                          <a:pPr marL="228600" marR="0" algn="ctr">
+                            <a:lnSpc>
+                              <a:spcPct val="150000"/>
+                            </a:lnSpc>
+                            <a:spcBef>
+                              <a:spcPts val="0"/>
+                            </a:spcBef>
+                            <a:spcAft>
+                              <a:spcPts val="800"/>
+                            </a:spcAft>
+                          </a:pPr>
+                          <a:r>
+                            <a:rPr lang="hy-AM" sz="1000">
+                              <a:effectLst/>
+                            </a:rPr>
+                            <a:t>Կին</a:t>
+                          </a:r>
+                          <a:endParaRPr lang="en-US" sz="900">
+                            <a:solidFill>
+                              <a:srgbClr val="00000A"/>
+                            </a:solidFill>
+                            <a:effectLst/>
+                            <a:latin typeface="Calibri" panose="020F0502020204030204" pitchFamily="34" charset="0"/>
+                            <a:ea typeface="Calibri" panose="020F0502020204030204" pitchFamily="34" charset="0"/>
+                            <a:cs typeface="Calibri" panose="020F0502020204030204" pitchFamily="34" charset="0"/>
+                          </a:endParaRPr>
+                        </a:p>
+                      </a:txBody>
+                      <a:tcPr marL="57725" marR="57725" marT="0" marB="0"/>
+                    </a:tc>
+                    <a:extLst>
+                      <a:ext uri="{0D108BD9-81ED-4DB2-BD59-A6C34878D82A}">
+                        <a16:rowId xmlns="" xmlns:a16="http://schemas.microsoft.com/office/drawing/2014/main" val="4146497862"/>
+                      </a:ext>
+                    </a:extLst>
+                  </a:tr>
+                  <a:tr h="289617">
+                    <a:tc gridSpan="5">
+                      <a:txBody>
+                        <a:bodyPr/>
+                        <a:lstStyle/>
+                        <a:p>
+                          <a:pPr marL="228600" marR="0" algn="ctr">
+                            <a:lnSpc>
+                              <a:spcPct val="150000"/>
+                            </a:lnSpc>
+                            <a:spcBef>
+                              <a:spcPts val="0"/>
+                            </a:spcBef>
+                            <a:spcAft>
+                              <a:spcPts val="800"/>
+                            </a:spcAft>
+                            <a:tabLst>
+                              <a:tab pos="2389505" algn="l"/>
+                            </a:tabLst>
+                          </a:pPr>
+                          <a:r>
+                            <a:rPr lang="hy-AM" sz="1000" dirty="0" smtClean="0">
+                              <a:effectLst/>
+                            </a:rPr>
+                            <a:t>Սեռի </a:t>
+                          </a:r>
+                          <a:r>
+                            <a:rPr lang="hy-AM" sz="1000" dirty="0">
+                              <a:effectLst/>
+                            </a:rPr>
+                            <a:t>հայտնաբերման աղուսյակ</a:t>
+                          </a:r>
+                          <a:endParaRPr lang="en-US" sz="900" dirty="0">
+                            <a:solidFill>
+                              <a:srgbClr val="00000A"/>
+                            </a:solidFill>
+                            <a:effectLst/>
+                            <a:latin typeface="Calibri" panose="020F0502020204030204" pitchFamily="34" charset="0"/>
+                            <a:ea typeface="Calibri" panose="020F0502020204030204" pitchFamily="34" charset="0"/>
+                            <a:cs typeface="Calibri" panose="020F0502020204030204" pitchFamily="34" charset="0"/>
+                          </a:endParaRPr>
+                        </a:p>
+                      </a:txBody>
+                      <a:tcPr marL="57725" marR="57725" marT="0" marB="0"/>
+                    </a:tc>
+                    <a:tc hMerge="1">
+                      <a:txBody>
+                        <a:bodyPr/>
+                        <a:lstStyle/>
+                        <a:p>
+                          <a:endParaRPr lang="en-US"/>
+                        </a:p>
+                      </a:txBody>
+                      <a:tcPr/>
+                    </a:tc>
+                    <a:tc hMerge="1">
+                      <a:txBody>
+                        <a:bodyPr/>
+                        <a:lstStyle/>
+                        <a:p>
+                          <a:endParaRPr lang="en-US"/>
+                        </a:p>
+                      </a:txBody>
+                      <a:tcPr/>
+                    </a:tc>
+                    <a:tc hMerge="1">
+                      <a:txBody>
+                        <a:bodyPr/>
+                        <a:lstStyle/>
+                        <a:p>
+                          <a:endParaRPr lang="en-US"/>
+                        </a:p>
+                      </a:txBody>
+                      <a:tcPr/>
+                    </a:tc>
+                    <a:tc hMerge="1">
+                      <a:txBody>
+                        <a:bodyPr/>
+                        <a:lstStyle/>
+                        <a:p>
+                          <a:endParaRPr lang="en-US"/>
+                        </a:p>
+                      </a:txBody>
+                      <a:tcPr/>
+                    </a:tc>
+                    <a:extLst>
+                      <a:ext uri="{0D108BD9-81ED-4DB2-BD59-A6C34878D82A}">
+                        <a16:rowId xmlns="" xmlns:a16="http://schemas.microsoft.com/office/drawing/2014/main" val="766546503"/>
+                      </a:ext>
+                    </a:extLst>
+                  </a:tr>
+                </a:tbl>
+              </a:graphicData>
+            </a:graphic>
+          </p:graphicFrame>
+        </mc:Choice>
+        <mc:Fallback xmlns="">
+          <p:graphicFrame>
+            <p:nvGraphicFramePr>
+              <p:cNvPr id="14" name="Content Placeholder 13"/>
+              <p:cNvGraphicFramePr>
+                <a:graphicFrameLocks noGrp="1"/>
+              </p:cNvGraphicFramePr>
+              <p:nvPr>
+                <p:ph sz="half" idx="2"/>
+                <p:extLst>
+                  <p:ext uri="{D42A27DB-BD31-4B8C-83A1-F6EECF244321}">
+                    <p14:modId xmlns:p14="http://schemas.microsoft.com/office/powerpoint/2010/main" val="3135647179"/>
+                  </p:ext>
+                </p:extLst>
+              </p:nvPr>
+            </p:nvGraphicFramePr>
+            <p:xfrm>
+              <a:off x="685800" y="2946928"/>
+              <a:ext cx="4997450" cy="2281064"/>
+            </p:xfrm>
+            <a:graphic>
+              <a:graphicData uri="http://schemas.openxmlformats.org/drawingml/2006/table">
+                <a:tbl>
+                  <a:tblPr firstRow="1" firstCol="1" bandRow="1">
+                    <a:tableStyleId>{21E4AEA4-8DFA-4A89-87EB-49C32662AFE0}</a:tableStyleId>
+                  </a:tblPr>
+                  <a:tblGrid>
+                    <a:gridCol w="999490">
+                      <a:extLst>
+                        <a:ext uri="{9D8B030D-6E8A-4147-A177-3AD203B41FA5}">
+                          <a16:colId xmlns:a16="http://schemas.microsoft.com/office/drawing/2014/main" val="1216725777"/>
+                        </a:ext>
+                      </a:extLst>
+                    </a:gridCol>
+                    <a:gridCol w="999490">
+                      <a:extLst>
+                        <a:ext uri="{9D8B030D-6E8A-4147-A177-3AD203B41FA5}">
+                          <a16:colId xmlns:a16="http://schemas.microsoft.com/office/drawing/2014/main" val="1506238522"/>
+                        </a:ext>
+                      </a:extLst>
+                    </a:gridCol>
+                    <a:gridCol w="999490">
+                      <a:extLst>
+                        <a:ext uri="{9D8B030D-6E8A-4147-A177-3AD203B41FA5}">
+                          <a16:colId xmlns:a16="http://schemas.microsoft.com/office/drawing/2014/main" val="2836820485"/>
+                        </a:ext>
+                      </a:extLst>
+                    </a:gridCol>
+                    <a:gridCol w="999490">
+                      <a:extLst>
+                        <a:ext uri="{9D8B030D-6E8A-4147-A177-3AD203B41FA5}">
+                          <a16:colId xmlns:a16="http://schemas.microsoft.com/office/drawing/2014/main" val="1651784423"/>
+                        </a:ext>
+                      </a:extLst>
+                    </a:gridCol>
+                    <a:gridCol w="999490">
+                      <a:extLst>
+                        <a:ext uri="{9D8B030D-6E8A-4147-A177-3AD203B41FA5}">
+                          <a16:colId xmlns:a16="http://schemas.microsoft.com/office/drawing/2014/main" val="1257235431"/>
+                        </a:ext>
+                      </a:extLst>
+                    </a:gridCol>
+                  </a:tblGrid>
+                  <a:tr h="543362">
+                    <a:tc>
+                      <a:txBody>
+                        <a:bodyPr/>
+                        <a:lstStyle/>
+                        <a:p>
+                          <a:pPr marL="228600" marR="0" algn="ctr">
+                            <a:lnSpc>
+                              <a:spcPct val="150000"/>
+                            </a:lnSpc>
+                            <a:spcBef>
+                              <a:spcPts val="0"/>
+                            </a:spcBef>
+                            <a:spcAft>
+                              <a:spcPts val="800"/>
+                            </a:spcAft>
+                          </a:pPr>
+                          <a:r>
+                            <a:rPr lang="en-US" sz="1000">
+                              <a:effectLst/>
+                            </a:rPr>
+                            <a:t>Անուն</a:t>
+                          </a:r>
+                          <a:endParaRPr lang="en-US" sz="900">
+                            <a:solidFill>
+                              <a:srgbClr val="00000A"/>
+                            </a:solidFill>
+                            <a:effectLst/>
+                            <a:latin typeface="Calibri" panose="020F0502020204030204" pitchFamily="34" charset="0"/>
+                            <a:ea typeface="Calibri" panose="020F0502020204030204" pitchFamily="34" charset="0"/>
+                            <a:cs typeface="Calibri" panose="020F0502020204030204" pitchFamily="34" charset="0"/>
+                          </a:endParaRPr>
+                        </a:p>
+                      </a:txBody>
+                      <a:tcPr marL="57725" marR="57725" marT="0" marB="0"/>
+                    </a:tc>
+                    <a:tc>
+                      <a:txBody>
+                        <a:bodyPr/>
+                        <a:lstStyle/>
+                        <a:p>
+                          <a:endParaRPr lang="en-US"/>
+                        </a:p>
+                      </a:txBody>
+                      <a:tcPr marL="57725" marR="57725" marT="0" marB="0">
+                        <a:blipFill>
+                          <a:blip r:embed="rId2"/>
+                          <a:stretch>
+                            <a:fillRect l="-100610" t="-1124" r="-303049" b="-323596"/>
+                          </a:stretch>
+                        </a:blipFill>
+                      </a:tcPr>
+                    </a:tc>
+                    <a:tc>
+                      <a:txBody>
+                        <a:bodyPr/>
+                        <a:lstStyle/>
+                        <a:p>
+                          <a:endParaRPr lang="en-US"/>
+                        </a:p>
+                      </a:txBody>
+                      <a:tcPr marL="57725" marR="57725" marT="0" marB="0">
+                        <a:blipFill>
+                          <a:blip r:embed="rId2"/>
+                          <a:stretch>
+                            <a:fillRect l="-199394" t="-1124" r="-201212" b="-323596"/>
+                          </a:stretch>
+                        </a:blipFill>
+                      </a:tcPr>
+                    </a:tc>
+                    <a:tc>
+                      <a:txBody>
+                        <a:bodyPr/>
+                        <a:lstStyle/>
+                        <a:p>
+                          <a:endParaRPr lang="en-US"/>
+                        </a:p>
+                      </a:txBody>
+                      <a:tcPr marL="57725" marR="57725" marT="0" marB="0">
+                        <a:blipFill>
+                          <a:blip r:embed="rId2"/>
+                          <a:stretch>
+                            <a:fillRect l="-301220" t="-1124" r="-102439" b="-323596"/>
+                          </a:stretch>
+                        </a:blipFill>
+                      </a:tcPr>
+                    </a:tc>
+                    <a:tc>
+                      <a:txBody>
+                        <a:bodyPr/>
+                        <a:lstStyle/>
+                        <a:p>
+                          <a:pPr marL="228600" marR="0" algn="ctr">
+                            <a:lnSpc>
+                              <a:spcPct val="150000"/>
+                            </a:lnSpc>
+                            <a:spcBef>
+                              <a:spcPts val="0"/>
+                            </a:spcBef>
+                            <a:spcAft>
+                              <a:spcPts val="800"/>
+                            </a:spcAft>
+                          </a:pPr>
+                          <a:r>
+                            <a:rPr lang="hy-AM" sz="1000">
+                              <a:effectLst/>
+                            </a:rPr>
+                            <a:t>Սեռ</a:t>
+                          </a:r>
+                          <a:r>
+                            <a:rPr lang="en-US" sz="1000">
+                              <a:effectLst/>
+                            </a:rPr>
+                            <a:t> (f(x))</a:t>
+                          </a:r>
+                          <a:endParaRPr lang="en-US" sz="900">
+                            <a:solidFill>
+                              <a:srgbClr val="00000A"/>
+                            </a:solidFill>
+                            <a:effectLst/>
+                            <a:latin typeface="Calibri" panose="020F0502020204030204" pitchFamily="34" charset="0"/>
+                            <a:ea typeface="Calibri" panose="020F0502020204030204" pitchFamily="34" charset="0"/>
+                            <a:cs typeface="Calibri" panose="020F0502020204030204" pitchFamily="34" charset="0"/>
+                          </a:endParaRPr>
+                        </a:p>
+                      </a:txBody>
+                      <a:tcPr marL="57725" marR="57725" marT="0" marB="0"/>
+                    </a:tc>
+                    <a:extLst>
+                      <a:ext uri="{0D108BD9-81ED-4DB2-BD59-A6C34878D82A}">
+                        <a16:rowId xmlns:a16="http://schemas.microsoft.com/office/drawing/2014/main" val="1324942624"/>
+                      </a:ext>
+                    </a:extLst>
+                  </a:tr>
+                  <a:tr h="289617">
+                    <a:tc>
+                      <a:txBody>
+                        <a:bodyPr/>
+                        <a:lstStyle/>
+                        <a:p>
+                          <a:pPr marL="228600" marR="0" algn="ctr">
+                            <a:lnSpc>
+                              <a:spcPct val="150000"/>
+                            </a:lnSpc>
+                            <a:spcBef>
+                              <a:spcPts val="0"/>
+                            </a:spcBef>
+                            <a:spcAft>
+                              <a:spcPts val="800"/>
+                            </a:spcAft>
+                          </a:pPr>
+                          <a:r>
+                            <a:rPr lang="hy-AM" sz="1000">
+                              <a:effectLst/>
+                            </a:rPr>
+                            <a:t>Աննա</a:t>
+                          </a:r>
+                          <a:endParaRPr lang="en-US" sz="900">
+                            <a:solidFill>
+                              <a:srgbClr val="00000A"/>
+                            </a:solidFill>
+                            <a:effectLst/>
+                            <a:latin typeface="Calibri" panose="020F0502020204030204" pitchFamily="34" charset="0"/>
+                            <a:ea typeface="Calibri" panose="020F0502020204030204" pitchFamily="34" charset="0"/>
+                            <a:cs typeface="Calibri" panose="020F0502020204030204" pitchFamily="34" charset="0"/>
+                          </a:endParaRPr>
+                        </a:p>
+                      </a:txBody>
+                      <a:tcPr marL="57725" marR="57725" marT="0" marB="0"/>
+                    </a:tc>
+                    <a:tc>
+                      <a:txBody>
+                        <a:bodyPr/>
+                        <a:lstStyle/>
+                        <a:p>
+                          <a:pPr marL="228600" marR="0" algn="ctr">
+                            <a:lnSpc>
+                              <a:spcPct val="150000"/>
+                            </a:lnSpc>
+                            <a:spcBef>
+                              <a:spcPts val="0"/>
+                            </a:spcBef>
+                            <a:spcAft>
+                              <a:spcPts val="800"/>
+                            </a:spcAft>
+                          </a:pPr>
+                          <a:r>
+                            <a:rPr lang="en-US" sz="1000">
+                              <a:effectLst/>
+                            </a:rPr>
+                            <a:t>1.69</a:t>
+                          </a:r>
+                          <a:endParaRPr lang="en-US" sz="900">
+                            <a:solidFill>
+                              <a:srgbClr val="00000A"/>
+                            </a:solidFill>
+                            <a:effectLst/>
+                            <a:latin typeface="Calibri" panose="020F0502020204030204" pitchFamily="34" charset="0"/>
+                            <a:ea typeface="Calibri" panose="020F0502020204030204" pitchFamily="34" charset="0"/>
+                            <a:cs typeface="Calibri" panose="020F0502020204030204" pitchFamily="34" charset="0"/>
+                          </a:endParaRPr>
+                        </a:p>
+                      </a:txBody>
+                      <a:tcPr marL="57725" marR="57725" marT="0" marB="0"/>
+                    </a:tc>
+                    <a:tc>
+                      <a:txBody>
+                        <a:bodyPr/>
+                        <a:lstStyle/>
+                        <a:p>
+                          <a:pPr marL="228600" marR="0" algn="ctr">
+                            <a:lnSpc>
+                              <a:spcPct val="150000"/>
+                            </a:lnSpc>
+                            <a:spcBef>
+                              <a:spcPts val="0"/>
+                            </a:spcBef>
+                            <a:spcAft>
+                              <a:spcPts val="800"/>
+                            </a:spcAft>
+                          </a:pPr>
+                          <a:r>
+                            <a:rPr lang="hy-AM" sz="1000">
+                              <a:effectLst/>
+                            </a:rPr>
+                            <a:t>Երկար</a:t>
+                          </a:r>
+                          <a:endParaRPr lang="en-US" sz="900">
+                            <a:solidFill>
+                              <a:srgbClr val="00000A"/>
+                            </a:solidFill>
+                            <a:effectLst/>
+                            <a:latin typeface="Calibri" panose="020F0502020204030204" pitchFamily="34" charset="0"/>
+                            <a:ea typeface="Calibri" panose="020F0502020204030204" pitchFamily="34" charset="0"/>
+                            <a:cs typeface="Calibri" panose="020F0502020204030204" pitchFamily="34" charset="0"/>
+                          </a:endParaRPr>
+                        </a:p>
+                      </a:txBody>
+                      <a:tcPr marL="57725" marR="57725" marT="0" marB="0"/>
+                    </a:tc>
+                    <a:tc>
+                      <a:txBody>
+                        <a:bodyPr/>
+                        <a:lstStyle/>
+                        <a:p>
+                          <a:pPr marL="228600" marR="0" algn="ctr">
+                            <a:lnSpc>
+                              <a:spcPct val="150000"/>
+                            </a:lnSpc>
+                            <a:spcBef>
+                              <a:spcPts val="0"/>
+                            </a:spcBef>
+                            <a:spcAft>
+                              <a:spcPts val="800"/>
+                            </a:spcAft>
+                          </a:pPr>
+                          <a:r>
+                            <a:rPr lang="hy-AM" sz="1000">
+                              <a:effectLst/>
+                            </a:rPr>
+                            <a:t>Ա</a:t>
+                          </a:r>
+                          <a:r>
+                            <a:rPr lang="en-US" sz="1000">
+                              <a:effectLst/>
+                            </a:rPr>
+                            <a:t>նթրաշ</a:t>
+                          </a:r>
+                          <a:endParaRPr lang="en-US" sz="900">
+                            <a:solidFill>
+                              <a:srgbClr val="00000A"/>
+                            </a:solidFill>
+                            <a:effectLst/>
+                            <a:latin typeface="Calibri" panose="020F0502020204030204" pitchFamily="34" charset="0"/>
+                            <a:ea typeface="Calibri" panose="020F0502020204030204" pitchFamily="34" charset="0"/>
+                            <a:cs typeface="Calibri" panose="020F0502020204030204" pitchFamily="34" charset="0"/>
+                          </a:endParaRPr>
+                        </a:p>
+                      </a:txBody>
+                      <a:tcPr marL="57725" marR="57725" marT="0" marB="0"/>
+                    </a:tc>
+                    <a:tc>
+                      <a:txBody>
+                        <a:bodyPr/>
+                        <a:lstStyle/>
+                        <a:p>
+                          <a:pPr marL="228600" marR="0" algn="ctr">
+                            <a:lnSpc>
+                              <a:spcPct val="150000"/>
+                            </a:lnSpc>
+                            <a:spcBef>
+                              <a:spcPts val="0"/>
+                            </a:spcBef>
+                            <a:spcAft>
+                              <a:spcPts val="800"/>
+                            </a:spcAft>
+                          </a:pPr>
+                          <a:r>
+                            <a:rPr lang="hy-AM" sz="1000">
+                              <a:effectLst/>
+                            </a:rPr>
+                            <a:t>Կին</a:t>
+                          </a:r>
+                          <a:endParaRPr lang="en-US" sz="900">
+                            <a:solidFill>
+                              <a:srgbClr val="00000A"/>
+                            </a:solidFill>
+                            <a:effectLst/>
+                            <a:latin typeface="Calibri" panose="020F0502020204030204" pitchFamily="34" charset="0"/>
+                            <a:ea typeface="Calibri" panose="020F0502020204030204" pitchFamily="34" charset="0"/>
+                            <a:cs typeface="Calibri" panose="020F0502020204030204" pitchFamily="34" charset="0"/>
+                          </a:endParaRPr>
+                        </a:p>
+                      </a:txBody>
+                      <a:tcPr marL="57725" marR="57725" marT="0" marB="0"/>
+                    </a:tc>
+                    <a:extLst>
+                      <a:ext uri="{0D108BD9-81ED-4DB2-BD59-A6C34878D82A}">
+                        <a16:rowId xmlns:a16="http://schemas.microsoft.com/office/drawing/2014/main" val="2491110305"/>
+                      </a:ext>
+                    </a:extLst>
+                  </a:tr>
+                  <a:tr h="289617">
+                    <a:tc>
+                      <a:txBody>
+                        <a:bodyPr/>
+                        <a:lstStyle/>
+                        <a:p>
+                          <a:pPr marL="228600" marR="0" algn="ctr">
+                            <a:lnSpc>
+                              <a:spcPct val="150000"/>
+                            </a:lnSpc>
+                            <a:spcBef>
+                              <a:spcPts val="0"/>
+                            </a:spcBef>
+                            <a:spcAft>
+                              <a:spcPts val="800"/>
+                            </a:spcAft>
+                          </a:pPr>
+                          <a:r>
+                            <a:rPr lang="hy-AM" sz="1000">
+                              <a:effectLst/>
+                            </a:rPr>
+                            <a:t>Վահան</a:t>
+                          </a:r>
+                          <a:endParaRPr lang="en-US" sz="900">
+                            <a:solidFill>
+                              <a:srgbClr val="00000A"/>
+                            </a:solidFill>
+                            <a:effectLst/>
+                            <a:latin typeface="Calibri" panose="020F0502020204030204" pitchFamily="34" charset="0"/>
+                            <a:ea typeface="Calibri" panose="020F0502020204030204" pitchFamily="34" charset="0"/>
+                            <a:cs typeface="Calibri" panose="020F0502020204030204" pitchFamily="34" charset="0"/>
+                          </a:endParaRPr>
+                        </a:p>
+                      </a:txBody>
+                      <a:tcPr marL="57725" marR="57725" marT="0" marB="0"/>
+                    </a:tc>
+                    <a:tc>
+                      <a:txBody>
+                        <a:bodyPr/>
+                        <a:lstStyle/>
+                        <a:p>
+                          <a:pPr marL="228600" marR="0" algn="ctr">
+                            <a:lnSpc>
+                              <a:spcPct val="150000"/>
+                            </a:lnSpc>
+                            <a:spcBef>
+                              <a:spcPts val="0"/>
+                            </a:spcBef>
+                            <a:spcAft>
+                              <a:spcPts val="800"/>
+                            </a:spcAft>
+                          </a:pPr>
+                          <a:r>
+                            <a:rPr lang="en-US" sz="1000">
+                              <a:effectLst/>
+                            </a:rPr>
+                            <a:t>1.75</a:t>
+                          </a:r>
+                          <a:endParaRPr lang="en-US" sz="900">
+                            <a:solidFill>
+                              <a:srgbClr val="00000A"/>
+                            </a:solidFill>
+                            <a:effectLst/>
+                            <a:latin typeface="Calibri" panose="020F0502020204030204" pitchFamily="34" charset="0"/>
+                            <a:ea typeface="Calibri" panose="020F0502020204030204" pitchFamily="34" charset="0"/>
+                            <a:cs typeface="Calibri" panose="020F0502020204030204" pitchFamily="34" charset="0"/>
+                          </a:endParaRPr>
+                        </a:p>
+                      </a:txBody>
+                      <a:tcPr marL="57725" marR="57725" marT="0" marB="0"/>
+                    </a:tc>
+                    <a:tc>
+                      <a:txBody>
+                        <a:bodyPr/>
+                        <a:lstStyle/>
+                        <a:p>
+                          <a:pPr marL="228600" marR="0" algn="ctr">
+                            <a:lnSpc>
+                              <a:spcPct val="150000"/>
+                            </a:lnSpc>
+                            <a:spcBef>
+                              <a:spcPts val="0"/>
+                            </a:spcBef>
+                            <a:spcAft>
+                              <a:spcPts val="800"/>
+                            </a:spcAft>
+                          </a:pPr>
+                          <a:r>
+                            <a:rPr lang="hy-AM" sz="1000">
+                              <a:effectLst/>
+                            </a:rPr>
+                            <a:t>Կարճ</a:t>
+                          </a:r>
+                          <a:endParaRPr lang="en-US" sz="900">
+                            <a:solidFill>
+                              <a:srgbClr val="00000A"/>
+                            </a:solidFill>
+                            <a:effectLst/>
+                            <a:latin typeface="Calibri" panose="020F0502020204030204" pitchFamily="34" charset="0"/>
+                            <a:ea typeface="Calibri" panose="020F0502020204030204" pitchFamily="34" charset="0"/>
+                            <a:cs typeface="Calibri" panose="020F0502020204030204" pitchFamily="34" charset="0"/>
+                          </a:endParaRPr>
+                        </a:p>
+                      </a:txBody>
+                      <a:tcPr marL="57725" marR="57725" marT="0" marB="0"/>
+                    </a:tc>
+                    <a:tc>
+                      <a:txBody>
+                        <a:bodyPr/>
+                        <a:lstStyle/>
+                        <a:p>
+                          <a:pPr marL="228600" marR="0" algn="ctr">
+                            <a:lnSpc>
+                              <a:spcPct val="150000"/>
+                            </a:lnSpc>
+                            <a:spcBef>
+                              <a:spcPts val="0"/>
+                            </a:spcBef>
+                            <a:spcAft>
+                              <a:spcPts val="800"/>
+                            </a:spcAft>
+                          </a:pPr>
+                          <a:r>
+                            <a:rPr lang="hy-AM" sz="1000">
+                              <a:effectLst/>
+                            </a:rPr>
+                            <a:t>Ա</a:t>
+                          </a:r>
+                          <a:r>
+                            <a:rPr lang="en-US" sz="1000">
+                              <a:effectLst/>
+                            </a:rPr>
+                            <a:t>նթրաշ</a:t>
+                          </a:r>
+                          <a:endParaRPr lang="en-US" sz="900">
+                            <a:solidFill>
+                              <a:srgbClr val="00000A"/>
+                            </a:solidFill>
+                            <a:effectLst/>
+                            <a:latin typeface="Calibri" panose="020F0502020204030204" pitchFamily="34" charset="0"/>
+                            <a:ea typeface="Calibri" panose="020F0502020204030204" pitchFamily="34" charset="0"/>
+                            <a:cs typeface="Calibri" panose="020F0502020204030204" pitchFamily="34" charset="0"/>
+                          </a:endParaRPr>
+                        </a:p>
+                      </a:txBody>
+                      <a:tcPr marL="57725" marR="57725" marT="0" marB="0"/>
+                    </a:tc>
+                    <a:tc>
+                      <a:txBody>
+                        <a:bodyPr/>
+                        <a:lstStyle/>
+                        <a:p>
+                          <a:pPr marL="228600" marR="0" algn="ctr">
+                            <a:lnSpc>
+                              <a:spcPct val="150000"/>
+                            </a:lnSpc>
+                            <a:spcBef>
+                              <a:spcPts val="0"/>
+                            </a:spcBef>
+                            <a:spcAft>
+                              <a:spcPts val="800"/>
+                            </a:spcAft>
+                          </a:pPr>
+                          <a:r>
+                            <a:rPr lang="hy-AM" sz="1000">
+                              <a:effectLst/>
+                            </a:rPr>
+                            <a:t>Տղամարդ</a:t>
+                          </a:r>
+                          <a:endParaRPr lang="en-US" sz="900">
+                            <a:solidFill>
+                              <a:srgbClr val="00000A"/>
+                            </a:solidFill>
+                            <a:effectLst/>
+                            <a:latin typeface="Calibri" panose="020F0502020204030204" pitchFamily="34" charset="0"/>
+                            <a:ea typeface="Calibri" panose="020F0502020204030204" pitchFamily="34" charset="0"/>
+                            <a:cs typeface="Calibri" panose="020F0502020204030204" pitchFamily="34" charset="0"/>
+                          </a:endParaRPr>
+                        </a:p>
+                      </a:txBody>
+                      <a:tcPr marL="57725" marR="57725" marT="0" marB="0"/>
+                    </a:tc>
+                    <a:extLst>
+                      <a:ext uri="{0D108BD9-81ED-4DB2-BD59-A6C34878D82A}">
+                        <a16:rowId xmlns:a16="http://schemas.microsoft.com/office/drawing/2014/main" val="1031351399"/>
+                      </a:ext>
+                    </a:extLst>
+                  </a:tr>
+                  <a:tr h="289617">
+                    <a:tc>
+                      <a:txBody>
+                        <a:bodyPr/>
+                        <a:lstStyle/>
+                        <a:p>
+                          <a:pPr marL="228600" marR="0" algn="ctr">
+                            <a:lnSpc>
+                              <a:spcPct val="150000"/>
+                            </a:lnSpc>
+                            <a:spcBef>
+                              <a:spcPts val="0"/>
+                            </a:spcBef>
+                            <a:spcAft>
+                              <a:spcPts val="800"/>
+                            </a:spcAft>
+                          </a:pPr>
+                          <a:r>
+                            <a:rPr lang="hy-AM" sz="1000">
+                              <a:effectLst/>
+                            </a:rPr>
+                            <a:t>Գևորգ</a:t>
+                          </a:r>
+                          <a:endParaRPr lang="en-US" sz="900">
+                            <a:solidFill>
+                              <a:srgbClr val="00000A"/>
+                            </a:solidFill>
+                            <a:effectLst/>
+                            <a:latin typeface="Calibri" panose="020F0502020204030204" pitchFamily="34" charset="0"/>
+                            <a:ea typeface="Calibri" panose="020F0502020204030204" pitchFamily="34" charset="0"/>
+                            <a:cs typeface="Calibri" panose="020F0502020204030204" pitchFamily="34" charset="0"/>
+                          </a:endParaRPr>
+                        </a:p>
+                      </a:txBody>
+                      <a:tcPr marL="57725" marR="57725" marT="0" marB="0"/>
+                    </a:tc>
+                    <a:tc>
+                      <a:txBody>
+                        <a:bodyPr/>
+                        <a:lstStyle/>
+                        <a:p>
+                          <a:pPr marL="228600" marR="0" algn="ctr">
+                            <a:lnSpc>
+                              <a:spcPct val="150000"/>
+                            </a:lnSpc>
+                            <a:spcBef>
+                              <a:spcPts val="0"/>
+                            </a:spcBef>
+                            <a:spcAft>
+                              <a:spcPts val="800"/>
+                            </a:spcAft>
+                          </a:pPr>
+                          <a:r>
+                            <a:rPr lang="en-US" sz="1000">
+                              <a:effectLst/>
+                            </a:rPr>
+                            <a:t>1.80</a:t>
+                          </a:r>
+                          <a:endParaRPr lang="en-US" sz="900">
+                            <a:solidFill>
+                              <a:srgbClr val="00000A"/>
+                            </a:solidFill>
+                            <a:effectLst/>
+                            <a:latin typeface="Calibri" panose="020F0502020204030204" pitchFamily="34" charset="0"/>
+                            <a:ea typeface="Calibri" panose="020F0502020204030204" pitchFamily="34" charset="0"/>
+                            <a:cs typeface="Calibri" panose="020F0502020204030204" pitchFamily="34" charset="0"/>
+                          </a:endParaRPr>
+                        </a:p>
+                      </a:txBody>
+                      <a:tcPr marL="57725" marR="57725" marT="0" marB="0"/>
+                    </a:tc>
+                    <a:tc>
+                      <a:txBody>
+                        <a:bodyPr/>
+                        <a:lstStyle/>
+                        <a:p>
+                          <a:pPr marL="228600" marR="0" algn="ctr">
+                            <a:lnSpc>
+                              <a:spcPct val="150000"/>
+                            </a:lnSpc>
+                            <a:spcBef>
+                              <a:spcPts val="0"/>
+                            </a:spcBef>
+                            <a:spcAft>
+                              <a:spcPts val="800"/>
+                            </a:spcAft>
+                          </a:pPr>
+                          <a:r>
+                            <a:rPr lang="hy-AM" sz="1000">
+                              <a:effectLst/>
+                            </a:rPr>
+                            <a:t>Կարճ</a:t>
+                          </a:r>
+                          <a:endParaRPr lang="en-US" sz="900">
+                            <a:solidFill>
+                              <a:srgbClr val="00000A"/>
+                            </a:solidFill>
+                            <a:effectLst/>
+                            <a:latin typeface="Calibri" panose="020F0502020204030204" pitchFamily="34" charset="0"/>
+                            <a:ea typeface="Calibri" panose="020F0502020204030204" pitchFamily="34" charset="0"/>
+                            <a:cs typeface="Calibri" panose="020F0502020204030204" pitchFamily="34" charset="0"/>
+                          </a:endParaRPr>
+                        </a:p>
+                      </a:txBody>
+                      <a:tcPr marL="57725" marR="57725" marT="0" marB="0"/>
+                    </a:tc>
+                    <a:tc>
+                      <a:txBody>
+                        <a:bodyPr/>
+                        <a:lstStyle/>
+                        <a:p>
+                          <a:pPr marL="228600" marR="0" algn="ctr">
+                            <a:lnSpc>
+                              <a:spcPct val="150000"/>
+                            </a:lnSpc>
+                            <a:spcBef>
+                              <a:spcPts val="0"/>
+                            </a:spcBef>
+                            <a:spcAft>
+                              <a:spcPts val="800"/>
+                            </a:spcAft>
+                          </a:pPr>
+                          <a:r>
+                            <a:rPr lang="hy-AM" sz="1000">
+                              <a:effectLst/>
+                            </a:rPr>
+                            <a:t>Ա</a:t>
+                          </a:r>
+                          <a:r>
+                            <a:rPr lang="en-US" sz="1000">
+                              <a:effectLst/>
+                            </a:rPr>
+                            <a:t>նթրաշ</a:t>
+                          </a:r>
+                          <a:endParaRPr lang="en-US" sz="900">
+                            <a:solidFill>
+                              <a:srgbClr val="00000A"/>
+                            </a:solidFill>
+                            <a:effectLst/>
+                            <a:latin typeface="Calibri" panose="020F0502020204030204" pitchFamily="34" charset="0"/>
+                            <a:ea typeface="Calibri" panose="020F0502020204030204" pitchFamily="34" charset="0"/>
+                            <a:cs typeface="Calibri" panose="020F0502020204030204" pitchFamily="34" charset="0"/>
+                          </a:endParaRPr>
+                        </a:p>
+                      </a:txBody>
+                      <a:tcPr marL="57725" marR="57725" marT="0" marB="0"/>
+                    </a:tc>
+                    <a:tc>
+                      <a:txBody>
+                        <a:bodyPr/>
+                        <a:lstStyle/>
+                        <a:p>
+                          <a:pPr marL="228600" marR="0" algn="ctr">
+                            <a:lnSpc>
+                              <a:spcPct val="150000"/>
+                            </a:lnSpc>
+                            <a:spcBef>
+                              <a:spcPts val="0"/>
+                            </a:spcBef>
+                            <a:spcAft>
+                              <a:spcPts val="800"/>
+                            </a:spcAft>
+                          </a:pPr>
+                          <a:r>
+                            <a:rPr lang="hy-AM" sz="1000">
+                              <a:effectLst/>
+                            </a:rPr>
+                            <a:t>Տղամարդ</a:t>
+                          </a:r>
+                          <a:endParaRPr lang="en-US" sz="900">
+                            <a:solidFill>
+                              <a:srgbClr val="00000A"/>
+                            </a:solidFill>
+                            <a:effectLst/>
+                            <a:latin typeface="Calibri" panose="020F0502020204030204" pitchFamily="34" charset="0"/>
+                            <a:ea typeface="Calibri" panose="020F0502020204030204" pitchFamily="34" charset="0"/>
+                            <a:cs typeface="Calibri" panose="020F0502020204030204" pitchFamily="34" charset="0"/>
+                          </a:endParaRPr>
+                        </a:p>
+                      </a:txBody>
+                      <a:tcPr marL="57725" marR="57725" marT="0" marB="0"/>
+                    </a:tc>
+                    <a:extLst>
+                      <a:ext uri="{0D108BD9-81ED-4DB2-BD59-A6C34878D82A}">
+                        <a16:rowId xmlns:a16="http://schemas.microsoft.com/office/drawing/2014/main" val="1041437350"/>
+                      </a:ext>
+                    </a:extLst>
+                  </a:tr>
+                  <a:tr h="289617">
+                    <a:tc>
+                      <a:txBody>
+                        <a:bodyPr/>
+                        <a:lstStyle/>
+                        <a:p>
+                          <a:pPr marL="228600" marR="0" algn="ctr">
+                            <a:lnSpc>
+                              <a:spcPct val="150000"/>
+                            </a:lnSpc>
+                            <a:spcBef>
+                              <a:spcPts val="0"/>
+                            </a:spcBef>
+                            <a:spcAft>
+                              <a:spcPts val="800"/>
+                            </a:spcAft>
+                          </a:pPr>
+                          <a:r>
+                            <a:rPr lang="hy-AM" sz="1000">
+                              <a:effectLst/>
+                            </a:rPr>
+                            <a:t>Արամ</a:t>
+                          </a:r>
+                          <a:endParaRPr lang="en-US" sz="900">
+                            <a:solidFill>
+                              <a:srgbClr val="00000A"/>
+                            </a:solidFill>
+                            <a:effectLst/>
+                            <a:latin typeface="Calibri" panose="020F0502020204030204" pitchFamily="34" charset="0"/>
+                            <a:ea typeface="Calibri" panose="020F0502020204030204" pitchFamily="34" charset="0"/>
+                            <a:cs typeface="Calibri" panose="020F0502020204030204" pitchFamily="34" charset="0"/>
+                          </a:endParaRPr>
+                        </a:p>
+                      </a:txBody>
+                      <a:tcPr marL="57725" marR="57725" marT="0" marB="0"/>
+                    </a:tc>
+                    <a:tc>
+                      <a:txBody>
+                        <a:bodyPr/>
+                        <a:lstStyle/>
+                        <a:p>
+                          <a:pPr marL="228600" marR="0" algn="ctr">
+                            <a:lnSpc>
+                              <a:spcPct val="150000"/>
+                            </a:lnSpc>
+                            <a:spcBef>
+                              <a:spcPts val="0"/>
+                            </a:spcBef>
+                            <a:spcAft>
+                              <a:spcPts val="800"/>
+                            </a:spcAft>
+                          </a:pPr>
+                          <a:r>
+                            <a:rPr lang="en-US" sz="1000">
+                              <a:effectLst/>
+                            </a:rPr>
+                            <a:t>1.83</a:t>
+                          </a:r>
+                          <a:endParaRPr lang="en-US" sz="900">
+                            <a:solidFill>
+                              <a:srgbClr val="00000A"/>
+                            </a:solidFill>
+                            <a:effectLst/>
+                            <a:latin typeface="Calibri" panose="020F0502020204030204" pitchFamily="34" charset="0"/>
+                            <a:ea typeface="Calibri" panose="020F0502020204030204" pitchFamily="34" charset="0"/>
+                            <a:cs typeface="Calibri" panose="020F0502020204030204" pitchFamily="34" charset="0"/>
+                          </a:endParaRPr>
+                        </a:p>
+                      </a:txBody>
+                      <a:tcPr marL="57725" marR="57725" marT="0" marB="0"/>
+                    </a:tc>
+                    <a:tc>
+                      <a:txBody>
+                        <a:bodyPr/>
+                        <a:lstStyle/>
+                        <a:p>
+                          <a:pPr marL="228600" marR="0" algn="ctr">
+                            <a:lnSpc>
+                              <a:spcPct val="150000"/>
+                            </a:lnSpc>
+                            <a:spcBef>
+                              <a:spcPts val="0"/>
+                            </a:spcBef>
+                            <a:spcAft>
+                              <a:spcPts val="800"/>
+                            </a:spcAft>
+                          </a:pPr>
+                          <a:r>
+                            <a:rPr lang="hy-AM" sz="1000">
+                              <a:effectLst/>
+                            </a:rPr>
+                            <a:t>Կարճ</a:t>
+                          </a:r>
+                          <a:endParaRPr lang="en-US" sz="900">
+                            <a:solidFill>
+                              <a:srgbClr val="00000A"/>
+                            </a:solidFill>
+                            <a:effectLst/>
+                            <a:latin typeface="Calibri" panose="020F0502020204030204" pitchFamily="34" charset="0"/>
+                            <a:ea typeface="Calibri" panose="020F0502020204030204" pitchFamily="34" charset="0"/>
+                            <a:cs typeface="Calibri" panose="020F0502020204030204" pitchFamily="34" charset="0"/>
+                          </a:endParaRPr>
+                        </a:p>
+                      </a:txBody>
+                      <a:tcPr marL="57725" marR="57725" marT="0" marB="0"/>
+                    </a:tc>
+                    <a:tc>
+                      <a:txBody>
+                        <a:bodyPr/>
+                        <a:lstStyle/>
+                        <a:p>
+                          <a:pPr marL="228600" marR="0" algn="ctr">
+                            <a:lnSpc>
+                              <a:spcPct val="150000"/>
+                            </a:lnSpc>
+                            <a:spcBef>
+                              <a:spcPts val="0"/>
+                            </a:spcBef>
+                            <a:spcAft>
+                              <a:spcPts val="800"/>
+                            </a:spcAft>
+                          </a:pPr>
+                          <a:r>
+                            <a:rPr lang="hy-AM" sz="1000">
+                              <a:effectLst/>
+                            </a:rPr>
+                            <a:t>Թրաշով</a:t>
+                          </a:r>
+                          <a:endParaRPr lang="en-US" sz="900">
+                            <a:solidFill>
+                              <a:srgbClr val="00000A"/>
+                            </a:solidFill>
+                            <a:effectLst/>
+                            <a:latin typeface="Calibri" panose="020F0502020204030204" pitchFamily="34" charset="0"/>
+                            <a:ea typeface="Calibri" panose="020F0502020204030204" pitchFamily="34" charset="0"/>
+                            <a:cs typeface="Calibri" panose="020F0502020204030204" pitchFamily="34" charset="0"/>
+                          </a:endParaRPr>
+                        </a:p>
+                      </a:txBody>
+                      <a:tcPr marL="57725" marR="57725" marT="0" marB="0"/>
+                    </a:tc>
+                    <a:tc>
+                      <a:txBody>
+                        <a:bodyPr/>
+                        <a:lstStyle/>
+                        <a:p>
+                          <a:pPr marL="228600" marR="0" algn="ctr">
+                            <a:lnSpc>
+                              <a:spcPct val="150000"/>
+                            </a:lnSpc>
+                            <a:spcBef>
+                              <a:spcPts val="0"/>
+                            </a:spcBef>
+                            <a:spcAft>
+                              <a:spcPts val="800"/>
+                            </a:spcAft>
+                          </a:pPr>
+                          <a:r>
+                            <a:rPr lang="hy-AM" sz="1000">
+                              <a:effectLst/>
+                            </a:rPr>
+                            <a:t>Տղամարդ</a:t>
+                          </a:r>
+                          <a:endParaRPr lang="en-US" sz="900">
+                            <a:solidFill>
+                              <a:srgbClr val="00000A"/>
+                            </a:solidFill>
+                            <a:effectLst/>
+                            <a:latin typeface="Calibri" panose="020F0502020204030204" pitchFamily="34" charset="0"/>
+                            <a:ea typeface="Calibri" panose="020F0502020204030204" pitchFamily="34" charset="0"/>
+                            <a:cs typeface="Calibri" panose="020F0502020204030204" pitchFamily="34" charset="0"/>
+                          </a:endParaRPr>
+                        </a:p>
+                      </a:txBody>
+                      <a:tcPr marL="57725" marR="57725" marT="0" marB="0"/>
+                    </a:tc>
+                    <a:extLst>
+                      <a:ext uri="{0D108BD9-81ED-4DB2-BD59-A6C34878D82A}">
+                        <a16:rowId xmlns:a16="http://schemas.microsoft.com/office/drawing/2014/main" val="2051532882"/>
+                      </a:ext>
+                    </a:extLst>
+                  </a:tr>
+                  <a:tr h="289617">
+                    <a:tc>
+                      <a:txBody>
+                        <a:bodyPr/>
+                        <a:lstStyle/>
+                        <a:p>
+                          <a:pPr marL="228600" marR="0" algn="ctr">
+                            <a:lnSpc>
+                              <a:spcPct val="150000"/>
+                            </a:lnSpc>
+                            <a:spcBef>
+                              <a:spcPts val="0"/>
+                            </a:spcBef>
+                            <a:spcAft>
+                              <a:spcPts val="800"/>
+                            </a:spcAft>
+                          </a:pPr>
+                          <a:r>
+                            <a:rPr lang="hy-AM" sz="1000">
+                              <a:effectLst/>
+                            </a:rPr>
+                            <a:t>Սարա</a:t>
+                          </a:r>
+                          <a:endParaRPr lang="en-US" sz="900">
+                            <a:solidFill>
+                              <a:srgbClr val="00000A"/>
+                            </a:solidFill>
+                            <a:effectLst/>
+                            <a:latin typeface="Calibri" panose="020F0502020204030204" pitchFamily="34" charset="0"/>
+                            <a:ea typeface="Calibri" panose="020F0502020204030204" pitchFamily="34" charset="0"/>
+                            <a:cs typeface="Calibri" panose="020F0502020204030204" pitchFamily="34" charset="0"/>
+                          </a:endParaRPr>
+                        </a:p>
+                      </a:txBody>
+                      <a:tcPr marL="57725" marR="57725" marT="0" marB="0"/>
+                    </a:tc>
+                    <a:tc>
+                      <a:txBody>
+                        <a:bodyPr/>
+                        <a:lstStyle/>
+                        <a:p>
+                          <a:pPr marL="228600" marR="0" algn="ctr">
+                            <a:lnSpc>
+                              <a:spcPct val="150000"/>
+                            </a:lnSpc>
+                            <a:spcBef>
+                              <a:spcPts val="0"/>
+                            </a:spcBef>
+                            <a:spcAft>
+                              <a:spcPts val="800"/>
+                            </a:spcAft>
+                          </a:pPr>
+                          <a:r>
+                            <a:rPr lang="en-US" sz="1000">
+                              <a:effectLst/>
+                            </a:rPr>
+                            <a:t>1.77</a:t>
+                          </a:r>
+                          <a:endParaRPr lang="en-US" sz="900">
+                            <a:solidFill>
+                              <a:srgbClr val="00000A"/>
+                            </a:solidFill>
+                            <a:effectLst/>
+                            <a:latin typeface="Calibri" panose="020F0502020204030204" pitchFamily="34" charset="0"/>
+                            <a:ea typeface="Calibri" panose="020F0502020204030204" pitchFamily="34" charset="0"/>
+                            <a:cs typeface="Calibri" panose="020F0502020204030204" pitchFamily="34" charset="0"/>
+                          </a:endParaRPr>
+                        </a:p>
+                      </a:txBody>
+                      <a:tcPr marL="57725" marR="57725" marT="0" marB="0"/>
+                    </a:tc>
+                    <a:tc>
+                      <a:txBody>
+                        <a:bodyPr/>
+                        <a:lstStyle/>
+                        <a:p>
+                          <a:pPr marL="228600" marR="0" algn="ctr">
+                            <a:lnSpc>
+                              <a:spcPct val="150000"/>
+                            </a:lnSpc>
+                            <a:spcBef>
+                              <a:spcPts val="0"/>
+                            </a:spcBef>
+                            <a:spcAft>
+                              <a:spcPts val="800"/>
+                            </a:spcAft>
+                          </a:pPr>
+                          <a:r>
+                            <a:rPr lang="hy-AM" sz="1000">
+                              <a:effectLst/>
+                            </a:rPr>
+                            <a:t>Կարճ</a:t>
+                          </a:r>
+                          <a:endParaRPr lang="en-US" sz="900">
+                            <a:solidFill>
+                              <a:srgbClr val="00000A"/>
+                            </a:solidFill>
+                            <a:effectLst/>
+                            <a:latin typeface="Calibri" panose="020F0502020204030204" pitchFamily="34" charset="0"/>
+                            <a:ea typeface="Calibri" panose="020F0502020204030204" pitchFamily="34" charset="0"/>
+                            <a:cs typeface="Calibri" panose="020F0502020204030204" pitchFamily="34" charset="0"/>
+                          </a:endParaRPr>
+                        </a:p>
+                      </a:txBody>
+                      <a:tcPr marL="57725" marR="57725" marT="0" marB="0"/>
+                    </a:tc>
+                    <a:tc>
+                      <a:txBody>
+                        <a:bodyPr/>
+                        <a:lstStyle/>
+                        <a:p>
+                          <a:pPr marL="228600" marR="0" algn="ctr">
+                            <a:lnSpc>
+                              <a:spcPct val="150000"/>
+                            </a:lnSpc>
+                            <a:spcBef>
+                              <a:spcPts val="0"/>
+                            </a:spcBef>
+                            <a:spcAft>
+                              <a:spcPts val="800"/>
+                            </a:spcAft>
+                          </a:pPr>
+                          <a:r>
+                            <a:rPr lang="hy-AM" sz="1000">
+                              <a:effectLst/>
+                            </a:rPr>
+                            <a:t>Ա</a:t>
+                          </a:r>
+                          <a:r>
+                            <a:rPr lang="en-US" sz="1000">
+                              <a:effectLst/>
+                            </a:rPr>
+                            <a:t>նթրաշ</a:t>
+                          </a:r>
+                          <a:endParaRPr lang="en-US" sz="900">
+                            <a:solidFill>
+                              <a:srgbClr val="00000A"/>
+                            </a:solidFill>
+                            <a:effectLst/>
+                            <a:latin typeface="Calibri" panose="020F0502020204030204" pitchFamily="34" charset="0"/>
+                            <a:ea typeface="Calibri" panose="020F0502020204030204" pitchFamily="34" charset="0"/>
+                            <a:cs typeface="Calibri" panose="020F0502020204030204" pitchFamily="34" charset="0"/>
+                          </a:endParaRPr>
+                        </a:p>
+                      </a:txBody>
+                      <a:tcPr marL="57725" marR="57725" marT="0" marB="0"/>
+                    </a:tc>
+                    <a:tc>
+                      <a:txBody>
+                        <a:bodyPr/>
+                        <a:lstStyle/>
+                        <a:p>
+                          <a:pPr marL="228600" marR="0" algn="ctr">
+                            <a:lnSpc>
+                              <a:spcPct val="150000"/>
+                            </a:lnSpc>
+                            <a:spcBef>
+                              <a:spcPts val="0"/>
+                            </a:spcBef>
+                            <a:spcAft>
+                              <a:spcPts val="800"/>
+                            </a:spcAft>
+                          </a:pPr>
+                          <a:r>
+                            <a:rPr lang="hy-AM" sz="1000">
+                              <a:effectLst/>
+                            </a:rPr>
+                            <a:t>Կին</a:t>
+                          </a:r>
+                          <a:endParaRPr lang="en-US" sz="900">
+                            <a:solidFill>
+                              <a:srgbClr val="00000A"/>
+                            </a:solidFill>
+                            <a:effectLst/>
+                            <a:latin typeface="Calibri" panose="020F0502020204030204" pitchFamily="34" charset="0"/>
+                            <a:ea typeface="Calibri" panose="020F0502020204030204" pitchFamily="34" charset="0"/>
+                            <a:cs typeface="Calibri" panose="020F0502020204030204" pitchFamily="34" charset="0"/>
+                          </a:endParaRPr>
+                        </a:p>
+                      </a:txBody>
+                      <a:tcPr marL="57725" marR="57725" marT="0" marB="0"/>
+                    </a:tc>
+                    <a:extLst>
+                      <a:ext uri="{0D108BD9-81ED-4DB2-BD59-A6C34878D82A}">
+                        <a16:rowId xmlns:a16="http://schemas.microsoft.com/office/drawing/2014/main" val="4146497862"/>
+                      </a:ext>
+                    </a:extLst>
+                  </a:tr>
+                  <a:tr h="289617">
+                    <a:tc gridSpan="5">
+                      <a:txBody>
+                        <a:bodyPr/>
+                        <a:lstStyle/>
+                        <a:p>
+                          <a:pPr marL="228600" marR="0" algn="ctr">
+                            <a:lnSpc>
+                              <a:spcPct val="150000"/>
+                            </a:lnSpc>
+                            <a:spcBef>
+                              <a:spcPts val="0"/>
+                            </a:spcBef>
+                            <a:spcAft>
+                              <a:spcPts val="800"/>
+                            </a:spcAft>
+                            <a:tabLst>
+                              <a:tab pos="2389505" algn="l"/>
+                            </a:tabLst>
+                          </a:pPr>
+                          <a:r>
+                            <a:rPr lang="hy-AM" sz="1000" dirty="0" smtClean="0">
+                              <a:effectLst/>
+                            </a:rPr>
+                            <a:t>Սեռի </a:t>
+                          </a:r>
+                          <a:r>
+                            <a:rPr lang="hy-AM" sz="1000" dirty="0">
+                              <a:effectLst/>
+                            </a:rPr>
+                            <a:t>հայտնաբերման աղուսյակ</a:t>
+                          </a:r>
+                          <a:endParaRPr lang="en-US" sz="900" dirty="0">
+                            <a:solidFill>
+                              <a:srgbClr val="00000A"/>
+                            </a:solidFill>
+                            <a:effectLst/>
+                            <a:latin typeface="Calibri" panose="020F0502020204030204" pitchFamily="34" charset="0"/>
+                            <a:ea typeface="Calibri" panose="020F0502020204030204" pitchFamily="34" charset="0"/>
+                            <a:cs typeface="Calibri" panose="020F0502020204030204" pitchFamily="34" charset="0"/>
+                          </a:endParaRPr>
+                        </a:p>
+                      </a:txBody>
+                      <a:tcPr marL="57725" marR="57725" marT="0" marB="0"/>
+                    </a:tc>
+                    <a:tc hMerge="1">
+                      <a:txBody>
+                        <a:bodyPr/>
+                        <a:lstStyle/>
+                        <a:p>
+                          <a:endParaRPr lang="en-US"/>
+                        </a:p>
+                      </a:txBody>
+                      <a:tcPr/>
+                    </a:tc>
+                    <a:tc hMerge="1">
+                      <a:txBody>
+                        <a:bodyPr/>
+                        <a:lstStyle/>
+                        <a:p>
+                          <a:endParaRPr lang="en-US"/>
+                        </a:p>
+                      </a:txBody>
+                      <a:tcPr/>
+                    </a:tc>
+                    <a:tc hMerge="1">
+                      <a:txBody>
+                        <a:bodyPr/>
+                        <a:lstStyle/>
+                        <a:p>
+                          <a:endParaRPr lang="en-US"/>
+                        </a:p>
+                      </a:txBody>
+                      <a:tcPr/>
+                    </a:tc>
+                    <a:tc hMerge="1">
+                      <a:txBody>
+                        <a:bodyPr/>
+                        <a:lstStyle/>
+                        <a:p>
+                          <a:endParaRPr lang="en-US"/>
+                        </a:p>
+                      </a:txBody>
+                      <a:tcPr/>
+                    </a:tc>
+                    <a:extLst>
+                      <a:ext uri="{0D108BD9-81ED-4DB2-BD59-A6C34878D82A}">
+                        <a16:rowId xmlns:a16="http://schemas.microsoft.com/office/drawing/2014/main" val="766546503"/>
+                      </a:ext>
+                    </a:extLst>
+                  </a:tr>
+                </a:tbl>
+              </a:graphicData>
+            </a:graphic>
+          </p:graphicFrame>
+        </mc:Fallback>
+      </mc:AlternateContent>
+    </p:spTree>
+    <p:extLst>
+      <p:ext uri="{BB962C8B-B14F-4D97-AF65-F5344CB8AC3E}">
+        <p14:creationId xmlns:p14="http://schemas.microsoft.com/office/powerpoint/2010/main" val="1713521543"/>
+      </p:ext>
+    </p:extLst>
+  </p:cSld>
+  <p:clrMapOvr>
+    <a:masterClrMapping/>
+  </p:clrMapOvr>
+  <p:timing>
+    <p:tnLst>
+      <p:par>
+        <p:cTn id="1" dur="indefinite" restart="never" nodeType="tmRoot"/>
+      </p:par>
+    </p:tnLst>
+  </p:timing>
+</p:sld>
+</file>
+
+<file path=ppt/slides/slide15.xml><?xml version="1.0" encoding="utf-8"?>
+<p:sld xmlns:a="http://schemas.openxmlformats.org/drawingml/2006/main" xmlns:r="http://schemas.openxmlformats.org/officeDocument/2006/relationships" xmlns:p="http://schemas.openxmlformats.org/presentationml/2006/main">
+  <p:cSld>
+    <p:spTree>
+      <p:nvGrpSpPr>
+        <p:cNvPr id="1" name=""/>
+        <p:cNvGrpSpPr/>
+        <p:nvPr/>
+      </p:nvGrpSpPr>
+      <p:grpSpPr>
+        <a:xfrm>
+          <a:off x="0" y="0"/>
+          <a:ext cx="0" cy="0"/>
+          <a:chOff x="0" y="0"/>
+          <a:chExt cx="0" cy="0"/>
+        </a:xfrm>
+      </p:grpSpPr>
+      <p:sp>
+        <p:nvSpPr>
+          <p:cNvPr id="2" name="Title 1"/>
+          <p:cNvSpPr>
+            <a:spLocks noGrp="1"/>
+          </p:cNvSpPr>
+          <p:nvPr>
+            <p:ph type="title"/>
+          </p:nvPr>
+        </p:nvSpPr>
+        <p:spPr/>
+        <p:txBody>
+          <a:bodyPr/>
+          <a:lstStyle/>
+          <a:p>
+            <a:pPr algn="ctr"/>
+            <a:r>
+              <a:rPr lang="hy-AM" dirty="0"/>
+              <a:t>Վիոլա </a:t>
+            </a:r>
+            <a:r>
+              <a:rPr lang="hy-AM" dirty="0" smtClean="0"/>
+              <a:t>Ջոհընս</a:t>
+            </a:r>
+            <a:r>
+              <a:rPr lang="en-US" dirty="0" smtClean="0"/>
+              <a:t>(</a:t>
+            </a:r>
+            <a:r>
+              <a:rPr lang="en-US" dirty="0"/>
+              <a:t>Viola Johns</a:t>
+            </a:r>
+            <a:r>
+              <a:rPr lang="en-US" dirty="0" smtClean="0"/>
+              <a:t>) </a:t>
+            </a:r>
+            <a:r>
+              <a:rPr lang="hy-AM" dirty="0"/>
+              <a:t>Օբյեկտների Հայտնաբերում</a:t>
+            </a:r>
+            <a:endParaRPr lang="en-US" dirty="0"/>
+          </a:p>
+        </p:txBody>
+      </p:sp>
+      <p:sp>
+        <p:nvSpPr>
+          <p:cNvPr id="3" name="Text Placeholder 2"/>
+          <p:cNvSpPr>
+            <a:spLocks noGrp="1"/>
+          </p:cNvSpPr>
+          <p:nvPr>
+            <p:ph type="body" idx="1"/>
+          </p:nvPr>
+        </p:nvSpPr>
+        <p:spPr/>
+        <p:txBody>
+          <a:bodyPr/>
+          <a:lstStyle/>
+          <a:p>
+            <a:endParaRPr lang="en-US"/>
+          </a:p>
+        </p:txBody>
+      </p:sp>
+      <p:sp>
+        <p:nvSpPr>
+          <p:cNvPr id="4" name="Content Placeholder 3"/>
+          <p:cNvSpPr>
+            <a:spLocks noGrp="1"/>
+          </p:cNvSpPr>
+          <p:nvPr>
+            <p:ph sz="half" idx="2"/>
+          </p:nvPr>
+        </p:nvSpPr>
+        <p:spPr/>
+        <p:txBody>
+          <a:bodyPr/>
+          <a:lstStyle/>
+          <a:p>
+            <a:endParaRPr lang="en-US"/>
+          </a:p>
+        </p:txBody>
+      </p:sp>
+      <p:sp>
+        <p:nvSpPr>
+          <p:cNvPr id="5" name="Text Placeholder 4"/>
+          <p:cNvSpPr>
+            <a:spLocks noGrp="1"/>
+          </p:cNvSpPr>
+          <p:nvPr>
+            <p:ph type="body" sz="quarter" idx="3"/>
+          </p:nvPr>
+        </p:nvSpPr>
+        <p:spPr/>
+        <p:txBody>
+          <a:bodyPr/>
+          <a:lstStyle/>
+          <a:p>
+            <a:endParaRPr lang="en-US"/>
+          </a:p>
+        </p:txBody>
+      </p:sp>
+      <p:sp>
+        <p:nvSpPr>
+          <p:cNvPr id="6" name="Content Placeholder 5"/>
+          <p:cNvSpPr>
+            <a:spLocks noGrp="1"/>
+          </p:cNvSpPr>
+          <p:nvPr>
+            <p:ph sz="quarter" idx="4"/>
+          </p:nvPr>
+        </p:nvSpPr>
+        <p:spPr/>
+        <p:txBody>
+          <a:bodyPr/>
+          <a:lstStyle/>
+          <a:p>
+            <a:endParaRPr lang="en-US"/>
+          </a:p>
+        </p:txBody>
+      </p:sp>
+    </p:spTree>
+    <p:extLst>
+      <p:ext uri="{BB962C8B-B14F-4D97-AF65-F5344CB8AC3E}">
+        <p14:creationId xmlns:p14="http://schemas.microsoft.com/office/powerpoint/2010/main" val="1650807427"/>
+      </p:ext>
+    </p:extLst>
+  </p:cSld>
+  <p:clrMapOvr>
+    <a:masterClrMapping/>
+  </p:clrMapOvr>
+  <p:timing>
+    <p:tnLst>
+      <p:par>
+        <p:cTn id="1" dur="indefinite" restart="never" nodeType="tmRoot"/>
+      </p:par>
+    </p:tnLst>
+  </p:timing>
+</p:sld>
+</file>
+
+<file path=ppt/slides/slide16.xml><?xml version="1.0" encoding="utf-8"?>
+<p:sld xmlns:a="http://schemas.openxmlformats.org/drawingml/2006/main" xmlns:r="http://schemas.openxmlformats.org/officeDocument/2006/relationships" xmlns:p="http://schemas.openxmlformats.org/presentationml/2006/main">
+  <p:cSld>
+    <p:spTree>
+      <p:nvGrpSpPr>
+        <p:cNvPr id="1" name=""/>
+        <p:cNvGrpSpPr/>
+        <p:nvPr/>
+      </p:nvGrpSpPr>
+      <p:grpSpPr>
+        <a:xfrm>
+          <a:off x="0" y="0"/>
+          <a:ext cx="0" cy="0"/>
+          <a:chOff x="0" y="0"/>
+          <a:chExt cx="0" cy="0"/>
+        </a:xfrm>
+      </p:grpSpPr>
+      <p:sp>
+        <p:nvSpPr>
+          <p:cNvPr id="2" name="Title 1"/>
+          <p:cNvSpPr>
+            <a:spLocks noGrp="1"/>
+          </p:cNvSpPr>
+          <p:nvPr>
+            <p:ph type="title"/>
+          </p:nvPr>
+        </p:nvSpPr>
+        <p:spPr/>
+        <p:txBody>
+          <a:bodyPr/>
+          <a:lstStyle/>
+          <a:p>
+            <a:r>
+              <a:rPr lang="hy-AM" i="1" dirty="0"/>
+              <a:t>Հաարի</a:t>
+            </a:r>
+            <a:r>
+              <a:rPr lang="en-US" i="1" dirty="0"/>
+              <a:t>(</a:t>
+            </a:r>
+            <a:r>
+              <a:rPr lang="en-US" i="1" dirty="0" err="1"/>
+              <a:t>Haar</a:t>
+            </a:r>
+            <a:r>
+              <a:rPr lang="en-US" i="1" dirty="0"/>
+              <a:t>) </a:t>
+            </a:r>
+            <a:r>
+              <a:rPr lang="hy-AM" i="1" dirty="0"/>
+              <a:t>հատկություններ</a:t>
+            </a:r>
+            <a:r>
+              <a:rPr lang="en-US" dirty="0"/>
+              <a:t/>
+            </a:r>
+            <a:br>
+              <a:rPr lang="en-US" dirty="0"/>
+            </a:br>
+            <a:endParaRPr lang="en-US" dirty="0"/>
+          </a:p>
+        </p:txBody>
+      </p:sp>
+      <p:sp>
+        <p:nvSpPr>
+          <p:cNvPr id="3" name="Text Placeholder 2"/>
+          <p:cNvSpPr>
+            <a:spLocks noGrp="1"/>
+          </p:cNvSpPr>
+          <p:nvPr>
+            <p:ph type="body" idx="1"/>
+          </p:nvPr>
+        </p:nvSpPr>
+        <p:spPr/>
+        <p:txBody>
+          <a:bodyPr/>
+          <a:lstStyle/>
+          <a:p>
+            <a:endParaRPr lang="en-US"/>
+          </a:p>
+        </p:txBody>
+      </p:sp>
+      <p:sp>
+        <p:nvSpPr>
+          <p:cNvPr id="5" name="Text Placeholder 4"/>
+          <p:cNvSpPr>
+            <a:spLocks noGrp="1"/>
+          </p:cNvSpPr>
+          <p:nvPr>
+            <p:ph type="body" sz="quarter" idx="3"/>
+          </p:nvPr>
+        </p:nvSpPr>
+        <p:spPr/>
+        <p:txBody>
+          <a:bodyPr/>
+          <a:lstStyle/>
+          <a:p>
+            <a:endParaRPr lang="en-US"/>
+          </a:p>
+        </p:txBody>
+      </p:sp>
+      <p:sp>
+        <p:nvSpPr>
+          <p:cNvPr id="6" name="Content Placeholder 5"/>
+          <p:cNvSpPr>
+            <a:spLocks noGrp="1"/>
+          </p:cNvSpPr>
+          <p:nvPr>
+            <p:ph sz="quarter" idx="4"/>
+          </p:nvPr>
+        </p:nvSpPr>
+        <p:spPr/>
+        <p:txBody>
+          <a:bodyPr/>
+          <a:lstStyle/>
+          <a:p>
+            <a:endParaRPr lang="en-US"/>
+          </a:p>
+        </p:txBody>
+      </p:sp>
+      <p:sp>
+        <p:nvSpPr>
+          <p:cNvPr id="4" name="Content Placeholder 3"/>
+          <p:cNvSpPr>
+            <a:spLocks noGrp="1"/>
+          </p:cNvSpPr>
+          <p:nvPr>
+            <p:ph sz="half" idx="2"/>
+          </p:nvPr>
+        </p:nvSpPr>
+        <p:spPr/>
+        <p:txBody>
+          <a:bodyPr/>
+          <a:lstStyle/>
+          <a:p>
+            <a:endParaRPr lang="en-US"/>
+          </a:p>
+        </p:txBody>
+      </p:sp>
+      <p:pic>
+        <p:nvPicPr>
+          <p:cNvPr id="1026" name="Picture 2" descr="Image result for haar features"/>
+          <p:cNvPicPr>
+            <a:picLocks noChangeAspect="1" noChangeArrowheads="1"/>
+          </p:cNvPicPr>
+          <p:nvPr/>
+        </p:nvPicPr>
+        <p:blipFill>
+          <a:blip r:embed="rId2">
+            <a:extLst>
+              <a:ext uri="{28A0092B-C50C-407E-A947-70E740481C1C}">
+                <a14:useLocalDpi xmlns:a14="http://schemas.microsoft.com/office/drawing/2010/main" val="0"/>
+              </a:ext>
+            </a:extLst>
+          </a:blip>
+          <a:srcRect/>
+          <a:stretch>
+            <a:fillRect/>
+          </a:stretch>
+        </p:blipFill>
+        <p:spPr bwMode="auto">
+          <a:xfrm>
+            <a:off x="685801" y="2065867"/>
+            <a:ext cx="5137682" cy="4321951"/>
+          </a:xfrm>
+          <a:prstGeom prst="rect">
+            <a:avLst/>
+          </a:prstGeom>
+          <a:noFill/>
+          <a:extLst>
+            <a:ext uri="{909E8E84-426E-40DD-AFC4-6F175D3DCCD1}">
+              <a14:hiddenFill xmlns:a14="http://schemas.microsoft.com/office/drawing/2010/main">
+                <a:solidFill>
+                  <a:srgbClr val="FFFFFF"/>
+                </a:solidFill>
+              </a14:hiddenFill>
+            </a:ext>
+          </a:extLst>
+        </p:spPr>
+      </p:pic>
+    </p:spTree>
+    <p:extLst>
+      <p:ext uri="{BB962C8B-B14F-4D97-AF65-F5344CB8AC3E}">
+        <p14:creationId xmlns:p14="http://schemas.microsoft.com/office/powerpoint/2010/main" val="1001642880"/>
+      </p:ext>
+    </p:extLst>
+  </p:cSld>
+  <p:clrMapOvr>
+    <a:masterClrMapping/>
+  </p:clrMapOvr>
+  <p:timing>
+    <p:tnLst>
+      <p:par>
+        <p:cTn id="1" dur="indefinite" restart="never" nodeType="tmRoot"/>
+      </p:par>
+    </p:tnLst>
+  </p:timing>
+</p:sld>
+</file>
+
+<file path=ppt/slides/slide17.xml><?xml version="1.0" encoding="utf-8"?>
+<p:sld xmlns:a="http://schemas.openxmlformats.org/drawingml/2006/main" xmlns:r="http://schemas.openxmlformats.org/officeDocument/2006/relationships" xmlns:p="http://schemas.openxmlformats.org/presentationml/2006/main">
+  <p:cSld>
+    <p:spTree>
+      <p:nvGrpSpPr>
+        <p:cNvPr id="1" name=""/>
+        <p:cNvGrpSpPr/>
+        <p:nvPr/>
+      </p:nvGrpSpPr>
+      <p:grpSpPr>
+        <a:xfrm>
+          <a:off x="0" y="0"/>
+          <a:ext cx="0" cy="0"/>
+          <a:chOff x="0" y="0"/>
+          <a:chExt cx="0" cy="0"/>
+        </a:xfrm>
+      </p:grpSpPr>
+      <p:sp>
+        <p:nvSpPr>
+          <p:cNvPr id="2" name="Title 1"/>
+          <p:cNvSpPr>
+            <a:spLocks noGrp="1"/>
+          </p:cNvSpPr>
+          <p:nvPr>
+            <p:ph type="title"/>
+          </p:nvPr>
+        </p:nvSpPr>
+        <p:spPr/>
+        <p:txBody>
+          <a:bodyPr/>
+          <a:lstStyle/>
+          <a:p>
+            <a:pPr algn="ctr"/>
+            <a:r>
+              <a:rPr lang="hy-AM" i="1" dirty="0"/>
+              <a:t>Պատկերը ինտեգրալ պատկերի վերածելու օրինակ</a:t>
+            </a:r>
+            <a:endParaRPr lang="en-US" dirty="0"/>
+          </a:p>
+        </p:txBody>
+      </p:sp>
+      <p:sp>
+        <p:nvSpPr>
+          <p:cNvPr id="3" name="Text Placeholder 2"/>
+          <p:cNvSpPr>
+            <a:spLocks noGrp="1"/>
+          </p:cNvSpPr>
+          <p:nvPr>
+            <p:ph type="body" idx="1"/>
+          </p:nvPr>
+        </p:nvSpPr>
+        <p:spPr/>
+        <p:txBody>
+          <a:bodyPr/>
+          <a:lstStyle/>
+          <a:p>
+            <a:endParaRPr lang="en-US"/>
+          </a:p>
+        </p:txBody>
+      </p:sp>
+      <p:graphicFrame>
+        <p:nvGraphicFramePr>
+          <p:cNvPr id="7" name="Content Placeholder 6"/>
+          <p:cNvGraphicFramePr>
+            <a:graphicFrameLocks noGrp="1"/>
+          </p:cNvGraphicFramePr>
+          <p:nvPr>
+            <p:ph sz="half" idx="2"/>
+            <p:extLst>
+              <p:ext uri="{D42A27DB-BD31-4B8C-83A1-F6EECF244321}">
+                <p14:modId xmlns:p14="http://schemas.microsoft.com/office/powerpoint/2010/main" val="408708369"/>
+              </p:ext>
+            </p:extLst>
+          </p:nvPr>
+        </p:nvGraphicFramePr>
+        <p:xfrm>
+          <a:off x="973670" y="3067165"/>
+          <a:ext cx="2460914" cy="2172700"/>
+        </p:xfrm>
+        <a:graphic>
+          <a:graphicData uri="http://schemas.openxmlformats.org/drawingml/2006/table">
+            <a:tbl>
+              <a:tblPr firstRow="1" firstCol="1" bandRow="1">
+                <a:tableStyleId>{5940675A-B579-460E-94D1-54222C63F5DA}</a:tableStyleId>
+              </a:tblPr>
+              <a:tblGrid>
+                <a:gridCol w="820021"/>
+                <a:gridCol w="820021"/>
+                <a:gridCol w="820872"/>
+              </a:tblGrid>
+              <a:tr h="543175">
+                <a:tc>
+                  <a:txBody>
+                    <a:bodyPr/>
+                    <a:lstStyle/>
+                    <a:p>
+                      <a:pPr marL="228600" algn="ctr">
+                        <a:lnSpc>
+                          <a:spcPct val="150000"/>
+                        </a:lnSpc>
+                        <a:spcAft>
+                          <a:spcPts val="800"/>
+                        </a:spcAft>
+                      </a:pPr>
+                      <a:r>
+                        <a:rPr lang="hy-AM" sz="1200" dirty="0">
+                          <a:effectLst/>
+                        </a:rPr>
+                        <a:t>1</a:t>
+                      </a:r>
+                      <a:endParaRPr lang="en-US" sz="1100" dirty="0">
+                        <a:solidFill>
+                          <a:schemeClr val="bg1"/>
+                        </a:solidFill>
+                        <a:effectLst/>
+                        <a:latin typeface="Calibri" panose="020F0502020204030204" pitchFamily="34" charset="0"/>
+                        <a:ea typeface="Calibri" panose="020F0502020204030204" pitchFamily="34" charset="0"/>
+                        <a:cs typeface="Calibri" panose="020F0502020204030204" pitchFamily="34" charset="0"/>
+                      </a:endParaRPr>
+                    </a:p>
+                  </a:txBody>
+                  <a:tcPr marL="68580" marR="68580" marT="0" marB="0"/>
+                </a:tc>
+                <a:tc>
+                  <a:txBody>
+                    <a:bodyPr/>
+                    <a:lstStyle/>
+                    <a:p>
+                      <a:pPr marL="228600" algn="ctr">
+                        <a:lnSpc>
+                          <a:spcPct val="150000"/>
+                        </a:lnSpc>
+                        <a:spcAft>
+                          <a:spcPts val="800"/>
+                        </a:spcAft>
+                      </a:pPr>
+                      <a:r>
+                        <a:rPr lang="hy-AM" sz="1200" dirty="0">
+                          <a:effectLst/>
+                        </a:rPr>
+                        <a:t>1</a:t>
+                      </a:r>
+                      <a:endParaRPr lang="en-US" sz="1100" dirty="0">
+                        <a:solidFill>
+                          <a:schemeClr val="bg1"/>
+                        </a:solidFill>
+                        <a:effectLst/>
+                        <a:latin typeface="Calibri" panose="020F0502020204030204" pitchFamily="34" charset="0"/>
+                        <a:ea typeface="Calibri" panose="020F0502020204030204" pitchFamily="34" charset="0"/>
+                        <a:cs typeface="Calibri" panose="020F0502020204030204" pitchFamily="34" charset="0"/>
+                      </a:endParaRPr>
+                    </a:p>
+                  </a:txBody>
+                  <a:tcPr marL="68580" marR="68580" marT="0" marB="0"/>
+                </a:tc>
+                <a:tc>
+                  <a:txBody>
+                    <a:bodyPr/>
+                    <a:lstStyle/>
+                    <a:p>
+                      <a:pPr marL="228600" algn="ctr">
+                        <a:lnSpc>
+                          <a:spcPct val="150000"/>
+                        </a:lnSpc>
+                        <a:spcAft>
+                          <a:spcPts val="800"/>
+                        </a:spcAft>
+                      </a:pPr>
+                      <a:r>
+                        <a:rPr lang="hy-AM" sz="1200">
+                          <a:effectLst/>
+                        </a:rPr>
+                        <a:t>1</a:t>
+                      </a:r>
+                      <a:endParaRPr lang="en-US" sz="1100">
+                        <a:solidFill>
+                          <a:schemeClr val="bg1"/>
+                        </a:solidFill>
+                        <a:effectLst/>
+                        <a:latin typeface="Calibri" panose="020F0502020204030204" pitchFamily="34" charset="0"/>
+                        <a:ea typeface="Calibri" panose="020F0502020204030204" pitchFamily="34" charset="0"/>
+                        <a:cs typeface="Calibri" panose="020F0502020204030204" pitchFamily="34" charset="0"/>
+                      </a:endParaRPr>
+                    </a:p>
+                  </a:txBody>
+                  <a:tcPr marL="68580" marR="68580" marT="0" marB="0"/>
+                </a:tc>
+              </a:tr>
+              <a:tr h="543175">
+                <a:tc>
+                  <a:txBody>
+                    <a:bodyPr/>
+                    <a:lstStyle/>
+                    <a:p>
+                      <a:pPr marL="228600" algn="ctr">
+                        <a:lnSpc>
+                          <a:spcPct val="150000"/>
+                        </a:lnSpc>
+                        <a:spcAft>
+                          <a:spcPts val="800"/>
+                        </a:spcAft>
+                      </a:pPr>
+                      <a:r>
+                        <a:rPr lang="hy-AM" sz="1200" dirty="0">
+                          <a:effectLst/>
+                        </a:rPr>
+                        <a:t>1</a:t>
+                      </a:r>
+                      <a:endParaRPr lang="en-US" sz="1100" dirty="0">
+                        <a:solidFill>
+                          <a:schemeClr val="bg1"/>
+                        </a:solidFill>
+                        <a:effectLst/>
+                        <a:latin typeface="Calibri" panose="020F0502020204030204" pitchFamily="34" charset="0"/>
+                        <a:ea typeface="Calibri" panose="020F0502020204030204" pitchFamily="34" charset="0"/>
+                        <a:cs typeface="Calibri" panose="020F0502020204030204" pitchFamily="34" charset="0"/>
+                      </a:endParaRPr>
+                    </a:p>
+                  </a:txBody>
+                  <a:tcPr marL="68580" marR="68580" marT="0" marB="0"/>
+                </a:tc>
+                <a:tc>
+                  <a:txBody>
+                    <a:bodyPr/>
+                    <a:lstStyle/>
+                    <a:p>
+                      <a:pPr marL="228600" algn="ctr">
+                        <a:lnSpc>
+                          <a:spcPct val="150000"/>
+                        </a:lnSpc>
+                        <a:spcAft>
+                          <a:spcPts val="800"/>
+                        </a:spcAft>
+                      </a:pPr>
+                      <a:r>
+                        <a:rPr lang="hy-AM" sz="1200">
+                          <a:effectLst/>
+                        </a:rPr>
+                        <a:t>1</a:t>
+                      </a:r>
+                      <a:endParaRPr lang="en-US" sz="1100">
+                        <a:solidFill>
+                          <a:schemeClr val="bg1"/>
+                        </a:solidFill>
+                        <a:effectLst/>
+                        <a:latin typeface="Calibri" panose="020F0502020204030204" pitchFamily="34" charset="0"/>
+                        <a:ea typeface="Calibri" panose="020F0502020204030204" pitchFamily="34" charset="0"/>
+                        <a:cs typeface="Calibri" panose="020F0502020204030204" pitchFamily="34" charset="0"/>
+                      </a:endParaRPr>
+                    </a:p>
+                  </a:txBody>
+                  <a:tcPr marL="68580" marR="68580" marT="0" marB="0"/>
+                </a:tc>
+                <a:tc>
+                  <a:txBody>
+                    <a:bodyPr/>
+                    <a:lstStyle/>
+                    <a:p>
+                      <a:pPr marL="228600" algn="ctr">
+                        <a:lnSpc>
+                          <a:spcPct val="150000"/>
+                        </a:lnSpc>
+                        <a:spcAft>
+                          <a:spcPts val="800"/>
+                        </a:spcAft>
+                      </a:pPr>
+                      <a:r>
+                        <a:rPr lang="hy-AM" sz="1200">
+                          <a:effectLst/>
+                        </a:rPr>
+                        <a:t>1</a:t>
+                      </a:r>
+                      <a:endParaRPr lang="en-US" sz="1100">
+                        <a:solidFill>
+                          <a:schemeClr val="bg1"/>
+                        </a:solidFill>
+                        <a:effectLst/>
+                        <a:latin typeface="Calibri" panose="020F0502020204030204" pitchFamily="34" charset="0"/>
+                        <a:ea typeface="Calibri" panose="020F0502020204030204" pitchFamily="34" charset="0"/>
+                        <a:cs typeface="Calibri" panose="020F0502020204030204" pitchFamily="34" charset="0"/>
+                      </a:endParaRPr>
+                    </a:p>
+                  </a:txBody>
+                  <a:tcPr marL="68580" marR="68580" marT="0" marB="0"/>
+                </a:tc>
+              </a:tr>
+              <a:tr h="543175">
+                <a:tc>
+                  <a:txBody>
+                    <a:bodyPr/>
+                    <a:lstStyle/>
+                    <a:p>
+                      <a:pPr marL="228600" algn="ctr">
+                        <a:lnSpc>
+                          <a:spcPct val="150000"/>
+                        </a:lnSpc>
+                        <a:spcAft>
+                          <a:spcPts val="800"/>
+                        </a:spcAft>
+                      </a:pPr>
+                      <a:r>
+                        <a:rPr lang="hy-AM" sz="1200" dirty="0">
+                          <a:effectLst/>
+                        </a:rPr>
+                        <a:t>1</a:t>
+                      </a:r>
+                      <a:endParaRPr lang="en-US" sz="1100" dirty="0">
+                        <a:solidFill>
+                          <a:schemeClr val="bg1"/>
+                        </a:solidFill>
+                        <a:effectLst/>
+                        <a:latin typeface="Calibri" panose="020F0502020204030204" pitchFamily="34" charset="0"/>
+                        <a:ea typeface="Calibri" panose="020F0502020204030204" pitchFamily="34" charset="0"/>
+                        <a:cs typeface="Calibri" panose="020F0502020204030204" pitchFamily="34" charset="0"/>
+                      </a:endParaRPr>
+                    </a:p>
+                  </a:txBody>
+                  <a:tcPr marL="68580" marR="68580" marT="0" marB="0"/>
+                </a:tc>
+                <a:tc>
+                  <a:txBody>
+                    <a:bodyPr/>
+                    <a:lstStyle/>
+                    <a:p>
+                      <a:pPr marL="228600" algn="ctr">
+                        <a:lnSpc>
+                          <a:spcPct val="150000"/>
+                        </a:lnSpc>
+                        <a:spcAft>
+                          <a:spcPts val="800"/>
+                        </a:spcAft>
+                      </a:pPr>
+                      <a:r>
+                        <a:rPr lang="hy-AM" sz="1200">
+                          <a:effectLst/>
+                        </a:rPr>
+                        <a:t>1</a:t>
+                      </a:r>
+                      <a:endParaRPr lang="en-US" sz="1100">
+                        <a:solidFill>
+                          <a:schemeClr val="bg1"/>
+                        </a:solidFill>
+                        <a:effectLst/>
+                        <a:latin typeface="Calibri" panose="020F0502020204030204" pitchFamily="34" charset="0"/>
+                        <a:ea typeface="Calibri" panose="020F0502020204030204" pitchFamily="34" charset="0"/>
+                        <a:cs typeface="Calibri" panose="020F0502020204030204" pitchFamily="34" charset="0"/>
+                      </a:endParaRPr>
+                    </a:p>
+                  </a:txBody>
+                  <a:tcPr marL="68580" marR="68580" marT="0" marB="0"/>
+                </a:tc>
+                <a:tc>
+                  <a:txBody>
+                    <a:bodyPr/>
+                    <a:lstStyle/>
+                    <a:p>
+                      <a:pPr marL="228600" algn="ctr">
+                        <a:lnSpc>
+                          <a:spcPct val="150000"/>
+                        </a:lnSpc>
+                        <a:spcAft>
+                          <a:spcPts val="800"/>
+                        </a:spcAft>
+                      </a:pPr>
+                      <a:r>
+                        <a:rPr lang="hy-AM" sz="1200" dirty="0">
+                          <a:effectLst/>
+                        </a:rPr>
+                        <a:t>1</a:t>
+                      </a:r>
+                      <a:endParaRPr lang="en-US" sz="1100" dirty="0">
+                        <a:solidFill>
+                          <a:schemeClr val="bg1"/>
+                        </a:solidFill>
+                        <a:effectLst/>
+                        <a:latin typeface="Calibri" panose="020F0502020204030204" pitchFamily="34" charset="0"/>
+                        <a:ea typeface="Calibri" panose="020F0502020204030204" pitchFamily="34" charset="0"/>
+                        <a:cs typeface="Calibri" panose="020F0502020204030204" pitchFamily="34" charset="0"/>
+                      </a:endParaRPr>
+                    </a:p>
+                  </a:txBody>
+                  <a:tcPr marL="68580" marR="68580" marT="0" marB="0"/>
+                </a:tc>
+              </a:tr>
+              <a:tr h="543175">
+                <a:tc gridSpan="3">
+                  <a:txBody>
+                    <a:bodyPr/>
+                    <a:lstStyle/>
+                    <a:p>
+                      <a:pPr marL="228600" algn="ctr">
+                        <a:lnSpc>
+                          <a:spcPct val="150000"/>
+                        </a:lnSpc>
+                        <a:spcAft>
+                          <a:spcPts val="800"/>
+                        </a:spcAft>
+                      </a:pPr>
+                      <a:r>
+                        <a:rPr lang="hy-AM" sz="1400" dirty="0" smtClean="0">
+                          <a:effectLst/>
+                        </a:rPr>
+                        <a:t>Մուտքային</a:t>
+                      </a:r>
+                      <a:r>
+                        <a:rPr lang="hy-AM" sz="1400" baseline="0" dirty="0" smtClean="0">
+                          <a:effectLst/>
+                        </a:rPr>
+                        <a:t> պատկեր</a:t>
+                      </a:r>
+                      <a:endParaRPr lang="en-US" sz="1400" dirty="0">
+                        <a:solidFill>
+                          <a:schemeClr val="bg1"/>
+                        </a:solidFill>
+                        <a:effectLst/>
+                        <a:latin typeface="Calibri" panose="020F0502020204030204" pitchFamily="34" charset="0"/>
+                        <a:ea typeface="Calibri" panose="020F0502020204030204" pitchFamily="34" charset="0"/>
+                        <a:cs typeface="Calibri" panose="020F0502020204030204" pitchFamily="34" charset="0"/>
+                      </a:endParaRPr>
+                    </a:p>
+                  </a:txBody>
+                  <a:tcPr marL="68580" marR="68580" marT="0" marB="0"/>
+                </a:tc>
+                <a:tc hMerge="1">
+                  <a:txBody>
+                    <a:bodyPr/>
+                    <a:lstStyle/>
+                    <a:p>
+                      <a:pPr marL="228600" algn="ctr">
+                        <a:lnSpc>
+                          <a:spcPct val="150000"/>
+                        </a:lnSpc>
+                        <a:spcAft>
+                          <a:spcPts val="800"/>
+                        </a:spcAft>
+                      </a:pPr>
+                      <a:endParaRPr lang="en-US" sz="1100" dirty="0">
+                        <a:solidFill>
+                          <a:srgbClr val="00000A"/>
+                        </a:solidFill>
+                        <a:effectLst/>
+                        <a:latin typeface="Calibri" panose="020F0502020204030204" pitchFamily="34" charset="0"/>
+                        <a:ea typeface="Calibri" panose="020F0502020204030204" pitchFamily="34" charset="0"/>
+                        <a:cs typeface="Calibri" panose="020F0502020204030204" pitchFamily="34" charset="0"/>
+                      </a:endParaRPr>
+                    </a:p>
+                  </a:txBody>
+                  <a:tcPr marL="68580" marR="68580" marT="0" marB="0"/>
+                </a:tc>
+                <a:tc hMerge="1">
+                  <a:txBody>
+                    <a:bodyPr/>
+                    <a:lstStyle/>
+                    <a:p>
+                      <a:pPr marL="228600" algn="ctr">
+                        <a:lnSpc>
+                          <a:spcPct val="150000"/>
+                        </a:lnSpc>
+                        <a:spcAft>
+                          <a:spcPts val="800"/>
+                        </a:spcAft>
+                      </a:pPr>
+                      <a:endParaRPr lang="en-US" sz="1100" dirty="0">
+                        <a:solidFill>
+                          <a:srgbClr val="00000A"/>
+                        </a:solidFill>
+                        <a:effectLst/>
+                        <a:latin typeface="Calibri" panose="020F0502020204030204" pitchFamily="34" charset="0"/>
+                        <a:ea typeface="Calibri" panose="020F0502020204030204" pitchFamily="34" charset="0"/>
+                        <a:cs typeface="Calibri" panose="020F0502020204030204" pitchFamily="34" charset="0"/>
+                      </a:endParaRPr>
+                    </a:p>
+                  </a:txBody>
+                  <a:tcPr marL="68580" marR="68580" marT="0" marB="0"/>
+                </a:tc>
+              </a:tr>
+            </a:tbl>
+          </a:graphicData>
+        </a:graphic>
+      </p:graphicFrame>
+      <p:sp>
+        <p:nvSpPr>
+          <p:cNvPr id="5" name="Text Placeholder 4"/>
+          <p:cNvSpPr>
+            <a:spLocks noGrp="1"/>
+          </p:cNvSpPr>
+          <p:nvPr>
+            <p:ph type="body" sz="quarter" idx="3"/>
+          </p:nvPr>
+        </p:nvSpPr>
+        <p:spPr/>
+        <p:txBody>
+          <a:bodyPr/>
+          <a:lstStyle/>
+          <a:p>
+            <a:endParaRPr lang="en-US"/>
+          </a:p>
+        </p:txBody>
+      </p:sp>
+      <p:graphicFrame>
+        <p:nvGraphicFramePr>
+          <p:cNvPr id="8" name="Content Placeholder 7"/>
+          <p:cNvGraphicFramePr>
+            <a:graphicFrameLocks noGrp="1"/>
+          </p:cNvGraphicFramePr>
+          <p:nvPr>
+            <p:ph sz="quarter" idx="4"/>
+            <p:extLst>
+              <p:ext uri="{D42A27DB-BD31-4B8C-83A1-F6EECF244321}">
+                <p14:modId xmlns:p14="http://schemas.microsoft.com/office/powerpoint/2010/main" val="2850349241"/>
+              </p:ext>
+            </p:extLst>
+          </p:nvPr>
+        </p:nvGraphicFramePr>
+        <p:xfrm>
+          <a:off x="4260852" y="3067165"/>
+          <a:ext cx="2669883" cy="2172700"/>
+        </p:xfrm>
+        <a:graphic>
+          <a:graphicData uri="http://schemas.openxmlformats.org/drawingml/2006/table">
+            <a:tbl>
+              <a:tblPr firstRow="1" firstCol="1" bandRow="1">
+                <a:tableStyleId>{5940675A-B579-460E-94D1-54222C63F5DA}</a:tableStyleId>
+              </a:tblPr>
+              <a:tblGrid>
+                <a:gridCol w="889653"/>
+                <a:gridCol w="889653"/>
+                <a:gridCol w="890577"/>
+              </a:tblGrid>
+              <a:tr h="543175">
+                <a:tc>
+                  <a:txBody>
+                    <a:bodyPr/>
+                    <a:lstStyle/>
+                    <a:p>
+                      <a:pPr marL="228600" algn="ctr">
+                        <a:lnSpc>
+                          <a:spcPct val="150000"/>
+                        </a:lnSpc>
+                        <a:spcAft>
+                          <a:spcPts val="800"/>
+                        </a:spcAft>
+                      </a:pPr>
+                      <a:r>
+                        <a:rPr lang="en-US" sz="1200" dirty="0">
+                          <a:effectLst/>
+                        </a:rPr>
+                        <a:t>1</a:t>
+                      </a:r>
+                      <a:endParaRPr lang="en-US" sz="1100" dirty="0">
+                        <a:solidFill>
+                          <a:srgbClr val="00000A"/>
+                        </a:solidFill>
+                        <a:effectLst/>
+                        <a:latin typeface="Calibri" panose="020F0502020204030204" pitchFamily="34" charset="0"/>
+                        <a:ea typeface="Calibri" panose="020F0502020204030204" pitchFamily="34" charset="0"/>
+                        <a:cs typeface="Calibri" panose="020F0502020204030204" pitchFamily="34" charset="0"/>
+                      </a:endParaRPr>
+                    </a:p>
+                  </a:txBody>
+                  <a:tcPr marL="68580" marR="68580" marT="0" marB="0"/>
+                </a:tc>
+                <a:tc>
+                  <a:txBody>
+                    <a:bodyPr/>
+                    <a:lstStyle/>
+                    <a:p>
+                      <a:pPr marL="228600" algn="ctr">
+                        <a:lnSpc>
+                          <a:spcPct val="150000"/>
+                        </a:lnSpc>
+                        <a:spcAft>
+                          <a:spcPts val="800"/>
+                        </a:spcAft>
+                      </a:pPr>
+                      <a:r>
+                        <a:rPr lang="en-US" sz="1200">
+                          <a:effectLst/>
+                        </a:rPr>
+                        <a:t>2</a:t>
+                      </a:r>
+                      <a:endParaRPr lang="en-US" sz="1100">
+                        <a:solidFill>
+                          <a:srgbClr val="00000A"/>
+                        </a:solidFill>
+                        <a:effectLst/>
+                        <a:latin typeface="Calibri" panose="020F0502020204030204" pitchFamily="34" charset="0"/>
+                        <a:ea typeface="Calibri" panose="020F0502020204030204" pitchFamily="34" charset="0"/>
+                        <a:cs typeface="Calibri" panose="020F0502020204030204" pitchFamily="34" charset="0"/>
+                      </a:endParaRPr>
+                    </a:p>
+                  </a:txBody>
+                  <a:tcPr marL="68580" marR="68580" marT="0" marB="0"/>
+                </a:tc>
+                <a:tc>
+                  <a:txBody>
+                    <a:bodyPr/>
+                    <a:lstStyle/>
+                    <a:p>
+                      <a:pPr marL="228600" algn="ctr">
+                        <a:lnSpc>
+                          <a:spcPct val="150000"/>
+                        </a:lnSpc>
+                        <a:spcAft>
+                          <a:spcPts val="800"/>
+                        </a:spcAft>
+                      </a:pPr>
+                      <a:r>
+                        <a:rPr lang="en-US" sz="1200">
+                          <a:effectLst/>
+                        </a:rPr>
+                        <a:t>3</a:t>
+                      </a:r>
+                      <a:endParaRPr lang="en-US" sz="1100">
+                        <a:solidFill>
+                          <a:srgbClr val="00000A"/>
+                        </a:solidFill>
+                        <a:effectLst/>
+                        <a:latin typeface="Calibri" panose="020F0502020204030204" pitchFamily="34" charset="0"/>
+                        <a:ea typeface="Calibri" panose="020F0502020204030204" pitchFamily="34" charset="0"/>
+                        <a:cs typeface="Calibri" panose="020F0502020204030204" pitchFamily="34" charset="0"/>
+                      </a:endParaRPr>
+                    </a:p>
+                  </a:txBody>
+                  <a:tcPr marL="68580" marR="68580" marT="0" marB="0"/>
+                </a:tc>
+              </a:tr>
+              <a:tr h="543175">
+                <a:tc>
+                  <a:txBody>
+                    <a:bodyPr/>
+                    <a:lstStyle/>
+                    <a:p>
+                      <a:pPr marL="228600" algn="ctr">
+                        <a:lnSpc>
+                          <a:spcPct val="150000"/>
+                        </a:lnSpc>
+                        <a:spcAft>
+                          <a:spcPts val="800"/>
+                        </a:spcAft>
+                      </a:pPr>
+                      <a:r>
+                        <a:rPr lang="en-US" sz="1200" dirty="0">
+                          <a:effectLst/>
+                        </a:rPr>
+                        <a:t>2</a:t>
+                      </a:r>
+                      <a:endParaRPr lang="en-US" sz="1100" dirty="0">
+                        <a:solidFill>
+                          <a:srgbClr val="00000A"/>
+                        </a:solidFill>
+                        <a:effectLst/>
+                        <a:latin typeface="Calibri" panose="020F0502020204030204" pitchFamily="34" charset="0"/>
+                        <a:ea typeface="Calibri" panose="020F0502020204030204" pitchFamily="34" charset="0"/>
+                        <a:cs typeface="Calibri" panose="020F0502020204030204" pitchFamily="34" charset="0"/>
+                      </a:endParaRPr>
+                    </a:p>
+                  </a:txBody>
+                  <a:tcPr marL="68580" marR="68580" marT="0" marB="0"/>
+                </a:tc>
+                <a:tc>
+                  <a:txBody>
+                    <a:bodyPr/>
+                    <a:lstStyle/>
+                    <a:p>
+                      <a:pPr marL="228600" algn="ctr">
+                        <a:lnSpc>
+                          <a:spcPct val="150000"/>
+                        </a:lnSpc>
+                        <a:spcAft>
+                          <a:spcPts val="800"/>
+                        </a:spcAft>
+                      </a:pPr>
+                      <a:r>
+                        <a:rPr lang="en-US" sz="1200">
+                          <a:effectLst/>
+                        </a:rPr>
+                        <a:t>4</a:t>
+                      </a:r>
+                      <a:endParaRPr lang="en-US" sz="1100">
+                        <a:solidFill>
+                          <a:srgbClr val="00000A"/>
+                        </a:solidFill>
+                        <a:effectLst/>
+                        <a:latin typeface="Calibri" panose="020F0502020204030204" pitchFamily="34" charset="0"/>
+                        <a:ea typeface="Calibri" panose="020F0502020204030204" pitchFamily="34" charset="0"/>
+                        <a:cs typeface="Calibri" panose="020F0502020204030204" pitchFamily="34" charset="0"/>
+                      </a:endParaRPr>
+                    </a:p>
+                  </a:txBody>
+                  <a:tcPr marL="68580" marR="68580" marT="0" marB="0"/>
+                </a:tc>
+                <a:tc>
+                  <a:txBody>
+                    <a:bodyPr/>
+                    <a:lstStyle/>
+                    <a:p>
+                      <a:pPr marL="228600" algn="ctr">
+                        <a:lnSpc>
+                          <a:spcPct val="150000"/>
+                        </a:lnSpc>
+                        <a:spcAft>
+                          <a:spcPts val="800"/>
+                        </a:spcAft>
+                      </a:pPr>
+                      <a:r>
+                        <a:rPr lang="en-US" sz="1200">
+                          <a:effectLst/>
+                        </a:rPr>
+                        <a:t>6</a:t>
+                      </a:r>
+                      <a:endParaRPr lang="en-US" sz="1100">
+                        <a:solidFill>
+                          <a:srgbClr val="00000A"/>
+                        </a:solidFill>
+                        <a:effectLst/>
+                        <a:latin typeface="Calibri" panose="020F0502020204030204" pitchFamily="34" charset="0"/>
+                        <a:ea typeface="Calibri" panose="020F0502020204030204" pitchFamily="34" charset="0"/>
+                        <a:cs typeface="Calibri" panose="020F0502020204030204" pitchFamily="34" charset="0"/>
+                      </a:endParaRPr>
+                    </a:p>
+                  </a:txBody>
+                  <a:tcPr marL="68580" marR="68580" marT="0" marB="0"/>
+                </a:tc>
+              </a:tr>
+              <a:tr h="543175">
+                <a:tc>
+                  <a:txBody>
+                    <a:bodyPr/>
+                    <a:lstStyle/>
+                    <a:p>
+                      <a:pPr marL="228600" algn="ctr">
+                        <a:lnSpc>
+                          <a:spcPct val="150000"/>
+                        </a:lnSpc>
+                        <a:spcAft>
+                          <a:spcPts val="800"/>
+                        </a:spcAft>
+                      </a:pPr>
+                      <a:r>
+                        <a:rPr lang="en-US" sz="1200" dirty="0">
+                          <a:effectLst/>
+                        </a:rPr>
+                        <a:t>3</a:t>
+                      </a:r>
+                      <a:endParaRPr lang="en-US" sz="1100" dirty="0">
+                        <a:solidFill>
+                          <a:srgbClr val="00000A"/>
+                        </a:solidFill>
+                        <a:effectLst/>
+                        <a:latin typeface="Calibri" panose="020F0502020204030204" pitchFamily="34" charset="0"/>
+                        <a:ea typeface="Calibri" panose="020F0502020204030204" pitchFamily="34" charset="0"/>
+                        <a:cs typeface="Calibri" panose="020F0502020204030204" pitchFamily="34" charset="0"/>
+                      </a:endParaRPr>
+                    </a:p>
+                  </a:txBody>
+                  <a:tcPr marL="68580" marR="68580" marT="0" marB="0"/>
+                </a:tc>
+                <a:tc>
+                  <a:txBody>
+                    <a:bodyPr/>
+                    <a:lstStyle/>
+                    <a:p>
+                      <a:pPr marL="228600" algn="ctr">
+                        <a:lnSpc>
+                          <a:spcPct val="150000"/>
+                        </a:lnSpc>
+                        <a:spcAft>
+                          <a:spcPts val="800"/>
+                        </a:spcAft>
+                      </a:pPr>
+                      <a:r>
+                        <a:rPr lang="en-US" sz="1200" dirty="0">
+                          <a:effectLst/>
+                        </a:rPr>
+                        <a:t>6</a:t>
+                      </a:r>
+                      <a:endParaRPr lang="en-US" sz="1100" dirty="0">
+                        <a:solidFill>
+                          <a:srgbClr val="00000A"/>
+                        </a:solidFill>
+                        <a:effectLst/>
+                        <a:latin typeface="Calibri" panose="020F0502020204030204" pitchFamily="34" charset="0"/>
+                        <a:ea typeface="Calibri" panose="020F0502020204030204" pitchFamily="34" charset="0"/>
+                        <a:cs typeface="Calibri" panose="020F0502020204030204" pitchFamily="34" charset="0"/>
+                      </a:endParaRPr>
+                    </a:p>
+                  </a:txBody>
+                  <a:tcPr marL="68580" marR="68580" marT="0" marB="0"/>
+                </a:tc>
+                <a:tc>
+                  <a:txBody>
+                    <a:bodyPr/>
+                    <a:lstStyle/>
+                    <a:p>
+                      <a:pPr marL="228600" algn="ctr">
+                        <a:lnSpc>
+                          <a:spcPct val="150000"/>
+                        </a:lnSpc>
+                        <a:spcAft>
+                          <a:spcPts val="800"/>
+                        </a:spcAft>
+                      </a:pPr>
+                      <a:r>
+                        <a:rPr lang="en-US" sz="1200" dirty="0">
+                          <a:effectLst/>
+                        </a:rPr>
+                        <a:t>9</a:t>
+                      </a:r>
+                      <a:endParaRPr lang="en-US" sz="1100" dirty="0">
+                        <a:solidFill>
+                          <a:srgbClr val="00000A"/>
+                        </a:solidFill>
+                        <a:effectLst/>
+                        <a:latin typeface="Calibri" panose="020F0502020204030204" pitchFamily="34" charset="0"/>
+                        <a:ea typeface="Calibri" panose="020F0502020204030204" pitchFamily="34" charset="0"/>
+                        <a:cs typeface="Calibri" panose="020F0502020204030204" pitchFamily="34" charset="0"/>
+                      </a:endParaRPr>
+                    </a:p>
+                  </a:txBody>
+                  <a:tcPr marL="68580" marR="68580" marT="0" marB="0"/>
+                </a:tc>
+              </a:tr>
+              <a:tr h="543175">
+                <a:tc gridSpan="3">
+                  <a:txBody>
+                    <a:bodyPr/>
+                    <a:lstStyle/>
+                    <a:p>
+                      <a:pPr marL="228600" algn="ctr">
+                        <a:lnSpc>
+                          <a:spcPct val="150000"/>
+                        </a:lnSpc>
+                        <a:spcAft>
+                          <a:spcPts val="800"/>
+                        </a:spcAft>
+                      </a:pPr>
+                      <a:r>
+                        <a:rPr lang="hy-AM" sz="1400" dirty="0" smtClean="0">
+                          <a:effectLst/>
+                        </a:rPr>
+                        <a:t>Ինտեգրալ պատկեր</a:t>
+                      </a:r>
+                      <a:endParaRPr lang="en-US" sz="1400" dirty="0">
+                        <a:solidFill>
+                          <a:srgbClr val="00000A"/>
+                        </a:solidFill>
+                        <a:effectLst/>
+                        <a:latin typeface="Calibri" panose="020F0502020204030204" pitchFamily="34" charset="0"/>
+                        <a:ea typeface="Calibri" panose="020F0502020204030204" pitchFamily="34" charset="0"/>
+                        <a:cs typeface="Calibri" panose="020F0502020204030204" pitchFamily="34" charset="0"/>
+                      </a:endParaRPr>
+                    </a:p>
+                  </a:txBody>
+                  <a:tcPr marL="68580" marR="68580" marT="0" marB="0"/>
+                </a:tc>
+                <a:tc hMerge="1">
+                  <a:txBody>
+                    <a:bodyPr/>
+                    <a:lstStyle/>
+                    <a:p>
+                      <a:pPr marL="228600" algn="ctr">
+                        <a:lnSpc>
+                          <a:spcPct val="150000"/>
+                        </a:lnSpc>
+                        <a:spcAft>
+                          <a:spcPts val="800"/>
+                        </a:spcAft>
+                      </a:pPr>
+                      <a:endParaRPr lang="en-US" sz="1100" dirty="0">
+                        <a:solidFill>
+                          <a:srgbClr val="00000A"/>
+                        </a:solidFill>
+                        <a:effectLst/>
+                        <a:latin typeface="Calibri" panose="020F0502020204030204" pitchFamily="34" charset="0"/>
+                        <a:ea typeface="Calibri" panose="020F0502020204030204" pitchFamily="34" charset="0"/>
+                        <a:cs typeface="Calibri" panose="020F0502020204030204" pitchFamily="34" charset="0"/>
+                      </a:endParaRPr>
+                    </a:p>
+                  </a:txBody>
+                  <a:tcPr marL="68580" marR="68580" marT="0" marB="0"/>
+                </a:tc>
+                <a:tc hMerge="1">
+                  <a:txBody>
+                    <a:bodyPr/>
+                    <a:lstStyle/>
+                    <a:p>
+                      <a:pPr marL="228600" algn="ctr">
+                        <a:lnSpc>
+                          <a:spcPct val="150000"/>
+                        </a:lnSpc>
+                        <a:spcAft>
+                          <a:spcPts val="800"/>
+                        </a:spcAft>
+                      </a:pPr>
+                      <a:endParaRPr lang="en-US" sz="1100" dirty="0">
+                        <a:solidFill>
+                          <a:srgbClr val="00000A"/>
+                        </a:solidFill>
+                        <a:effectLst/>
+                        <a:latin typeface="Calibri" panose="020F0502020204030204" pitchFamily="34" charset="0"/>
+                        <a:ea typeface="Calibri" panose="020F0502020204030204" pitchFamily="34" charset="0"/>
+                        <a:cs typeface="Calibri" panose="020F0502020204030204" pitchFamily="34" charset="0"/>
+                      </a:endParaRPr>
+                    </a:p>
+                  </a:txBody>
+                  <a:tcPr marL="68580" marR="68580" marT="0" marB="0"/>
+                </a:tc>
+              </a:tr>
+            </a:tbl>
+          </a:graphicData>
+        </a:graphic>
+      </p:graphicFrame>
+    </p:spTree>
+    <p:extLst>
+      <p:ext uri="{BB962C8B-B14F-4D97-AF65-F5344CB8AC3E}">
+        <p14:creationId xmlns:p14="http://schemas.microsoft.com/office/powerpoint/2010/main" val="2908836663"/>
+      </p:ext>
+    </p:extLst>
+  </p:cSld>
+  <p:clrMapOvr>
+    <a:masterClrMapping/>
+  </p:clrMapOvr>
+  <p:timing>
+    <p:tnLst>
+      <p:par>
+        <p:cTn id="1" dur="indefinite" restart="never" nodeType="tmRoot"/>
+      </p:par>
+    </p:tnLst>
+  </p:timing>
+</p:sld>
+</file>
+
+<file path=ppt/slides/slide18.xml><?xml version="1.0" encoding="utf-8"?>
+<p:sld xmlns:a="http://schemas.openxmlformats.org/drawingml/2006/main" xmlns:r="http://schemas.openxmlformats.org/officeDocument/2006/relationships" xmlns:p="http://schemas.openxmlformats.org/presentationml/2006/main">
+  <p:cSld>
+    <p:spTree>
+      <p:nvGrpSpPr>
+        <p:cNvPr id="1" name=""/>
+        <p:cNvGrpSpPr/>
+        <p:nvPr/>
+      </p:nvGrpSpPr>
+      <p:grpSpPr>
+        <a:xfrm>
+          <a:off x="0" y="0"/>
+          <a:ext cx="0" cy="0"/>
+          <a:chOff x="0" y="0"/>
+          <a:chExt cx="0" cy="0"/>
+        </a:xfrm>
+      </p:grpSpPr>
+      <p:sp>
+        <p:nvSpPr>
+          <p:cNvPr id="2" name="Title 1"/>
+          <p:cNvSpPr>
+            <a:spLocks noGrp="1"/>
+          </p:cNvSpPr>
+          <p:nvPr>
+            <p:ph type="title"/>
+          </p:nvPr>
+        </p:nvSpPr>
+        <p:spPr/>
+        <p:txBody>
+          <a:bodyPr/>
+          <a:lstStyle/>
+          <a:p>
+            <a:r>
+              <a:rPr lang="hy-AM" dirty="0"/>
+              <a:t>ԱդաԲուստ</a:t>
+            </a:r>
+            <a:r>
+              <a:rPr lang="en-US" dirty="0"/>
+              <a:t>(</a:t>
+            </a:r>
+            <a:r>
+              <a:rPr lang="hy-AM" dirty="0"/>
+              <a:t>AdaBoost</a:t>
+            </a:r>
+            <a:r>
+              <a:rPr lang="en-US" dirty="0" smtClean="0"/>
+              <a:t>)</a:t>
+            </a:r>
+            <a:r>
+              <a:rPr lang="hy-AM" dirty="0" smtClean="0"/>
+              <a:t> մետա-ալգորիթմ</a:t>
+            </a:r>
+            <a:endParaRPr lang="en-US" dirty="0"/>
+          </a:p>
+        </p:txBody>
+      </p:sp>
+      <p:sp>
+        <p:nvSpPr>
+          <p:cNvPr id="3" name="Text Placeholder 2"/>
+          <p:cNvSpPr>
+            <a:spLocks noGrp="1"/>
+          </p:cNvSpPr>
+          <p:nvPr>
+            <p:ph type="body" idx="1"/>
+          </p:nvPr>
+        </p:nvSpPr>
+        <p:spPr/>
+        <p:txBody>
+          <a:bodyPr/>
+          <a:lstStyle/>
+          <a:p>
+            <a:endParaRPr lang="en-US" dirty="0"/>
+          </a:p>
+        </p:txBody>
+      </p:sp>
+      <mc:AlternateContent xmlns:mc="http://schemas.openxmlformats.org/markup-compatibility/2006">
+        <mc:Choice xmlns:a14="http://schemas.microsoft.com/office/drawing/2010/main" Requires="a14">
+          <p:sp>
+            <p:nvSpPr>
+              <p:cNvPr id="4" name="Content Placeholder 3"/>
+              <p:cNvSpPr>
+                <a:spLocks noGrp="1"/>
+              </p:cNvSpPr>
+              <p:nvPr>
+                <p:ph sz="half" idx="2"/>
+              </p:nvPr>
+            </p:nvSpPr>
+            <p:spPr/>
+            <p:txBody>
+              <a:bodyPr/>
+              <a:lstStyle/>
+              <a:p>
+                <a:r>
+                  <a:rPr lang="en-US" dirty="0"/>
+                  <a:t>H(x) = sign(</a:t>
+                </a:r>
+                <a14:m>
+                  <m:oMath xmlns:m="http://schemas.openxmlformats.org/officeDocument/2006/math">
+                    <m:sSub>
+                      <m:sSubPr>
+                        <m:ctrlPr>
+                          <a:rPr lang="en-US" i="1"/>
+                        </m:ctrlPr>
+                      </m:sSubPr>
+                      <m:e>
+                        <m:r>
+                          <m:rPr>
+                            <m:sty m:val="p"/>
+                          </m:rPr>
+                          <a:rPr lang="en-US"/>
+                          <m:t>α</m:t>
+                        </m:r>
+                      </m:e>
+                      <m:sub>
+                        <m:r>
+                          <a:rPr lang="en-US" i="1"/>
+                          <m:t>1</m:t>
+                        </m:r>
+                      </m:sub>
+                    </m:sSub>
+                    <m:sSub>
+                      <m:sSubPr>
+                        <m:ctrlPr>
+                          <a:rPr lang="en-US" i="1"/>
+                        </m:ctrlPr>
+                      </m:sSubPr>
+                      <m:e>
+                        <m:r>
+                          <a:rPr lang="en-US" i="1"/>
+                          <m:t>h</m:t>
+                        </m:r>
+                      </m:e>
+                      <m:sub>
+                        <m:r>
+                          <a:rPr lang="en-US" i="1"/>
+                          <m:t>1</m:t>
+                        </m:r>
+                      </m:sub>
+                    </m:sSub>
+                  </m:oMath>
+                </a14:m>
+                <a:r>
+                  <a:rPr lang="en-US" dirty="0"/>
+                  <a:t>(x) + </a:t>
+                </a:r>
+                <a14:m>
+                  <m:oMath xmlns:m="http://schemas.openxmlformats.org/officeDocument/2006/math">
+                    <m:sSub>
+                      <m:sSubPr>
+                        <m:ctrlPr>
+                          <a:rPr lang="en-US" i="1"/>
+                        </m:ctrlPr>
+                      </m:sSubPr>
+                      <m:e>
+                        <m:r>
+                          <m:rPr>
+                            <m:sty m:val="p"/>
+                          </m:rPr>
+                          <a:rPr lang="en-US"/>
+                          <m:t>α</m:t>
+                        </m:r>
+                      </m:e>
+                      <m:sub>
+                        <m:r>
+                          <a:rPr lang="en-US" i="1"/>
+                          <m:t>2</m:t>
+                        </m:r>
+                      </m:sub>
+                    </m:sSub>
+                    <m:sSub>
+                      <m:sSubPr>
+                        <m:ctrlPr>
+                          <a:rPr lang="en-US" i="1"/>
+                        </m:ctrlPr>
+                      </m:sSubPr>
+                      <m:e>
+                        <m:r>
+                          <a:rPr lang="en-US" i="1"/>
+                          <m:t>h</m:t>
+                        </m:r>
+                      </m:e>
+                      <m:sub>
+                        <m:r>
+                          <a:rPr lang="en-US" i="1"/>
+                          <m:t>2</m:t>
+                        </m:r>
+                      </m:sub>
+                    </m:sSub>
+                  </m:oMath>
+                </a14:m>
+                <a:r>
+                  <a:rPr lang="en-US" dirty="0"/>
+                  <a:t>(x) + … + </a:t>
+                </a:r>
+                <a14:m>
+                  <m:oMath xmlns:m="http://schemas.openxmlformats.org/officeDocument/2006/math">
+                    <m:sSub>
+                      <m:sSubPr>
+                        <m:ctrlPr>
+                          <a:rPr lang="en-US" i="1"/>
+                        </m:ctrlPr>
+                      </m:sSubPr>
+                      <m:e>
+                        <m:r>
+                          <m:rPr>
+                            <m:sty m:val="p"/>
+                          </m:rPr>
+                          <a:rPr lang="en-US"/>
+                          <m:t>α</m:t>
+                        </m:r>
+                      </m:e>
+                      <m:sub>
+                        <m:r>
+                          <a:rPr lang="en-US" i="1"/>
+                          <m:t>𝑇</m:t>
+                        </m:r>
+                      </m:sub>
+                    </m:sSub>
+                    <m:sSub>
+                      <m:sSubPr>
+                        <m:ctrlPr>
+                          <a:rPr lang="en-US" i="1"/>
+                        </m:ctrlPr>
+                      </m:sSubPr>
+                      <m:e>
+                        <m:r>
+                          <a:rPr lang="en-US" i="1"/>
+                          <m:t>h</m:t>
+                        </m:r>
+                      </m:e>
+                      <m:sub>
+                        <m:r>
+                          <a:rPr lang="en-US" i="1"/>
+                          <m:t>𝑇</m:t>
+                        </m:r>
+                      </m:sub>
+                    </m:sSub>
+                  </m:oMath>
+                </a14:m>
+                <a:r>
+                  <a:rPr lang="en-US" dirty="0"/>
+                  <a:t>(x))</a:t>
+                </a:r>
+              </a:p>
+              <a:p>
+                <a:endParaRPr lang="en-US" dirty="0"/>
+              </a:p>
+            </p:txBody>
+          </p:sp>
+        </mc:Choice>
+        <mc:Fallback>
+          <p:sp>
+            <p:nvSpPr>
+              <p:cNvPr id="4" name="Content Placeholder 3"/>
+              <p:cNvSpPr>
+                <a:spLocks noGrp="1" noRot="1" noChangeAspect="1" noMove="1" noResize="1" noEditPoints="1" noAdjustHandles="1" noChangeArrowheads="1" noChangeShapeType="1" noTextEdit="1"/>
+              </p:cNvSpPr>
+              <p:nvPr>
+                <p:ph sz="half" idx="2"/>
+              </p:nvPr>
+            </p:nvSpPr>
+            <p:spPr>
+              <a:blipFill rotWithShape="0">
+                <a:blip r:embed="rId2"/>
+                <a:stretch>
+                  <a:fillRect l="-855" t="-1253"/>
+                </a:stretch>
+              </a:blipFill>
+            </p:spPr>
+            <p:txBody>
+              <a:bodyPr/>
+              <a:lstStyle/>
+              <a:p>
+                <a:r>
+                  <a:rPr lang="en-US">
+                    <a:noFill/>
+                  </a:rPr>
+                  <a:t> </a:t>
+                </a:r>
+              </a:p>
+            </p:txBody>
+          </p:sp>
+        </mc:Fallback>
+      </mc:AlternateContent>
+      <p:sp>
+        <p:nvSpPr>
+          <p:cNvPr id="5" name="Text Placeholder 4"/>
+          <p:cNvSpPr>
+            <a:spLocks noGrp="1"/>
+          </p:cNvSpPr>
+          <p:nvPr>
+            <p:ph type="body" sz="quarter" idx="3"/>
+          </p:nvPr>
+        </p:nvSpPr>
+        <p:spPr/>
+        <p:txBody>
+          <a:bodyPr/>
+          <a:lstStyle/>
+          <a:p>
+            <a:endParaRPr lang="en-US"/>
+          </a:p>
+        </p:txBody>
+      </p:sp>
+      <p:sp>
+        <p:nvSpPr>
+          <p:cNvPr id="6" name="Content Placeholder 5"/>
+          <p:cNvSpPr>
+            <a:spLocks noGrp="1"/>
+          </p:cNvSpPr>
+          <p:nvPr>
+            <p:ph sz="quarter" idx="4"/>
+          </p:nvPr>
+        </p:nvSpPr>
+        <p:spPr/>
+        <p:txBody>
+          <a:bodyPr/>
+          <a:lstStyle/>
+          <a:p>
+            <a:endParaRPr lang="en-US"/>
+          </a:p>
+        </p:txBody>
+      </p:sp>
+    </p:spTree>
+    <p:extLst>
+      <p:ext uri="{BB962C8B-B14F-4D97-AF65-F5344CB8AC3E}">
+        <p14:creationId xmlns:p14="http://schemas.microsoft.com/office/powerpoint/2010/main" val="2647576433"/>
+      </p:ext>
+    </p:extLst>
+  </p:cSld>
+  <p:clrMapOvr>
+    <a:masterClrMapping/>
+  </p:clrMapOvr>
+  <p:timing>
+    <p:tnLst>
+      <p:par>
+        <p:cTn id="1" dur="indefinite" restart="never" nodeType="tmRoot"/>
+      </p:par>
+    </p:tnLst>
+  </p:timing>
+</p:sld>
+</file>
+
+<file path=ppt/slides/slide19.xml><?xml version="1.0" encoding="utf-8"?>
+<p:sld xmlns:a="http://schemas.openxmlformats.org/drawingml/2006/main" xmlns:r="http://schemas.openxmlformats.org/officeDocument/2006/relationships" xmlns:p="http://schemas.openxmlformats.org/presentationml/2006/main">
+  <p:cSld>
+    <p:spTree>
+      <p:nvGrpSpPr>
+        <p:cNvPr id="1" name=""/>
+        <p:cNvGrpSpPr/>
+        <p:nvPr/>
+      </p:nvGrpSpPr>
+      <p:grpSpPr>
+        <a:xfrm>
+          <a:off x="0" y="0"/>
+          <a:ext cx="0" cy="0"/>
+          <a:chOff x="0" y="0"/>
+          <a:chExt cx="0" cy="0"/>
+        </a:xfrm>
+      </p:grpSpPr>
+      <p:sp>
+        <p:nvSpPr>
+          <p:cNvPr id="2" name="Title 1"/>
+          <p:cNvSpPr>
+            <a:spLocks noGrp="1"/>
+          </p:cNvSpPr>
+          <p:nvPr>
+            <p:ph type="title"/>
+          </p:nvPr>
+        </p:nvSpPr>
+        <p:spPr/>
+        <p:txBody>
+          <a:bodyPr/>
+          <a:lstStyle/>
+          <a:p>
+            <a:endParaRPr lang="en-US"/>
+          </a:p>
+        </p:txBody>
+      </p:sp>
+      <p:sp>
+        <p:nvSpPr>
+          <p:cNvPr id="3" name="Text Placeholder 2"/>
+          <p:cNvSpPr>
+            <a:spLocks noGrp="1"/>
+          </p:cNvSpPr>
+          <p:nvPr>
+            <p:ph type="body" idx="1"/>
+          </p:nvPr>
+        </p:nvSpPr>
+        <p:spPr/>
+        <p:txBody>
+          <a:bodyPr/>
+          <a:lstStyle/>
+          <a:p>
+            <a:endParaRPr lang="en-US"/>
+          </a:p>
+        </p:txBody>
+      </p:sp>
+      <p:sp>
+        <p:nvSpPr>
+          <p:cNvPr id="4" name="Content Placeholder 3"/>
+          <p:cNvSpPr>
+            <a:spLocks noGrp="1"/>
+          </p:cNvSpPr>
+          <p:nvPr>
+            <p:ph sz="half" idx="2"/>
+          </p:nvPr>
+        </p:nvSpPr>
+        <p:spPr/>
+        <p:txBody>
+          <a:bodyPr/>
+          <a:lstStyle/>
+          <a:p>
+            <a:endParaRPr lang="en-US"/>
+          </a:p>
+        </p:txBody>
+      </p:sp>
+      <p:sp>
+        <p:nvSpPr>
+          <p:cNvPr id="5" name="Text Placeholder 4"/>
+          <p:cNvSpPr>
+            <a:spLocks noGrp="1"/>
+          </p:cNvSpPr>
+          <p:nvPr>
+            <p:ph type="body" sz="quarter" idx="3"/>
+          </p:nvPr>
+        </p:nvSpPr>
+        <p:spPr/>
+        <p:txBody>
+          <a:bodyPr/>
+          <a:lstStyle/>
+          <a:p>
+            <a:endParaRPr lang="en-US"/>
+          </a:p>
+        </p:txBody>
+      </p:sp>
+      <p:sp>
+        <p:nvSpPr>
+          <p:cNvPr id="6" name="Content Placeholder 5"/>
+          <p:cNvSpPr>
+            <a:spLocks noGrp="1"/>
+          </p:cNvSpPr>
+          <p:nvPr>
+            <p:ph sz="quarter" idx="4"/>
+          </p:nvPr>
+        </p:nvSpPr>
+        <p:spPr/>
+        <p:txBody>
+          <a:bodyPr/>
+          <a:lstStyle/>
+          <a:p>
+            <a:endParaRPr lang="en-US"/>
+          </a:p>
+        </p:txBody>
+      </p:sp>
+    </p:spTree>
+    <p:extLst>
+      <p:ext uri="{BB962C8B-B14F-4D97-AF65-F5344CB8AC3E}">
+        <p14:creationId xmlns:p14="http://schemas.microsoft.com/office/powerpoint/2010/main" val="234726359"/>
+      </p:ext>
+    </p:extLst>
+  </p:cSld>
+  <p:clrMapOvr>
+    <a:masterClrMapping/>
+  </p:clrMapOvr>
 </p:sld>
 </file>
 
@@ -6303,222 +11470,44 @@
             <p:ph type="title"/>
           </p:nvPr>
         </p:nvSpPr>
-        <p:spPr>
-          <a:xfrm>
-            <a:off x="973670" y="409575"/>
-            <a:ext cx="10131425" cy="1456267"/>
-          </a:xfrm>
-        </p:spPr>
+        <p:spPr/>
         <p:txBody>
           <a:bodyPr/>
           <a:lstStyle/>
           <a:p>
+            <a:pPr algn="ctr"/>
+            <a:r>
+              <a:rPr lang="en-US" dirty="0" err="1"/>
+              <a:t>ՄորֆոլոգիաԿան</a:t>
+            </a:r>
             <a:r>
               <a:rPr lang="en-US" dirty="0"/>
-              <a:t>ՄորֆոլոգիաԿան Պատկերի մշակում</a:t>
-            </a:r>
-            <a:endParaRPr lang="en-US" dirty="0">
-              <a:solidFill>
-                <a:srgbClr val="FFFFFF"/>
-              </a:solidFill>
-              <a:latin typeface="Calibri Light"/>
-            </a:endParaRPr>
-          </a:p>
-        </p:txBody>
-      </p:sp>
-      <p:sp>
-        <p:nvSpPr>
-          <p:cNvPr id="7" name="Text Placeholder 6"/>
-          <p:cNvSpPr>
-            <a:spLocks noGrp="1"/>
-          </p:cNvSpPr>
-          <p:nvPr>
-            <p:ph type="body" idx="1"/>
-          </p:nvPr>
-        </p:nvSpPr>
-        <p:spPr/>
-        <p:txBody>
-          <a:bodyPr/>
-          <a:lstStyle/>
-          <a:p>
-            <a:pPr algn="ctr"/>
+              <a:t> </a:t>
+            </a:r>
+            <a:r>
+              <a:rPr lang="en-US" dirty="0" err="1"/>
+              <a:t>Պատկերի</a:t>
+            </a:r>
+            <a:r>
+              <a:rPr lang="en-US" dirty="0"/>
+              <a:t> </a:t>
+            </a:r>
+            <a:r>
+              <a:rPr lang="en-US" dirty="0" err="1" smtClean="0"/>
+              <a:t>մշակում</a:t>
+            </a:r>
+            <a:r>
+              <a:rPr lang="hy-AM" dirty="0" smtClean="0"/>
+              <a:t/>
+            </a:r>
+            <a:br>
+              <a:rPr lang="hy-AM" dirty="0" smtClean="0"/>
+            </a:br>
             <a:r>
               <a:rPr lang="hy-AM" dirty="0" smtClean="0"/>
               <a:t>Էրոզիա</a:t>
             </a:r>
             <a:endParaRPr lang="en-US" dirty="0"/>
-          </a:p>
-        </p:txBody>
-      </p:sp>
-      <p:sp>
-        <p:nvSpPr>
-          <p:cNvPr id="9" name="Text Placeholder 8"/>
-          <p:cNvSpPr>
-            <a:spLocks noGrp="1"/>
-          </p:cNvSpPr>
-          <p:nvPr>
-            <p:ph type="body" sz="quarter" idx="3"/>
-          </p:nvPr>
-        </p:nvSpPr>
-        <p:spPr/>
-        <p:txBody>
-          <a:bodyPr/>
-          <a:lstStyle/>
-          <a:p>
-            <a:pPr algn="ctr"/>
-            <a:r>
-              <a:rPr lang="hy-AM" dirty="0"/>
-              <a:t>Ը</a:t>
-            </a:r>
-            <a:r>
-              <a:rPr lang="hy-AM" dirty="0" smtClean="0"/>
-              <a:t>նդլայնում</a:t>
-            </a:r>
-            <a:endParaRPr lang="en-US" dirty="0"/>
-          </a:p>
-        </p:txBody>
-      </p:sp>
-      <p:pic>
-        <p:nvPicPr>
-          <p:cNvPr id="8" name="Content Placeholder 7"/>
-          <p:cNvPicPr>
-            <a:picLocks noGrp="1"/>
-          </p:cNvPicPr>
-          <p:nvPr>
-            <p:ph sz="half" idx="2"/>
-          </p:nvPr>
-        </p:nvPicPr>
-        <p:blipFill>
-          <a:blip r:embed="rId3"/>
-          <a:stretch>
-            <a:fillRect/>
-          </a:stretch>
-        </p:blipFill>
-        <p:spPr bwMode="auto">
-          <a:xfrm>
-            <a:off x="1380827" y="2870200"/>
-            <a:ext cx="3607396" cy="2921000"/>
-          </a:xfrm>
-          <a:prstGeom prst="rect">
-            <a:avLst/>
-          </a:prstGeom>
-        </p:spPr>
-      </p:pic>
-      <p:pic>
-        <p:nvPicPr>
-          <p:cNvPr id="10" name="Content Placeholder 9"/>
-          <p:cNvPicPr>
-            <a:picLocks noGrp="1"/>
-          </p:cNvPicPr>
-          <p:nvPr>
-            <p:ph sz="quarter" idx="4"/>
-          </p:nvPr>
-        </p:nvPicPr>
-        <p:blipFill>
-          <a:blip r:embed="rId4"/>
-          <a:stretch>
-            <a:fillRect/>
-          </a:stretch>
-        </p:blipFill>
-        <p:spPr bwMode="auto">
-          <a:xfrm>
-            <a:off x="6937666" y="2870200"/>
-            <a:ext cx="3370116" cy="2921000"/>
-          </a:xfrm>
-          <a:prstGeom prst="rect">
-            <a:avLst/>
-          </a:prstGeom>
-        </p:spPr>
-      </p:pic>
-    </p:spTree>
-    <p:extLst>
-      <p:ext uri="{BB962C8B-B14F-4D97-AF65-F5344CB8AC3E}">
-        <p14:creationId xmlns:p14="http://schemas.microsoft.com/office/powerpoint/2010/main" val="4050067209"/>
-      </p:ext>
-    </p:extLst>
-  </p:cSld>
-  <p:clrMapOvr>
-    <a:masterClrMapping/>
-  </p:clrMapOvr>
-</p:sld>
-</file>
-
-<file path=ppt/slides/slide3.xml><?xml version="1.0" encoding="utf-8"?>
-<p:sld xmlns:a="http://schemas.openxmlformats.org/drawingml/2006/main" xmlns:r="http://schemas.openxmlformats.org/officeDocument/2006/relationships" xmlns:p="http://schemas.openxmlformats.org/presentationml/2006/main">
-  <p:cSld>
-    <p:spTree>
-      <p:nvGrpSpPr>
-        <p:cNvPr id="1" name=""/>
-        <p:cNvGrpSpPr/>
-        <p:nvPr/>
-      </p:nvGrpSpPr>
-      <p:grpSpPr>
-        <a:xfrm>
-          <a:off x="0" y="0"/>
-          <a:ext cx="0" cy="0"/>
-          <a:chOff x="0" y="0"/>
-          <a:chExt cx="0" cy="0"/>
-        </a:xfrm>
-      </p:grpSpPr>
-      <p:sp>
-        <p:nvSpPr>
-          <p:cNvPr id="2" name="Title 1"/>
-          <p:cNvSpPr>
-            <a:spLocks noGrp="1"/>
-          </p:cNvSpPr>
-          <p:nvPr>
-            <p:ph type="title"/>
-          </p:nvPr>
-        </p:nvSpPr>
-        <p:spPr/>
-        <p:txBody>
-          <a:bodyPr/>
-          <a:lstStyle/>
-          <a:p>
-            <a:pPr algn="ctr"/>
-            <a:r>
-              <a:rPr lang="hy-AM" dirty="0" smtClean="0"/>
-              <a:t>Մորֆոլոգիական Էռոզիա</a:t>
-            </a:r>
-            <a:endParaRPr lang="en-US" dirty="0"/>
-          </a:p>
-        </p:txBody>
-      </p:sp>
-      <p:sp>
-        <p:nvSpPr>
-          <p:cNvPr id="3" name="Text Placeholder 2"/>
-          <p:cNvSpPr>
-            <a:spLocks noGrp="1"/>
-          </p:cNvSpPr>
-          <p:nvPr>
-            <p:ph type="body" idx="1"/>
-          </p:nvPr>
-        </p:nvSpPr>
-        <p:spPr/>
-        <p:txBody>
-          <a:bodyPr/>
-          <a:lstStyle/>
-          <a:p>
-            <a:endParaRPr lang="en-US" dirty="0"/>
-          </a:p>
-        </p:txBody>
-      </p:sp>
-      <p:sp>
-        <p:nvSpPr>
-          <p:cNvPr id="5" name="Text Placeholder 4"/>
-          <p:cNvSpPr>
-            <a:spLocks noGrp="1"/>
-          </p:cNvSpPr>
-          <p:nvPr>
-            <p:ph type="body" sz="quarter" idx="3"/>
-          </p:nvPr>
-        </p:nvSpPr>
-        <p:spPr/>
-        <p:txBody>
-          <a:bodyPr/>
-          <a:lstStyle/>
-          <a:p>
-            <a:endParaRPr lang="en-US"/>
           </a:p>
         </p:txBody>
       </p:sp>
@@ -6584,6 +11573,308 @@
   <p:clrMapOvr>
     <a:masterClrMapping/>
   </p:clrMapOvr>
+  <p:timing>
+    <p:tnLst>
+      <p:par>
+        <p:cTn id="1" dur="indefinite" restart="never" nodeType="tmRoot"/>
+      </p:par>
+    </p:tnLst>
+  </p:timing>
+</p:sld>
+</file>
+
+<file path=ppt/slides/slide20.xml><?xml version="1.0" encoding="utf-8"?>
+<p:sld xmlns:a="http://schemas.openxmlformats.org/drawingml/2006/main" xmlns:r="http://schemas.openxmlformats.org/officeDocument/2006/relationships" xmlns:p="http://schemas.openxmlformats.org/presentationml/2006/main">
+  <p:cSld>
+    <p:spTree>
+      <p:nvGrpSpPr>
+        <p:cNvPr id="1" name=""/>
+        <p:cNvGrpSpPr/>
+        <p:nvPr/>
+      </p:nvGrpSpPr>
+      <p:grpSpPr>
+        <a:xfrm>
+          <a:off x="0" y="0"/>
+          <a:ext cx="0" cy="0"/>
+          <a:chOff x="0" y="0"/>
+          <a:chExt cx="0" cy="0"/>
+        </a:xfrm>
+      </p:grpSpPr>
+      <p:sp>
+        <p:nvSpPr>
+          <p:cNvPr id="2" name="Title 1"/>
+          <p:cNvSpPr>
+            <a:spLocks noGrp="1"/>
+          </p:cNvSpPr>
+          <p:nvPr>
+            <p:ph type="title"/>
+          </p:nvPr>
+        </p:nvSpPr>
+        <p:spPr/>
+        <p:txBody>
+          <a:bodyPr/>
+          <a:lstStyle/>
+          <a:p>
+            <a:endParaRPr lang="en-US"/>
+          </a:p>
+        </p:txBody>
+      </p:sp>
+      <p:sp>
+        <p:nvSpPr>
+          <p:cNvPr id="3" name="Text Placeholder 2"/>
+          <p:cNvSpPr>
+            <a:spLocks noGrp="1"/>
+          </p:cNvSpPr>
+          <p:nvPr>
+            <p:ph type="body" idx="1"/>
+          </p:nvPr>
+        </p:nvSpPr>
+        <p:spPr/>
+        <p:txBody>
+          <a:bodyPr/>
+          <a:lstStyle/>
+          <a:p>
+            <a:endParaRPr lang="en-US"/>
+          </a:p>
+        </p:txBody>
+      </p:sp>
+      <p:sp>
+        <p:nvSpPr>
+          <p:cNvPr id="4" name="Content Placeholder 3"/>
+          <p:cNvSpPr>
+            <a:spLocks noGrp="1"/>
+          </p:cNvSpPr>
+          <p:nvPr>
+            <p:ph sz="half" idx="2"/>
+          </p:nvPr>
+        </p:nvSpPr>
+        <p:spPr/>
+        <p:txBody>
+          <a:bodyPr/>
+          <a:lstStyle/>
+          <a:p>
+            <a:endParaRPr lang="en-US"/>
+          </a:p>
+        </p:txBody>
+      </p:sp>
+      <p:sp>
+        <p:nvSpPr>
+          <p:cNvPr id="5" name="Text Placeholder 4"/>
+          <p:cNvSpPr>
+            <a:spLocks noGrp="1"/>
+          </p:cNvSpPr>
+          <p:nvPr>
+            <p:ph type="body" sz="quarter" idx="3"/>
+          </p:nvPr>
+        </p:nvSpPr>
+        <p:spPr/>
+        <p:txBody>
+          <a:bodyPr/>
+          <a:lstStyle/>
+          <a:p>
+            <a:endParaRPr lang="en-US"/>
+          </a:p>
+        </p:txBody>
+      </p:sp>
+      <p:sp>
+        <p:nvSpPr>
+          <p:cNvPr id="6" name="Content Placeholder 5"/>
+          <p:cNvSpPr>
+            <a:spLocks noGrp="1"/>
+          </p:cNvSpPr>
+          <p:nvPr>
+            <p:ph sz="quarter" idx="4"/>
+          </p:nvPr>
+        </p:nvSpPr>
+        <p:spPr/>
+        <p:txBody>
+          <a:bodyPr/>
+          <a:lstStyle/>
+          <a:p>
+            <a:endParaRPr lang="en-US"/>
+          </a:p>
+        </p:txBody>
+      </p:sp>
+    </p:spTree>
+    <p:extLst>
+      <p:ext uri="{BB962C8B-B14F-4D97-AF65-F5344CB8AC3E}">
+        <p14:creationId xmlns:p14="http://schemas.microsoft.com/office/powerpoint/2010/main" val="2125919640"/>
+      </p:ext>
+    </p:extLst>
+  </p:cSld>
+  <p:clrMapOvr>
+    <a:masterClrMapping/>
+  </p:clrMapOvr>
+</p:sld>
+</file>
+
+<file path=ppt/slides/slide3.xml><?xml version="1.0" encoding="utf-8"?>
+<p:sld xmlns:a="http://schemas.openxmlformats.org/drawingml/2006/main" xmlns:r="http://schemas.openxmlformats.org/officeDocument/2006/relationships" xmlns:p="http://schemas.openxmlformats.org/presentationml/2006/main">
+  <p:cSld>
+    <p:spTree>
+      <p:nvGrpSpPr>
+        <p:cNvPr id="1" name=""/>
+        <p:cNvGrpSpPr/>
+        <p:nvPr/>
+      </p:nvGrpSpPr>
+      <p:grpSpPr>
+        <a:xfrm>
+          <a:off x="0" y="0"/>
+          <a:ext cx="0" cy="0"/>
+          <a:chOff x="0" y="0"/>
+          <a:chExt cx="0" cy="0"/>
+        </a:xfrm>
+      </p:grpSpPr>
+      <p:sp>
+        <p:nvSpPr>
+          <p:cNvPr id="2" name="Title 1"/>
+          <p:cNvSpPr>
+            <a:spLocks noGrp="1"/>
+          </p:cNvSpPr>
+          <p:nvPr>
+            <p:ph type="title"/>
+          </p:nvPr>
+        </p:nvSpPr>
+        <p:spPr/>
+        <p:txBody>
+          <a:bodyPr/>
+          <a:lstStyle/>
+          <a:p>
+            <a:pPr algn="ctr"/>
+            <a:r>
+              <a:rPr lang="en-US" dirty="0" err="1"/>
+              <a:t>ՄորֆոլոգիաԿան</a:t>
+            </a:r>
+            <a:r>
+              <a:rPr lang="en-US" dirty="0"/>
+              <a:t> </a:t>
+            </a:r>
+            <a:r>
+              <a:rPr lang="en-US" dirty="0" err="1"/>
+              <a:t>Պատկերի</a:t>
+            </a:r>
+            <a:r>
+              <a:rPr lang="en-US" dirty="0"/>
+              <a:t> </a:t>
+            </a:r>
+            <a:r>
+              <a:rPr lang="en-US" dirty="0" err="1"/>
+              <a:t>մշակում</a:t>
+            </a:r>
+            <a:r>
+              <a:rPr lang="en-US" dirty="0"/>
+              <a:t> </a:t>
+            </a:r>
+            <a:r>
+              <a:rPr lang="hy-AM" dirty="0" smtClean="0"/>
+              <a:t>ընդլայնում</a:t>
+            </a:r>
+            <a:endParaRPr lang="en-US" dirty="0"/>
+          </a:p>
+        </p:txBody>
+      </p:sp>
+      <p:pic>
+        <p:nvPicPr>
+          <p:cNvPr id="4" name="Content Placeholder 3"/>
+          <p:cNvPicPr>
+            <a:picLocks noGrp="1" noChangeAspect="1"/>
+          </p:cNvPicPr>
+          <p:nvPr>
+            <p:ph sz="quarter" idx="4"/>
+          </p:nvPr>
+        </p:nvPicPr>
+        <p:blipFill>
+          <a:blip r:embed="rId2">
+            <a:extLst>
+              <a:ext uri="{28A0092B-C50C-407E-A947-70E740481C1C}">
+                <a14:useLocalDpi xmlns:a14="http://schemas.microsoft.com/office/drawing/2010/main" val="0"/>
+              </a:ext>
+            </a:extLst>
+          </a:blip>
+          <a:stretch>
+            <a:fillRect/>
+          </a:stretch>
+        </p:blipFill>
+        <p:spPr>
+          <a:xfrm>
+            <a:off x="8107756" y="2955396"/>
+            <a:ext cx="3172810" cy="2921000"/>
+          </a:xfrm>
+        </p:spPr>
+      </p:pic>
+      <p:pic>
+        <p:nvPicPr>
+          <p:cNvPr id="7" name="Content Placeholder 9"/>
+          <p:cNvPicPr>
+            <a:picLocks noGrp="1"/>
+          </p:cNvPicPr>
+          <p:nvPr>
+            <p:ph sz="half" idx="2"/>
+          </p:nvPr>
+        </p:nvPicPr>
+        <p:blipFill>
+          <a:blip r:embed="rId3"/>
+          <a:stretch>
+            <a:fillRect/>
+          </a:stretch>
+        </p:blipFill>
+        <p:spPr bwMode="auto">
+          <a:xfrm>
+            <a:off x="1787436" y="2870200"/>
+            <a:ext cx="2794177" cy="2921000"/>
+          </a:xfrm>
+          <a:prstGeom prst="rect">
+            <a:avLst/>
+          </a:prstGeom>
+        </p:spPr>
+      </p:pic>
+      <p:pic>
+        <p:nvPicPr>
+          <p:cNvPr id="8" name="Picture 7"/>
+          <p:cNvPicPr>
+            <a:picLocks noChangeAspect="1"/>
+          </p:cNvPicPr>
+          <p:nvPr/>
+        </p:nvPicPr>
+        <p:blipFill>
+          <a:blip r:embed="rId4">
+            <a:extLst>
+              <a:ext uri="{28A0092B-C50C-407E-A947-70E740481C1C}">
+                <a14:useLocalDpi xmlns:a14="http://schemas.microsoft.com/office/drawing/2010/main" val="0"/>
+              </a:ext>
+            </a:extLst>
+          </a:blip>
+          <a:stretch>
+            <a:fillRect/>
+          </a:stretch>
+        </p:blipFill>
+        <p:spPr>
+          <a:xfrm>
+            <a:off x="4837267" y="2955396"/>
+            <a:ext cx="2916845" cy="2916845"/>
+          </a:xfrm>
+          <a:prstGeom prst="rect">
+            <a:avLst/>
+          </a:prstGeom>
+        </p:spPr>
+      </p:pic>
+    </p:spTree>
+    <p:extLst>
+      <p:ext uri="{BB962C8B-B14F-4D97-AF65-F5344CB8AC3E}">
+        <p14:creationId xmlns:p14="http://schemas.microsoft.com/office/powerpoint/2010/main" val="1331752680"/>
+      </p:ext>
+    </p:extLst>
+  </p:cSld>
+  <p:clrMapOvr>
+    <a:masterClrMapping/>
+  </p:clrMapOvr>
+  <p:timing>
+    <p:tnLst>
+      <p:par>
+        <p:cTn id="1" dur="indefinite" restart="never" nodeType="tmRoot"/>
+      </p:par>
+    </p:tnLst>
+  </p:timing>
 </p:sld>
 </file>
 
@@ -6619,74 +11910,276 @@
           <a:bodyPr/>
           <a:lstStyle/>
           <a:p>
+            <a:pPr algn="ctr"/>
+            <a:r>
+              <a:rPr lang="en-US" dirty="0"/>
+              <a:t> </a:t>
+            </a:r>
+            <a:r>
+              <a:rPr lang="en-US" dirty="0" err="1"/>
+              <a:t>ՄորֆոլոգիաԿան</a:t>
+            </a:r>
+            <a:r>
+              <a:rPr lang="en-US" dirty="0"/>
+              <a:t> </a:t>
+            </a:r>
+            <a:r>
+              <a:rPr lang="en-US" dirty="0" err="1"/>
+              <a:t>Պատկերի</a:t>
+            </a:r>
+            <a:r>
+              <a:rPr lang="en-US" dirty="0"/>
+              <a:t> </a:t>
+            </a:r>
+            <a:r>
+              <a:rPr lang="en-US" dirty="0" err="1"/>
+              <a:t>մշակում</a:t>
+            </a:r>
+            <a:r>
+              <a:rPr lang="en-US" dirty="0"/>
+              <a:t> </a:t>
+            </a:r>
             <a:r>
               <a:rPr lang="hy-AM" dirty="0" smtClean="0"/>
-              <a:t>Մորֆոլոգիական ընդլայնում</a:t>
+              <a:t>Բացում եվ փակում</a:t>
             </a:r>
             <a:endParaRPr lang="en-US" dirty="0"/>
-          </a:p>
-        </p:txBody>
-      </p:sp>
-      <p:sp>
-        <p:nvSpPr>
-          <p:cNvPr id="3" name="Text Placeholder 2"/>
-          <p:cNvSpPr>
-            <a:spLocks noGrp="1"/>
-          </p:cNvSpPr>
-          <p:nvPr>
-            <p:ph type="body" idx="1"/>
-          </p:nvPr>
-        </p:nvSpPr>
-        <p:spPr/>
-        <p:txBody>
-          <a:bodyPr/>
-          <a:lstStyle/>
-          <a:p>
-            <a:endParaRPr lang="en-US"/>
-          </a:p>
-        </p:txBody>
-      </p:sp>
-      <p:sp>
-        <p:nvSpPr>
-          <p:cNvPr id="5" name="Text Placeholder 4"/>
-          <p:cNvSpPr>
-            <a:spLocks noGrp="1"/>
-          </p:cNvSpPr>
-          <p:nvPr>
-            <p:ph type="body" sz="quarter" idx="3"/>
-          </p:nvPr>
-        </p:nvSpPr>
-        <p:spPr/>
-        <p:txBody>
-          <a:bodyPr/>
-          <a:lstStyle/>
-          <a:p>
-            <a:endParaRPr lang="en-US"/>
-          </a:p>
-        </p:txBody>
-      </p:sp>
-      <p:sp>
-        <p:nvSpPr>
-          <p:cNvPr id="6" name="Content Placeholder 5"/>
-          <p:cNvSpPr>
-            <a:spLocks noGrp="1"/>
-          </p:cNvSpPr>
-          <p:nvPr>
-            <p:ph sz="quarter" idx="4"/>
-          </p:nvPr>
-        </p:nvSpPr>
-        <p:spPr/>
-        <p:txBody>
-          <a:bodyPr/>
-          <a:lstStyle/>
-          <a:p>
-            <a:endParaRPr lang="en-US"/>
           </a:p>
         </p:txBody>
       </p:sp>
       <p:pic>
         <p:nvPicPr>
-          <p:cNvPr id="7" name="Content Placeholder 9"/>
+          <p:cNvPr id="7" name="Content Placeholder 6"/>
+          <p:cNvPicPr>
+            <a:picLocks noGrp="1" noChangeAspect="1"/>
+          </p:cNvPicPr>
+          <p:nvPr>
+            <p:ph sz="half" idx="2"/>
+          </p:nvPr>
+        </p:nvPicPr>
+        <p:blipFill>
+          <a:blip r:embed="rId2">
+            <a:extLst>
+              <a:ext uri="{28A0092B-C50C-407E-A947-70E740481C1C}">
+                <a14:useLocalDpi xmlns:a14="http://schemas.microsoft.com/office/drawing/2010/main" val="0"/>
+              </a:ext>
+            </a:extLst>
+          </a:blip>
+          <a:stretch>
+            <a:fillRect/>
+          </a:stretch>
+        </p:blipFill>
+        <p:spPr>
+          <a:xfrm>
+            <a:off x="5936519" y="4619751"/>
+            <a:ext cx="2410414" cy="2238249"/>
+          </a:xfrm>
+        </p:spPr>
+      </p:pic>
+      <p:pic>
+        <p:nvPicPr>
+          <p:cNvPr id="8" name="Picture 7"/>
+          <p:cNvPicPr>
+            <a:picLocks noChangeAspect="1"/>
+          </p:cNvPicPr>
+          <p:nvPr/>
+        </p:nvPicPr>
+        <p:blipFill>
+          <a:blip r:embed="rId3">
+            <a:extLst>
+              <a:ext uri="{28A0092B-C50C-407E-A947-70E740481C1C}">
+                <a14:useLocalDpi xmlns:a14="http://schemas.microsoft.com/office/drawing/2010/main" val="0"/>
+              </a:ext>
+            </a:extLst>
+          </a:blip>
+          <a:stretch>
+            <a:fillRect/>
+          </a:stretch>
+        </p:blipFill>
+        <p:spPr>
+          <a:xfrm>
+            <a:off x="3585481" y="4619751"/>
+            <a:ext cx="2238249" cy="2238249"/>
+          </a:xfrm>
+          <a:prstGeom prst="rect">
+            <a:avLst/>
+          </a:prstGeom>
+        </p:spPr>
+      </p:pic>
+      <p:pic>
+        <p:nvPicPr>
+          <p:cNvPr id="9" name="Picture 8"/>
+          <p:cNvPicPr/>
+          <p:nvPr/>
+        </p:nvPicPr>
+        <p:blipFill>
+          <a:blip r:embed="rId4"/>
+          <a:stretch>
+            <a:fillRect/>
+          </a:stretch>
+        </p:blipFill>
+        <p:spPr bwMode="auto">
+          <a:xfrm>
+            <a:off x="119892" y="2870199"/>
+            <a:ext cx="3352800" cy="3890645"/>
+          </a:xfrm>
+          <a:prstGeom prst="rect">
+            <a:avLst/>
+          </a:prstGeom>
+        </p:spPr>
+      </p:pic>
+      <p:pic>
+        <p:nvPicPr>
+          <p:cNvPr id="10" name="Content Placeholder 6"/>
+          <p:cNvPicPr>
+            <a:picLocks noGrp="1" noChangeAspect="1"/>
+          </p:cNvPicPr>
+          <p:nvPr>
+            <p:ph sz="half" idx="2"/>
+          </p:nvPr>
+        </p:nvPicPr>
+        <p:blipFill>
+          <a:blip r:embed="rId5">
+            <a:extLst>
+              <a:ext uri="{28A0092B-C50C-407E-A947-70E740481C1C}">
+                <a14:useLocalDpi xmlns:a14="http://schemas.microsoft.com/office/drawing/2010/main" val="0"/>
+              </a:ext>
+            </a:extLst>
+          </a:blip>
+          <a:stretch>
+            <a:fillRect/>
+          </a:stretch>
+        </p:blipFill>
+        <p:spPr>
+          <a:xfrm>
+            <a:off x="3585481" y="2226734"/>
+            <a:ext cx="1743685" cy="2372360"/>
+          </a:xfrm>
+        </p:spPr>
+      </p:pic>
+      <p:pic>
+        <p:nvPicPr>
+          <p:cNvPr id="11" name="Content Placeholder 7"/>
+          <p:cNvPicPr>
+            <a:picLocks noGrp="1" noChangeAspect="1"/>
+          </p:cNvPicPr>
+          <p:nvPr>
+            <p:ph sz="quarter" idx="4"/>
+          </p:nvPr>
+        </p:nvPicPr>
+        <p:blipFill>
+          <a:blip r:embed="rId6">
+            <a:extLst>
+              <a:ext uri="{28A0092B-C50C-407E-A947-70E740481C1C}">
+                <a14:useLocalDpi xmlns:a14="http://schemas.microsoft.com/office/drawing/2010/main" val="0"/>
+              </a:ext>
+            </a:extLst>
+          </a:blip>
+          <a:stretch>
+            <a:fillRect/>
+          </a:stretch>
+        </p:blipFill>
+        <p:spPr>
+          <a:xfrm>
+            <a:off x="5437953" y="2226734"/>
+            <a:ext cx="1995145" cy="2372360"/>
+          </a:xfrm>
+        </p:spPr>
+      </p:pic>
+    </p:spTree>
+    <p:extLst>
+      <p:ext uri="{BB962C8B-B14F-4D97-AF65-F5344CB8AC3E}">
+        <p14:creationId xmlns:p14="http://schemas.microsoft.com/office/powerpoint/2010/main" val="1494055815"/>
+      </p:ext>
+    </p:extLst>
+  </p:cSld>
+  <p:clrMapOvr>
+    <a:masterClrMapping/>
+  </p:clrMapOvr>
+</p:sld>
+</file>
+
+<file path=ppt/slides/slide5.xml><?xml version="1.0" encoding="utf-8"?>
+<p:sld xmlns:a="http://schemas.openxmlformats.org/drawingml/2006/main" xmlns:r="http://schemas.openxmlformats.org/officeDocument/2006/relationships" xmlns:p="http://schemas.openxmlformats.org/presentationml/2006/main">
+  <p:cSld>
+    <p:spTree>
+      <p:nvGrpSpPr>
+        <p:cNvPr id="1" name=""/>
+        <p:cNvGrpSpPr/>
+        <p:nvPr/>
+      </p:nvGrpSpPr>
+      <p:grpSpPr>
+        <a:xfrm>
+          <a:off x="0" y="0"/>
+          <a:ext cx="0" cy="0"/>
+          <a:chOff x="0" y="0"/>
+          <a:chExt cx="0" cy="0"/>
+        </a:xfrm>
+      </p:grpSpPr>
+      <p:sp>
+        <p:nvSpPr>
+          <p:cNvPr id="2" name="Title 1"/>
+          <p:cNvSpPr>
+            <a:spLocks noGrp="1"/>
+          </p:cNvSpPr>
+          <p:nvPr>
+            <p:ph type="title"/>
+          </p:nvPr>
+        </p:nvSpPr>
+        <p:spPr/>
+        <p:txBody>
+          <a:bodyPr/>
+          <a:lstStyle/>
+          <a:p>
+            <a:r>
+              <a:rPr lang="hy-AM" dirty="0" smtClean="0"/>
+              <a:t>Մորֆոլոգիական եզրագծերի Հայտնաբերում</a:t>
+            </a:r>
+            <a:endParaRPr lang="en-US" dirty="0"/>
+          </a:p>
+        </p:txBody>
+      </p:sp>
+      <p:sp>
+        <p:nvSpPr>
+          <p:cNvPr id="3" name="Text Placeholder 2"/>
+          <p:cNvSpPr>
+            <a:spLocks noGrp="1"/>
+          </p:cNvSpPr>
+          <p:nvPr>
+            <p:ph type="body" idx="1"/>
+          </p:nvPr>
+        </p:nvSpPr>
+        <p:spPr/>
+        <p:txBody>
+          <a:bodyPr/>
+          <a:lstStyle/>
+          <a:p>
+            <a:endParaRPr lang="en-US"/>
+          </a:p>
+        </p:txBody>
+      </p:sp>
+      <p:sp>
+        <p:nvSpPr>
+          <p:cNvPr id="5" name="Text Placeholder 4"/>
+          <p:cNvSpPr>
+            <a:spLocks noGrp="1"/>
+          </p:cNvSpPr>
+          <p:nvPr>
+            <p:ph type="body" sz="quarter" idx="3"/>
+          </p:nvPr>
+        </p:nvSpPr>
+        <p:spPr/>
+        <p:txBody>
+          <a:bodyPr/>
+          <a:lstStyle/>
+          <a:p>
+            <a:endParaRPr lang="en-US"/>
+          </a:p>
+        </p:txBody>
+      </p:sp>
+      <p:pic>
+        <p:nvPicPr>
+          <p:cNvPr id="7" name="Content Placeholder 6"/>
           <p:cNvPicPr>
             <a:picLocks noGrp="1"/>
           </p:cNvPicPr>
@@ -6702,8 +12195,70 @@
         </p:blipFill>
         <p:spPr bwMode="auto">
           <a:xfrm>
-            <a:off x="1787436" y="2870200"/>
-            <a:ext cx="2794177" cy="2921000"/>
+            <a:off x="771876" y="2870200"/>
+            <a:ext cx="4825298" cy="2921000"/>
+          </a:xfrm>
+          <a:prstGeom prst="rect">
+            <a:avLst/>
+          </a:prstGeom>
+        </p:spPr>
+      </p:pic>
+      <p:pic>
+        <p:nvPicPr>
+          <p:cNvPr id="8" name="Content Placeholder 7"/>
+          <p:cNvPicPr>
+            <a:picLocks noGrp="1" noChangeAspect="1"/>
+          </p:cNvPicPr>
+          <p:nvPr>
+            <p:ph sz="quarter" idx="4"/>
+          </p:nvPr>
+        </p:nvPicPr>
+        <p:blipFill>
+          <a:blip r:embed="rId3">
+            <a:extLst>
+              <a:ext uri="{28A0092B-C50C-407E-A947-70E740481C1C}">
+                <a14:useLocalDpi xmlns:a14="http://schemas.microsoft.com/office/drawing/2010/main" val="0"/>
+              </a:ext>
+            </a:extLst>
+          </a:blip>
+          <a:stretch>
+            <a:fillRect/>
+          </a:stretch>
+        </p:blipFill>
+        <p:spPr>
+          <a:xfrm>
+            <a:off x="6096003" y="2870200"/>
+            <a:ext cx="2319986" cy="2319986"/>
+          </a:xfrm>
+          <a:prstGeom prst="rect">
+            <a:avLst/>
+          </a:prstGeom>
+        </p:spPr>
+      </p:pic>
+      <p:pic>
+        <p:nvPicPr>
+          <p:cNvPr id="4" name="Picture 3"/>
+          <p:cNvPicPr>
+            <a:picLocks noChangeAspect="1"/>
+          </p:cNvPicPr>
+          <p:nvPr/>
+        </p:nvPicPr>
+        <p:blipFill>
+          <a:blip r:embed="rId4">
+            <a:extLst>
+              <a:ext uri="{28A0092B-C50C-407E-A947-70E740481C1C}">
+                <a14:useLocalDpi xmlns:a14="http://schemas.microsoft.com/office/drawing/2010/main" val="0"/>
+              </a:ext>
+            </a:extLst>
+          </a:blip>
+          <a:stretch>
+            <a:fillRect/>
+          </a:stretch>
+        </p:blipFill>
+        <p:spPr>
+          <a:xfrm>
+            <a:off x="8457409" y="2870200"/>
+            <a:ext cx="2427212" cy="2319986"/>
           </a:xfrm>
           <a:prstGeom prst="rect">
             <a:avLst/>
@@ -6713,13 +12268,649 @@
     </p:spTree>
     <p:extLst>
       <p:ext uri="{BB962C8B-B14F-4D97-AF65-F5344CB8AC3E}">
-        <p14:creationId xmlns:p14="http://schemas.microsoft.com/office/powerpoint/2010/main" val="1331752680"/>
+        <p14:creationId xmlns:p14="http://schemas.microsoft.com/office/powerpoint/2010/main" val="3044926477"/>
       </p:ext>
     </p:extLst>
   </p:cSld>
   <p:clrMapOvr>
     <a:masterClrMapping/>
   </p:clrMapOvr>
+</p:sld>
+</file>
+
+<file path=ppt/slides/slide6.xml><?xml version="1.0" encoding="utf-8"?>
+<p:sld xmlns:a="http://schemas.openxmlformats.org/drawingml/2006/main" xmlns:r="http://schemas.openxmlformats.org/officeDocument/2006/relationships" xmlns:p="http://schemas.openxmlformats.org/presentationml/2006/main">
+  <p:cSld>
+    <p:spTree>
+      <p:nvGrpSpPr>
+        <p:cNvPr id="1" name=""/>
+        <p:cNvGrpSpPr/>
+        <p:nvPr/>
+      </p:nvGrpSpPr>
+      <p:grpSpPr>
+        <a:xfrm>
+          <a:off x="0" y="0"/>
+          <a:ext cx="0" cy="0"/>
+          <a:chOff x="0" y="0"/>
+          <a:chExt cx="0" cy="0"/>
+        </a:xfrm>
+      </p:grpSpPr>
+      <p:sp>
+        <p:nvSpPr>
+          <p:cNvPr id="2" name="Title 1"/>
+          <p:cNvSpPr>
+            <a:spLocks noGrp="1"/>
+          </p:cNvSpPr>
+          <p:nvPr>
+            <p:ph type="title"/>
+          </p:nvPr>
+        </p:nvSpPr>
+        <p:spPr/>
+        <p:txBody>
+          <a:bodyPr/>
+          <a:lstStyle/>
+          <a:p>
+            <a:pPr algn="ctr"/>
+            <a:r>
+              <a:rPr lang="hy-AM" dirty="0" smtClean="0"/>
+              <a:t>Սեգմենտավորում</a:t>
+            </a:r>
+            <a:endParaRPr lang="en-US" dirty="0"/>
+          </a:p>
+        </p:txBody>
+      </p:sp>
+      <p:sp>
+        <p:nvSpPr>
+          <p:cNvPr id="3" name="Text Placeholder 2"/>
+          <p:cNvSpPr>
+            <a:spLocks noGrp="1"/>
+          </p:cNvSpPr>
+          <p:nvPr>
+            <p:ph type="body" idx="1"/>
+          </p:nvPr>
+        </p:nvSpPr>
+        <p:spPr/>
+        <p:txBody>
+          <a:bodyPr/>
+          <a:lstStyle/>
+          <a:p>
+            <a:endParaRPr lang="en-US"/>
+          </a:p>
+        </p:txBody>
+      </p:sp>
+      <p:sp>
+        <p:nvSpPr>
+          <p:cNvPr id="5" name="Text Placeholder 4"/>
+          <p:cNvSpPr>
+            <a:spLocks noGrp="1"/>
+          </p:cNvSpPr>
+          <p:nvPr>
+            <p:ph type="body" sz="quarter" idx="3"/>
+          </p:nvPr>
+        </p:nvSpPr>
+        <p:spPr/>
+        <p:txBody>
+          <a:bodyPr/>
+          <a:lstStyle/>
+          <a:p>
+            <a:endParaRPr lang="en-US"/>
+          </a:p>
+        </p:txBody>
+      </p:sp>
+      <p:sp>
+        <p:nvSpPr>
+          <p:cNvPr id="6" name="Content Placeholder 5"/>
+          <p:cNvSpPr>
+            <a:spLocks noGrp="1"/>
+          </p:cNvSpPr>
+          <p:nvPr>
+            <p:ph sz="quarter" idx="4"/>
+          </p:nvPr>
+        </p:nvSpPr>
+        <p:spPr/>
+        <p:txBody>
+          <a:bodyPr/>
+          <a:lstStyle/>
+          <a:p>
+            <a:endParaRPr lang="en-US"/>
+          </a:p>
+        </p:txBody>
+      </p:sp>
+      <p:pic>
+        <p:nvPicPr>
+          <p:cNvPr id="11" name="Image1"/>
+          <p:cNvPicPr>
+            <a:picLocks noGrp="1"/>
+          </p:cNvPicPr>
+          <p:nvPr>
+            <p:ph sz="half" idx="2"/>
+          </p:nvPr>
+        </p:nvPicPr>
+        <p:blipFill>
+          <a:blip r:embed="rId2"/>
+          <a:stretch>
+            <a:fillRect/>
+          </a:stretch>
+        </p:blipFill>
+        <p:spPr bwMode="auto">
+          <a:xfrm>
+            <a:off x="685800" y="3343600"/>
+            <a:ext cx="4997450" cy="1974199"/>
+          </a:xfrm>
+          <a:prstGeom prst="rect">
+            <a:avLst/>
+          </a:prstGeom>
+        </p:spPr>
+      </p:pic>
+    </p:spTree>
+    <p:extLst>
+      <p:ext uri="{BB962C8B-B14F-4D97-AF65-F5344CB8AC3E}">
+        <p14:creationId xmlns:p14="http://schemas.microsoft.com/office/powerpoint/2010/main" val="1533278837"/>
+      </p:ext>
+    </p:extLst>
+  </p:cSld>
+  <p:clrMapOvr>
+    <a:masterClrMapping/>
+  </p:clrMapOvr>
+  <p:timing>
+    <p:tnLst>
+      <p:par>
+        <p:cTn id="1" dur="indefinite" restart="never" nodeType="tmRoot"/>
+      </p:par>
+    </p:tnLst>
+  </p:timing>
+</p:sld>
+</file>
+
+<file path=ppt/slides/slide7.xml><?xml version="1.0" encoding="utf-8"?>
+<p:sld xmlns:a="http://schemas.openxmlformats.org/drawingml/2006/main" xmlns:r="http://schemas.openxmlformats.org/officeDocument/2006/relationships" xmlns:p="http://schemas.openxmlformats.org/presentationml/2006/main">
+  <p:cSld>
+    <p:spTree>
+      <p:nvGrpSpPr>
+        <p:cNvPr id="1" name=""/>
+        <p:cNvGrpSpPr/>
+        <p:nvPr/>
+      </p:nvGrpSpPr>
+      <p:grpSpPr>
+        <a:xfrm>
+          <a:off x="0" y="0"/>
+          <a:ext cx="0" cy="0"/>
+          <a:chOff x="0" y="0"/>
+          <a:chExt cx="0" cy="0"/>
+        </a:xfrm>
+      </p:grpSpPr>
+      <p:sp>
+        <p:nvSpPr>
+          <p:cNvPr id="2" name="Title 1"/>
+          <p:cNvSpPr>
+            <a:spLocks noGrp="1"/>
+          </p:cNvSpPr>
+          <p:nvPr>
+            <p:ph type="title"/>
+          </p:nvPr>
+        </p:nvSpPr>
+        <p:spPr/>
+        <p:txBody>
+          <a:bodyPr/>
+          <a:lstStyle/>
+          <a:p>
+            <a:r>
+              <a:rPr lang="hy-AM" dirty="0" smtClean="0"/>
+              <a:t>Լցոնում</a:t>
+            </a:r>
+            <a:r>
+              <a:rPr lang="en-US" dirty="0" smtClean="0"/>
+              <a:t> </a:t>
+            </a:r>
+            <a:r>
+              <a:rPr lang="hy-AM" dirty="0" smtClean="0"/>
+              <a:t>Ֆիքսված</a:t>
+            </a:r>
+            <a:endParaRPr lang="en-US" dirty="0"/>
+          </a:p>
+        </p:txBody>
+      </p:sp>
+      <p:sp>
+        <p:nvSpPr>
+          <p:cNvPr id="3" name="Text Placeholder 2"/>
+          <p:cNvSpPr>
+            <a:spLocks noGrp="1"/>
+          </p:cNvSpPr>
+          <p:nvPr>
+            <p:ph type="body" idx="1"/>
+          </p:nvPr>
+        </p:nvSpPr>
+        <p:spPr/>
+        <p:txBody>
+          <a:bodyPr/>
+          <a:lstStyle/>
+          <a:p>
+            <a:endParaRPr lang="en-US"/>
+          </a:p>
+        </p:txBody>
+      </p:sp>
+      <p:pic>
+        <p:nvPicPr>
+          <p:cNvPr id="7" name="Content Placeholder 6"/>
+          <p:cNvPicPr>
+            <a:picLocks noGrp="1" noChangeAspect="1"/>
+          </p:cNvPicPr>
+          <p:nvPr>
+            <p:ph sz="half" idx="2"/>
+          </p:nvPr>
+        </p:nvPicPr>
+        <p:blipFill>
+          <a:blip r:embed="rId2">
+            <a:extLst>
+              <a:ext uri="{28A0092B-C50C-407E-A947-70E740481C1C}">
+                <a14:useLocalDpi xmlns:a14="http://schemas.microsoft.com/office/drawing/2010/main" val="0"/>
+              </a:ext>
+            </a:extLst>
+          </a:blip>
+          <a:stretch>
+            <a:fillRect/>
+          </a:stretch>
+        </p:blipFill>
+        <p:spPr>
+          <a:xfrm>
+            <a:off x="1027526" y="2870200"/>
+            <a:ext cx="4313997" cy="2921000"/>
+          </a:xfrm>
+        </p:spPr>
+      </p:pic>
+      <p:sp>
+        <p:nvSpPr>
+          <p:cNvPr id="5" name="Text Placeholder 4"/>
+          <p:cNvSpPr>
+            <a:spLocks noGrp="1"/>
+          </p:cNvSpPr>
+          <p:nvPr>
+            <p:ph type="body" sz="quarter" idx="3"/>
+          </p:nvPr>
+        </p:nvSpPr>
+        <p:spPr/>
+        <p:txBody>
+          <a:bodyPr/>
+          <a:lstStyle/>
+          <a:p>
+            <a:endParaRPr lang="en-US"/>
+          </a:p>
+        </p:txBody>
+      </p:sp>
+      <p:sp>
+        <p:nvSpPr>
+          <p:cNvPr id="6" name="Content Placeholder 5"/>
+          <p:cNvSpPr>
+            <a:spLocks noGrp="1"/>
+          </p:cNvSpPr>
+          <p:nvPr>
+            <p:ph sz="quarter" idx="4"/>
+          </p:nvPr>
+        </p:nvSpPr>
+        <p:spPr/>
+        <p:txBody>
+          <a:bodyPr/>
+          <a:lstStyle/>
+          <a:p>
+            <a:endParaRPr lang="en-US" dirty="0"/>
+          </a:p>
+        </p:txBody>
+      </p:sp>
+    </p:spTree>
+    <p:extLst>
+      <p:ext uri="{BB962C8B-B14F-4D97-AF65-F5344CB8AC3E}">
+        <p14:creationId xmlns:p14="http://schemas.microsoft.com/office/powerpoint/2010/main" val="2714546464"/>
+      </p:ext>
+    </p:extLst>
+  </p:cSld>
+  <p:clrMapOvr>
+    <a:masterClrMapping/>
+  </p:clrMapOvr>
+  <p:timing>
+    <p:tnLst>
+      <p:par>
+        <p:cTn id="1" dur="indefinite" restart="never" nodeType="tmRoot"/>
+      </p:par>
+    </p:tnLst>
+  </p:timing>
+</p:sld>
+</file>
+
+<file path=ppt/slides/slide8.xml><?xml version="1.0" encoding="utf-8"?>
+<p:sld xmlns:a="http://schemas.openxmlformats.org/drawingml/2006/main" xmlns:r="http://schemas.openxmlformats.org/officeDocument/2006/relationships" xmlns:p="http://schemas.openxmlformats.org/presentationml/2006/main">
+  <p:cSld>
+    <p:spTree>
+      <p:nvGrpSpPr>
+        <p:cNvPr id="1" name=""/>
+        <p:cNvGrpSpPr/>
+        <p:nvPr/>
+      </p:nvGrpSpPr>
+      <p:grpSpPr>
+        <a:xfrm>
+          <a:off x="0" y="0"/>
+          <a:ext cx="0" cy="0"/>
+          <a:chOff x="0" y="0"/>
+          <a:chExt cx="0" cy="0"/>
+        </a:xfrm>
+      </p:grpSpPr>
+      <p:sp>
+        <p:nvSpPr>
+          <p:cNvPr id="2" name="Title 1"/>
+          <p:cNvSpPr>
+            <a:spLocks noGrp="1"/>
+          </p:cNvSpPr>
+          <p:nvPr>
+            <p:ph type="title"/>
+          </p:nvPr>
+        </p:nvSpPr>
+        <p:spPr/>
+        <p:txBody>
+          <a:bodyPr/>
+          <a:lstStyle/>
+          <a:p>
+            <a:r>
+              <a:rPr lang="hy-AM" dirty="0" smtClean="0"/>
+              <a:t>Լցոնում Լողացող</a:t>
+            </a:r>
+            <a:endParaRPr lang="en-US" dirty="0"/>
+          </a:p>
+        </p:txBody>
+      </p:sp>
+      <p:sp>
+        <p:nvSpPr>
+          <p:cNvPr id="3" name="Text Placeholder 2"/>
+          <p:cNvSpPr>
+            <a:spLocks noGrp="1"/>
+          </p:cNvSpPr>
+          <p:nvPr>
+            <p:ph type="body" idx="1"/>
+          </p:nvPr>
+        </p:nvSpPr>
+        <p:spPr/>
+        <p:txBody>
+          <a:bodyPr/>
+          <a:lstStyle/>
+          <a:p>
+            <a:endParaRPr lang="en-US"/>
+          </a:p>
+        </p:txBody>
+      </p:sp>
+      <p:pic>
+        <p:nvPicPr>
+          <p:cNvPr id="7" name="Content Placeholder 6"/>
+          <p:cNvPicPr>
+            <a:picLocks noGrp="1" noChangeAspect="1"/>
+          </p:cNvPicPr>
+          <p:nvPr>
+            <p:ph sz="half" idx="2"/>
+          </p:nvPr>
+        </p:nvPicPr>
+        <p:blipFill>
+          <a:blip r:embed="rId2">
+            <a:extLst>
+              <a:ext uri="{28A0092B-C50C-407E-A947-70E740481C1C}">
+                <a14:useLocalDpi xmlns:a14="http://schemas.microsoft.com/office/drawing/2010/main" val="0"/>
+              </a:ext>
+            </a:extLst>
+          </a:blip>
+          <a:stretch>
+            <a:fillRect/>
+          </a:stretch>
+        </p:blipFill>
+        <p:spPr>
+          <a:xfrm>
+            <a:off x="1038172" y="2870200"/>
+            <a:ext cx="4292706" cy="2921000"/>
+          </a:xfrm>
+        </p:spPr>
+      </p:pic>
+      <p:sp>
+        <p:nvSpPr>
+          <p:cNvPr id="5" name="Text Placeholder 4"/>
+          <p:cNvSpPr>
+            <a:spLocks noGrp="1"/>
+          </p:cNvSpPr>
+          <p:nvPr>
+            <p:ph type="body" sz="quarter" idx="3"/>
+          </p:nvPr>
+        </p:nvSpPr>
+        <p:spPr/>
+        <p:txBody>
+          <a:bodyPr/>
+          <a:lstStyle/>
+          <a:p>
+            <a:endParaRPr lang="en-US"/>
+          </a:p>
+        </p:txBody>
+      </p:sp>
+      <p:sp>
+        <p:nvSpPr>
+          <p:cNvPr id="6" name="Content Placeholder 5"/>
+          <p:cNvSpPr>
+            <a:spLocks noGrp="1"/>
+          </p:cNvSpPr>
+          <p:nvPr>
+            <p:ph sz="quarter" idx="4"/>
+          </p:nvPr>
+        </p:nvSpPr>
+        <p:spPr/>
+        <p:txBody>
+          <a:bodyPr/>
+          <a:lstStyle/>
+          <a:p>
+            <a:endParaRPr lang="en-US"/>
+          </a:p>
+        </p:txBody>
+      </p:sp>
+    </p:spTree>
+    <p:extLst>
+      <p:ext uri="{BB962C8B-B14F-4D97-AF65-F5344CB8AC3E}">
+        <p14:creationId xmlns:p14="http://schemas.microsoft.com/office/powerpoint/2010/main" val="2932466465"/>
+      </p:ext>
+    </p:extLst>
+  </p:cSld>
+  <p:clrMapOvr>
+    <a:masterClrMapping/>
+  </p:clrMapOvr>
+  <p:timing>
+    <p:tnLst>
+      <p:par>
+        <p:cTn id="1" dur="indefinite" restart="never" nodeType="tmRoot"/>
+      </p:par>
+    </p:tnLst>
+  </p:timing>
+</p:sld>
+</file>
+
+<file path=ppt/slides/slide9.xml><?xml version="1.0" encoding="utf-8"?>
+<p:sld xmlns:a="http://schemas.openxmlformats.org/drawingml/2006/main" xmlns:r="http://schemas.openxmlformats.org/officeDocument/2006/relationships" xmlns:p="http://schemas.openxmlformats.org/presentationml/2006/main">
+  <p:cSld>
+    <p:spTree>
+      <p:nvGrpSpPr>
+        <p:cNvPr id="1" name=""/>
+        <p:cNvGrpSpPr/>
+        <p:nvPr/>
+      </p:nvGrpSpPr>
+      <p:grpSpPr>
+        <a:xfrm>
+          <a:off x="0" y="0"/>
+          <a:ext cx="0" cy="0"/>
+          <a:chOff x="0" y="0"/>
+          <a:chExt cx="0" cy="0"/>
+        </a:xfrm>
+      </p:grpSpPr>
+      <p:sp>
+        <p:nvSpPr>
+          <p:cNvPr id="2" name="Title 1"/>
+          <p:cNvSpPr>
+            <a:spLocks noGrp="1"/>
+          </p:cNvSpPr>
+          <p:nvPr>
+            <p:ph type="title"/>
+          </p:nvPr>
+        </p:nvSpPr>
+        <p:spPr/>
+        <p:txBody>
+          <a:bodyPr/>
+          <a:lstStyle/>
+          <a:p>
+            <a:r>
+              <a:rPr lang="hy-AM" dirty="0" smtClean="0"/>
+              <a:t>Լցոնում 4</a:t>
+            </a:r>
+            <a:r>
+              <a:rPr lang="en-US" dirty="0" smtClean="0"/>
+              <a:t> </a:t>
+            </a:r>
+            <a:r>
+              <a:rPr lang="hy-AM" dirty="0" smtClean="0"/>
+              <a:t>Ուղղությամբ</a:t>
+            </a:r>
+            <a:endParaRPr lang="en-US" dirty="0"/>
+          </a:p>
+        </p:txBody>
+      </p:sp>
+      <p:sp>
+        <p:nvSpPr>
+          <p:cNvPr id="3" name="Text Placeholder 2"/>
+          <p:cNvSpPr>
+            <a:spLocks noGrp="1"/>
+          </p:cNvSpPr>
+          <p:nvPr>
+            <p:ph type="body" idx="1"/>
+          </p:nvPr>
+        </p:nvSpPr>
+        <p:spPr/>
+        <p:txBody>
+          <a:bodyPr/>
+          <a:lstStyle/>
+          <a:p>
+            <a:endParaRPr lang="en-US"/>
+          </a:p>
+        </p:txBody>
+      </p:sp>
+      <p:sp>
+        <p:nvSpPr>
+          <p:cNvPr id="5" name="Text Placeholder 4"/>
+          <p:cNvSpPr>
+            <a:spLocks noGrp="1"/>
+          </p:cNvSpPr>
+          <p:nvPr>
+            <p:ph type="body" sz="quarter" idx="3"/>
+          </p:nvPr>
+        </p:nvSpPr>
+        <p:spPr/>
+        <p:txBody>
+          <a:bodyPr/>
+          <a:lstStyle/>
+          <a:p>
+            <a:endParaRPr lang="en-US"/>
+          </a:p>
+        </p:txBody>
+      </p:sp>
+      <p:sp>
+        <p:nvSpPr>
+          <p:cNvPr id="6" name="Content Placeholder 5"/>
+          <p:cNvSpPr>
+            <a:spLocks noGrp="1"/>
+          </p:cNvSpPr>
+          <p:nvPr>
+            <p:ph sz="quarter" idx="4"/>
+          </p:nvPr>
+        </p:nvSpPr>
+        <p:spPr>
+          <a:xfrm>
+            <a:off x="4720281" y="2870201"/>
+            <a:ext cx="6098536" cy="2920998"/>
+          </a:xfrm>
+        </p:spPr>
+        <p:txBody>
+          <a:bodyPr/>
+          <a:lstStyle/>
+          <a:p>
+            <a:r>
+              <a:rPr lang="hy-AM" b="1" dirty="0" smtClean="0"/>
+              <a:t>Լցոնում</a:t>
+            </a:r>
+            <a:r>
+              <a:rPr lang="en-US" dirty="0" smtClean="0"/>
+              <a:t>(</a:t>
+            </a:r>
+            <a:r>
+              <a:rPr lang="hy-AM" sz="1600" dirty="0" smtClean="0"/>
+              <a:t>էլեմենտ,փոփոխվող գույն,լցոնման գույն</a:t>
+            </a:r>
+            <a:r>
+              <a:rPr lang="en-US" dirty="0" smtClean="0"/>
+              <a:t>)</a:t>
+            </a:r>
+            <a:endParaRPr lang="hy-AM" dirty="0" smtClean="0"/>
+          </a:p>
+          <a:p>
+            <a:pPr marL="342900" indent="-342900">
+              <a:buFont typeface="+mj-lt"/>
+              <a:buAutoNum type="arabicPeriod"/>
+            </a:pPr>
+            <a:r>
+              <a:rPr lang="hy-AM" dirty="0" smtClean="0"/>
+              <a:t>Եթե էլեմենտի գույնը չի համապատասխանւոմ փոփոխվող գույնին ուրեմն վերադարձ։</a:t>
+            </a:r>
+          </a:p>
+          <a:p>
+            <a:pPr marL="342900" indent="-342900">
+              <a:buFont typeface="+mj-lt"/>
+              <a:buAutoNum type="arabicPeriod"/>
+            </a:pPr>
+            <a:endParaRPr lang="en-US" dirty="0"/>
+          </a:p>
+        </p:txBody>
+      </p:sp>
+      <p:pic>
+        <p:nvPicPr>
+          <p:cNvPr id="13" name="Content Placeholder 12"/>
+          <p:cNvPicPr>
+            <a:picLocks noGrp="1" noChangeAspect="1"/>
+          </p:cNvPicPr>
+          <p:nvPr>
+            <p:ph sz="half" idx="2"/>
+          </p:nvPr>
+        </p:nvPicPr>
+        <p:blipFill>
+          <a:blip r:embed="rId2">
+            <a:extLst>
+              <a:ext uri="{28A0092B-C50C-407E-A947-70E740481C1C}">
+                <a14:useLocalDpi xmlns:a14="http://schemas.microsoft.com/office/drawing/2010/main" val="0"/>
+              </a:ext>
+            </a:extLst>
+          </a:blip>
+          <a:stretch>
+            <a:fillRect/>
+          </a:stretch>
+        </p:blipFill>
+        <p:spPr>
+          <a:xfrm>
+            <a:off x="2498725" y="3644900"/>
+            <a:ext cx="1371600" cy="1371600"/>
+          </a:xfrm>
+        </p:spPr>
+      </p:pic>
+    </p:spTree>
+    <p:extLst>
+      <p:ext uri="{BB962C8B-B14F-4D97-AF65-F5344CB8AC3E}">
+        <p14:creationId xmlns:p14="http://schemas.microsoft.com/office/powerpoint/2010/main" val="3600918697"/>
+      </p:ext>
+    </p:extLst>
+  </p:cSld>
+  <p:clrMapOvr>
+    <a:masterClrMapping/>
+  </p:clrMapOvr>
+  <p:timing>
+    <p:tnLst>
+      <p:par>
+        <p:cTn id="1" dur="indefinite" restart="never" nodeType="tmRoot"/>
+      </p:par>
+    </p:tnLst>
+  </p:timing>
 </p:sld>
 </file>
 

--- a/presentation/Presentation.pptx
+++ b/presentation/Presentation.pptx
@@ -5,29 +5,33 @@
     <p:sldMasterId id="2147483648" r:id="rId1"/>
   </p:sldMasterIdLst>
   <p:notesMasterIdLst>
-    <p:notesMasterId r:id="rId22"/>
+    <p:notesMasterId r:id="rId26"/>
   </p:notesMasterIdLst>
   <p:sldIdLst>
     <p:sldId id="256" r:id="rId2"/>
-    <p:sldId id="258" r:id="rId3"/>
-    <p:sldId id="259" r:id="rId4"/>
-    <p:sldId id="260" r:id="rId5"/>
-    <p:sldId id="263" r:id="rId6"/>
-    <p:sldId id="264" r:id="rId7"/>
-    <p:sldId id="261" r:id="rId8"/>
-    <p:sldId id="267" r:id="rId9"/>
-    <p:sldId id="266" r:id="rId10"/>
-    <p:sldId id="273" r:id="rId11"/>
+    <p:sldId id="280" r:id="rId3"/>
+    <p:sldId id="258" r:id="rId4"/>
+    <p:sldId id="259" r:id="rId5"/>
+    <p:sldId id="260" r:id="rId6"/>
+    <p:sldId id="263" r:id="rId7"/>
+    <p:sldId id="264" r:id="rId8"/>
+    <p:sldId id="266" r:id="rId9"/>
+    <p:sldId id="273" r:id="rId10"/>
+    <p:sldId id="261" r:id="rId11"/>
     <p:sldId id="272" r:id="rId12"/>
     <p:sldId id="271" r:id="rId13"/>
     <p:sldId id="270" r:id="rId14"/>
-    <p:sldId id="269" r:id="rId15"/>
-    <p:sldId id="268" r:id="rId16"/>
-    <p:sldId id="265" r:id="rId17"/>
-    <p:sldId id="274" r:id="rId18"/>
-    <p:sldId id="275" r:id="rId19"/>
-    <p:sldId id="276" r:id="rId20"/>
-    <p:sldId id="277" r:id="rId21"/>
+    <p:sldId id="276" r:id="rId15"/>
+    <p:sldId id="278" r:id="rId16"/>
+    <p:sldId id="269" r:id="rId17"/>
+    <p:sldId id="268" r:id="rId18"/>
+    <p:sldId id="265" r:id="rId19"/>
+    <p:sldId id="274" r:id="rId20"/>
+    <p:sldId id="275" r:id="rId21"/>
+    <p:sldId id="277" r:id="rId22"/>
+    <p:sldId id="279" r:id="rId23"/>
+    <p:sldId id="281" r:id="rId24"/>
+    <p:sldId id="282" r:id="rId25"/>
   </p:sldIdLst>
   <p:sldSz cx="12192000" cy="6858000"/>
   <p:notesSz cx="6858000" cy="9144000"/>
@@ -216,7 +220,7 @@
           <a:p>
             <a:fld id="{3055C09D-E245-48FB-89F4-1FC6DB8B2588}" type="datetimeFigureOut">
               <a:rPr lang="en-US"/>
-              <a:t>5/9/2017</a:t>
+              <a:t>5/16/2017</a:t>
             </a:fld>
             <a:endParaRPr lang="en-US"/>
           </a:p>
@@ -713,7 +717,7 @@
             <a:fld id="{B61BEF0D-F0BB-DE4B-95CE-6DB70DBA9567}" type="datetimeFigureOut">
               <a:rPr lang="en-US" dirty="0"/>
               <a:pPr/>
-              <a:t>5/9/2017</a:t>
+              <a:t>5/16/2017</a:t>
             </a:fld>
             <a:endParaRPr lang="en-US" dirty="0"/>
           </a:p>
@@ -1044,7 +1048,7 @@
             <a:fld id="{B61BEF0D-F0BB-DE4B-95CE-6DB70DBA9567}" type="datetimeFigureOut">
               <a:rPr lang="en-US" dirty="0"/>
               <a:pPr/>
-              <a:t>5/9/2017</a:t>
+              <a:t>5/16/2017</a:t>
             </a:fld>
             <a:endParaRPr lang="en-US" dirty="0"/>
           </a:p>
@@ -1319,7 +1323,7 @@
             <a:fld id="{B61BEF0D-F0BB-DE4B-95CE-6DB70DBA9567}" type="datetimeFigureOut">
               <a:rPr lang="en-US" dirty="0"/>
               <a:pPr/>
-              <a:t>5/9/2017</a:t>
+              <a:t>5/16/2017</a:t>
             </a:fld>
             <a:endParaRPr lang="en-US" dirty="0"/>
           </a:p>
@@ -1884,7 +1888,7 @@
             <a:fld id="{B61BEF0D-F0BB-DE4B-95CE-6DB70DBA9567}" type="datetimeFigureOut">
               <a:rPr lang="en-US" dirty="0"/>
               <a:pPr/>
-              <a:t>5/9/2017</a:t>
+              <a:t>5/16/2017</a:t>
             </a:fld>
             <a:endParaRPr lang="en-US" dirty="0"/>
           </a:p>
@@ -2159,7 +2163,7 @@
             <a:fld id="{B61BEF0D-F0BB-DE4B-95CE-6DB70DBA9567}" type="datetimeFigureOut">
               <a:rPr lang="en-US" dirty="0"/>
               <a:pPr/>
-              <a:t>5/9/2017</a:t>
+              <a:t>5/16/2017</a:t>
             </a:fld>
             <a:endParaRPr lang="en-US" dirty="0"/>
           </a:p>
@@ -2718,7 +2722,7 @@
             <a:fld id="{B61BEF0D-F0BB-DE4B-95CE-6DB70DBA9567}" type="datetimeFigureOut">
               <a:rPr lang="en-US" dirty="0"/>
               <a:pPr/>
-              <a:t>5/9/2017</a:t>
+              <a:t>5/16/2017</a:t>
             </a:fld>
             <a:endParaRPr lang="en-US" dirty="0"/>
           </a:p>
@@ -3042,7 +3046,7 @@
             <a:fld id="{B61BEF0D-F0BB-DE4B-95CE-6DB70DBA9567}" type="datetimeFigureOut">
               <a:rPr lang="en-US" dirty="0"/>
               <a:pPr/>
-              <a:t>5/9/2017</a:t>
+              <a:t>5/16/2017</a:t>
             </a:fld>
             <a:endParaRPr lang="en-US" dirty="0"/>
           </a:p>
@@ -3216,7 +3220,7 @@
             <a:fld id="{B61BEF0D-F0BB-DE4B-95CE-6DB70DBA9567}" type="datetimeFigureOut">
               <a:rPr lang="en-US" dirty="0"/>
               <a:pPr/>
-              <a:t>5/9/2017</a:t>
+              <a:t>5/16/2017</a:t>
             </a:fld>
             <a:endParaRPr lang="en-US" dirty="0"/>
           </a:p>
@@ -3451,7 +3455,7 @@
             <a:fld id="{B61BEF0D-F0BB-DE4B-95CE-6DB70DBA9567}" type="datetimeFigureOut">
               <a:rPr lang="en-US" dirty="0"/>
               <a:pPr/>
-              <a:t>5/9/2017</a:t>
+              <a:t>5/16/2017</a:t>
             </a:fld>
             <a:endParaRPr lang="en-US" dirty="0"/>
           </a:p>
@@ -3648,7 +3652,7 @@
             <a:fld id="{B61BEF0D-F0BB-DE4B-95CE-6DB70DBA9567}" type="datetimeFigureOut">
               <a:rPr lang="en-US" dirty="0"/>
               <a:pPr/>
-              <a:t>5/9/2017</a:t>
+              <a:t>5/16/2017</a:t>
             </a:fld>
             <a:endParaRPr lang="en-US" dirty="0"/>
           </a:p>
@@ -3921,7 +3925,7 @@
             <a:fld id="{B61BEF0D-F0BB-DE4B-95CE-6DB70DBA9567}" type="datetimeFigureOut">
               <a:rPr lang="en-US" dirty="0"/>
               <a:pPr/>
-              <a:t>5/9/2017</a:t>
+              <a:t>5/16/2017</a:t>
             </a:fld>
             <a:endParaRPr lang="en-US" dirty="0"/>
           </a:p>
@@ -4184,7 +4188,7 @@
             <a:fld id="{B61BEF0D-F0BB-DE4B-95CE-6DB70DBA9567}" type="datetimeFigureOut">
               <a:rPr lang="en-US" dirty="0"/>
               <a:pPr/>
-              <a:t>5/9/2017</a:t>
+              <a:t>5/16/2017</a:t>
             </a:fld>
             <a:endParaRPr lang="en-US" dirty="0"/>
           </a:p>
@@ -4555,7 +4559,7 @@
             <a:fld id="{B61BEF0D-F0BB-DE4B-95CE-6DB70DBA9567}" type="datetimeFigureOut">
               <a:rPr lang="en-US" dirty="0"/>
               <a:pPr/>
-              <a:t>5/9/2017</a:t>
+              <a:t>5/16/2017</a:t>
             </a:fld>
             <a:endParaRPr lang="en-US" dirty="0"/>
           </a:p>
@@ -4700,7 +4704,7 @@
             <a:fld id="{B61BEF0D-F0BB-DE4B-95CE-6DB70DBA9567}" type="datetimeFigureOut">
               <a:rPr lang="en-US" dirty="0"/>
               <a:pPr/>
-              <a:t>5/9/2017</a:t>
+              <a:t>5/16/2017</a:t>
             </a:fld>
             <a:endParaRPr lang="en-US" dirty="0"/>
           </a:p>
@@ -4822,7 +4826,7 @@
             <a:fld id="{B61BEF0D-F0BB-DE4B-95CE-6DB70DBA9567}" type="datetimeFigureOut">
               <a:rPr lang="en-US" dirty="0"/>
               <a:pPr/>
-              <a:t>5/9/2017</a:t>
+              <a:t>5/16/2017</a:t>
             </a:fld>
             <a:endParaRPr lang="en-US" dirty="0"/>
           </a:p>
@@ -5104,7 +5108,7 @@
             <a:fld id="{B61BEF0D-F0BB-DE4B-95CE-6DB70DBA9567}" type="datetimeFigureOut">
               <a:rPr lang="en-US" dirty="0"/>
               <a:pPr/>
-              <a:t>5/9/2017</a:t>
+              <a:t>5/16/2017</a:t>
             </a:fld>
             <a:endParaRPr lang="en-US" dirty="0"/>
           </a:p>
@@ -5425,7 +5429,7 @@
             <a:fld id="{B61BEF0D-F0BB-DE4B-95CE-6DB70DBA9567}" type="datetimeFigureOut">
               <a:rPr lang="en-US" dirty="0"/>
               <a:pPr/>
-              <a:t>5/9/2017</a:t>
+              <a:t>5/16/2017</a:t>
             </a:fld>
             <a:endParaRPr lang="en-US" dirty="0"/>
           </a:p>
@@ -5636,7 +5640,7 @@
             <a:fld id="{B61BEF0D-F0BB-DE4B-95CE-6DB70DBA9567}" type="datetimeFigureOut">
               <a:rPr lang="en-US" dirty="0"/>
               <a:pPr/>
-              <a:t>5/9/2017</a:t>
+              <a:t>5/16/2017</a:t>
             </a:fld>
             <a:endParaRPr lang="en-US" dirty="0"/>
           </a:p>
@@ -6176,25 +6180,6 @@
           </a:p>
         </p:txBody>
       </p:sp>
-      <p:sp>
-        <p:nvSpPr>
-          <p:cNvPr id="3" name="Subtitle 2"/>
-          <p:cNvSpPr>
-            <a:spLocks noGrp="1"/>
-          </p:cNvSpPr>
-          <p:nvPr>
-            <p:ph type="subTitle" idx="1"/>
-          </p:nvPr>
-        </p:nvSpPr>
-        <p:spPr/>
-        <p:txBody>
-          <a:bodyPr/>
-          <a:lstStyle/>
-          <a:p>
-            <a:endParaRPr lang="en-US"/>
-          </a:p>
-        </p:txBody>
-      </p:sp>
     </p:spTree>
     <p:extLst>
       <p:ext uri="{BB962C8B-B14F-4D97-AF65-F5344CB8AC3E}">
@@ -6248,81 +6233,32 @@
           <a:lstStyle/>
           <a:p>
             <a:r>
-              <a:rPr lang="hy-AM" dirty="0"/>
-              <a:t>Լցոնում </a:t>
+              <a:rPr lang="hy-AM" dirty="0" smtClean="0"/>
+              <a:t>Լցոնում</a:t>
             </a:r>
             <a:r>
               <a:rPr lang="en-US" dirty="0" smtClean="0"/>
-              <a:t>8 </a:t>
-            </a:r>
-            <a:r>
-              <a:rPr lang="hy-AM" dirty="0"/>
-              <a:t>Ուղղությամբ</a:t>
+              <a:t> </a:t>
+            </a:r>
+            <a:r>
+              <a:rPr lang="hy-AM" dirty="0" smtClean="0"/>
+              <a:t>Ֆիքսված</a:t>
+            </a:r>
+            <a:r>
+              <a:rPr lang="en-US" dirty="0" smtClean="0"/>
+              <a:t> </a:t>
+            </a:r>
+            <a:r>
+              <a:rPr lang="hy-AM" dirty="0" smtClean="0"/>
+              <a:t>և Լողացող</a:t>
             </a:r>
             <a:endParaRPr lang="en-US" dirty="0"/>
-          </a:p>
-        </p:txBody>
-      </p:sp>
-      <p:sp>
-        <p:nvSpPr>
-          <p:cNvPr id="3" name="Text Placeholder 2"/>
-          <p:cNvSpPr>
-            <a:spLocks noGrp="1"/>
-          </p:cNvSpPr>
-          <p:nvPr>
-            <p:ph type="body" idx="1"/>
-          </p:nvPr>
-        </p:nvSpPr>
-        <p:spPr/>
-        <p:txBody>
-          <a:bodyPr/>
-          <a:lstStyle/>
-          <a:p>
-            <a:endParaRPr lang="en-US"/>
-          </a:p>
-        </p:txBody>
-      </p:sp>
-      <p:sp>
-        <p:nvSpPr>
-          <p:cNvPr id="5" name="Text Placeholder 4"/>
-          <p:cNvSpPr>
-            <a:spLocks noGrp="1"/>
-          </p:cNvSpPr>
-          <p:nvPr>
-            <p:ph type="body" sz="quarter" idx="3"/>
-          </p:nvPr>
-        </p:nvSpPr>
-        <p:spPr/>
-        <p:txBody>
-          <a:bodyPr/>
-          <a:lstStyle/>
-          <a:p>
-            <a:endParaRPr lang="en-US"/>
-          </a:p>
-        </p:txBody>
-      </p:sp>
-      <p:sp>
-        <p:nvSpPr>
-          <p:cNvPr id="6" name="Content Placeholder 5"/>
-          <p:cNvSpPr>
-            <a:spLocks noGrp="1"/>
-          </p:cNvSpPr>
-          <p:nvPr>
-            <p:ph sz="quarter" idx="4"/>
-          </p:nvPr>
-        </p:nvSpPr>
-        <p:spPr/>
-        <p:txBody>
-          <a:bodyPr/>
-          <a:lstStyle/>
-          <a:p>
-            <a:endParaRPr lang="en-US"/>
           </a:p>
         </p:txBody>
       </p:sp>
       <p:pic>
         <p:nvPicPr>
-          <p:cNvPr id="9" name="Content Placeholder 8"/>
+          <p:cNvPr id="7" name="Content Placeholder 6"/>
           <p:cNvPicPr>
             <a:picLocks noGrp="1" noChangeAspect="1"/>
           </p:cNvPicPr>
@@ -6344,15 +6280,68 @@
         </p:blipFill>
         <p:spPr>
           <a:xfrm>
-            <a:off x="2498725" y="3644900"/>
-            <a:ext cx="1371600" cy="1371600"/>
+            <a:off x="3137551" y="2334741"/>
+            <a:ext cx="4313997" cy="2921000"/>
           </a:xfrm>
+        </p:spPr>
+      </p:pic>
+      <p:pic>
+        <p:nvPicPr>
+          <p:cNvPr id="4" name="Content Placeholder 6"/>
+          <p:cNvPicPr>
+            <a:picLocks noGrp="1" noChangeAspect="1"/>
+          </p:cNvPicPr>
+          <p:nvPr>
+            <p:ph sz="half" idx="2"/>
+          </p:nvPr>
+        </p:nvPicPr>
+        <p:blipFill>
+          <a:blip r:embed="rId3">
+            <a:extLst>
+              <a:ext uri="{28A0092B-C50C-407E-A947-70E740481C1C}">
+                <a14:useLocalDpi xmlns:a14="http://schemas.microsoft.com/office/drawing/2010/main" val="0"/>
+              </a:ext>
+            </a:extLst>
+          </a:blip>
+          <a:stretch>
+            <a:fillRect/>
+          </a:stretch>
+        </p:blipFill>
+        <p:spPr>
+          <a:xfrm>
+            <a:off x="7671487" y="2334741"/>
+            <a:ext cx="4292706" cy="2921000"/>
+          </a:xfrm>
+        </p:spPr>
+      </p:pic>
+      <p:pic>
+        <p:nvPicPr>
+          <p:cNvPr id="6" name="Picture 5"/>
+          <p:cNvPicPr>
+            <a:picLocks noChangeAspect="1"/>
+          </p:cNvPicPr>
+          <p:nvPr/>
+        </p:nvPicPr>
+        <p:blipFill>
+          <a:blip r:embed="rId4"/>
+          <a:stretch>
+            <a:fillRect/>
+          </a:stretch>
+        </p:blipFill>
+        <p:spPr>
+          <a:xfrm>
+            <a:off x="685801" y="2334742"/>
+            <a:ext cx="2231811" cy="2921000"/>
+          </a:xfrm>
+          <a:prstGeom prst="rect">
+            <a:avLst/>
+          </a:prstGeom>
         </p:spPr>
       </p:pic>
     </p:spTree>
     <p:extLst>
       <p:ext uri="{BB962C8B-B14F-4D97-AF65-F5344CB8AC3E}">
-        <p14:creationId xmlns:p14="http://schemas.microsoft.com/office/powerpoint/2010/main" val="620566112"/>
+        <p14:creationId xmlns:p14="http://schemas.microsoft.com/office/powerpoint/2010/main" val="2714546464"/>
       </p:ext>
     </p:extLst>
   </p:cSld>
@@ -6362,7 +6351,136 @@
   <p:timing>
     <p:tnLst>
       <p:par>
-        <p:cTn id="1" dur="indefinite" restart="never" nodeType="tmRoot"/>
+        <p:cTn id="1" dur="indefinite" restart="never" nodeType="tmRoot">
+          <p:childTnLst>
+            <p:seq concurrent="1" nextAc="seek">
+              <p:cTn id="2" dur="indefinite" nodeType="mainSeq">
+                <p:childTnLst>
+                  <p:par>
+                    <p:cTn id="3" fill="hold">
+                      <p:stCondLst>
+                        <p:cond delay="indefinite"/>
+                      </p:stCondLst>
+                      <p:childTnLst>
+                        <p:par>
+                          <p:cTn id="4" fill="hold">
+                            <p:stCondLst>
+                              <p:cond delay="0"/>
+                            </p:stCondLst>
+                            <p:childTnLst>
+                              <p:par>
+                                <p:cTn id="5" presetID="10" presetClass="entr" presetSubtype="0" fill="hold" nodeType="clickEffect">
+                                  <p:stCondLst>
+                                    <p:cond delay="0"/>
+                                  </p:stCondLst>
+                                  <p:childTnLst>
+                                    <p:set>
+                                      <p:cBhvr>
+                                        <p:cTn id="6" dur="1" fill="hold">
+                                          <p:stCondLst>
+                                            <p:cond delay="0"/>
+                                          </p:stCondLst>
+                                        </p:cTn>
+                                        <p:tgtEl>
+                                          <p:spTgt spid="7"/>
+                                        </p:tgtEl>
+                                        <p:attrNameLst>
+                                          <p:attrName>style.visibility</p:attrName>
+                                        </p:attrNameLst>
+                                      </p:cBhvr>
+                                      <p:to>
+                                        <p:strVal val="visible"/>
+                                      </p:to>
+                                    </p:set>
+                                    <p:animEffect transition="in" filter="fade">
+                                      <p:cBhvr>
+                                        <p:cTn id="7" dur="500"/>
+                                        <p:tgtEl>
+                                          <p:spTgt spid="7"/>
+                                        </p:tgtEl>
+                                      </p:cBhvr>
+                                    </p:animEffect>
+                                  </p:childTnLst>
+                                </p:cTn>
+                              </p:par>
+                            </p:childTnLst>
+                          </p:cTn>
+                        </p:par>
+                      </p:childTnLst>
+                    </p:cTn>
+                  </p:par>
+                  <p:par>
+                    <p:cTn id="8" fill="hold">
+                      <p:stCondLst>
+                        <p:cond delay="indefinite"/>
+                      </p:stCondLst>
+                      <p:childTnLst>
+                        <p:par>
+                          <p:cTn id="9" fill="hold">
+                            <p:stCondLst>
+                              <p:cond delay="0"/>
+                            </p:stCondLst>
+                            <p:childTnLst>
+                              <p:par>
+                                <p:cTn id="10" presetID="10" presetClass="entr" presetSubtype="0" fill="hold" nodeType="clickEffect">
+                                  <p:stCondLst>
+                                    <p:cond delay="0"/>
+                                  </p:stCondLst>
+                                  <p:childTnLst>
+                                    <p:set>
+                                      <p:cBhvr>
+                                        <p:cTn id="11" dur="1" fill="hold">
+                                          <p:stCondLst>
+                                            <p:cond delay="0"/>
+                                          </p:stCondLst>
+                                        </p:cTn>
+                                        <p:tgtEl>
+                                          <p:spTgt spid="4"/>
+                                        </p:tgtEl>
+                                        <p:attrNameLst>
+                                          <p:attrName>style.visibility</p:attrName>
+                                        </p:attrNameLst>
+                                      </p:cBhvr>
+                                      <p:to>
+                                        <p:strVal val="visible"/>
+                                      </p:to>
+                                    </p:set>
+                                    <p:animEffect transition="in" filter="fade">
+                                      <p:cBhvr>
+                                        <p:cTn id="12" dur="500"/>
+                                        <p:tgtEl>
+                                          <p:spTgt spid="4"/>
+                                        </p:tgtEl>
+                                      </p:cBhvr>
+                                    </p:animEffect>
+                                  </p:childTnLst>
+                                </p:cTn>
+                              </p:par>
+                            </p:childTnLst>
+                          </p:cTn>
+                        </p:par>
+                      </p:childTnLst>
+                    </p:cTn>
+                  </p:par>
+                </p:childTnLst>
+              </p:cTn>
+              <p:prevCondLst>
+                <p:cond evt="onPrev" delay="0">
+                  <p:tgtEl>
+                    <p:sldTgt/>
+                  </p:tgtEl>
+                </p:cond>
+              </p:prevCondLst>
+              <p:nextCondLst>
+                <p:cond evt="onNext" delay="0">
+                  <p:tgtEl>
+                    <p:sldTgt/>
+                  </p:tgtEl>
+                </p:cond>
+              </p:nextCondLst>
+            </p:seq>
+          </p:childTnLst>
+        </p:cTn>
       </p:par>
     </p:tnLst>
   </p:timing>
@@ -6417,82 +6535,6 @@
           </a:p>
         </p:txBody>
       </p:sp>
-      <p:sp>
-        <p:nvSpPr>
-          <p:cNvPr id="3" name="Text Placeholder 2"/>
-          <p:cNvSpPr>
-            <a:spLocks noGrp="1"/>
-          </p:cNvSpPr>
-          <p:nvPr>
-            <p:ph type="body" idx="1"/>
-          </p:nvPr>
-        </p:nvSpPr>
-        <p:spPr/>
-        <p:txBody>
-          <a:bodyPr/>
-          <a:lstStyle/>
-          <a:p>
-            <a:endParaRPr lang="en-US"/>
-          </a:p>
-        </p:txBody>
-      </p:sp>
-      <p:sp>
-        <p:nvSpPr>
-          <p:cNvPr id="4" name="Content Placeholder 3"/>
-          <p:cNvSpPr>
-            <a:spLocks noGrp="1"/>
-          </p:cNvSpPr>
-          <p:nvPr>
-            <p:ph sz="half" idx="2"/>
-          </p:nvPr>
-        </p:nvSpPr>
-        <p:spPr/>
-        <p:txBody>
-          <a:bodyPr/>
-          <a:lstStyle/>
-          <a:p>
-            <a:endParaRPr lang="en-US"/>
-          </a:p>
-        </p:txBody>
-      </p:sp>
-      <p:sp>
-        <p:nvSpPr>
-          <p:cNvPr id="5" name="Text Placeholder 4"/>
-          <p:cNvSpPr>
-            <a:spLocks noGrp="1"/>
-          </p:cNvSpPr>
-          <p:nvPr>
-            <p:ph type="body" sz="quarter" idx="3"/>
-          </p:nvPr>
-        </p:nvSpPr>
-        <p:spPr/>
-        <p:txBody>
-          <a:bodyPr/>
-          <a:lstStyle/>
-          <a:p>
-            <a:endParaRPr lang="en-US"/>
-          </a:p>
-        </p:txBody>
-      </p:sp>
-      <p:sp>
-        <p:nvSpPr>
-          <p:cNvPr id="6" name="Content Placeholder 5"/>
-          <p:cNvSpPr>
-            <a:spLocks noGrp="1"/>
-          </p:cNvSpPr>
-          <p:nvPr>
-            <p:ph sz="quarter" idx="4"/>
-          </p:nvPr>
-        </p:nvSpPr>
-        <p:spPr/>
-        <p:txBody>
-          <a:bodyPr/>
-          <a:lstStyle/>
-          <a:p>
-            <a:endParaRPr lang="en-US" dirty="0"/>
-          </a:p>
-        </p:txBody>
-      </p:sp>
       <p:pic>
         <p:nvPicPr>
           <p:cNvPr id="7" name="Picture 6"/>
@@ -6507,7 +6549,7 @@
         </p:blipFill>
         <p:spPr>
           <a:xfrm>
-            <a:off x="1760274" y="3081595"/>
+            <a:off x="685801" y="2065867"/>
             <a:ext cx="2847975" cy="2276475"/>
           </a:xfrm>
           <a:prstGeom prst="rect">
@@ -6528,7 +6570,83 @@
   <p:timing>
     <p:tnLst>
       <p:par>
-        <p:cTn id="1" dur="indefinite" restart="never" nodeType="tmRoot"/>
+        <p:cTn id="1" dur="indefinite" restart="never" nodeType="tmRoot">
+          <p:childTnLst>
+            <p:seq concurrent="1" nextAc="seek">
+              <p:cTn id="2" dur="indefinite" nodeType="mainSeq">
+                <p:childTnLst>
+                  <p:par>
+                    <p:cTn id="3" fill="hold">
+                      <p:stCondLst>
+                        <p:cond delay="indefinite"/>
+                      </p:stCondLst>
+                      <p:childTnLst>
+                        <p:par>
+                          <p:cTn id="4" fill="hold">
+                            <p:stCondLst>
+                              <p:cond delay="0"/>
+                            </p:stCondLst>
+                            <p:childTnLst>
+                              <p:par>
+                                <p:cTn id="5" presetID="10" presetClass="entr" presetSubtype="0" fill="hold" nodeType="clickEffect">
+                                  <p:stCondLst>
+                                    <p:cond delay="0"/>
+                                  </p:stCondLst>
+                                  <p:childTnLst>
+                                    <p:set>
+                                      <p:cBhvr>
+                                        <p:cTn id="6" dur="1" fill="hold">
+                                          <p:stCondLst>
+                                            <p:cond delay="0"/>
+                                          </p:stCondLst>
+                                        </p:cTn>
+                                        <p:tgtEl>
+                                          <p:spTgt spid="7"/>
+                                        </p:tgtEl>
+                                        <p:attrNameLst>
+                                          <p:attrName>style.visibility</p:attrName>
+                                        </p:attrNameLst>
+                                      </p:cBhvr>
+                                      <p:to>
+                                        <p:strVal val="visible"/>
+                                      </p:to>
+                                    </p:set>
+                                    <p:animEffect transition="in" filter="fade">
+                                      <p:cBhvr>
+                                        <p:cTn id="7" dur="500"/>
+                                        <p:tgtEl>
+                                          <p:spTgt spid="7"/>
+                                        </p:tgtEl>
+                                      </p:cBhvr>
+                                    </p:animEffect>
+                                  </p:childTnLst>
+                                </p:cTn>
+                              </p:par>
+                            </p:childTnLst>
+                          </p:cTn>
+                        </p:par>
+                      </p:childTnLst>
+                    </p:cTn>
+                  </p:par>
+                </p:childTnLst>
+              </p:cTn>
+              <p:prevCondLst>
+                <p:cond evt="onPrev" delay="0">
+                  <p:tgtEl>
+                    <p:sldTgt/>
+                  </p:tgtEl>
+                </p:cond>
+              </p:prevCondLst>
+              <p:nextCondLst>
+                <p:cond evt="onNext" delay="0">
+                  <p:tgtEl>
+                    <p:sldTgt/>
+                  </p:tgtEl>
+                </p:cond>
+              </p:nextCondLst>
+            </p:seq>
+          </p:childTnLst>
+        </p:cTn>
       </p:par>
     </p:tnLst>
   </p:timing>
@@ -6583,25 +6701,6 @@
           </a:p>
         </p:txBody>
       </p:sp>
-      <p:sp>
-        <p:nvSpPr>
-          <p:cNvPr id="3" name="Text Placeholder 2"/>
-          <p:cNvSpPr>
-            <a:spLocks noGrp="1"/>
-          </p:cNvSpPr>
-          <p:nvPr>
-            <p:ph type="body" idx="1"/>
-          </p:nvPr>
-        </p:nvSpPr>
-        <p:spPr/>
-        <p:txBody>
-          <a:bodyPr/>
-          <a:lstStyle/>
-          <a:p>
-            <a:endParaRPr lang="en-US"/>
-          </a:p>
-        </p:txBody>
-      </p:sp>
       <p:pic>
         <p:nvPicPr>
           <p:cNvPr id="7" name="Content Placeholder 6"/>
@@ -6628,44 +6727,6 @@
           </a:prstGeom>
         </p:spPr>
       </p:pic>
-      <p:sp>
-        <p:nvSpPr>
-          <p:cNvPr id="5" name="Text Placeholder 4"/>
-          <p:cNvSpPr>
-            <a:spLocks noGrp="1"/>
-          </p:cNvSpPr>
-          <p:nvPr>
-            <p:ph type="body" sz="quarter" idx="3"/>
-          </p:nvPr>
-        </p:nvSpPr>
-        <p:spPr/>
-        <p:txBody>
-          <a:bodyPr/>
-          <a:lstStyle/>
-          <a:p>
-            <a:endParaRPr lang="en-US"/>
-          </a:p>
-        </p:txBody>
-      </p:sp>
-      <p:sp>
-        <p:nvSpPr>
-          <p:cNvPr id="6" name="Content Placeholder 5"/>
-          <p:cNvSpPr>
-            <a:spLocks noGrp="1"/>
-          </p:cNvSpPr>
-          <p:nvPr>
-            <p:ph sz="quarter" idx="4"/>
-          </p:nvPr>
-        </p:nvSpPr>
-        <p:spPr/>
-        <p:txBody>
-          <a:bodyPr/>
-          <a:lstStyle/>
-          <a:p>
-            <a:endParaRPr lang="en-US"/>
-          </a:p>
-        </p:txBody>
-      </p:sp>
       <p:pic>
         <p:nvPicPr>
           <p:cNvPr id="8" name="Picture 7"/>
@@ -6782,82 +6843,6 @@
           </a:p>
         </p:txBody>
       </p:sp>
-      <p:sp>
-        <p:nvSpPr>
-          <p:cNvPr id="3" name="Text Placeholder 2"/>
-          <p:cNvSpPr>
-            <a:spLocks noGrp="1"/>
-          </p:cNvSpPr>
-          <p:nvPr>
-            <p:ph type="body" idx="1"/>
-          </p:nvPr>
-        </p:nvSpPr>
-        <p:spPr/>
-        <p:txBody>
-          <a:bodyPr/>
-          <a:lstStyle/>
-          <a:p>
-            <a:endParaRPr lang="en-US"/>
-          </a:p>
-        </p:txBody>
-      </p:sp>
-      <p:sp>
-        <p:nvSpPr>
-          <p:cNvPr id="4" name="Content Placeholder 3"/>
-          <p:cNvSpPr>
-            <a:spLocks noGrp="1"/>
-          </p:cNvSpPr>
-          <p:nvPr>
-            <p:ph sz="half" idx="2"/>
-          </p:nvPr>
-        </p:nvSpPr>
-        <p:spPr/>
-        <p:txBody>
-          <a:bodyPr/>
-          <a:lstStyle/>
-          <a:p>
-            <a:endParaRPr lang="en-US" dirty="0"/>
-          </a:p>
-        </p:txBody>
-      </p:sp>
-      <p:sp>
-        <p:nvSpPr>
-          <p:cNvPr id="5" name="Text Placeholder 4"/>
-          <p:cNvSpPr>
-            <a:spLocks noGrp="1"/>
-          </p:cNvSpPr>
-          <p:nvPr>
-            <p:ph type="body" sz="quarter" idx="3"/>
-          </p:nvPr>
-        </p:nvSpPr>
-        <p:spPr/>
-        <p:txBody>
-          <a:bodyPr/>
-          <a:lstStyle/>
-          <a:p>
-            <a:endParaRPr lang="en-US" dirty="0"/>
-          </a:p>
-        </p:txBody>
-      </p:sp>
-      <p:sp>
-        <p:nvSpPr>
-          <p:cNvPr id="6" name="Content Placeholder 5"/>
-          <p:cNvSpPr>
-            <a:spLocks noGrp="1"/>
-          </p:cNvSpPr>
-          <p:nvPr>
-            <p:ph sz="quarter" idx="4"/>
-          </p:nvPr>
-        </p:nvSpPr>
-        <p:spPr/>
-        <p:txBody>
-          <a:bodyPr/>
-          <a:lstStyle/>
-          <a:p>
-            <a:endParaRPr lang="en-US" dirty="0"/>
-          </a:p>
-        </p:txBody>
-      </p:sp>
       <p:pic>
         <p:nvPicPr>
           <p:cNvPr id="7" name="Picture 6"/>
@@ -6874,7 +6859,7 @@
         </p:blipFill>
         <p:spPr>
           <a:xfrm>
-            <a:off x="4615249" y="2788716"/>
+            <a:off x="7493916" y="2517782"/>
             <a:ext cx="3150206" cy="2935280"/>
           </a:xfrm>
           <a:prstGeom prst="rect">
@@ -6898,7 +6883,7 @@
         </p:blipFill>
         <p:spPr>
           <a:xfrm>
-            <a:off x="1359162" y="2788716"/>
+            <a:off x="2636185" y="2517782"/>
             <a:ext cx="3115328" cy="2921000"/>
           </a:xfrm>
           <a:prstGeom prst="rect">
@@ -6960,21 +6945,227 @@
           <a:p>
             <a:pPr algn="ctr"/>
             <a:r>
+              <a:rPr lang="en-US" dirty="0" err="1"/>
+              <a:t>Պատկերների</a:t>
+            </a:r>
+            <a:r>
+              <a:rPr lang="en-US" dirty="0"/>
+              <a:t> </a:t>
+            </a:r>
+            <a:r>
+              <a:rPr lang="en-US" dirty="0" err="1"/>
+              <a:t>ձևափոխում</a:t>
+            </a:r>
+            <a:r>
+              <a:rPr lang="en-US" dirty="0"/>
+              <a:t/>
+            </a:r>
+            <a:br>
+              <a:rPr lang="en-US" dirty="0"/>
+            </a:br>
+            <a:r>
+              <a:rPr lang="hy-AM" dirty="0"/>
+              <a:t>Հոուֆ</a:t>
+            </a:r>
+            <a:r>
+              <a:rPr lang="en-US" dirty="0" smtClean="0"/>
+              <a:t>(Hough)-</a:t>
+            </a:r>
+            <a:r>
               <a:rPr lang="hy-AM" dirty="0" smtClean="0"/>
-              <a:t>Օբյեկտների հԱյտնաբերումը</a:t>
+              <a:t>ի գծերի հայտնաբերում</a:t>
             </a:r>
             <a:endParaRPr lang="en-US" dirty="0"/>
           </a:p>
         </p:txBody>
       </p:sp>
+      <p:pic>
+        <p:nvPicPr>
+          <p:cNvPr id="7" name="Content Placeholder 6"/>
+          <p:cNvPicPr>
+            <a:picLocks noGrp="1" noChangeAspect="1"/>
+          </p:cNvPicPr>
+          <p:nvPr>
+            <p:ph sz="half" idx="2"/>
+          </p:nvPr>
+        </p:nvPicPr>
+        <p:blipFill>
+          <a:blip r:embed="rId2"/>
+          <a:stretch>
+            <a:fillRect/>
+          </a:stretch>
+        </p:blipFill>
+        <p:spPr>
+          <a:xfrm>
+            <a:off x="1331913" y="2503567"/>
+            <a:ext cx="8839200" cy="2929269"/>
+          </a:xfrm>
+          <a:prstGeom prst="rect">
+            <a:avLst/>
+          </a:prstGeom>
+        </p:spPr>
+      </p:pic>
+    </p:spTree>
+    <p:extLst>
+      <p:ext uri="{BB962C8B-B14F-4D97-AF65-F5344CB8AC3E}">
+        <p14:creationId xmlns:p14="http://schemas.microsoft.com/office/powerpoint/2010/main" val="234726359"/>
+      </p:ext>
+    </p:extLst>
+  </p:cSld>
+  <p:clrMapOvr>
+    <a:masterClrMapping/>
+  </p:clrMapOvr>
+  <p:timing>
+    <p:tnLst>
+      <p:par>
+        <p:cTn id="1" dur="indefinite" restart="never" nodeType="tmRoot"/>
+      </p:par>
+    </p:tnLst>
+  </p:timing>
+</p:sld>
+</file>
+
+<file path=ppt/slides/slide15.xml><?xml version="1.0" encoding="utf-8"?>
+<p:sld xmlns:a="http://schemas.openxmlformats.org/drawingml/2006/main" xmlns:r="http://schemas.openxmlformats.org/officeDocument/2006/relationships" xmlns:p="http://schemas.openxmlformats.org/presentationml/2006/main">
+  <p:cSld>
+    <p:spTree>
+      <p:nvGrpSpPr>
+        <p:cNvPr id="1" name=""/>
+        <p:cNvGrpSpPr/>
+        <p:nvPr/>
+      </p:nvGrpSpPr>
+      <p:grpSpPr>
+        <a:xfrm>
+          <a:off x="0" y="0"/>
+          <a:ext cx="0" cy="0"/>
+          <a:chOff x="0" y="0"/>
+          <a:chExt cx="0" cy="0"/>
+        </a:xfrm>
+      </p:grpSpPr>
       <p:sp>
         <p:nvSpPr>
-          <p:cNvPr id="3" name="Text Placeholder 2"/>
+          <p:cNvPr id="2" name="Title 1"/>
           <p:cNvSpPr>
             <a:spLocks noGrp="1"/>
           </p:cNvSpPr>
           <p:nvPr>
-            <p:ph type="body" idx="1"/>
+            <p:ph type="title"/>
+          </p:nvPr>
+        </p:nvSpPr>
+        <p:spPr/>
+        <p:txBody>
+          <a:bodyPr>
+            <a:normAutofit fontScale="90000"/>
+          </a:bodyPr>
+          <a:lstStyle/>
+          <a:p>
+            <a:pPr algn="ctr"/>
+            <a:r>
+              <a:rPr lang="en-US" dirty="0" err="1"/>
+              <a:t>Պատկերների</a:t>
+            </a:r>
+            <a:r>
+              <a:rPr lang="en-US" dirty="0"/>
+              <a:t> </a:t>
+            </a:r>
+            <a:r>
+              <a:rPr lang="en-US" dirty="0" err="1" smtClean="0"/>
+              <a:t>ձևափոխում</a:t>
+            </a:r>
+            <a:r>
+              <a:rPr lang="en-US" dirty="0" smtClean="0"/>
+              <a:t/>
+            </a:r>
+            <a:br>
+              <a:rPr lang="en-US" dirty="0" smtClean="0"/>
+            </a:br>
+            <a:r>
+              <a:rPr lang="hy-AM" dirty="0" smtClean="0"/>
+              <a:t>Հոուֆ</a:t>
+            </a:r>
+            <a:r>
+              <a:rPr lang="en-US" dirty="0" smtClean="0"/>
+              <a:t>(Hough)</a:t>
+            </a:r>
+            <a:r>
+              <a:rPr lang="hy-AM" dirty="0" smtClean="0"/>
+              <a:t> շրջանների հայտնաբերում</a:t>
+            </a:r>
+            <a:endParaRPr lang="en-US" dirty="0"/>
+          </a:p>
+        </p:txBody>
+      </p:sp>
+      <p:pic>
+        <p:nvPicPr>
+          <p:cNvPr id="9" name="Content Placeholder 8"/>
+          <p:cNvPicPr>
+            <a:picLocks noGrp="1" noChangeAspect="1"/>
+          </p:cNvPicPr>
+          <p:nvPr>
+            <p:ph sz="half" idx="2"/>
+          </p:nvPr>
+        </p:nvPicPr>
+        <p:blipFill>
+          <a:blip r:embed="rId2"/>
+          <a:stretch>
+            <a:fillRect/>
+          </a:stretch>
+        </p:blipFill>
+        <p:spPr>
+          <a:xfrm>
+            <a:off x="868471" y="2065867"/>
+            <a:ext cx="5353720" cy="3782483"/>
+          </a:xfrm>
+          <a:prstGeom prst="rect">
+            <a:avLst/>
+          </a:prstGeom>
+        </p:spPr>
+      </p:pic>
+    </p:spTree>
+    <p:extLst>
+      <p:ext uri="{BB962C8B-B14F-4D97-AF65-F5344CB8AC3E}">
+        <p14:creationId xmlns:p14="http://schemas.microsoft.com/office/powerpoint/2010/main" val="1675570954"/>
+      </p:ext>
+    </p:extLst>
+  </p:cSld>
+  <p:clrMapOvr>
+    <a:masterClrMapping/>
+  </p:clrMapOvr>
+  <p:timing>
+    <p:tnLst>
+      <p:par>
+        <p:cTn id="1" dur="indefinite" restart="never" nodeType="tmRoot"/>
+      </p:par>
+    </p:tnLst>
+  </p:timing>
+</p:sld>
+</file>
+
+<file path=ppt/slides/slide16.xml><?xml version="1.0" encoding="utf-8"?>
+<p:sld xmlns:a="http://schemas.openxmlformats.org/drawingml/2006/main" xmlns:r="http://schemas.openxmlformats.org/officeDocument/2006/relationships" xmlns:p="http://schemas.openxmlformats.org/presentationml/2006/main">
+  <p:cSld>
+    <p:spTree>
+      <p:nvGrpSpPr>
+        <p:cNvPr id="1" name=""/>
+        <p:cNvGrpSpPr/>
+        <p:nvPr/>
+      </p:nvGrpSpPr>
+      <p:grpSpPr>
+        <a:xfrm>
+          <a:off x="0" y="0"/>
+          <a:ext cx="0" cy="0"/>
+          <a:chOff x="0" y="0"/>
+          <a:chExt cx="0" cy="0"/>
+        </a:xfrm>
+      </p:grpSpPr>
+      <p:sp>
+        <p:nvSpPr>
+          <p:cNvPr id="2" name="Title 1"/>
+          <p:cNvSpPr>
+            <a:spLocks noGrp="1"/>
+          </p:cNvSpPr>
+          <p:nvPr>
+            <p:ph type="title"/>
           </p:nvPr>
         </p:nvSpPr>
         <p:spPr/>
@@ -6982,44 +7173,11 @@
           <a:bodyPr/>
           <a:lstStyle/>
           <a:p>
-            <a:endParaRPr lang="en-US"/>
-          </a:p>
-        </p:txBody>
-      </p:sp>
-      <p:sp>
-        <p:nvSpPr>
-          <p:cNvPr id="5" name="Text Placeholder 4"/>
-          <p:cNvSpPr>
-            <a:spLocks noGrp="1"/>
-          </p:cNvSpPr>
-          <p:nvPr>
-            <p:ph type="body" sz="quarter" idx="3"/>
-          </p:nvPr>
-        </p:nvSpPr>
-        <p:spPr/>
-        <p:txBody>
-          <a:bodyPr/>
-          <a:lstStyle/>
-          <a:p>
-            <a:endParaRPr lang="en-US"/>
-          </a:p>
-        </p:txBody>
-      </p:sp>
-      <p:sp>
-        <p:nvSpPr>
-          <p:cNvPr id="6" name="Content Placeholder 5"/>
-          <p:cNvSpPr>
-            <a:spLocks noGrp="1"/>
-          </p:cNvSpPr>
-          <p:nvPr>
-            <p:ph sz="quarter" idx="4"/>
-          </p:nvPr>
-        </p:nvSpPr>
-        <p:spPr/>
-        <p:txBody>
-          <a:bodyPr/>
-          <a:lstStyle/>
-          <a:p>
+            <a:pPr algn="ctr"/>
+            <a:r>
+              <a:rPr lang="hy-AM" dirty="0" smtClean="0"/>
+              <a:t>Օբյեկտների հԱյտնաբերումը</a:t>
+            </a:r>
             <a:endParaRPr lang="en-US" dirty="0"/>
           </a:p>
         </p:txBody>
@@ -7055,35 +7213,35 @@
                     <a:gridCol w="999490">
                       <a:extLst>
                         <a:ext uri="{9D8B030D-6E8A-4147-A177-3AD203B41FA5}">
-                          <a16:colId xmlns="" xmlns:a16="http://schemas.microsoft.com/office/drawing/2014/main" val="1216725777"/>
+                          <a16:colId xmlns:a16="http://schemas.microsoft.com/office/drawing/2014/main" val="1216725777"/>
                         </a:ext>
                       </a:extLst>
                     </a:gridCol>
                     <a:gridCol w="999490">
                       <a:extLst>
                         <a:ext uri="{9D8B030D-6E8A-4147-A177-3AD203B41FA5}">
-                          <a16:colId xmlns="" xmlns:a16="http://schemas.microsoft.com/office/drawing/2014/main" val="1506238522"/>
+                          <a16:colId xmlns:a16="http://schemas.microsoft.com/office/drawing/2014/main" val="1506238522"/>
                         </a:ext>
                       </a:extLst>
                     </a:gridCol>
                     <a:gridCol w="999490">
                       <a:extLst>
                         <a:ext uri="{9D8B030D-6E8A-4147-A177-3AD203B41FA5}">
-                          <a16:colId xmlns="" xmlns:a16="http://schemas.microsoft.com/office/drawing/2014/main" val="2836820485"/>
+                          <a16:colId xmlns:a16="http://schemas.microsoft.com/office/drawing/2014/main" val="2836820485"/>
                         </a:ext>
                       </a:extLst>
                     </a:gridCol>
                     <a:gridCol w="999490">
                       <a:extLst>
                         <a:ext uri="{9D8B030D-6E8A-4147-A177-3AD203B41FA5}">
-                          <a16:colId xmlns="" xmlns:a16="http://schemas.microsoft.com/office/drawing/2014/main" val="1651784423"/>
+                          <a16:colId xmlns:a16="http://schemas.microsoft.com/office/drawing/2014/main" val="1651784423"/>
                         </a:ext>
                       </a:extLst>
                     </a:gridCol>
                     <a:gridCol w="999490">
                       <a:extLst>
                         <a:ext uri="{9D8B030D-6E8A-4147-A177-3AD203B41FA5}">
-                          <a16:colId xmlns="" xmlns:a16="http://schemas.microsoft.com/office/drawing/2014/main" val="1257235431"/>
+                          <a16:colId xmlns:a16="http://schemas.microsoft.com/office/drawing/2014/main" val="1257235431"/>
                         </a:ext>
                       </a:extLst>
                     </a:gridCol>
@@ -7106,12 +7264,12 @@
                             </a:spcAft>
                           </a:pPr>
                           <a:r>
-                            <a:rPr lang="en-US" sz="1000">
+                            <a:rPr lang="en-US" sz="1000" dirty="0" err="1">
                               <a:effectLst/>
                             </a:rPr>
                             <a:t>Անուն</a:t>
                           </a:r>
-                          <a:endParaRPr lang="en-US" sz="900">
+                          <a:endParaRPr lang="en-US" sz="900" dirty="0">
                             <a:solidFill>
                               <a:srgbClr val="00000A"/>
                             </a:solidFill>
@@ -7404,7 +7562,7 @@
                     </a:tc>
                     <a:extLst>
                       <a:ext uri="{0D108BD9-81ED-4DB2-BD59-A6C34878D82A}">
-                        <a16:rowId xmlns="" xmlns:a16="http://schemas.microsoft.com/office/drawing/2014/main" val="1324942624"/>
+                        <a16:rowId xmlns:a16="http://schemas.microsoft.com/office/drawing/2014/main" val="1324942624"/>
                       </a:ext>
                     </a:extLst>
                   </a:tr>
@@ -7426,12 +7584,12 @@
                             </a:spcAft>
                           </a:pPr>
                           <a:r>
-                            <a:rPr lang="hy-AM" sz="1000">
+                            <a:rPr lang="hy-AM" sz="1000" dirty="0">
                               <a:effectLst/>
                             </a:rPr>
                             <a:t>Աննա</a:t>
                           </a:r>
-                          <a:endParaRPr lang="en-US" sz="900">
+                          <a:endParaRPr lang="en-US" sz="900" dirty="0">
                             <a:solidFill>
                               <a:srgbClr val="00000A"/>
                             </a:solidFill>
@@ -7496,12 +7654,12 @@
                             </a:spcAft>
                           </a:pPr>
                           <a:r>
-                            <a:rPr lang="hy-AM" sz="1000">
+                            <a:rPr lang="hy-AM" sz="1000" dirty="0">
                               <a:effectLst/>
                             </a:rPr>
                             <a:t>Երկար</a:t>
                           </a:r>
-                          <a:endParaRPr lang="en-US" sz="900">
+                          <a:endParaRPr lang="en-US" sz="900" dirty="0">
                             <a:solidFill>
                               <a:srgbClr val="00000A"/>
                             </a:solidFill>
@@ -7592,7 +7750,7 @@
                     </a:tc>
                     <a:extLst>
                       <a:ext uri="{0D108BD9-81ED-4DB2-BD59-A6C34878D82A}">
-                        <a16:rowId xmlns="" xmlns:a16="http://schemas.microsoft.com/office/drawing/2014/main" val="2491110305"/>
+                        <a16:rowId xmlns:a16="http://schemas.microsoft.com/office/drawing/2014/main" val="2491110305"/>
                       </a:ext>
                     </a:extLst>
                   </a:tr>
@@ -7649,12 +7807,12 @@
                             </a:spcAft>
                           </a:pPr>
                           <a:r>
-                            <a:rPr lang="en-US" sz="1000">
+                            <a:rPr lang="en-US" sz="1000" dirty="0">
                               <a:effectLst/>
                             </a:rPr>
                             <a:t>1.75</a:t>
                           </a:r>
-                          <a:endParaRPr lang="en-US" sz="900">
+                          <a:endParaRPr lang="en-US" sz="900" dirty="0">
                             <a:solidFill>
                               <a:srgbClr val="00000A"/>
                             </a:solidFill>
@@ -7780,7 +7938,7 @@
                     </a:tc>
                     <a:extLst>
                       <a:ext uri="{0D108BD9-81ED-4DB2-BD59-A6C34878D82A}">
-                        <a16:rowId xmlns="" xmlns:a16="http://schemas.microsoft.com/office/drawing/2014/main" val="1031351399"/>
+                        <a16:rowId xmlns:a16="http://schemas.microsoft.com/office/drawing/2014/main" val="1031351399"/>
                       </a:ext>
                     </a:extLst>
                   </a:tr>
@@ -7968,7 +8126,7 @@
                     </a:tc>
                     <a:extLst>
                       <a:ext uri="{0D108BD9-81ED-4DB2-BD59-A6C34878D82A}">
-                        <a16:rowId xmlns="" xmlns:a16="http://schemas.microsoft.com/office/drawing/2014/main" val="1041437350"/>
+                        <a16:rowId xmlns:a16="http://schemas.microsoft.com/office/drawing/2014/main" val="1041437350"/>
                       </a:ext>
                     </a:extLst>
                   </a:tr>
@@ -8150,7 +8308,7 @@
                     </a:tc>
                     <a:extLst>
                       <a:ext uri="{0D108BD9-81ED-4DB2-BD59-A6C34878D82A}">
-                        <a16:rowId xmlns="" xmlns:a16="http://schemas.microsoft.com/office/drawing/2014/main" val="2051532882"/>
+                        <a16:rowId xmlns:a16="http://schemas.microsoft.com/office/drawing/2014/main" val="2051532882"/>
                       </a:ext>
                     </a:extLst>
                   </a:tr>
@@ -8338,7 +8496,7 @@
                     </a:tc>
                     <a:extLst>
                       <a:ext uri="{0D108BD9-81ED-4DB2-BD59-A6C34878D82A}">
-                        <a16:rowId xmlns="" xmlns:a16="http://schemas.microsoft.com/office/drawing/2014/main" val="4146497862"/>
+                        <a16:rowId xmlns:a16="http://schemas.microsoft.com/office/drawing/2014/main" val="4146497862"/>
                       </a:ext>
                     </a:extLst>
                   </a:tr>
@@ -8429,7 +8587,7 @@
                     </a:tc>
                     <a:extLst>
                       <a:ext uri="{0D108BD9-81ED-4DB2-BD59-A6C34878D82A}">
-                        <a16:rowId xmlns="" xmlns:a16="http://schemas.microsoft.com/office/drawing/2014/main" val="766546503"/>
+                        <a16:rowId xmlns:a16="http://schemas.microsoft.com/office/drawing/2014/main" val="766546503"/>
                       </a:ext>
                     </a:extLst>
                   </a:tr>
@@ -9686,7 +9844,7 @@
 </p:sld>
 </file>
 
-<file path=ppt/slides/slide15.xml><?xml version="1.0" encoding="utf-8"?>
+<file path=ppt/slides/slide17.xml><?xml version="1.0" encoding="utf-8"?>
 <p:sld xmlns:a="http://schemas.openxmlformats.org/drawingml/2006/main" xmlns:r="http://schemas.openxmlformats.org/officeDocument/2006/relationships" xmlns:p="http://schemas.openxmlformats.org/presentationml/2006/main">
   <p:cSld>
     <p:spTree>
@@ -9747,82 +9905,32 @@
           </a:p>
         </p:txBody>
       </p:sp>
-      <p:sp>
-        <p:nvSpPr>
-          <p:cNvPr id="3" name="Text Placeholder 2"/>
-          <p:cNvSpPr>
-            <a:spLocks noGrp="1"/>
-          </p:cNvSpPr>
-          <p:nvPr>
-            <p:ph type="body" idx="1"/>
-          </p:nvPr>
-        </p:nvSpPr>
-        <p:spPr/>
-        <p:txBody>
-          <a:bodyPr/>
-          <a:lstStyle/>
-          <a:p>
-            <a:endParaRPr lang="en-US"/>
-          </a:p>
-        </p:txBody>
-      </p:sp>
-      <p:sp>
-        <p:nvSpPr>
-          <p:cNvPr id="4" name="Content Placeholder 3"/>
-          <p:cNvSpPr>
-            <a:spLocks noGrp="1"/>
-          </p:cNvSpPr>
+      <p:pic>
+        <p:nvPicPr>
+          <p:cNvPr id="5" name="Content Placeholder 4"/>
+          <p:cNvPicPr>
+            <a:picLocks noGrp="1"/>
+          </p:cNvPicPr>
           <p:nvPr>
             <p:ph sz="half" idx="2"/>
           </p:nvPr>
-        </p:nvSpPr>
-        <p:spPr/>
-        <p:txBody>
-          <a:bodyPr/>
-          <a:lstStyle/>
-          <a:p>
-            <a:endParaRPr lang="en-US"/>
-          </a:p>
-        </p:txBody>
-      </p:sp>
-      <p:sp>
-        <p:nvSpPr>
-          <p:cNvPr id="5" name="Text Placeholder 4"/>
-          <p:cNvSpPr>
-            <a:spLocks noGrp="1"/>
-          </p:cNvSpPr>
-          <p:nvPr>
-            <p:ph type="body" sz="quarter" idx="3"/>
-          </p:nvPr>
-        </p:nvSpPr>
-        <p:spPr/>
-        <p:txBody>
-          <a:bodyPr/>
-          <a:lstStyle/>
-          <a:p>
-            <a:endParaRPr lang="en-US"/>
-          </a:p>
-        </p:txBody>
-      </p:sp>
-      <p:sp>
-        <p:nvSpPr>
-          <p:cNvPr id="6" name="Content Placeholder 5"/>
-          <p:cNvSpPr>
-            <a:spLocks noGrp="1"/>
-          </p:cNvSpPr>
-          <p:nvPr>
-            <p:ph sz="quarter" idx="4"/>
-          </p:nvPr>
-        </p:nvSpPr>
-        <p:spPr/>
-        <p:txBody>
-          <a:bodyPr/>
-          <a:lstStyle/>
-          <a:p>
-            <a:endParaRPr lang="en-US"/>
-          </a:p>
-        </p:txBody>
-      </p:sp>
+        </p:nvPicPr>
+        <p:blipFill>
+          <a:blip r:embed="rId2"/>
+          <a:stretch>
+            <a:fillRect/>
+          </a:stretch>
+        </p:blipFill>
+        <p:spPr>
+          <a:xfrm>
+            <a:off x="685799" y="2867891"/>
+            <a:ext cx="10453255" cy="3699163"/>
+          </a:xfrm>
+          <a:prstGeom prst="rect">
+            <a:avLst/>
+          </a:prstGeom>
+        </p:spPr>
+      </p:pic>
     </p:spTree>
     <p:extLst>
       <p:ext uri="{BB962C8B-B14F-4D97-AF65-F5344CB8AC3E}">
@@ -9843,7 +9951,7 @@
 </p:sld>
 </file>
 
-<file path=ppt/slides/slide16.xml><?xml version="1.0" encoding="utf-8"?>
+<file path=ppt/slides/slide18.xml><?xml version="1.0" encoding="utf-8"?>
 <p:sld xmlns:a="http://schemas.openxmlformats.org/drawingml/2006/main" xmlns:r="http://schemas.openxmlformats.org/officeDocument/2006/relationships" xmlns:p="http://schemas.openxmlformats.org/presentationml/2006/main">
   <p:cSld>
     <p:spTree>
@@ -9903,82 +10011,6 @@
               <a:rPr lang="en-US" dirty="0"/>
             </a:br>
             <a:endParaRPr lang="en-US" dirty="0"/>
-          </a:p>
-        </p:txBody>
-      </p:sp>
-      <p:sp>
-        <p:nvSpPr>
-          <p:cNvPr id="3" name="Text Placeholder 2"/>
-          <p:cNvSpPr>
-            <a:spLocks noGrp="1"/>
-          </p:cNvSpPr>
-          <p:nvPr>
-            <p:ph type="body" idx="1"/>
-          </p:nvPr>
-        </p:nvSpPr>
-        <p:spPr/>
-        <p:txBody>
-          <a:bodyPr/>
-          <a:lstStyle/>
-          <a:p>
-            <a:endParaRPr lang="en-US"/>
-          </a:p>
-        </p:txBody>
-      </p:sp>
-      <p:sp>
-        <p:nvSpPr>
-          <p:cNvPr id="5" name="Text Placeholder 4"/>
-          <p:cNvSpPr>
-            <a:spLocks noGrp="1"/>
-          </p:cNvSpPr>
-          <p:nvPr>
-            <p:ph type="body" sz="quarter" idx="3"/>
-          </p:nvPr>
-        </p:nvSpPr>
-        <p:spPr/>
-        <p:txBody>
-          <a:bodyPr/>
-          <a:lstStyle/>
-          <a:p>
-            <a:endParaRPr lang="en-US"/>
-          </a:p>
-        </p:txBody>
-      </p:sp>
-      <p:sp>
-        <p:nvSpPr>
-          <p:cNvPr id="6" name="Content Placeholder 5"/>
-          <p:cNvSpPr>
-            <a:spLocks noGrp="1"/>
-          </p:cNvSpPr>
-          <p:nvPr>
-            <p:ph sz="quarter" idx="4"/>
-          </p:nvPr>
-        </p:nvSpPr>
-        <p:spPr/>
-        <p:txBody>
-          <a:bodyPr/>
-          <a:lstStyle/>
-          <a:p>
-            <a:endParaRPr lang="en-US"/>
-          </a:p>
-        </p:txBody>
-      </p:sp>
-      <p:sp>
-        <p:nvSpPr>
-          <p:cNvPr id="4" name="Content Placeholder 3"/>
-          <p:cNvSpPr>
-            <a:spLocks noGrp="1"/>
-          </p:cNvSpPr>
-          <p:nvPr>
-            <p:ph sz="half" idx="2"/>
-          </p:nvPr>
-        </p:nvSpPr>
-        <p:spPr/>
-        <p:txBody>
-          <a:bodyPr/>
-          <a:lstStyle/>
-          <a:p>
-            <a:endParaRPr lang="en-US"/>
           </a:p>
         </p:txBody>
       </p:sp>
@@ -10005,7 +10037,7 @@
         </p:blipFill>
         <p:spPr bwMode="auto">
           <a:xfrm>
-            <a:off x="685801" y="2065867"/>
+            <a:off x="685801" y="1802257"/>
             <a:ext cx="5137682" cy="4321951"/>
           </a:xfrm>
           <a:prstGeom prst="rect">
@@ -10043,7 +10075,7 @@
 </p:sld>
 </file>
 
-<file path=ppt/slides/slide17.xml><?xml version="1.0" encoding="utf-8"?>
+<file path=ppt/slides/slide19.xml><?xml version="1.0" encoding="utf-8"?>
 <p:sld xmlns:a="http://schemas.openxmlformats.org/drawingml/2006/main" xmlns:r="http://schemas.openxmlformats.org/officeDocument/2006/relationships" xmlns:p="http://schemas.openxmlformats.org/presentationml/2006/main">
   <p:cSld>
     <p:spTree>
@@ -10084,25 +10116,6 @@
           </a:p>
         </p:txBody>
       </p:sp>
-      <p:sp>
-        <p:nvSpPr>
-          <p:cNvPr id="3" name="Text Placeholder 2"/>
-          <p:cNvSpPr>
-            <a:spLocks noGrp="1"/>
-          </p:cNvSpPr>
-          <p:nvPr>
-            <p:ph type="body" idx="1"/>
-          </p:nvPr>
-        </p:nvSpPr>
-        <p:spPr/>
-        <p:txBody>
-          <a:bodyPr/>
-          <a:lstStyle/>
-          <a:p>
-            <a:endParaRPr lang="en-US"/>
-          </a:p>
-        </p:txBody>
-      </p:sp>
       <p:graphicFrame>
         <p:nvGraphicFramePr>
           <p:cNvPr id="7" name="Content Placeholder 6"/>
@@ -10129,9 +10142,27 @@
                 <a:tableStyleId>{5940675A-B579-460E-94D1-54222C63F5DA}</a:tableStyleId>
               </a:tblPr>
               <a:tblGrid>
-                <a:gridCol w="820021"/>
-                <a:gridCol w="820021"/>
-                <a:gridCol w="820872"/>
+                <a:gridCol w="820021">
+                  <a:extLst>
+                    <a:ext uri="{9D8B030D-6E8A-4147-A177-3AD203B41FA5}">
+                      <a16:colId xmlns:a16="http://schemas.microsoft.com/office/drawing/2014/main" val="20000"/>
+                    </a:ext>
+                  </a:extLst>
+                </a:gridCol>
+                <a:gridCol w="820021">
+                  <a:extLst>
+                    <a:ext uri="{9D8B030D-6E8A-4147-A177-3AD203B41FA5}">
+                      <a16:colId xmlns:a16="http://schemas.microsoft.com/office/drawing/2014/main" val="20001"/>
+                    </a:ext>
+                  </a:extLst>
+                </a:gridCol>
+                <a:gridCol w="820872">
+                  <a:extLst>
+                    <a:ext uri="{9D8B030D-6E8A-4147-A177-3AD203B41FA5}">
+                      <a16:colId xmlns:a16="http://schemas.microsoft.com/office/drawing/2014/main" val="20002"/>
+                    </a:ext>
+                  </a:extLst>
+                </a:gridCol>
               </a:tblGrid>
               <a:tr h="543175">
                 <a:tc>
@@ -10230,6 +10261,11 @@
                   </a:txBody>
                   <a:tcPr marL="68580" marR="68580" marT="0" marB="0"/>
                 </a:tc>
+                <a:extLst>
+                  <a:ext uri="{0D108BD9-81ED-4DB2-BD59-A6C34878D82A}">
+                    <a16:rowId xmlns:a16="http://schemas.microsoft.com/office/drawing/2014/main" val="10000"/>
+                  </a:ext>
+                </a:extLst>
               </a:tr>
               <a:tr h="543175">
                 <a:tc>
@@ -10328,6 +10364,11 @@
                   </a:txBody>
                   <a:tcPr marL="68580" marR="68580" marT="0" marB="0"/>
                 </a:tc>
+                <a:extLst>
+                  <a:ext uri="{0D108BD9-81ED-4DB2-BD59-A6C34878D82A}">
+                    <a16:rowId xmlns:a16="http://schemas.microsoft.com/office/drawing/2014/main" val="10001"/>
+                  </a:ext>
+                </a:extLst>
               </a:tr>
               <a:tr h="543175">
                 <a:tc>
@@ -10426,6 +10467,11 @@
                   </a:txBody>
                   <a:tcPr marL="68580" marR="68580" marT="0" marB="0"/>
                 </a:tc>
+                <a:extLst>
+                  <a:ext uri="{0D108BD9-81ED-4DB2-BD59-A6C34878D82A}">
+                    <a16:rowId xmlns:a16="http://schemas.microsoft.com/office/drawing/2014/main" val="10002"/>
+                  </a:ext>
+                </a:extLst>
               </a:tr>
               <a:tr h="543175">
                 <a:tc gridSpan="3">
@@ -10518,30 +10564,16 @@
                   </a:txBody>
                   <a:tcPr marL="68580" marR="68580" marT="0" marB="0"/>
                 </a:tc>
+                <a:extLst>
+                  <a:ext uri="{0D108BD9-81ED-4DB2-BD59-A6C34878D82A}">
+                    <a16:rowId xmlns:a16="http://schemas.microsoft.com/office/drawing/2014/main" val="10003"/>
+                  </a:ext>
+                </a:extLst>
               </a:tr>
             </a:tbl>
           </a:graphicData>
         </a:graphic>
       </p:graphicFrame>
-      <p:sp>
-        <p:nvSpPr>
-          <p:cNvPr id="5" name="Text Placeholder 4"/>
-          <p:cNvSpPr>
-            <a:spLocks noGrp="1"/>
-          </p:cNvSpPr>
-          <p:nvPr>
-            <p:ph type="body" sz="quarter" idx="3"/>
-          </p:nvPr>
-        </p:nvSpPr>
-        <p:spPr/>
-        <p:txBody>
-          <a:bodyPr/>
-          <a:lstStyle/>
-          <a:p>
-            <a:endParaRPr lang="en-US"/>
-          </a:p>
-        </p:txBody>
-      </p:sp>
       <p:graphicFrame>
         <p:nvGraphicFramePr>
           <p:cNvPr id="8" name="Content Placeholder 7"/>
@@ -10568,9 +10600,27 @@
                 <a:tableStyleId>{5940675A-B579-460E-94D1-54222C63F5DA}</a:tableStyleId>
               </a:tblPr>
               <a:tblGrid>
-                <a:gridCol w="889653"/>
-                <a:gridCol w="889653"/>
-                <a:gridCol w="890577"/>
+                <a:gridCol w="889653">
+                  <a:extLst>
+                    <a:ext uri="{9D8B030D-6E8A-4147-A177-3AD203B41FA5}">
+                      <a16:colId xmlns:a16="http://schemas.microsoft.com/office/drawing/2014/main" val="20000"/>
+                    </a:ext>
+                  </a:extLst>
+                </a:gridCol>
+                <a:gridCol w="889653">
+                  <a:extLst>
+                    <a:ext uri="{9D8B030D-6E8A-4147-A177-3AD203B41FA5}">
+                      <a16:colId xmlns:a16="http://schemas.microsoft.com/office/drawing/2014/main" val="20001"/>
+                    </a:ext>
+                  </a:extLst>
+                </a:gridCol>
+                <a:gridCol w="890577">
+                  <a:extLst>
+                    <a:ext uri="{9D8B030D-6E8A-4147-A177-3AD203B41FA5}">
+                      <a16:colId xmlns:a16="http://schemas.microsoft.com/office/drawing/2014/main" val="20002"/>
+                    </a:ext>
+                  </a:extLst>
+                </a:gridCol>
               </a:tblGrid>
               <a:tr h="543175">
                 <a:tc>
@@ -10669,6 +10719,11 @@
                   </a:txBody>
                   <a:tcPr marL="68580" marR="68580" marT="0" marB="0"/>
                 </a:tc>
+                <a:extLst>
+                  <a:ext uri="{0D108BD9-81ED-4DB2-BD59-A6C34878D82A}">
+                    <a16:rowId xmlns:a16="http://schemas.microsoft.com/office/drawing/2014/main" val="10000"/>
+                  </a:ext>
+                </a:extLst>
               </a:tr>
               <a:tr h="543175">
                 <a:tc>
@@ -10767,6 +10822,11 @@
                   </a:txBody>
                   <a:tcPr marL="68580" marR="68580" marT="0" marB="0"/>
                 </a:tc>
+                <a:extLst>
+                  <a:ext uri="{0D108BD9-81ED-4DB2-BD59-A6C34878D82A}">
+                    <a16:rowId xmlns:a16="http://schemas.microsoft.com/office/drawing/2014/main" val="10001"/>
+                  </a:ext>
+                </a:extLst>
               </a:tr>
               <a:tr h="543175">
                 <a:tc>
@@ -10865,6 +10925,11 @@
                   </a:txBody>
                   <a:tcPr marL="68580" marR="68580" marT="0" marB="0"/>
                 </a:tc>
+                <a:extLst>
+                  <a:ext uri="{0D108BD9-81ED-4DB2-BD59-A6C34878D82A}">
+                    <a16:rowId xmlns:a16="http://schemas.microsoft.com/office/drawing/2014/main" val="10002"/>
+                  </a:ext>
+                </a:extLst>
               </a:tr>
               <a:tr h="543175">
                 <a:tc gridSpan="3">
@@ -10951,6 +11016,11 @@
                   </a:txBody>
                   <a:tcPr marL="68580" marR="68580" marT="0" marB="0"/>
                 </a:tc>
+                <a:extLst>
+                  <a:ext uri="{0D108BD9-81ED-4DB2-BD59-A6C34878D82A}">
+                    <a16:rowId xmlns:a16="http://schemas.microsoft.com/office/drawing/2014/main" val="10003"/>
+                  </a:ext>
+                </a:extLst>
               </a:tr>
             </a:tbl>
           </a:graphicData>
@@ -10973,473 +11043,6 @@
       </p:par>
     </p:tnLst>
   </p:timing>
-</p:sld>
-</file>
-
-<file path=ppt/slides/slide18.xml><?xml version="1.0" encoding="utf-8"?>
-<p:sld xmlns:a="http://schemas.openxmlformats.org/drawingml/2006/main" xmlns:r="http://schemas.openxmlformats.org/officeDocument/2006/relationships" xmlns:p="http://schemas.openxmlformats.org/presentationml/2006/main">
-  <p:cSld>
-    <p:spTree>
-      <p:nvGrpSpPr>
-        <p:cNvPr id="1" name=""/>
-        <p:cNvGrpSpPr/>
-        <p:nvPr/>
-      </p:nvGrpSpPr>
-      <p:grpSpPr>
-        <a:xfrm>
-          <a:off x="0" y="0"/>
-          <a:ext cx="0" cy="0"/>
-          <a:chOff x="0" y="0"/>
-          <a:chExt cx="0" cy="0"/>
-        </a:xfrm>
-      </p:grpSpPr>
-      <p:sp>
-        <p:nvSpPr>
-          <p:cNvPr id="2" name="Title 1"/>
-          <p:cNvSpPr>
-            <a:spLocks noGrp="1"/>
-          </p:cNvSpPr>
-          <p:nvPr>
-            <p:ph type="title"/>
-          </p:nvPr>
-        </p:nvSpPr>
-        <p:spPr/>
-        <p:txBody>
-          <a:bodyPr/>
-          <a:lstStyle/>
-          <a:p>
-            <a:r>
-              <a:rPr lang="hy-AM" dirty="0"/>
-              <a:t>ԱդաԲուստ</a:t>
-            </a:r>
-            <a:r>
-              <a:rPr lang="en-US" dirty="0"/>
-              <a:t>(</a:t>
-            </a:r>
-            <a:r>
-              <a:rPr lang="hy-AM" dirty="0"/>
-              <a:t>AdaBoost</a:t>
-            </a:r>
-            <a:r>
-              <a:rPr lang="en-US" dirty="0" smtClean="0"/>
-              <a:t>)</a:t>
-            </a:r>
-            <a:r>
-              <a:rPr lang="hy-AM" dirty="0" smtClean="0"/>
-              <a:t> մետա-ալգորիթմ</a:t>
-            </a:r>
-            <a:endParaRPr lang="en-US" dirty="0"/>
-          </a:p>
-        </p:txBody>
-      </p:sp>
-      <p:sp>
-        <p:nvSpPr>
-          <p:cNvPr id="3" name="Text Placeholder 2"/>
-          <p:cNvSpPr>
-            <a:spLocks noGrp="1"/>
-          </p:cNvSpPr>
-          <p:nvPr>
-            <p:ph type="body" idx="1"/>
-          </p:nvPr>
-        </p:nvSpPr>
-        <p:spPr/>
-        <p:txBody>
-          <a:bodyPr/>
-          <a:lstStyle/>
-          <a:p>
-            <a:endParaRPr lang="en-US" dirty="0"/>
-          </a:p>
-        </p:txBody>
-      </p:sp>
-      <mc:AlternateContent xmlns:mc="http://schemas.openxmlformats.org/markup-compatibility/2006">
-        <mc:Choice xmlns:a14="http://schemas.microsoft.com/office/drawing/2010/main" Requires="a14">
-          <p:sp>
-            <p:nvSpPr>
-              <p:cNvPr id="4" name="Content Placeholder 3"/>
-              <p:cNvSpPr>
-                <a:spLocks noGrp="1"/>
-              </p:cNvSpPr>
-              <p:nvPr>
-                <p:ph sz="half" idx="2"/>
-              </p:nvPr>
-            </p:nvSpPr>
-            <p:spPr/>
-            <p:txBody>
-              <a:bodyPr/>
-              <a:lstStyle/>
-              <a:p>
-                <a:r>
-                  <a:rPr lang="en-US" dirty="0"/>
-                  <a:t>H(x) = sign(</a:t>
-                </a:r>
-                <a14:m>
-                  <m:oMath xmlns:m="http://schemas.openxmlformats.org/officeDocument/2006/math">
-                    <m:sSub>
-                      <m:sSubPr>
-                        <m:ctrlPr>
-                          <a:rPr lang="en-US" i="1"/>
-                        </m:ctrlPr>
-                      </m:sSubPr>
-                      <m:e>
-                        <m:r>
-                          <m:rPr>
-                            <m:sty m:val="p"/>
-                          </m:rPr>
-                          <a:rPr lang="en-US"/>
-                          <m:t>α</m:t>
-                        </m:r>
-                      </m:e>
-                      <m:sub>
-                        <m:r>
-                          <a:rPr lang="en-US" i="1"/>
-                          <m:t>1</m:t>
-                        </m:r>
-                      </m:sub>
-                    </m:sSub>
-                    <m:sSub>
-                      <m:sSubPr>
-                        <m:ctrlPr>
-                          <a:rPr lang="en-US" i="1"/>
-                        </m:ctrlPr>
-                      </m:sSubPr>
-                      <m:e>
-                        <m:r>
-                          <a:rPr lang="en-US" i="1"/>
-                          <m:t>h</m:t>
-                        </m:r>
-                      </m:e>
-                      <m:sub>
-                        <m:r>
-                          <a:rPr lang="en-US" i="1"/>
-                          <m:t>1</m:t>
-                        </m:r>
-                      </m:sub>
-                    </m:sSub>
-                  </m:oMath>
-                </a14:m>
-                <a:r>
-                  <a:rPr lang="en-US" dirty="0"/>
-                  <a:t>(x) + </a:t>
-                </a:r>
-                <a14:m>
-                  <m:oMath xmlns:m="http://schemas.openxmlformats.org/officeDocument/2006/math">
-                    <m:sSub>
-                      <m:sSubPr>
-                        <m:ctrlPr>
-                          <a:rPr lang="en-US" i="1"/>
-                        </m:ctrlPr>
-                      </m:sSubPr>
-                      <m:e>
-                        <m:r>
-                          <m:rPr>
-                            <m:sty m:val="p"/>
-                          </m:rPr>
-                          <a:rPr lang="en-US"/>
-                          <m:t>α</m:t>
-                        </m:r>
-                      </m:e>
-                      <m:sub>
-                        <m:r>
-                          <a:rPr lang="en-US" i="1"/>
-                          <m:t>2</m:t>
-                        </m:r>
-                      </m:sub>
-                    </m:sSub>
-                    <m:sSub>
-                      <m:sSubPr>
-                        <m:ctrlPr>
-                          <a:rPr lang="en-US" i="1"/>
-                        </m:ctrlPr>
-                      </m:sSubPr>
-                      <m:e>
-                        <m:r>
-                          <a:rPr lang="en-US" i="1"/>
-                          <m:t>h</m:t>
-                        </m:r>
-                      </m:e>
-                      <m:sub>
-                        <m:r>
-                          <a:rPr lang="en-US" i="1"/>
-                          <m:t>2</m:t>
-                        </m:r>
-                      </m:sub>
-                    </m:sSub>
-                  </m:oMath>
-                </a14:m>
-                <a:r>
-                  <a:rPr lang="en-US" dirty="0"/>
-                  <a:t>(x) + … + </a:t>
-                </a:r>
-                <a14:m>
-                  <m:oMath xmlns:m="http://schemas.openxmlformats.org/officeDocument/2006/math">
-                    <m:sSub>
-                      <m:sSubPr>
-                        <m:ctrlPr>
-                          <a:rPr lang="en-US" i="1"/>
-                        </m:ctrlPr>
-                      </m:sSubPr>
-                      <m:e>
-                        <m:r>
-                          <m:rPr>
-                            <m:sty m:val="p"/>
-                          </m:rPr>
-                          <a:rPr lang="en-US"/>
-                          <m:t>α</m:t>
-                        </m:r>
-                      </m:e>
-                      <m:sub>
-                        <m:r>
-                          <a:rPr lang="en-US" i="1"/>
-                          <m:t>𝑇</m:t>
-                        </m:r>
-                      </m:sub>
-                    </m:sSub>
-                    <m:sSub>
-                      <m:sSubPr>
-                        <m:ctrlPr>
-                          <a:rPr lang="en-US" i="1"/>
-                        </m:ctrlPr>
-                      </m:sSubPr>
-                      <m:e>
-                        <m:r>
-                          <a:rPr lang="en-US" i="1"/>
-                          <m:t>h</m:t>
-                        </m:r>
-                      </m:e>
-                      <m:sub>
-                        <m:r>
-                          <a:rPr lang="en-US" i="1"/>
-                          <m:t>𝑇</m:t>
-                        </m:r>
-                      </m:sub>
-                    </m:sSub>
-                  </m:oMath>
-                </a14:m>
-                <a:r>
-                  <a:rPr lang="en-US" dirty="0"/>
-                  <a:t>(x))</a:t>
-                </a:r>
-              </a:p>
-              <a:p>
-                <a:endParaRPr lang="en-US" dirty="0"/>
-              </a:p>
-            </p:txBody>
-          </p:sp>
-        </mc:Choice>
-        <mc:Fallback>
-          <p:sp>
-            <p:nvSpPr>
-              <p:cNvPr id="4" name="Content Placeholder 3"/>
-              <p:cNvSpPr>
-                <a:spLocks noGrp="1" noRot="1" noChangeAspect="1" noMove="1" noResize="1" noEditPoints="1" noAdjustHandles="1" noChangeArrowheads="1" noChangeShapeType="1" noTextEdit="1"/>
-              </p:cNvSpPr>
-              <p:nvPr>
-                <p:ph sz="half" idx="2"/>
-              </p:nvPr>
-            </p:nvSpPr>
-            <p:spPr>
-              <a:blipFill rotWithShape="0">
-                <a:blip r:embed="rId2"/>
-                <a:stretch>
-                  <a:fillRect l="-855" t="-1253"/>
-                </a:stretch>
-              </a:blipFill>
-            </p:spPr>
-            <p:txBody>
-              <a:bodyPr/>
-              <a:lstStyle/>
-              <a:p>
-                <a:r>
-                  <a:rPr lang="en-US">
-                    <a:noFill/>
-                  </a:rPr>
-                  <a:t> </a:t>
-                </a:r>
-              </a:p>
-            </p:txBody>
-          </p:sp>
-        </mc:Fallback>
-      </mc:AlternateContent>
-      <p:sp>
-        <p:nvSpPr>
-          <p:cNvPr id="5" name="Text Placeholder 4"/>
-          <p:cNvSpPr>
-            <a:spLocks noGrp="1"/>
-          </p:cNvSpPr>
-          <p:nvPr>
-            <p:ph type="body" sz="quarter" idx="3"/>
-          </p:nvPr>
-        </p:nvSpPr>
-        <p:spPr/>
-        <p:txBody>
-          <a:bodyPr/>
-          <a:lstStyle/>
-          <a:p>
-            <a:endParaRPr lang="en-US"/>
-          </a:p>
-        </p:txBody>
-      </p:sp>
-      <p:sp>
-        <p:nvSpPr>
-          <p:cNvPr id="6" name="Content Placeholder 5"/>
-          <p:cNvSpPr>
-            <a:spLocks noGrp="1"/>
-          </p:cNvSpPr>
-          <p:nvPr>
-            <p:ph sz="quarter" idx="4"/>
-          </p:nvPr>
-        </p:nvSpPr>
-        <p:spPr/>
-        <p:txBody>
-          <a:bodyPr/>
-          <a:lstStyle/>
-          <a:p>
-            <a:endParaRPr lang="en-US"/>
-          </a:p>
-        </p:txBody>
-      </p:sp>
-    </p:spTree>
-    <p:extLst>
-      <p:ext uri="{BB962C8B-B14F-4D97-AF65-F5344CB8AC3E}">
-        <p14:creationId xmlns:p14="http://schemas.microsoft.com/office/powerpoint/2010/main" val="2647576433"/>
-      </p:ext>
-    </p:extLst>
-  </p:cSld>
-  <p:clrMapOvr>
-    <a:masterClrMapping/>
-  </p:clrMapOvr>
-  <p:timing>
-    <p:tnLst>
-      <p:par>
-        <p:cTn id="1" dur="indefinite" restart="never" nodeType="tmRoot"/>
-      </p:par>
-    </p:tnLst>
-  </p:timing>
-</p:sld>
-</file>
-
-<file path=ppt/slides/slide19.xml><?xml version="1.0" encoding="utf-8"?>
-<p:sld xmlns:a="http://schemas.openxmlformats.org/drawingml/2006/main" xmlns:r="http://schemas.openxmlformats.org/officeDocument/2006/relationships" xmlns:p="http://schemas.openxmlformats.org/presentationml/2006/main">
-  <p:cSld>
-    <p:spTree>
-      <p:nvGrpSpPr>
-        <p:cNvPr id="1" name=""/>
-        <p:cNvGrpSpPr/>
-        <p:nvPr/>
-      </p:nvGrpSpPr>
-      <p:grpSpPr>
-        <a:xfrm>
-          <a:off x="0" y="0"/>
-          <a:ext cx="0" cy="0"/>
-          <a:chOff x="0" y="0"/>
-          <a:chExt cx="0" cy="0"/>
-        </a:xfrm>
-      </p:grpSpPr>
-      <p:sp>
-        <p:nvSpPr>
-          <p:cNvPr id="2" name="Title 1"/>
-          <p:cNvSpPr>
-            <a:spLocks noGrp="1"/>
-          </p:cNvSpPr>
-          <p:nvPr>
-            <p:ph type="title"/>
-          </p:nvPr>
-        </p:nvSpPr>
-        <p:spPr/>
-        <p:txBody>
-          <a:bodyPr/>
-          <a:lstStyle/>
-          <a:p>
-            <a:endParaRPr lang="en-US"/>
-          </a:p>
-        </p:txBody>
-      </p:sp>
-      <p:sp>
-        <p:nvSpPr>
-          <p:cNvPr id="3" name="Text Placeholder 2"/>
-          <p:cNvSpPr>
-            <a:spLocks noGrp="1"/>
-          </p:cNvSpPr>
-          <p:nvPr>
-            <p:ph type="body" idx="1"/>
-          </p:nvPr>
-        </p:nvSpPr>
-        <p:spPr/>
-        <p:txBody>
-          <a:bodyPr/>
-          <a:lstStyle/>
-          <a:p>
-            <a:endParaRPr lang="en-US"/>
-          </a:p>
-        </p:txBody>
-      </p:sp>
-      <p:sp>
-        <p:nvSpPr>
-          <p:cNvPr id="4" name="Content Placeholder 3"/>
-          <p:cNvSpPr>
-            <a:spLocks noGrp="1"/>
-          </p:cNvSpPr>
-          <p:nvPr>
-            <p:ph sz="half" idx="2"/>
-          </p:nvPr>
-        </p:nvSpPr>
-        <p:spPr/>
-        <p:txBody>
-          <a:bodyPr/>
-          <a:lstStyle/>
-          <a:p>
-            <a:endParaRPr lang="en-US"/>
-          </a:p>
-        </p:txBody>
-      </p:sp>
-      <p:sp>
-        <p:nvSpPr>
-          <p:cNvPr id="5" name="Text Placeholder 4"/>
-          <p:cNvSpPr>
-            <a:spLocks noGrp="1"/>
-          </p:cNvSpPr>
-          <p:nvPr>
-            <p:ph type="body" sz="quarter" idx="3"/>
-          </p:nvPr>
-        </p:nvSpPr>
-        <p:spPr/>
-        <p:txBody>
-          <a:bodyPr/>
-          <a:lstStyle/>
-          <a:p>
-            <a:endParaRPr lang="en-US"/>
-          </a:p>
-        </p:txBody>
-      </p:sp>
-      <p:sp>
-        <p:nvSpPr>
-          <p:cNvPr id="6" name="Content Placeholder 5"/>
-          <p:cNvSpPr>
-            <a:spLocks noGrp="1"/>
-          </p:cNvSpPr>
-          <p:nvPr>
-            <p:ph sz="quarter" idx="4"/>
-          </p:nvPr>
-        </p:nvSpPr>
-        <p:spPr/>
-        <p:txBody>
-          <a:bodyPr/>
-          <a:lstStyle/>
-          <a:p>
-            <a:endParaRPr lang="en-US"/>
-          </a:p>
-        </p:txBody>
-      </p:sp>
-    </p:spTree>
-    <p:extLst>
-      <p:ext uri="{BB962C8B-B14F-4D97-AF65-F5344CB8AC3E}">
-        <p14:creationId xmlns:p14="http://schemas.microsoft.com/office/powerpoint/2010/main" val="234726359"/>
-      </p:ext>
-    </p:extLst>
-  </p:cSld>
-  <p:clrMapOvr>
-    <a:masterClrMapping/>
-  </p:clrMapOvr>
 </p:sld>
 </file>
 
@@ -11477,96 +11080,96 @@
           <a:p>
             <a:pPr algn="ctr"/>
             <a:r>
-              <a:rPr lang="en-US" dirty="0" err="1"/>
-              <a:t>ՄորֆոլոգիաԿան</a:t>
-            </a:r>
-            <a:r>
-              <a:rPr lang="en-US" dirty="0"/>
-              <a:t> </a:t>
-            </a:r>
-            <a:r>
-              <a:rPr lang="en-US" dirty="0" err="1"/>
-              <a:t>Պատկերի</a:t>
-            </a:r>
-            <a:r>
-              <a:rPr lang="en-US" dirty="0"/>
-              <a:t> </a:t>
-            </a:r>
-            <a:r>
-              <a:rPr lang="en-US" dirty="0" err="1" smtClean="0"/>
-              <a:t>մշակում</a:t>
-            </a:r>
-            <a:r>
               <a:rPr lang="hy-AM" dirty="0" smtClean="0"/>
-              <a:t/>
-            </a:r>
-            <a:br>
-              <a:rPr lang="hy-AM" dirty="0" smtClean="0"/>
-            </a:br>
-            <a:r>
-              <a:rPr lang="hy-AM" dirty="0" smtClean="0"/>
-              <a:t>Էրոզիա</a:t>
+              <a:t>Խնդրի դրվածք</a:t>
             </a:r>
             <a:endParaRPr lang="en-US" dirty="0"/>
           </a:p>
         </p:txBody>
       </p:sp>
-      <p:pic>
-        <p:nvPicPr>
-          <p:cNvPr id="7" name="Content Placeholder 6"/>
-          <p:cNvPicPr>
-            <a:picLocks noGrp="1"/>
-          </p:cNvPicPr>
-          <p:nvPr>
-            <p:ph sz="half" idx="2"/>
-          </p:nvPr>
-        </p:nvPicPr>
-        <p:blipFill>
-          <a:blip r:embed="rId2"/>
-          <a:stretch>
-            <a:fillRect/>
-          </a:stretch>
-        </p:blipFill>
-        <p:spPr bwMode="auto">
+      <p:sp>
+        <p:nvSpPr>
+          <p:cNvPr id="3" name="TextBox 2"/>
+          <p:cNvSpPr txBox="1"/>
+          <p:nvPr/>
+        </p:nvSpPr>
+        <p:spPr>
           <a:xfrm>
-            <a:off x="6096002" y="2963863"/>
-            <a:ext cx="3235033" cy="2921000"/>
+            <a:off x="685801" y="2065867"/>
+            <a:ext cx="8710863" cy="2585323"/>
           </a:xfrm>
           <a:prstGeom prst="rect">
             <a:avLst/>
           </a:prstGeom>
+          <a:noFill/>
         </p:spPr>
-      </p:pic>
-      <p:pic>
-        <p:nvPicPr>
-          <p:cNvPr id="8" name="Content Placeholder 7"/>
-          <p:cNvPicPr>
-            <a:picLocks noGrp="1"/>
-          </p:cNvPicPr>
-          <p:nvPr>
-            <p:ph sz="quarter" idx="4"/>
-          </p:nvPr>
-        </p:nvPicPr>
-        <p:blipFill>
-          <a:blip r:embed="rId3"/>
-          <a:stretch>
-            <a:fillRect/>
-          </a:stretch>
-        </p:blipFill>
-        <p:spPr bwMode="auto">
-          <a:xfrm>
-            <a:off x="973670" y="2963863"/>
-            <a:ext cx="3607396" cy="2921000"/>
-          </a:xfrm>
-          <a:prstGeom prst="rect">
-            <a:avLst/>
-          </a:prstGeom>
-        </p:spPr>
-      </p:pic>
+        <p:txBody>
+          <a:bodyPr wrap="square" rtlCol="0">
+            <a:spAutoFit/>
+          </a:bodyPr>
+          <a:lstStyle/>
+          <a:p>
+            <a:r>
+              <a:rPr lang="hy-AM" dirty="0" smtClean="0"/>
+              <a:t>Ուսումնասիրել պատկերների հետ աշխատանքը։ Ուսումնասիրությունների արդյունքում ստեղծել ծրագիր, որը կտա հետևյալ հնարավորությունները՝</a:t>
+            </a:r>
+          </a:p>
+          <a:p>
+            <a:pPr marL="285750" indent="-285750">
+              <a:buFont typeface="Arial" panose="020B0604020202020204" pitchFamily="34" charset="0"/>
+              <a:buChar char="•"/>
+            </a:pPr>
+            <a:r>
+              <a:rPr lang="hy-AM" dirty="0" smtClean="0"/>
+              <a:t>վերբեռնել պատկերը, և պատկերի վրա կատարել որոշակի փոփոխություններ</a:t>
+            </a:r>
+            <a:r>
+              <a:rPr lang="en-US" dirty="0" smtClean="0"/>
+              <a:t>(</a:t>
+            </a:r>
+            <a:r>
+              <a:rPr lang="hy-AM" dirty="0"/>
+              <a:t>իրագործել որոշակի ալգորիթմներ օգտագործողի մուտքագրած </a:t>
+            </a:r>
+            <a:r>
+              <a:rPr lang="hy-AM" dirty="0" smtClean="0"/>
+              <a:t>արժեքներով</a:t>
+            </a:r>
+            <a:r>
+              <a:rPr lang="en-US" dirty="0" smtClean="0"/>
+              <a:t>)</a:t>
+            </a:r>
+            <a:r>
+              <a:rPr lang="hy-AM" dirty="0" smtClean="0"/>
+              <a:t> և տեսնել արդյունքը նոր պատկերում։</a:t>
+            </a:r>
+          </a:p>
+          <a:p>
+            <a:pPr marL="285750" indent="-285750">
+              <a:buFont typeface="Arial" panose="020B0604020202020204" pitchFamily="34" charset="0"/>
+              <a:buChar char="•"/>
+            </a:pPr>
+            <a:r>
+              <a:rPr lang="hy-AM" dirty="0" smtClean="0"/>
+              <a:t>մեծացնի և փոքրացնի վերբեռնած պատկերի չափերը</a:t>
+            </a:r>
+          </a:p>
+          <a:p>
+            <a:pPr marL="285750" indent="-285750">
+              <a:buFont typeface="Arial" panose="020B0604020202020204" pitchFamily="34" charset="0"/>
+              <a:buChar char="•"/>
+            </a:pPr>
+            <a:r>
+              <a:rPr lang="hy-AM" dirty="0" smtClean="0"/>
+              <a:t>վերբեռնած պատկերի մեջ հայտնաբերի ուղիղ գծերը, շրջանագծերը,օբյեկտների եզրագծերը, կարողանա առանձնացնել մարդու դեմքը պատկերի վրայից։</a:t>
+            </a:r>
+          </a:p>
+        </p:txBody>
+      </p:sp>
     </p:spTree>
     <p:extLst>
       <p:ext uri="{BB962C8B-B14F-4D97-AF65-F5344CB8AC3E}">
-        <p14:creationId xmlns:p14="http://schemas.microsoft.com/office/powerpoint/2010/main" val="1402629627"/>
+        <p14:creationId xmlns:p14="http://schemas.microsoft.com/office/powerpoint/2010/main" val="940159030"/>
       </p:ext>
     </p:extLst>
   </p:cSld>
@@ -11615,18 +11218,320 @@
           <a:bodyPr/>
           <a:lstStyle/>
           <a:p>
-            <a:endParaRPr lang="en-US"/>
+            <a:r>
+              <a:rPr lang="hy-AM" dirty="0"/>
+              <a:t>ԱդաԲուստ</a:t>
+            </a:r>
+            <a:r>
+              <a:rPr lang="en-US" dirty="0"/>
+              <a:t>(</a:t>
+            </a:r>
+            <a:r>
+              <a:rPr lang="hy-AM" dirty="0"/>
+              <a:t>AdaBoost</a:t>
+            </a:r>
+            <a:r>
+              <a:rPr lang="en-US" dirty="0" smtClean="0"/>
+              <a:t>)</a:t>
+            </a:r>
+            <a:r>
+              <a:rPr lang="hy-AM" dirty="0" smtClean="0"/>
+              <a:t> մետա-ալգորիթմ</a:t>
+            </a:r>
+            <a:endParaRPr lang="en-US" dirty="0"/>
           </a:p>
         </p:txBody>
       </p:sp>
+      <mc:AlternateContent xmlns:mc="http://schemas.openxmlformats.org/markup-compatibility/2006" xmlns:a14="http://schemas.microsoft.com/office/drawing/2010/main">
+        <mc:Choice Requires="a14">
+          <p:sp>
+            <p:nvSpPr>
+              <p:cNvPr id="4" name="Content Placeholder 3"/>
+              <p:cNvSpPr>
+                <a:spLocks noGrp="1"/>
+              </p:cNvSpPr>
+              <p:nvPr>
+                <p:ph sz="half" idx="2"/>
+              </p:nvPr>
+            </p:nvSpPr>
+            <p:spPr/>
+            <p:txBody>
+              <a:bodyPr/>
+              <a:lstStyle/>
+              <a:p>
+                <a:r>
+                  <a:rPr lang="en-US" dirty="0"/>
+                  <a:t>H(x) = sign(</a:t>
+                </a:r>
+                <a14:m>
+                  <m:oMath xmlns:m="http://schemas.openxmlformats.org/officeDocument/2006/math">
+                    <m:sSub>
+                      <m:sSubPr>
+                        <m:ctrlPr>
+                          <a:rPr lang="en-US" i="1">
+                            <a:latin typeface="Cambria Math" panose="02040503050406030204" pitchFamily="18" charset="0"/>
+                          </a:rPr>
+                        </m:ctrlPr>
+                      </m:sSubPr>
+                      <m:e>
+                        <m:r>
+                          <m:rPr>
+                            <m:sty m:val="p"/>
+                          </m:rPr>
+                          <a:rPr lang="en-US">
+                            <a:latin typeface="Cambria Math" panose="02040503050406030204" pitchFamily="18" charset="0"/>
+                          </a:rPr>
+                          <m:t>α</m:t>
+                        </m:r>
+                      </m:e>
+                      <m:sub>
+                        <m:r>
+                          <a:rPr lang="en-US" i="1">
+                            <a:latin typeface="Cambria Math" panose="02040503050406030204" pitchFamily="18" charset="0"/>
+                          </a:rPr>
+                          <m:t>1</m:t>
+                        </m:r>
+                      </m:sub>
+                    </m:sSub>
+                    <m:sSub>
+                      <m:sSubPr>
+                        <m:ctrlPr>
+                          <a:rPr lang="en-US" i="1">
+                            <a:latin typeface="Cambria Math" panose="02040503050406030204" pitchFamily="18" charset="0"/>
+                          </a:rPr>
+                        </m:ctrlPr>
+                      </m:sSubPr>
+                      <m:e>
+                        <m:r>
+                          <a:rPr lang="en-US" i="1">
+                            <a:latin typeface="Cambria Math" panose="02040503050406030204" pitchFamily="18" charset="0"/>
+                          </a:rPr>
+                          <m:t>h</m:t>
+                        </m:r>
+                      </m:e>
+                      <m:sub>
+                        <m:r>
+                          <a:rPr lang="en-US" i="1">
+                            <a:latin typeface="Cambria Math" panose="02040503050406030204" pitchFamily="18" charset="0"/>
+                          </a:rPr>
+                          <m:t>1</m:t>
+                        </m:r>
+                      </m:sub>
+                    </m:sSub>
+                  </m:oMath>
+                </a14:m>
+                <a:r>
+                  <a:rPr lang="en-US" dirty="0"/>
+                  <a:t>(x) + </a:t>
+                </a:r>
+                <a14:m>
+                  <m:oMath xmlns:m="http://schemas.openxmlformats.org/officeDocument/2006/math">
+                    <m:sSub>
+                      <m:sSubPr>
+                        <m:ctrlPr>
+                          <a:rPr lang="en-US" i="1">
+                            <a:latin typeface="Cambria Math" panose="02040503050406030204" pitchFamily="18" charset="0"/>
+                          </a:rPr>
+                        </m:ctrlPr>
+                      </m:sSubPr>
+                      <m:e>
+                        <m:r>
+                          <m:rPr>
+                            <m:sty m:val="p"/>
+                          </m:rPr>
+                          <a:rPr lang="en-US">
+                            <a:latin typeface="Cambria Math" panose="02040503050406030204" pitchFamily="18" charset="0"/>
+                          </a:rPr>
+                          <m:t>α</m:t>
+                        </m:r>
+                      </m:e>
+                      <m:sub>
+                        <m:r>
+                          <a:rPr lang="en-US" i="1">
+                            <a:latin typeface="Cambria Math" panose="02040503050406030204" pitchFamily="18" charset="0"/>
+                          </a:rPr>
+                          <m:t>2</m:t>
+                        </m:r>
+                      </m:sub>
+                    </m:sSub>
+                    <m:sSub>
+                      <m:sSubPr>
+                        <m:ctrlPr>
+                          <a:rPr lang="en-US" i="1">
+                            <a:latin typeface="Cambria Math" panose="02040503050406030204" pitchFamily="18" charset="0"/>
+                          </a:rPr>
+                        </m:ctrlPr>
+                      </m:sSubPr>
+                      <m:e>
+                        <m:r>
+                          <a:rPr lang="en-US" i="1">
+                            <a:latin typeface="Cambria Math" panose="02040503050406030204" pitchFamily="18" charset="0"/>
+                          </a:rPr>
+                          <m:t>h</m:t>
+                        </m:r>
+                      </m:e>
+                      <m:sub>
+                        <m:r>
+                          <a:rPr lang="en-US" i="1">
+                            <a:latin typeface="Cambria Math" panose="02040503050406030204" pitchFamily="18" charset="0"/>
+                          </a:rPr>
+                          <m:t>2</m:t>
+                        </m:r>
+                      </m:sub>
+                    </m:sSub>
+                  </m:oMath>
+                </a14:m>
+                <a:r>
+                  <a:rPr lang="en-US" dirty="0"/>
+                  <a:t>(x) + … + </a:t>
+                </a:r>
+                <a14:m>
+                  <m:oMath xmlns:m="http://schemas.openxmlformats.org/officeDocument/2006/math">
+                    <m:sSub>
+                      <m:sSubPr>
+                        <m:ctrlPr>
+                          <a:rPr lang="en-US" i="1">
+                            <a:latin typeface="Cambria Math" panose="02040503050406030204" pitchFamily="18" charset="0"/>
+                          </a:rPr>
+                        </m:ctrlPr>
+                      </m:sSubPr>
+                      <m:e>
+                        <m:r>
+                          <m:rPr>
+                            <m:sty m:val="p"/>
+                          </m:rPr>
+                          <a:rPr lang="en-US">
+                            <a:latin typeface="Cambria Math" panose="02040503050406030204" pitchFamily="18" charset="0"/>
+                          </a:rPr>
+                          <m:t>α</m:t>
+                        </m:r>
+                      </m:e>
+                      <m:sub>
+                        <m:r>
+                          <a:rPr lang="en-US" i="1">
+                            <a:latin typeface="Cambria Math" panose="02040503050406030204" pitchFamily="18" charset="0"/>
+                          </a:rPr>
+                          <m:t>𝑇</m:t>
+                        </m:r>
+                      </m:sub>
+                    </m:sSub>
+                    <m:sSub>
+                      <m:sSubPr>
+                        <m:ctrlPr>
+                          <a:rPr lang="en-US" i="1">
+                            <a:latin typeface="Cambria Math" panose="02040503050406030204" pitchFamily="18" charset="0"/>
+                          </a:rPr>
+                        </m:ctrlPr>
+                      </m:sSubPr>
+                      <m:e>
+                        <m:r>
+                          <a:rPr lang="en-US" i="1">
+                            <a:latin typeface="Cambria Math" panose="02040503050406030204" pitchFamily="18" charset="0"/>
+                          </a:rPr>
+                          <m:t>h</m:t>
+                        </m:r>
+                      </m:e>
+                      <m:sub>
+                        <m:r>
+                          <a:rPr lang="en-US" i="1">
+                            <a:latin typeface="Cambria Math" panose="02040503050406030204" pitchFamily="18" charset="0"/>
+                          </a:rPr>
+                          <m:t>𝑇</m:t>
+                        </m:r>
+                      </m:sub>
+                    </m:sSub>
+                  </m:oMath>
+                </a14:m>
+                <a:r>
+                  <a:rPr lang="en-US" dirty="0"/>
+                  <a:t>(x))</a:t>
+                </a:r>
+              </a:p>
+              <a:p>
+                <a:endParaRPr lang="en-US" dirty="0"/>
+              </a:p>
+            </p:txBody>
+          </p:sp>
+        </mc:Choice>
+        <mc:Fallback xmlns="">
+          <p:sp>
+            <p:nvSpPr>
+              <p:cNvPr id="4" name="Content Placeholder 3"/>
+              <p:cNvSpPr>
+                <a:spLocks noGrp="1" noRot="1" noChangeAspect="1" noMove="1" noResize="1" noEditPoints="1" noAdjustHandles="1" noChangeArrowheads="1" noChangeShapeType="1" noTextEdit="1"/>
+              </p:cNvSpPr>
+              <p:nvPr>
+                <p:ph sz="half" idx="2"/>
+              </p:nvPr>
+            </p:nvSpPr>
+            <p:spPr>
+              <a:blipFill rotWithShape="0">
+                <a:blip r:embed="rId2"/>
+                <a:stretch>
+                  <a:fillRect l="-855" t="-1253"/>
+                </a:stretch>
+              </a:blipFill>
+            </p:spPr>
+            <p:txBody>
+              <a:bodyPr/>
+              <a:lstStyle/>
+              <a:p>
+                <a:r>
+                  <a:rPr lang="en-US">
+                    <a:noFill/>
+                  </a:rPr>
+                  <a:t> </a:t>
+                </a:r>
+              </a:p>
+            </p:txBody>
+          </p:sp>
+        </mc:Fallback>
+      </mc:AlternateContent>
+    </p:spTree>
+    <p:extLst>
+      <p:ext uri="{BB962C8B-B14F-4D97-AF65-F5344CB8AC3E}">
+        <p14:creationId xmlns:p14="http://schemas.microsoft.com/office/powerpoint/2010/main" val="2647576433"/>
+      </p:ext>
+    </p:extLst>
+  </p:cSld>
+  <p:clrMapOvr>
+    <a:masterClrMapping/>
+  </p:clrMapOvr>
+  <p:timing>
+    <p:tnLst>
+      <p:par>
+        <p:cTn id="1" dur="indefinite" restart="never" nodeType="tmRoot"/>
+      </p:par>
+    </p:tnLst>
+  </p:timing>
+</p:sld>
+</file>
+
+<file path=ppt/slides/slide21.xml><?xml version="1.0" encoding="utf-8"?>
+<p:sld xmlns:a="http://schemas.openxmlformats.org/drawingml/2006/main" xmlns:r="http://schemas.openxmlformats.org/officeDocument/2006/relationships" xmlns:p="http://schemas.openxmlformats.org/presentationml/2006/main">
+  <p:cSld>
+    <p:spTree>
+      <p:nvGrpSpPr>
+        <p:cNvPr id="1" name=""/>
+        <p:cNvGrpSpPr/>
+        <p:nvPr/>
+      </p:nvGrpSpPr>
+      <p:grpSpPr>
+        <a:xfrm>
+          <a:off x="0" y="0"/>
+          <a:ext cx="0" cy="0"/>
+          <a:chOff x="0" y="0"/>
+          <a:chExt cx="0" cy="0"/>
+        </a:xfrm>
+      </p:grpSpPr>
       <p:sp>
         <p:nvSpPr>
-          <p:cNvPr id="3" name="Text Placeholder 2"/>
+          <p:cNvPr id="2" name="Title 1"/>
           <p:cNvSpPr>
             <a:spLocks noGrp="1"/>
           </p:cNvSpPr>
           <p:nvPr>
-            <p:ph type="body" idx="1"/>
+            <p:ph type="title"/>
           </p:nvPr>
         </p:nvSpPr>
         <p:spPr/>
@@ -11634,64 +11539,12 @@
           <a:bodyPr/>
           <a:lstStyle/>
           <a:p>
-            <a:endParaRPr lang="en-US"/>
-          </a:p>
-        </p:txBody>
-      </p:sp>
-      <p:sp>
-        <p:nvSpPr>
-          <p:cNvPr id="4" name="Content Placeholder 3"/>
-          <p:cNvSpPr>
-            <a:spLocks noGrp="1"/>
-          </p:cNvSpPr>
-          <p:nvPr>
-            <p:ph sz="half" idx="2"/>
-          </p:nvPr>
-        </p:nvSpPr>
-        <p:spPr/>
-        <p:txBody>
-          <a:bodyPr/>
-          <a:lstStyle/>
-          <a:p>
-            <a:endParaRPr lang="en-US"/>
-          </a:p>
-        </p:txBody>
-      </p:sp>
-      <p:sp>
-        <p:nvSpPr>
-          <p:cNvPr id="5" name="Text Placeholder 4"/>
-          <p:cNvSpPr>
-            <a:spLocks noGrp="1"/>
-          </p:cNvSpPr>
-          <p:nvPr>
-            <p:ph type="body" sz="quarter" idx="3"/>
-          </p:nvPr>
-        </p:nvSpPr>
-        <p:spPr/>
-        <p:txBody>
-          <a:bodyPr/>
-          <a:lstStyle/>
-          <a:p>
-            <a:endParaRPr lang="en-US"/>
-          </a:p>
-        </p:txBody>
-      </p:sp>
-      <p:sp>
-        <p:nvSpPr>
-          <p:cNvPr id="6" name="Content Placeholder 5"/>
-          <p:cNvSpPr>
-            <a:spLocks noGrp="1"/>
-          </p:cNvSpPr>
-          <p:nvPr>
-            <p:ph sz="quarter" idx="4"/>
-          </p:nvPr>
-        </p:nvSpPr>
-        <p:spPr/>
-        <p:txBody>
-          <a:bodyPr/>
-          <a:lstStyle/>
-          <a:p>
-            <a:endParaRPr lang="en-US"/>
+            <a:pPr algn="ctr"/>
+            <a:r>
+              <a:rPr lang="hy-AM" dirty="0" smtClean="0"/>
+              <a:t>Եզրակացություն</a:t>
+            </a:r>
+            <a:endParaRPr lang="en-US" dirty="0"/>
           </a:p>
         </p:txBody>
       </p:sp>
@@ -11705,6 +11558,338 @@
   <p:clrMapOvr>
     <a:masterClrMapping/>
   </p:clrMapOvr>
+  <p:timing>
+    <p:tnLst>
+      <p:par>
+        <p:cTn id="1" dur="indefinite" restart="never" nodeType="tmRoot"/>
+      </p:par>
+    </p:tnLst>
+  </p:timing>
+</p:sld>
+</file>
+
+<file path=ppt/slides/slide22.xml><?xml version="1.0" encoding="utf-8"?>
+<p:sld xmlns:a="http://schemas.openxmlformats.org/drawingml/2006/main" xmlns:r="http://schemas.openxmlformats.org/officeDocument/2006/relationships" xmlns:p="http://schemas.openxmlformats.org/presentationml/2006/main">
+  <p:cSld>
+    <p:spTree>
+      <p:nvGrpSpPr>
+        <p:cNvPr id="1" name=""/>
+        <p:cNvGrpSpPr/>
+        <p:nvPr/>
+      </p:nvGrpSpPr>
+      <p:grpSpPr>
+        <a:xfrm>
+          <a:off x="0" y="0"/>
+          <a:ext cx="0" cy="0"/>
+          <a:chOff x="0" y="0"/>
+          <a:chExt cx="0" cy="0"/>
+        </a:xfrm>
+      </p:grpSpPr>
+      <p:sp>
+        <p:nvSpPr>
+          <p:cNvPr id="2" name="Title 1"/>
+          <p:cNvSpPr>
+            <a:spLocks noGrp="1"/>
+          </p:cNvSpPr>
+          <p:nvPr>
+            <p:ph type="title"/>
+          </p:nvPr>
+        </p:nvSpPr>
+        <p:spPr/>
+        <p:txBody>
+          <a:bodyPr/>
+          <a:lstStyle/>
+          <a:p>
+            <a:pPr algn="ctr"/>
+            <a:r>
+              <a:rPr lang="hy-AM" dirty="0" smtClean="0"/>
+              <a:t>Հարցեր</a:t>
+            </a:r>
+            <a:endParaRPr lang="en-US" dirty="0"/>
+          </a:p>
+        </p:txBody>
+      </p:sp>
+    </p:spTree>
+    <p:extLst>
+      <p:ext uri="{BB962C8B-B14F-4D97-AF65-F5344CB8AC3E}">
+        <p14:creationId xmlns:p14="http://schemas.microsoft.com/office/powerpoint/2010/main" val="2377849545"/>
+      </p:ext>
+    </p:extLst>
+  </p:cSld>
+  <p:clrMapOvr>
+    <a:masterClrMapping/>
+  </p:clrMapOvr>
+  <p:timing>
+    <p:tnLst>
+      <p:par>
+        <p:cTn id="1" dur="indefinite" restart="never" nodeType="tmRoot"/>
+      </p:par>
+    </p:tnLst>
+  </p:timing>
+</p:sld>
+</file>
+
+<file path=ppt/slides/slide23.xml><?xml version="1.0" encoding="utf-8"?>
+<p:sld xmlns:a="http://schemas.openxmlformats.org/drawingml/2006/main" xmlns:r="http://schemas.openxmlformats.org/officeDocument/2006/relationships" xmlns:p="http://schemas.openxmlformats.org/presentationml/2006/main">
+  <p:cSld>
+    <p:spTree>
+      <p:nvGrpSpPr>
+        <p:cNvPr id="1" name=""/>
+        <p:cNvGrpSpPr/>
+        <p:nvPr/>
+      </p:nvGrpSpPr>
+      <p:grpSpPr>
+        <a:xfrm>
+          <a:off x="0" y="0"/>
+          <a:ext cx="0" cy="0"/>
+          <a:chOff x="0" y="0"/>
+          <a:chExt cx="0" cy="0"/>
+        </a:xfrm>
+      </p:grpSpPr>
+      <p:sp>
+        <p:nvSpPr>
+          <p:cNvPr id="2" name="Title 1"/>
+          <p:cNvSpPr>
+            <a:spLocks noGrp="1"/>
+          </p:cNvSpPr>
+          <p:nvPr>
+            <p:ph type="title"/>
+          </p:nvPr>
+        </p:nvSpPr>
+        <p:spPr/>
+        <p:txBody>
+          <a:bodyPr/>
+          <a:lstStyle/>
+          <a:p>
+            <a:endParaRPr lang="en-US"/>
+          </a:p>
+        </p:txBody>
+      </p:sp>
+      <p:sp>
+        <p:nvSpPr>
+          <p:cNvPr id="3" name="Text Placeholder 2"/>
+          <p:cNvSpPr>
+            <a:spLocks noGrp="1"/>
+          </p:cNvSpPr>
+          <p:nvPr>
+            <p:ph type="body" idx="1"/>
+          </p:nvPr>
+        </p:nvSpPr>
+        <p:spPr/>
+        <p:txBody>
+          <a:bodyPr/>
+          <a:lstStyle/>
+          <a:p>
+            <a:endParaRPr lang="en-US"/>
+          </a:p>
+        </p:txBody>
+      </p:sp>
+      <p:sp>
+        <p:nvSpPr>
+          <p:cNvPr id="4" name="Content Placeholder 3"/>
+          <p:cNvSpPr>
+            <a:spLocks noGrp="1"/>
+          </p:cNvSpPr>
+          <p:nvPr>
+            <p:ph sz="half" idx="2"/>
+          </p:nvPr>
+        </p:nvSpPr>
+        <p:spPr/>
+        <p:txBody>
+          <a:bodyPr/>
+          <a:lstStyle/>
+          <a:p>
+            <a:endParaRPr lang="en-US"/>
+          </a:p>
+        </p:txBody>
+      </p:sp>
+      <p:sp>
+        <p:nvSpPr>
+          <p:cNvPr id="5" name="Text Placeholder 4"/>
+          <p:cNvSpPr>
+            <a:spLocks noGrp="1"/>
+          </p:cNvSpPr>
+          <p:nvPr>
+            <p:ph type="body" sz="quarter" idx="3"/>
+          </p:nvPr>
+        </p:nvSpPr>
+        <p:spPr/>
+        <p:txBody>
+          <a:bodyPr/>
+          <a:lstStyle/>
+          <a:p>
+            <a:endParaRPr lang="en-US"/>
+          </a:p>
+        </p:txBody>
+      </p:sp>
+      <p:sp>
+        <p:nvSpPr>
+          <p:cNvPr id="6" name="Content Placeholder 5"/>
+          <p:cNvSpPr>
+            <a:spLocks noGrp="1"/>
+          </p:cNvSpPr>
+          <p:nvPr>
+            <p:ph sz="quarter" idx="4"/>
+          </p:nvPr>
+        </p:nvSpPr>
+        <p:spPr/>
+        <p:txBody>
+          <a:bodyPr/>
+          <a:lstStyle/>
+          <a:p>
+            <a:endParaRPr lang="en-US"/>
+          </a:p>
+        </p:txBody>
+      </p:sp>
+    </p:spTree>
+    <p:extLst>
+      <p:ext uri="{BB962C8B-B14F-4D97-AF65-F5344CB8AC3E}">
+        <p14:creationId xmlns:p14="http://schemas.microsoft.com/office/powerpoint/2010/main" val="3130059080"/>
+      </p:ext>
+    </p:extLst>
+  </p:cSld>
+  <p:clrMapOvr>
+    <a:masterClrMapping/>
+  </p:clrMapOvr>
+  <p:timing>
+    <p:tnLst>
+      <p:par>
+        <p:cTn id="1" dur="indefinite" restart="never" nodeType="tmRoot"/>
+      </p:par>
+    </p:tnLst>
+  </p:timing>
+</p:sld>
+</file>
+
+<file path=ppt/slides/slide24.xml><?xml version="1.0" encoding="utf-8"?>
+<p:sld xmlns:a="http://schemas.openxmlformats.org/drawingml/2006/main" xmlns:r="http://schemas.openxmlformats.org/officeDocument/2006/relationships" xmlns:p="http://schemas.openxmlformats.org/presentationml/2006/main">
+  <p:cSld>
+    <p:spTree>
+      <p:nvGrpSpPr>
+        <p:cNvPr id="1" name=""/>
+        <p:cNvGrpSpPr/>
+        <p:nvPr/>
+      </p:nvGrpSpPr>
+      <p:grpSpPr>
+        <a:xfrm>
+          <a:off x="0" y="0"/>
+          <a:ext cx="0" cy="0"/>
+          <a:chOff x="0" y="0"/>
+          <a:chExt cx="0" cy="0"/>
+        </a:xfrm>
+      </p:grpSpPr>
+      <p:sp>
+        <p:nvSpPr>
+          <p:cNvPr id="2" name="Title 1"/>
+          <p:cNvSpPr>
+            <a:spLocks noGrp="1"/>
+          </p:cNvSpPr>
+          <p:nvPr>
+            <p:ph type="title"/>
+          </p:nvPr>
+        </p:nvSpPr>
+        <p:spPr/>
+        <p:txBody>
+          <a:bodyPr/>
+          <a:lstStyle/>
+          <a:p>
+            <a:endParaRPr lang="en-US"/>
+          </a:p>
+        </p:txBody>
+      </p:sp>
+      <p:sp>
+        <p:nvSpPr>
+          <p:cNvPr id="3" name="Text Placeholder 2"/>
+          <p:cNvSpPr>
+            <a:spLocks noGrp="1"/>
+          </p:cNvSpPr>
+          <p:nvPr>
+            <p:ph type="body" idx="1"/>
+          </p:nvPr>
+        </p:nvSpPr>
+        <p:spPr/>
+        <p:txBody>
+          <a:bodyPr/>
+          <a:lstStyle/>
+          <a:p>
+            <a:endParaRPr lang="en-US"/>
+          </a:p>
+        </p:txBody>
+      </p:sp>
+      <p:sp>
+        <p:nvSpPr>
+          <p:cNvPr id="4" name="Content Placeholder 3"/>
+          <p:cNvSpPr>
+            <a:spLocks noGrp="1"/>
+          </p:cNvSpPr>
+          <p:nvPr>
+            <p:ph sz="half" idx="2"/>
+          </p:nvPr>
+        </p:nvSpPr>
+        <p:spPr/>
+        <p:txBody>
+          <a:bodyPr/>
+          <a:lstStyle/>
+          <a:p>
+            <a:endParaRPr lang="en-US"/>
+          </a:p>
+        </p:txBody>
+      </p:sp>
+      <p:sp>
+        <p:nvSpPr>
+          <p:cNvPr id="5" name="Text Placeholder 4"/>
+          <p:cNvSpPr>
+            <a:spLocks noGrp="1"/>
+          </p:cNvSpPr>
+          <p:nvPr>
+            <p:ph type="body" sz="quarter" idx="3"/>
+          </p:nvPr>
+        </p:nvSpPr>
+        <p:spPr/>
+        <p:txBody>
+          <a:bodyPr/>
+          <a:lstStyle/>
+          <a:p>
+            <a:endParaRPr lang="en-US"/>
+          </a:p>
+        </p:txBody>
+      </p:sp>
+      <p:sp>
+        <p:nvSpPr>
+          <p:cNvPr id="6" name="Content Placeholder 5"/>
+          <p:cNvSpPr>
+            <a:spLocks noGrp="1"/>
+          </p:cNvSpPr>
+          <p:nvPr>
+            <p:ph sz="quarter" idx="4"/>
+          </p:nvPr>
+        </p:nvSpPr>
+        <p:spPr/>
+        <p:txBody>
+          <a:bodyPr/>
+          <a:lstStyle/>
+          <a:p>
+            <a:endParaRPr lang="en-US"/>
+          </a:p>
+        </p:txBody>
+      </p:sp>
+    </p:spTree>
+    <p:extLst>
+      <p:ext uri="{BB962C8B-B14F-4D97-AF65-F5344CB8AC3E}">
+        <p14:creationId xmlns:p14="http://schemas.microsoft.com/office/powerpoint/2010/main" val="892272754"/>
+      </p:ext>
+    </p:extLst>
+  </p:cSld>
+  <p:clrMapOvr>
+    <a:masterClrMapping/>
+  </p:clrMapOvr>
+  <p:timing>
+    <p:tnLst>
+      <p:par>
+        <p:cTn id="1" dur="indefinite" restart="never" nodeType="tmRoot"/>
+      </p:par>
+    </p:tnLst>
+  </p:timing>
 </p:sld>
 </file>
 
@@ -11758,16 +11943,19 @@
               <a:t> </a:t>
             </a:r>
             <a:r>
-              <a:rPr lang="en-US" dirty="0" err="1"/>
+              <a:rPr lang="en-US" dirty="0" err="1" smtClean="0"/>
               <a:t>մշակում</a:t>
             </a:r>
             <a:r>
-              <a:rPr lang="en-US" dirty="0"/>
-              <a:t> </a:t>
-            </a:r>
-            <a:r>
               <a:rPr lang="hy-AM" dirty="0" smtClean="0"/>
-              <a:t>ընդլայնում</a:t>
+              <a:t/>
+            </a:r>
+            <a:br>
+              <a:rPr lang="hy-AM" dirty="0" smtClean="0"/>
+            </a:br>
+            <a:r>
+              <a:rPr lang="hy-AM" dirty="0" smtClean="0"/>
+              <a:t>Էրոզիա</a:t>
             </a:r>
             <a:endParaRPr lang="en-US" dirty="0"/>
           </a:p>
@@ -11775,53 +11963,20 @@
       </p:sp>
       <p:pic>
         <p:nvPicPr>
-          <p:cNvPr id="4" name="Content Placeholder 3"/>
-          <p:cNvPicPr>
-            <a:picLocks noGrp="1" noChangeAspect="1"/>
-          </p:cNvPicPr>
-          <p:nvPr>
-            <p:ph sz="quarter" idx="4"/>
-          </p:nvPr>
+          <p:cNvPr id="6" name="Picture 5"/>
+          <p:cNvPicPr/>
+          <p:nvPr/>
         </p:nvPicPr>
         <p:blipFill>
-          <a:blip r:embed="rId2">
-            <a:extLst>
-              <a:ext uri="{28A0092B-C50C-407E-A947-70E740481C1C}">
-                <a14:useLocalDpi xmlns:a14="http://schemas.microsoft.com/office/drawing/2010/main" val="0"/>
-              </a:ext>
-            </a:extLst>
-          </a:blip>
+          <a:blip r:embed="rId2"/>
           <a:stretch>
             <a:fillRect/>
           </a:stretch>
         </p:blipFill>
         <p:spPr>
           <a:xfrm>
-            <a:off x="8107756" y="2955396"/>
-            <a:ext cx="3172810" cy="2921000"/>
-          </a:xfrm>
-        </p:spPr>
-      </p:pic>
-      <p:pic>
-        <p:nvPicPr>
-          <p:cNvPr id="7" name="Content Placeholder 9"/>
-          <p:cNvPicPr>
-            <a:picLocks noGrp="1"/>
-          </p:cNvPicPr>
-          <p:nvPr>
-            <p:ph sz="half" idx="2"/>
-          </p:nvPr>
-        </p:nvPicPr>
-        <p:blipFill>
-          <a:blip r:embed="rId3"/>
-          <a:stretch>
-            <a:fillRect/>
-          </a:stretch>
-        </p:blipFill>
-        <p:spPr bwMode="auto">
-          <a:xfrm>
-            <a:off x="1787436" y="2870200"/>
-            <a:ext cx="2794177" cy="2921000"/>
+            <a:off x="685801" y="2434061"/>
+            <a:ext cx="4633807" cy="3353012"/>
           </a:xfrm>
           <a:prstGeom prst="rect">
             <a:avLst/>
@@ -11830,28 +11985,24 @@
       </p:pic>
       <p:pic>
         <p:nvPicPr>
-          <p:cNvPr id="8" name="Picture 7"/>
+          <p:cNvPr id="9" name="Content Placeholder 8"/>
           <p:cNvPicPr>
-            <a:picLocks noChangeAspect="1"/>
+            <a:picLocks noGrp="1"/>
           </p:cNvPicPr>
-          <p:nvPr/>
+          <p:nvPr>
+            <p:ph sz="quarter" idx="4"/>
+          </p:nvPr>
         </p:nvPicPr>
         <p:blipFill>
-          <a:blip r:embed="rId4">
-            <a:extLst>
-              <a:ext uri="{28A0092B-C50C-407E-A947-70E740481C1C}">
-                <a14:useLocalDpi xmlns:a14="http://schemas.microsoft.com/office/drawing/2010/main" val="0"/>
-              </a:ext>
-            </a:extLst>
-          </a:blip>
+          <a:blip r:embed="rId3"/>
           <a:stretch>
             <a:fillRect/>
           </a:stretch>
         </p:blipFill>
         <p:spPr>
           <a:xfrm>
-            <a:off x="4837267" y="2955396"/>
-            <a:ext cx="2916845" cy="2916845"/>
+            <a:off x="6859952" y="2434061"/>
+            <a:ext cx="3486772" cy="3353012"/>
           </a:xfrm>
           <a:prstGeom prst="rect">
             <a:avLst/>
@@ -11861,17 +12012,196 @@
     </p:spTree>
     <p:extLst>
       <p:ext uri="{BB962C8B-B14F-4D97-AF65-F5344CB8AC3E}">
-        <p14:creationId xmlns:p14="http://schemas.microsoft.com/office/powerpoint/2010/main" val="1331752680"/>
+        <p14:creationId xmlns:p14="http://schemas.microsoft.com/office/powerpoint/2010/main" val="1402629627"/>
       </p:ext>
     </p:extLst>
   </p:cSld>
   <p:clrMapOvr>
     <a:masterClrMapping/>
   </p:clrMapOvr>
+  <mc:AlternateContent xmlns:mc="http://schemas.openxmlformats.org/markup-compatibility/2006" xmlns:p14="http://schemas.microsoft.com/office/powerpoint/2010/main">
+    <mc:Choice Requires="p14">
+      <p:transition spd="slow" p14:dur="1300">
+        <p14:pan dir="u"/>
+      </p:transition>
+    </mc:Choice>
+    <mc:Fallback xmlns="">
+      <p:transition spd="slow">
+        <p:fade/>
+      </p:transition>
+    </mc:Fallback>
+  </mc:AlternateContent>
   <p:timing>
     <p:tnLst>
       <p:par>
-        <p:cTn id="1" dur="indefinite" restart="never" nodeType="tmRoot"/>
+        <p:cTn id="1" dur="indefinite" restart="never" nodeType="tmRoot">
+          <p:childTnLst>
+            <p:seq concurrent="1" nextAc="seek">
+              <p:cTn id="2" dur="indefinite" nodeType="mainSeq">
+                <p:childTnLst>
+                  <p:par>
+                    <p:cTn id="3" fill="hold">
+                      <p:stCondLst>
+                        <p:cond delay="indefinite"/>
+                      </p:stCondLst>
+                      <p:childTnLst>
+                        <p:par>
+                          <p:cTn id="4" fill="hold">
+                            <p:stCondLst>
+                              <p:cond delay="0"/>
+                            </p:stCondLst>
+                            <p:childTnLst>
+                              <p:par>
+                                <p:cTn id="5" presetID="10" presetClass="entr" presetSubtype="0" fill="hold" nodeType="clickEffect">
+                                  <p:stCondLst>
+                                    <p:cond delay="0"/>
+                                  </p:stCondLst>
+                                  <p:childTnLst>
+                                    <p:set>
+                                      <p:cBhvr>
+                                        <p:cTn id="6" dur="1" fill="hold">
+                                          <p:stCondLst>
+                                            <p:cond delay="0"/>
+                                          </p:stCondLst>
+                                        </p:cTn>
+                                        <p:tgtEl>
+                                          <p:spTgt spid="6"/>
+                                        </p:tgtEl>
+                                        <p:attrNameLst>
+                                          <p:attrName>style.visibility</p:attrName>
+                                        </p:attrNameLst>
+                                      </p:cBhvr>
+                                      <p:to>
+                                        <p:strVal val="visible"/>
+                                      </p:to>
+                                    </p:set>
+                                    <p:animEffect transition="in" filter="fade">
+                                      <p:cBhvr>
+                                        <p:cTn id="7" dur="500"/>
+                                        <p:tgtEl>
+                                          <p:spTgt spid="6"/>
+                                        </p:tgtEl>
+                                      </p:cBhvr>
+                                    </p:animEffect>
+                                  </p:childTnLst>
+                                </p:cTn>
+                              </p:par>
+                            </p:childTnLst>
+                          </p:cTn>
+                        </p:par>
+                      </p:childTnLst>
+                    </p:cTn>
+                  </p:par>
+                  <p:par>
+                    <p:cTn id="8" fill="hold">
+                      <p:stCondLst>
+                        <p:cond delay="indefinite"/>
+                      </p:stCondLst>
+                      <p:childTnLst>
+                        <p:par>
+                          <p:cTn id="9" fill="hold">
+                            <p:stCondLst>
+                              <p:cond delay="0"/>
+                            </p:stCondLst>
+                            <p:childTnLst>
+                              <p:par>
+                                <p:cTn id="10" presetID="2" presetClass="entr" presetSubtype="2" fill="hold" nodeType="clickEffect">
+                                  <p:stCondLst>
+                                    <p:cond delay="0"/>
+                                  </p:stCondLst>
+                                  <p:childTnLst>
+                                    <p:set>
+                                      <p:cBhvr>
+                                        <p:cTn id="11" dur="1" fill="hold">
+                                          <p:stCondLst>
+                                            <p:cond delay="0"/>
+                                          </p:stCondLst>
+                                        </p:cTn>
+                                        <p:tgtEl>
+                                          <p:spTgt spid="9"/>
+                                        </p:tgtEl>
+                                        <p:attrNameLst>
+                                          <p:attrName>style.visibility</p:attrName>
+                                        </p:attrNameLst>
+                                      </p:cBhvr>
+                                      <p:to>
+                                        <p:strVal val="visible"/>
+                                      </p:to>
+                                    </p:set>
+                                    <p:anim calcmode="lin" valueType="num">
+                                      <p:cBhvr additive="base">
+                                        <p:cTn id="12" dur="1000" fill="hold"/>
+                                        <p:tgtEl>
+                                          <p:spTgt spid="9"/>
+                                        </p:tgtEl>
+                                        <p:attrNameLst>
+                                          <p:attrName>ppt_x</p:attrName>
+                                        </p:attrNameLst>
+                                      </p:cBhvr>
+                                      <p:tavLst>
+                                        <p:tav tm="0">
+                                          <p:val>
+                                            <p:strVal val="1+#ppt_w/2"/>
+                                          </p:val>
+                                        </p:tav>
+                                        <p:tav tm="100000">
+                                          <p:val>
+                                            <p:strVal val="#ppt_x"/>
+                                          </p:val>
+                                        </p:tav>
+                                      </p:tavLst>
+                                    </p:anim>
+                                    <p:anim calcmode="lin" valueType="num">
+                                      <p:cBhvr additive="base">
+                                        <p:cTn id="13" dur="1000" fill="hold"/>
+                                        <p:tgtEl>
+                                          <p:spTgt spid="9"/>
+                                        </p:tgtEl>
+                                        <p:attrNameLst>
+                                          <p:attrName>ppt_y</p:attrName>
+                                        </p:attrNameLst>
+                                      </p:cBhvr>
+                                      <p:tavLst>
+                                        <p:tav tm="0">
+                                          <p:val>
+                                            <p:strVal val="#ppt_y"/>
+                                          </p:val>
+                                        </p:tav>
+                                        <p:tav tm="100000">
+                                          <p:val>
+                                            <p:strVal val="#ppt_y"/>
+                                          </p:val>
+                                        </p:tav>
+                                      </p:tavLst>
+                                    </p:anim>
+                                  </p:childTnLst>
+                                </p:cTn>
+                              </p:par>
+                            </p:childTnLst>
+                          </p:cTn>
+                        </p:par>
+                      </p:childTnLst>
+                    </p:cTn>
+                  </p:par>
+                </p:childTnLst>
+              </p:cTn>
+              <p:prevCondLst>
+                <p:cond evt="onPrev" delay="0">
+                  <p:tgtEl>
+                    <p:sldTgt/>
+                  </p:tgtEl>
+                </p:cond>
+              </p:prevCondLst>
+              <p:nextCondLst>
+                <p:cond evt="onNext" delay="0">
+                  <p:tgtEl>
+                    <p:sldTgt/>
+                  </p:tgtEl>
+                </p:cond>
+              </p:nextCondLst>
+            </p:seq>
+          </p:childTnLst>
+        </p:cTn>
       </p:par>
     </p:tnLst>
   </p:timing>
@@ -11912,12 +12242,16 @@
           <a:p>
             <a:pPr algn="ctr"/>
             <a:r>
+              <a:rPr lang="en-US" dirty="0" err="1"/>
+              <a:t>ՄորֆոլոգիաԿան</a:t>
+            </a:r>
+            <a:r>
               <a:rPr lang="en-US" dirty="0"/>
               <a:t> </a:t>
             </a:r>
             <a:r>
               <a:rPr lang="en-US" dirty="0" err="1"/>
-              <a:t>ՄորֆոլոգիաԿան</a:t>
+              <a:t>Պատկերի</a:t>
             </a:r>
             <a:r>
               <a:rPr lang="en-US" dirty="0"/>
@@ -11925,23 +12259,15 @@
             </a:r>
             <a:r>
               <a:rPr lang="en-US" dirty="0" err="1"/>
-              <a:t>Պատկերի</a:t>
+              <a:t>մշակում</a:t>
             </a:r>
             <a:r>
               <a:rPr lang="en-US" dirty="0"/>
               <a:t> </a:t>
             </a:r>
             <a:r>
-              <a:rPr lang="en-US" dirty="0" err="1"/>
-              <a:t>մշակում</a:t>
-            </a:r>
-            <a:r>
-              <a:rPr lang="en-US" dirty="0"/>
-              <a:t> </a:t>
-            </a:r>
-            <a:r>
               <a:rPr lang="hy-AM" dirty="0" smtClean="0"/>
-              <a:t>Բացում եվ փակում</a:t>
+              <a:t>ընդլայնում</a:t>
             </a:r>
             <a:endParaRPr lang="en-US" dirty="0"/>
           </a:p>
@@ -11949,12 +12275,12 @@
       </p:sp>
       <p:pic>
         <p:nvPicPr>
-          <p:cNvPr id="7" name="Content Placeholder 6"/>
+          <p:cNvPr id="4" name="Content Placeholder 3"/>
           <p:cNvPicPr>
             <a:picLocks noGrp="1" noChangeAspect="1"/>
           </p:cNvPicPr>
           <p:nvPr>
-            <p:ph sz="half" idx="2"/>
+            <p:ph sz="quarter" idx="4"/>
           </p:nvPr>
         </p:nvPicPr>
         <p:blipFill>
@@ -11971,7 +12297,437 @@
         </p:blipFill>
         <p:spPr>
           <a:xfrm>
-            <a:off x="5936519" y="4619751"/>
+            <a:off x="8074805" y="2951241"/>
+            <a:ext cx="3172810" cy="2921000"/>
+          </a:xfrm>
+        </p:spPr>
+      </p:pic>
+      <p:pic>
+        <p:nvPicPr>
+          <p:cNvPr id="8" name="Picture 7"/>
+          <p:cNvPicPr>
+            <a:picLocks noChangeAspect="1"/>
+          </p:cNvPicPr>
+          <p:nvPr/>
+        </p:nvPicPr>
+        <p:blipFill>
+          <a:blip r:embed="rId3">
+            <a:extLst>
+              <a:ext uri="{28A0092B-C50C-407E-A947-70E740481C1C}">
+                <a14:useLocalDpi xmlns:a14="http://schemas.microsoft.com/office/drawing/2010/main" val="0"/>
+              </a:ext>
+            </a:extLst>
+          </a:blip>
+          <a:stretch>
+            <a:fillRect/>
+          </a:stretch>
+        </p:blipFill>
+        <p:spPr>
+          <a:xfrm>
+            <a:off x="4837267" y="2955396"/>
+            <a:ext cx="2916845" cy="2916845"/>
+          </a:xfrm>
+          <a:prstGeom prst="rect">
+            <a:avLst/>
+          </a:prstGeom>
+        </p:spPr>
+      </p:pic>
+      <p:pic>
+        <p:nvPicPr>
+          <p:cNvPr id="9" name="Content Placeholder 8"/>
+          <p:cNvPicPr>
+            <a:picLocks noGrp="1"/>
+          </p:cNvPicPr>
+          <p:nvPr>
+            <p:ph sz="half" idx="2"/>
+          </p:nvPr>
+        </p:nvPicPr>
+        <p:blipFill>
+          <a:blip r:embed="rId4"/>
+          <a:stretch>
+            <a:fillRect/>
+          </a:stretch>
+        </p:blipFill>
+        <p:spPr>
+          <a:xfrm>
+            <a:off x="821450" y="2951241"/>
+            <a:ext cx="3405349" cy="2921000"/>
+          </a:xfrm>
+          <a:prstGeom prst="rect">
+            <a:avLst/>
+          </a:prstGeom>
+        </p:spPr>
+      </p:pic>
+    </p:spTree>
+    <p:extLst>
+      <p:ext uri="{BB962C8B-B14F-4D97-AF65-F5344CB8AC3E}">
+        <p14:creationId xmlns:p14="http://schemas.microsoft.com/office/powerpoint/2010/main" val="1331752680"/>
+      </p:ext>
+    </p:extLst>
+  </p:cSld>
+  <p:clrMapOvr>
+    <a:masterClrMapping/>
+  </p:clrMapOvr>
+  <p:timing>
+    <p:tnLst>
+      <p:par>
+        <p:cTn id="1" dur="indefinite" restart="never" nodeType="tmRoot">
+          <p:childTnLst>
+            <p:seq concurrent="1" nextAc="seek">
+              <p:cTn id="2" dur="indefinite" nodeType="mainSeq">
+                <p:childTnLst>
+                  <p:par>
+                    <p:cTn id="3" fill="hold">
+                      <p:stCondLst>
+                        <p:cond delay="indefinite"/>
+                      </p:stCondLst>
+                      <p:childTnLst>
+                        <p:par>
+                          <p:cTn id="4" fill="hold">
+                            <p:stCondLst>
+                              <p:cond delay="0"/>
+                            </p:stCondLst>
+                            <p:childTnLst>
+                              <p:par>
+                                <p:cTn id="5" presetID="10" presetClass="entr" presetSubtype="0" fill="hold" nodeType="clickEffect">
+                                  <p:stCondLst>
+                                    <p:cond delay="0"/>
+                                  </p:stCondLst>
+                                  <p:childTnLst>
+                                    <p:set>
+                                      <p:cBhvr>
+                                        <p:cTn id="6" dur="1" fill="hold">
+                                          <p:stCondLst>
+                                            <p:cond delay="0"/>
+                                          </p:stCondLst>
+                                        </p:cTn>
+                                        <p:tgtEl>
+                                          <p:spTgt spid="9"/>
+                                        </p:tgtEl>
+                                        <p:attrNameLst>
+                                          <p:attrName>style.visibility</p:attrName>
+                                        </p:attrNameLst>
+                                      </p:cBhvr>
+                                      <p:to>
+                                        <p:strVal val="visible"/>
+                                      </p:to>
+                                    </p:set>
+                                    <p:animEffect transition="in" filter="fade">
+                                      <p:cBhvr>
+                                        <p:cTn id="7" dur="500"/>
+                                        <p:tgtEl>
+                                          <p:spTgt spid="9"/>
+                                        </p:tgtEl>
+                                      </p:cBhvr>
+                                    </p:animEffect>
+                                  </p:childTnLst>
+                                </p:cTn>
+                              </p:par>
+                            </p:childTnLst>
+                          </p:cTn>
+                        </p:par>
+                      </p:childTnLst>
+                    </p:cTn>
+                  </p:par>
+                  <p:par>
+                    <p:cTn id="8" fill="hold">
+                      <p:stCondLst>
+                        <p:cond delay="indefinite"/>
+                      </p:stCondLst>
+                      <p:childTnLst>
+                        <p:par>
+                          <p:cTn id="9" fill="hold">
+                            <p:stCondLst>
+                              <p:cond delay="0"/>
+                            </p:stCondLst>
+                            <p:childTnLst>
+                              <p:par>
+                                <p:cTn id="10" presetID="42" presetClass="entr" presetSubtype="0" fill="hold" nodeType="clickEffect">
+                                  <p:stCondLst>
+                                    <p:cond delay="0"/>
+                                  </p:stCondLst>
+                                  <p:childTnLst>
+                                    <p:set>
+                                      <p:cBhvr>
+                                        <p:cTn id="11" dur="1" fill="hold">
+                                          <p:stCondLst>
+                                            <p:cond delay="0"/>
+                                          </p:stCondLst>
+                                        </p:cTn>
+                                        <p:tgtEl>
+                                          <p:spTgt spid="8"/>
+                                        </p:tgtEl>
+                                        <p:attrNameLst>
+                                          <p:attrName>style.visibility</p:attrName>
+                                        </p:attrNameLst>
+                                      </p:cBhvr>
+                                      <p:to>
+                                        <p:strVal val="visible"/>
+                                      </p:to>
+                                    </p:set>
+                                    <p:animEffect transition="in" filter="fade">
+                                      <p:cBhvr>
+                                        <p:cTn id="12" dur="1000"/>
+                                        <p:tgtEl>
+                                          <p:spTgt spid="8"/>
+                                        </p:tgtEl>
+                                      </p:cBhvr>
+                                    </p:animEffect>
+                                    <p:anim calcmode="lin" valueType="num">
+                                      <p:cBhvr>
+                                        <p:cTn id="13" dur="1000" fill="hold"/>
+                                        <p:tgtEl>
+                                          <p:spTgt spid="8"/>
+                                        </p:tgtEl>
+                                        <p:attrNameLst>
+                                          <p:attrName>ppt_x</p:attrName>
+                                        </p:attrNameLst>
+                                      </p:cBhvr>
+                                      <p:tavLst>
+                                        <p:tav tm="0">
+                                          <p:val>
+                                            <p:strVal val="#ppt_x"/>
+                                          </p:val>
+                                        </p:tav>
+                                        <p:tav tm="100000">
+                                          <p:val>
+                                            <p:strVal val="#ppt_x"/>
+                                          </p:val>
+                                        </p:tav>
+                                      </p:tavLst>
+                                    </p:anim>
+                                    <p:anim calcmode="lin" valueType="num">
+                                      <p:cBhvr>
+                                        <p:cTn id="14" dur="1000" fill="hold"/>
+                                        <p:tgtEl>
+                                          <p:spTgt spid="8"/>
+                                        </p:tgtEl>
+                                        <p:attrNameLst>
+                                          <p:attrName>ppt_y</p:attrName>
+                                        </p:attrNameLst>
+                                      </p:cBhvr>
+                                      <p:tavLst>
+                                        <p:tav tm="0">
+                                          <p:val>
+                                            <p:strVal val="#ppt_y+.1"/>
+                                          </p:val>
+                                        </p:tav>
+                                        <p:tav tm="100000">
+                                          <p:val>
+                                            <p:strVal val="#ppt_y"/>
+                                          </p:val>
+                                        </p:tav>
+                                      </p:tavLst>
+                                    </p:anim>
+                                  </p:childTnLst>
+                                </p:cTn>
+                              </p:par>
+                              <p:par>
+                                <p:cTn id="15" presetID="42" presetClass="entr" presetSubtype="0" fill="hold" nodeType="withEffect">
+                                  <p:stCondLst>
+                                    <p:cond delay="0"/>
+                                  </p:stCondLst>
+                                  <p:childTnLst>
+                                    <p:set>
+                                      <p:cBhvr>
+                                        <p:cTn id="16" dur="1" fill="hold">
+                                          <p:stCondLst>
+                                            <p:cond delay="0"/>
+                                          </p:stCondLst>
+                                        </p:cTn>
+                                        <p:tgtEl>
+                                          <p:spTgt spid="4"/>
+                                        </p:tgtEl>
+                                        <p:attrNameLst>
+                                          <p:attrName>style.visibility</p:attrName>
+                                        </p:attrNameLst>
+                                      </p:cBhvr>
+                                      <p:to>
+                                        <p:strVal val="visible"/>
+                                      </p:to>
+                                    </p:set>
+                                    <p:animEffect transition="in" filter="fade">
+                                      <p:cBhvr>
+                                        <p:cTn id="17" dur="1000"/>
+                                        <p:tgtEl>
+                                          <p:spTgt spid="4"/>
+                                        </p:tgtEl>
+                                      </p:cBhvr>
+                                    </p:animEffect>
+                                    <p:anim calcmode="lin" valueType="num">
+                                      <p:cBhvr>
+                                        <p:cTn id="18" dur="1000" fill="hold"/>
+                                        <p:tgtEl>
+                                          <p:spTgt spid="4"/>
+                                        </p:tgtEl>
+                                        <p:attrNameLst>
+                                          <p:attrName>ppt_x</p:attrName>
+                                        </p:attrNameLst>
+                                      </p:cBhvr>
+                                      <p:tavLst>
+                                        <p:tav tm="0">
+                                          <p:val>
+                                            <p:strVal val="#ppt_x"/>
+                                          </p:val>
+                                        </p:tav>
+                                        <p:tav tm="100000">
+                                          <p:val>
+                                            <p:strVal val="#ppt_x"/>
+                                          </p:val>
+                                        </p:tav>
+                                      </p:tavLst>
+                                    </p:anim>
+                                    <p:anim calcmode="lin" valueType="num">
+                                      <p:cBhvr>
+                                        <p:cTn id="19" dur="1000" fill="hold"/>
+                                        <p:tgtEl>
+                                          <p:spTgt spid="4"/>
+                                        </p:tgtEl>
+                                        <p:attrNameLst>
+                                          <p:attrName>ppt_y</p:attrName>
+                                        </p:attrNameLst>
+                                      </p:cBhvr>
+                                      <p:tavLst>
+                                        <p:tav tm="0">
+                                          <p:val>
+                                            <p:strVal val="#ppt_y+.1"/>
+                                          </p:val>
+                                        </p:tav>
+                                        <p:tav tm="100000">
+                                          <p:val>
+                                            <p:strVal val="#ppt_y"/>
+                                          </p:val>
+                                        </p:tav>
+                                      </p:tavLst>
+                                    </p:anim>
+                                  </p:childTnLst>
+                                </p:cTn>
+                              </p:par>
+                            </p:childTnLst>
+                          </p:cTn>
+                        </p:par>
+                      </p:childTnLst>
+                    </p:cTn>
+                  </p:par>
+                </p:childTnLst>
+              </p:cTn>
+              <p:prevCondLst>
+                <p:cond evt="onPrev" delay="0">
+                  <p:tgtEl>
+                    <p:sldTgt/>
+                  </p:tgtEl>
+                </p:cond>
+              </p:prevCondLst>
+              <p:nextCondLst>
+                <p:cond evt="onNext" delay="0">
+                  <p:tgtEl>
+                    <p:sldTgt/>
+                  </p:tgtEl>
+                </p:cond>
+              </p:nextCondLst>
+            </p:seq>
+          </p:childTnLst>
+        </p:cTn>
+      </p:par>
+    </p:tnLst>
+  </p:timing>
+</p:sld>
+</file>
+
+<file path=ppt/slides/slide5.xml><?xml version="1.0" encoding="utf-8"?>
+<p:sld xmlns:a="http://schemas.openxmlformats.org/drawingml/2006/main" xmlns:r="http://schemas.openxmlformats.org/officeDocument/2006/relationships" xmlns:p="http://schemas.openxmlformats.org/presentationml/2006/main">
+  <p:cSld>
+    <p:spTree>
+      <p:nvGrpSpPr>
+        <p:cNvPr id="1" name=""/>
+        <p:cNvGrpSpPr/>
+        <p:nvPr/>
+      </p:nvGrpSpPr>
+      <p:grpSpPr>
+        <a:xfrm>
+          <a:off x="0" y="0"/>
+          <a:ext cx="0" cy="0"/>
+          <a:chOff x="0" y="0"/>
+          <a:chExt cx="0" cy="0"/>
+        </a:xfrm>
+      </p:grpSpPr>
+      <p:sp>
+        <p:nvSpPr>
+          <p:cNvPr id="2" name="Title 1"/>
+          <p:cNvSpPr>
+            <a:spLocks noGrp="1"/>
+          </p:cNvSpPr>
+          <p:nvPr>
+            <p:ph type="title"/>
+          </p:nvPr>
+        </p:nvSpPr>
+        <p:spPr/>
+        <p:txBody>
+          <a:bodyPr/>
+          <a:lstStyle/>
+          <a:p>
+            <a:pPr algn="ctr"/>
+            <a:r>
+              <a:rPr lang="en-US" dirty="0"/>
+              <a:t> </a:t>
+            </a:r>
+            <a:r>
+              <a:rPr lang="en-US" dirty="0" err="1"/>
+              <a:t>ՄորֆոլոգիաԿան</a:t>
+            </a:r>
+            <a:r>
+              <a:rPr lang="en-US" dirty="0"/>
+              <a:t> </a:t>
+            </a:r>
+            <a:r>
+              <a:rPr lang="en-US" dirty="0" err="1"/>
+              <a:t>Պատկերի</a:t>
+            </a:r>
+            <a:r>
+              <a:rPr lang="en-US" dirty="0"/>
+              <a:t> </a:t>
+            </a:r>
+            <a:r>
+              <a:rPr lang="en-US" dirty="0" err="1"/>
+              <a:t>մշակում</a:t>
+            </a:r>
+            <a:r>
+              <a:rPr lang="en-US" dirty="0"/>
+              <a:t> </a:t>
+            </a:r>
+            <a:r>
+              <a:rPr lang="hy-AM" dirty="0" smtClean="0"/>
+              <a:t>Բացում եվ փակում</a:t>
+            </a:r>
+            <a:endParaRPr lang="en-US" dirty="0"/>
+          </a:p>
+        </p:txBody>
+      </p:sp>
+      <p:pic>
+        <p:nvPicPr>
+          <p:cNvPr id="7" name="Content Placeholder 6"/>
+          <p:cNvPicPr>
+            <a:picLocks noGrp="1" noChangeAspect="1"/>
+          </p:cNvPicPr>
+          <p:nvPr>
+            <p:ph sz="half" idx="2"/>
+          </p:nvPr>
+        </p:nvPicPr>
+        <p:blipFill>
+          <a:blip r:embed="rId2">
+            <a:extLst>
+              <a:ext uri="{28A0092B-C50C-407E-A947-70E740481C1C}">
+                <a14:useLocalDpi xmlns:a14="http://schemas.microsoft.com/office/drawing/2010/main" val="0"/>
+              </a:ext>
+            </a:extLst>
+          </a:blip>
+          <a:stretch>
+            <a:fillRect/>
+          </a:stretch>
+        </p:blipFill>
+        <p:spPr>
+          <a:xfrm>
+            <a:off x="6898544" y="4619751"/>
             <a:ext cx="2410414" cy="2238249"/>
           </a:xfrm>
         </p:spPr>
@@ -11998,7 +12754,7 @@
         </p:blipFill>
         <p:spPr>
           <a:xfrm>
-            <a:off x="3585481" y="4619751"/>
+            <a:off x="4509406" y="4619751"/>
             <a:ext cx="2238249" cy="2238249"/>
           </a:xfrm>
           <a:prstGeom prst="rect">
@@ -12020,8 +12776,8 @@
         </p:blipFill>
         <p:spPr bwMode="auto">
           <a:xfrm>
-            <a:off x="119892" y="2870199"/>
-            <a:ext cx="3352800" cy="3890645"/>
+            <a:off x="119892" y="2226735"/>
+            <a:ext cx="3185283" cy="4534110"/>
           </a:xfrm>
           <a:prstGeom prst="rect">
             <a:avLst/>
@@ -12052,7 +12808,7 @@
         </p:blipFill>
         <p:spPr>
           <a:xfrm>
-            <a:off x="3585481" y="2226734"/>
+            <a:off x="4604656" y="2226734"/>
             <a:ext cx="1743685" cy="2372360"/>
           </a:xfrm>
         </p:spPr>
@@ -12081,7 +12837,7 @@
         </p:blipFill>
         <p:spPr>
           <a:xfrm>
-            <a:off x="5437953" y="2226734"/>
+            <a:off x="6476178" y="2226734"/>
             <a:ext cx="1995145" cy="2372360"/>
           </a:xfrm>
         </p:spPr>
@@ -12096,10 +12852,435 @@
   <p:clrMapOvr>
     <a:masterClrMapping/>
   </p:clrMapOvr>
+  <p:timing>
+    <p:tnLst>
+      <p:par>
+        <p:cTn id="1" dur="indefinite" restart="never" nodeType="tmRoot">
+          <p:childTnLst>
+            <p:seq concurrent="1" nextAc="seek">
+              <p:cTn id="2" dur="indefinite" nodeType="mainSeq">
+                <p:childTnLst>
+                  <p:par>
+                    <p:cTn id="3" fill="hold">
+                      <p:stCondLst>
+                        <p:cond delay="indefinite"/>
+                      </p:stCondLst>
+                      <p:childTnLst>
+                        <p:par>
+                          <p:cTn id="4" fill="hold">
+                            <p:stCondLst>
+                              <p:cond delay="0"/>
+                            </p:stCondLst>
+                            <p:childTnLst>
+                              <p:par>
+                                <p:cTn id="5" presetID="10" presetClass="entr" presetSubtype="0" fill="hold" nodeType="clickEffect">
+                                  <p:stCondLst>
+                                    <p:cond delay="0"/>
+                                  </p:stCondLst>
+                                  <p:childTnLst>
+                                    <p:set>
+                                      <p:cBhvr>
+                                        <p:cTn id="6" dur="1" fill="hold">
+                                          <p:stCondLst>
+                                            <p:cond delay="0"/>
+                                          </p:stCondLst>
+                                        </p:cTn>
+                                        <p:tgtEl>
+                                          <p:spTgt spid="9"/>
+                                        </p:tgtEl>
+                                        <p:attrNameLst>
+                                          <p:attrName>style.visibility</p:attrName>
+                                        </p:attrNameLst>
+                                      </p:cBhvr>
+                                      <p:to>
+                                        <p:strVal val="visible"/>
+                                      </p:to>
+                                    </p:set>
+                                    <p:animEffect transition="in" filter="fade">
+                                      <p:cBhvr>
+                                        <p:cTn id="7" dur="500"/>
+                                        <p:tgtEl>
+                                          <p:spTgt spid="9"/>
+                                        </p:tgtEl>
+                                      </p:cBhvr>
+                                    </p:animEffect>
+                                  </p:childTnLst>
+                                </p:cTn>
+                              </p:par>
+                            </p:childTnLst>
+                          </p:cTn>
+                        </p:par>
+                      </p:childTnLst>
+                    </p:cTn>
+                  </p:par>
+                  <p:par>
+                    <p:cTn id="8" fill="hold">
+                      <p:stCondLst>
+                        <p:cond delay="indefinite"/>
+                      </p:stCondLst>
+                      <p:childTnLst>
+                        <p:par>
+                          <p:cTn id="9" fill="hold">
+                            <p:stCondLst>
+                              <p:cond delay="0"/>
+                            </p:stCondLst>
+                            <p:childTnLst>
+                              <p:par>
+                                <p:cTn id="10" presetID="42" presetClass="entr" presetSubtype="0" fill="hold" nodeType="clickEffect">
+                                  <p:stCondLst>
+                                    <p:cond delay="0"/>
+                                  </p:stCondLst>
+                                  <p:childTnLst>
+                                    <p:set>
+                                      <p:cBhvr>
+                                        <p:cTn id="11" dur="1" fill="hold">
+                                          <p:stCondLst>
+                                            <p:cond delay="0"/>
+                                          </p:stCondLst>
+                                        </p:cTn>
+                                        <p:tgtEl>
+                                          <p:spTgt spid="10"/>
+                                        </p:tgtEl>
+                                        <p:attrNameLst>
+                                          <p:attrName>style.visibility</p:attrName>
+                                        </p:attrNameLst>
+                                      </p:cBhvr>
+                                      <p:to>
+                                        <p:strVal val="visible"/>
+                                      </p:to>
+                                    </p:set>
+                                    <p:animEffect transition="in" filter="fade">
+                                      <p:cBhvr>
+                                        <p:cTn id="12" dur="1000"/>
+                                        <p:tgtEl>
+                                          <p:spTgt spid="10"/>
+                                        </p:tgtEl>
+                                      </p:cBhvr>
+                                    </p:animEffect>
+                                    <p:anim calcmode="lin" valueType="num">
+                                      <p:cBhvr>
+                                        <p:cTn id="13" dur="1000" fill="hold"/>
+                                        <p:tgtEl>
+                                          <p:spTgt spid="10"/>
+                                        </p:tgtEl>
+                                        <p:attrNameLst>
+                                          <p:attrName>ppt_x</p:attrName>
+                                        </p:attrNameLst>
+                                      </p:cBhvr>
+                                      <p:tavLst>
+                                        <p:tav tm="0">
+                                          <p:val>
+                                            <p:strVal val="#ppt_x"/>
+                                          </p:val>
+                                        </p:tav>
+                                        <p:tav tm="100000">
+                                          <p:val>
+                                            <p:strVal val="#ppt_x"/>
+                                          </p:val>
+                                        </p:tav>
+                                      </p:tavLst>
+                                    </p:anim>
+                                    <p:anim calcmode="lin" valueType="num">
+                                      <p:cBhvr>
+                                        <p:cTn id="14" dur="1000" fill="hold"/>
+                                        <p:tgtEl>
+                                          <p:spTgt spid="10"/>
+                                        </p:tgtEl>
+                                        <p:attrNameLst>
+                                          <p:attrName>ppt_y</p:attrName>
+                                        </p:attrNameLst>
+                                      </p:cBhvr>
+                                      <p:tavLst>
+                                        <p:tav tm="0">
+                                          <p:val>
+                                            <p:strVal val="#ppt_y+.1"/>
+                                          </p:val>
+                                        </p:tav>
+                                        <p:tav tm="100000">
+                                          <p:val>
+                                            <p:strVal val="#ppt_y"/>
+                                          </p:val>
+                                        </p:tav>
+                                      </p:tavLst>
+                                    </p:anim>
+                                  </p:childTnLst>
+                                </p:cTn>
+                              </p:par>
+                              <p:par>
+                                <p:cTn id="15" presetID="42" presetClass="entr" presetSubtype="0" fill="hold" nodeType="withEffect">
+                                  <p:stCondLst>
+                                    <p:cond delay="0"/>
+                                  </p:stCondLst>
+                                  <p:childTnLst>
+                                    <p:set>
+                                      <p:cBhvr>
+                                        <p:cTn id="16" dur="1" fill="hold">
+                                          <p:stCondLst>
+                                            <p:cond delay="0"/>
+                                          </p:stCondLst>
+                                        </p:cTn>
+                                        <p:tgtEl>
+                                          <p:spTgt spid="11"/>
+                                        </p:tgtEl>
+                                        <p:attrNameLst>
+                                          <p:attrName>style.visibility</p:attrName>
+                                        </p:attrNameLst>
+                                      </p:cBhvr>
+                                      <p:to>
+                                        <p:strVal val="visible"/>
+                                      </p:to>
+                                    </p:set>
+                                    <p:animEffect transition="in" filter="fade">
+                                      <p:cBhvr>
+                                        <p:cTn id="17" dur="1000"/>
+                                        <p:tgtEl>
+                                          <p:spTgt spid="11"/>
+                                        </p:tgtEl>
+                                      </p:cBhvr>
+                                    </p:animEffect>
+                                    <p:anim calcmode="lin" valueType="num">
+                                      <p:cBhvr>
+                                        <p:cTn id="18" dur="1000" fill="hold"/>
+                                        <p:tgtEl>
+                                          <p:spTgt spid="11"/>
+                                        </p:tgtEl>
+                                        <p:attrNameLst>
+                                          <p:attrName>ppt_x</p:attrName>
+                                        </p:attrNameLst>
+                                      </p:cBhvr>
+                                      <p:tavLst>
+                                        <p:tav tm="0">
+                                          <p:val>
+                                            <p:strVal val="#ppt_x"/>
+                                          </p:val>
+                                        </p:tav>
+                                        <p:tav tm="100000">
+                                          <p:val>
+                                            <p:strVal val="#ppt_x"/>
+                                          </p:val>
+                                        </p:tav>
+                                      </p:tavLst>
+                                    </p:anim>
+                                    <p:anim calcmode="lin" valueType="num">
+                                      <p:cBhvr>
+                                        <p:cTn id="19" dur="1000" fill="hold"/>
+                                        <p:tgtEl>
+                                          <p:spTgt spid="11"/>
+                                        </p:tgtEl>
+                                        <p:attrNameLst>
+                                          <p:attrName>ppt_y</p:attrName>
+                                        </p:attrNameLst>
+                                      </p:cBhvr>
+                                      <p:tavLst>
+                                        <p:tav tm="0">
+                                          <p:val>
+                                            <p:strVal val="#ppt_y+.1"/>
+                                          </p:val>
+                                        </p:tav>
+                                        <p:tav tm="100000">
+                                          <p:val>
+                                            <p:strVal val="#ppt_y"/>
+                                          </p:val>
+                                        </p:tav>
+                                      </p:tavLst>
+                                    </p:anim>
+                                  </p:childTnLst>
+                                </p:cTn>
+                              </p:par>
+                              <p:par>
+                                <p:cTn id="20" presetID="42" presetClass="entr" presetSubtype="0" fill="hold" nodeType="withEffect">
+                                  <p:stCondLst>
+                                    <p:cond delay="0"/>
+                                  </p:stCondLst>
+                                  <p:childTnLst>
+                                    <p:set>
+                                      <p:cBhvr>
+                                        <p:cTn id="21" dur="1" fill="hold">
+                                          <p:stCondLst>
+                                            <p:cond delay="0"/>
+                                          </p:stCondLst>
+                                        </p:cTn>
+                                        <p:tgtEl>
+                                          <p:spTgt spid="8"/>
+                                        </p:tgtEl>
+                                        <p:attrNameLst>
+                                          <p:attrName>style.visibility</p:attrName>
+                                        </p:attrNameLst>
+                                      </p:cBhvr>
+                                      <p:to>
+                                        <p:strVal val="visible"/>
+                                      </p:to>
+                                    </p:set>
+                                    <p:animEffect transition="in" filter="fade">
+                                      <p:cBhvr>
+                                        <p:cTn id="22" dur="1000"/>
+                                        <p:tgtEl>
+                                          <p:spTgt spid="8"/>
+                                        </p:tgtEl>
+                                      </p:cBhvr>
+                                    </p:animEffect>
+                                    <p:anim calcmode="lin" valueType="num">
+                                      <p:cBhvr>
+                                        <p:cTn id="23" dur="1000" fill="hold"/>
+                                        <p:tgtEl>
+                                          <p:spTgt spid="8"/>
+                                        </p:tgtEl>
+                                        <p:attrNameLst>
+                                          <p:attrName>ppt_x</p:attrName>
+                                        </p:attrNameLst>
+                                      </p:cBhvr>
+                                      <p:tavLst>
+                                        <p:tav tm="0">
+                                          <p:val>
+                                            <p:strVal val="#ppt_x"/>
+                                          </p:val>
+                                        </p:tav>
+                                        <p:tav tm="100000">
+                                          <p:val>
+                                            <p:strVal val="#ppt_x"/>
+                                          </p:val>
+                                        </p:tav>
+                                      </p:tavLst>
+                                    </p:anim>
+                                    <p:anim calcmode="lin" valueType="num">
+                                      <p:cBhvr>
+                                        <p:cTn id="24" dur="1000" fill="hold"/>
+                                        <p:tgtEl>
+                                          <p:spTgt spid="8"/>
+                                        </p:tgtEl>
+                                        <p:attrNameLst>
+                                          <p:attrName>ppt_y</p:attrName>
+                                        </p:attrNameLst>
+                                      </p:cBhvr>
+                                      <p:tavLst>
+                                        <p:tav tm="0">
+                                          <p:val>
+                                            <p:strVal val="#ppt_y+.1"/>
+                                          </p:val>
+                                        </p:tav>
+                                        <p:tav tm="100000">
+                                          <p:val>
+                                            <p:strVal val="#ppt_y"/>
+                                          </p:val>
+                                        </p:tav>
+                                      </p:tavLst>
+                                    </p:anim>
+                                  </p:childTnLst>
+                                </p:cTn>
+                              </p:par>
+                              <p:par>
+                                <p:cTn id="25" presetID="42" presetClass="entr" presetSubtype="0" fill="hold" nodeType="withEffect">
+                                  <p:stCondLst>
+                                    <p:cond delay="0"/>
+                                  </p:stCondLst>
+                                  <p:childTnLst>
+                                    <p:set>
+                                      <p:cBhvr>
+                                        <p:cTn id="26" dur="1" fill="hold">
+                                          <p:stCondLst>
+                                            <p:cond delay="0"/>
+                                          </p:stCondLst>
+                                        </p:cTn>
+                                        <p:tgtEl>
+                                          <p:spTgt spid="7"/>
+                                        </p:tgtEl>
+                                        <p:attrNameLst>
+                                          <p:attrName>style.visibility</p:attrName>
+                                        </p:attrNameLst>
+                                      </p:cBhvr>
+                                      <p:to>
+                                        <p:strVal val="visible"/>
+                                      </p:to>
+                                    </p:set>
+                                    <p:animEffect transition="in" filter="fade">
+                                      <p:cBhvr>
+                                        <p:cTn id="27" dur="1000"/>
+                                        <p:tgtEl>
+                                          <p:spTgt spid="7"/>
+                                        </p:tgtEl>
+                                      </p:cBhvr>
+                                    </p:animEffect>
+                                    <p:anim calcmode="lin" valueType="num">
+                                      <p:cBhvr>
+                                        <p:cTn id="28" dur="1000" fill="hold"/>
+                                        <p:tgtEl>
+                                          <p:spTgt spid="7"/>
+                                        </p:tgtEl>
+                                        <p:attrNameLst>
+                                          <p:attrName>ppt_x</p:attrName>
+                                        </p:attrNameLst>
+                                      </p:cBhvr>
+                                      <p:tavLst>
+                                        <p:tav tm="0">
+                                          <p:val>
+                                            <p:strVal val="#ppt_x"/>
+                                          </p:val>
+                                        </p:tav>
+                                        <p:tav tm="100000">
+                                          <p:val>
+                                            <p:strVal val="#ppt_x"/>
+                                          </p:val>
+                                        </p:tav>
+                                      </p:tavLst>
+                                    </p:anim>
+                                    <p:anim calcmode="lin" valueType="num">
+                                      <p:cBhvr>
+                                        <p:cTn id="29" dur="1000" fill="hold"/>
+                                        <p:tgtEl>
+                                          <p:spTgt spid="7"/>
+                                        </p:tgtEl>
+                                        <p:attrNameLst>
+                                          <p:attrName>ppt_y</p:attrName>
+                                        </p:attrNameLst>
+                                      </p:cBhvr>
+                                      <p:tavLst>
+                                        <p:tav tm="0">
+                                          <p:val>
+                                            <p:strVal val="#ppt_y+.1"/>
+                                          </p:val>
+                                        </p:tav>
+                                        <p:tav tm="100000">
+                                          <p:val>
+                                            <p:strVal val="#ppt_y"/>
+                                          </p:val>
+                                        </p:tav>
+                                      </p:tavLst>
+                                    </p:anim>
+                                  </p:childTnLst>
+                                </p:cTn>
+                              </p:par>
+                            </p:childTnLst>
+                          </p:cTn>
+                        </p:par>
+                      </p:childTnLst>
+                    </p:cTn>
+                  </p:par>
+                </p:childTnLst>
+              </p:cTn>
+              <p:prevCondLst>
+                <p:cond evt="onPrev" delay="0">
+                  <p:tgtEl>
+                    <p:sldTgt/>
+                  </p:tgtEl>
+                </p:cond>
+              </p:prevCondLst>
+              <p:nextCondLst>
+                <p:cond evt="onNext" delay="0">
+                  <p:tgtEl>
+                    <p:sldTgt/>
+                  </p:tgtEl>
+                </p:cond>
+              </p:nextCondLst>
+            </p:seq>
+          </p:childTnLst>
+        </p:cTn>
+      </p:par>
+    </p:tnLst>
+  </p:timing>
 </p:sld>
 </file>
 
-<file path=ppt/slides/slide5.xml><?xml version="1.0" encoding="utf-8"?>
+<file path=ppt/slides/slide6.xml><?xml version="1.0" encoding="utf-8"?>
 <p:sld xmlns:a="http://schemas.openxmlformats.org/drawingml/2006/main" xmlns:r="http://schemas.openxmlformats.org/officeDocument/2006/relationships" xmlns:p="http://schemas.openxmlformats.org/presentationml/2006/main">
   <p:cSld>
     <p:spTree>
@@ -12139,44 +13320,6 @@
           </a:p>
         </p:txBody>
       </p:sp>
-      <p:sp>
-        <p:nvSpPr>
-          <p:cNvPr id="3" name="Text Placeholder 2"/>
-          <p:cNvSpPr>
-            <a:spLocks noGrp="1"/>
-          </p:cNvSpPr>
-          <p:nvPr>
-            <p:ph type="body" idx="1"/>
-          </p:nvPr>
-        </p:nvSpPr>
-        <p:spPr/>
-        <p:txBody>
-          <a:bodyPr/>
-          <a:lstStyle/>
-          <a:p>
-            <a:endParaRPr lang="en-US"/>
-          </a:p>
-        </p:txBody>
-      </p:sp>
-      <p:sp>
-        <p:nvSpPr>
-          <p:cNvPr id="5" name="Text Placeholder 4"/>
-          <p:cNvSpPr>
-            <a:spLocks noGrp="1"/>
-          </p:cNvSpPr>
-          <p:nvPr>
-            <p:ph type="body" sz="quarter" idx="3"/>
-          </p:nvPr>
-        </p:nvSpPr>
-        <p:spPr/>
-        <p:txBody>
-          <a:bodyPr/>
-          <a:lstStyle/>
-          <a:p>
-            <a:endParaRPr lang="en-US"/>
-          </a:p>
-        </p:txBody>
-      </p:sp>
       <p:pic>
         <p:nvPicPr>
           <p:cNvPr id="7" name="Content Placeholder 6"/>
@@ -12195,7 +13338,7 @@
         </p:blipFill>
         <p:spPr bwMode="auto">
           <a:xfrm>
-            <a:off x="771876" y="2870200"/>
+            <a:off x="788352" y="2269186"/>
             <a:ext cx="4825298" cy="2921000"/>
           </a:xfrm>
           <a:prstGeom prst="rect">
@@ -12227,7 +13370,7 @@
         </p:blipFill>
         <p:spPr>
           <a:xfrm>
-            <a:off x="6096003" y="2870200"/>
+            <a:off x="5972436" y="2870200"/>
             <a:ext cx="2319986" cy="2319986"/>
           </a:xfrm>
           <a:prstGeom prst="rect">
@@ -12257,7 +13400,7 @@
         </p:blipFill>
         <p:spPr>
           <a:xfrm>
-            <a:off x="8457409" y="2870200"/>
+            <a:off x="8292422" y="2870200"/>
             <a:ext cx="2427212" cy="2319986"/>
           </a:xfrm>
           <a:prstGeom prst="rect">
@@ -12275,147 +13418,177 @@
   <p:clrMapOvr>
     <a:masterClrMapping/>
   </p:clrMapOvr>
-</p:sld>
-</file>
-
-<file path=ppt/slides/slide6.xml><?xml version="1.0" encoding="utf-8"?>
-<p:sld xmlns:a="http://schemas.openxmlformats.org/drawingml/2006/main" xmlns:r="http://schemas.openxmlformats.org/officeDocument/2006/relationships" xmlns:p="http://schemas.openxmlformats.org/presentationml/2006/main">
-  <p:cSld>
-    <p:spTree>
-      <p:nvGrpSpPr>
-        <p:cNvPr id="1" name=""/>
-        <p:cNvGrpSpPr/>
-        <p:nvPr/>
-      </p:nvGrpSpPr>
-      <p:grpSpPr>
-        <a:xfrm>
-          <a:off x="0" y="0"/>
-          <a:ext cx="0" cy="0"/>
-          <a:chOff x="0" y="0"/>
-          <a:chExt cx="0" cy="0"/>
-        </a:xfrm>
-      </p:grpSpPr>
-      <p:sp>
-        <p:nvSpPr>
-          <p:cNvPr id="2" name="Title 1"/>
-          <p:cNvSpPr>
-            <a:spLocks noGrp="1"/>
-          </p:cNvSpPr>
-          <p:nvPr>
-            <p:ph type="title"/>
-          </p:nvPr>
-        </p:nvSpPr>
-        <p:spPr/>
-        <p:txBody>
-          <a:bodyPr/>
-          <a:lstStyle/>
-          <a:p>
-            <a:pPr algn="ctr"/>
-            <a:r>
-              <a:rPr lang="hy-AM" dirty="0" smtClean="0"/>
-              <a:t>Սեգմենտավորում</a:t>
-            </a:r>
-            <a:endParaRPr lang="en-US" dirty="0"/>
-          </a:p>
-        </p:txBody>
-      </p:sp>
-      <p:sp>
-        <p:nvSpPr>
-          <p:cNvPr id="3" name="Text Placeholder 2"/>
-          <p:cNvSpPr>
-            <a:spLocks noGrp="1"/>
-          </p:cNvSpPr>
-          <p:nvPr>
-            <p:ph type="body" idx="1"/>
-          </p:nvPr>
-        </p:nvSpPr>
-        <p:spPr/>
-        <p:txBody>
-          <a:bodyPr/>
-          <a:lstStyle/>
-          <a:p>
-            <a:endParaRPr lang="en-US"/>
-          </a:p>
-        </p:txBody>
-      </p:sp>
-      <p:sp>
-        <p:nvSpPr>
-          <p:cNvPr id="5" name="Text Placeholder 4"/>
-          <p:cNvSpPr>
-            <a:spLocks noGrp="1"/>
-          </p:cNvSpPr>
-          <p:nvPr>
-            <p:ph type="body" sz="quarter" idx="3"/>
-          </p:nvPr>
-        </p:nvSpPr>
-        <p:spPr/>
-        <p:txBody>
-          <a:bodyPr/>
-          <a:lstStyle/>
-          <a:p>
-            <a:endParaRPr lang="en-US"/>
-          </a:p>
-        </p:txBody>
-      </p:sp>
-      <p:sp>
-        <p:nvSpPr>
-          <p:cNvPr id="6" name="Content Placeholder 5"/>
-          <p:cNvSpPr>
-            <a:spLocks noGrp="1"/>
-          </p:cNvSpPr>
-          <p:nvPr>
-            <p:ph sz="quarter" idx="4"/>
-          </p:nvPr>
-        </p:nvSpPr>
-        <p:spPr/>
-        <p:txBody>
-          <a:bodyPr/>
-          <a:lstStyle/>
-          <a:p>
-            <a:endParaRPr lang="en-US"/>
-          </a:p>
-        </p:txBody>
-      </p:sp>
-      <p:pic>
-        <p:nvPicPr>
-          <p:cNvPr id="11" name="Image1"/>
-          <p:cNvPicPr>
-            <a:picLocks noGrp="1"/>
-          </p:cNvPicPr>
-          <p:nvPr>
-            <p:ph sz="half" idx="2"/>
-          </p:nvPr>
-        </p:nvPicPr>
-        <p:blipFill>
-          <a:blip r:embed="rId2"/>
-          <a:stretch>
-            <a:fillRect/>
-          </a:stretch>
-        </p:blipFill>
-        <p:spPr bwMode="auto">
-          <a:xfrm>
-            <a:off x="685800" y="3343600"/>
-            <a:ext cx="4997450" cy="1974199"/>
-          </a:xfrm>
-          <a:prstGeom prst="rect">
-            <a:avLst/>
-          </a:prstGeom>
-        </p:spPr>
-      </p:pic>
-    </p:spTree>
-    <p:extLst>
-      <p:ext uri="{BB962C8B-B14F-4D97-AF65-F5344CB8AC3E}">
-        <p14:creationId xmlns:p14="http://schemas.microsoft.com/office/powerpoint/2010/main" val="1533278837"/>
-      </p:ext>
-    </p:extLst>
-  </p:cSld>
-  <p:clrMapOvr>
-    <a:masterClrMapping/>
-  </p:clrMapOvr>
+  <mc:AlternateContent xmlns:mc="http://schemas.openxmlformats.org/markup-compatibility/2006" xmlns:p14="http://schemas.microsoft.com/office/powerpoint/2010/main">
+    <mc:Choice Requires="p14">
+      <p:transition p14:dur="0"/>
+    </mc:Choice>
+    <mc:Fallback xmlns="">
+      <p:transition/>
+    </mc:Fallback>
+  </mc:AlternateContent>
   <p:timing>
     <p:tnLst>
       <p:par>
-        <p:cTn id="1" dur="indefinite" restart="never" nodeType="tmRoot"/>
+        <p:cTn id="1" dur="indefinite" restart="never" nodeType="tmRoot">
+          <p:childTnLst>
+            <p:seq concurrent="1" nextAc="seek">
+              <p:cTn id="2" dur="indefinite" nodeType="mainSeq">
+                <p:childTnLst>
+                  <p:par>
+                    <p:cTn id="3" fill="hold">
+                      <p:stCondLst>
+                        <p:cond delay="indefinite"/>
+                      </p:stCondLst>
+                      <p:childTnLst>
+                        <p:par>
+                          <p:cTn id="4" fill="hold">
+                            <p:stCondLst>
+                              <p:cond delay="0"/>
+                            </p:stCondLst>
+                            <p:childTnLst>
+                              <p:par>
+                                <p:cTn id="5" presetID="1" presetClass="entr" presetSubtype="0" fill="hold" nodeType="clickEffect">
+                                  <p:stCondLst>
+                                    <p:cond delay="0"/>
+                                  </p:stCondLst>
+                                  <p:childTnLst>
+                                    <p:set>
+                                      <p:cBhvr>
+                                        <p:cTn id="6" dur="1" fill="hold">
+                                          <p:stCondLst>
+                                            <p:cond delay="0"/>
+                                          </p:stCondLst>
+                                        </p:cTn>
+                                        <p:tgtEl>
+                                          <p:spTgt spid="7"/>
+                                        </p:tgtEl>
+                                        <p:attrNameLst>
+                                          <p:attrName>style.visibility</p:attrName>
+                                        </p:attrNameLst>
+                                      </p:cBhvr>
+                                      <p:to>
+                                        <p:strVal val="visible"/>
+                                      </p:to>
+                                    </p:set>
+                                  </p:childTnLst>
+                                </p:cTn>
+                              </p:par>
+                            </p:childTnLst>
+                          </p:cTn>
+                        </p:par>
+                      </p:childTnLst>
+                    </p:cTn>
+                  </p:par>
+                  <p:par>
+                    <p:cTn id="7" fill="hold">
+                      <p:stCondLst>
+                        <p:cond delay="indefinite"/>
+                      </p:stCondLst>
+                      <p:childTnLst>
+                        <p:par>
+                          <p:cTn id="8" fill="hold">
+                            <p:stCondLst>
+                              <p:cond delay="0"/>
+                            </p:stCondLst>
+                            <p:childTnLst>
+                              <p:par>
+                                <p:cTn id="9" presetID="2" presetClass="entr" presetSubtype="4" fill="hold" nodeType="clickEffect">
+                                  <p:stCondLst>
+                                    <p:cond delay="0"/>
+                                  </p:stCondLst>
+                                  <p:childTnLst>
+                                    <p:set>
+                                      <p:cBhvr>
+                                        <p:cTn id="10" dur="1" fill="hold">
+                                          <p:stCondLst>
+                                            <p:cond delay="0"/>
+                                          </p:stCondLst>
+                                        </p:cTn>
+                                        <p:tgtEl>
+                                          <p:spTgt spid="8"/>
+                                        </p:tgtEl>
+                                        <p:attrNameLst>
+                                          <p:attrName>style.visibility</p:attrName>
+                                        </p:attrNameLst>
+                                      </p:cBhvr>
+                                      <p:to>
+                                        <p:strVal val="visible"/>
+                                      </p:to>
+                                    </p:set>
+                                    <p:anim calcmode="lin" valueType="num">
+                                      <p:cBhvr additive="base">
+                                        <p:cTn id="11" dur="500" fill="hold"/>
+                                        <p:tgtEl>
+                                          <p:spTgt spid="8"/>
+                                        </p:tgtEl>
+                                        <p:attrNameLst>
+                                          <p:attrName>ppt_x</p:attrName>
+                                        </p:attrNameLst>
+                                      </p:cBhvr>
+                                      <p:tavLst>
+                                        <p:tav tm="0">
+                                          <p:val>
+                                            <p:strVal val="#ppt_x"/>
+                                          </p:val>
+                                        </p:tav>
+                                        <p:tav tm="100000">
+                                          <p:val>
+                                            <p:strVal val="#ppt_x"/>
+                                          </p:val>
+                                        </p:tav>
+                                      </p:tavLst>
+                                    </p:anim>
+                                    <p:anim calcmode="lin" valueType="num">
+                                      <p:cBhvr additive="base">
+                                        <p:cTn id="12" dur="500" fill="hold"/>
+                                        <p:tgtEl>
+                                          <p:spTgt spid="8"/>
+                                        </p:tgtEl>
+                                        <p:attrNameLst>
+                                          <p:attrName>ppt_y</p:attrName>
+                                        </p:attrNameLst>
+                                      </p:cBhvr>
+                                      <p:tavLst>
+                                        <p:tav tm="0">
+                                          <p:val>
+                                            <p:strVal val="1+#ppt_h/2"/>
+                                          </p:val>
+                                        </p:tav>
+                                        <p:tav tm="100000">
+                                          <p:val>
+                                            <p:strVal val="#ppt_y"/>
+                                          </p:val>
+                                        </p:tav>
+                                      </p:tavLst>
+                                    </p:anim>
+                                  </p:childTnLst>
+                                </p:cTn>
+                              </p:par>
+                            </p:childTnLst>
+                          </p:cTn>
+                        </p:par>
+                      </p:childTnLst>
+                    </p:cTn>
+                  </p:par>
+                </p:childTnLst>
+              </p:cTn>
+              <p:prevCondLst>
+                <p:cond evt="onPrev" delay="0">
+                  <p:tgtEl>
+                    <p:sldTgt/>
+                  </p:tgtEl>
+                </p:cond>
+              </p:prevCondLst>
+              <p:nextCondLst>
+                <p:cond evt="onNext" delay="0">
+                  <p:tgtEl>
+                    <p:sldTgt/>
+                  </p:tgtEl>
+                </p:cond>
+              </p:nextCondLst>
+            </p:seq>
+          </p:childTnLst>
+        </p:cTn>
       </p:par>
     </p:tnLst>
   </p:timing>
@@ -12449,117 +13622,240 @@
             <p:ph type="title"/>
           </p:nvPr>
         </p:nvSpPr>
-        <p:spPr/>
+        <p:spPr>
+          <a:xfrm>
+            <a:off x="685801" y="381000"/>
+            <a:ext cx="10131425" cy="1456267"/>
+          </a:xfrm>
+        </p:spPr>
         <p:txBody>
           <a:bodyPr/>
           <a:lstStyle/>
           <a:p>
+            <a:pPr algn="ctr"/>
             <a:r>
               <a:rPr lang="hy-AM" dirty="0" smtClean="0"/>
-              <a:t>Լցոնում</a:t>
-            </a:r>
-            <a:r>
-              <a:rPr lang="en-US" dirty="0" smtClean="0"/>
-              <a:t> </a:t>
-            </a:r>
-            <a:r>
-              <a:rPr lang="hy-AM" dirty="0" smtClean="0"/>
-              <a:t>Ֆիքսված</a:t>
+              <a:t>Սեգմենտավորում</a:t>
             </a:r>
             <a:endParaRPr lang="en-US" dirty="0"/>
-          </a:p>
-        </p:txBody>
-      </p:sp>
-      <p:sp>
-        <p:nvSpPr>
-          <p:cNvPr id="3" name="Text Placeholder 2"/>
-          <p:cNvSpPr>
-            <a:spLocks noGrp="1"/>
-          </p:cNvSpPr>
-          <p:nvPr>
-            <p:ph type="body" idx="1"/>
-          </p:nvPr>
-        </p:nvSpPr>
-        <p:spPr/>
-        <p:txBody>
-          <a:bodyPr/>
-          <a:lstStyle/>
-          <a:p>
-            <a:endParaRPr lang="en-US"/>
           </a:p>
         </p:txBody>
       </p:sp>
       <p:pic>
         <p:nvPicPr>
-          <p:cNvPr id="7" name="Content Placeholder 6"/>
+          <p:cNvPr id="11" name="Image1"/>
           <p:cNvPicPr>
-            <a:picLocks noGrp="1" noChangeAspect="1"/>
+            <a:picLocks noGrp="1"/>
           </p:cNvPicPr>
           <p:nvPr>
-            <p:ph sz="half" idx="2"/>
+            <p:ph idx="1"/>
           </p:nvPr>
         </p:nvPicPr>
         <p:blipFill>
-          <a:blip r:embed="rId2">
-            <a:extLst>
-              <a:ext uri="{28A0092B-C50C-407E-A947-70E740481C1C}">
-                <a14:useLocalDpi xmlns:a14="http://schemas.microsoft.com/office/drawing/2010/main" val="0"/>
-              </a:ext>
-            </a:extLst>
-          </a:blip>
+          <a:blip r:embed="rId2"/>
           <a:stretch>
             <a:fillRect/>
           </a:stretch>
         </p:blipFill>
+        <p:spPr bwMode="auto">
+          <a:xfrm>
+            <a:off x="685802" y="2065867"/>
+            <a:ext cx="5762625" cy="2276475"/>
+          </a:xfrm>
+          <a:prstGeom prst="rect">
+            <a:avLst/>
+          </a:prstGeom>
+        </p:spPr>
+      </p:pic>
+      <p:graphicFrame>
+        <p:nvGraphicFramePr>
+          <p:cNvPr id="22" name="Table 21"/>
+          <p:cNvGraphicFramePr>
+            <a:graphicFrameLocks noGrp="1"/>
+          </p:cNvGraphicFramePr>
+          <p:nvPr>
+            <p:extLst>
+              <p:ext uri="{D42A27DB-BD31-4B8C-83A1-F6EECF244321}">
+                <p14:modId xmlns:p14="http://schemas.microsoft.com/office/powerpoint/2010/main" val="1591409340"/>
+              </p:ext>
+            </p:extLst>
+          </p:nvPr>
+        </p:nvGraphicFramePr>
+        <p:xfrm>
+          <a:off x="685801" y="4342342"/>
+          <a:ext cx="5762626" cy="370840"/>
+        </p:xfrm>
+        <a:graphic>
+          <a:graphicData uri="http://schemas.openxmlformats.org/drawingml/2006/table">
+            <a:tbl>
+              <a:tblPr firstRow="1" bandRow="1">
+                <a:tableStyleId>{5C22544A-7EE6-4342-B048-85BDC9FD1C3A}</a:tableStyleId>
+              </a:tblPr>
+              <a:tblGrid>
+                <a:gridCol w="2881313">
+                  <a:extLst>
+                    <a:ext uri="{9D8B030D-6E8A-4147-A177-3AD203B41FA5}">
+                      <a16:colId xmlns:a16="http://schemas.microsoft.com/office/drawing/2014/main" val="3318161435"/>
+                    </a:ext>
+                  </a:extLst>
+                </a:gridCol>
+                <a:gridCol w="2881313">
+                  <a:extLst>
+                    <a:ext uri="{9D8B030D-6E8A-4147-A177-3AD203B41FA5}">
+                      <a16:colId xmlns:a16="http://schemas.microsoft.com/office/drawing/2014/main" val="4127245324"/>
+                    </a:ext>
+                  </a:extLst>
+                </a:gridCol>
+              </a:tblGrid>
+              <a:tr h="370840">
+                <a:tc>
+                  <a:txBody>
+                    <a:bodyPr/>
+                    <a:lstStyle/>
+                    <a:p>
+                      <a:pPr algn="ctr"/>
+                      <a:r>
+                        <a:rPr lang="hy-AM" dirty="0" smtClean="0">
+                          <a:ln>
+                            <a:solidFill>
+                              <a:schemeClr val="tx1"/>
+                            </a:solidFill>
+                          </a:ln>
+                          <a:solidFill>
+                            <a:schemeClr val="tx1"/>
+                          </a:solidFill>
+                        </a:rPr>
+                        <a:t>Ա</a:t>
+                      </a:r>
+                      <a:r>
+                        <a:rPr lang="en-US" dirty="0" smtClean="0">
+                          <a:ln>
+                            <a:solidFill>
+                              <a:schemeClr val="tx1"/>
+                            </a:solidFill>
+                          </a:ln>
+                          <a:solidFill>
+                            <a:schemeClr val="tx1"/>
+                          </a:solidFill>
+                        </a:rPr>
+                        <a:t>)</a:t>
+                      </a:r>
+                      <a:endParaRPr lang="en-US" dirty="0">
+                        <a:ln>
+                          <a:solidFill>
+                            <a:schemeClr val="tx1"/>
+                          </a:solidFill>
+                        </a:ln>
+                        <a:solidFill>
+                          <a:schemeClr val="tx1"/>
+                        </a:solidFill>
+                      </a:endParaRPr>
+                    </a:p>
+                  </a:txBody>
+                  <a:tcPr>
+                    <a:noFill/>
+                  </a:tcPr>
+                </a:tc>
+                <a:tc>
+                  <a:txBody>
+                    <a:bodyPr/>
+                    <a:lstStyle/>
+                    <a:p>
+                      <a:pPr algn="ctr"/>
+                      <a:r>
+                        <a:rPr lang="hy-AM" dirty="0" smtClean="0"/>
+                        <a:t>Բ</a:t>
+                      </a:r>
+                      <a:r>
+                        <a:rPr lang="en-US" dirty="0" smtClean="0"/>
+                        <a:t>)</a:t>
+                      </a:r>
+                      <a:endParaRPr lang="en-US" dirty="0"/>
+                    </a:p>
+                  </a:txBody>
+                  <a:tcPr>
+                    <a:noFill/>
+                  </a:tcPr>
+                </a:tc>
+                <a:extLst>
+                  <a:ext uri="{0D108BD9-81ED-4DB2-BD59-A6C34878D82A}">
+                    <a16:rowId xmlns:a16="http://schemas.microsoft.com/office/drawing/2014/main" val="2750261522"/>
+                  </a:ext>
+                </a:extLst>
+              </a:tr>
+            </a:tbl>
+          </a:graphicData>
+        </a:graphic>
+      </p:graphicFrame>
+      <p:sp>
+        <p:nvSpPr>
+          <p:cNvPr id="24" name="TextBox 23"/>
+          <p:cNvSpPr txBox="1"/>
+          <p:nvPr/>
+        </p:nvSpPr>
         <p:spPr>
           <a:xfrm>
-            <a:off x="1027526" y="2870200"/>
-            <a:ext cx="4313997" cy="2921000"/>
+            <a:off x="6569241" y="2065867"/>
+            <a:ext cx="5342021" cy="1754326"/>
           </a:xfrm>
+          <a:prstGeom prst="rect">
+            <a:avLst/>
+          </a:prstGeom>
+          <a:noFill/>
         </p:spPr>
-      </p:pic>
-      <p:sp>
-        <p:nvSpPr>
-          <p:cNvPr id="5" name="Text Placeholder 4"/>
-          <p:cNvSpPr>
-            <a:spLocks noGrp="1"/>
-          </p:cNvSpPr>
-          <p:nvPr>
-            <p:ph type="body" sz="quarter" idx="3"/>
-          </p:nvPr>
-        </p:nvSpPr>
-        <p:spPr/>
         <p:txBody>
-          <a:bodyPr/>
+          <a:bodyPr wrap="square" rtlCol="0">
+            <a:spAutoFit/>
+          </a:bodyPr>
           <a:lstStyle/>
           <a:p>
-            <a:endParaRPr lang="en-US"/>
-          </a:p>
-        </p:txBody>
-      </p:sp>
-      <p:sp>
-        <p:nvSpPr>
-          <p:cNvPr id="6" name="Content Placeholder 5"/>
-          <p:cNvSpPr>
-            <a:spLocks noGrp="1"/>
-          </p:cNvSpPr>
-          <p:nvPr>
-            <p:ph sz="quarter" idx="4"/>
-          </p:nvPr>
-        </p:nvSpPr>
-        <p:spPr/>
-        <p:txBody>
-          <a:bodyPr/>
-          <a:lstStyle/>
-          <a:p>
-            <a:endParaRPr lang="en-US" dirty="0"/>
+            <a:r>
+              <a:rPr lang="hy-AM" dirty="0" smtClean="0"/>
+              <a:t>Լուսավոր օբյեկտները մուգ ֆոնի վրա։</a:t>
+            </a:r>
+          </a:p>
+          <a:p>
+            <a:pPr marL="285750" indent="-285750">
+              <a:buFont typeface="Arial" panose="020B0604020202020204" pitchFamily="34" charset="0"/>
+              <a:buChar char="•"/>
+            </a:pPr>
+            <a:r>
+              <a:rPr lang="hy-AM" dirty="0" smtClean="0"/>
+              <a:t>օբյեկտների և ֆոնի գույները խմբավորված են </a:t>
+            </a:r>
+            <a:r>
+              <a:rPr lang="en-US" dirty="0" smtClean="0"/>
+              <a:t>2 </a:t>
+            </a:r>
+            <a:r>
+              <a:rPr lang="hy-AM" dirty="0" smtClean="0"/>
+              <a:t>գերիշխող գույներում։</a:t>
+            </a:r>
+          </a:p>
+          <a:p>
+            <a:pPr marL="285750" indent="-285750">
+              <a:buFont typeface="Arial" panose="020B0604020202020204" pitchFamily="34" charset="0"/>
+              <a:buChar char="•"/>
+            </a:pPr>
+            <a:r>
+              <a:rPr lang="hy-AM" dirty="0" smtClean="0"/>
+              <a:t>2 տիպի լուսավոր օբյեկտներ մուգ ֆոնի վրա և գույները խմբավորված են </a:t>
+            </a:r>
+            <a:r>
+              <a:rPr lang="en-US" dirty="0" smtClean="0"/>
+              <a:t>3 </a:t>
+            </a:r>
+            <a:r>
+              <a:rPr lang="hy-AM" dirty="0" smtClean="0"/>
+              <a:t>գերիշխող գույներում։</a:t>
+            </a:r>
           </a:p>
         </p:txBody>
       </p:sp>
     </p:spTree>
     <p:extLst>
       <p:ext uri="{BB962C8B-B14F-4D97-AF65-F5344CB8AC3E}">
-        <p14:creationId xmlns:p14="http://schemas.microsoft.com/office/powerpoint/2010/main" val="2714546464"/>
+        <p14:creationId xmlns:p14="http://schemas.microsoft.com/office/powerpoint/2010/main" val="1533278837"/>
       </p:ext>
     </p:extLst>
   </p:cSld>
@@ -12569,7 +13865,83 @@
   <p:timing>
     <p:tnLst>
       <p:par>
-        <p:cTn id="1" dur="indefinite" restart="never" nodeType="tmRoot"/>
+        <p:cTn id="1" dur="indefinite" restart="never" nodeType="tmRoot">
+          <p:childTnLst>
+            <p:seq concurrent="1" nextAc="seek">
+              <p:cTn id="2" dur="indefinite" nodeType="mainSeq">
+                <p:childTnLst>
+                  <p:par>
+                    <p:cTn id="3" fill="hold">
+                      <p:stCondLst>
+                        <p:cond delay="indefinite"/>
+                      </p:stCondLst>
+                      <p:childTnLst>
+                        <p:par>
+                          <p:cTn id="4" fill="hold">
+                            <p:stCondLst>
+                              <p:cond delay="0"/>
+                            </p:stCondLst>
+                            <p:childTnLst>
+                              <p:par>
+                                <p:cTn id="5" presetID="10" presetClass="entr" presetSubtype="0" fill="hold" nodeType="clickEffect">
+                                  <p:stCondLst>
+                                    <p:cond delay="0"/>
+                                  </p:stCondLst>
+                                  <p:childTnLst>
+                                    <p:set>
+                                      <p:cBhvr>
+                                        <p:cTn id="6" dur="1" fill="hold">
+                                          <p:stCondLst>
+                                            <p:cond delay="0"/>
+                                          </p:stCondLst>
+                                        </p:cTn>
+                                        <p:tgtEl>
+                                          <p:spTgt spid="11"/>
+                                        </p:tgtEl>
+                                        <p:attrNameLst>
+                                          <p:attrName>style.visibility</p:attrName>
+                                        </p:attrNameLst>
+                                      </p:cBhvr>
+                                      <p:to>
+                                        <p:strVal val="visible"/>
+                                      </p:to>
+                                    </p:set>
+                                    <p:animEffect transition="in" filter="fade">
+                                      <p:cBhvr>
+                                        <p:cTn id="7" dur="500"/>
+                                        <p:tgtEl>
+                                          <p:spTgt spid="11"/>
+                                        </p:tgtEl>
+                                      </p:cBhvr>
+                                    </p:animEffect>
+                                  </p:childTnLst>
+                                </p:cTn>
+                              </p:par>
+                            </p:childTnLst>
+                          </p:cTn>
+                        </p:par>
+                      </p:childTnLst>
+                    </p:cTn>
+                  </p:par>
+                </p:childTnLst>
+              </p:cTn>
+              <p:prevCondLst>
+                <p:cond evt="onPrev" delay="0">
+                  <p:tgtEl>
+                    <p:sldTgt/>
+                  </p:tgtEl>
+                </p:cond>
+              </p:prevCondLst>
+              <p:nextCondLst>
+                <p:cond evt="onNext" delay="0">
+                  <p:tgtEl>
+                    <p:sldTgt/>
+                  </p:tgtEl>
+                </p:cond>
+              </p:nextCondLst>
+            </p:seq>
+          </p:childTnLst>
+        </p:cTn>
       </p:par>
     </p:tnLst>
   </p:timing>
@@ -12610,7 +13982,15 @@
           <a:p>
             <a:r>
               <a:rPr lang="hy-AM" dirty="0" smtClean="0"/>
-              <a:t>Լցոնում Լողացող</a:t>
+              <a:t>Լցոնում 4</a:t>
+            </a:r>
+            <a:r>
+              <a:rPr lang="en-US" dirty="0" smtClean="0"/>
+              <a:t> </a:t>
+            </a:r>
+            <a:r>
+              <a:rPr lang="hy-AM" dirty="0" smtClean="0"/>
+              <a:t>Ուղղությամբ</a:t>
             </a:r>
             <a:endParaRPr lang="en-US" dirty="0"/>
           </a:p>
@@ -12618,26 +13998,217 @@
       </p:sp>
       <p:sp>
         <p:nvSpPr>
-          <p:cNvPr id="3" name="Text Placeholder 2"/>
+          <p:cNvPr id="6" name="Content Placeholder 5"/>
           <p:cNvSpPr>
             <a:spLocks noGrp="1"/>
           </p:cNvSpPr>
           <p:nvPr>
-            <p:ph type="body" idx="1"/>
+            <p:ph sz="quarter" idx="4"/>
           </p:nvPr>
         </p:nvSpPr>
-        <p:spPr/>
+        <p:spPr>
+          <a:xfrm>
+            <a:off x="2383481" y="1917700"/>
+            <a:ext cx="9537586" cy="4246033"/>
+          </a:xfrm>
+        </p:spPr>
         <p:txBody>
-          <a:bodyPr/>
+          <a:bodyPr>
+            <a:normAutofit/>
+          </a:bodyPr>
           <a:lstStyle/>
           <a:p>
-            <a:endParaRPr lang="en-US"/>
+            <a:r>
+              <a:rPr lang="hy-AM" b="1" dirty="0" smtClean="0"/>
+              <a:t>Լցոնում</a:t>
+            </a:r>
+            <a:r>
+              <a:rPr lang="en-US" dirty="0" smtClean="0"/>
+              <a:t>(</a:t>
+            </a:r>
+            <a:r>
+              <a:rPr lang="hy-AM" sz="1600" dirty="0" smtClean="0"/>
+              <a:t>էլեմենտ,փոփոխվող գույն,լցոնման գույն</a:t>
+            </a:r>
+            <a:r>
+              <a:rPr lang="en-US" dirty="0" smtClean="0"/>
+              <a:t>)</a:t>
+            </a:r>
+            <a:endParaRPr lang="hy-AM" dirty="0" smtClean="0"/>
+          </a:p>
+          <a:p>
+            <a:pPr marL="342900" indent="-342900">
+              <a:buFont typeface="+mj-lt"/>
+              <a:buAutoNum type="arabicPeriod"/>
+            </a:pPr>
+            <a:r>
+              <a:rPr lang="hy-AM" dirty="0" smtClean="0"/>
+              <a:t>Եթե էլեմենտի գույնը չի համապատասխանւոմ փոփոխվող գույնին ուրեմն վերադարձ։</a:t>
+            </a:r>
+            <a:endParaRPr lang="en-US" dirty="0" smtClean="0"/>
+          </a:p>
+          <a:p>
+            <a:pPr marL="342900" indent="-342900">
+              <a:buFont typeface="+mj-lt"/>
+              <a:buAutoNum type="arabicPeriod"/>
+            </a:pPr>
+            <a:r>
+              <a:rPr lang="hy-AM" dirty="0" smtClean="0"/>
+              <a:t>Էլեմենտի գույնը փոխել լցոնման գույնով։</a:t>
+            </a:r>
+          </a:p>
+          <a:p>
+            <a:pPr marL="342900" indent="-342900">
+              <a:buFont typeface="+mj-lt"/>
+              <a:buAutoNum type="arabicPeriod"/>
+            </a:pPr>
+            <a:r>
+              <a:rPr lang="hy-AM" b="1" dirty="0"/>
+              <a:t>Լցոնում</a:t>
+            </a:r>
+            <a:r>
+              <a:rPr lang="en-US" dirty="0" smtClean="0"/>
+              <a:t>(</a:t>
+            </a:r>
+            <a:r>
+              <a:rPr lang="hy-AM" dirty="0" smtClean="0"/>
+              <a:t>ձախ էլեմենտ,փոփոխվող </a:t>
+            </a:r>
+            <a:r>
+              <a:rPr lang="hy-AM" dirty="0"/>
+              <a:t>գույն,լցոնման գույն</a:t>
+            </a:r>
+            <a:r>
+              <a:rPr lang="en-US" dirty="0"/>
+              <a:t>)</a:t>
+            </a:r>
+            <a:endParaRPr lang="hy-AM" dirty="0"/>
+          </a:p>
+          <a:p>
+            <a:pPr marL="0" indent="0">
+              <a:buNone/>
+            </a:pPr>
+            <a:r>
+              <a:rPr lang="hy-AM" dirty="0" smtClean="0"/>
+              <a:t>      </a:t>
+            </a:r>
+            <a:r>
+              <a:rPr lang="hy-AM" b="1" dirty="0"/>
+              <a:t>Լցոնում</a:t>
+            </a:r>
+            <a:r>
+              <a:rPr lang="en-US" dirty="0" smtClean="0"/>
+              <a:t>(</a:t>
+            </a:r>
+            <a:r>
+              <a:rPr lang="hy-AM" dirty="0" smtClean="0"/>
+              <a:t>աջ էլեմենտ,փոփոխվող </a:t>
+            </a:r>
+            <a:r>
+              <a:rPr lang="hy-AM" dirty="0"/>
+              <a:t>գույն,լցոնման գույն</a:t>
+            </a:r>
+            <a:r>
+              <a:rPr lang="en-US" dirty="0"/>
+              <a:t>)</a:t>
+            </a:r>
+            <a:endParaRPr lang="hy-AM" dirty="0"/>
+          </a:p>
+          <a:p>
+            <a:pPr marL="0" indent="0">
+              <a:buNone/>
+            </a:pPr>
+            <a:r>
+              <a:rPr lang="hy-AM" dirty="0" smtClean="0"/>
+              <a:t>      </a:t>
+            </a:r>
+            <a:r>
+              <a:rPr lang="hy-AM" b="1" dirty="0"/>
+              <a:t>Լցոնում</a:t>
+            </a:r>
+            <a:r>
+              <a:rPr lang="en-US" dirty="0" smtClean="0"/>
+              <a:t>(</a:t>
+            </a:r>
+            <a:r>
+              <a:rPr lang="hy-AM" dirty="0" smtClean="0"/>
+              <a:t>վերևի էլեմենտ,փոփոխվող </a:t>
+            </a:r>
+            <a:r>
+              <a:rPr lang="hy-AM" dirty="0"/>
+              <a:t>գույն,լցոնման գույն</a:t>
+            </a:r>
+            <a:r>
+              <a:rPr lang="en-US" dirty="0"/>
+              <a:t>)</a:t>
+            </a:r>
+            <a:endParaRPr lang="hy-AM" dirty="0"/>
+          </a:p>
+          <a:p>
+            <a:pPr marL="0" indent="0">
+              <a:buNone/>
+            </a:pPr>
+            <a:r>
+              <a:rPr lang="hy-AM" dirty="0" smtClean="0"/>
+              <a:t>      </a:t>
+            </a:r>
+            <a:r>
+              <a:rPr lang="hy-AM" b="1" dirty="0"/>
+              <a:t>Լցոնում</a:t>
+            </a:r>
+            <a:r>
+              <a:rPr lang="en-US" dirty="0" smtClean="0"/>
+              <a:t>(</a:t>
+            </a:r>
+            <a:r>
+              <a:rPr lang="hy-AM" dirty="0" smtClean="0"/>
+              <a:t>ներքևի էլեմենտ,փոփոխվող </a:t>
+            </a:r>
+            <a:r>
+              <a:rPr lang="hy-AM" dirty="0"/>
+              <a:t>գույն,լցոնման գույն</a:t>
+            </a:r>
+            <a:r>
+              <a:rPr lang="en-US" dirty="0" smtClean="0"/>
+              <a:t>)</a:t>
+            </a:r>
+            <a:endParaRPr lang="hy-AM" dirty="0" smtClean="0"/>
+          </a:p>
+          <a:p>
+            <a:pPr marL="0" indent="0">
+              <a:buNone/>
+            </a:pPr>
+            <a:r>
+              <a:rPr lang="hy-AM" dirty="0" smtClean="0"/>
+              <a:t>4․ Վերադարձ</a:t>
+            </a:r>
+            <a:endParaRPr lang="hy-AM" dirty="0"/>
+          </a:p>
+          <a:p>
+            <a:pPr marL="0" indent="0">
+              <a:buNone/>
+            </a:pPr>
+            <a:endParaRPr lang="hy-AM" dirty="0" smtClean="0"/>
+          </a:p>
+          <a:p>
+            <a:pPr marL="342900" indent="-342900">
+              <a:buFont typeface="+mj-lt"/>
+              <a:buAutoNum type="arabicPeriod"/>
+            </a:pPr>
+            <a:endParaRPr lang="hy-AM" dirty="0" smtClean="0"/>
+          </a:p>
+          <a:p>
+            <a:pPr marL="342900" indent="-342900">
+              <a:buFont typeface="+mj-lt"/>
+              <a:buAutoNum type="arabicPeriod"/>
+            </a:pPr>
+            <a:endParaRPr lang="en-US" dirty="0"/>
           </a:p>
         </p:txBody>
       </p:sp>
       <p:pic>
         <p:nvPicPr>
-          <p:cNvPr id="7" name="Content Placeholder 6"/>
+          <p:cNvPr id="13" name="Content Placeholder 12"/>
           <p:cNvPicPr>
             <a:picLocks noGrp="1" noChangeAspect="1"/>
           </p:cNvPicPr>
@@ -12659,53 +14230,15 @@
         </p:blipFill>
         <p:spPr>
           <a:xfrm>
-            <a:off x="1038172" y="2870200"/>
-            <a:ext cx="4292706" cy="2921000"/>
+            <a:off x="685801" y="1917700"/>
+            <a:ext cx="1371600" cy="1371600"/>
           </a:xfrm>
         </p:spPr>
       </p:pic>
-      <p:sp>
-        <p:nvSpPr>
-          <p:cNvPr id="5" name="Text Placeholder 4"/>
-          <p:cNvSpPr>
-            <a:spLocks noGrp="1"/>
-          </p:cNvSpPr>
-          <p:nvPr>
-            <p:ph type="body" sz="quarter" idx="3"/>
-          </p:nvPr>
-        </p:nvSpPr>
-        <p:spPr/>
-        <p:txBody>
-          <a:bodyPr/>
-          <a:lstStyle/>
-          <a:p>
-            <a:endParaRPr lang="en-US"/>
-          </a:p>
-        </p:txBody>
-      </p:sp>
-      <p:sp>
-        <p:nvSpPr>
-          <p:cNvPr id="6" name="Content Placeholder 5"/>
-          <p:cNvSpPr>
-            <a:spLocks noGrp="1"/>
-          </p:cNvSpPr>
-          <p:nvPr>
-            <p:ph sz="quarter" idx="4"/>
-          </p:nvPr>
-        </p:nvSpPr>
-        <p:spPr/>
-        <p:txBody>
-          <a:bodyPr/>
-          <a:lstStyle/>
-          <a:p>
-            <a:endParaRPr lang="en-US"/>
-          </a:p>
-        </p:txBody>
-      </p:sp>
     </p:spTree>
     <p:extLst>
       <p:ext uri="{BB962C8B-B14F-4D97-AF65-F5344CB8AC3E}">
-        <p14:creationId xmlns:p14="http://schemas.microsoft.com/office/powerpoint/2010/main" val="2932466465"/>
+        <p14:creationId xmlns:p14="http://schemas.microsoft.com/office/powerpoint/2010/main" val="3600918697"/>
       </p:ext>
     </p:extLst>
   </p:cSld>
@@ -12755,56 +14288,18 @@
           <a:lstStyle/>
           <a:p>
             <a:r>
-              <a:rPr lang="hy-AM" dirty="0" smtClean="0"/>
-              <a:t>Լցոնում 4</a:t>
+              <a:rPr lang="hy-AM" dirty="0"/>
+              <a:t>Լցոնում </a:t>
             </a:r>
             <a:r>
               <a:rPr lang="en-US" dirty="0" smtClean="0"/>
-              <a:t> </a:t>
-            </a:r>
-            <a:r>
-              <a:rPr lang="hy-AM" dirty="0" smtClean="0"/>
+              <a:t>8 </a:t>
+            </a:r>
+            <a:r>
+              <a:rPr lang="hy-AM" dirty="0"/>
               <a:t>Ուղղությամբ</a:t>
             </a:r>
             <a:endParaRPr lang="en-US" dirty="0"/>
-          </a:p>
-        </p:txBody>
-      </p:sp>
-      <p:sp>
-        <p:nvSpPr>
-          <p:cNvPr id="3" name="Text Placeholder 2"/>
-          <p:cNvSpPr>
-            <a:spLocks noGrp="1"/>
-          </p:cNvSpPr>
-          <p:nvPr>
-            <p:ph type="body" idx="1"/>
-          </p:nvPr>
-        </p:nvSpPr>
-        <p:spPr/>
-        <p:txBody>
-          <a:bodyPr/>
-          <a:lstStyle/>
-          <a:p>
-            <a:endParaRPr lang="en-US"/>
-          </a:p>
-        </p:txBody>
-      </p:sp>
-      <p:sp>
-        <p:nvSpPr>
-          <p:cNvPr id="5" name="Text Placeholder 4"/>
-          <p:cNvSpPr>
-            <a:spLocks noGrp="1"/>
-          </p:cNvSpPr>
-          <p:nvPr>
-            <p:ph type="body" sz="quarter" idx="3"/>
-          </p:nvPr>
-        </p:nvSpPr>
-        <p:spPr/>
-        <p:txBody>
-          <a:bodyPr/>
-          <a:lstStyle/>
-          <a:p>
-            <a:endParaRPr lang="en-US"/>
           </a:p>
         </p:txBody>
       </p:sp>
@@ -12820,31 +14315,33 @@
         </p:nvSpPr>
         <p:spPr>
           <a:xfrm>
-            <a:off x="4720281" y="2870201"/>
-            <a:ext cx="6098536" cy="2920998"/>
+            <a:off x="2572283" y="2065867"/>
+            <a:ext cx="9043984" cy="4318000"/>
           </a:xfrm>
         </p:spPr>
         <p:txBody>
-          <a:bodyPr/>
+          <a:bodyPr>
+            <a:normAutofit fontScale="92500" lnSpcReduction="20000"/>
+          </a:bodyPr>
           <a:lstStyle/>
           <a:p>
             <a:r>
-              <a:rPr lang="hy-AM" b="1" dirty="0" smtClean="0"/>
+              <a:rPr lang="hy-AM" b="1" dirty="0"/>
               <a:t>Լցոնում</a:t>
             </a:r>
             <a:r>
-              <a:rPr lang="en-US" dirty="0" smtClean="0"/>
+              <a:rPr lang="en-US" dirty="0"/>
               <a:t>(</a:t>
             </a:r>
             <a:r>
-              <a:rPr lang="hy-AM" sz="1600" dirty="0" smtClean="0"/>
+              <a:rPr lang="hy-AM" sz="1600" dirty="0"/>
               <a:t>էլեմենտ,փոփոխվող գույն,լցոնման գույն</a:t>
             </a:r>
             <a:r>
-              <a:rPr lang="en-US" dirty="0" smtClean="0"/>
+              <a:rPr lang="en-US" dirty="0"/>
               <a:t>)</a:t>
             </a:r>
-            <a:endParaRPr lang="hy-AM" dirty="0" smtClean="0"/>
+            <a:endParaRPr lang="hy-AM" dirty="0"/>
           </a:p>
           <a:p>
             <a:pPr marL="342900" indent="-342900">
@@ -12852,22 +14349,295 @@
               <a:buAutoNum type="arabicPeriod"/>
             </a:pPr>
             <a:r>
-              <a:rPr lang="hy-AM" dirty="0" smtClean="0"/>
+              <a:rPr lang="hy-AM" dirty="0"/>
               <a:t>Եթե էլեմենտի գույնը չի համապատասխանւոմ փոփոխվող գույնին ուրեմն վերադարձ։</a:t>
             </a:r>
+            <a:endParaRPr lang="en-US" dirty="0"/>
           </a:p>
           <a:p>
             <a:pPr marL="342900" indent="-342900">
               <a:buFont typeface="+mj-lt"/>
               <a:buAutoNum type="arabicPeriod"/>
             </a:pPr>
+            <a:r>
+              <a:rPr lang="hy-AM" dirty="0"/>
+              <a:t>Էլեմենտի </a:t>
+            </a:r>
+            <a:r>
+              <a:rPr lang="hy-AM" dirty="0" smtClean="0"/>
+              <a:t>փոխել </a:t>
+            </a:r>
+            <a:r>
+              <a:rPr lang="hy-AM" dirty="0"/>
+              <a:t>լցոնման գույնով։</a:t>
+            </a:r>
+          </a:p>
+          <a:p>
+            <a:pPr marL="342900" indent="-342900">
+              <a:buFont typeface="+mj-lt"/>
+              <a:buAutoNum type="arabicPeriod"/>
+            </a:pPr>
+            <a:r>
+              <a:rPr lang="hy-AM" b="1" dirty="0"/>
+              <a:t>Լցոնում</a:t>
+            </a:r>
+            <a:r>
+              <a:rPr lang="en-US" dirty="0"/>
+              <a:t>(</a:t>
+            </a:r>
+            <a:r>
+              <a:rPr lang="hy-AM" dirty="0" smtClean="0"/>
+              <a:t>ձախ </a:t>
+            </a:r>
+            <a:r>
+              <a:rPr lang="hy-AM" dirty="0"/>
+              <a:t>էլեմենտ,փոփոխվող գույն,լցոնման գույն</a:t>
+            </a:r>
+            <a:r>
+              <a:rPr lang="en-US" dirty="0"/>
+              <a:t>)</a:t>
+            </a:r>
+            <a:endParaRPr lang="hy-AM" dirty="0"/>
+          </a:p>
+          <a:p>
+            <a:pPr marL="0" indent="0">
+              <a:buNone/>
+            </a:pPr>
+            <a:r>
+              <a:rPr lang="hy-AM" dirty="0"/>
+              <a:t>     </a:t>
+            </a:r>
+            <a:r>
+              <a:rPr lang="hy-AM" dirty="0" smtClean="0"/>
+              <a:t>   </a:t>
+            </a:r>
+            <a:r>
+              <a:rPr lang="hy-AM" b="1" dirty="0"/>
+              <a:t>Լցոնում</a:t>
+            </a:r>
+            <a:r>
+              <a:rPr lang="en-US" dirty="0"/>
+              <a:t>(</a:t>
+            </a:r>
+            <a:r>
+              <a:rPr lang="hy-AM" dirty="0"/>
+              <a:t>աջ էլեմենտ,փոփոխվող գույն,լցոնման գույն</a:t>
+            </a:r>
+            <a:r>
+              <a:rPr lang="en-US" dirty="0"/>
+              <a:t>)</a:t>
+            </a:r>
+            <a:endParaRPr lang="hy-AM" dirty="0"/>
+          </a:p>
+          <a:p>
+            <a:pPr marL="0" indent="0">
+              <a:buNone/>
+            </a:pPr>
+            <a:r>
+              <a:rPr lang="hy-AM" dirty="0"/>
+              <a:t>      </a:t>
+            </a:r>
+            <a:r>
+              <a:rPr lang="hy-AM" dirty="0" smtClean="0"/>
+              <a:t>  </a:t>
+            </a:r>
+            <a:r>
+              <a:rPr lang="hy-AM" b="1" dirty="0" smtClean="0"/>
+              <a:t>Լցոնում</a:t>
+            </a:r>
+            <a:r>
+              <a:rPr lang="en-US" dirty="0"/>
+              <a:t>(</a:t>
+            </a:r>
+            <a:r>
+              <a:rPr lang="hy-AM" dirty="0"/>
+              <a:t>վերևի էլեմենտ,փոփոխվող գույն,լցոնման գույն</a:t>
+            </a:r>
+            <a:r>
+              <a:rPr lang="en-US" dirty="0"/>
+              <a:t>)</a:t>
+            </a:r>
+            <a:endParaRPr lang="hy-AM" dirty="0"/>
+          </a:p>
+          <a:p>
+            <a:pPr marL="0" indent="0">
+              <a:buNone/>
+            </a:pPr>
+            <a:r>
+              <a:rPr lang="hy-AM" dirty="0"/>
+              <a:t>      </a:t>
+            </a:r>
+            <a:r>
+              <a:rPr lang="hy-AM" dirty="0" smtClean="0"/>
+              <a:t>  </a:t>
+            </a:r>
+            <a:r>
+              <a:rPr lang="hy-AM" b="1" dirty="0" smtClean="0"/>
+              <a:t>Լցոնում</a:t>
+            </a:r>
+            <a:r>
+              <a:rPr lang="en-US" dirty="0"/>
+              <a:t>(</a:t>
+            </a:r>
+            <a:r>
+              <a:rPr lang="hy-AM" dirty="0"/>
+              <a:t>ներքևի էլեմենտ,փոփոխվող գույն,լցոնման գույն</a:t>
+            </a:r>
+            <a:r>
+              <a:rPr lang="en-US" dirty="0" smtClean="0"/>
+              <a:t>)</a:t>
+            </a:r>
+            <a:endParaRPr lang="hy-AM" dirty="0" smtClean="0"/>
+          </a:p>
+          <a:p>
+            <a:pPr marL="0" indent="0">
+              <a:buNone/>
+            </a:pPr>
+            <a:r>
+              <a:rPr lang="hy-AM" b="1" dirty="0" smtClean="0"/>
+              <a:t>        Լցոնում</a:t>
+            </a:r>
+            <a:r>
+              <a:rPr lang="en-US" dirty="0"/>
+              <a:t>(</a:t>
+            </a:r>
+            <a:r>
+              <a:rPr lang="hy-AM" dirty="0"/>
+              <a:t>ձախ </a:t>
+            </a:r>
+            <a:r>
+              <a:rPr lang="hy-AM" dirty="0" smtClean="0"/>
+              <a:t>վերևի էլեմենտ,փոփոխվող </a:t>
+            </a:r>
+            <a:r>
+              <a:rPr lang="hy-AM" dirty="0"/>
+              <a:t>գույն,լցոնման գույն</a:t>
+            </a:r>
+            <a:r>
+              <a:rPr lang="en-US" dirty="0"/>
+              <a:t>)</a:t>
+            </a:r>
+            <a:endParaRPr lang="hy-AM" dirty="0"/>
+          </a:p>
+          <a:p>
+            <a:pPr marL="0" indent="0">
+              <a:buNone/>
+            </a:pPr>
+            <a:r>
+              <a:rPr lang="hy-AM" dirty="0"/>
+              <a:t>      </a:t>
+            </a:r>
+            <a:r>
+              <a:rPr lang="hy-AM" dirty="0" smtClean="0"/>
+              <a:t>  </a:t>
+            </a:r>
+            <a:r>
+              <a:rPr lang="hy-AM" b="1" dirty="0" smtClean="0"/>
+              <a:t>Լցոնում</a:t>
+            </a:r>
+            <a:r>
+              <a:rPr lang="en-US" dirty="0" smtClean="0"/>
+              <a:t>(</a:t>
+            </a:r>
+            <a:r>
+              <a:rPr lang="hy-AM" dirty="0" smtClean="0"/>
+              <a:t>ձախ ներքևի էլեմենտ,փոփոխվող </a:t>
+            </a:r>
+            <a:r>
+              <a:rPr lang="hy-AM" dirty="0"/>
+              <a:t>գույն,լցոնման գույն</a:t>
+            </a:r>
+            <a:r>
+              <a:rPr lang="en-US" dirty="0"/>
+              <a:t>)</a:t>
+            </a:r>
+            <a:endParaRPr lang="hy-AM" dirty="0"/>
+          </a:p>
+          <a:p>
+            <a:pPr marL="0" indent="0">
+              <a:buNone/>
+            </a:pPr>
+            <a:r>
+              <a:rPr lang="hy-AM" dirty="0"/>
+              <a:t>      </a:t>
+            </a:r>
+            <a:r>
+              <a:rPr lang="hy-AM" dirty="0" smtClean="0"/>
+              <a:t>  </a:t>
+            </a:r>
+            <a:r>
+              <a:rPr lang="hy-AM" b="1" dirty="0" smtClean="0"/>
+              <a:t>Լցոնում</a:t>
+            </a:r>
+            <a:r>
+              <a:rPr lang="en-US" dirty="0" smtClean="0"/>
+              <a:t>(</a:t>
+            </a:r>
+            <a:r>
+              <a:rPr lang="hy-AM" dirty="0" smtClean="0"/>
+              <a:t>աջ ներքևի </a:t>
+            </a:r>
+            <a:r>
+              <a:rPr lang="hy-AM" dirty="0"/>
+              <a:t>էլեմենտ,փոփոխվող գույն,լցոնման գույն</a:t>
+            </a:r>
+            <a:r>
+              <a:rPr lang="en-US" dirty="0"/>
+              <a:t>)</a:t>
+            </a:r>
+            <a:endParaRPr lang="hy-AM" dirty="0"/>
+          </a:p>
+          <a:p>
+            <a:pPr marL="0" indent="0">
+              <a:buNone/>
+            </a:pPr>
+            <a:r>
+              <a:rPr lang="hy-AM" dirty="0"/>
+              <a:t>      </a:t>
+            </a:r>
+            <a:r>
+              <a:rPr lang="hy-AM" dirty="0" smtClean="0"/>
+              <a:t>  </a:t>
+            </a:r>
+            <a:r>
+              <a:rPr lang="hy-AM" b="1" dirty="0" smtClean="0"/>
+              <a:t>Լցոնում</a:t>
+            </a:r>
+            <a:r>
+              <a:rPr lang="en-US" dirty="0" smtClean="0"/>
+              <a:t>(</a:t>
+            </a:r>
+            <a:r>
+              <a:rPr lang="hy-AM" dirty="0" smtClean="0"/>
+              <a:t>աջ վերևի </a:t>
+            </a:r>
+            <a:r>
+              <a:rPr lang="hy-AM" dirty="0"/>
+              <a:t>էլեմենտ,փոփոխվող գույն,լցոնման գույն</a:t>
+            </a:r>
+            <a:r>
+              <a:rPr lang="en-US" dirty="0" smtClean="0"/>
+              <a:t>)</a:t>
+            </a:r>
+            <a:endParaRPr lang="hy-AM" dirty="0"/>
+          </a:p>
+          <a:p>
+            <a:pPr marL="0" indent="0">
+              <a:buNone/>
+            </a:pPr>
+            <a:r>
+              <a:rPr lang="hy-AM" dirty="0"/>
+              <a:t>4․ Վերադարձ</a:t>
+            </a:r>
+          </a:p>
+          <a:p>
             <a:endParaRPr lang="en-US" dirty="0"/>
           </a:p>
         </p:txBody>
       </p:sp>
       <p:pic>
         <p:nvPicPr>
-          <p:cNvPr id="13" name="Content Placeholder 12"/>
+          <p:cNvPr id="9" name="Content Placeholder 8"/>
           <p:cNvPicPr>
             <a:picLocks noGrp="1" noChangeAspect="1"/>
           </p:cNvPicPr>
@@ -12889,7 +14659,7 @@
         </p:blipFill>
         <p:spPr>
           <a:xfrm>
-            <a:off x="2498725" y="3644900"/>
+            <a:off x="685801" y="2065867"/>
             <a:ext cx="1371600" cy="1371600"/>
           </a:xfrm>
         </p:spPr>
@@ -12897,7 +14667,7 @@
     </p:spTree>
     <p:extLst>
       <p:ext uri="{BB962C8B-B14F-4D97-AF65-F5344CB8AC3E}">
-        <p14:creationId xmlns:p14="http://schemas.microsoft.com/office/powerpoint/2010/main" val="3600918697"/>
+        <p14:creationId xmlns:p14="http://schemas.microsoft.com/office/powerpoint/2010/main" val="620566112"/>
       </p:ext>
     </p:extLst>
   </p:cSld>

--- a/presentation/Presentation.pptx
+++ b/presentation/Presentation.pptx
@@ -220,7 +220,7 @@
           <a:p>
             <a:fld id="{3055C09D-E245-48FB-89F4-1FC6DB8B2588}" type="datetimeFigureOut">
               <a:rPr lang="en-US"/>
-              <a:t>5/16/2017</a:t>
+              <a:t>5/17/2017</a:t>
             </a:fld>
             <a:endParaRPr lang="en-US"/>
           </a:p>
@@ -717,7 +717,7 @@
             <a:fld id="{B61BEF0D-F0BB-DE4B-95CE-6DB70DBA9567}" type="datetimeFigureOut">
               <a:rPr lang="en-US" dirty="0"/>
               <a:pPr/>
-              <a:t>5/16/2017</a:t>
+              <a:t>5/17/2017</a:t>
             </a:fld>
             <a:endParaRPr lang="en-US" dirty="0"/>
           </a:p>
@@ -1048,7 +1048,7 @@
             <a:fld id="{B61BEF0D-F0BB-DE4B-95CE-6DB70DBA9567}" type="datetimeFigureOut">
               <a:rPr lang="en-US" dirty="0"/>
               <a:pPr/>
-              <a:t>5/16/2017</a:t>
+              <a:t>5/17/2017</a:t>
             </a:fld>
             <a:endParaRPr lang="en-US" dirty="0"/>
           </a:p>
@@ -1323,7 +1323,7 @@
             <a:fld id="{B61BEF0D-F0BB-DE4B-95CE-6DB70DBA9567}" type="datetimeFigureOut">
               <a:rPr lang="en-US" dirty="0"/>
               <a:pPr/>
-              <a:t>5/16/2017</a:t>
+              <a:t>5/17/2017</a:t>
             </a:fld>
             <a:endParaRPr lang="en-US" dirty="0"/>
           </a:p>
@@ -1888,7 +1888,7 @@
             <a:fld id="{B61BEF0D-F0BB-DE4B-95CE-6DB70DBA9567}" type="datetimeFigureOut">
               <a:rPr lang="en-US" dirty="0"/>
               <a:pPr/>
-              <a:t>5/16/2017</a:t>
+              <a:t>5/17/2017</a:t>
             </a:fld>
             <a:endParaRPr lang="en-US" dirty="0"/>
           </a:p>
@@ -2163,7 +2163,7 @@
             <a:fld id="{B61BEF0D-F0BB-DE4B-95CE-6DB70DBA9567}" type="datetimeFigureOut">
               <a:rPr lang="en-US" dirty="0"/>
               <a:pPr/>
-              <a:t>5/16/2017</a:t>
+              <a:t>5/17/2017</a:t>
             </a:fld>
             <a:endParaRPr lang="en-US" dirty="0"/>
           </a:p>
@@ -2722,7 +2722,7 @@
             <a:fld id="{B61BEF0D-F0BB-DE4B-95CE-6DB70DBA9567}" type="datetimeFigureOut">
               <a:rPr lang="en-US" dirty="0"/>
               <a:pPr/>
-              <a:t>5/16/2017</a:t>
+              <a:t>5/17/2017</a:t>
             </a:fld>
             <a:endParaRPr lang="en-US" dirty="0"/>
           </a:p>
@@ -3046,7 +3046,7 @@
             <a:fld id="{B61BEF0D-F0BB-DE4B-95CE-6DB70DBA9567}" type="datetimeFigureOut">
               <a:rPr lang="en-US" dirty="0"/>
               <a:pPr/>
-              <a:t>5/16/2017</a:t>
+              <a:t>5/17/2017</a:t>
             </a:fld>
             <a:endParaRPr lang="en-US" dirty="0"/>
           </a:p>
@@ -3220,7 +3220,7 @@
             <a:fld id="{B61BEF0D-F0BB-DE4B-95CE-6DB70DBA9567}" type="datetimeFigureOut">
               <a:rPr lang="en-US" dirty="0"/>
               <a:pPr/>
-              <a:t>5/16/2017</a:t>
+              <a:t>5/17/2017</a:t>
             </a:fld>
             <a:endParaRPr lang="en-US" dirty="0"/>
           </a:p>
@@ -3455,7 +3455,7 @@
             <a:fld id="{B61BEF0D-F0BB-DE4B-95CE-6DB70DBA9567}" type="datetimeFigureOut">
               <a:rPr lang="en-US" dirty="0"/>
               <a:pPr/>
-              <a:t>5/16/2017</a:t>
+              <a:t>5/17/2017</a:t>
             </a:fld>
             <a:endParaRPr lang="en-US" dirty="0"/>
           </a:p>
@@ -3652,7 +3652,7 @@
             <a:fld id="{B61BEF0D-F0BB-DE4B-95CE-6DB70DBA9567}" type="datetimeFigureOut">
               <a:rPr lang="en-US" dirty="0"/>
               <a:pPr/>
-              <a:t>5/16/2017</a:t>
+              <a:t>5/17/2017</a:t>
             </a:fld>
             <a:endParaRPr lang="en-US" dirty="0"/>
           </a:p>
@@ -3925,7 +3925,7 @@
             <a:fld id="{B61BEF0D-F0BB-DE4B-95CE-6DB70DBA9567}" type="datetimeFigureOut">
               <a:rPr lang="en-US" dirty="0"/>
               <a:pPr/>
-              <a:t>5/16/2017</a:t>
+              <a:t>5/17/2017</a:t>
             </a:fld>
             <a:endParaRPr lang="en-US" dirty="0"/>
           </a:p>
@@ -4188,7 +4188,7 @@
             <a:fld id="{B61BEF0D-F0BB-DE4B-95CE-6DB70DBA9567}" type="datetimeFigureOut">
               <a:rPr lang="en-US" dirty="0"/>
               <a:pPr/>
-              <a:t>5/16/2017</a:t>
+              <a:t>5/17/2017</a:t>
             </a:fld>
             <a:endParaRPr lang="en-US" dirty="0"/>
           </a:p>
@@ -4559,7 +4559,7 @@
             <a:fld id="{B61BEF0D-F0BB-DE4B-95CE-6DB70DBA9567}" type="datetimeFigureOut">
               <a:rPr lang="en-US" dirty="0"/>
               <a:pPr/>
-              <a:t>5/16/2017</a:t>
+              <a:t>5/17/2017</a:t>
             </a:fld>
             <a:endParaRPr lang="en-US" dirty="0"/>
           </a:p>
@@ -4704,7 +4704,7 @@
             <a:fld id="{B61BEF0D-F0BB-DE4B-95CE-6DB70DBA9567}" type="datetimeFigureOut">
               <a:rPr lang="en-US" dirty="0"/>
               <a:pPr/>
-              <a:t>5/16/2017</a:t>
+              <a:t>5/17/2017</a:t>
             </a:fld>
             <a:endParaRPr lang="en-US" dirty="0"/>
           </a:p>
@@ -4826,7 +4826,7 @@
             <a:fld id="{B61BEF0D-F0BB-DE4B-95CE-6DB70DBA9567}" type="datetimeFigureOut">
               <a:rPr lang="en-US" dirty="0"/>
               <a:pPr/>
-              <a:t>5/16/2017</a:t>
+              <a:t>5/17/2017</a:t>
             </a:fld>
             <a:endParaRPr lang="en-US" dirty="0"/>
           </a:p>
@@ -5108,7 +5108,7 @@
             <a:fld id="{B61BEF0D-F0BB-DE4B-95CE-6DB70DBA9567}" type="datetimeFigureOut">
               <a:rPr lang="en-US" dirty="0"/>
               <a:pPr/>
-              <a:t>5/16/2017</a:t>
+              <a:t>5/17/2017</a:t>
             </a:fld>
             <a:endParaRPr lang="en-US" dirty="0"/>
           </a:p>
@@ -5429,7 +5429,7 @@
             <a:fld id="{B61BEF0D-F0BB-DE4B-95CE-6DB70DBA9567}" type="datetimeFigureOut">
               <a:rPr lang="en-US" dirty="0"/>
               <a:pPr/>
-              <a:t>5/16/2017</a:t>
+              <a:t>5/17/2017</a:t>
             </a:fld>
             <a:endParaRPr lang="en-US" dirty="0"/>
           </a:p>
@@ -5640,7 +5640,7 @@
             <a:fld id="{B61BEF0D-F0BB-DE4B-95CE-6DB70DBA9567}" type="datetimeFigureOut">
               <a:rPr lang="en-US" dirty="0"/>
               <a:pPr/>
-              <a:t>5/16/2017</a:t>
+              <a:t>5/17/2017</a:t>
             </a:fld>
             <a:endParaRPr lang="en-US" dirty="0"/>
           </a:p>
@@ -6159,7 +6159,12 @@
             <p:ph type="ctrTitle"/>
           </p:nvPr>
         </p:nvSpPr>
-        <p:spPr/>
+        <p:spPr>
+          <a:xfrm>
+            <a:off x="3661063" y="2411076"/>
+            <a:ext cx="7197726" cy="2421464"/>
+          </a:xfrm>
+        </p:spPr>
         <p:txBody>
           <a:bodyPr>
             <a:normAutofit fontScale="90000"/>
@@ -6193,9 +6198,88 @@
   <p:timing>
     <p:tnLst>
       <p:par>
-        <p:cTn id="1" dur="indefinite" restart="never" nodeType="tmRoot"/>
+        <p:cTn id="1" dur="indefinite" restart="never" nodeType="tmRoot">
+          <p:childTnLst>
+            <p:seq concurrent="1" nextAc="seek">
+              <p:cTn id="2" dur="indefinite" nodeType="mainSeq">
+                <p:childTnLst>
+                  <p:par>
+                    <p:cTn id="3" fill="hold">
+                      <p:stCondLst>
+                        <p:cond delay="indefinite"/>
+                      </p:stCondLst>
+                      <p:childTnLst>
+                        <p:par>
+                          <p:cTn id="4" fill="hold">
+                            <p:stCondLst>
+                              <p:cond delay="0"/>
+                            </p:stCondLst>
+                            <p:childTnLst>
+                              <p:par>
+                                <p:cTn id="5" presetID="10" presetClass="entr" presetSubtype="0" fill="hold" grpId="0" nodeType="clickEffect">
+                                  <p:stCondLst>
+                                    <p:cond delay="0"/>
+                                  </p:stCondLst>
+                                  <p:childTnLst>
+                                    <p:set>
+                                      <p:cBhvr>
+                                        <p:cTn id="6" dur="1" fill="hold">
+                                          <p:stCondLst>
+                                            <p:cond delay="0"/>
+                                          </p:stCondLst>
+                                        </p:cTn>
+                                        <p:tgtEl>
+                                          <p:spTgt spid="2"/>
+                                        </p:tgtEl>
+                                        <p:attrNameLst>
+                                          <p:attrName>style.visibility</p:attrName>
+                                        </p:attrNameLst>
+                                      </p:cBhvr>
+                                      <p:to>
+                                        <p:strVal val="visible"/>
+                                      </p:to>
+                                    </p:set>
+                                    <p:animEffect transition="in" filter="fade">
+                                      <p:cBhvr>
+                                        <p:cTn id="7" dur="500"/>
+                                        <p:tgtEl>
+                                          <p:spTgt spid="2"/>
+                                        </p:tgtEl>
+                                      </p:cBhvr>
+                                    </p:animEffect>
+                                  </p:childTnLst>
+                                </p:cTn>
+                              </p:par>
+                            </p:childTnLst>
+                          </p:cTn>
+                        </p:par>
+                      </p:childTnLst>
+                    </p:cTn>
+                  </p:par>
+                </p:childTnLst>
+              </p:cTn>
+              <p:prevCondLst>
+                <p:cond evt="onPrev" delay="0">
+                  <p:tgtEl>
+                    <p:sldTgt/>
+                  </p:tgtEl>
+                </p:cond>
+              </p:prevCondLst>
+              <p:nextCondLst>
+                <p:cond evt="onNext" delay="0">
+                  <p:tgtEl>
+                    <p:sldTgt/>
+                  </p:tgtEl>
+                </p:cond>
+              </p:nextCondLst>
+            </p:seq>
+          </p:childTnLst>
+        </p:cTn>
       </p:par>
     </p:tnLst>
+    <p:bldLst>
+      <p:bldP spid="2" grpId="0"/>
+    </p:bldLst>
   </p:timing>
 </p:sld>
 </file>
@@ -7213,35 +7297,35 @@
                     <a:gridCol w="999490">
                       <a:extLst>
                         <a:ext uri="{9D8B030D-6E8A-4147-A177-3AD203B41FA5}">
-                          <a16:colId xmlns:a16="http://schemas.microsoft.com/office/drawing/2014/main" val="1216725777"/>
+                          <a16:colId xmlns:a16="http://schemas.microsoft.com/office/drawing/2014/main" xmlns="" val="1216725777"/>
                         </a:ext>
                       </a:extLst>
                     </a:gridCol>
                     <a:gridCol w="999490">
                       <a:extLst>
                         <a:ext uri="{9D8B030D-6E8A-4147-A177-3AD203B41FA5}">
-                          <a16:colId xmlns:a16="http://schemas.microsoft.com/office/drawing/2014/main" val="1506238522"/>
+                          <a16:colId xmlns:a16="http://schemas.microsoft.com/office/drawing/2014/main" xmlns="" val="1506238522"/>
                         </a:ext>
                       </a:extLst>
                     </a:gridCol>
                     <a:gridCol w="999490">
                       <a:extLst>
                         <a:ext uri="{9D8B030D-6E8A-4147-A177-3AD203B41FA5}">
-                          <a16:colId xmlns:a16="http://schemas.microsoft.com/office/drawing/2014/main" val="2836820485"/>
+                          <a16:colId xmlns:a16="http://schemas.microsoft.com/office/drawing/2014/main" xmlns="" val="2836820485"/>
                         </a:ext>
                       </a:extLst>
                     </a:gridCol>
                     <a:gridCol w="999490">
                       <a:extLst>
                         <a:ext uri="{9D8B030D-6E8A-4147-A177-3AD203B41FA5}">
-                          <a16:colId xmlns:a16="http://schemas.microsoft.com/office/drawing/2014/main" val="1651784423"/>
+                          <a16:colId xmlns:a16="http://schemas.microsoft.com/office/drawing/2014/main" xmlns="" val="1651784423"/>
                         </a:ext>
                       </a:extLst>
                     </a:gridCol>
                     <a:gridCol w="999490">
                       <a:extLst>
                         <a:ext uri="{9D8B030D-6E8A-4147-A177-3AD203B41FA5}">
-                          <a16:colId xmlns:a16="http://schemas.microsoft.com/office/drawing/2014/main" val="1257235431"/>
+                          <a16:colId xmlns:a16="http://schemas.microsoft.com/office/drawing/2014/main" xmlns="" val="1257235431"/>
                         </a:ext>
                       </a:extLst>
                     </a:gridCol>
@@ -7562,7 +7646,7 @@
                     </a:tc>
                     <a:extLst>
                       <a:ext uri="{0D108BD9-81ED-4DB2-BD59-A6C34878D82A}">
-                        <a16:rowId xmlns:a16="http://schemas.microsoft.com/office/drawing/2014/main" val="1324942624"/>
+                        <a16:rowId xmlns:a16="http://schemas.microsoft.com/office/drawing/2014/main" xmlns="" val="1324942624"/>
                       </a:ext>
                     </a:extLst>
                   </a:tr>
@@ -7750,7 +7834,7 @@
                     </a:tc>
                     <a:extLst>
                       <a:ext uri="{0D108BD9-81ED-4DB2-BD59-A6C34878D82A}">
-                        <a16:rowId xmlns:a16="http://schemas.microsoft.com/office/drawing/2014/main" val="2491110305"/>
+                        <a16:rowId xmlns:a16="http://schemas.microsoft.com/office/drawing/2014/main" xmlns="" val="2491110305"/>
                       </a:ext>
                     </a:extLst>
                   </a:tr>
@@ -7938,7 +8022,7 @@
                     </a:tc>
                     <a:extLst>
                       <a:ext uri="{0D108BD9-81ED-4DB2-BD59-A6C34878D82A}">
-                        <a16:rowId xmlns:a16="http://schemas.microsoft.com/office/drawing/2014/main" val="1031351399"/>
+                        <a16:rowId xmlns:a16="http://schemas.microsoft.com/office/drawing/2014/main" xmlns="" val="1031351399"/>
                       </a:ext>
                     </a:extLst>
                   </a:tr>
@@ -8126,7 +8210,7 @@
                     </a:tc>
                     <a:extLst>
                       <a:ext uri="{0D108BD9-81ED-4DB2-BD59-A6C34878D82A}">
-                        <a16:rowId xmlns:a16="http://schemas.microsoft.com/office/drawing/2014/main" val="1041437350"/>
+                        <a16:rowId xmlns:a16="http://schemas.microsoft.com/office/drawing/2014/main" xmlns="" val="1041437350"/>
                       </a:ext>
                     </a:extLst>
                   </a:tr>
@@ -8308,7 +8392,7 @@
                     </a:tc>
                     <a:extLst>
                       <a:ext uri="{0D108BD9-81ED-4DB2-BD59-A6C34878D82A}">
-                        <a16:rowId xmlns:a16="http://schemas.microsoft.com/office/drawing/2014/main" val="2051532882"/>
+                        <a16:rowId xmlns:a16="http://schemas.microsoft.com/office/drawing/2014/main" xmlns="" val="2051532882"/>
                       </a:ext>
                     </a:extLst>
                   </a:tr>
@@ -8496,7 +8580,7 @@
                     </a:tc>
                     <a:extLst>
                       <a:ext uri="{0D108BD9-81ED-4DB2-BD59-A6C34878D82A}">
-                        <a16:rowId xmlns:a16="http://schemas.microsoft.com/office/drawing/2014/main" val="4146497862"/>
+                        <a16:rowId xmlns:a16="http://schemas.microsoft.com/office/drawing/2014/main" xmlns="" val="4146497862"/>
                       </a:ext>
                     </a:extLst>
                   </a:tr>
@@ -8587,7 +8671,7 @@
                     </a:tc>
                     <a:extLst>
                       <a:ext uri="{0D108BD9-81ED-4DB2-BD59-A6C34878D82A}">
-                        <a16:rowId xmlns:a16="http://schemas.microsoft.com/office/drawing/2014/main" val="766546503"/>
+                        <a16:rowId xmlns:a16="http://schemas.microsoft.com/office/drawing/2014/main" xmlns="" val="766546503"/>
                       </a:ext>
                     </a:extLst>
                   </a:tr>
@@ -10145,21 +10229,21 @@
                 <a:gridCol w="820021">
                   <a:extLst>
                     <a:ext uri="{9D8B030D-6E8A-4147-A177-3AD203B41FA5}">
-                      <a16:colId xmlns:a16="http://schemas.microsoft.com/office/drawing/2014/main" val="20000"/>
+                      <a16:colId xmlns:a16="http://schemas.microsoft.com/office/drawing/2014/main" xmlns="" val="20000"/>
                     </a:ext>
                   </a:extLst>
                 </a:gridCol>
                 <a:gridCol w="820021">
                   <a:extLst>
                     <a:ext uri="{9D8B030D-6E8A-4147-A177-3AD203B41FA5}">
-                      <a16:colId xmlns:a16="http://schemas.microsoft.com/office/drawing/2014/main" val="20001"/>
+                      <a16:colId xmlns:a16="http://schemas.microsoft.com/office/drawing/2014/main" xmlns="" val="20001"/>
                     </a:ext>
                   </a:extLst>
                 </a:gridCol>
                 <a:gridCol w="820872">
                   <a:extLst>
                     <a:ext uri="{9D8B030D-6E8A-4147-A177-3AD203B41FA5}">
-                      <a16:colId xmlns:a16="http://schemas.microsoft.com/office/drawing/2014/main" val="20002"/>
+                      <a16:colId xmlns:a16="http://schemas.microsoft.com/office/drawing/2014/main" xmlns="" val="20002"/>
                     </a:ext>
                   </a:extLst>
                 </a:gridCol>
@@ -10263,7 +10347,7 @@
                 </a:tc>
                 <a:extLst>
                   <a:ext uri="{0D108BD9-81ED-4DB2-BD59-A6C34878D82A}">
-                    <a16:rowId xmlns:a16="http://schemas.microsoft.com/office/drawing/2014/main" val="10000"/>
+                    <a16:rowId xmlns:a16="http://schemas.microsoft.com/office/drawing/2014/main" xmlns="" val="10000"/>
                   </a:ext>
                 </a:extLst>
               </a:tr>
@@ -10366,7 +10450,7 @@
                 </a:tc>
                 <a:extLst>
                   <a:ext uri="{0D108BD9-81ED-4DB2-BD59-A6C34878D82A}">
-                    <a16:rowId xmlns:a16="http://schemas.microsoft.com/office/drawing/2014/main" val="10001"/>
+                    <a16:rowId xmlns:a16="http://schemas.microsoft.com/office/drawing/2014/main" xmlns="" val="10001"/>
                   </a:ext>
                 </a:extLst>
               </a:tr>
@@ -10469,7 +10553,7 @@
                 </a:tc>
                 <a:extLst>
                   <a:ext uri="{0D108BD9-81ED-4DB2-BD59-A6C34878D82A}">
-                    <a16:rowId xmlns:a16="http://schemas.microsoft.com/office/drawing/2014/main" val="10002"/>
+                    <a16:rowId xmlns:a16="http://schemas.microsoft.com/office/drawing/2014/main" xmlns="" val="10002"/>
                   </a:ext>
                 </a:extLst>
               </a:tr>
@@ -10566,7 +10650,7 @@
                 </a:tc>
                 <a:extLst>
                   <a:ext uri="{0D108BD9-81ED-4DB2-BD59-A6C34878D82A}">
-                    <a16:rowId xmlns:a16="http://schemas.microsoft.com/office/drawing/2014/main" val="10003"/>
+                    <a16:rowId xmlns:a16="http://schemas.microsoft.com/office/drawing/2014/main" xmlns="" val="10003"/>
                   </a:ext>
                 </a:extLst>
               </a:tr>
@@ -10603,21 +10687,21 @@
                 <a:gridCol w="889653">
                   <a:extLst>
                     <a:ext uri="{9D8B030D-6E8A-4147-A177-3AD203B41FA5}">
-                      <a16:colId xmlns:a16="http://schemas.microsoft.com/office/drawing/2014/main" val="20000"/>
+                      <a16:colId xmlns:a16="http://schemas.microsoft.com/office/drawing/2014/main" xmlns="" val="20000"/>
                     </a:ext>
                   </a:extLst>
                 </a:gridCol>
                 <a:gridCol w="889653">
                   <a:extLst>
                     <a:ext uri="{9D8B030D-6E8A-4147-A177-3AD203B41FA5}">
-                      <a16:colId xmlns:a16="http://schemas.microsoft.com/office/drawing/2014/main" val="20001"/>
+                      <a16:colId xmlns:a16="http://schemas.microsoft.com/office/drawing/2014/main" xmlns="" val="20001"/>
                     </a:ext>
                   </a:extLst>
                 </a:gridCol>
                 <a:gridCol w="890577">
                   <a:extLst>
                     <a:ext uri="{9D8B030D-6E8A-4147-A177-3AD203B41FA5}">
-                      <a16:colId xmlns:a16="http://schemas.microsoft.com/office/drawing/2014/main" val="20002"/>
+                      <a16:colId xmlns:a16="http://schemas.microsoft.com/office/drawing/2014/main" xmlns="" val="20002"/>
                     </a:ext>
                   </a:extLst>
                 </a:gridCol>
@@ -10721,7 +10805,7 @@
                 </a:tc>
                 <a:extLst>
                   <a:ext uri="{0D108BD9-81ED-4DB2-BD59-A6C34878D82A}">
-                    <a16:rowId xmlns:a16="http://schemas.microsoft.com/office/drawing/2014/main" val="10000"/>
+                    <a16:rowId xmlns:a16="http://schemas.microsoft.com/office/drawing/2014/main" xmlns="" val="10000"/>
                   </a:ext>
                 </a:extLst>
               </a:tr>
@@ -10824,7 +10908,7 @@
                 </a:tc>
                 <a:extLst>
                   <a:ext uri="{0D108BD9-81ED-4DB2-BD59-A6C34878D82A}">
-                    <a16:rowId xmlns:a16="http://schemas.microsoft.com/office/drawing/2014/main" val="10001"/>
+                    <a16:rowId xmlns:a16="http://schemas.microsoft.com/office/drawing/2014/main" xmlns="" val="10001"/>
                   </a:ext>
                 </a:extLst>
               </a:tr>
@@ -10927,7 +11011,7 @@
                 </a:tc>
                 <a:extLst>
                   <a:ext uri="{0D108BD9-81ED-4DB2-BD59-A6C34878D82A}">
-                    <a16:rowId xmlns:a16="http://schemas.microsoft.com/office/drawing/2014/main" val="10002"/>
+                    <a16:rowId xmlns:a16="http://schemas.microsoft.com/office/drawing/2014/main" xmlns="" val="10002"/>
                   </a:ext>
                 </a:extLst>
               </a:tr>
@@ -11018,7 +11102,7 @@
                 </a:tc>
                 <a:extLst>
                   <a:ext uri="{0D108BD9-81ED-4DB2-BD59-A6C34878D82A}">
-                    <a16:rowId xmlns:a16="http://schemas.microsoft.com/office/drawing/2014/main" val="10003"/>
+                    <a16:rowId xmlns:a16="http://schemas.microsoft.com/office/drawing/2014/main" xmlns="" val="10003"/>
                   </a:ext>
                 </a:extLst>
               </a:tr>
@@ -11081,7 +11165,15 @@
             <a:pPr algn="ctr"/>
             <a:r>
               <a:rPr lang="hy-AM" dirty="0" smtClean="0"/>
-              <a:t>Խնդրի դրվածք</a:t>
+              <a:t>Խնդրի </a:t>
+            </a:r>
+            <a:r>
+              <a:rPr lang="hy-AM" dirty="0" smtClean="0"/>
+              <a:t>դրվածք</a:t>
+            </a:r>
+            <a:r>
+              <a:rPr lang="hy-AM" dirty="0"/>
+              <a:t>Ը</a:t>
             </a:r>
             <a:endParaRPr lang="en-US" dirty="0"/>
           </a:p>
@@ -11111,7 +11203,15 @@
           <a:p>
             <a:r>
               <a:rPr lang="hy-AM" dirty="0" smtClean="0"/>
-              <a:t>Ուսումնասիրել պատկերների հետ աշխատանքը։ Ուսումնասիրությունների արդյունքում ստեղծել ծրագիր, որը կտա հետևյալ հնարավորությունները՝</a:t>
+              <a:t>Ուսումնասիրել պատկերների հետ </a:t>
+            </a:r>
+            <a:r>
+              <a:rPr lang="hy-AM" dirty="0" smtClean="0"/>
+              <a:t>աշխատանքը, որի արդյունքում </a:t>
+            </a:r>
+            <a:r>
+              <a:rPr lang="hy-AM" dirty="0" smtClean="0"/>
+              <a:t>ստեղծել ծրագիր, որը կտա հետևյալ հնարավորությունները՝</a:t>
             </a:r>
           </a:p>
           <a:p>
@@ -11121,7 +11221,19 @@
             </a:pPr>
             <a:r>
               <a:rPr lang="hy-AM" dirty="0" smtClean="0"/>
-              <a:t>վերբեռնել պատկերը, և պատկերի վրա կատարել որոշակի փոփոխություններ</a:t>
+              <a:t>վերբեռնել պատկերը, </a:t>
+            </a:r>
+            <a:r>
+              <a:rPr lang="hy-AM" dirty="0" smtClean="0"/>
+              <a:t>որի վրա </a:t>
+            </a:r>
+            <a:r>
+              <a:rPr lang="hy-AM" dirty="0" smtClean="0"/>
+              <a:t>կատարել </a:t>
+            </a:r>
+            <a:r>
+              <a:rPr lang="hy-AM" dirty="0" smtClean="0"/>
+              <a:t>որոշակի փոփոխություններ</a:t>
             </a:r>
             <a:r>
               <a:rPr lang="en-US" dirty="0" smtClean="0"/>
@@ -11141,8 +11253,13 @@
             </a:r>
             <a:r>
               <a:rPr lang="hy-AM" dirty="0" smtClean="0"/>
-              <a:t> և տեսնել արդյունքը նոր պատկերում։</a:t>
-            </a:r>
+              <a:t> և տեսնել արդյունքը նոր </a:t>
+            </a:r>
+            <a:r>
+              <a:rPr lang="hy-AM" dirty="0" smtClean="0"/>
+              <a:t>պատկերում</a:t>
+            </a:r>
+            <a:endParaRPr lang="hy-AM" dirty="0" smtClean="0"/>
           </a:p>
           <a:p>
             <a:pPr marL="285750" indent="-285750">
@@ -11151,7 +11268,19 @@
             </a:pPr>
             <a:r>
               <a:rPr lang="hy-AM" dirty="0" smtClean="0"/>
-              <a:t>մեծացնի և փոքրացնի վերբեռնած պատկերի չափերը</a:t>
+              <a:t>մեծացնել </a:t>
+            </a:r>
+            <a:r>
+              <a:rPr lang="hy-AM" dirty="0" smtClean="0"/>
+              <a:t>և </a:t>
+            </a:r>
+            <a:r>
+              <a:rPr lang="hy-AM" dirty="0" smtClean="0"/>
+              <a:t>փոքրացնել </a:t>
+            </a:r>
+            <a:r>
+              <a:rPr lang="hy-AM" dirty="0" smtClean="0"/>
+              <a:t>վերբեռնած պատկերի չափերը</a:t>
             </a:r>
           </a:p>
           <a:p>
@@ -11161,8 +11290,29 @@
             </a:pPr>
             <a:r>
               <a:rPr lang="hy-AM" dirty="0" smtClean="0"/>
-              <a:t>վերբեռնած պատկերի մեջ հայտնաբերի ուղիղ գծերը, շրջանագծերը,օբյեկտների եզրագծերը, կարողանա առանձնացնել մարդու դեմքը պատկերի վրայից։</a:t>
-            </a:r>
+              <a:t>վերբեռնած պատկերի մեջ </a:t>
+            </a:r>
+            <a:r>
+              <a:rPr lang="hy-AM" dirty="0" smtClean="0"/>
+              <a:t>հայտնաբերել </a:t>
+            </a:r>
+            <a:r>
+              <a:rPr lang="hy-AM" dirty="0" smtClean="0"/>
+              <a:t>ուղիղ գծերը, շրջանագծերը,օբյեկտների եզրագծերը, </a:t>
+            </a:r>
+            <a:r>
+              <a:rPr lang="hy-AM" dirty="0" smtClean="0"/>
+              <a:t>կարողանալ </a:t>
+            </a:r>
+            <a:r>
+              <a:rPr lang="hy-AM" dirty="0" smtClean="0"/>
+              <a:t>առանձնացնել մարդու դեմքը </a:t>
+            </a:r>
+            <a:r>
+              <a:rPr lang="hy-AM" dirty="0" smtClean="0"/>
+              <a:t>պատկերից։</a:t>
+            </a:r>
+            <a:endParaRPr lang="hy-AM" dirty="0" smtClean="0"/>
           </a:p>
         </p:txBody>
       </p:sp>
@@ -11179,9 +11329,136 @@
   <p:timing>
     <p:tnLst>
       <p:par>
-        <p:cTn id="1" dur="indefinite" restart="never" nodeType="tmRoot"/>
+        <p:cTn id="1" dur="indefinite" restart="never" nodeType="tmRoot">
+          <p:childTnLst>
+            <p:seq concurrent="1" nextAc="seek">
+              <p:cTn id="2" dur="indefinite" nodeType="mainSeq">
+                <p:childTnLst>
+                  <p:par>
+                    <p:cTn id="3" fill="hold">
+                      <p:stCondLst>
+                        <p:cond delay="indefinite"/>
+                        <p:cond evt="onBegin" delay="0">
+                          <p:tn val="2"/>
+                        </p:cond>
+                      </p:stCondLst>
+                      <p:childTnLst>
+                        <p:par>
+                          <p:cTn id="4" fill="hold">
+                            <p:stCondLst>
+                              <p:cond delay="0"/>
+                            </p:stCondLst>
+                            <p:childTnLst>
+                              <p:par>
+                                <p:cTn id="5" presetID="10" presetClass="entr" presetSubtype="0" fill="hold" grpId="0" nodeType="afterEffect">
+                                  <p:stCondLst>
+                                    <p:cond delay="0"/>
+                                  </p:stCondLst>
+                                  <p:childTnLst>
+                                    <p:set>
+                                      <p:cBhvr>
+                                        <p:cTn id="6" dur="1" fill="hold">
+                                          <p:stCondLst>
+                                            <p:cond delay="0"/>
+                                          </p:stCondLst>
+                                        </p:cTn>
+                                        <p:tgtEl>
+                                          <p:spTgt spid="2"/>
+                                        </p:tgtEl>
+                                        <p:attrNameLst>
+                                          <p:attrName>style.visibility</p:attrName>
+                                        </p:attrNameLst>
+                                      </p:cBhvr>
+                                      <p:to>
+                                        <p:strVal val="visible"/>
+                                      </p:to>
+                                    </p:set>
+                                    <p:animEffect transition="in" filter="fade">
+                                      <p:cBhvr>
+                                        <p:cTn id="7" dur="500"/>
+                                        <p:tgtEl>
+                                          <p:spTgt spid="2"/>
+                                        </p:tgtEl>
+                                      </p:cBhvr>
+                                    </p:animEffect>
+                                  </p:childTnLst>
+                                </p:cTn>
+                              </p:par>
+                            </p:childTnLst>
+                          </p:cTn>
+                        </p:par>
+                        <p:par>
+                          <p:cTn id="8" fill="hold">
+                            <p:stCondLst>
+                              <p:cond delay="500"/>
+                            </p:stCondLst>
+                            <p:childTnLst>
+                              <p:par>
+                                <p:cTn id="9" presetID="10" presetClass="entr" presetSubtype="0" fill="hold" grpId="0" nodeType="afterEffect">
+                                  <p:stCondLst>
+                                    <p:cond delay="0"/>
+                                  </p:stCondLst>
+                                  <p:childTnLst>
+                                    <p:set>
+                                      <p:cBhvr>
+                                        <p:cTn id="10" dur="1" fill="hold">
+                                          <p:stCondLst>
+                                            <p:cond delay="0"/>
+                                          </p:stCondLst>
+                                        </p:cTn>
+                                        <p:tgtEl>
+                                          <p:spTgt spid="3"/>
+                                        </p:tgtEl>
+                                        <p:attrNameLst>
+                                          <p:attrName>style.visibility</p:attrName>
+                                        </p:attrNameLst>
+                                      </p:cBhvr>
+                                      <p:to>
+                                        <p:strVal val="visible"/>
+                                      </p:to>
+                                    </p:set>
+                                    <p:animEffect transition="in" filter="fade">
+                                      <p:cBhvr>
+                                        <p:cTn id="11" dur="500"/>
+                                        <p:tgtEl>
+                                          <p:spTgt spid="3"/>
+                                        </p:tgtEl>
+                                      </p:cBhvr>
+                                    </p:animEffect>
+                                  </p:childTnLst>
+                                </p:cTn>
+                              </p:par>
+                            </p:childTnLst>
+                          </p:cTn>
+                        </p:par>
+                      </p:childTnLst>
+                    </p:cTn>
+                  </p:par>
+                </p:childTnLst>
+              </p:cTn>
+              <p:prevCondLst>
+                <p:cond evt="onPrev" delay="0">
+                  <p:tgtEl>
+                    <p:sldTgt/>
+                  </p:tgtEl>
+                </p:cond>
+              </p:prevCondLst>
+              <p:nextCondLst>
+                <p:cond evt="onNext" delay="0">
+                  <p:tgtEl>
+                    <p:sldTgt/>
+                  </p:tgtEl>
+                </p:cond>
+              </p:nextCondLst>
+            </p:seq>
+          </p:childTnLst>
+        </p:cTn>
       </p:par>
     </p:tnLst>
+    <p:bldLst>
+      <p:bldP spid="2" grpId="0"/>
+      <p:bldP spid="3" grpId="0"/>
+    </p:bldLst>
   </p:timing>
 </p:sld>
 </file>
@@ -11975,7 +12252,7 @@
         </p:blipFill>
         <p:spPr>
           <a:xfrm>
-            <a:off x="685801" y="2434061"/>
+            <a:off x="1278083" y="2065867"/>
             <a:ext cx="4633807" cy="3353012"/>
           </a:xfrm>
           <a:prstGeom prst="rect">
@@ -12001,7 +12278,7 @@
         </p:blipFill>
         <p:spPr>
           <a:xfrm>
-            <a:off x="6859952" y="2434061"/>
+            <a:off x="6758954" y="2065867"/>
             <a:ext cx="3486772" cy="3353012"/>
           </a:xfrm>
           <a:prstGeom prst="rect">
@@ -12043,6 +12320,9 @@
                     <p:cTn id="3" fill="hold">
                       <p:stCondLst>
                         <p:cond delay="indefinite"/>
+                        <p:cond evt="onBegin" delay="0">
+                          <p:tn val="2"/>
+                        </p:cond>
                       </p:stCondLst>
                       <p:childTnLst>
                         <p:par>
@@ -12052,7 +12332,7 @@
                             </p:stCondLst>
                             <p:childTnLst>
                               <p:par>
-                                <p:cTn id="5" presetID="10" presetClass="entr" presetSubtype="0" fill="hold" nodeType="clickEffect">
+                                <p:cTn id="5" presetID="10" presetClass="entr" presetSubtype="0" fill="hold" nodeType="afterEffect">
                                   <p:stCondLst>
                                     <p:cond delay="0"/>
                                   </p:stCondLst>
@@ -12089,30 +12369,21 @@
                             </p:childTnLst>
                           </p:cTn>
                         </p:par>
-                      </p:childTnLst>
-                    </p:cTn>
-                  </p:par>
-                  <p:par>
-                    <p:cTn id="8" fill="hold">
-                      <p:stCondLst>
-                        <p:cond delay="indefinite"/>
-                      </p:stCondLst>
-                      <p:childTnLst>
                         <p:par>
-                          <p:cTn id="9" fill="hold">
+                          <p:cTn id="8" fill="hold">
                             <p:stCondLst>
-                              <p:cond delay="0"/>
+                              <p:cond delay="500"/>
                             </p:stCondLst>
                             <p:childTnLst>
                               <p:par>
-                                <p:cTn id="10" presetID="2" presetClass="entr" presetSubtype="2" fill="hold" nodeType="clickEffect">
+                                <p:cTn id="9" presetID="2" presetClass="entr" presetSubtype="2" fill="hold" nodeType="afterEffect">
                                   <p:stCondLst>
                                     <p:cond delay="0"/>
                                   </p:stCondLst>
                                   <p:childTnLst>
                                     <p:set>
                                       <p:cBhvr>
-                                        <p:cTn id="11" dur="1" fill="hold">
+                                        <p:cTn id="10" dur="1" fill="hold">
                                           <p:stCondLst>
                                             <p:cond delay="0"/>
                                           </p:stCondLst>
@@ -12130,7 +12401,7 @@
                                     </p:set>
                                     <p:anim calcmode="lin" valueType="num">
                                       <p:cBhvr additive="base">
-                                        <p:cTn id="12" dur="1000" fill="hold"/>
+                                        <p:cTn id="11" dur="1400" fill="hold"/>
                                         <p:tgtEl>
                                           <p:spTgt spid="9"/>
                                         </p:tgtEl>
@@ -12153,7 +12424,7 @@
                                     </p:anim>
                                     <p:anim calcmode="lin" valueType="num">
                                       <p:cBhvr additive="base">
-                                        <p:cTn id="13" dur="1000" fill="hold"/>
+                                        <p:cTn id="12" dur="1400" fill="hold"/>
                                         <p:tgtEl>
                                           <p:spTgt spid="9"/>
                                         </p:tgtEl>
@@ -12297,7 +12568,7 @@
         </p:blipFill>
         <p:spPr>
           <a:xfrm>
-            <a:off x="8074805" y="2951241"/>
+            <a:off x="7960505" y="2427541"/>
             <a:ext cx="3172810" cy="2921000"/>
           </a:xfrm>
         </p:spPr>
@@ -12324,7 +12595,7 @@
         </p:blipFill>
         <p:spPr>
           <a:xfrm>
-            <a:off x="4837267" y="2955396"/>
+            <a:off x="4951567" y="2431696"/>
             <a:ext cx="2916845" cy="2916845"/>
           </a:xfrm>
           <a:prstGeom prst="rect">
@@ -12350,7 +12621,7 @@
         </p:blipFill>
         <p:spPr>
           <a:xfrm>
-            <a:off x="821450" y="2951241"/>
+            <a:off x="685801" y="2431696"/>
             <a:ext cx="3405349" cy="2921000"/>
           </a:xfrm>
           <a:prstGeom prst="rect">
@@ -12380,6 +12651,9 @@
                     <p:cTn id="3" fill="hold">
                       <p:stCondLst>
                         <p:cond delay="indefinite"/>
+                        <p:cond evt="onBegin" delay="0">
+                          <p:tn val="2"/>
+                        </p:cond>
                       </p:stCondLst>
                       <p:childTnLst>
                         <p:par>
@@ -12389,7 +12663,7 @@
                             </p:stCondLst>
                             <p:childTnLst>
                               <p:par>
-                                <p:cTn id="5" presetID="10" presetClass="entr" presetSubtype="0" fill="hold" nodeType="clickEffect">
+                                <p:cTn id="5" presetID="10" presetClass="entr" presetSubtype="0" fill="hold" nodeType="afterEffect">
                                   <p:stCondLst>
                                     <p:cond delay="0"/>
                                   </p:stCondLst>
@@ -12426,30 +12700,21 @@
                             </p:childTnLst>
                           </p:cTn>
                         </p:par>
-                      </p:childTnLst>
-                    </p:cTn>
-                  </p:par>
-                  <p:par>
-                    <p:cTn id="8" fill="hold">
-                      <p:stCondLst>
-                        <p:cond delay="indefinite"/>
-                      </p:stCondLst>
-                      <p:childTnLst>
                         <p:par>
-                          <p:cTn id="9" fill="hold">
+                          <p:cTn id="8" fill="hold">
                             <p:stCondLst>
-                              <p:cond delay="0"/>
+                              <p:cond delay="500"/>
                             </p:stCondLst>
                             <p:childTnLst>
                               <p:par>
-                                <p:cTn id="10" presetID="42" presetClass="entr" presetSubtype="0" fill="hold" nodeType="clickEffect">
+                                <p:cTn id="9" presetID="42" presetClass="entr" presetSubtype="0" fill="hold" nodeType="afterEffect">
                                   <p:stCondLst>
-                                    <p:cond delay="0"/>
+                                    <p:cond delay="600"/>
                                   </p:stCondLst>
                                   <p:childTnLst>
                                     <p:set>
                                       <p:cBhvr>
-                                        <p:cTn id="11" dur="1" fill="hold">
+                                        <p:cTn id="10" dur="1" fill="hold">
                                           <p:stCondLst>
                                             <p:cond delay="0"/>
                                           </p:stCondLst>
@@ -12467,7 +12732,7 @@
                                     </p:set>
                                     <p:animEffect transition="in" filter="fade">
                                       <p:cBhvr>
-                                        <p:cTn id="12" dur="1000"/>
+                                        <p:cTn id="11" dur="1000"/>
                                         <p:tgtEl>
                                           <p:spTgt spid="8"/>
                                         </p:tgtEl>
@@ -12475,7 +12740,7 @@
                                     </p:animEffect>
                                     <p:anim calcmode="lin" valueType="num">
                                       <p:cBhvr>
-                                        <p:cTn id="13" dur="1000" fill="hold"/>
+                                        <p:cTn id="12" dur="1000" fill="hold"/>
                                         <p:tgtEl>
                                           <p:spTgt spid="8"/>
                                         </p:tgtEl>
@@ -12498,7 +12763,7 @@
                                     </p:anim>
                                     <p:anim calcmode="lin" valueType="num">
                                       <p:cBhvr>
-                                        <p:cTn id="14" dur="1000" fill="hold"/>
+                                        <p:cTn id="13" dur="1000" fill="hold"/>
                                         <p:tgtEl>
                                           <p:spTgt spid="8"/>
                                         </p:tgtEl>
@@ -12522,8 +12787,17 @@
                                   </p:childTnLst>
                                 </p:cTn>
                               </p:par>
+                            </p:childTnLst>
+                          </p:cTn>
+                        </p:par>
+                        <p:par>
+                          <p:cTn id="14" fill="hold">
+                            <p:stCondLst>
+                              <p:cond delay="2100"/>
+                            </p:stCondLst>
+                            <p:childTnLst>
                               <p:par>
-                                <p:cTn id="15" presetID="42" presetClass="entr" presetSubtype="0" fill="hold" nodeType="withEffect">
+                                <p:cTn id="15" presetID="42" presetClass="entr" presetSubtype="0" fill="hold" nodeType="afterEffect">
                                   <p:stCondLst>
                                     <p:cond delay="0"/>
                                   </p:stCondLst>
@@ -12727,7 +13001,7 @@
         </p:blipFill>
         <p:spPr>
           <a:xfrm>
-            <a:off x="6898544" y="4619751"/>
+            <a:off x="6825807" y="4619751"/>
             <a:ext cx="2410414" cy="2238249"/>
           </a:xfrm>
         </p:spPr>
@@ -12837,7 +13111,7 @@
         </p:blipFill>
         <p:spPr>
           <a:xfrm>
-            <a:off x="6476178" y="2226734"/>
+            <a:off x="6445005" y="2226734"/>
             <a:ext cx="1995145" cy="2372360"/>
           </a:xfrm>
         </p:spPr>
@@ -13695,14 +13969,14 @@
                 <a:gridCol w="2881313">
                   <a:extLst>
                     <a:ext uri="{9D8B030D-6E8A-4147-A177-3AD203B41FA5}">
-                      <a16:colId xmlns:a16="http://schemas.microsoft.com/office/drawing/2014/main" val="3318161435"/>
+                      <a16:colId xmlns:a16="http://schemas.microsoft.com/office/drawing/2014/main" xmlns="" val="3318161435"/>
                     </a:ext>
                   </a:extLst>
                 </a:gridCol>
                 <a:gridCol w="2881313">
                   <a:extLst>
                     <a:ext uri="{9D8B030D-6E8A-4147-A177-3AD203B41FA5}">
-                      <a16:colId xmlns:a16="http://schemas.microsoft.com/office/drawing/2014/main" val="4127245324"/>
+                      <a16:colId xmlns:a16="http://schemas.microsoft.com/office/drawing/2014/main" xmlns="" val="4127245324"/>
                     </a:ext>
                   </a:extLst>
                 </a:gridCol>
@@ -13779,7 +14053,7 @@
                 </a:tc>
                 <a:extLst>
                   <a:ext uri="{0D108BD9-81ED-4DB2-BD59-A6C34878D82A}">
-                    <a16:rowId xmlns:a16="http://schemas.microsoft.com/office/drawing/2014/main" val="2750261522"/>
+                    <a16:rowId xmlns:a16="http://schemas.microsoft.com/office/drawing/2014/main" xmlns="" val="2750261522"/>
                   </a:ext>
                 </a:extLst>
               </a:tr>

--- a/presentation/Presentation.pptx
+++ b/presentation/Presentation.pptx
@@ -5,12 +5,12 @@
     <p:sldMasterId id="2147483648" r:id="rId1"/>
   </p:sldMasterIdLst>
   <p:notesMasterIdLst>
-    <p:notesMasterId r:id="rId26"/>
+    <p:notesMasterId r:id="rId20"/>
   </p:notesMasterIdLst>
   <p:sldIdLst>
     <p:sldId id="256" r:id="rId2"/>
     <p:sldId id="280" r:id="rId3"/>
-    <p:sldId id="258" r:id="rId4"/>
+    <p:sldId id="281" r:id="rId4"/>
     <p:sldId id="259" r:id="rId5"/>
     <p:sldId id="260" r:id="rId6"/>
     <p:sldId id="263" r:id="rId7"/>
@@ -18,20 +18,14 @@
     <p:sldId id="266" r:id="rId9"/>
     <p:sldId id="273" r:id="rId10"/>
     <p:sldId id="261" r:id="rId11"/>
-    <p:sldId id="272" r:id="rId12"/>
-    <p:sldId id="271" r:id="rId13"/>
-    <p:sldId id="270" r:id="rId14"/>
+    <p:sldId id="271" r:id="rId12"/>
+    <p:sldId id="270" r:id="rId13"/>
+    <p:sldId id="285" r:id="rId14"/>
     <p:sldId id="276" r:id="rId15"/>
-    <p:sldId id="278" r:id="rId16"/>
-    <p:sldId id="269" r:id="rId17"/>
-    <p:sldId id="268" r:id="rId18"/>
-    <p:sldId id="265" r:id="rId19"/>
-    <p:sldId id="274" r:id="rId20"/>
-    <p:sldId id="275" r:id="rId21"/>
-    <p:sldId id="277" r:id="rId22"/>
-    <p:sldId id="279" r:id="rId23"/>
-    <p:sldId id="281" r:id="rId24"/>
-    <p:sldId id="282" r:id="rId25"/>
+    <p:sldId id="269" r:id="rId16"/>
+    <p:sldId id="268" r:id="rId17"/>
+    <p:sldId id="277" r:id="rId18"/>
+    <p:sldId id="279" r:id="rId19"/>
   </p:sldIdLst>
   <p:sldSz cx="12192000" cy="6858000"/>
   <p:notesSz cx="6858000" cy="9144000"/>
@@ -220,7 +214,7 @@
           <a:p>
             <a:fld id="{3055C09D-E245-48FB-89F4-1FC6DB8B2588}" type="datetimeFigureOut">
               <a:rPr lang="en-US"/>
-              <a:t>5/17/2017</a:t>
+              <a:t>5/18/2017</a:t>
             </a:fld>
             <a:endParaRPr lang="en-US"/>
           </a:p>
@@ -717,7 +711,7 @@
             <a:fld id="{B61BEF0D-F0BB-DE4B-95CE-6DB70DBA9567}" type="datetimeFigureOut">
               <a:rPr lang="en-US" dirty="0"/>
               <a:pPr/>
-              <a:t>5/17/2017</a:t>
+              <a:t>5/18/2017</a:t>
             </a:fld>
             <a:endParaRPr lang="en-US" dirty="0"/>
           </a:p>
@@ -1048,7 +1042,7 @@
             <a:fld id="{B61BEF0D-F0BB-DE4B-95CE-6DB70DBA9567}" type="datetimeFigureOut">
               <a:rPr lang="en-US" dirty="0"/>
               <a:pPr/>
-              <a:t>5/17/2017</a:t>
+              <a:t>5/18/2017</a:t>
             </a:fld>
             <a:endParaRPr lang="en-US" dirty="0"/>
           </a:p>
@@ -1323,7 +1317,7 @@
             <a:fld id="{B61BEF0D-F0BB-DE4B-95CE-6DB70DBA9567}" type="datetimeFigureOut">
               <a:rPr lang="en-US" dirty="0"/>
               <a:pPr/>
-              <a:t>5/17/2017</a:t>
+              <a:t>5/18/2017</a:t>
             </a:fld>
             <a:endParaRPr lang="en-US" dirty="0"/>
           </a:p>
@@ -1888,7 +1882,7 @@
             <a:fld id="{B61BEF0D-F0BB-DE4B-95CE-6DB70DBA9567}" type="datetimeFigureOut">
               <a:rPr lang="en-US" dirty="0"/>
               <a:pPr/>
-              <a:t>5/17/2017</a:t>
+              <a:t>5/18/2017</a:t>
             </a:fld>
             <a:endParaRPr lang="en-US" dirty="0"/>
           </a:p>
@@ -2163,7 +2157,7 @@
             <a:fld id="{B61BEF0D-F0BB-DE4B-95CE-6DB70DBA9567}" type="datetimeFigureOut">
               <a:rPr lang="en-US" dirty="0"/>
               <a:pPr/>
-              <a:t>5/17/2017</a:t>
+              <a:t>5/18/2017</a:t>
             </a:fld>
             <a:endParaRPr lang="en-US" dirty="0"/>
           </a:p>
@@ -2722,7 +2716,7 @@
             <a:fld id="{B61BEF0D-F0BB-DE4B-95CE-6DB70DBA9567}" type="datetimeFigureOut">
               <a:rPr lang="en-US" dirty="0"/>
               <a:pPr/>
-              <a:t>5/17/2017</a:t>
+              <a:t>5/18/2017</a:t>
             </a:fld>
             <a:endParaRPr lang="en-US" dirty="0"/>
           </a:p>
@@ -3046,7 +3040,7 @@
             <a:fld id="{B61BEF0D-F0BB-DE4B-95CE-6DB70DBA9567}" type="datetimeFigureOut">
               <a:rPr lang="en-US" dirty="0"/>
               <a:pPr/>
-              <a:t>5/17/2017</a:t>
+              <a:t>5/18/2017</a:t>
             </a:fld>
             <a:endParaRPr lang="en-US" dirty="0"/>
           </a:p>
@@ -3220,7 +3214,7 @@
             <a:fld id="{B61BEF0D-F0BB-DE4B-95CE-6DB70DBA9567}" type="datetimeFigureOut">
               <a:rPr lang="en-US" dirty="0"/>
               <a:pPr/>
-              <a:t>5/17/2017</a:t>
+              <a:t>5/18/2017</a:t>
             </a:fld>
             <a:endParaRPr lang="en-US" dirty="0"/>
           </a:p>
@@ -3455,7 +3449,7 @@
             <a:fld id="{B61BEF0D-F0BB-DE4B-95CE-6DB70DBA9567}" type="datetimeFigureOut">
               <a:rPr lang="en-US" dirty="0"/>
               <a:pPr/>
-              <a:t>5/17/2017</a:t>
+              <a:t>5/18/2017</a:t>
             </a:fld>
             <a:endParaRPr lang="en-US" dirty="0"/>
           </a:p>
@@ -3652,7 +3646,7 @@
             <a:fld id="{B61BEF0D-F0BB-DE4B-95CE-6DB70DBA9567}" type="datetimeFigureOut">
               <a:rPr lang="en-US" dirty="0"/>
               <a:pPr/>
-              <a:t>5/17/2017</a:t>
+              <a:t>5/18/2017</a:t>
             </a:fld>
             <a:endParaRPr lang="en-US" dirty="0"/>
           </a:p>
@@ -3925,7 +3919,7 @@
             <a:fld id="{B61BEF0D-F0BB-DE4B-95CE-6DB70DBA9567}" type="datetimeFigureOut">
               <a:rPr lang="en-US" dirty="0"/>
               <a:pPr/>
-              <a:t>5/17/2017</a:t>
+              <a:t>5/18/2017</a:t>
             </a:fld>
             <a:endParaRPr lang="en-US" dirty="0"/>
           </a:p>
@@ -4188,7 +4182,7 @@
             <a:fld id="{B61BEF0D-F0BB-DE4B-95CE-6DB70DBA9567}" type="datetimeFigureOut">
               <a:rPr lang="en-US" dirty="0"/>
               <a:pPr/>
-              <a:t>5/17/2017</a:t>
+              <a:t>5/18/2017</a:t>
             </a:fld>
             <a:endParaRPr lang="en-US" dirty="0"/>
           </a:p>
@@ -4559,7 +4553,7 @@
             <a:fld id="{B61BEF0D-F0BB-DE4B-95CE-6DB70DBA9567}" type="datetimeFigureOut">
               <a:rPr lang="en-US" dirty="0"/>
               <a:pPr/>
-              <a:t>5/17/2017</a:t>
+              <a:t>5/18/2017</a:t>
             </a:fld>
             <a:endParaRPr lang="en-US" dirty="0"/>
           </a:p>
@@ -4704,7 +4698,7 @@
             <a:fld id="{B61BEF0D-F0BB-DE4B-95CE-6DB70DBA9567}" type="datetimeFigureOut">
               <a:rPr lang="en-US" dirty="0"/>
               <a:pPr/>
-              <a:t>5/17/2017</a:t>
+              <a:t>5/18/2017</a:t>
             </a:fld>
             <a:endParaRPr lang="en-US" dirty="0"/>
           </a:p>
@@ -4826,7 +4820,7 @@
             <a:fld id="{B61BEF0D-F0BB-DE4B-95CE-6DB70DBA9567}" type="datetimeFigureOut">
               <a:rPr lang="en-US" dirty="0"/>
               <a:pPr/>
-              <a:t>5/17/2017</a:t>
+              <a:t>5/18/2017</a:t>
             </a:fld>
             <a:endParaRPr lang="en-US" dirty="0"/>
           </a:p>
@@ -5108,7 +5102,7 @@
             <a:fld id="{B61BEF0D-F0BB-DE4B-95CE-6DB70DBA9567}" type="datetimeFigureOut">
               <a:rPr lang="en-US" dirty="0"/>
               <a:pPr/>
-              <a:t>5/17/2017</a:t>
+              <a:t>5/18/2017</a:t>
             </a:fld>
             <a:endParaRPr lang="en-US" dirty="0"/>
           </a:p>
@@ -5429,7 +5423,7 @@
             <a:fld id="{B61BEF0D-F0BB-DE4B-95CE-6DB70DBA9567}" type="datetimeFigureOut">
               <a:rPr lang="en-US" dirty="0"/>
               <a:pPr/>
-              <a:t>5/17/2017</a:t>
+              <a:t>5/18/2017</a:t>
             </a:fld>
             <a:endParaRPr lang="en-US" dirty="0"/>
           </a:p>
@@ -5640,7 +5634,7 @@
             <a:fld id="{B61BEF0D-F0BB-DE4B-95CE-6DB70DBA9567}" type="datetimeFigureOut">
               <a:rPr lang="en-US" dirty="0"/>
               <a:pPr/>
-              <a:t>5/17/2017</a:t>
+              <a:t>5/18/2017</a:t>
             </a:fld>
             <a:endParaRPr lang="en-US" dirty="0"/>
           </a:p>
@@ -6161,27 +6155,127 @@
         </p:nvSpPr>
         <p:spPr>
           <a:xfrm>
-            <a:off x="3661063" y="2411076"/>
-            <a:ext cx="7197726" cy="2421464"/>
+            <a:off x="2242858" y="2261936"/>
+            <a:ext cx="7197726" cy="1825380"/>
           </a:xfrm>
         </p:spPr>
         <p:txBody>
           <a:bodyPr>
-            <a:normAutofit fontScale="90000"/>
+            <a:noAutofit/>
           </a:bodyPr>
           <a:lstStyle/>
           <a:p>
             <a:pPr algn="ctr"/>
             <a:r>
-              <a:rPr lang="en-US" dirty="0"/>
+              <a:rPr lang="en-US" sz="3600" dirty="0"/>
               <a:t>Պատկերների հետազոտում եվ օբյեկտների հայտնաբերում</a:t>
             </a:r>
-            <a:endParaRPr lang="en-US" dirty="0">
+            <a:endParaRPr lang="en-US" sz="3600" dirty="0">
               <a:solidFill>
                 <a:srgbClr val="FFFFFF"/>
               </a:solidFill>
               <a:latin typeface="Calibri Light"/>
             </a:endParaRPr>
+          </a:p>
+        </p:txBody>
+      </p:sp>
+      <p:sp>
+        <p:nvSpPr>
+          <p:cNvPr id="3" name="TextBox 2"/>
+          <p:cNvSpPr txBox="1"/>
+          <p:nvPr/>
+        </p:nvSpPr>
+        <p:spPr>
+          <a:xfrm>
+            <a:off x="1305864" y="956887"/>
+            <a:ext cx="9071714" cy="461665"/>
+          </a:xfrm>
+          <a:prstGeom prst="rect">
+            <a:avLst/>
+          </a:prstGeom>
+          <a:noFill/>
+        </p:spPr>
+        <p:txBody>
+          <a:bodyPr wrap="none" rtlCol="0">
+            <a:spAutoFit/>
+          </a:bodyPr>
+          <a:lstStyle/>
+          <a:p>
+            <a:pPr algn="ctr"/>
+            <a:r>
+              <a:rPr lang="hy-AM" sz="2400" dirty="0" smtClean="0"/>
+              <a:t>ՀԱՅԱՍՏԱՆԻ ԱԶԳԱՅԻՆ ՊՈԼԻՏԵԽՆԻԿԱԿԱՆ ՀԱՄԱԼՍԱՐԱՆ</a:t>
+            </a:r>
+            <a:endParaRPr lang="en-US" sz="2400" dirty="0"/>
+          </a:p>
+        </p:txBody>
+      </p:sp>
+      <p:sp>
+        <p:nvSpPr>
+          <p:cNvPr id="4" name="TextBox 3"/>
+          <p:cNvSpPr txBox="1"/>
+          <p:nvPr/>
+        </p:nvSpPr>
+        <p:spPr>
+          <a:xfrm>
+            <a:off x="6694768" y="4930700"/>
+            <a:ext cx="4566531" cy="923330"/>
+          </a:xfrm>
+          <a:prstGeom prst="rect">
+            <a:avLst/>
+          </a:prstGeom>
+          <a:noFill/>
+        </p:spPr>
+        <p:txBody>
+          <a:bodyPr wrap="square" rtlCol="0">
+            <a:spAutoFit/>
+          </a:bodyPr>
+          <a:lstStyle/>
+          <a:p>
+            <a:r>
+              <a:rPr lang="hy-AM" dirty="0" smtClean="0"/>
+              <a:t>Խումբ</a:t>
+            </a:r>
+            <a:r>
+              <a:rPr lang="en-US" dirty="0" smtClean="0"/>
+              <a:t>`</a:t>
+            </a:r>
+            <a:r>
+              <a:rPr lang="hy-AM" dirty="0" smtClean="0"/>
+              <a:t>		</a:t>
+            </a:r>
+            <a:r>
+              <a:rPr lang="hy-AM" dirty="0">
+                <a:latin typeface="Sylfaen" panose="010A0502050306030303" pitchFamily="18" charset="0"/>
+              </a:rPr>
+              <a:t>Հ</a:t>
+            </a:r>
+            <a:r>
+              <a:rPr lang="hy-AM" dirty="0" smtClean="0"/>
+              <a:t>355-1</a:t>
+            </a:r>
+            <a:r>
+              <a:rPr lang="en-US" dirty="0" smtClean="0"/>
+              <a:t> </a:t>
+            </a:r>
+            <a:r>
+              <a:rPr lang="hy-AM" dirty="0" smtClean="0"/>
+              <a:t/>
+            </a:r>
+            <a:br>
+              <a:rPr lang="hy-AM" dirty="0" smtClean="0"/>
+            </a:br>
+            <a:r>
+              <a:rPr lang="hy-AM" dirty="0" smtClean="0"/>
+              <a:t>Ուսանող՝	Գևորգ Հարությունյան</a:t>
+            </a:r>
+          </a:p>
+          <a:p>
+            <a:r>
+              <a:rPr lang="hy-AM" dirty="0" smtClean="0"/>
+              <a:t>Ղեկավար՝	Ռոբերտ Հակոբյան</a:t>
+            </a:r>
+            <a:endParaRPr lang="en-US" dirty="0"/>
           </a:p>
         </p:txBody>
       </p:sp>
@@ -6207,6 +6301,9 @@
                     <p:cTn id="3" fill="hold">
                       <p:stCondLst>
                         <p:cond delay="indefinite"/>
+                        <p:cond evt="onBegin" delay="0">
+                          <p:tn val="2"/>
+                        </p:cond>
                       </p:stCondLst>
                       <p:childTnLst>
                         <p:par>
@@ -6216,7 +6313,7 @@
                             </p:stCondLst>
                             <p:childTnLst>
                               <p:par>
-                                <p:cTn id="5" presetID="10" presetClass="entr" presetSubtype="0" fill="hold" grpId="0" nodeType="clickEffect">
+                                <p:cTn id="5" presetID="10" presetClass="entr" presetSubtype="0" fill="hold" grpId="0" nodeType="afterEffect">
                                   <p:stCondLst>
                                     <p:cond delay="0"/>
                                   </p:stCondLst>
@@ -6444,6 +6541,9 @@
                     <p:cTn id="3" fill="hold">
                       <p:stCondLst>
                         <p:cond delay="indefinite"/>
+                        <p:cond evt="onBegin" delay="0">
+                          <p:tn val="2"/>
+                        </p:cond>
                       </p:stCondLst>
                       <p:childTnLst>
                         <p:par>
@@ -6453,9 +6553,9 @@
                             </p:stCondLst>
                             <p:childTnLst>
                               <p:par>
-                                <p:cTn id="5" presetID="10" presetClass="entr" presetSubtype="0" fill="hold" nodeType="clickEffect">
+                                <p:cTn id="5" presetID="42" presetClass="entr" presetSubtype="0" fill="hold" nodeType="afterEffect">
                                   <p:stCondLst>
-                                    <p:cond delay="0"/>
+                                    <p:cond delay="500"/>
                                   </p:stCondLst>
                                   <p:childTnLst>
                                     <p:set>
@@ -6478,42 +6578,79 @@
                                     </p:set>
                                     <p:animEffect transition="in" filter="fade">
                                       <p:cBhvr>
-                                        <p:cTn id="7" dur="500"/>
+                                        <p:cTn id="7" dur="1000"/>
                                         <p:tgtEl>
                                           <p:spTgt spid="7"/>
                                         </p:tgtEl>
                                       </p:cBhvr>
                                     </p:animEffect>
+                                    <p:anim calcmode="lin" valueType="num">
+                                      <p:cBhvr>
+                                        <p:cTn id="8" dur="1000" fill="hold"/>
+                                        <p:tgtEl>
+                                          <p:spTgt spid="7"/>
+                                        </p:tgtEl>
+                                        <p:attrNameLst>
+                                          <p:attrName>ppt_x</p:attrName>
+                                        </p:attrNameLst>
+                                      </p:cBhvr>
+                                      <p:tavLst>
+                                        <p:tav tm="0">
+                                          <p:val>
+                                            <p:strVal val="#ppt_x"/>
+                                          </p:val>
+                                        </p:tav>
+                                        <p:tav tm="100000">
+                                          <p:val>
+                                            <p:strVal val="#ppt_x"/>
+                                          </p:val>
+                                        </p:tav>
+                                      </p:tavLst>
+                                    </p:anim>
+                                    <p:anim calcmode="lin" valueType="num">
+                                      <p:cBhvr>
+                                        <p:cTn id="9" dur="1000" fill="hold"/>
+                                        <p:tgtEl>
+                                          <p:spTgt spid="7"/>
+                                        </p:tgtEl>
+                                        <p:attrNameLst>
+                                          <p:attrName>ppt_y</p:attrName>
+                                        </p:attrNameLst>
+                                      </p:cBhvr>
+                                      <p:tavLst>
+                                        <p:tav tm="0">
+                                          <p:val>
+                                            <p:strVal val="#ppt_y+.1"/>
+                                          </p:val>
+                                        </p:tav>
+                                        <p:tav tm="100000">
+                                          <p:val>
+                                            <p:strVal val="#ppt_y"/>
+                                          </p:val>
+                                        </p:tav>
+                                      </p:tavLst>
+                                    </p:anim>
                                   </p:childTnLst>
                                 </p:cTn>
                               </p:par>
                             </p:childTnLst>
                           </p:cTn>
                         </p:par>
-                      </p:childTnLst>
-                    </p:cTn>
-                  </p:par>
-                  <p:par>
-                    <p:cTn id="8" fill="hold">
-                      <p:stCondLst>
-                        <p:cond delay="indefinite"/>
-                      </p:stCondLst>
-                      <p:childTnLst>
                         <p:par>
-                          <p:cTn id="9" fill="hold">
+                          <p:cTn id="10" fill="hold">
                             <p:stCondLst>
-                              <p:cond delay="0"/>
+                              <p:cond delay="1500"/>
                             </p:stCondLst>
                             <p:childTnLst>
                               <p:par>
-                                <p:cTn id="10" presetID="10" presetClass="entr" presetSubtype="0" fill="hold" nodeType="clickEffect">
+                                <p:cTn id="11" presetID="10" presetClass="entr" presetSubtype="0" fill="hold" nodeType="afterEffect">
                                   <p:stCondLst>
-                                    <p:cond delay="0"/>
+                                    <p:cond delay="700"/>
                                   </p:stCondLst>
                                   <p:childTnLst>
                                     <p:set>
                                       <p:cBhvr>
-                                        <p:cTn id="11" dur="1" fill="hold">
+                                        <p:cTn id="12" dur="1" fill="hold">
                                           <p:stCondLst>
                                             <p:cond delay="0"/>
                                           </p:stCondLst>
@@ -6531,7 +6668,7 @@
                                     </p:set>
                                     <p:animEffect transition="in" filter="fade">
                                       <p:cBhvr>
-                                        <p:cTn id="12" dur="500"/>
+                                        <p:cTn id="13" dur="900"/>
                                         <p:tgtEl>
                                           <p:spTgt spid="4"/>
                                         </p:tgtEl>
@@ -6605,14 +6742,14 @@
           <a:p>
             <a:pPr algn="ctr"/>
             <a:r>
-              <a:rPr lang="hy-AM" dirty="0" smtClean="0"/>
+              <a:rPr lang="hy-AM" dirty="0"/>
               <a:t>Պատկերի բուրգեր</a:t>
             </a:r>
             <a:br>
-              <a:rPr lang="hy-AM" dirty="0" smtClean="0"/>
+              <a:rPr lang="hy-AM" dirty="0"/>
             </a:br>
             <a:r>
-              <a:rPr lang="hy-AM" dirty="0" smtClean="0"/>
+              <a:rPr lang="hy-AM" dirty="0"/>
               <a:t>Գաուսիան բուրգեր</a:t>
             </a:r>
             <a:endParaRPr lang="en-US" dirty="0"/>
@@ -6621,9 +6758,13 @@
       </p:sp>
       <p:pic>
         <p:nvPicPr>
-          <p:cNvPr id="7" name="Picture 6"/>
-          <p:cNvPicPr/>
-          <p:nvPr/>
+          <p:cNvPr id="7" name="Content Placeholder 6"/>
+          <p:cNvPicPr>
+            <a:picLocks noGrp="1" noChangeAspect="1"/>
+          </p:cNvPicPr>
+          <p:nvPr>
+            <p:ph sz="half" idx="2"/>
+          </p:nvPr>
         </p:nvPicPr>
         <p:blipFill>
           <a:blip r:embed="rId2"/>
@@ -6633,8 +6774,56 @@
         </p:blipFill>
         <p:spPr>
           <a:xfrm>
-            <a:off x="685801" y="2065867"/>
-            <a:ext cx="2847975" cy="2276475"/>
+            <a:off x="685801" y="2946929"/>
+            <a:ext cx="3115328" cy="2921000"/>
+          </a:xfrm>
+          <a:prstGeom prst="rect">
+            <a:avLst/>
+          </a:prstGeom>
+        </p:spPr>
+      </p:pic>
+      <p:pic>
+        <p:nvPicPr>
+          <p:cNvPr id="8" name="Picture 7"/>
+          <p:cNvPicPr>
+            <a:picLocks noChangeAspect="1"/>
+          </p:cNvPicPr>
+          <p:nvPr/>
+        </p:nvPicPr>
+        <p:blipFill>
+          <a:blip r:embed="rId3"/>
+          <a:stretch>
+            <a:fillRect/>
+          </a:stretch>
+        </p:blipFill>
+        <p:spPr>
+          <a:xfrm>
+            <a:off x="4014600" y="3866751"/>
+            <a:ext cx="2099597" cy="2001178"/>
+          </a:xfrm>
+          <a:prstGeom prst="rect">
+            <a:avLst/>
+          </a:prstGeom>
+        </p:spPr>
+      </p:pic>
+      <p:pic>
+        <p:nvPicPr>
+          <p:cNvPr id="9" name="Picture 8"/>
+          <p:cNvPicPr>
+            <a:picLocks noChangeAspect="1"/>
+          </p:cNvPicPr>
+          <p:nvPr/>
+        </p:nvPicPr>
+        <p:blipFill>
+          <a:blip r:embed="rId4"/>
+          <a:stretch>
+            <a:fillRect/>
+          </a:stretch>
+        </p:blipFill>
+        <p:spPr>
+          <a:xfrm>
+            <a:off x="6327668" y="2975217"/>
+            <a:ext cx="3091173" cy="2892712"/>
           </a:xfrm>
           <a:prstGeom prst="rect">
             <a:avLst/>
@@ -6644,7 +6833,7 @@
     </p:spTree>
     <p:extLst>
       <p:ext uri="{BB962C8B-B14F-4D97-AF65-F5344CB8AC3E}">
-        <p14:creationId xmlns:p14="http://schemas.microsoft.com/office/powerpoint/2010/main" val="3426608426"/>
+        <p14:creationId xmlns:p14="http://schemas.microsoft.com/office/powerpoint/2010/main" val="535914472"/>
       </p:ext>
     </p:extLst>
   </p:cSld>
@@ -6663,6 +6852,9 @@
                     <p:cTn id="3" fill="hold">
                       <p:stCondLst>
                         <p:cond delay="indefinite"/>
+                        <p:cond evt="onBegin" delay="0">
+                          <p:tn val="2"/>
+                        </p:cond>
                       </p:stCondLst>
                       <p:childTnLst>
                         <p:par>
@@ -6672,7 +6864,7 @@
                             </p:stCondLst>
                             <p:childTnLst>
                               <p:par>
-                                <p:cTn id="5" presetID="10" presetClass="entr" presetSubtype="0" fill="hold" nodeType="clickEffect">
+                                <p:cTn id="5" presetID="42" presetClass="entr" presetSubtype="0" fill="hold" nodeType="afterEffect">
                                   <p:stCondLst>
                                     <p:cond delay="0"/>
                                   </p:stCondLst>
@@ -6685,7 +6877,7 @@
                                           </p:stCondLst>
                                         </p:cTn>
                                         <p:tgtEl>
-                                          <p:spTgt spid="7"/>
+                                          <p:spTgt spid="8"/>
                                         </p:tgtEl>
                                         <p:attrNameLst>
                                           <p:attrName>style.visibility</p:attrName>
@@ -6697,12 +6889,148 @@
                                     </p:set>
                                     <p:animEffect transition="in" filter="fade">
                                       <p:cBhvr>
-                                        <p:cTn id="7" dur="500"/>
+                                        <p:cTn id="7" dur="1000"/>
                                         <p:tgtEl>
-                                          <p:spTgt spid="7"/>
+                                          <p:spTgt spid="8"/>
                                         </p:tgtEl>
                                       </p:cBhvr>
                                     </p:animEffect>
+                                    <p:anim calcmode="lin" valueType="num">
+                                      <p:cBhvr>
+                                        <p:cTn id="8" dur="1000" fill="hold"/>
+                                        <p:tgtEl>
+                                          <p:spTgt spid="8"/>
+                                        </p:tgtEl>
+                                        <p:attrNameLst>
+                                          <p:attrName>ppt_x</p:attrName>
+                                        </p:attrNameLst>
+                                      </p:cBhvr>
+                                      <p:tavLst>
+                                        <p:tav tm="0">
+                                          <p:val>
+                                            <p:strVal val="#ppt_x"/>
+                                          </p:val>
+                                        </p:tav>
+                                        <p:tav tm="100000">
+                                          <p:val>
+                                            <p:strVal val="#ppt_x"/>
+                                          </p:val>
+                                        </p:tav>
+                                      </p:tavLst>
+                                    </p:anim>
+                                    <p:anim calcmode="lin" valueType="num">
+                                      <p:cBhvr>
+                                        <p:cTn id="9" dur="1000" fill="hold"/>
+                                        <p:tgtEl>
+                                          <p:spTgt spid="8"/>
+                                        </p:tgtEl>
+                                        <p:attrNameLst>
+                                          <p:attrName>ppt_y</p:attrName>
+                                        </p:attrNameLst>
+                                      </p:cBhvr>
+                                      <p:tavLst>
+                                        <p:tav tm="0">
+                                          <p:val>
+                                            <p:strVal val="#ppt_y+.1"/>
+                                          </p:val>
+                                        </p:tav>
+                                        <p:tav tm="100000">
+                                          <p:val>
+                                            <p:strVal val="#ppt_y"/>
+                                          </p:val>
+                                        </p:tav>
+                                      </p:tavLst>
+                                    </p:anim>
+                                  </p:childTnLst>
+                                </p:cTn>
+                              </p:par>
+                            </p:childTnLst>
+                          </p:cTn>
+                        </p:par>
+                        <p:par>
+                          <p:cTn id="10" fill="hold">
+                            <p:stCondLst>
+                              <p:cond delay="1000"/>
+                            </p:stCondLst>
+                            <p:childTnLst>
+                              <p:par>
+                                <p:cTn id="11" presetID="42" presetClass="entr" presetSubtype="0" fill="hold" nodeType="afterEffect">
+                                  <p:stCondLst>
+                                    <p:cond delay="0"/>
+                                  </p:stCondLst>
+                                  <p:childTnLst>
+                                    <p:set>
+                                      <p:cBhvr>
+                                        <p:cTn id="12" dur="1" fill="hold">
+                                          <p:stCondLst>
+                                            <p:cond delay="0"/>
+                                          </p:stCondLst>
+                                        </p:cTn>
+                                        <p:tgtEl>
+                                          <p:spTgt spid="9"/>
+                                        </p:tgtEl>
+                                        <p:attrNameLst>
+                                          <p:attrName>style.visibility</p:attrName>
+                                        </p:attrNameLst>
+                                      </p:cBhvr>
+                                      <p:to>
+                                        <p:strVal val="visible"/>
+                                      </p:to>
+                                    </p:set>
+                                    <p:animEffect transition="in" filter="fade">
+                                      <p:cBhvr>
+                                        <p:cTn id="13" dur="1000"/>
+                                        <p:tgtEl>
+                                          <p:spTgt spid="9"/>
+                                        </p:tgtEl>
+                                      </p:cBhvr>
+                                    </p:animEffect>
+                                    <p:anim calcmode="lin" valueType="num">
+                                      <p:cBhvr>
+                                        <p:cTn id="14" dur="1000" fill="hold"/>
+                                        <p:tgtEl>
+                                          <p:spTgt spid="9"/>
+                                        </p:tgtEl>
+                                        <p:attrNameLst>
+                                          <p:attrName>ppt_x</p:attrName>
+                                        </p:attrNameLst>
+                                      </p:cBhvr>
+                                      <p:tavLst>
+                                        <p:tav tm="0">
+                                          <p:val>
+                                            <p:strVal val="#ppt_x"/>
+                                          </p:val>
+                                        </p:tav>
+                                        <p:tav tm="100000">
+                                          <p:val>
+                                            <p:strVal val="#ppt_x"/>
+                                          </p:val>
+                                        </p:tav>
+                                      </p:tavLst>
+                                    </p:anim>
+                                    <p:anim calcmode="lin" valueType="num">
+                                      <p:cBhvr>
+                                        <p:cTn id="15" dur="1000" fill="hold"/>
+                                        <p:tgtEl>
+                                          <p:spTgt spid="9"/>
+                                        </p:tgtEl>
+                                        <p:attrNameLst>
+                                          <p:attrName>ppt_y</p:attrName>
+                                        </p:attrNameLst>
+                                      </p:cBhvr>
+                                      <p:tavLst>
+                                        <p:tav tm="0">
+                                          <p:val>
+                                            <p:strVal val="#ppt_y+.1"/>
+                                          </p:val>
+                                        </p:tav>
+                                        <p:tav tm="100000">
+                                          <p:val>
+                                            <p:strVal val="#ppt_y"/>
+                                          </p:val>
+                                        </p:tav>
+                                      </p:tavLst>
+                                    </p:anim>
                                   </p:childTnLst>
                                 </p:cTn>
                               </p:par>
@@ -6778,148 +7106,6 @@
               <a:rPr lang="hy-AM" dirty="0"/>
             </a:br>
             <a:r>
-              <a:rPr lang="hy-AM" dirty="0"/>
-              <a:t>Գաուսիան բուրգեր</a:t>
-            </a:r>
-            <a:endParaRPr lang="en-US" dirty="0"/>
-          </a:p>
-        </p:txBody>
-      </p:sp>
-      <p:pic>
-        <p:nvPicPr>
-          <p:cNvPr id="7" name="Content Placeholder 6"/>
-          <p:cNvPicPr>
-            <a:picLocks noGrp="1" noChangeAspect="1"/>
-          </p:cNvPicPr>
-          <p:nvPr>
-            <p:ph sz="half" idx="2"/>
-          </p:nvPr>
-        </p:nvPicPr>
-        <p:blipFill>
-          <a:blip r:embed="rId2"/>
-          <a:stretch>
-            <a:fillRect/>
-          </a:stretch>
-        </p:blipFill>
-        <p:spPr>
-          <a:xfrm>
-            <a:off x="685801" y="2946929"/>
-            <a:ext cx="3115328" cy="2921000"/>
-          </a:xfrm>
-          <a:prstGeom prst="rect">
-            <a:avLst/>
-          </a:prstGeom>
-        </p:spPr>
-      </p:pic>
-      <p:pic>
-        <p:nvPicPr>
-          <p:cNvPr id="8" name="Picture 7"/>
-          <p:cNvPicPr>
-            <a:picLocks noChangeAspect="1"/>
-          </p:cNvPicPr>
-          <p:nvPr/>
-        </p:nvPicPr>
-        <p:blipFill>
-          <a:blip r:embed="rId3"/>
-          <a:stretch>
-            <a:fillRect/>
-          </a:stretch>
-        </p:blipFill>
-        <p:spPr>
-          <a:xfrm>
-            <a:off x="4014600" y="3703505"/>
-            <a:ext cx="2270871" cy="2164424"/>
-          </a:xfrm>
-          <a:prstGeom prst="rect">
-            <a:avLst/>
-          </a:prstGeom>
-        </p:spPr>
-      </p:pic>
-      <p:pic>
-        <p:nvPicPr>
-          <p:cNvPr id="9" name="Picture 8"/>
-          <p:cNvPicPr>
-            <a:picLocks noChangeAspect="1"/>
-          </p:cNvPicPr>
-          <p:nvPr/>
-        </p:nvPicPr>
-        <p:blipFill>
-          <a:blip r:embed="rId4"/>
-          <a:stretch>
-            <a:fillRect/>
-          </a:stretch>
-        </p:blipFill>
-        <p:spPr>
-          <a:xfrm>
-            <a:off x="6518189" y="2946929"/>
-            <a:ext cx="3091173" cy="2892712"/>
-          </a:xfrm>
-          <a:prstGeom prst="rect">
-            <a:avLst/>
-          </a:prstGeom>
-        </p:spPr>
-      </p:pic>
-    </p:spTree>
-    <p:extLst>
-      <p:ext uri="{BB962C8B-B14F-4D97-AF65-F5344CB8AC3E}">
-        <p14:creationId xmlns:p14="http://schemas.microsoft.com/office/powerpoint/2010/main" val="535914472"/>
-      </p:ext>
-    </p:extLst>
-  </p:cSld>
-  <p:clrMapOvr>
-    <a:masterClrMapping/>
-  </p:clrMapOvr>
-  <p:timing>
-    <p:tnLst>
-      <p:par>
-        <p:cTn id="1" dur="indefinite" restart="never" nodeType="tmRoot"/>
-      </p:par>
-    </p:tnLst>
-  </p:timing>
-</p:sld>
-</file>
-
-<file path=ppt/slides/slide13.xml><?xml version="1.0" encoding="utf-8"?>
-<p:sld xmlns:a="http://schemas.openxmlformats.org/drawingml/2006/main" xmlns:r="http://schemas.openxmlformats.org/officeDocument/2006/relationships" xmlns:p="http://schemas.openxmlformats.org/presentationml/2006/main">
-  <p:cSld>
-    <p:spTree>
-      <p:nvGrpSpPr>
-        <p:cNvPr id="1" name=""/>
-        <p:cNvGrpSpPr/>
-        <p:nvPr/>
-      </p:nvGrpSpPr>
-      <p:grpSpPr>
-        <a:xfrm>
-          <a:off x="0" y="0"/>
-          <a:ext cx="0" cy="0"/>
-          <a:chOff x="0" y="0"/>
-          <a:chExt cx="0" cy="0"/>
-        </a:xfrm>
-      </p:grpSpPr>
-      <p:sp>
-        <p:nvSpPr>
-          <p:cNvPr id="2" name="Title 1"/>
-          <p:cNvSpPr>
-            <a:spLocks noGrp="1"/>
-          </p:cNvSpPr>
-          <p:nvPr>
-            <p:ph type="title"/>
-          </p:nvPr>
-        </p:nvSpPr>
-        <p:spPr/>
-        <p:txBody>
-          <a:bodyPr/>
-          <a:lstStyle/>
-          <a:p>
-            <a:pPr algn="ctr"/>
-            <a:r>
-              <a:rPr lang="hy-AM" dirty="0"/>
-              <a:t>Պատկերի բուրգեր</a:t>
-            </a:r>
-            <a:br>
-              <a:rPr lang="hy-AM" dirty="0"/>
-            </a:br>
-            <a:r>
               <a:rPr lang="hy-AM" dirty="0" smtClean="0"/>
               <a:t>Լապլասիան բուրգեր</a:t>
             </a:r>
@@ -6967,8 +7153,30 @@
         </p:blipFill>
         <p:spPr>
           <a:xfrm>
-            <a:off x="2636185" y="2517782"/>
+            <a:off x="4193849" y="2517782"/>
             <a:ext cx="3115328" cy="2921000"/>
+          </a:xfrm>
+          <a:prstGeom prst="rect">
+            <a:avLst/>
+          </a:prstGeom>
+        </p:spPr>
+      </p:pic>
+      <p:pic>
+        <p:nvPicPr>
+          <p:cNvPr id="5" name="Picture 4"/>
+          <p:cNvPicPr/>
+          <p:nvPr/>
+        </p:nvPicPr>
+        <p:blipFill>
+          <a:blip r:embed="rId4"/>
+          <a:stretch>
+            <a:fillRect/>
+          </a:stretch>
+        </p:blipFill>
+        <p:spPr>
+          <a:xfrm>
+            <a:off x="685801" y="2517782"/>
+            <a:ext cx="3323309" cy="2935280"/>
           </a:xfrm>
           <a:prstGeom prst="rect">
             <a:avLst/>
@@ -6988,7 +7196,681 @@
   <p:timing>
     <p:tnLst>
       <p:par>
-        <p:cTn id="1" dur="indefinite" restart="never" nodeType="tmRoot"/>
+        <p:cTn id="1" dur="indefinite" restart="never" nodeType="tmRoot">
+          <p:childTnLst>
+            <p:seq concurrent="1" nextAc="seek">
+              <p:cTn id="2" dur="indefinite" nodeType="mainSeq">
+                <p:childTnLst>
+                  <p:par>
+                    <p:cTn id="3" fill="hold">
+                      <p:stCondLst>
+                        <p:cond delay="indefinite"/>
+                        <p:cond evt="onBegin" delay="0">
+                          <p:tn val="2"/>
+                        </p:cond>
+                      </p:stCondLst>
+                      <p:childTnLst>
+                        <p:par>
+                          <p:cTn id="4" fill="hold">
+                            <p:stCondLst>
+                              <p:cond delay="0"/>
+                            </p:stCondLst>
+                            <p:childTnLst>
+                              <p:par>
+                                <p:cTn id="5" presetID="10" presetClass="entr" presetSubtype="0" fill="hold" nodeType="afterEffect">
+                                  <p:stCondLst>
+                                    <p:cond delay="0"/>
+                                  </p:stCondLst>
+                                  <p:childTnLst>
+                                    <p:set>
+                                      <p:cBhvr>
+                                        <p:cTn id="6" dur="1" fill="hold">
+                                          <p:stCondLst>
+                                            <p:cond delay="0"/>
+                                          </p:stCondLst>
+                                        </p:cTn>
+                                        <p:tgtEl>
+                                          <p:spTgt spid="5"/>
+                                        </p:tgtEl>
+                                        <p:attrNameLst>
+                                          <p:attrName>style.visibility</p:attrName>
+                                        </p:attrNameLst>
+                                      </p:cBhvr>
+                                      <p:to>
+                                        <p:strVal val="visible"/>
+                                      </p:to>
+                                    </p:set>
+                                    <p:animEffect transition="in" filter="fade">
+                                      <p:cBhvr>
+                                        <p:cTn id="7" dur="500"/>
+                                        <p:tgtEl>
+                                          <p:spTgt spid="5"/>
+                                        </p:tgtEl>
+                                      </p:cBhvr>
+                                    </p:animEffect>
+                                  </p:childTnLst>
+                                </p:cTn>
+                              </p:par>
+                            </p:childTnLst>
+                          </p:cTn>
+                        </p:par>
+                        <p:par>
+                          <p:cTn id="8" fill="hold">
+                            <p:stCondLst>
+                              <p:cond delay="500"/>
+                            </p:stCondLst>
+                            <p:childTnLst>
+                              <p:par>
+                                <p:cTn id="9" presetID="42" presetClass="entr" presetSubtype="0" fill="hold" nodeType="afterEffect">
+                                  <p:stCondLst>
+                                    <p:cond delay="900"/>
+                                  </p:stCondLst>
+                                  <p:childTnLst>
+                                    <p:set>
+                                      <p:cBhvr>
+                                        <p:cTn id="10" dur="1" fill="hold">
+                                          <p:stCondLst>
+                                            <p:cond delay="0"/>
+                                          </p:stCondLst>
+                                        </p:cTn>
+                                        <p:tgtEl>
+                                          <p:spTgt spid="8"/>
+                                        </p:tgtEl>
+                                        <p:attrNameLst>
+                                          <p:attrName>style.visibility</p:attrName>
+                                        </p:attrNameLst>
+                                      </p:cBhvr>
+                                      <p:to>
+                                        <p:strVal val="visible"/>
+                                      </p:to>
+                                    </p:set>
+                                    <p:animEffect transition="in" filter="fade">
+                                      <p:cBhvr>
+                                        <p:cTn id="11" dur="1000"/>
+                                        <p:tgtEl>
+                                          <p:spTgt spid="8"/>
+                                        </p:tgtEl>
+                                      </p:cBhvr>
+                                    </p:animEffect>
+                                    <p:anim calcmode="lin" valueType="num">
+                                      <p:cBhvr>
+                                        <p:cTn id="12" dur="1000" fill="hold"/>
+                                        <p:tgtEl>
+                                          <p:spTgt spid="8"/>
+                                        </p:tgtEl>
+                                        <p:attrNameLst>
+                                          <p:attrName>ppt_x</p:attrName>
+                                        </p:attrNameLst>
+                                      </p:cBhvr>
+                                      <p:tavLst>
+                                        <p:tav tm="0">
+                                          <p:val>
+                                            <p:strVal val="#ppt_x"/>
+                                          </p:val>
+                                        </p:tav>
+                                        <p:tav tm="100000">
+                                          <p:val>
+                                            <p:strVal val="#ppt_x"/>
+                                          </p:val>
+                                        </p:tav>
+                                      </p:tavLst>
+                                    </p:anim>
+                                    <p:anim calcmode="lin" valueType="num">
+                                      <p:cBhvr>
+                                        <p:cTn id="13" dur="1000" fill="hold"/>
+                                        <p:tgtEl>
+                                          <p:spTgt spid="8"/>
+                                        </p:tgtEl>
+                                        <p:attrNameLst>
+                                          <p:attrName>ppt_y</p:attrName>
+                                        </p:attrNameLst>
+                                      </p:cBhvr>
+                                      <p:tavLst>
+                                        <p:tav tm="0">
+                                          <p:val>
+                                            <p:strVal val="#ppt_y+.1"/>
+                                          </p:val>
+                                        </p:tav>
+                                        <p:tav tm="100000">
+                                          <p:val>
+                                            <p:strVal val="#ppt_y"/>
+                                          </p:val>
+                                        </p:tav>
+                                      </p:tavLst>
+                                    </p:anim>
+                                  </p:childTnLst>
+                                </p:cTn>
+                              </p:par>
+                            </p:childTnLst>
+                          </p:cTn>
+                        </p:par>
+                        <p:par>
+                          <p:cTn id="14" fill="hold">
+                            <p:stCondLst>
+                              <p:cond delay="2400"/>
+                            </p:stCondLst>
+                            <p:childTnLst>
+                              <p:par>
+                                <p:cTn id="15" presetID="42" presetClass="entr" presetSubtype="0" fill="hold" nodeType="afterEffect">
+                                  <p:stCondLst>
+                                    <p:cond delay="700"/>
+                                  </p:stCondLst>
+                                  <p:childTnLst>
+                                    <p:set>
+                                      <p:cBhvr>
+                                        <p:cTn id="16" dur="1" fill="hold">
+                                          <p:stCondLst>
+                                            <p:cond delay="0"/>
+                                          </p:stCondLst>
+                                        </p:cTn>
+                                        <p:tgtEl>
+                                          <p:spTgt spid="7"/>
+                                        </p:tgtEl>
+                                        <p:attrNameLst>
+                                          <p:attrName>style.visibility</p:attrName>
+                                        </p:attrNameLst>
+                                      </p:cBhvr>
+                                      <p:to>
+                                        <p:strVal val="visible"/>
+                                      </p:to>
+                                    </p:set>
+                                    <p:animEffect transition="in" filter="fade">
+                                      <p:cBhvr>
+                                        <p:cTn id="17" dur="1000"/>
+                                        <p:tgtEl>
+                                          <p:spTgt spid="7"/>
+                                        </p:tgtEl>
+                                      </p:cBhvr>
+                                    </p:animEffect>
+                                    <p:anim calcmode="lin" valueType="num">
+                                      <p:cBhvr>
+                                        <p:cTn id="18" dur="1000" fill="hold"/>
+                                        <p:tgtEl>
+                                          <p:spTgt spid="7"/>
+                                        </p:tgtEl>
+                                        <p:attrNameLst>
+                                          <p:attrName>ppt_x</p:attrName>
+                                        </p:attrNameLst>
+                                      </p:cBhvr>
+                                      <p:tavLst>
+                                        <p:tav tm="0">
+                                          <p:val>
+                                            <p:strVal val="#ppt_x"/>
+                                          </p:val>
+                                        </p:tav>
+                                        <p:tav tm="100000">
+                                          <p:val>
+                                            <p:strVal val="#ppt_x"/>
+                                          </p:val>
+                                        </p:tav>
+                                      </p:tavLst>
+                                    </p:anim>
+                                    <p:anim calcmode="lin" valueType="num">
+                                      <p:cBhvr>
+                                        <p:cTn id="19" dur="1000" fill="hold"/>
+                                        <p:tgtEl>
+                                          <p:spTgt spid="7"/>
+                                        </p:tgtEl>
+                                        <p:attrNameLst>
+                                          <p:attrName>ppt_y</p:attrName>
+                                        </p:attrNameLst>
+                                      </p:cBhvr>
+                                      <p:tavLst>
+                                        <p:tav tm="0">
+                                          <p:val>
+                                            <p:strVal val="#ppt_y+.1"/>
+                                          </p:val>
+                                        </p:tav>
+                                        <p:tav tm="100000">
+                                          <p:val>
+                                            <p:strVal val="#ppt_y"/>
+                                          </p:val>
+                                        </p:tav>
+                                      </p:tavLst>
+                                    </p:anim>
+                                  </p:childTnLst>
+                                </p:cTn>
+                              </p:par>
+                            </p:childTnLst>
+                          </p:cTn>
+                        </p:par>
+                      </p:childTnLst>
+                    </p:cTn>
+                  </p:par>
+                </p:childTnLst>
+              </p:cTn>
+              <p:prevCondLst>
+                <p:cond evt="onPrev" delay="0">
+                  <p:tgtEl>
+                    <p:sldTgt/>
+                  </p:tgtEl>
+                </p:cond>
+              </p:prevCondLst>
+              <p:nextCondLst>
+                <p:cond evt="onNext" delay="0">
+                  <p:tgtEl>
+                    <p:sldTgt/>
+                  </p:tgtEl>
+                </p:cond>
+              </p:nextCondLst>
+            </p:seq>
+          </p:childTnLst>
+        </p:cTn>
+      </p:par>
+    </p:tnLst>
+  </p:timing>
+</p:sld>
+</file>
+
+<file path=ppt/slides/slide13.xml><?xml version="1.0" encoding="utf-8"?>
+<p:sld xmlns:a="http://schemas.openxmlformats.org/drawingml/2006/main" xmlns:r="http://schemas.openxmlformats.org/officeDocument/2006/relationships" xmlns:p="http://schemas.openxmlformats.org/presentationml/2006/main">
+  <p:cSld>
+    <p:spTree>
+      <p:nvGrpSpPr>
+        <p:cNvPr id="1" name=""/>
+        <p:cNvGrpSpPr/>
+        <p:nvPr/>
+      </p:nvGrpSpPr>
+      <p:grpSpPr>
+        <a:xfrm>
+          <a:off x="0" y="0"/>
+          <a:ext cx="0" cy="0"/>
+          <a:chOff x="0" y="0"/>
+          <a:chExt cx="0" cy="0"/>
+        </a:xfrm>
+      </p:grpSpPr>
+      <p:sp>
+        <p:nvSpPr>
+          <p:cNvPr id="2" name="Title 1"/>
+          <p:cNvSpPr>
+            <a:spLocks noGrp="1"/>
+          </p:cNvSpPr>
+          <p:nvPr>
+            <p:ph type="title"/>
+          </p:nvPr>
+        </p:nvSpPr>
+        <p:spPr/>
+        <p:txBody>
+          <a:bodyPr/>
+          <a:lstStyle/>
+          <a:p>
+            <a:pPr algn="ctr"/>
+            <a:r>
+              <a:rPr lang="en-US" dirty="0" err="1"/>
+              <a:t>Պատկերների</a:t>
+            </a:r>
+            <a:r>
+              <a:rPr lang="en-US" dirty="0"/>
+              <a:t> </a:t>
+            </a:r>
+            <a:r>
+              <a:rPr lang="en-US" dirty="0" err="1"/>
+              <a:t>ձևափոխում</a:t>
+            </a:r>
+            <a:r>
+              <a:rPr lang="en-US" dirty="0"/>
+              <a:t/>
+            </a:r>
+            <a:br>
+              <a:rPr lang="en-US" dirty="0"/>
+            </a:br>
+            <a:r>
+              <a:rPr lang="hy-AM" dirty="0"/>
+              <a:t>Հոուֆ</a:t>
+            </a:r>
+            <a:r>
+              <a:rPr lang="en-US" dirty="0"/>
+              <a:t>(Hough)-</a:t>
+            </a:r>
+            <a:r>
+              <a:rPr lang="hy-AM" dirty="0" smtClean="0"/>
+              <a:t>ի</a:t>
+            </a:r>
+            <a:r>
+              <a:rPr lang="en-US" dirty="0" smtClean="0"/>
+              <a:t> </a:t>
+            </a:r>
+            <a:r>
+              <a:rPr lang="en-US" dirty="0" err="1"/>
+              <a:t>ձևափոխում</a:t>
+            </a:r>
+            <a:endParaRPr lang="en-US" dirty="0"/>
+          </a:p>
+        </p:txBody>
+      </p:sp>
+      <p:pic>
+        <p:nvPicPr>
+          <p:cNvPr id="7" name="Content Placeholder 6"/>
+          <p:cNvPicPr>
+            <a:picLocks noGrp="1" noChangeAspect="1"/>
+          </p:cNvPicPr>
+          <p:nvPr>
+            <p:ph sz="half" idx="2"/>
+          </p:nvPr>
+        </p:nvPicPr>
+        <p:blipFill>
+          <a:blip r:embed="rId2"/>
+          <a:stretch>
+            <a:fillRect/>
+          </a:stretch>
+        </p:blipFill>
+        <p:spPr>
+          <a:xfrm>
+            <a:off x="1431199" y="2226734"/>
+            <a:ext cx="3646538" cy="2921000"/>
+          </a:xfrm>
+          <a:prstGeom prst="rect">
+            <a:avLst/>
+          </a:prstGeom>
+        </p:spPr>
+      </p:pic>
+      <p:pic>
+        <p:nvPicPr>
+          <p:cNvPr id="12" name="Content Placeholder 11"/>
+          <p:cNvPicPr>
+            <a:picLocks noGrp="1" noChangeAspect="1"/>
+          </p:cNvPicPr>
+          <p:nvPr>
+            <p:ph sz="quarter" idx="4"/>
+          </p:nvPr>
+        </p:nvPicPr>
+        <p:blipFill>
+          <a:blip r:embed="rId3"/>
+          <a:stretch>
+            <a:fillRect/>
+          </a:stretch>
+        </p:blipFill>
+        <p:spPr>
+          <a:xfrm>
+            <a:off x="5391554" y="2226734"/>
+            <a:ext cx="5171814" cy="3669099"/>
+          </a:xfrm>
+          <a:prstGeom prst="rect">
+            <a:avLst/>
+          </a:prstGeom>
+        </p:spPr>
+      </p:pic>
+      <p:pic>
+        <p:nvPicPr>
+          <p:cNvPr id="8" name="Content Placeholder 6"/>
+          <p:cNvPicPr>
+            <a:picLocks noChangeAspect="1"/>
+          </p:cNvPicPr>
+          <p:nvPr/>
+        </p:nvPicPr>
+        <p:blipFill>
+          <a:blip r:embed="rId4"/>
+          <a:stretch>
+            <a:fillRect/>
+          </a:stretch>
+        </p:blipFill>
+        <p:spPr>
+          <a:xfrm>
+            <a:off x="441828" y="2226734"/>
+            <a:ext cx="4635909" cy="2921000"/>
+          </a:xfrm>
+          <a:prstGeom prst="rect">
+            <a:avLst/>
+          </a:prstGeom>
+        </p:spPr>
+      </p:pic>
+      <p:sp>
+        <p:nvSpPr>
+          <p:cNvPr id="9" name="Rectangle 8"/>
+          <p:cNvSpPr/>
+          <p:nvPr/>
+        </p:nvSpPr>
+        <p:spPr>
+          <a:xfrm>
+            <a:off x="1431199" y="5308601"/>
+            <a:ext cx="2090637" cy="463075"/>
+          </a:xfrm>
+          <a:prstGeom prst="rect">
+            <a:avLst/>
+          </a:prstGeom>
+          <a:noFill/>
+          <a:ln>
+            <a:noFill/>
+          </a:ln>
+        </p:spPr>
+        <p:txBody>
+          <a:bodyPr wrap="none">
+            <a:spAutoFit/>
+          </a:bodyPr>
+          <a:lstStyle/>
+          <a:p>
+            <a:pPr>
+              <a:lnSpc>
+                <a:spcPct val="150000"/>
+              </a:lnSpc>
+              <a:spcAft>
+                <a:spcPts val="800"/>
+              </a:spcAft>
+            </a:pPr>
+            <a:r>
+              <a:rPr lang="en-CA" b="1" dirty="0">
+                <a:latin typeface="Arial" panose="020B0604020202020204" pitchFamily="34" charset="0"/>
+                <a:ea typeface="Calibri" panose="020F0502020204030204" pitchFamily="34" charset="0"/>
+                <a:cs typeface="Times New Roman" panose="02020603050405020304" pitchFamily="18" charset="0"/>
+              </a:rPr>
+              <a:t>ρ = </a:t>
+            </a:r>
+            <a:r>
+              <a:rPr lang="en-CA" b="1" dirty="0" err="1">
+                <a:latin typeface="Arial" panose="020B0604020202020204" pitchFamily="34" charset="0"/>
+                <a:ea typeface="Calibri" panose="020F0502020204030204" pitchFamily="34" charset="0"/>
+                <a:cs typeface="Times New Roman" panose="02020603050405020304" pitchFamily="18" charset="0"/>
+              </a:rPr>
+              <a:t>xcosθ</a:t>
+            </a:r>
+            <a:r>
+              <a:rPr lang="en-CA" b="1" dirty="0">
+                <a:latin typeface="Arial" panose="020B0604020202020204" pitchFamily="34" charset="0"/>
+                <a:ea typeface="Calibri" panose="020F0502020204030204" pitchFamily="34" charset="0"/>
+                <a:cs typeface="Times New Roman" panose="02020603050405020304" pitchFamily="18" charset="0"/>
+              </a:rPr>
+              <a:t> + </a:t>
+            </a:r>
+            <a:r>
+              <a:rPr lang="en-CA" b="1" dirty="0" err="1">
+                <a:latin typeface="Arial" panose="020B0604020202020204" pitchFamily="34" charset="0"/>
+                <a:ea typeface="Calibri" panose="020F0502020204030204" pitchFamily="34" charset="0"/>
+                <a:cs typeface="Times New Roman" panose="02020603050405020304" pitchFamily="18" charset="0"/>
+              </a:rPr>
+              <a:t>ysinθ</a:t>
+            </a:r>
+            <a:endParaRPr lang="en-US" sz="1600" dirty="0">
+              <a:effectLst/>
+              <a:latin typeface="Calibri" panose="020F0502020204030204" pitchFamily="34" charset="0"/>
+              <a:ea typeface="Calibri" panose="020F0502020204030204" pitchFamily="34" charset="0"/>
+              <a:cs typeface="Times New Roman" panose="02020603050405020304" pitchFamily="18" charset="0"/>
+            </a:endParaRPr>
+          </a:p>
+        </p:txBody>
+      </p:sp>
+    </p:spTree>
+    <p:extLst>
+      <p:ext uri="{BB962C8B-B14F-4D97-AF65-F5344CB8AC3E}">
+        <p14:creationId xmlns:p14="http://schemas.microsoft.com/office/powerpoint/2010/main" val="2061242037"/>
+      </p:ext>
+    </p:extLst>
+  </p:cSld>
+  <p:clrMapOvr>
+    <a:masterClrMapping/>
+  </p:clrMapOvr>
+  <p:timing>
+    <p:tnLst>
+      <p:par>
+        <p:cTn id="1" dur="indefinite" restart="never" nodeType="tmRoot">
+          <p:childTnLst>
+            <p:seq concurrent="1" nextAc="seek">
+              <p:cTn id="2" dur="indefinite" nodeType="mainSeq">
+                <p:childTnLst>
+                  <p:par>
+                    <p:cTn id="3" fill="hold">
+                      <p:stCondLst>
+                        <p:cond delay="indefinite"/>
+                        <p:cond evt="onBegin" delay="0">
+                          <p:tn val="2"/>
+                        </p:cond>
+                      </p:stCondLst>
+                      <p:childTnLst>
+                        <p:par>
+                          <p:cTn id="4" fill="hold">
+                            <p:stCondLst>
+                              <p:cond delay="0"/>
+                            </p:stCondLst>
+                            <p:childTnLst>
+                              <p:par>
+                                <p:cTn id="5" presetID="21" presetClass="entr" presetSubtype="1" fill="hold" nodeType="afterEffect">
+                                  <p:stCondLst>
+                                    <p:cond delay="0"/>
+                                  </p:stCondLst>
+                                  <p:childTnLst>
+                                    <p:set>
+                                      <p:cBhvr>
+                                        <p:cTn id="6" dur="1" fill="hold">
+                                          <p:stCondLst>
+                                            <p:cond delay="0"/>
+                                          </p:stCondLst>
+                                        </p:cTn>
+                                        <p:tgtEl>
+                                          <p:spTgt spid="8"/>
+                                        </p:tgtEl>
+                                        <p:attrNameLst>
+                                          <p:attrName>style.visibility</p:attrName>
+                                        </p:attrNameLst>
+                                      </p:cBhvr>
+                                      <p:to>
+                                        <p:strVal val="visible"/>
+                                      </p:to>
+                                    </p:set>
+                                    <p:animEffect transition="in" filter="wheel(1)">
+                                      <p:cBhvr>
+                                        <p:cTn id="7" dur="2000"/>
+                                        <p:tgtEl>
+                                          <p:spTgt spid="8"/>
+                                        </p:tgtEl>
+                                      </p:cBhvr>
+                                    </p:animEffect>
+                                  </p:childTnLst>
+                                </p:cTn>
+                              </p:par>
+                            </p:childTnLst>
+                          </p:cTn>
+                        </p:par>
+                        <p:par>
+                          <p:cTn id="8" fill="hold">
+                            <p:stCondLst>
+                              <p:cond delay="2000"/>
+                            </p:stCondLst>
+                            <p:childTnLst>
+                              <p:par>
+                                <p:cTn id="9" presetID="42" presetClass="entr" presetSubtype="0" fill="hold" nodeType="afterEffect">
+                                  <p:stCondLst>
+                                    <p:cond delay="0"/>
+                                  </p:stCondLst>
+                                  <p:childTnLst>
+                                    <p:set>
+                                      <p:cBhvr>
+                                        <p:cTn id="10" dur="1" fill="hold">
+                                          <p:stCondLst>
+                                            <p:cond delay="0"/>
+                                          </p:stCondLst>
+                                        </p:cTn>
+                                        <p:tgtEl>
+                                          <p:spTgt spid="12"/>
+                                        </p:tgtEl>
+                                        <p:attrNameLst>
+                                          <p:attrName>style.visibility</p:attrName>
+                                        </p:attrNameLst>
+                                      </p:cBhvr>
+                                      <p:to>
+                                        <p:strVal val="visible"/>
+                                      </p:to>
+                                    </p:set>
+                                    <p:animEffect transition="in" filter="fade">
+                                      <p:cBhvr>
+                                        <p:cTn id="11" dur="1000"/>
+                                        <p:tgtEl>
+                                          <p:spTgt spid="12"/>
+                                        </p:tgtEl>
+                                      </p:cBhvr>
+                                    </p:animEffect>
+                                    <p:anim calcmode="lin" valueType="num">
+                                      <p:cBhvr>
+                                        <p:cTn id="12" dur="1000" fill="hold"/>
+                                        <p:tgtEl>
+                                          <p:spTgt spid="12"/>
+                                        </p:tgtEl>
+                                        <p:attrNameLst>
+                                          <p:attrName>ppt_x</p:attrName>
+                                        </p:attrNameLst>
+                                      </p:cBhvr>
+                                      <p:tavLst>
+                                        <p:tav tm="0">
+                                          <p:val>
+                                            <p:strVal val="#ppt_x"/>
+                                          </p:val>
+                                        </p:tav>
+                                        <p:tav tm="100000">
+                                          <p:val>
+                                            <p:strVal val="#ppt_x"/>
+                                          </p:val>
+                                        </p:tav>
+                                      </p:tavLst>
+                                    </p:anim>
+                                    <p:anim calcmode="lin" valueType="num">
+                                      <p:cBhvr>
+                                        <p:cTn id="13" dur="1000" fill="hold"/>
+                                        <p:tgtEl>
+                                          <p:spTgt spid="12"/>
+                                        </p:tgtEl>
+                                        <p:attrNameLst>
+                                          <p:attrName>ppt_y</p:attrName>
+                                        </p:attrNameLst>
+                                      </p:cBhvr>
+                                      <p:tavLst>
+                                        <p:tav tm="0">
+                                          <p:val>
+                                            <p:strVal val="#ppt_y+.1"/>
+                                          </p:val>
+                                        </p:tav>
+                                        <p:tav tm="100000">
+                                          <p:val>
+                                            <p:strVal val="#ppt_y"/>
+                                          </p:val>
+                                        </p:tav>
+                                      </p:tavLst>
+                                    </p:anim>
+                                  </p:childTnLst>
+                                </p:cTn>
+                              </p:par>
+                            </p:childTnLst>
+                          </p:cTn>
+                        </p:par>
+                      </p:childTnLst>
+                    </p:cTn>
+                  </p:par>
+                </p:childTnLst>
+              </p:cTn>
+              <p:prevCondLst>
+                <p:cond evt="onPrev" delay="0">
+                  <p:tgtEl>
+                    <p:sldTgt/>
+                  </p:tgtEl>
+                </p:cond>
+              </p:prevCondLst>
+              <p:nextCondLst>
+                <p:cond evt="onNext" delay="0">
+                  <p:tgtEl>
+                    <p:sldTgt/>
+                  </p:tgtEl>
+                </p:cond>
+              </p:nextCondLst>
+            </p:seq>
+          </p:childTnLst>
+        </p:cTn>
       </p:par>
     </p:tnLst>
   </p:timing>
@@ -7052,12 +7934,20 @@
               <a:t>Հոուֆ</a:t>
             </a:r>
             <a:r>
-              <a:rPr lang="en-US" dirty="0" smtClean="0"/>
+              <a:rPr lang="en-US" dirty="0"/>
               <a:t>(Hough)-</a:t>
             </a:r>
             <a:r>
-              <a:rPr lang="hy-AM" dirty="0" smtClean="0"/>
-              <a:t>ի գծերի հայտնաբերում</a:t>
+              <a:rPr lang="hy-AM" dirty="0"/>
+              <a:t>ի</a:t>
+            </a:r>
+            <a:r>
+              <a:rPr lang="en-US" dirty="0"/>
+              <a:t> </a:t>
+            </a:r>
+            <a:r>
+              <a:rPr lang="en-US" dirty="0" err="1"/>
+              <a:t>ձևափոխում</a:t>
             </a:r>
             <a:endParaRPr lang="en-US" dirty="0"/>
           </a:p>
@@ -7081,14 +7971,434 @@
         </p:blipFill>
         <p:spPr>
           <a:xfrm>
-            <a:off x="1331913" y="2503567"/>
-            <a:ext cx="8839200" cy="2929269"/>
+            <a:off x="1009795" y="2076959"/>
+            <a:ext cx="5193578" cy="3782483"/>
           </a:xfrm>
           <a:prstGeom prst="rect">
             <a:avLst/>
           </a:prstGeom>
         </p:spPr>
       </p:pic>
+      <p:pic>
+        <p:nvPicPr>
+          <p:cNvPr id="4" name="Content Placeholder 8"/>
+          <p:cNvPicPr>
+            <a:picLocks noGrp="1" noChangeAspect="1"/>
+          </p:cNvPicPr>
+          <p:nvPr>
+            <p:ph sz="half" idx="2"/>
+          </p:nvPr>
+        </p:nvPicPr>
+        <p:blipFill>
+          <a:blip r:embed="rId3"/>
+          <a:stretch>
+            <a:fillRect/>
+          </a:stretch>
+        </p:blipFill>
+        <p:spPr>
+          <a:xfrm>
+            <a:off x="6282134" y="2076959"/>
+            <a:ext cx="5353720" cy="3782483"/>
+          </a:xfrm>
+          <a:prstGeom prst="rect">
+            <a:avLst/>
+          </a:prstGeom>
+        </p:spPr>
+      </p:pic>
+      <p:sp>
+        <p:nvSpPr>
+          <p:cNvPr id="6" name="Rectangle 5"/>
+          <p:cNvSpPr/>
+          <p:nvPr/>
+        </p:nvSpPr>
+        <p:spPr>
+          <a:xfrm>
+            <a:off x="2345599" y="6100171"/>
+            <a:ext cx="2090637" cy="463075"/>
+          </a:xfrm>
+          <a:prstGeom prst="rect">
+            <a:avLst/>
+          </a:prstGeom>
+          <a:noFill/>
+          <a:ln>
+            <a:noFill/>
+          </a:ln>
+        </p:spPr>
+        <p:txBody>
+          <a:bodyPr wrap="none">
+            <a:spAutoFit/>
+          </a:bodyPr>
+          <a:lstStyle/>
+          <a:p>
+            <a:pPr>
+              <a:lnSpc>
+                <a:spcPct val="150000"/>
+              </a:lnSpc>
+              <a:spcAft>
+                <a:spcPts val="800"/>
+              </a:spcAft>
+            </a:pPr>
+            <a:r>
+              <a:rPr lang="en-CA" b="1" dirty="0">
+                <a:latin typeface="Arial" panose="020B0604020202020204" pitchFamily="34" charset="0"/>
+                <a:ea typeface="Calibri" panose="020F0502020204030204" pitchFamily="34" charset="0"/>
+                <a:cs typeface="Times New Roman" panose="02020603050405020304" pitchFamily="18" charset="0"/>
+              </a:rPr>
+              <a:t>ρ = </a:t>
+            </a:r>
+            <a:r>
+              <a:rPr lang="en-CA" b="1" dirty="0" err="1">
+                <a:latin typeface="Arial" panose="020B0604020202020204" pitchFamily="34" charset="0"/>
+                <a:ea typeface="Calibri" panose="020F0502020204030204" pitchFamily="34" charset="0"/>
+                <a:cs typeface="Times New Roman" panose="02020603050405020304" pitchFamily="18" charset="0"/>
+              </a:rPr>
+              <a:t>xcosθ</a:t>
+            </a:r>
+            <a:r>
+              <a:rPr lang="en-CA" b="1" dirty="0">
+                <a:latin typeface="Arial" panose="020B0604020202020204" pitchFamily="34" charset="0"/>
+                <a:ea typeface="Calibri" panose="020F0502020204030204" pitchFamily="34" charset="0"/>
+                <a:cs typeface="Times New Roman" panose="02020603050405020304" pitchFamily="18" charset="0"/>
+              </a:rPr>
+              <a:t> + </a:t>
+            </a:r>
+            <a:r>
+              <a:rPr lang="en-CA" b="1" dirty="0" err="1">
+                <a:latin typeface="Arial" panose="020B0604020202020204" pitchFamily="34" charset="0"/>
+                <a:ea typeface="Calibri" panose="020F0502020204030204" pitchFamily="34" charset="0"/>
+                <a:cs typeface="Times New Roman" panose="02020603050405020304" pitchFamily="18" charset="0"/>
+              </a:rPr>
+              <a:t>ysinθ</a:t>
+            </a:r>
+            <a:endParaRPr lang="en-US" sz="1600" dirty="0">
+              <a:effectLst/>
+              <a:latin typeface="Calibri" panose="020F0502020204030204" pitchFamily="34" charset="0"/>
+              <a:ea typeface="Calibri" panose="020F0502020204030204" pitchFamily="34" charset="0"/>
+              <a:cs typeface="Times New Roman" panose="02020603050405020304" pitchFamily="18" charset="0"/>
+            </a:endParaRPr>
+          </a:p>
+        </p:txBody>
+      </p:sp>
+      <mc:AlternateContent xmlns:mc="http://schemas.openxmlformats.org/markup-compatibility/2006">
+        <mc:Choice xmlns:a14="http://schemas.microsoft.com/office/drawing/2010/main" Requires="a14">
+          <p:sp>
+            <p:nvSpPr>
+              <p:cNvPr id="5" name="Rectangle 4"/>
+              <p:cNvSpPr/>
+              <p:nvPr/>
+            </p:nvSpPr>
+            <p:spPr>
+              <a:xfrm>
+                <a:off x="7175278" y="6055415"/>
+                <a:ext cx="3164071" cy="507831"/>
+              </a:xfrm>
+              <a:prstGeom prst="rect">
+                <a:avLst/>
+              </a:prstGeom>
+            </p:spPr>
+            <p:txBody>
+              <a:bodyPr wrap="none">
+                <a:spAutoFit/>
+              </a:bodyPr>
+              <a:lstStyle/>
+              <a:p>
+                <a:pPr indent="457200" algn="just">
+                  <a:lnSpc>
+                    <a:spcPct val="150000"/>
+                  </a:lnSpc>
+                </a:pPr>
+                <a14:m>
+                  <m:oMath xmlns:m="http://schemas.openxmlformats.org/officeDocument/2006/math">
+                    <m:sSup>
+                      <m:sSupPr>
+                        <m:ctrlPr>
+                          <a:rPr lang="en-US" i="1">
+                            <a:latin typeface="Cambria Math" panose="02040503050406030204" pitchFamily="18" charset="0"/>
+                            <a:ea typeface="Calibri" panose="020F0502020204030204" pitchFamily="34" charset="0"/>
+                            <a:cs typeface="Times New Roman" panose="02020603050405020304" pitchFamily="18" charset="0"/>
+                          </a:rPr>
+                        </m:ctrlPr>
+                      </m:sSupPr>
+                      <m:e>
+                        <m:r>
+                          <a:rPr lang="en-US">
+                            <a:latin typeface="Cambria Math" panose="02040503050406030204" pitchFamily="18" charset="0"/>
+                            <a:ea typeface="Calibri" panose="020F0502020204030204" pitchFamily="34" charset="0"/>
+                            <a:cs typeface="Times New Roman" panose="02020603050405020304" pitchFamily="18" charset="0"/>
+                          </a:rPr>
+                          <m:t>(</m:t>
+                        </m:r>
+                        <m:r>
+                          <m:rPr>
+                            <m:sty m:val="p"/>
+                          </m:rPr>
+                          <a:rPr lang="en-US">
+                            <a:latin typeface="Cambria Math" panose="02040503050406030204" pitchFamily="18" charset="0"/>
+                            <a:ea typeface="Calibri" panose="020F0502020204030204" pitchFamily="34" charset="0"/>
+                            <a:cs typeface="Times New Roman" panose="02020603050405020304" pitchFamily="18" charset="0"/>
+                          </a:rPr>
+                          <m:t>x</m:t>
+                        </m:r>
+                        <m:r>
+                          <a:rPr lang="en-US" i="1">
+                            <a:latin typeface="Cambria Math" panose="02040503050406030204" pitchFamily="18" charset="0"/>
+                            <a:ea typeface="Calibri" panose="020F0502020204030204" pitchFamily="34" charset="0"/>
+                            <a:cs typeface="Times New Roman" panose="02020603050405020304" pitchFamily="18" charset="0"/>
+                          </a:rPr>
+                          <m:t>−</m:t>
+                        </m:r>
+                        <m:sSub>
+                          <m:sSubPr>
+                            <m:ctrlPr>
+                              <a:rPr lang="en-US" i="1">
+                                <a:latin typeface="Cambria Math" panose="02040503050406030204" pitchFamily="18" charset="0"/>
+                                <a:ea typeface="Calibri" panose="020F0502020204030204" pitchFamily="34" charset="0"/>
+                                <a:cs typeface="Times New Roman" panose="02020603050405020304" pitchFamily="18" charset="0"/>
+                              </a:rPr>
+                            </m:ctrlPr>
+                          </m:sSubPr>
+                          <m:e>
+                            <m:r>
+                              <m:rPr>
+                                <m:sty m:val="p"/>
+                              </m:rPr>
+                              <a:rPr lang="en-US">
+                                <a:latin typeface="Cambria Math" panose="02040503050406030204" pitchFamily="18" charset="0"/>
+                                <a:ea typeface="Calibri" panose="020F0502020204030204" pitchFamily="34" charset="0"/>
+                                <a:cs typeface="Times New Roman" panose="02020603050405020304" pitchFamily="18" charset="0"/>
+                              </a:rPr>
+                              <m:t>x</m:t>
+                            </m:r>
+                          </m:e>
+                          <m:sub>
+                            <m:r>
+                              <a:rPr lang="en-US" i="1">
+                                <a:latin typeface="Cambria Math" panose="02040503050406030204" pitchFamily="18" charset="0"/>
+                                <a:ea typeface="Calibri" panose="020F0502020204030204" pitchFamily="34" charset="0"/>
+                                <a:cs typeface="Times New Roman" panose="02020603050405020304" pitchFamily="18" charset="0"/>
+                              </a:rPr>
+                              <m:t>0</m:t>
+                            </m:r>
+                          </m:sub>
+                        </m:sSub>
+                        <m:r>
+                          <a:rPr lang="en-US" i="1">
+                            <a:latin typeface="Cambria Math" panose="02040503050406030204" pitchFamily="18" charset="0"/>
+                            <a:ea typeface="Calibri" panose="020F0502020204030204" pitchFamily="34" charset="0"/>
+                            <a:cs typeface="Times New Roman" panose="02020603050405020304" pitchFamily="18" charset="0"/>
+                          </a:rPr>
+                          <m:t>)</m:t>
+                        </m:r>
+                      </m:e>
+                      <m:sup>
+                        <m:r>
+                          <a:rPr lang="en-US" i="1">
+                            <a:latin typeface="Cambria Math" panose="02040503050406030204" pitchFamily="18" charset="0"/>
+                            <a:ea typeface="Calibri" panose="020F0502020204030204" pitchFamily="34" charset="0"/>
+                            <a:cs typeface="Times New Roman" panose="02020603050405020304" pitchFamily="18" charset="0"/>
+                          </a:rPr>
+                          <m:t>2</m:t>
+                        </m:r>
+                      </m:sup>
+                    </m:sSup>
+                  </m:oMath>
+                </a14:m>
+                <a:r>
+                  <a:rPr lang="en-US" dirty="0">
+                    <a:latin typeface="Sylfaen" panose="010A0502050306030303" pitchFamily="18" charset="0"/>
+                    <a:ea typeface="Calibri" panose="020F0502020204030204" pitchFamily="34" charset="0"/>
+                    <a:cs typeface="Times New Roman" panose="02020603050405020304" pitchFamily="18" charset="0"/>
+                  </a:rPr>
+                  <a:t> + </a:t>
+                </a:r>
+                <a14:m>
+                  <m:oMath xmlns:m="http://schemas.openxmlformats.org/officeDocument/2006/math">
+                    <m:sSup>
+                      <m:sSupPr>
+                        <m:ctrlPr>
+                          <a:rPr lang="en-US" i="1">
+                            <a:latin typeface="Cambria Math" panose="02040503050406030204" pitchFamily="18" charset="0"/>
+                            <a:ea typeface="Calibri" panose="020F0502020204030204" pitchFamily="34" charset="0"/>
+                            <a:cs typeface="Times New Roman" panose="02020603050405020304" pitchFamily="18" charset="0"/>
+                          </a:rPr>
+                        </m:ctrlPr>
+                      </m:sSupPr>
+                      <m:e>
+                        <m:r>
+                          <a:rPr lang="en-US">
+                            <a:latin typeface="Cambria Math" panose="02040503050406030204" pitchFamily="18" charset="0"/>
+                            <a:ea typeface="Calibri" panose="020F0502020204030204" pitchFamily="34" charset="0"/>
+                            <a:cs typeface="Times New Roman" panose="02020603050405020304" pitchFamily="18" charset="0"/>
+                          </a:rPr>
+                          <m:t>(</m:t>
+                        </m:r>
+                        <m:r>
+                          <m:rPr>
+                            <m:sty m:val="p"/>
+                          </m:rPr>
+                          <a:rPr lang="en-US">
+                            <a:latin typeface="Cambria Math" panose="02040503050406030204" pitchFamily="18" charset="0"/>
+                            <a:ea typeface="Calibri" panose="020F0502020204030204" pitchFamily="34" charset="0"/>
+                            <a:cs typeface="Times New Roman" panose="02020603050405020304" pitchFamily="18" charset="0"/>
+                          </a:rPr>
+                          <m:t>y</m:t>
+                        </m:r>
+                        <m:r>
+                          <a:rPr lang="en-US" i="1">
+                            <a:latin typeface="Cambria Math" panose="02040503050406030204" pitchFamily="18" charset="0"/>
+                            <a:ea typeface="Calibri" panose="020F0502020204030204" pitchFamily="34" charset="0"/>
+                            <a:cs typeface="Times New Roman" panose="02020603050405020304" pitchFamily="18" charset="0"/>
+                          </a:rPr>
+                          <m:t>−</m:t>
+                        </m:r>
+                        <m:sSub>
+                          <m:sSubPr>
+                            <m:ctrlPr>
+                              <a:rPr lang="en-US" i="1">
+                                <a:latin typeface="Cambria Math" panose="02040503050406030204" pitchFamily="18" charset="0"/>
+                                <a:ea typeface="Calibri" panose="020F0502020204030204" pitchFamily="34" charset="0"/>
+                                <a:cs typeface="Times New Roman" panose="02020603050405020304" pitchFamily="18" charset="0"/>
+                              </a:rPr>
+                            </m:ctrlPr>
+                          </m:sSubPr>
+                          <m:e>
+                            <m:r>
+                              <m:rPr>
+                                <m:sty m:val="p"/>
+                              </m:rPr>
+                              <a:rPr lang="en-US">
+                                <a:latin typeface="Cambria Math" panose="02040503050406030204" pitchFamily="18" charset="0"/>
+                                <a:ea typeface="Calibri" panose="020F0502020204030204" pitchFamily="34" charset="0"/>
+                                <a:cs typeface="Times New Roman" panose="02020603050405020304" pitchFamily="18" charset="0"/>
+                              </a:rPr>
+                              <m:t>y</m:t>
+                            </m:r>
+                          </m:e>
+                          <m:sub>
+                            <m:r>
+                              <a:rPr lang="en-US" i="1">
+                                <a:latin typeface="Cambria Math" panose="02040503050406030204" pitchFamily="18" charset="0"/>
+                                <a:ea typeface="Calibri" panose="020F0502020204030204" pitchFamily="34" charset="0"/>
+                                <a:cs typeface="Times New Roman" panose="02020603050405020304" pitchFamily="18" charset="0"/>
+                              </a:rPr>
+                              <m:t>0</m:t>
+                            </m:r>
+                          </m:sub>
+                        </m:sSub>
+                        <m:r>
+                          <a:rPr lang="en-US" i="1">
+                            <a:latin typeface="Cambria Math" panose="02040503050406030204" pitchFamily="18" charset="0"/>
+                            <a:ea typeface="Calibri" panose="020F0502020204030204" pitchFamily="34" charset="0"/>
+                            <a:cs typeface="Times New Roman" panose="02020603050405020304" pitchFamily="18" charset="0"/>
+                          </a:rPr>
+                          <m:t>)</m:t>
+                        </m:r>
+                      </m:e>
+                      <m:sup>
+                        <m:r>
+                          <a:rPr lang="en-US" i="1">
+                            <a:latin typeface="Cambria Math" panose="02040503050406030204" pitchFamily="18" charset="0"/>
+                            <a:ea typeface="Calibri" panose="020F0502020204030204" pitchFamily="34" charset="0"/>
+                            <a:cs typeface="Times New Roman" panose="02020603050405020304" pitchFamily="18" charset="0"/>
+                          </a:rPr>
+                          <m:t>2</m:t>
+                        </m:r>
+                      </m:sup>
+                    </m:sSup>
+                  </m:oMath>
+                </a14:m>
+                <a:r>
+                  <a:rPr lang="en-US" dirty="0">
+                    <a:latin typeface="Sylfaen" panose="010A0502050306030303" pitchFamily="18" charset="0"/>
+                    <a:ea typeface="Calibri" panose="020F0502020204030204" pitchFamily="34" charset="0"/>
+                    <a:cs typeface="Times New Roman" panose="02020603050405020304" pitchFamily="18" charset="0"/>
+                  </a:rPr>
+                  <a:t> = </a:t>
+                </a:r>
+                <a14:m>
+                  <m:oMath xmlns:m="http://schemas.openxmlformats.org/officeDocument/2006/math">
+                    <m:sSup>
+                      <m:sSupPr>
+                        <m:ctrlPr>
+                          <a:rPr lang="en-US" i="1">
+                            <a:latin typeface="Cambria Math" panose="02040503050406030204" pitchFamily="18" charset="0"/>
+                            <a:ea typeface="Calibri" panose="020F0502020204030204" pitchFamily="34" charset="0"/>
+                            <a:cs typeface="Times New Roman" panose="02020603050405020304" pitchFamily="18" charset="0"/>
+                          </a:rPr>
+                        </m:ctrlPr>
+                      </m:sSupPr>
+                      <m:e>
+                        <m:r>
+                          <a:rPr lang="en-US" i="1">
+                            <a:latin typeface="Cambria Math" panose="02040503050406030204" pitchFamily="18" charset="0"/>
+                            <a:ea typeface="Calibri" panose="020F0502020204030204" pitchFamily="34" charset="0"/>
+                            <a:cs typeface="Times New Roman" panose="02020603050405020304" pitchFamily="18" charset="0"/>
+                          </a:rPr>
+                          <m:t>𝑟</m:t>
+                        </m:r>
+                      </m:e>
+                      <m:sup>
+                        <m:r>
+                          <a:rPr lang="en-US" i="1">
+                            <a:latin typeface="Cambria Math" panose="02040503050406030204" pitchFamily="18" charset="0"/>
+                            <a:ea typeface="Calibri" panose="020F0502020204030204" pitchFamily="34" charset="0"/>
+                            <a:cs typeface="Times New Roman" panose="02020603050405020304" pitchFamily="18" charset="0"/>
+                          </a:rPr>
+                          <m:t>2</m:t>
+                        </m:r>
+                      </m:sup>
+                    </m:sSup>
+                  </m:oMath>
+                </a14:m>
+                <a:endParaRPr lang="en-US" sz="1600" dirty="0">
+                  <a:effectLst/>
+                  <a:latin typeface="Calibri" panose="020F0502020204030204" pitchFamily="34" charset="0"/>
+                  <a:ea typeface="Calibri" panose="020F0502020204030204" pitchFamily="34" charset="0"/>
+                  <a:cs typeface="Times New Roman" panose="02020603050405020304" pitchFamily="18" charset="0"/>
+                </a:endParaRPr>
+              </a:p>
+            </p:txBody>
+          </p:sp>
+        </mc:Choice>
+        <mc:Fallback>
+          <p:sp>
+            <p:nvSpPr>
+              <p:cNvPr id="5" name="Rectangle 4"/>
+              <p:cNvSpPr>
+                <a:spLocks noRot="1" noChangeAspect="1" noMove="1" noResize="1" noEditPoints="1" noAdjustHandles="1" noChangeArrowheads="1" noChangeShapeType="1" noTextEdit="1"/>
+              </p:cNvSpPr>
+              <p:nvPr/>
+            </p:nvSpPr>
+            <p:spPr>
+              <a:xfrm>
+                <a:off x="7175278" y="6055415"/>
+                <a:ext cx="3164071" cy="507831"/>
+              </a:xfrm>
+              <a:prstGeom prst="rect">
+                <a:avLst/>
+              </a:prstGeom>
+              <a:blipFill>
+                <a:blip r:embed="rId4"/>
+                <a:stretch>
+                  <a:fillRect b="-10714"/>
+                </a:stretch>
+              </a:blipFill>
+            </p:spPr>
+            <p:txBody>
+              <a:bodyPr/>
+              <a:lstStyle/>
+              <a:p>
+                <a:r>
+                  <a:rPr lang="en-US">
+                    <a:noFill/>
+                  </a:rPr>
+                  <a:t> </a:t>
+                </a:r>
+              </a:p>
+            </p:txBody>
+          </p:sp>
+        </mc:Fallback>
+      </mc:AlternateContent>
     </p:spTree>
     <p:extLst>
       <p:ext uri="{BB962C8B-B14F-4D97-AF65-F5344CB8AC3E}">
@@ -7138,122 +8448,6 @@
         </p:nvSpPr>
         <p:spPr/>
         <p:txBody>
-          <a:bodyPr>
-            <a:normAutofit fontScale="90000"/>
-          </a:bodyPr>
-          <a:lstStyle/>
-          <a:p>
-            <a:pPr algn="ctr"/>
-            <a:r>
-              <a:rPr lang="en-US" dirty="0" err="1"/>
-              <a:t>Պատկերների</a:t>
-            </a:r>
-            <a:r>
-              <a:rPr lang="en-US" dirty="0"/>
-              <a:t> </a:t>
-            </a:r>
-            <a:r>
-              <a:rPr lang="en-US" dirty="0" err="1" smtClean="0"/>
-              <a:t>ձևափոխում</a:t>
-            </a:r>
-            <a:r>
-              <a:rPr lang="en-US" dirty="0" smtClean="0"/>
-              <a:t/>
-            </a:r>
-            <a:br>
-              <a:rPr lang="en-US" dirty="0" smtClean="0"/>
-            </a:br>
-            <a:r>
-              <a:rPr lang="hy-AM" dirty="0" smtClean="0"/>
-              <a:t>Հոուֆ</a:t>
-            </a:r>
-            <a:r>
-              <a:rPr lang="en-US" dirty="0" smtClean="0"/>
-              <a:t>(Hough)</a:t>
-            </a:r>
-            <a:r>
-              <a:rPr lang="hy-AM" dirty="0" smtClean="0"/>
-              <a:t> շրջանների հայտնաբերում</a:t>
-            </a:r>
-            <a:endParaRPr lang="en-US" dirty="0"/>
-          </a:p>
-        </p:txBody>
-      </p:sp>
-      <p:pic>
-        <p:nvPicPr>
-          <p:cNvPr id="9" name="Content Placeholder 8"/>
-          <p:cNvPicPr>
-            <a:picLocks noGrp="1" noChangeAspect="1"/>
-          </p:cNvPicPr>
-          <p:nvPr>
-            <p:ph sz="half" idx="2"/>
-          </p:nvPr>
-        </p:nvPicPr>
-        <p:blipFill>
-          <a:blip r:embed="rId2"/>
-          <a:stretch>
-            <a:fillRect/>
-          </a:stretch>
-        </p:blipFill>
-        <p:spPr>
-          <a:xfrm>
-            <a:off x="868471" y="2065867"/>
-            <a:ext cx="5353720" cy="3782483"/>
-          </a:xfrm>
-          <a:prstGeom prst="rect">
-            <a:avLst/>
-          </a:prstGeom>
-        </p:spPr>
-      </p:pic>
-    </p:spTree>
-    <p:extLst>
-      <p:ext uri="{BB962C8B-B14F-4D97-AF65-F5344CB8AC3E}">
-        <p14:creationId xmlns:p14="http://schemas.microsoft.com/office/powerpoint/2010/main" val="1675570954"/>
-      </p:ext>
-    </p:extLst>
-  </p:cSld>
-  <p:clrMapOvr>
-    <a:masterClrMapping/>
-  </p:clrMapOvr>
-  <p:timing>
-    <p:tnLst>
-      <p:par>
-        <p:cTn id="1" dur="indefinite" restart="never" nodeType="tmRoot"/>
-      </p:par>
-    </p:tnLst>
-  </p:timing>
-</p:sld>
-</file>
-
-<file path=ppt/slides/slide16.xml><?xml version="1.0" encoding="utf-8"?>
-<p:sld xmlns:a="http://schemas.openxmlformats.org/drawingml/2006/main" xmlns:r="http://schemas.openxmlformats.org/officeDocument/2006/relationships" xmlns:p="http://schemas.openxmlformats.org/presentationml/2006/main">
-  <p:cSld>
-    <p:spTree>
-      <p:nvGrpSpPr>
-        <p:cNvPr id="1" name=""/>
-        <p:cNvGrpSpPr/>
-        <p:nvPr/>
-      </p:nvGrpSpPr>
-      <p:grpSpPr>
-        <a:xfrm>
-          <a:off x="0" y="0"/>
-          <a:ext cx="0" cy="0"/>
-          <a:chOff x="0" y="0"/>
-          <a:chExt cx="0" cy="0"/>
-        </a:xfrm>
-      </p:grpSpPr>
-      <p:sp>
-        <p:nvSpPr>
-          <p:cNvPr id="2" name="Title 1"/>
-          <p:cNvSpPr>
-            <a:spLocks noGrp="1"/>
-          </p:cNvSpPr>
-          <p:nvPr>
-            <p:ph type="title"/>
-          </p:nvPr>
-        </p:nvSpPr>
-        <p:spPr/>
-        <p:txBody>
           <a:bodyPr/>
           <a:lstStyle/>
           <a:p>
@@ -7278,13 +8472,13 @@
                 <p:ph sz="half" idx="2"/>
                 <p:extLst>
                   <p:ext uri="{D42A27DB-BD31-4B8C-83A1-F6EECF244321}">
-                    <p14:modId xmlns:p14="http://schemas.microsoft.com/office/powerpoint/2010/main" val="3135647179"/>
+                    <p14:modId xmlns:p14="http://schemas.microsoft.com/office/powerpoint/2010/main" val="2428515171"/>
                   </p:ext>
                 </p:extLst>
               </p:nvPr>
             </p:nvGraphicFramePr>
             <p:xfrm>
-              <a:off x="685800" y="2946928"/>
+              <a:off x="685801" y="2065867"/>
               <a:ext cx="4997450" cy="2281064"/>
             </p:xfrm>
             <a:graphic>
@@ -7297,35 +8491,35 @@
                     <a:gridCol w="999490">
                       <a:extLst>
                         <a:ext uri="{9D8B030D-6E8A-4147-A177-3AD203B41FA5}">
-                          <a16:colId xmlns:a16="http://schemas.microsoft.com/office/drawing/2014/main" xmlns="" val="1216725777"/>
+                          <a16:colId xmlns:a16="http://schemas.microsoft.com/office/drawing/2014/main" val="1216725777"/>
                         </a:ext>
                       </a:extLst>
                     </a:gridCol>
                     <a:gridCol w="999490">
                       <a:extLst>
                         <a:ext uri="{9D8B030D-6E8A-4147-A177-3AD203B41FA5}">
-                          <a16:colId xmlns:a16="http://schemas.microsoft.com/office/drawing/2014/main" xmlns="" val="1506238522"/>
+                          <a16:colId xmlns:a16="http://schemas.microsoft.com/office/drawing/2014/main" val="1506238522"/>
                         </a:ext>
                       </a:extLst>
                     </a:gridCol>
                     <a:gridCol w="999490">
                       <a:extLst>
                         <a:ext uri="{9D8B030D-6E8A-4147-A177-3AD203B41FA5}">
-                          <a16:colId xmlns:a16="http://schemas.microsoft.com/office/drawing/2014/main" xmlns="" val="2836820485"/>
+                          <a16:colId xmlns:a16="http://schemas.microsoft.com/office/drawing/2014/main" val="2836820485"/>
                         </a:ext>
                       </a:extLst>
                     </a:gridCol>
                     <a:gridCol w="999490">
                       <a:extLst>
                         <a:ext uri="{9D8B030D-6E8A-4147-A177-3AD203B41FA5}">
-                          <a16:colId xmlns:a16="http://schemas.microsoft.com/office/drawing/2014/main" xmlns="" val="1651784423"/>
+                          <a16:colId xmlns:a16="http://schemas.microsoft.com/office/drawing/2014/main" val="1651784423"/>
                         </a:ext>
                       </a:extLst>
                     </a:gridCol>
                     <a:gridCol w="999490">
                       <a:extLst>
                         <a:ext uri="{9D8B030D-6E8A-4147-A177-3AD203B41FA5}">
-                          <a16:colId xmlns:a16="http://schemas.microsoft.com/office/drawing/2014/main" xmlns="" val="1257235431"/>
+                          <a16:colId xmlns:a16="http://schemas.microsoft.com/office/drawing/2014/main" val="1257235431"/>
                         </a:ext>
                       </a:extLst>
                     </a:gridCol>
@@ -7462,13 +8656,13 @@
                             </a:spcAft>
                           </a:pPr>
                           <a:r>
-                            <a:rPr lang="hy-AM" sz="1000">
+                            <a:rPr lang="hy-AM" sz="1000" dirty="0">
                               <a:effectLst/>
                             </a:rPr>
                             <a:t>Մազեր </a:t>
                           </a:r>
                           <a:r>
-                            <a:rPr lang="en-US" sz="1000">
+                            <a:rPr lang="en-US" sz="1000" dirty="0">
                               <a:effectLst/>
                             </a:rPr>
                             <a:t>(</a:t>
@@ -7506,12 +8700,12 @@
                             </m:oMath>
                           </a14:m>
                           <a:r>
-                            <a:rPr lang="en-US" sz="1000">
+                            <a:rPr lang="en-US" sz="1000" dirty="0">
                               <a:effectLst/>
                             </a:rPr>
                             <a:t>)</a:t>
                           </a:r>
-                          <a:endParaRPr lang="en-US" sz="900">
+                          <a:endParaRPr lang="en-US" sz="900" dirty="0">
                             <a:solidFill>
                               <a:srgbClr val="00000A"/>
                             </a:solidFill>
@@ -7646,7 +8840,7 @@
                     </a:tc>
                     <a:extLst>
                       <a:ext uri="{0D108BD9-81ED-4DB2-BD59-A6C34878D82A}">
-                        <a16:rowId xmlns:a16="http://schemas.microsoft.com/office/drawing/2014/main" xmlns="" val="1324942624"/>
+                        <a16:rowId xmlns:a16="http://schemas.microsoft.com/office/drawing/2014/main" val="1324942624"/>
                       </a:ext>
                     </a:extLst>
                   </a:tr>
@@ -7773,18 +8967,18 @@
                             </a:spcAft>
                           </a:pPr>
                           <a:r>
-                            <a:rPr lang="hy-AM" sz="1000">
+                            <a:rPr lang="hy-AM" sz="1200" dirty="0">
+                              <a:solidFill>
+                                <a:srgbClr val="00000A"/>
+                              </a:solidFill>
                               <a:effectLst/>
+                              <a:latin typeface="Sylfaen" panose="010A0502050306030303" pitchFamily="18" charset="0"/>
+                              <a:ea typeface="Calibri" panose="020F0502020204030204" pitchFamily="34" charset="0"/>
+                              <a:cs typeface="Arial-BoldMT"/>
                             </a:rPr>
-                            <a:t>Ա</a:t>
+                            <a:t>Չունի</a:t>
                           </a:r>
-                          <a:r>
-                            <a:rPr lang="en-US" sz="1000">
-                              <a:effectLst/>
-                            </a:rPr>
-                            <a:t>նթրաշ</a:t>
-                          </a:r>
-                          <a:endParaRPr lang="en-US" sz="900">
+                          <a:endParaRPr lang="en-US" sz="1100" dirty="0">
                             <a:solidFill>
                               <a:srgbClr val="00000A"/>
                             </a:solidFill>
@@ -7795,1234 +8989,7 @@
                           </a:endParaRPr>
                         </a:p>
                       </a:txBody>
-                      <a:tcPr marL="57725" marR="57725" marT="0" marB="0"/>
-                    </a:tc>
-                    <a:tc>
-                      <a:txBody>
-                        <a:bodyPr/>
-                        <a:lstStyle/>
-                        <a:p>
-                          <a:pPr marL="228600" marR="0" algn="ctr">
-                            <a:lnSpc>
-                              <a:spcPct val="150000"/>
-                            </a:lnSpc>
-                            <a:spcBef>
-                              <a:spcPts val="0"/>
-                            </a:spcBef>
-                            <a:spcAft>
-                              <a:spcPts val="800"/>
-                            </a:spcAft>
-                          </a:pPr>
-                          <a:r>
-                            <a:rPr lang="hy-AM" sz="1000">
-                              <a:effectLst/>
-                            </a:rPr>
-                            <a:t>Կին</a:t>
-                          </a:r>
-                          <a:endParaRPr lang="en-US" sz="900">
-                            <a:solidFill>
-                              <a:srgbClr val="00000A"/>
-                            </a:solidFill>
-                            <a:effectLst/>
-                            <a:latin typeface="Calibri" panose="020F0502020204030204" pitchFamily="34" charset="0"/>
-                            <a:ea typeface="Calibri" panose="020F0502020204030204" pitchFamily="34" charset="0"/>
-                            <a:cs typeface="Calibri" panose="020F0502020204030204" pitchFamily="34" charset="0"/>
-                          </a:endParaRPr>
-                        </a:p>
-                      </a:txBody>
-                      <a:tcPr marL="57725" marR="57725" marT="0" marB="0"/>
-                    </a:tc>
-                    <a:extLst>
-                      <a:ext uri="{0D108BD9-81ED-4DB2-BD59-A6C34878D82A}">
-                        <a16:rowId xmlns:a16="http://schemas.microsoft.com/office/drawing/2014/main" xmlns="" val="2491110305"/>
-                      </a:ext>
-                    </a:extLst>
-                  </a:tr>
-                  <a:tr h="289617">
-                    <a:tc>
-                      <a:txBody>
-                        <a:bodyPr/>
-                        <a:lstStyle/>
-                        <a:p>
-                          <a:pPr marL="228600" marR="0" algn="ctr">
-                            <a:lnSpc>
-                              <a:spcPct val="150000"/>
-                            </a:lnSpc>
-                            <a:spcBef>
-                              <a:spcPts val="0"/>
-                            </a:spcBef>
-                            <a:spcAft>
-                              <a:spcPts val="800"/>
-                            </a:spcAft>
-                          </a:pPr>
-                          <a:r>
-                            <a:rPr lang="hy-AM" sz="1000">
-                              <a:effectLst/>
-                            </a:rPr>
-                            <a:t>Վահան</a:t>
-                          </a:r>
-                          <a:endParaRPr lang="en-US" sz="900">
-                            <a:solidFill>
-                              <a:srgbClr val="00000A"/>
-                            </a:solidFill>
-                            <a:effectLst/>
-                            <a:latin typeface="Calibri" panose="020F0502020204030204" pitchFamily="34" charset="0"/>
-                            <a:ea typeface="Calibri" panose="020F0502020204030204" pitchFamily="34" charset="0"/>
-                            <a:cs typeface="Calibri" panose="020F0502020204030204" pitchFamily="34" charset="0"/>
-                          </a:endParaRPr>
-                        </a:p>
-                      </a:txBody>
-                      <a:tcPr marL="57725" marR="57725" marT="0" marB="0"/>
-                    </a:tc>
-                    <a:tc>
-                      <a:txBody>
-                        <a:bodyPr/>
-                        <a:lstStyle/>
-                        <a:p>
-                          <a:pPr marL="228600" marR="0" algn="ctr">
-                            <a:lnSpc>
-                              <a:spcPct val="150000"/>
-                            </a:lnSpc>
-                            <a:spcBef>
-                              <a:spcPts val="0"/>
-                            </a:spcBef>
-                            <a:spcAft>
-                              <a:spcPts val="800"/>
-                            </a:spcAft>
-                          </a:pPr>
-                          <a:r>
-                            <a:rPr lang="en-US" sz="1000" dirty="0">
-                              <a:effectLst/>
-                            </a:rPr>
-                            <a:t>1.75</a:t>
-                          </a:r>
-                          <a:endParaRPr lang="en-US" sz="900" dirty="0">
-                            <a:solidFill>
-                              <a:srgbClr val="00000A"/>
-                            </a:solidFill>
-                            <a:effectLst/>
-                            <a:latin typeface="Calibri" panose="020F0502020204030204" pitchFamily="34" charset="0"/>
-                            <a:ea typeface="Calibri" panose="020F0502020204030204" pitchFamily="34" charset="0"/>
-                            <a:cs typeface="Calibri" panose="020F0502020204030204" pitchFamily="34" charset="0"/>
-                          </a:endParaRPr>
-                        </a:p>
-                      </a:txBody>
-                      <a:tcPr marL="57725" marR="57725" marT="0" marB="0"/>
-                    </a:tc>
-                    <a:tc>
-                      <a:txBody>
-                        <a:bodyPr/>
-                        <a:lstStyle/>
-                        <a:p>
-                          <a:pPr marL="228600" marR="0" algn="ctr">
-                            <a:lnSpc>
-                              <a:spcPct val="150000"/>
-                            </a:lnSpc>
-                            <a:spcBef>
-                              <a:spcPts val="0"/>
-                            </a:spcBef>
-                            <a:spcAft>
-                              <a:spcPts val="800"/>
-                            </a:spcAft>
-                          </a:pPr>
-                          <a:r>
-                            <a:rPr lang="hy-AM" sz="1000">
-                              <a:effectLst/>
-                            </a:rPr>
-                            <a:t>Կարճ</a:t>
-                          </a:r>
-                          <a:endParaRPr lang="en-US" sz="900">
-                            <a:solidFill>
-                              <a:srgbClr val="00000A"/>
-                            </a:solidFill>
-                            <a:effectLst/>
-                            <a:latin typeface="Calibri" panose="020F0502020204030204" pitchFamily="34" charset="0"/>
-                            <a:ea typeface="Calibri" panose="020F0502020204030204" pitchFamily="34" charset="0"/>
-                            <a:cs typeface="Calibri" panose="020F0502020204030204" pitchFamily="34" charset="0"/>
-                          </a:endParaRPr>
-                        </a:p>
-                      </a:txBody>
-                      <a:tcPr marL="57725" marR="57725" marT="0" marB="0"/>
-                    </a:tc>
-                    <a:tc>
-                      <a:txBody>
-                        <a:bodyPr/>
-                        <a:lstStyle/>
-                        <a:p>
-                          <a:pPr marL="228600" marR="0" algn="ctr">
-                            <a:lnSpc>
-                              <a:spcPct val="150000"/>
-                            </a:lnSpc>
-                            <a:spcBef>
-                              <a:spcPts val="0"/>
-                            </a:spcBef>
-                            <a:spcAft>
-                              <a:spcPts val="800"/>
-                            </a:spcAft>
-                          </a:pPr>
-                          <a:r>
-                            <a:rPr lang="hy-AM" sz="1000">
-                              <a:effectLst/>
-                            </a:rPr>
-                            <a:t>Ա</a:t>
-                          </a:r>
-                          <a:r>
-                            <a:rPr lang="en-US" sz="1000">
-                              <a:effectLst/>
-                            </a:rPr>
-                            <a:t>նթրաշ</a:t>
-                          </a:r>
-                          <a:endParaRPr lang="en-US" sz="900">
-                            <a:solidFill>
-                              <a:srgbClr val="00000A"/>
-                            </a:solidFill>
-                            <a:effectLst/>
-                            <a:latin typeface="Calibri" panose="020F0502020204030204" pitchFamily="34" charset="0"/>
-                            <a:ea typeface="Calibri" panose="020F0502020204030204" pitchFamily="34" charset="0"/>
-                            <a:cs typeface="Calibri" panose="020F0502020204030204" pitchFamily="34" charset="0"/>
-                          </a:endParaRPr>
-                        </a:p>
-                      </a:txBody>
-                      <a:tcPr marL="57725" marR="57725" marT="0" marB="0"/>
-                    </a:tc>
-                    <a:tc>
-                      <a:txBody>
-                        <a:bodyPr/>
-                        <a:lstStyle/>
-                        <a:p>
-                          <a:pPr marL="228600" marR="0" algn="ctr">
-                            <a:lnSpc>
-                              <a:spcPct val="150000"/>
-                            </a:lnSpc>
-                            <a:spcBef>
-                              <a:spcPts val="0"/>
-                            </a:spcBef>
-                            <a:spcAft>
-                              <a:spcPts val="800"/>
-                            </a:spcAft>
-                          </a:pPr>
-                          <a:r>
-                            <a:rPr lang="hy-AM" sz="1000">
-                              <a:effectLst/>
-                            </a:rPr>
-                            <a:t>Տղամարդ</a:t>
-                          </a:r>
-                          <a:endParaRPr lang="en-US" sz="900">
-                            <a:solidFill>
-                              <a:srgbClr val="00000A"/>
-                            </a:solidFill>
-                            <a:effectLst/>
-                            <a:latin typeface="Calibri" panose="020F0502020204030204" pitchFamily="34" charset="0"/>
-                            <a:ea typeface="Calibri" panose="020F0502020204030204" pitchFamily="34" charset="0"/>
-                            <a:cs typeface="Calibri" panose="020F0502020204030204" pitchFamily="34" charset="0"/>
-                          </a:endParaRPr>
-                        </a:p>
-                      </a:txBody>
-                      <a:tcPr marL="57725" marR="57725" marT="0" marB="0"/>
-                    </a:tc>
-                    <a:extLst>
-                      <a:ext uri="{0D108BD9-81ED-4DB2-BD59-A6C34878D82A}">
-                        <a16:rowId xmlns:a16="http://schemas.microsoft.com/office/drawing/2014/main" xmlns="" val="1031351399"/>
-                      </a:ext>
-                    </a:extLst>
-                  </a:tr>
-                  <a:tr h="289617">
-                    <a:tc>
-                      <a:txBody>
-                        <a:bodyPr/>
-                        <a:lstStyle/>
-                        <a:p>
-                          <a:pPr marL="228600" marR="0" algn="ctr">
-                            <a:lnSpc>
-                              <a:spcPct val="150000"/>
-                            </a:lnSpc>
-                            <a:spcBef>
-                              <a:spcPts val="0"/>
-                            </a:spcBef>
-                            <a:spcAft>
-                              <a:spcPts val="800"/>
-                            </a:spcAft>
-                          </a:pPr>
-                          <a:r>
-                            <a:rPr lang="hy-AM" sz="1000">
-                              <a:effectLst/>
-                            </a:rPr>
-                            <a:t>Գևորգ</a:t>
-                          </a:r>
-                          <a:endParaRPr lang="en-US" sz="900">
-                            <a:solidFill>
-                              <a:srgbClr val="00000A"/>
-                            </a:solidFill>
-                            <a:effectLst/>
-                            <a:latin typeface="Calibri" panose="020F0502020204030204" pitchFamily="34" charset="0"/>
-                            <a:ea typeface="Calibri" panose="020F0502020204030204" pitchFamily="34" charset="0"/>
-                            <a:cs typeface="Calibri" panose="020F0502020204030204" pitchFamily="34" charset="0"/>
-                          </a:endParaRPr>
-                        </a:p>
-                      </a:txBody>
-                      <a:tcPr marL="57725" marR="57725" marT="0" marB="0"/>
-                    </a:tc>
-                    <a:tc>
-                      <a:txBody>
-                        <a:bodyPr/>
-                        <a:lstStyle/>
-                        <a:p>
-                          <a:pPr marL="228600" marR="0" algn="ctr">
-                            <a:lnSpc>
-                              <a:spcPct val="150000"/>
-                            </a:lnSpc>
-                            <a:spcBef>
-                              <a:spcPts val="0"/>
-                            </a:spcBef>
-                            <a:spcAft>
-                              <a:spcPts val="800"/>
-                            </a:spcAft>
-                          </a:pPr>
-                          <a:r>
-                            <a:rPr lang="en-US" sz="1000">
-                              <a:effectLst/>
-                            </a:rPr>
-                            <a:t>1.80</a:t>
-                          </a:r>
-                          <a:endParaRPr lang="en-US" sz="900">
-                            <a:solidFill>
-                              <a:srgbClr val="00000A"/>
-                            </a:solidFill>
-                            <a:effectLst/>
-                            <a:latin typeface="Calibri" panose="020F0502020204030204" pitchFamily="34" charset="0"/>
-                            <a:ea typeface="Calibri" panose="020F0502020204030204" pitchFamily="34" charset="0"/>
-                            <a:cs typeface="Calibri" panose="020F0502020204030204" pitchFamily="34" charset="0"/>
-                          </a:endParaRPr>
-                        </a:p>
-                      </a:txBody>
-                      <a:tcPr marL="57725" marR="57725" marT="0" marB="0"/>
-                    </a:tc>
-                    <a:tc>
-                      <a:txBody>
-                        <a:bodyPr/>
-                        <a:lstStyle/>
-                        <a:p>
-                          <a:pPr marL="228600" marR="0" algn="ctr">
-                            <a:lnSpc>
-                              <a:spcPct val="150000"/>
-                            </a:lnSpc>
-                            <a:spcBef>
-                              <a:spcPts val="0"/>
-                            </a:spcBef>
-                            <a:spcAft>
-                              <a:spcPts val="800"/>
-                            </a:spcAft>
-                          </a:pPr>
-                          <a:r>
-                            <a:rPr lang="hy-AM" sz="1000">
-                              <a:effectLst/>
-                            </a:rPr>
-                            <a:t>Կարճ</a:t>
-                          </a:r>
-                          <a:endParaRPr lang="en-US" sz="900">
-                            <a:solidFill>
-                              <a:srgbClr val="00000A"/>
-                            </a:solidFill>
-                            <a:effectLst/>
-                            <a:latin typeface="Calibri" panose="020F0502020204030204" pitchFamily="34" charset="0"/>
-                            <a:ea typeface="Calibri" panose="020F0502020204030204" pitchFamily="34" charset="0"/>
-                            <a:cs typeface="Calibri" panose="020F0502020204030204" pitchFamily="34" charset="0"/>
-                          </a:endParaRPr>
-                        </a:p>
-                      </a:txBody>
-                      <a:tcPr marL="57725" marR="57725" marT="0" marB="0"/>
-                    </a:tc>
-                    <a:tc>
-                      <a:txBody>
-                        <a:bodyPr/>
-                        <a:lstStyle/>
-                        <a:p>
-                          <a:pPr marL="228600" marR="0" algn="ctr">
-                            <a:lnSpc>
-                              <a:spcPct val="150000"/>
-                            </a:lnSpc>
-                            <a:spcBef>
-                              <a:spcPts val="0"/>
-                            </a:spcBef>
-                            <a:spcAft>
-                              <a:spcPts val="800"/>
-                            </a:spcAft>
-                          </a:pPr>
-                          <a:r>
-                            <a:rPr lang="hy-AM" sz="1000">
-                              <a:effectLst/>
-                            </a:rPr>
-                            <a:t>Ա</a:t>
-                          </a:r>
-                          <a:r>
-                            <a:rPr lang="en-US" sz="1000">
-                              <a:effectLst/>
-                            </a:rPr>
-                            <a:t>նթրաշ</a:t>
-                          </a:r>
-                          <a:endParaRPr lang="en-US" sz="900">
-                            <a:solidFill>
-                              <a:srgbClr val="00000A"/>
-                            </a:solidFill>
-                            <a:effectLst/>
-                            <a:latin typeface="Calibri" panose="020F0502020204030204" pitchFamily="34" charset="0"/>
-                            <a:ea typeface="Calibri" panose="020F0502020204030204" pitchFamily="34" charset="0"/>
-                            <a:cs typeface="Calibri" panose="020F0502020204030204" pitchFamily="34" charset="0"/>
-                          </a:endParaRPr>
-                        </a:p>
-                      </a:txBody>
-                      <a:tcPr marL="57725" marR="57725" marT="0" marB="0"/>
-                    </a:tc>
-                    <a:tc>
-                      <a:txBody>
-                        <a:bodyPr/>
-                        <a:lstStyle/>
-                        <a:p>
-                          <a:pPr marL="228600" marR="0" algn="ctr">
-                            <a:lnSpc>
-                              <a:spcPct val="150000"/>
-                            </a:lnSpc>
-                            <a:spcBef>
-                              <a:spcPts val="0"/>
-                            </a:spcBef>
-                            <a:spcAft>
-                              <a:spcPts val="800"/>
-                            </a:spcAft>
-                          </a:pPr>
-                          <a:r>
-                            <a:rPr lang="hy-AM" sz="1000">
-                              <a:effectLst/>
-                            </a:rPr>
-                            <a:t>Տղամարդ</a:t>
-                          </a:r>
-                          <a:endParaRPr lang="en-US" sz="900">
-                            <a:solidFill>
-                              <a:srgbClr val="00000A"/>
-                            </a:solidFill>
-                            <a:effectLst/>
-                            <a:latin typeface="Calibri" panose="020F0502020204030204" pitchFamily="34" charset="0"/>
-                            <a:ea typeface="Calibri" panose="020F0502020204030204" pitchFamily="34" charset="0"/>
-                            <a:cs typeface="Calibri" panose="020F0502020204030204" pitchFamily="34" charset="0"/>
-                          </a:endParaRPr>
-                        </a:p>
-                      </a:txBody>
-                      <a:tcPr marL="57725" marR="57725" marT="0" marB="0"/>
-                    </a:tc>
-                    <a:extLst>
-                      <a:ext uri="{0D108BD9-81ED-4DB2-BD59-A6C34878D82A}">
-                        <a16:rowId xmlns:a16="http://schemas.microsoft.com/office/drawing/2014/main" xmlns="" val="1041437350"/>
-                      </a:ext>
-                    </a:extLst>
-                  </a:tr>
-                  <a:tr h="289617">
-                    <a:tc>
-                      <a:txBody>
-                        <a:bodyPr/>
-                        <a:lstStyle/>
-                        <a:p>
-                          <a:pPr marL="228600" marR="0" algn="ctr">
-                            <a:lnSpc>
-                              <a:spcPct val="150000"/>
-                            </a:lnSpc>
-                            <a:spcBef>
-                              <a:spcPts val="0"/>
-                            </a:spcBef>
-                            <a:spcAft>
-                              <a:spcPts val="800"/>
-                            </a:spcAft>
-                          </a:pPr>
-                          <a:r>
-                            <a:rPr lang="hy-AM" sz="1000">
-                              <a:effectLst/>
-                            </a:rPr>
-                            <a:t>Արամ</a:t>
-                          </a:r>
-                          <a:endParaRPr lang="en-US" sz="900">
-                            <a:solidFill>
-                              <a:srgbClr val="00000A"/>
-                            </a:solidFill>
-                            <a:effectLst/>
-                            <a:latin typeface="Calibri" panose="020F0502020204030204" pitchFamily="34" charset="0"/>
-                            <a:ea typeface="Calibri" panose="020F0502020204030204" pitchFamily="34" charset="0"/>
-                            <a:cs typeface="Calibri" panose="020F0502020204030204" pitchFamily="34" charset="0"/>
-                          </a:endParaRPr>
-                        </a:p>
-                      </a:txBody>
-                      <a:tcPr marL="57725" marR="57725" marT="0" marB="0"/>
-                    </a:tc>
-                    <a:tc>
-                      <a:txBody>
-                        <a:bodyPr/>
-                        <a:lstStyle/>
-                        <a:p>
-                          <a:pPr marL="228600" marR="0" algn="ctr">
-                            <a:lnSpc>
-                              <a:spcPct val="150000"/>
-                            </a:lnSpc>
-                            <a:spcBef>
-                              <a:spcPts val="0"/>
-                            </a:spcBef>
-                            <a:spcAft>
-                              <a:spcPts val="800"/>
-                            </a:spcAft>
-                          </a:pPr>
-                          <a:r>
-                            <a:rPr lang="en-US" sz="1000">
-                              <a:effectLst/>
-                            </a:rPr>
-                            <a:t>1.83</a:t>
-                          </a:r>
-                          <a:endParaRPr lang="en-US" sz="900">
-                            <a:solidFill>
-                              <a:srgbClr val="00000A"/>
-                            </a:solidFill>
-                            <a:effectLst/>
-                            <a:latin typeface="Calibri" panose="020F0502020204030204" pitchFamily="34" charset="0"/>
-                            <a:ea typeface="Calibri" panose="020F0502020204030204" pitchFamily="34" charset="0"/>
-                            <a:cs typeface="Calibri" panose="020F0502020204030204" pitchFamily="34" charset="0"/>
-                          </a:endParaRPr>
-                        </a:p>
-                      </a:txBody>
-                      <a:tcPr marL="57725" marR="57725" marT="0" marB="0"/>
-                    </a:tc>
-                    <a:tc>
-                      <a:txBody>
-                        <a:bodyPr/>
-                        <a:lstStyle/>
-                        <a:p>
-                          <a:pPr marL="228600" marR="0" algn="ctr">
-                            <a:lnSpc>
-                              <a:spcPct val="150000"/>
-                            </a:lnSpc>
-                            <a:spcBef>
-                              <a:spcPts val="0"/>
-                            </a:spcBef>
-                            <a:spcAft>
-                              <a:spcPts val="800"/>
-                            </a:spcAft>
-                          </a:pPr>
-                          <a:r>
-                            <a:rPr lang="hy-AM" sz="1000">
-                              <a:effectLst/>
-                            </a:rPr>
-                            <a:t>Կարճ</a:t>
-                          </a:r>
-                          <a:endParaRPr lang="en-US" sz="900">
-                            <a:solidFill>
-                              <a:srgbClr val="00000A"/>
-                            </a:solidFill>
-                            <a:effectLst/>
-                            <a:latin typeface="Calibri" panose="020F0502020204030204" pitchFamily="34" charset="0"/>
-                            <a:ea typeface="Calibri" panose="020F0502020204030204" pitchFamily="34" charset="0"/>
-                            <a:cs typeface="Calibri" panose="020F0502020204030204" pitchFamily="34" charset="0"/>
-                          </a:endParaRPr>
-                        </a:p>
-                      </a:txBody>
-                      <a:tcPr marL="57725" marR="57725" marT="0" marB="0"/>
-                    </a:tc>
-                    <a:tc>
-                      <a:txBody>
-                        <a:bodyPr/>
-                        <a:lstStyle/>
-                        <a:p>
-                          <a:pPr marL="228600" marR="0" algn="ctr">
-                            <a:lnSpc>
-                              <a:spcPct val="150000"/>
-                            </a:lnSpc>
-                            <a:spcBef>
-                              <a:spcPts val="0"/>
-                            </a:spcBef>
-                            <a:spcAft>
-                              <a:spcPts val="800"/>
-                            </a:spcAft>
-                          </a:pPr>
-                          <a:r>
-                            <a:rPr lang="hy-AM" sz="1000">
-                              <a:effectLst/>
-                            </a:rPr>
-                            <a:t>Թրաշով</a:t>
-                          </a:r>
-                          <a:endParaRPr lang="en-US" sz="900">
-                            <a:solidFill>
-                              <a:srgbClr val="00000A"/>
-                            </a:solidFill>
-                            <a:effectLst/>
-                            <a:latin typeface="Calibri" panose="020F0502020204030204" pitchFamily="34" charset="0"/>
-                            <a:ea typeface="Calibri" panose="020F0502020204030204" pitchFamily="34" charset="0"/>
-                            <a:cs typeface="Calibri" panose="020F0502020204030204" pitchFamily="34" charset="0"/>
-                          </a:endParaRPr>
-                        </a:p>
-                      </a:txBody>
-                      <a:tcPr marL="57725" marR="57725" marT="0" marB="0"/>
-                    </a:tc>
-                    <a:tc>
-                      <a:txBody>
-                        <a:bodyPr/>
-                        <a:lstStyle/>
-                        <a:p>
-                          <a:pPr marL="228600" marR="0" algn="ctr">
-                            <a:lnSpc>
-                              <a:spcPct val="150000"/>
-                            </a:lnSpc>
-                            <a:spcBef>
-                              <a:spcPts val="0"/>
-                            </a:spcBef>
-                            <a:spcAft>
-                              <a:spcPts val="800"/>
-                            </a:spcAft>
-                          </a:pPr>
-                          <a:r>
-                            <a:rPr lang="hy-AM" sz="1000">
-                              <a:effectLst/>
-                            </a:rPr>
-                            <a:t>Տղամարդ</a:t>
-                          </a:r>
-                          <a:endParaRPr lang="en-US" sz="900">
-                            <a:solidFill>
-                              <a:srgbClr val="00000A"/>
-                            </a:solidFill>
-                            <a:effectLst/>
-                            <a:latin typeface="Calibri" panose="020F0502020204030204" pitchFamily="34" charset="0"/>
-                            <a:ea typeface="Calibri" panose="020F0502020204030204" pitchFamily="34" charset="0"/>
-                            <a:cs typeface="Calibri" panose="020F0502020204030204" pitchFamily="34" charset="0"/>
-                          </a:endParaRPr>
-                        </a:p>
-                      </a:txBody>
-                      <a:tcPr marL="57725" marR="57725" marT="0" marB="0"/>
-                    </a:tc>
-                    <a:extLst>
-                      <a:ext uri="{0D108BD9-81ED-4DB2-BD59-A6C34878D82A}">
-                        <a16:rowId xmlns:a16="http://schemas.microsoft.com/office/drawing/2014/main" xmlns="" val="2051532882"/>
-                      </a:ext>
-                    </a:extLst>
-                  </a:tr>
-                  <a:tr h="289617">
-                    <a:tc>
-                      <a:txBody>
-                        <a:bodyPr/>
-                        <a:lstStyle/>
-                        <a:p>
-                          <a:pPr marL="228600" marR="0" algn="ctr">
-                            <a:lnSpc>
-                              <a:spcPct val="150000"/>
-                            </a:lnSpc>
-                            <a:spcBef>
-                              <a:spcPts val="0"/>
-                            </a:spcBef>
-                            <a:spcAft>
-                              <a:spcPts val="800"/>
-                            </a:spcAft>
-                          </a:pPr>
-                          <a:r>
-                            <a:rPr lang="hy-AM" sz="1000">
-                              <a:effectLst/>
-                            </a:rPr>
-                            <a:t>Սարա</a:t>
-                          </a:r>
-                          <a:endParaRPr lang="en-US" sz="900">
-                            <a:solidFill>
-                              <a:srgbClr val="00000A"/>
-                            </a:solidFill>
-                            <a:effectLst/>
-                            <a:latin typeface="Calibri" panose="020F0502020204030204" pitchFamily="34" charset="0"/>
-                            <a:ea typeface="Calibri" panose="020F0502020204030204" pitchFamily="34" charset="0"/>
-                            <a:cs typeface="Calibri" panose="020F0502020204030204" pitchFamily="34" charset="0"/>
-                          </a:endParaRPr>
-                        </a:p>
-                      </a:txBody>
-                      <a:tcPr marL="57725" marR="57725" marT="0" marB="0"/>
-                    </a:tc>
-                    <a:tc>
-                      <a:txBody>
-                        <a:bodyPr/>
-                        <a:lstStyle/>
-                        <a:p>
-                          <a:pPr marL="228600" marR="0" algn="ctr">
-                            <a:lnSpc>
-                              <a:spcPct val="150000"/>
-                            </a:lnSpc>
-                            <a:spcBef>
-                              <a:spcPts val="0"/>
-                            </a:spcBef>
-                            <a:spcAft>
-                              <a:spcPts val="800"/>
-                            </a:spcAft>
-                          </a:pPr>
-                          <a:r>
-                            <a:rPr lang="en-US" sz="1000">
-                              <a:effectLst/>
-                            </a:rPr>
-                            <a:t>1.77</a:t>
-                          </a:r>
-                          <a:endParaRPr lang="en-US" sz="900">
-                            <a:solidFill>
-                              <a:srgbClr val="00000A"/>
-                            </a:solidFill>
-                            <a:effectLst/>
-                            <a:latin typeface="Calibri" panose="020F0502020204030204" pitchFamily="34" charset="0"/>
-                            <a:ea typeface="Calibri" panose="020F0502020204030204" pitchFamily="34" charset="0"/>
-                            <a:cs typeface="Calibri" panose="020F0502020204030204" pitchFamily="34" charset="0"/>
-                          </a:endParaRPr>
-                        </a:p>
-                      </a:txBody>
-                      <a:tcPr marL="57725" marR="57725" marT="0" marB="0"/>
-                    </a:tc>
-                    <a:tc>
-                      <a:txBody>
-                        <a:bodyPr/>
-                        <a:lstStyle/>
-                        <a:p>
-                          <a:pPr marL="228600" marR="0" algn="ctr">
-                            <a:lnSpc>
-                              <a:spcPct val="150000"/>
-                            </a:lnSpc>
-                            <a:spcBef>
-                              <a:spcPts val="0"/>
-                            </a:spcBef>
-                            <a:spcAft>
-                              <a:spcPts val="800"/>
-                            </a:spcAft>
-                          </a:pPr>
-                          <a:r>
-                            <a:rPr lang="hy-AM" sz="1000">
-                              <a:effectLst/>
-                            </a:rPr>
-                            <a:t>Կարճ</a:t>
-                          </a:r>
-                          <a:endParaRPr lang="en-US" sz="900">
-                            <a:solidFill>
-                              <a:srgbClr val="00000A"/>
-                            </a:solidFill>
-                            <a:effectLst/>
-                            <a:latin typeface="Calibri" panose="020F0502020204030204" pitchFamily="34" charset="0"/>
-                            <a:ea typeface="Calibri" panose="020F0502020204030204" pitchFamily="34" charset="0"/>
-                            <a:cs typeface="Calibri" panose="020F0502020204030204" pitchFamily="34" charset="0"/>
-                          </a:endParaRPr>
-                        </a:p>
-                      </a:txBody>
-                      <a:tcPr marL="57725" marR="57725" marT="0" marB="0"/>
-                    </a:tc>
-                    <a:tc>
-                      <a:txBody>
-                        <a:bodyPr/>
-                        <a:lstStyle/>
-                        <a:p>
-                          <a:pPr marL="228600" marR="0" algn="ctr">
-                            <a:lnSpc>
-                              <a:spcPct val="150000"/>
-                            </a:lnSpc>
-                            <a:spcBef>
-                              <a:spcPts val="0"/>
-                            </a:spcBef>
-                            <a:spcAft>
-                              <a:spcPts val="800"/>
-                            </a:spcAft>
-                          </a:pPr>
-                          <a:r>
-                            <a:rPr lang="hy-AM" sz="1000">
-                              <a:effectLst/>
-                            </a:rPr>
-                            <a:t>Ա</a:t>
-                          </a:r>
-                          <a:r>
-                            <a:rPr lang="en-US" sz="1000">
-                              <a:effectLst/>
-                            </a:rPr>
-                            <a:t>նթրաշ</a:t>
-                          </a:r>
-                          <a:endParaRPr lang="en-US" sz="900">
-                            <a:solidFill>
-                              <a:srgbClr val="00000A"/>
-                            </a:solidFill>
-                            <a:effectLst/>
-                            <a:latin typeface="Calibri" panose="020F0502020204030204" pitchFamily="34" charset="0"/>
-                            <a:ea typeface="Calibri" panose="020F0502020204030204" pitchFamily="34" charset="0"/>
-                            <a:cs typeface="Calibri" panose="020F0502020204030204" pitchFamily="34" charset="0"/>
-                          </a:endParaRPr>
-                        </a:p>
-                      </a:txBody>
-                      <a:tcPr marL="57725" marR="57725" marT="0" marB="0"/>
-                    </a:tc>
-                    <a:tc>
-                      <a:txBody>
-                        <a:bodyPr/>
-                        <a:lstStyle/>
-                        <a:p>
-                          <a:pPr marL="228600" marR="0" algn="ctr">
-                            <a:lnSpc>
-                              <a:spcPct val="150000"/>
-                            </a:lnSpc>
-                            <a:spcBef>
-                              <a:spcPts val="0"/>
-                            </a:spcBef>
-                            <a:spcAft>
-                              <a:spcPts val="800"/>
-                            </a:spcAft>
-                          </a:pPr>
-                          <a:r>
-                            <a:rPr lang="hy-AM" sz="1000">
-                              <a:effectLst/>
-                            </a:rPr>
-                            <a:t>Կին</a:t>
-                          </a:r>
-                          <a:endParaRPr lang="en-US" sz="900">
-                            <a:solidFill>
-                              <a:srgbClr val="00000A"/>
-                            </a:solidFill>
-                            <a:effectLst/>
-                            <a:latin typeface="Calibri" panose="020F0502020204030204" pitchFamily="34" charset="0"/>
-                            <a:ea typeface="Calibri" panose="020F0502020204030204" pitchFamily="34" charset="0"/>
-                            <a:cs typeface="Calibri" panose="020F0502020204030204" pitchFamily="34" charset="0"/>
-                          </a:endParaRPr>
-                        </a:p>
-                      </a:txBody>
-                      <a:tcPr marL="57725" marR="57725" marT="0" marB="0"/>
-                    </a:tc>
-                    <a:extLst>
-                      <a:ext uri="{0D108BD9-81ED-4DB2-BD59-A6C34878D82A}">
-                        <a16:rowId xmlns:a16="http://schemas.microsoft.com/office/drawing/2014/main" xmlns="" val="4146497862"/>
-                      </a:ext>
-                    </a:extLst>
-                  </a:tr>
-                  <a:tr h="289617">
-                    <a:tc gridSpan="5">
-                      <a:txBody>
-                        <a:bodyPr/>
-                        <a:lstStyle/>
-                        <a:p>
-                          <a:pPr marL="228600" marR="0" algn="ctr">
-                            <a:lnSpc>
-                              <a:spcPct val="150000"/>
-                            </a:lnSpc>
-                            <a:spcBef>
-                              <a:spcPts val="0"/>
-                            </a:spcBef>
-                            <a:spcAft>
-                              <a:spcPts val="800"/>
-                            </a:spcAft>
-                            <a:tabLst>
-                              <a:tab pos="2389505" algn="l"/>
-                            </a:tabLst>
-                          </a:pPr>
-                          <a:r>
-                            <a:rPr lang="hy-AM" sz="1000" dirty="0" smtClean="0">
-                              <a:effectLst/>
-                            </a:rPr>
-                            <a:t>Սեռի </a:t>
-                          </a:r>
-                          <a:r>
-                            <a:rPr lang="hy-AM" sz="1000" dirty="0">
-                              <a:effectLst/>
-                            </a:rPr>
-                            <a:t>հայտնաբերման աղուսյակ</a:t>
-                          </a:r>
-                          <a:endParaRPr lang="en-US" sz="900" dirty="0">
-                            <a:solidFill>
-                              <a:srgbClr val="00000A"/>
-                            </a:solidFill>
-                            <a:effectLst/>
-                            <a:latin typeface="Calibri" panose="020F0502020204030204" pitchFamily="34" charset="0"/>
-                            <a:ea typeface="Calibri" panose="020F0502020204030204" pitchFamily="34" charset="0"/>
-                            <a:cs typeface="Calibri" panose="020F0502020204030204" pitchFamily="34" charset="0"/>
-                          </a:endParaRPr>
-                        </a:p>
-                      </a:txBody>
-                      <a:tcPr marL="57725" marR="57725" marT="0" marB="0"/>
-                    </a:tc>
-                    <a:tc hMerge="1">
-                      <a:txBody>
-                        <a:bodyPr/>
-                        <a:lstStyle/>
-                        <a:p>
-                          <a:endParaRPr lang="en-US"/>
-                        </a:p>
-                      </a:txBody>
-                      <a:tcPr/>
-                    </a:tc>
-                    <a:tc hMerge="1">
-                      <a:txBody>
-                        <a:bodyPr/>
-                        <a:lstStyle/>
-                        <a:p>
-                          <a:endParaRPr lang="en-US"/>
-                        </a:p>
-                      </a:txBody>
-                      <a:tcPr/>
-                    </a:tc>
-                    <a:tc hMerge="1">
-                      <a:txBody>
-                        <a:bodyPr/>
-                        <a:lstStyle/>
-                        <a:p>
-                          <a:endParaRPr lang="en-US"/>
-                        </a:p>
-                      </a:txBody>
-                      <a:tcPr/>
-                    </a:tc>
-                    <a:tc hMerge="1">
-                      <a:txBody>
-                        <a:bodyPr/>
-                        <a:lstStyle/>
-                        <a:p>
-                          <a:endParaRPr lang="en-US"/>
-                        </a:p>
-                      </a:txBody>
-                      <a:tcPr/>
-                    </a:tc>
-                    <a:extLst>
-                      <a:ext uri="{0D108BD9-81ED-4DB2-BD59-A6C34878D82A}">
-                        <a16:rowId xmlns:a16="http://schemas.microsoft.com/office/drawing/2014/main" xmlns="" val="766546503"/>
-                      </a:ext>
-                    </a:extLst>
-                  </a:tr>
-                </a:tbl>
-              </a:graphicData>
-            </a:graphic>
-          </p:graphicFrame>
-        </mc:Choice>
-        <mc:Fallback xmlns="">
-          <p:graphicFrame>
-            <p:nvGraphicFramePr>
-              <p:cNvPr id="14" name="Content Placeholder 13"/>
-              <p:cNvGraphicFramePr>
-                <a:graphicFrameLocks noGrp="1"/>
-              </p:cNvGraphicFramePr>
-              <p:nvPr>
-                <p:ph sz="half" idx="2"/>
-                <p:extLst>
-                  <p:ext uri="{D42A27DB-BD31-4B8C-83A1-F6EECF244321}">
-                    <p14:modId xmlns:p14="http://schemas.microsoft.com/office/powerpoint/2010/main" val="3135647179"/>
-                  </p:ext>
-                </p:extLst>
-              </p:nvPr>
-            </p:nvGraphicFramePr>
-            <p:xfrm>
-              <a:off x="685800" y="2946928"/>
-              <a:ext cx="4997450" cy="2281064"/>
-            </p:xfrm>
-            <a:graphic>
-              <a:graphicData uri="http://schemas.openxmlformats.org/drawingml/2006/table">
-                <a:tbl>
-                  <a:tblPr firstRow="1" firstCol="1" bandRow="1">
-                    <a:tableStyleId>{21E4AEA4-8DFA-4A89-87EB-49C32662AFE0}</a:tableStyleId>
-                  </a:tblPr>
-                  <a:tblGrid>
-                    <a:gridCol w="999490">
-                      <a:extLst>
-                        <a:ext uri="{9D8B030D-6E8A-4147-A177-3AD203B41FA5}">
-                          <a16:colId xmlns:a16="http://schemas.microsoft.com/office/drawing/2014/main" val="1216725777"/>
-                        </a:ext>
-                      </a:extLst>
-                    </a:gridCol>
-                    <a:gridCol w="999490">
-                      <a:extLst>
-                        <a:ext uri="{9D8B030D-6E8A-4147-A177-3AD203B41FA5}">
-                          <a16:colId xmlns:a16="http://schemas.microsoft.com/office/drawing/2014/main" val="1506238522"/>
-                        </a:ext>
-                      </a:extLst>
-                    </a:gridCol>
-                    <a:gridCol w="999490">
-                      <a:extLst>
-                        <a:ext uri="{9D8B030D-6E8A-4147-A177-3AD203B41FA5}">
-                          <a16:colId xmlns:a16="http://schemas.microsoft.com/office/drawing/2014/main" val="2836820485"/>
-                        </a:ext>
-                      </a:extLst>
-                    </a:gridCol>
-                    <a:gridCol w="999490">
-                      <a:extLst>
-                        <a:ext uri="{9D8B030D-6E8A-4147-A177-3AD203B41FA5}">
-                          <a16:colId xmlns:a16="http://schemas.microsoft.com/office/drawing/2014/main" val="1651784423"/>
-                        </a:ext>
-                      </a:extLst>
-                    </a:gridCol>
-                    <a:gridCol w="999490">
-                      <a:extLst>
-                        <a:ext uri="{9D8B030D-6E8A-4147-A177-3AD203B41FA5}">
-                          <a16:colId xmlns:a16="http://schemas.microsoft.com/office/drawing/2014/main" val="1257235431"/>
-                        </a:ext>
-                      </a:extLst>
-                    </a:gridCol>
-                  </a:tblGrid>
-                  <a:tr h="543362">
-                    <a:tc>
-                      <a:txBody>
-                        <a:bodyPr/>
-                        <a:lstStyle/>
-                        <a:p>
-                          <a:pPr marL="228600" marR="0" algn="ctr">
-                            <a:lnSpc>
-                              <a:spcPct val="150000"/>
-                            </a:lnSpc>
-                            <a:spcBef>
-                              <a:spcPts val="0"/>
-                            </a:spcBef>
-                            <a:spcAft>
-                              <a:spcPts val="800"/>
-                            </a:spcAft>
-                          </a:pPr>
-                          <a:r>
-                            <a:rPr lang="en-US" sz="1000">
-                              <a:effectLst/>
-                            </a:rPr>
-                            <a:t>Անուն</a:t>
-                          </a:r>
-                          <a:endParaRPr lang="en-US" sz="900">
-                            <a:solidFill>
-                              <a:srgbClr val="00000A"/>
-                            </a:solidFill>
-                            <a:effectLst/>
-                            <a:latin typeface="Calibri" panose="020F0502020204030204" pitchFamily="34" charset="0"/>
-                            <a:ea typeface="Calibri" panose="020F0502020204030204" pitchFamily="34" charset="0"/>
-                            <a:cs typeface="Calibri" panose="020F0502020204030204" pitchFamily="34" charset="0"/>
-                          </a:endParaRPr>
-                        </a:p>
-                      </a:txBody>
-                      <a:tcPr marL="57725" marR="57725" marT="0" marB="0"/>
-                    </a:tc>
-                    <a:tc>
-                      <a:txBody>
-                        <a:bodyPr/>
-                        <a:lstStyle/>
-                        <a:p>
-                          <a:endParaRPr lang="en-US"/>
-                        </a:p>
-                      </a:txBody>
-                      <a:tcPr marL="57725" marR="57725" marT="0" marB="0">
-                        <a:blipFill>
-                          <a:blip r:embed="rId2"/>
-                          <a:stretch>
-                            <a:fillRect l="-100610" t="-1124" r="-303049" b="-323596"/>
-                          </a:stretch>
-                        </a:blipFill>
-                      </a:tcPr>
-                    </a:tc>
-                    <a:tc>
-                      <a:txBody>
-                        <a:bodyPr/>
-                        <a:lstStyle/>
-                        <a:p>
-                          <a:endParaRPr lang="en-US"/>
-                        </a:p>
-                      </a:txBody>
-                      <a:tcPr marL="57725" marR="57725" marT="0" marB="0">
-                        <a:blipFill>
-                          <a:blip r:embed="rId2"/>
-                          <a:stretch>
-                            <a:fillRect l="-199394" t="-1124" r="-201212" b="-323596"/>
-                          </a:stretch>
-                        </a:blipFill>
-                      </a:tcPr>
-                    </a:tc>
-                    <a:tc>
-                      <a:txBody>
-                        <a:bodyPr/>
-                        <a:lstStyle/>
-                        <a:p>
-                          <a:endParaRPr lang="en-US"/>
-                        </a:p>
-                      </a:txBody>
-                      <a:tcPr marL="57725" marR="57725" marT="0" marB="0">
-                        <a:blipFill>
-                          <a:blip r:embed="rId2"/>
-                          <a:stretch>
-                            <a:fillRect l="-301220" t="-1124" r="-102439" b="-323596"/>
-                          </a:stretch>
-                        </a:blipFill>
-                      </a:tcPr>
-                    </a:tc>
-                    <a:tc>
-                      <a:txBody>
-                        <a:bodyPr/>
-                        <a:lstStyle/>
-                        <a:p>
-                          <a:pPr marL="228600" marR="0" algn="ctr">
-                            <a:lnSpc>
-                              <a:spcPct val="150000"/>
-                            </a:lnSpc>
-                            <a:spcBef>
-                              <a:spcPts val="0"/>
-                            </a:spcBef>
-                            <a:spcAft>
-                              <a:spcPts val="800"/>
-                            </a:spcAft>
-                          </a:pPr>
-                          <a:r>
-                            <a:rPr lang="hy-AM" sz="1000">
-                              <a:effectLst/>
-                            </a:rPr>
-                            <a:t>Սեռ</a:t>
-                          </a:r>
-                          <a:r>
-                            <a:rPr lang="en-US" sz="1000">
-                              <a:effectLst/>
-                            </a:rPr>
-                            <a:t> (f(x))</a:t>
-                          </a:r>
-                          <a:endParaRPr lang="en-US" sz="900">
-                            <a:solidFill>
-                              <a:srgbClr val="00000A"/>
-                            </a:solidFill>
-                            <a:effectLst/>
-                            <a:latin typeface="Calibri" panose="020F0502020204030204" pitchFamily="34" charset="0"/>
-                            <a:ea typeface="Calibri" panose="020F0502020204030204" pitchFamily="34" charset="0"/>
-                            <a:cs typeface="Calibri" panose="020F0502020204030204" pitchFamily="34" charset="0"/>
-                          </a:endParaRPr>
-                        </a:p>
-                      </a:txBody>
-                      <a:tcPr marL="57725" marR="57725" marT="0" marB="0"/>
-                    </a:tc>
-                    <a:extLst>
-                      <a:ext uri="{0D108BD9-81ED-4DB2-BD59-A6C34878D82A}">
-                        <a16:rowId xmlns:a16="http://schemas.microsoft.com/office/drawing/2014/main" val="1324942624"/>
-                      </a:ext>
-                    </a:extLst>
-                  </a:tr>
-                  <a:tr h="289617">
-                    <a:tc>
-                      <a:txBody>
-                        <a:bodyPr/>
-                        <a:lstStyle/>
-                        <a:p>
-                          <a:pPr marL="228600" marR="0" algn="ctr">
-                            <a:lnSpc>
-                              <a:spcPct val="150000"/>
-                            </a:lnSpc>
-                            <a:spcBef>
-                              <a:spcPts val="0"/>
-                            </a:spcBef>
-                            <a:spcAft>
-                              <a:spcPts val="800"/>
-                            </a:spcAft>
-                          </a:pPr>
-                          <a:r>
-                            <a:rPr lang="hy-AM" sz="1000">
-                              <a:effectLst/>
-                            </a:rPr>
-                            <a:t>Աննա</a:t>
-                          </a:r>
-                          <a:endParaRPr lang="en-US" sz="900">
-                            <a:solidFill>
-                              <a:srgbClr val="00000A"/>
-                            </a:solidFill>
-                            <a:effectLst/>
-                            <a:latin typeface="Calibri" panose="020F0502020204030204" pitchFamily="34" charset="0"/>
-                            <a:ea typeface="Calibri" panose="020F0502020204030204" pitchFamily="34" charset="0"/>
-                            <a:cs typeface="Calibri" panose="020F0502020204030204" pitchFamily="34" charset="0"/>
-                          </a:endParaRPr>
-                        </a:p>
-                      </a:txBody>
-                      <a:tcPr marL="57725" marR="57725" marT="0" marB="0"/>
-                    </a:tc>
-                    <a:tc>
-                      <a:txBody>
-                        <a:bodyPr/>
-                        <a:lstStyle/>
-                        <a:p>
-                          <a:pPr marL="228600" marR="0" algn="ctr">
-                            <a:lnSpc>
-                              <a:spcPct val="150000"/>
-                            </a:lnSpc>
-                            <a:spcBef>
-                              <a:spcPts val="0"/>
-                            </a:spcBef>
-                            <a:spcAft>
-                              <a:spcPts val="800"/>
-                            </a:spcAft>
-                          </a:pPr>
-                          <a:r>
-                            <a:rPr lang="en-US" sz="1000">
-                              <a:effectLst/>
-                            </a:rPr>
-                            <a:t>1.69</a:t>
-                          </a:r>
-                          <a:endParaRPr lang="en-US" sz="900">
-                            <a:solidFill>
-                              <a:srgbClr val="00000A"/>
-                            </a:solidFill>
-                            <a:effectLst/>
-                            <a:latin typeface="Calibri" panose="020F0502020204030204" pitchFamily="34" charset="0"/>
-                            <a:ea typeface="Calibri" panose="020F0502020204030204" pitchFamily="34" charset="0"/>
-                            <a:cs typeface="Calibri" panose="020F0502020204030204" pitchFamily="34" charset="0"/>
-                          </a:endParaRPr>
-                        </a:p>
-                      </a:txBody>
-                      <a:tcPr marL="57725" marR="57725" marT="0" marB="0"/>
-                    </a:tc>
-                    <a:tc>
-                      <a:txBody>
-                        <a:bodyPr/>
-                        <a:lstStyle/>
-                        <a:p>
-                          <a:pPr marL="228600" marR="0" algn="ctr">
-                            <a:lnSpc>
-                              <a:spcPct val="150000"/>
-                            </a:lnSpc>
-                            <a:spcBef>
-                              <a:spcPts val="0"/>
-                            </a:spcBef>
-                            <a:spcAft>
-                              <a:spcPts val="800"/>
-                            </a:spcAft>
-                          </a:pPr>
-                          <a:r>
-                            <a:rPr lang="hy-AM" sz="1000">
-                              <a:effectLst/>
-                            </a:rPr>
-                            <a:t>Երկար</a:t>
-                          </a:r>
-                          <a:endParaRPr lang="en-US" sz="900">
-                            <a:solidFill>
-                              <a:srgbClr val="00000A"/>
-                            </a:solidFill>
-                            <a:effectLst/>
-                            <a:latin typeface="Calibri" panose="020F0502020204030204" pitchFamily="34" charset="0"/>
-                            <a:ea typeface="Calibri" panose="020F0502020204030204" pitchFamily="34" charset="0"/>
-                            <a:cs typeface="Calibri" panose="020F0502020204030204" pitchFamily="34" charset="0"/>
-                          </a:endParaRPr>
-                        </a:p>
-                      </a:txBody>
-                      <a:tcPr marL="57725" marR="57725" marT="0" marB="0"/>
-                    </a:tc>
-                    <a:tc>
-                      <a:txBody>
-                        <a:bodyPr/>
-                        <a:lstStyle/>
-                        <a:p>
-                          <a:pPr marL="228600" marR="0" algn="ctr">
-                            <a:lnSpc>
-                              <a:spcPct val="150000"/>
-                            </a:lnSpc>
-                            <a:spcBef>
-                              <a:spcPts val="0"/>
-                            </a:spcBef>
-                            <a:spcAft>
-                              <a:spcPts val="800"/>
-                            </a:spcAft>
-                          </a:pPr>
-                          <a:r>
-                            <a:rPr lang="hy-AM" sz="1000">
-                              <a:effectLst/>
-                            </a:rPr>
-                            <a:t>Ա</a:t>
-                          </a:r>
-                          <a:r>
-                            <a:rPr lang="en-US" sz="1000">
-                              <a:effectLst/>
-                            </a:rPr>
-                            <a:t>նթրաշ</a:t>
-                          </a:r>
-                          <a:endParaRPr lang="en-US" sz="900">
-                            <a:solidFill>
-                              <a:srgbClr val="00000A"/>
-                            </a:solidFill>
-                            <a:effectLst/>
-                            <a:latin typeface="Calibri" panose="020F0502020204030204" pitchFamily="34" charset="0"/>
-                            <a:ea typeface="Calibri" panose="020F0502020204030204" pitchFamily="34" charset="0"/>
-                            <a:cs typeface="Calibri" panose="020F0502020204030204" pitchFamily="34" charset="0"/>
-                          </a:endParaRPr>
-                        </a:p>
-                      </a:txBody>
-                      <a:tcPr marL="57725" marR="57725" marT="0" marB="0"/>
+                      <a:tcPr marL="68580" marR="68580" marT="0" marB="0"/>
                     </a:tc>
                     <a:tc>
                       <a:txBody>
@@ -9118,12 +9085,12 @@
                             </a:spcAft>
                           </a:pPr>
                           <a:r>
-                            <a:rPr lang="en-US" sz="1000">
+                            <a:rPr lang="en-US" sz="1000" dirty="0">
                               <a:effectLst/>
                             </a:rPr>
                             <a:t>1.75</a:t>
                           </a:r>
-                          <a:endParaRPr lang="en-US" sz="900">
+                          <a:endParaRPr lang="en-US" sz="900" dirty="0">
                             <a:solidFill>
                               <a:srgbClr val="00000A"/>
                             </a:solidFill>
@@ -9153,12 +9120,12 @@
                             </a:spcAft>
                           </a:pPr>
                           <a:r>
-                            <a:rPr lang="hy-AM" sz="1000">
+                            <a:rPr lang="hy-AM" sz="1000" dirty="0">
                               <a:effectLst/>
                             </a:rPr>
                             <a:t>Կարճ</a:t>
                           </a:r>
-                          <a:endParaRPr lang="en-US" sz="900">
+                          <a:endParaRPr lang="en-US" sz="900" dirty="0">
                             <a:solidFill>
                               <a:srgbClr val="00000A"/>
                             </a:solidFill>
@@ -9188,18 +9155,18 @@
                             </a:spcAft>
                           </a:pPr>
                           <a:r>
-                            <a:rPr lang="hy-AM" sz="1000">
+                            <a:rPr lang="hy-AM" sz="1200" dirty="0">
+                              <a:solidFill>
+                                <a:srgbClr val="00000A"/>
+                              </a:solidFill>
                               <a:effectLst/>
+                              <a:latin typeface="Sylfaen" panose="010A0502050306030303" pitchFamily="18" charset="0"/>
+                              <a:ea typeface="Calibri" panose="020F0502020204030204" pitchFamily="34" charset="0"/>
+                              <a:cs typeface="Arial-BoldMT"/>
                             </a:rPr>
-                            <a:t>Ա</a:t>
+                            <a:t>Չունի</a:t>
                           </a:r>
-                          <a:r>
-                            <a:rPr lang="en-US" sz="1000">
-                              <a:effectLst/>
-                            </a:rPr>
-                            <a:t>նթրաշ</a:t>
-                          </a:r>
-                          <a:endParaRPr lang="en-US" sz="900">
+                          <a:endParaRPr lang="en-US" sz="1100" dirty="0">
                             <a:solidFill>
                               <a:srgbClr val="00000A"/>
                             </a:solidFill>
@@ -9210,7 +9177,7 @@
                           </a:endParaRPr>
                         </a:p>
                       </a:txBody>
-                      <a:tcPr marL="57725" marR="57725" marT="0" marB="0"/>
+                      <a:tcPr marL="68580" marR="68580" marT="0" marB="0"/>
                     </a:tc>
                     <a:tc>
                       <a:txBody>
@@ -9376,18 +9343,18 @@
                             </a:spcAft>
                           </a:pPr>
                           <a:r>
-                            <a:rPr lang="hy-AM" sz="1000">
+                            <a:rPr lang="hy-AM" sz="1200" dirty="0">
+                              <a:solidFill>
+                                <a:srgbClr val="00000A"/>
+                              </a:solidFill>
                               <a:effectLst/>
+                              <a:latin typeface="Sylfaen" panose="010A0502050306030303" pitchFamily="18" charset="0"/>
+                              <a:ea typeface="Calibri" panose="020F0502020204030204" pitchFamily="34" charset="0"/>
+                              <a:cs typeface="Arial-BoldMT"/>
                             </a:rPr>
-                            <a:t>Ա</a:t>
+                            <a:t>Չունի</a:t>
                           </a:r>
-                          <a:r>
-                            <a:rPr lang="en-US" sz="1000">
-                              <a:effectLst/>
-                            </a:rPr>
-                            <a:t>նթրաշ</a:t>
-                          </a:r>
-                          <a:endParaRPr lang="en-US" sz="900">
+                          <a:endParaRPr lang="en-US" sz="1100" dirty="0">
                             <a:solidFill>
                               <a:srgbClr val="00000A"/>
                             </a:solidFill>
@@ -9398,7 +9365,7 @@
                           </a:endParaRPr>
                         </a:p>
                       </a:txBody>
-                      <a:tcPr marL="57725" marR="57725" marT="0" marB="0"/>
+                      <a:tcPr marL="68580" marR="68580" marT="0" marB="0"/>
                     </a:tc>
                     <a:tc>
                       <a:txBody>
@@ -9529,12 +9496,12 @@
                             </a:spcAft>
                           </a:pPr>
                           <a:r>
-                            <a:rPr lang="hy-AM" sz="1000">
+                            <a:rPr lang="hy-AM" sz="1000" dirty="0">
                               <a:effectLst/>
                             </a:rPr>
                             <a:t>Կարճ</a:t>
                           </a:r>
-                          <a:endParaRPr lang="en-US" sz="900">
+                          <a:endParaRPr lang="en-US" sz="900" dirty="0">
                             <a:solidFill>
                               <a:srgbClr val="00000A"/>
                             </a:solidFill>
@@ -9564,12 +9531,18 @@
                             </a:spcAft>
                           </a:pPr>
                           <a:r>
-                            <a:rPr lang="hy-AM" sz="1000">
+                            <a:rPr lang="hy-AM" sz="1000" dirty="0" smtClean="0">
+                              <a:solidFill>
+                                <a:schemeClr val="dk1"/>
+                              </a:solidFill>
                               <a:effectLst/>
+                              <a:latin typeface="+mn-lt"/>
+                              <a:ea typeface="+mn-ea"/>
+                              <a:cs typeface="+mn-cs"/>
                             </a:rPr>
-                            <a:t>Թրաշով</a:t>
+                            <a:t>Ունի</a:t>
                           </a:r>
-                          <a:endParaRPr lang="en-US" sz="900">
+                          <a:endParaRPr lang="en-US" sz="900" dirty="0">
                             <a:solidFill>
                               <a:srgbClr val="00000A"/>
                             </a:solidFill>
@@ -9746,16 +9719,797 @@
                             </a:spcAft>
                           </a:pPr>
                           <a:r>
+                            <a:rPr lang="hy-AM" sz="1200" dirty="0">
+                              <a:solidFill>
+                                <a:srgbClr val="00000A"/>
+                              </a:solidFill>
+                              <a:effectLst/>
+                              <a:latin typeface="Sylfaen" panose="010A0502050306030303" pitchFamily="18" charset="0"/>
+                              <a:ea typeface="Calibri" panose="020F0502020204030204" pitchFamily="34" charset="0"/>
+                              <a:cs typeface="Arial-BoldMT"/>
+                            </a:rPr>
+                            <a:t>Չունի</a:t>
+                          </a:r>
+                          <a:endParaRPr lang="en-US" sz="1100" dirty="0">
+                            <a:solidFill>
+                              <a:srgbClr val="00000A"/>
+                            </a:solidFill>
+                            <a:effectLst/>
+                            <a:latin typeface="Calibri" panose="020F0502020204030204" pitchFamily="34" charset="0"/>
+                            <a:ea typeface="Calibri" panose="020F0502020204030204" pitchFamily="34" charset="0"/>
+                            <a:cs typeface="Calibri" panose="020F0502020204030204" pitchFamily="34" charset="0"/>
+                          </a:endParaRPr>
+                        </a:p>
+                      </a:txBody>
+                      <a:tcPr marL="68580" marR="68580" marT="0" marB="0"/>
+                    </a:tc>
+                    <a:tc>
+                      <a:txBody>
+                        <a:bodyPr/>
+                        <a:lstStyle/>
+                        <a:p>
+                          <a:pPr marL="228600" marR="0" algn="ctr">
+                            <a:lnSpc>
+                              <a:spcPct val="150000"/>
+                            </a:lnSpc>
+                            <a:spcBef>
+                              <a:spcPts val="0"/>
+                            </a:spcBef>
+                            <a:spcAft>
+                              <a:spcPts val="800"/>
+                            </a:spcAft>
+                          </a:pPr>
+                          <a:r>
+                            <a:rPr lang="hy-AM" sz="1000" dirty="0">
+                              <a:effectLst/>
+                            </a:rPr>
+                            <a:t>Կին</a:t>
+                          </a:r>
+                          <a:endParaRPr lang="en-US" sz="900" dirty="0">
+                            <a:solidFill>
+                              <a:srgbClr val="00000A"/>
+                            </a:solidFill>
+                            <a:effectLst/>
+                            <a:latin typeface="Calibri" panose="020F0502020204030204" pitchFamily="34" charset="0"/>
+                            <a:ea typeface="Calibri" panose="020F0502020204030204" pitchFamily="34" charset="0"/>
+                            <a:cs typeface="Calibri" panose="020F0502020204030204" pitchFamily="34" charset="0"/>
+                          </a:endParaRPr>
+                        </a:p>
+                      </a:txBody>
+                      <a:tcPr marL="57725" marR="57725" marT="0" marB="0"/>
+                    </a:tc>
+                    <a:extLst>
+                      <a:ext uri="{0D108BD9-81ED-4DB2-BD59-A6C34878D82A}">
+                        <a16:rowId xmlns:a16="http://schemas.microsoft.com/office/drawing/2014/main" val="4146497862"/>
+                      </a:ext>
+                    </a:extLst>
+                  </a:tr>
+                  <a:tr h="289617">
+                    <a:tc gridSpan="5">
+                      <a:txBody>
+                        <a:bodyPr/>
+                        <a:lstStyle/>
+                        <a:p>
+                          <a:pPr marL="228600" marR="0" algn="ctr">
+                            <a:lnSpc>
+                              <a:spcPct val="150000"/>
+                            </a:lnSpc>
+                            <a:spcBef>
+                              <a:spcPts val="0"/>
+                            </a:spcBef>
+                            <a:spcAft>
+                              <a:spcPts val="800"/>
+                            </a:spcAft>
+                            <a:tabLst>
+                              <a:tab pos="2389505" algn="l"/>
+                            </a:tabLst>
+                          </a:pPr>
+                          <a:r>
+                            <a:rPr lang="hy-AM" sz="1000" dirty="0" smtClean="0">
+                              <a:effectLst/>
+                            </a:rPr>
+                            <a:t>Սեռի </a:t>
+                          </a:r>
+                          <a:r>
+                            <a:rPr lang="hy-AM" sz="1000" dirty="0">
+                              <a:effectLst/>
+                            </a:rPr>
+                            <a:t>հայտնաբերման աղուսյակ</a:t>
+                          </a:r>
+                          <a:endParaRPr lang="en-US" sz="900" dirty="0">
+                            <a:solidFill>
+                              <a:srgbClr val="00000A"/>
+                            </a:solidFill>
+                            <a:effectLst/>
+                            <a:latin typeface="Calibri" panose="020F0502020204030204" pitchFamily="34" charset="0"/>
+                            <a:ea typeface="Calibri" panose="020F0502020204030204" pitchFamily="34" charset="0"/>
+                            <a:cs typeface="Calibri" panose="020F0502020204030204" pitchFamily="34" charset="0"/>
+                          </a:endParaRPr>
+                        </a:p>
+                      </a:txBody>
+                      <a:tcPr marL="57725" marR="57725" marT="0" marB="0"/>
+                    </a:tc>
+                    <a:tc hMerge="1">
+                      <a:txBody>
+                        <a:bodyPr/>
+                        <a:lstStyle/>
+                        <a:p>
+                          <a:endParaRPr lang="en-US"/>
+                        </a:p>
+                      </a:txBody>
+                      <a:tcPr/>
+                    </a:tc>
+                    <a:tc hMerge="1">
+                      <a:txBody>
+                        <a:bodyPr/>
+                        <a:lstStyle/>
+                        <a:p>
+                          <a:endParaRPr lang="en-US"/>
+                        </a:p>
+                      </a:txBody>
+                      <a:tcPr/>
+                    </a:tc>
+                    <a:tc hMerge="1">
+                      <a:txBody>
+                        <a:bodyPr/>
+                        <a:lstStyle/>
+                        <a:p>
+                          <a:endParaRPr lang="en-US"/>
+                        </a:p>
+                      </a:txBody>
+                      <a:tcPr/>
+                    </a:tc>
+                    <a:tc hMerge="1">
+                      <a:txBody>
+                        <a:bodyPr/>
+                        <a:lstStyle/>
+                        <a:p>
+                          <a:endParaRPr lang="en-US"/>
+                        </a:p>
+                      </a:txBody>
+                      <a:tcPr/>
+                    </a:tc>
+                    <a:extLst>
+                      <a:ext uri="{0D108BD9-81ED-4DB2-BD59-A6C34878D82A}">
+                        <a16:rowId xmlns:a16="http://schemas.microsoft.com/office/drawing/2014/main" val="766546503"/>
+                      </a:ext>
+                    </a:extLst>
+                  </a:tr>
+                </a:tbl>
+              </a:graphicData>
+            </a:graphic>
+          </p:graphicFrame>
+        </mc:Choice>
+        <mc:Fallback xmlns="">
+          <p:graphicFrame>
+            <p:nvGraphicFramePr>
+              <p:cNvPr id="14" name="Content Placeholder 13"/>
+              <p:cNvGraphicFramePr>
+                <a:graphicFrameLocks noGrp="1"/>
+              </p:cNvGraphicFramePr>
+              <p:nvPr>
+                <p:ph sz="half" idx="2"/>
+                <p:extLst>
+                  <p:ext uri="{D42A27DB-BD31-4B8C-83A1-F6EECF244321}">
+                    <p14:modId xmlns:p14="http://schemas.microsoft.com/office/powerpoint/2010/main" val="2428515171"/>
+                  </p:ext>
+                </p:extLst>
+              </p:nvPr>
+            </p:nvGraphicFramePr>
+            <p:xfrm>
+              <a:off x="685801" y="2065867"/>
+              <a:ext cx="4997450" cy="2281064"/>
+            </p:xfrm>
+            <a:graphic>
+              <a:graphicData uri="http://schemas.openxmlformats.org/drawingml/2006/table">
+                <a:tbl>
+                  <a:tblPr firstRow="1" firstCol="1" bandRow="1">
+                    <a:tableStyleId>{21E4AEA4-8DFA-4A89-87EB-49C32662AFE0}</a:tableStyleId>
+                  </a:tblPr>
+                  <a:tblGrid>
+                    <a:gridCol w="999490">
+                      <a:extLst>
+                        <a:ext uri="{9D8B030D-6E8A-4147-A177-3AD203B41FA5}">
+                          <a16:colId xmlns:a16="http://schemas.microsoft.com/office/drawing/2014/main" val="1216725777"/>
+                        </a:ext>
+                      </a:extLst>
+                    </a:gridCol>
+                    <a:gridCol w="999490">
+                      <a:extLst>
+                        <a:ext uri="{9D8B030D-6E8A-4147-A177-3AD203B41FA5}">
+                          <a16:colId xmlns:a16="http://schemas.microsoft.com/office/drawing/2014/main" val="1506238522"/>
+                        </a:ext>
+                      </a:extLst>
+                    </a:gridCol>
+                    <a:gridCol w="999490">
+                      <a:extLst>
+                        <a:ext uri="{9D8B030D-6E8A-4147-A177-3AD203B41FA5}">
+                          <a16:colId xmlns:a16="http://schemas.microsoft.com/office/drawing/2014/main" val="2836820485"/>
+                        </a:ext>
+                      </a:extLst>
+                    </a:gridCol>
+                    <a:gridCol w="999490">
+                      <a:extLst>
+                        <a:ext uri="{9D8B030D-6E8A-4147-A177-3AD203B41FA5}">
+                          <a16:colId xmlns:a16="http://schemas.microsoft.com/office/drawing/2014/main" val="1651784423"/>
+                        </a:ext>
+                      </a:extLst>
+                    </a:gridCol>
+                    <a:gridCol w="999490">
+                      <a:extLst>
+                        <a:ext uri="{9D8B030D-6E8A-4147-A177-3AD203B41FA5}">
+                          <a16:colId xmlns:a16="http://schemas.microsoft.com/office/drawing/2014/main" val="1257235431"/>
+                        </a:ext>
+                      </a:extLst>
+                    </a:gridCol>
+                  </a:tblGrid>
+                  <a:tr h="543362">
+                    <a:tc>
+                      <a:txBody>
+                        <a:bodyPr/>
+                        <a:lstStyle/>
+                        <a:p>
+                          <a:pPr marL="228600" marR="0" algn="ctr">
+                            <a:lnSpc>
+                              <a:spcPct val="150000"/>
+                            </a:lnSpc>
+                            <a:spcBef>
+                              <a:spcPts val="0"/>
+                            </a:spcBef>
+                            <a:spcAft>
+                              <a:spcPts val="800"/>
+                            </a:spcAft>
+                          </a:pPr>
+                          <a:r>
+                            <a:rPr lang="en-US" sz="1000" dirty="0" err="1">
+                              <a:effectLst/>
+                            </a:rPr>
+                            <a:t>Անուն</a:t>
+                          </a:r>
+                          <a:endParaRPr lang="en-US" sz="900" dirty="0">
+                            <a:solidFill>
+                              <a:srgbClr val="00000A"/>
+                            </a:solidFill>
+                            <a:effectLst/>
+                            <a:latin typeface="Calibri" panose="020F0502020204030204" pitchFamily="34" charset="0"/>
+                            <a:ea typeface="Calibri" panose="020F0502020204030204" pitchFamily="34" charset="0"/>
+                            <a:cs typeface="Calibri" panose="020F0502020204030204" pitchFamily="34" charset="0"/>
+                          </a:endParaRPr>
+                        </a:p>
+                      </a:txBody>
+                      <a:tcPr marL="57725" marR="57725" marT="0" marB="0"/>
+                    </a:tc>
+                    <a:tc>
+                      <a:txBody>
+                        <a:bodyPr/>
+                        <a:lstStyle/>
+                        <a:p>
+                          <a:endParaRPr lang="en-US"/>
+                        </a:p>
+                      </a:txBody>
+                      <a:tcPr marL="57725" marR="57725" marT="0" marB="0">
+                        <a:blipFill>
+                          <a:blip r:embed="rId2"/>
+                          <a:stretch>
+                            <a:fillRect l="-100610" t="-1111" r="-303049" b="-320000"/>
+                          </a:stretch>
+                        </a:blipFill>
+                      </a:tcPr>
+                    </a:tc>
+                    <a:tc>
+                      <a:txBody>
+                        <a:bodyPr/>
+                        <a:lstStyle/>
+                        <a:p>
+                          <a:endParaRPr lang="en-US"/>
+                        </a:p>
+                      </a:txBody>
+                      <a:tcPr marL="57725" marR="57725" marT="0" marB="0">
+                        <a:blipFill>
+                          <a:blip r:embed="rId2"/>
+                          <a:stretch>
+                            <a:fillRect l="-199394" t="-1111" r="-201212" b="-320000"/>
+                          </a:stretch>
+                        </a:blipFill>
+                      </a:tcPr>
+                    </a:tc>
+                    <a:tc>
+                      <a:txBody>
+                        <a:bodyPr/>
+                        <a:lstStyle/>
+                        <a:p>
+                          <a:endParaRPr lang="en-US"/>
+                        </a:p>
+                      </a:txBody>
+                      <a:tcPr marL="57725" marR="57725" marT="0" marB="0">
+                        <a:blipFill>
+                          <a:blip r:embed="rId2"/>
+                          <a:stretch>
+                            <a:fillRect l="-301220" t="-1111" r="-102439" b="-320000"/>
+                          </a:stretch>
+                        </a:blipFill>
+                      </a:tcPr>
+                    </a:tc>
+                    <a:tc>
+                      <a:txBody>
+                        <a:bodyPr/>
+                        <a:lstStyle/>
+                        <a:p>
+                          <a:pPr marL="228600" marR="0" algn="ctr">
+                            <a:lnSpc>
+                              <a:spcPct val="150000"/>
+                            </a:lnSpc>
+                            <a:spcBef>
+                              <a:spcPts val="0"/>
+                            </a:spcBef>
+                            <a:spcAft>
+                              <a:spcPts val="800"/>
+                            </a:spcAft>
+                          </a:pPr>
+                          <a:r>
                             <a:rPr lang="hy-AM" sz="1000">
                               <a:effectLst/>
                             </a:rPr>
-                            <a:t>Ա</a:t>
+                            <a:t>Սեռ</a:t>
                           </a:r>
                           <a:r>
                             <a:rPr lang="en-US" sz="1000">
                               <a:effectLst/>
                             </a:rPr>
-                            <a:t>նթրաշ</a:t>
+                            <a:t> (f(x))</a:t>
+                          </a:r>
+                          <a:endParaRPr lang="en-US" sz="900">
+                            <a:solidFill>
+                              <a:srgbClr val="00000A"/>
+                            </a:solidFill>
+                            <a:effectLst/>
+                            <a:latin typeface="Calibri" panose="020F0502020204030204" pitchFamily="34" charset="0"/>
+                            <a:ea typeface="Calibri" panose="020F0502020204030204" pitchFamily="34" charset="0"/>
+                            <a:cs typeface="Calibri" panose="020F0502020204030204" pitchFamily="34" charset="0"/>
+                          </a:endParaRPr>
+                        </a:p>
+                      </a:txBody>
+                      <a:tcPr marL="57725" marR="57725" marT="0" marB="0"/>
+                    </a:tc>
+                    <a:extLst>
+                      <a:ext uri="{0D108BD9-81ED-4DB2-BD59-A6C34878D82A}">
+                        <a16:rowId xmlns:a16="http://schemas.microsoft.com/office/drawing/2014/main" val="1324942624"/>
+                      </a:ext>
+                    </a:extLst>
+                  </a:tr>
+                  <a:tr h="289617">
+                    <a:tc>
+                      <a:txBody>
+                        <a:bodyPr/>
+                        <a:lstStyle/>
+                        <a:p>
+                          <a:pPr marL="228600" marR="0" algn="ctr">
+                            <a:lnSpc>
+                              <a:spcPct val="150000"/>
+                            </a:lnSpc>
+                            <a:spcBef>
+                              <a:spcPts val="0"/>
+                            </a:spcBef>
+                            <a:spcAft>
+                              <a:spcPts val="800"/>
+                            </a:spcAft>
+                          </a:pPr>
+                          <a:r>
+                            <a:rPr lang="hy-AM" sz="1000" dirty="0">
+                              <a:effectLst/>
+                            </a:rPr>
+                            <a:t>Աննա</a:t>
+                          </a:r>
+                          <a:endParaRPr lang="en-US" sz="900" dirty="0">
+                            <a:solidFill>
+                              <a:srgbClr val="00000A"/>
+                            </a:solidFill>
+                            <a:effectLst/>
+                            <a:latin typeface="Calibri" panose="020F0502020204030204" pitchFamily="34" charset="0"/>
+                            <a:ea typeface="Calibri" panose="020F0502020204030204" pitchFamily="34" charset="0"/>
+                            <a:cs typeface="Calibri" panose="020F0502020204030204" pitchFamily="34" charset="0"/>
+                          </a:endParaRPr>
+                        </a:p>
+                      </a:txBody>
+                      <a:tcPr marL="57725" marR="57725" marT="0" marB="0"/>
+                    </a:tc>
+                    <a:tc>
+                      <a:txBody>
+                        <a:bodyPr/>
+                        <a:lstStyle/>
+                        <a:p>
+                          <a:pPr marL="228600" marR="0" algn="ctr">
+                            <a:lnSpc>
+                              <a:spcPct val="150000"/>
+                            </a:lnSpc>
+                            <a:spcBef>
+                              <a:spcPts val="0"/>
+                            </a:spcBef>
+                            <a:spcAft>
+                              <a:spcPts val="800"/>
+                            </a:spcAft>
+                          </a:pPr>
+                          <a:r>
+                            <a:rPr lang="en-US" sz="1000">
+                              <a:effectLst/>
+                            </a:rPr>
+                            <a:t>1.69</a:t>
+                          </a:r>
+                          <a:endParaRPr lang="en-US" sz="900">
+                            <a:solidFill>
+                              <a:srgbClr val="00000A"/>
+                            </a:solidFill>
+                            <a:effectLst/>
+                            <a:latin typeface="Calibri" panose="020F0502020204030204" pitchFamily="34" charset="0"/>
+                            <a:ea typeface="Calibri" panose="020F0502020204030204" pitchFamily="34" charset="0"/>
+                            <a:cs typeface="Calibri" panose="020F0502020204030204" pitchFamily="34" charset="0"/>
+                          </a:endParaRPr>
+                        </a:p>
+                      </a:txBody>
+                      <a:tcPr marL="57725" marR="57725" marT="0" marB="0"/>
+                    </a:tc>
+                    <a:tc>
+                      <a:txBody>
+                        <a:bodyPr/>
+                        <a:lstStyle/>
+                        <a:p>
+                          <a:pPr marL="228600" marR="0" algn="ctr">
+                            <a:lnSpc>
+                              <a:spcPct val="150000"/>
+                            </a:lnSpc>
+                            <a:spcBef>
+                              <a:spcPts val="0"/>
+                            </a:spcBef>
+                            <a:spcAft>
+                              <a:spcPts val="800"/>
+                            </a:spcAft>
+                          </a:pPr>
+                          <a:r>
+                            <a:rPr lang="hy-AM" sz="1000" dirty="0">
+                              <a:effectLst/>
+                            </a:rPr>
+                            <a:t>Երկար</a:t>
+                          </a:r>
+                          <a:endParaRPr lang="en-US" sz="900" dirty="0">
+                            <a:solidFill>
+                              <a:srgbClr val="00000A"/>
+                            </a:solidFill>
+                            <a:effectLst/>
+                            <a:latin typeface="Calibri" panose="020F0502020204030204" pitchFamily="34" charset="0"/>
+                            <a:ea typeface="Calibri" panose="020F0502020204030204" pitchFamily="34" charset="0"/>
+                            <a:cs typeface="Calibri" panose="020F0502020204030204" pitchFamily="34" charset="0"/>
+                          </a:endParaRPr>
+                        </a:p>
+                      </a:txBody>
+                      <a:tcPr marL="57725" marR="57725" marT="0" marB="0"/>
+                    </a:tc>
+                    <a:tc>
+                      <a:txBody>
+                        <a:bodyPr/>
+                        <a:lstStyle/>
+                        <a:p>
+                          <a:pPr marL="228600" marR="0" algn="ctr">
+                            <a:lnSpc>
+                              <a:spcPct val="150000"/>
+                            </a:lnSpc>
+                            <a:spcBef>
+                              <a:spcPts val="0"/>
+                            </a:spcBef>
+                            <a:spcAft>
+                              <a:spcPts val="800"/>
+                            </a:spcAft>
+                          </a:pPr>
+                          <a:r>
+                            <a:rPr lang="hy-AM" sz="1200" dirty="0">
+                              <a:solidFill>
+                                <a:srgbClr val="00000A"/>
+                              </a:solidFill>
+                              <a:effectLst/>
+                              <a:latin typeface="Sylfaen" panose="010A0502050306030303" pitchFamily="18" charset="0"/>
+                              <a:ea typeface="Calibri" panose="020F0502020204030204" pitchFamily="34" charset="0"/>
+                              <a:cs typeface="Arial-BoldMT"/>
+                            </a:rPr>
+                            <a:t>Չունի</a:t>
+                          </a:r>
+                          <a:endParaRPr lang="en-US" sz="1100" dirty="0">
+                            <a:solidFill>
+                              <a:srgbClr val="00000A"/>
+                            </a:solidFill>
+                            <a:effectLst/>
+                            <a:latin typeface="Calibri" panose="020F0502020204030204" pitchFamily="34" charset="0"/>
+                            <a:ea typeface="Calibri" panose="020F0502020204030204" pitchFamily="34" charset="0"/>
+                            <a:cs typeface="Calibri" panose="020F0502020204030204" pitchFamily="34" charset="0"/>
+                          </a:endParaRPr>
+                        </a:p>
+                      </a:txBody>
+                      <a:tcPr marL="68580" marR="68580" marT="0" marB="0"/>
+                    </a:tc>
+                    <a:tc>
+                      <a:txBody>
+                        <a:bodyPr/>
+                        <a:lstStyle/>
+                        <a:p>
+                          <a:pPr marL="228600" marR="0" algn="ctr">
+                            <a:lnSpc>
+                              <a:spcPct val="150000"/>
+                            </a:lnSpc>
+                            <a:spcBef>
+                              <a:spcPts val="0"/>
+                            </a:spcBef>
+                            <a:spcAft>
+                              <a:spcPts val="800"/>
+                            </a:spcAft>
+                          </a:pPr>
+                          <a:r>
+                            <a:rPr lang="hy-AM" sz="1000">
+                              <a:effectLst/>
+                            </a:rPr>
+                            <a:t>Կին</a:t>
+                          </a:r>
+                          <a:endParaRPr lang="en-US" sz="900">
+                            <a:solidFill>
+                              <a:srgbClr val="00000A"/>
+                            </a:solidFill>
+                            <a:effectLst/>
+                            <a:latin typeface="Calibri" panose="020F0502020204030204" pitchFamily="34" charset="0"/>
+                            <a:ea typeface="Calibri" panose="020F0502020204030204" pitchFamily="34" charset="0"/>
+                            <a:cs typeface="Calibri" panose="020F0502020204030204" pitchFamily="34" charset="0"/>
+                          </a:endParaRPr>
+                        </a:p>
+                      </a:txBody>
+                      <a:tcPr marL="57725" marR="57725" marT="0" marB="0"/>
+                    </a:tc>
+                    <a:extLst>
+                      <a:ext uri="{0D108BD9-81ED-4DB2-BD59-A6C34878D82A}">
+                        <a16:rowId xmlns:a16="http://schemas.microsoft.com/office/drawing/2014/main" val="2491110305"/>
+                      </a:ext>
+                    </a:extLst>
+                  </a:tr>
+                  <a:tr h="289617">
+                    <a:tc>
+                      <a:txBody>
+                        <a:bodyPr/>
+                        <a:lstStyle/>
+                        <a:p>
+                          <a:pPr marL="228600" marR="0" algn="ctr">
+                            <a:lnSpc>
+                              <a:spcPct val="150000"/>
+                            </a:lnSpc>
+                            <a:spcBef>
+                              <a:spcPts val="0"/>
+                            </a:spcBef>
+                            <a:spcAft>
+                              <a:spcPts val="800"/>
+                            </a:spcAft>
+                          </a:pPr>
+                          <a:r>
+                            <a:rPr lang="hy-AM" sz="1000">
+                              <a:effectLst/>
+                            </a:rPr>
+                            <a:t>Վահան</a:t>
+                          </a:r>
+                          <a:endParaRPr lang="en-US" sz="900">
+                            <a:solidFill>
+                              <a:srgbClr val="00000A"/>
+                            </a:solidFill>
+                            <a:effectLst/>
+                            <a:latin typeface="Calibri" panose="020F0502020204030204" pitchFamily="34" charset="0"/>
+                            <a:ea typeface="Calibri" panose="020F0502020204030204" pitchFamily="34" charset="0"/>
+                            <a:cs typeface="Calibri" panose="020F0502020204030204" pitchFamily="34" charset="0"/>
+                          </a:endParaRPr>
+                        </a:p>
+                      </a:txBody>
+                      <a:tcPr marL="57725" marR="57725" marT="0" marB="0"/>
+                    </a:tc>
+                    <a:tc>
+                      <a:txBody>
+                        <a:bodyPr/>
+                        <a:lstStyle/>
+                        <a:p>
+                          <a:pPr marL="228600" marR="0" algn="ctr">
+                            <a:lnSpc>
+                              <a:spcPct val="150000"/>
+                            </a:lnSpc>
+                            <a:spcBef>
+                              <a:spcPts val="0"/>
+                            </a:spcBef>
+                            <a:spcAft>
+                              <a:spcPts val="800"/>
+                            </a:spcAft>
+                          </a:pPr>
+                          <a:r>
+                            <a:rPr lang="en-US" sz="1000" dirty="0">
+                              <a:effectLst/>
+                            </a:rPr>
+                            <a:t>1.75</a:t>
+                          </a:r>
+                          <a:endParaRPr lang="en-US" sz="900" dirty="0">
+                            <a:solidFill>
+                              <a:srgbClr val="00000A"/>
+                            </a:solidFill>
+                            <a:effectLst/>
+                            <a:latin typeface="Calibri" panose="020F0502020204030204" pitchFamily="34" charset="0"/>
+                            <a:ea typeface="Calibri" panose="020F0502020204030204" pitchFamily="34" charset="0"/>
+                            <a:cs typeface="Calibri" panose="020F0502020204030204" pitchFamily="34" charset="0"/>
+                          </a:endParaRPr>
+                        </a:p>
+                      </a:txBody>
+                      <a:tcPr marL="57725" marR="57725" marT="0" marB="0"/>
+                    </a:tc>
+                    <a:tc>
+                      <a:txBody>
+                        <a:bodyPr/>
+                        <a:lstStyle/>
+                        <a:p>
+                          <a:pPr marL="228600" marR="0" algn="ctr">
+                            <a:lnSpc>
+                              <a:spcPct val="150000"/>
+                            </a:lnSpc>
+                            <a:spcBef>
+                              <a:spcPts val="0"/>
+                            </a:spcBef>
+                            <a:spcAft>
+                              <a:spcPts val="800"/>
+                            </a:spcAft>
+                          </a:pPr>
+                          <a:r>
+                            <a:rPr lang="hy-AM" sz="1000" dirty="0">
+                              <a:effectLst/>
+                            </a:rPr>
+                            <a:t>Կարճ</a:t>
+                          </a:r>
+                          <a:endParaRPr lang="en-US" sz="900" dirty="0">
+                            <a:solidFill>
+                              <a:srgbClr val="00000A"/>
+                            </a:solidFill>
+                            <a:effectLst/>
+                            <a:latin typeface="Calibri" panose="020F0502020204030204" pitchFamily="34" charset="0"/>
+                            <a:ea typeface="Calibri" panose="020F0502020204030204" pitchFamily="34" charset="0"/>
+                            <a:cs typeface="Calibri" panose="020F0502020204030204" pitchFamily="34" charset="0"/>
+                          </a:endParaRPr>
+                        </a:p>
+                      </a:txBody>
+                      <a:tcPr marL="57725" marR="57725" marT="0" marB="0"/>
+                    </a:tc>
+                    <a:tc>
+                      <a:txBody>
+                        <a:bodyPr/>
+                        <a:lstStyle/>
+                        <a:p>
+                          <a:pPr marL="228600" marR="0" algn="ctr">
+                            <a:lnSpc>
+                              <a:spcPct val="150000"/>
+                            </a:lnSpc>
+                            <a:spcBef>
+                              <a:spcPts val="0"/>
+                            </a:spcBef>
+                            <a:spcAft>
+                              <a:spcPts val="800"/>
+                            </a:spcAft>
+                          </a:pPr>
+                          <a:r>
+                            <a:rPr lang="hy-AM" sz="1200" dirty="0">
+                              <a:solidFill>
+                                <a:srgbClr val="00000A"/>
+                              </a:solidFill>
+                              <a:effectLst/>
+                              <a:latin typeface="Sylfaen" panose="010A0502050306030303" pitchFamily="18" charset="0"/>
+                              <a:ea typeface="Calibri" panose="020F0502020204030204" pitchFamily="34" charset="0"/>
+                              <a:cs typeface="Arial-BoldMT"/>
+                            </a:rPr>
+                            <a:t>Չունի</a:t>
+                          </a:r>
+                          <a:endParaRPr lang="en-US" sz="1100" dirty="0">
+                            <a:solidFill>
+                              <a:srgbClr val="00000A"/>
+                            </a:solidFill>
+                            <a:effectLst/>
+                            <a:latin typeface="Calibri" panose="020F0502020204030204" pitchFamily="34" charset="0"/>
+                            <a:ea typeface="Calibri" panose="020F0502020204030204" pitchFamily="34" charset="0"/>
+                            <a:cs typeface="Calibri" panose="020F0502020204030204" pitchFamily="34" charset="0"/>
+                          </a:endParaRPr>
+                        </a:p>
+                      </a:txBody>
+                      <a:tcPr marL="68580" marR="68580" marT="0" marB="0"/>
+                    </a:tc>
+                    <a:tc>
+                      <a:txBody>
+                        <a:bodyPr/>
+                        <a:lstStyle/>
+                        <a:p>
+                          <a:pPr marL="228600" marR="0" algn="ctr">
+                            <a:lnSpc>
+                              <a:spcPct val="150000"/>
+                            </a:lnSpc>
+                            <a:spcBef>
+                              <a:spcPts val="0"/>
+                            </a:spcBef>
+                            <a:spcAft>
+                              <a:spcPts val="800"/>
+                            </a:spcAft>
+                          </a:pPr>
+                          <a:r>
+                            <a:rPr lang="hy-AM" sz="1000">
+                              <a:effectLst/>
+                            </a:rPr>
+                            <a:t>Տղամարդ</a:t>
+                          </a:r>
+                          <a:endParaRPr lang="en-US" sz="900">
+                            <a:solidFill>
+                              <a:srgbClr val="00000A"/>
+                            </a:solidFill>
+                            <a:effectLst/>
+                            <a:latin typeface="Calibri" panose="020F0502020204030204" pitchFamily="34" charset="0"/>
+                            <a:ea typeface="Calibri" panose="020F0502020204030204" pitchFamily="34" charset="0"/>
+                            <a:cs typeface="Calibri" panose="020F0502020204030204" pitchFamily="34" charset="0"/>
+                          </a:endParaRPr>
+                        </a:p>
+                      </a:txBody>
+                      <a:tcPr marL="57725" marR="57725" marT="0" marB="0"/>
+                    </a:tc>
+                    <a:extLst>
+                      <a:ext uri="{0D108BD9-81ED-4DB2-BD59-A6C34878D82A}">
+                        <a16:rowId xmlns:a16="http://schemas.microsoft.com/office/drawing/2014/main" val="1031351399"/>
+                      </a:ext>
+                    </a:extLst>
+                  </a:tr>
+                  <a:tr h="289617">
+                    <a:tc>
+                      <a:txBody>
+                        <a:bodyPr/>
+                        <a:lstStyle/>
+                        <a:p>
+                          <a:pPr marL="228600" marR="0" algn="ctr">
+                            <a:lnSpc>
+                              <a:spcPct val="150000"/>
+                            </a:lnSpc>
+                            <a:spcBef>
+                              <a:spcPts val="0"/>
+                            </a:spcBef>
+                            <a:spcAft>
+                              <a:spcPts val="800"/>
+                            </a:spcAft>
+                          </a:pPr>
+                          <a:r>
+                            <a:rPr lang="hy-AM" sz="1000">
+                              <a:effectLst/>
+                            </a:rPr>
+                            <a:t>Գևորգ</a:t>
+                          </a:r>
+                          <a:endParaRPr lang="en-US" sz="900">
+                            <a:solidFill>
+                              <a:srgbClr val="00000A"/>
+                            </a:solidFill>
+                            <a:effectLst/>
+                            <a:latin typeface="Calibri" panose="020F0502020204030204" pitchFamily="34" charset="0"/>
+                            <a:ea typeface="Calibri" panose="020F0502020204030204" pitchFamily="34" charset="0"/>
+                            <a:cs typeface="Calibri" panose="020F0502020204030204" pitchFamily="34" charset="0"/>
+                          </a:endParaRPr>
+                        </a:p>
+                      </a:txBody>
+                      <a:tcPr marL="57725" marR="57725" marT="0" marB="0"/>
+                    </a:tc>
+                    <a:tc>
+                      <a:txBody>
+                        <a:bodyPr/>
+                        <a:lstStyle/>
+                        <a:p>
+                          <a:pPr marL="228600" marR="0" algn="ctr">
+                            <a:lnSpc>
+                              <a:spcPct val="150000"/>
+                            </a:lnSpc>
+                            <a:spcBef>
+                              <a:spcPts val="0"/>
+                            </a:spcBef>
+                            <a:spcAft>
+                              <a:spcPts val="800"/>
+                            </a:spcAft>
+                          </a:pPr>
+                          <a:r>
+                            <a:rPr lang="en-US" sz="1000">
+                              <a:effectLst/>
+                            </a:rPr>
+                            <a:t>1.80</a:t>
                           </a:r>
                           <a:endParaRPr lang="en-US" sz="900">
                             <a:solidFill>
@@ -9790,9 +10544,461 @@
                             <a:rPr lang="hy-AM" sz="1000">
                               <a:effectLst/>
                             </a:rPr>
+                            <a:t>Կարճ</a:t>
+                          </a:r>
+                          <a:endParaRPr lang="en-US" sz="900">
+                            <a:solidFill>
+                              <a:srgbClr val="00000A"/>
+                            </a:solidFill>
+                            <a:effectLst/>
+                            <a:latin typeface="Calibri" panose="020F0502020204030204" pitchFamily="34" charset="0"/>
+                            <a:ea typeface="Calibri" panose="020F0502020204030204" pitchFamily="34" charset="0"/>
+                            <a:cs typeface="Calibri" panose="020F0502020204030204" pitchFamily="34" charset="0"/>
+                          </a:endParaRPr>
+                        </a:p>
+                      </a:txBody>
+                      <a:tcPr marL="57725" marR="57725" marT="0" marB="0"/>
+                    </a:tc>
+                    <a:tc>
+                      <a:txBody>
+                        <a:bodyPr/>
+                        <a:lstStyle/>
+                        <a:p>
+                          <a:pPr marL="228600" marR="0" algn="ctr">
+                            <a:lnSpc>
+                              <a:spcPct val="150000"/>
+                            </a:lnSpc>
+                            <a:spcBef>
+                              <a:spcPts val="0"/>
+                            </a:spcBef>
+                            <a:spcAft>
+                              <a:spcPts val="800"/>
+                            </a:spcAft>
+                          </a:pPr>
+                          <a:r>
+                            <a:rPr lang="hy-AM" sz="1200" dirty="0">
+                              <a:solidFill>
+                                <a:srgbClr val="00000A"/>
+                              </a:solidFill>
+                              <a:effectLst/>
+                              <a:latin typeface="Sylfaen" panose="010A0502050306030303" pitchFamily="18" charset="0"/>
+                              <a:ea typeface="Calibri" panose="020F0502020204030204" pitchFamily="34" charset="0"/>
+                              <a:cs typeface="Arial-BoldMT"/>
+                            </a:rPr>
+                            <a:t>Չունի</a:t>
+                          </a:r>
+                          <a:endParaRPr lang="en-US" sz="1100" dirty="0">
+                            <a:solidFill>
+                              <a:srgbClr val="00000A"/>
+                            </a:solidFill>
+                            <a:effectLst/>
+                            <a:latin typeface="Calibri" panose="020F0502020204030204" pitchFamily="34" charset="0"/>
+                            <a:ea typeface="Calibri" panose="020F0502020204030204" pitchFamily="34" charset="0"/>
+                            <a:cs typeface="Calibri" panose="020F0502020204030204" pitchFamily="34" charset="0"/>
+                          </a:endParaRPr>
+                        </a:p>
+                      </a:txBody>
+                      <a:tcPr marL="68580" marR="68580" marT="0" marB="0"/>
+                    </a:tc>
+                    <a:tc>
+                      <a:txBody>
+                        <a:bodyPr/>
+                        <a:lstStyle/>
+                        <a:p>
+                          <a:pPr marL="228600" marR="0" algn="ctr">
+                            <a:lnSpc>
+                              <a:spcPct val="150000"/>
+                            </a:lnSpc>
+                            <a:spcBef>
+                              <a:spcPts val="0"/>
+                            </a:spcBef>
+                            <a:spcAft>
+                              <a:spcPts val="800"/>
+                            </a:spcAft>
+                          </a:pPr>
+                          <a:r>
+                            <a:rPr lang="hy-AM" sz="1000">
+                              <a:effectLst/>
+                            </a:rPr>
+                            <a:t>Տղամարդ</a:t>
+                          </a:r>
+                          <a:endParaRPr lang="en-US" sz="900">
+                            <a:solidFill>
+                              <a:srgbClr val="00000A"/>
+                            </a:solidFill>
+                            <a:effectLst/>
+                            <a:latin typeface="Calibri" panose="020F0502020204030204" pitchFamily="34" charset="0"/>
+                            <a:ea typeface="Calibri" panose="020F0502020204030204" pitchFamily="34" charset="0"/>
+                            <a:cs typeface="Calibri" panose="020F0502020204030204" pitchFamily="34" charset="0"/>
+                          </a:endParaRPr>
+                        </a:p>
+                      </a:txBody>
+                      <a:tcPr marL="57725" marR="57725" marT="0" marB="0"/>
+                    </a:tc>
+                    <a:extLst>
+                      <a:ext uri="{0D108BD9-81ED-4DB2-BD59-A6C34878D82A}">
+                        <a16:rowId xmlns:a16="http://schemas.microsoft.com/office/drawing/2014/main" val="1041437350"/>
+                      </a:ext>
+                    </a:extLst>
+                  </a:tr>
+                  <a:tr h="289617">
+                    <a:tc>
+                      <a:txBody>
+                        <a:bodyPr/>
+                        <a:lstStyle/>
+                        <a:p>
+                          <a:pPr marL="228600" marR="0" algn="ctr">
+                            <a:lnSpc>
+                              <a:spcPct val="150000"/>
+                            </a:lnSpc>
+                            <a:spcBef>
+                              <a:spcPts val="0"/>
+                            </a:spcBef>
+                            <a:spcAft>
+                              <a:spcPts val="800"/>
+                            </a:spcAft>
+                          </a:pPr>
+                          <a:r>
+                            <a:rPr lang="hy-AM" sz="1000">
+                              <a:effectLst/>
+                            </a:rPr>
+                            <a:t>Արամ</a:t>
+                          </a:r>
+                          <a:endParaRPr lang="en-US" sz="900">
+                            <a:solidFill>
+                              <a:srgbClr val="00000A"/>
+                            </a:solidFill>
+                            <a:effectLst/>
+                            <a:latin typeface="Calibri" panose="020F0502020204030204" pitchFamily="34" charset="0"/>
+                            <a:ea typeface="Calibri" panose="020F0502020204030204" pitchFamily="34" charset="0"/>
+                            <a:cs typeface="Calibri" panose="020F0502020204030204" pitchFamily="34" charset="0"/>
+                          </a:endParaRPr>
+                        </a:p>
+                      </a:txBody>
+                      <a:tcPr marL="57725" marR="57725" marT="0" marB="0"/>
+                    </a:tc>
+                    <a:tc>
+                      <a:txBody>
+                        <a:bodyPr/>
+                        <a:lstStyle/>
+                        <a:p>
+                          <a:pPr marL="228600" marR="0" algn="ctr">
+                            <a:lnSpc>
+                              <a:spcPct val="150000"/>
+                            </a:lnSpc>
+                            <a:spcBef>
+                              <a:spcPts val="0"/>
+                            </a:spcBef>
+                            <a:spcAft>
+                              <a:spcPts val="800"/>
+                            </a:spcAft>
+                          </a:pPr>
+                          <a:r>
+                            <a:rPr lang="en-US" sz="1000">
+                              <a:effectLst/>
+                            </a:rPr>
+                            <a:t>1.83</a:t>
+                          </a:r>
+                          <a:endParaRPr lang="en-US" sz="900">
+                            <a:solidFill>
+                              <a:srgbClr val="00000A"/>
+                            </a:solidFill>
+                            <a:effectLst/>
+                            <a:latin typeface="Calibri" panose="020F0502020204030204" pitchFamily="34" charset="0"/>
+                            <a:ea typeface="Calibri" panose="020F0502020204030204" pitchFamily="34" charset="0"/>
+                            <a:cs typeface="Calibri" panose="020F0502020204030204" pitchFamily="34" charset="0"/>
+                          </a:endParaRPr>
+                        </a:p>
+                      </a:txBody>
+                      <a:tcPr marL="57725" marR="57725" marT="0" marB="0"/>
+                    </a:tc>
+                    <a:tc>
+                      <a:txBody>
+                        <a:bodyPr/>
+                        <a:lstStyle/>
+                        <a:p>
+                          <a:pPr marL="228600" marR="0" algn="ctr">
+                            <a:lnSpc>
+                              <a:spcPct val="150000"/>
+                            </a:lnSpc>
+                            <a:spcBef>
+                              <a:spcPts val="0"/>
+                            </a:spcBef>
+                            <a:spcAft>
+                              <a:spcPts val="800"/>
+                            </a:spcAft>
+                          </a:pPr>
+                          <a:r>
+                            <a:rPr lang="hy-AM" sz="1000">
+                              <a:effectLst/>
+                            </a:rPr>
+                            <a:t>Կարճ</a:t>
+                          </a:r>
+                          <a:endParaRPr lang="en-US" sz="900">
+                            <a:solidFill>
+                              <a:srgbClr val="00000A"/>
+                            </a:solidFill>
+                            <a:effectLst/>
+                            <a:latin typeface="Calibri" panose="020F0502020204030204" pitchFamily="34" charset="0"/>
+                            <a:ea typeface="Calibri" panose="020F0502020204030204" pitchFamily="34" charset="0"/>
+                            <a:cs typeface="Calibri" panose="020F0502020204030204" pitchFamily="34" charset="0"/>
+                          </a:endParaRPr>
+                        </a:p>
+                      </a:txBody>
+                      <a:tcPr marL="57725" marR="57725" marT="0" marB="0"/>
+                    </a:tc>
+                    <a:tc>
+                      <a:txBody>
+                        <a:bodyPr/>
+                        <a:lstStyle/>
+                        <a:p>
+                          <a:pPr marL="228600" marR="0" algn="ctr">
+                            <a:lnSpc>
+                              <a:spcPct val="150000"/>
+                            </a:lnSpc>
+                            <a:spcBef>
+                              <a:spcPts val="0"/>
+                            </a:spcBef>
+                            <a:spcAft>
+                              <a:spcPts val="800"/>
+                            </a:spcAft>
+                          </a:pPr>
+                          <a:r>
+                            <a:rPr lang="hy-AM" sz="1000" dirty="0" smtClean="0">
+                              <a:solidFill>
+                                <a:schemeClr val="dk1"/>
+                              </a:solidFill>
+                              <a:effectLst/>
+                              <a:latin typeface="+mn-lt"/>
+                              <a:ea typeface="+mn-ea"/>
+                              <a:cs typeface="+mn-cs"/>
+                            </a:rPr>
+                            <a:t>Ունի</a:t>
+                          </a:r>
+                          <a:endParaRPr lang="en-US" sz="900" dirty="0">
+                            <a:solidFill>
+                              <a:srgbClr val="00000A"/>
+                            </a:solidFill>
+                            <a:effectLst/>
+                            <a:latin typeface="Calibri" panose="020F0502020204030204" pitchFamily="34" charset="0"/>
+                            <a:ea typeface="Calibri" panose="020F0502020204030204" pitchFamily="34" charset="0"/>
+                            <a:cs typeface="Calibri" panose="020F0502020204030204" pitchFamily="34" charset="0"/>
+                          </a:endParaRPr>
+                        </a:p>
+                      </a:txBody>
+                      <a:tcPr marL="57725" marR="57725" marT="0" marB="0"/>
+                    </a:tc>
+                    <a:tc>
+                      <a:txBody>
+                        <a:bodyPr/>
+                        <a:lstStyle/>
+                        <a:p>
+                          <a:pPr marL="228600" marR="0" algn="ctr">
+                            <a:lnSpc>
+                              <a:spcPct val="150000"/>
+                            </a:lnSpc>
+                            <a:spcBef>
+                              <a:spcPts val="0"/>
+                            </a:spcBef>
+                            <a:spcAft>
+                              <a:spcPts val="800"/>
+                            </a:spcAft>
+                          </a:pPr>
+                          <a:r>
+                            <a:rPr lang="hy-AM" sz="1000">
+                              <a:effectLst/>
+                            </a:rPr>
+                            <a:t>Տղամարդ</a:t>
+                          </a:r>
+                          <a:endParaRPr lang="en-US" sz="900">
+                            <a:solidFill>
+                              <a:srgbClr val="00000A"/>
+                            </a:solidFill>
+                            <a:effectLst/>
+                            <a:latin typeface="Calibri" panose="020F0502020204030204" pitchFamily="34" charset="0"/>
+                            <a:ea typeface="Calibri" panose="020F0502020204030204" pitchFamily="34" charset="0"/>
+                            <a:cs typeface="Calibri" panose="020F0502020204030204" pitchFamily="34" charset="0"/>
+                          </a:endParaRPr>
+                        </a:p>
+                      </a:txBody>
+                      <a:tcPr marL="57725" marR="57725" marT="0" marB="0"/>
+                    </a:tc>
+                    <a:extLst>
+                      <a:ext uri="{0D108BD9-81ED-4DB2-BD59-A6C34878D82A}">
+                        <a16:rowId xmlns:a16="http://schemas.microsoft.com/office/drawing/2014/main" val="2051532882"/>
+                      </a:ext>
+                    </a:extLst>
+                  </a:tr>
+                  <a:tr h="289617">
+                    <a:tc>
+                      <a:txBody>
+                        <a:bodyPr/>
+                        <a:lstStyle/>
+                        <a:p>
+                          <a:pPr marL="228600" marR="0" algn="ctr">
+                            <a:lnSpc>
+                              <a:spcPct val="150000"/>
+                            </a:lnSpc>
+                            <a:spcBef>
+                              <a:spcPts val="0"/>
+                            </a:spcBef>
+                            <a:spcAft>
+                              <a:spcPts val="800"/>
+                            </a:spcAft>
+                          </a:pPr>
+                          <a:r>
+                            <a:rPr lang="hy-AM" sz="1000">
+                              <a:effectLst/>
+                            </a:rPr>
+                            <a:t>Սարա</a:t>
+                          </a:r>
+                          <a:endParaRPr lang="en-US" sz="900">
+                            <a:solidFill>
+                              <a:srgbClr val="00000A"/>
+                            </a:solidFill>
+                            <a:effectLst/>
+                            <a:latin typeface="Calibri" panose="020F0502020204030204" pitchFamily="34" charset="0"/>
+                            <a:ea typeface="Calibri" panose="020F0502020204030204" pitchFamily="34" charset="0"/>
+                            <a:cs typeface="Calibri" panose="020F0502020204030204" pitchFamily="34" charset="0"/>
+                          </a:endParaRPr>
+                        </a:p>
+                      </a:txBody>
+                      <a:tcPr marL="57725" marR="57725" marT="0" marB="0"/>
+                    </a:tc>
+                    <a:tc>
+                      <a:txBody>
+                        <a:bodyPr/>
+                        <a:lstStyle/>
+                        <a:p>
+                          <a:pPr marL="228600" marR="0" algn="ctr">
+                            <a:lnSpc>
+                              <a:spcPct val="150000"/>
+                            </a:lnSpc>
+                            <a:spcBef>
+                              <a:spcPts val="0"/>
+                            </a:spcBef>
+                            <a:spcAft>
+                              <a:spcPts val="800"/>
+                            </a:spcAft>
+                          </a:pPr>
+                          <a:r>
+                            <a:rPr lang="en-US" sz="1000">
+                              <a:effectLst/>
+                            </a:rPr>
+                            <a:t>1.77</a:t>
+                          </a:r>
+                          <a:endParaRPr lang="en-US" sz="900">
+                            <a:solidFill>
+                              <a:srgbClr val="00000A"/>
+                            </a:solidFill>
+                            <a:effectLst/>
+                            <a:latin typeface="Calibri" panose="020F0502020204030204" pitchFamily="34" charset="0"/>
+                            <a:ea typeface="Calibri" panose="020F0502020204030204" pitchFamily="34" charset="0"/>
+                            <a:cs typeface="Calibri" panose="020F0502020204030204" pitchFamily="34" charset="0"/>
+                          </a:endParaRPr>
+                        </a:p>
+                      </a:txBody>
+                      <a:tcPr marL="57725" marR="57725" marT="0" marB="0"/>
+                    </a:tc>
+                    <a:tc>
+                      <a:txBody>
+                        <a:bodyPr/>
+                        <a:lstStyle/>
+                        <a:p>
+                          <a:pPr marL="228600" marR="0" algn="ctr">
+                            <a:lnSpc>
+                              <a:spcPct val="150000"/>
+                            </a:lnSpc>
+                            <a:spcBef>
+                              <a:spcPts val="0"/>
+                            </a:spcBef>
+                            <a:spcAft>
+                              <a:spcPts val="800"/>
+                            </a:spcAft>
+                          </a:pPr>
+                          <a:r>
+                            <a:rPr lang="hy-AM" sz="1000">
+                              <a:effectLst/>
+                            </a:rPr>
+                            <a:t>Կարճ</a:t>
+                          </a:r>
+                          <a:endParaRPr lang="en-US" sz="900">
+                            <a:solidFill>
+                              <a:srgbClr val="00000A"/>
+                            </a:solidFill>
+                            <a:effectLst/>
+                            <a:latin typeface="Calibri" panose="020F0502020204030204" pitchFamily="34" charset="0"/>
+                            <a:ea typeface="Calibri" panose="020F0502020204030204" pitchFamily="34" charset="0"/>
+                            <a:cs typeface="Calibri" panose="020F0502020204030204" pitchFamily="34" charset="0"/>
+                          </a:endParaRPr>
+                        </a:p>
+                      </a:txBody>
+                      <a:tcPr marL="57725" marR="57725" marT="0" marB="0"/>
+                    </a:tc>
+                    <a:tc>
+                      <a:txBody>
+                        <a:bodyPr/>
+                        <a:lstStyle/>
+                        <a:p>
+                          <a:pPr marL="228600" marR="0" algn="ctr">
+                            <a:lnSpc>
+                              <a:spcPct val="150000"/>
+                            </a:lnSpc>
+                            <a:spcBef>
+                              <a:spcPts val="0"/>
+                            </a:spcBef>
+                            <a:spcAft>
+                              <a:spcPts val="800"/>
+                            </a:spcAft>
+                          </a:pPr>
+                          <a:r>
+                            <a:rPr lang="hy-AM" sz="1200" dirty="0">
+                              <a:solidFill>
+                                <a:srgbClr val="00000A"/>
+                              </a:solidFill>
+                              <a:effectLst/>
+                              <a:latin typeface="Sylfaen" panose="010A0502050306030303" pitchFamily="18" charset="0"/>
+                              <a:ea typeface="Calibri" panose="020F0502020204030204" pitchFamily="34" charset="0"/>
+                              <a:cs typeface="Arial-BoldMT"/>
+                            </a:rPr>
+                            <a:t>Չունի</a:t>
+                          </a:r>
+                          <a:endParaRPr lang="en-US" sz="1100" dirty="0">
+                            <a:solidFill>
+                              <a:srgbClr val="00000A"/>
+                            </a:solidFill>
+                            <a:effectLst/>
+                            <a:latin typeface="Calibri" panose="020F0502020204030204" pitchFamily="34" charset="0"/>
+                            <a:ea typeface="Calibri" panose="020F0502020204030204" pitchFamily="34" charset="0"/>
+                            <a:cs typeface="Calibri" panose="020F0502020204030204" pitchFamily="34" charset="0"/>
+                          </a:endParaRPr>
+                        </a:p>
+                      </a:txBody>
+                      <a:tcPr marL="68580" marR="68580" marT="0" marB="0"/>
+                    </a:tc>
+                    <a:tc>
+                      <a:txBody>
+                        <a:bodyPr/>
+                        <a:lstStyle/>
+                        <a:p>
+                          <a:pPr marL="228600" marR="0" algn="ctr">
+                            <a:lnSpc>
+                              <a:spcPct val="150000"/>
+                            </a:lnSpc>
+                            <a:spcBef>
+                              <a:spcPts val="0"/>
+                            </a:spcBef>
+                            <a:spcAft>
+                              <a:spcPts val="800"/>
+                            </a:spcAft>
+                          </a:pPr>
+                          <a:r>
+                            <a:rPr lang="hy-AM" sz="1000" dirty="0">
+                              <a:effectLst/>
+                            </a:rPr>
                             <a:t>Կին</a:t>
                           </a:r>
-                          <a:endParaRPr lang="en-US" sz="900">
+                          <a:endParaRPr lang="en-US" sz="900" dirty="0">
                             <a:solidFill>
                               <a:srgbClr val="00000A"/>
                             </a:solidFill>
@@ -9908,10 +11114,491 @@
           </p:graphicFrame>
         </mc:Fallback>
       </mc:AlternateContent>
+      <p:pic>
+        <p:nvPicPr>
+          <p:cNvPr id="1026" name="Picture 2" descr="Image result for haar features"/>
+          <p:cNvPicPr>
+            <a:picLocks noChangeAspect="1" noChangeArrowheads="1"/>
+          </p:cNvPicPr>
+          <p:nvPr/>
+        </p:nvPicPr>
+        <p:blipFill>
+          <a:blip r:embed="rId3">
+            <a:extLst>
+              <a:ext uri="{28A0092B-C50C-407E-A947-70E740481C1C}">
+                <a14:useLocalDpi xmlns:a14="http://schemas.microsoft.com/office/drawing/2010/main" val="0"/>
+              </a:ext>
+            </a:extLst>
+          </a:blip>
+          <a:srcRect/>
+          <a:stretch>
+            <a:fillRect/>
+          </a:stretch>
+        </p:blipFill>
+        <p:spPr bwMode="auto">
+          <a:xfrm>
+            <a:off x="6013784" y="2065867"/>
+            <a:ext cx="4668360" cy="3096554"/>
+          </a:xfrm>
+          <a:prstGeom prst="rect">
+            <a:avLst/>
+          </a:prstGeom>
+          <a:noFill/>
+          <a:extLst>
+            <a:ext uri="{909E8E84-426E-40DD-AFC4-6F175D3DCCD1}">
+              <a14:hiddenFill xmlns:a14="http://schemas.microsoft.com/office/drawing/2010/main">
+                <a:solidFill>
+                  <a:srgbClr val="FFFFFF"/>
+                </a:solidFill>
+              </a14:hiddenFill>
+            </a:ext>
+          </a:extLst>
+        </p:spPr>
+      </p:pic>
+      <p:pic>
+        <p:nvPicPr>
+          <p:cNvPr id="5" name="Picture 2" descr="Image result for haar features"/>
+          <p:cNvPicPr>
+            <a:picLocks noChangeAspect="1" noChangeArrowheads="1"/>
+          </p:cNvPicPr>
+          <p:nvPr/>
+        </p:nvPicPr>
+        <p:blipFill>
+          <a:blip r:embed="rId4">
+            <a:extLst>
+              <a:ext uri="{28A0092B-C50C-407E-A947-70E740481C1C}">
+                <a14:useLocalDpi xmlns:a14="http://schemas.microsoft.com/office/drawing/2010/main" val="0"/>
+              </a:ext>
+            </a:extLst>
+          </a:blip>
+          <a:srcRect/>
+          <a:stretch>
+            <a:fillRect/>
+          </a:stretch>
+        </p:blipFill>
+        <p:spPr bwMode="auto">
+          <a:xfrm>
+            <a:off x="2501901" y="4470544"/>
+            <a:ext cx="3181350" cy="1933576"/>
+          </a:xfrm>
+          <a:prstGeom prst="rect">
+            <a:avLst/>
+          </a:prstGeom>
+          <a:noFill/>
+          <a:extLst>
+            <a:ext uri="{909E8E84-426E-40DD-AFC4-6F175D3DCCD1}">
+              <a14:hiddenFill xmlns:a14="http://schemas.microsoft.com/office/drawing/2010/main">
+                <a:solidFill>
+                  <a:srgbClr val="FFFFFF"/>
+                </a:solidFill>
+              </a14:hiddenFill>
+            </a:ext>
+          </a:extLst>
+        </p:spPr>
+      </p:pic>
     </p:spTree>
     <p:extLst>
       <p:ext uri="{BB962C8B-B14F-4D97-AF65-F5344CB8AC3E}">
         <p14:creationId xmlns:p14="http://schemas.microsoft.com/office/powerpoint/2010/main" val="1713521543"/>
+      </p:ext>
+    </p:extLst>
+  </p:cSld>
+  <p:clrMapOvr>
+    <a:masterClrMapping/>
+  </p:clrMapOvr>
+  <p:timing>
+    <p:tnLst>
+      <p:par>
+        <p:cTn id="1" dur="indefinite" restart="never" nodeType="tmRoot">
+          <p:childTnLst>
+            <p:seq concurrent="1" nextAc="seek">
+              <p:cTn id="2" dur="indefinite" nodeType="mainSeq">
+                <p:childTnLst>
+                  <p:par>
+                    <p:cTn id="3" fill="hold">
+                      <p:stCondLst>
+                        <p:cond delay="indefinite"/>
+                        <p:cond evt="onBegin" delay="0">
+                          <p:tn val="2"/>
+                        </p:cond>
+                      </p:stCondLst>
+                      <p:childTnLst>
+                        <p:par>
+                          <p:cTn id="4" fill="hold">
+                            <p:stCondLst>
+                              <p:cond delay="0"/>
+                            </p:stCondLst>
+                            <p:childTnLst>
+                              <p:par>
+                                <p:cTn id="5" presetID="1" presetClass="entr" presetSubtype="0" fill="hold" nodeType="afterEffect">
+                                  <p:stCondLst>
+                                    <p:cond delay="0"/>
+                                  </p:stCondLst>
+                                  <p:childTnLst>
+                                    <p:set>
+                                      <p:cBhvr>
+                                        <p:cTn id="6" dur="1" fill="hold">
+                                          <p:stCondLst>
+                                            <p:cond delay="0"/>
+                                          </p:stCondLst>
+                                        </p:cTn>
+                                        <p:tgtEl>
+                                          <p:spTgt spid="14"/>
+                                        </p:tgtEl>
+                                        <p:attrNameLst>
+                                          <p:attrName>style.visibility</p:attrName>
+                                        </p:attrNameLst>
+                                      </p:cBhvr>
+                                      <p:to>
+                                        <p:strVal val="visible"/>
+                                      </p:to>
+                                    </p:set>
+                                  </p:childTnLst>
+                                </p:cTn>
+                              </p:par>
+                            </p:childTnLst>
+                          </p:cTn>
+                        </p:par>
+                        <p:par>
+                          <p:cTn id="7" fill="hold">
+                            <p:stCondLst>
+                              <p:cond delay="0"/>
+                            </p:stCondLst>
+                            <p:childTnLst>
+                              <p:par>
+                                <p:cTn id="8" presetID="42" presetClass="entr" presetSubtype="0" fill="hold" nodeType="afterEffect">
+                                  <p:stCondLst>
+                                    <p:cond delay="0"/>
+                                  </p:stCondLst>
+                                  <p:childTnLst>
+                                    <p:set>
+                                      <p:cBhvr>
+                                        <p:cTn id="9" dur="1" fill="hold">
+                                          <p:stCondLst>
+                                            <p:cond delay="0"/>
+                                          </p:stCondLst>
+                                        </p:cTn>
+                                        <p:tgtEl>
+                                          <p:spTgt spid="1026"/>
+                                        </p:tgtEl>
+                                        <p:attrNameLst>
+                                          <p:attrName>style.visibility</p:attrName>
+                                        </p:attrNameLst>
+                                      </p:cBhvr>
+                                      <p:to>
+                                        <p:strVal val="visible"/>
+                                      </p:to>
+                                    </p:set>
+                                    <p:animEffect transition="in" filter="fade">
+                                      <p:cBhvr>
+                                        <p:cTn id="10" dur="1000"/>
+                                        <p:tgtEl>
+                                          <p:spTgt spid="1026"/>
+                                        </p:tgtEl>
+                                      </p:cBhvr>
+                                    </p:animEffect>
+                                    <p:anim calcmode="lin" valueType="num">
+                                      <p:cBhvr>
+                                        <p:cTn id="11" dur="1000" fill="hold"/>
+                                        <p:tgtEl>
+                                          <p:spTgt spid="1026"/>
+                                        </p:tgtEl>
+                                        <p:attrNameLst>
+                                          <p:attrName>ppt_x</p:attrName>
+                                        </p:attrNameLst>
+                                      </p:cBhvr>
+                                      <p:tavLst>
+                                        <p:tav tm="0">
+                                          <p:val>
+                                            <p:strVal val="#ppt_x"/>
+                                          </p:val>
+                                        </p:tav>
+                                        <p:tav tm="100000">
+                                          <p:val>
+                                            <p:strVal val="#ppt_x"/>
+                                          </p:val>
+                                        </p:tav>
+                                      </p:tavLst>
+                                    </p:anim>
+                                    <p:anim calcmode="lin" valueType="num">
+                                      <p:cBhvr>
+                                        <p:cTn id="12" dur="1000" fill="hold"/>
+                                        <p:tgtEl>
+                                          <p:spTgt spid="1026"/>
+                                        </p:tgtEl>
+                                        <p:attrNameLst>
+                                          <p:attrName>ppt_y</p:attrName>
+                                        </p:attrNameLst>
+                                      </p:cBhvr>
+                                      <p:tavLst>
+                                        <p:tav tm="0">
+                                          <p:val>
+                                            <p:strVal val="#ppt_y+.1"/>
+                                          </p:val>
+                                        </p:tav>
+                                        <p:tav tm="100000">
+                                          <p:val>
+                                            <p:strVal val="#ppt_y"/>
+                                          </p:val>
+                                        </p:tav>
+                                      </p:tavLst>
+                                    </p:anim>
+                                  </p:childTnLst>
+                                </p:cTn>
+                              </p:par>
+                            </p:childTnLst>
+                          </p:cTn>
+                        </p:par>
+                        <p:par>
+                          <p:cTn id="13" fill="hold">
+                            <p:stCondLst>
+                              <p:cond delay="1000"/>
+                            </p:stCondLst>
+                            <p:childTnLst>
+                              <p:par>
+                                <p:cTn id="14" presetID="42" presetClass="entr" presetSubtype="0" fill="hold" nodeType="afterEffect">
+                                  <p:stCondLst>
+                                    <p:cond delay="0"/>
+                                  </p:stCondLst>
+                                  <p:childTnLst>
+                                    <p:set>
+                                      <p:cBhvr>
+                                        <p:cTn id="15" dur="1" fill="hold">
+                                          <p:stCondLst>
+                                            <p:cond delay="0"/>
+                                          </p:stCondLst>
+                                        </p:cTn>
+                                        <p:tgtEl>
+                                          <p:spTgt spid="5"/>
+                                        </p:tgtEl>
+                                        <p:attrNameLst>
+                                          <p:attrName>style.visibility</p:attrName>
+                                        </p:attrNameLst>
+                                      </p:cBhvr>
+                                      <p:to>
+                                        <p:strVal val="visible"/>
+                                      </p:to>
+                                    </p:set>
+                                    <p:animEffect transition="in" filter="fade">
+                                      <p:cBhvr>
+                                        <p:cTn id="16" dur="1000"/>
+                                        <p:tgtEl>
+                                          <p:spTgt spid="5"/>
+                                        </p:tgtEl>
+                                      </p:cBhvr>
+                                    </p:animEffect>
+                                    <p:anim calcmode="lin" valueType="num">
+                                      <p:cBhvr>
+                                        <p:cTn id="17" dur="1000" fill="hold"/>
+                                        <p:tgtEl>
+                                          <p:spTgt spid="5"/>
+                                        </p:tgtEl>
+                                        <p:attrNameLst>
+                                          <p:attrName>ppt_x</p:attrName>
+                                        </p:attrNameLst>
+                                      </p:cBhvr>
+                                      <p:tavLst>
+                                        <p:tav tm="0">
+                                          <p:val>
+                                            <p:strVal val="#ppt_x"/>
+                                          </p:val>
+                                        </p:tav>
+                                        <p:tav tm="100000">
+                                          <p:val>
+                                            <p:strVal val="#ppt_x"/>
+                                          </p:val>
+                                        </p:tav>
+                                      </p:tavLst>
+                                    </p:anim>
+                                    <p:anim calcmode="lin" valueType="num">
+                                      <p:cBhvr>
+                                        <p:cTn id="18" dur="1000" fill="hold"/>
+                                        <p:tgtEl>
+                                          <p:spTgt spid="5"/>
+                                        </p:tgtEl>
+                                        <p:attrNameLst>
+                                          <p:attrName>ppt_y</p:attrName>
+                                        </p:attrNameLst>
+                                      </p:cBhvr>
+                                      <p:tavLst>
+                                        <p:tav tm="0">
+                                          <p:val>
+                                            <p:strVal val="#ppt_y+.1"/>
+                                          </p:val>
+                                        </p:tav>
+                                        <p:tav tm="100000">
+                                          <p:val>
+                                            <p:strVal val="#ppt_y"/>
+                                          </p:val>
+                                        </p:tav>
+                                      </p:tavLst>
+                                    </p:anim>
+                                  </p:childTnLst>
+                                </p:cTn>
+                              </p:par>
+                            </p:childTnLst>
+                          </p:cTn>
+                        </p:par>
+                      </p:childTnLst>
+                    </p:cTn>
+                  </p:par>
+                </p:childTnLst>
+              </p:cTn>
+              <p:prevCondLst>
+                <p:cond evt="onPrev" delay="0">
+                  <p:tgtEl>
+                    <p:sldTgt/>
+                  </p:tgtEl>
+                </p:cond>
+              </p:prevCondLst>
+              <p:nextCondLst>
+                <p:cond evt="onNext" delay="0">
+                  <p:tgtEl>
+                    <p:sldTgt/>
+                  </p:tgtEl>
+                </p:cond>
+              </p:nextCondLst>
+            </p:seq>
+          </p:childTnLst>
+        </p:cTn>
+      </p:par>
+    </p:tnLst>
+  </p:timing>
+</p:sld>
+</file>
+
+<file path=ppt/slides/slide16.xml><?xml version="1.0" encoding="utf-8"?>
+<p:sld xmlns:a="http://schemas.openxmlformats.org/drawingml/2006/main" xmlns:r="http://schemas.openxmlformats.org/officeDocument/2006/relationships" xmlns:p="http://schemas.openxmlformats.org/presentationml/2006/main">
+  <p:cSld>
+    <p:spTree>
+      <p:nvGrpSpPr>
+        <p:cNvPr id="1" name=""/>
+        <p:cNvGrpSpPr/>
+        <p:nvPr/>
+      </p:nvGrpSpPr>
+      <p:grpSpPr>
+        <a:xfrm>
+          <a:off x="0" y="0"/>
+          <a:ext cx="0" cy="0"/>
+          <a:chOff x="0" y="0"/>
+          <a:chExt cx="0" cy="0"/>
+        </a:xfrm>
+      </p:grpSpPr>
+      <p:sp>
+        <p:nvSpPr>
+          <p:cNvPr id="2" name="Title 1"/>
+          <p:cNvSpPr>
+            <a:spLocks noGrp="1"/>
+          </p:cNvSpPr>
+          <p:nvPr>
+            <p:ph type="title"/>
+          </p:nvPr>
+        </p:nvSpPr>
+        <p:spPr/>
+        <p:txBody>
+          <a:bodyPr/>
+          <a:lstStyle/>
+          <a:p>
+            <a:pPr algn="ctr"/>
+            <a:r>
+              <a:rPr lang="hy-AM" dirty="0"/>
+              <a:t>Վիոլա </a:t>
+            </a:r>
+            <a:r>
+              <a:rPr lang="hy-AM" dirty="0" smtClean="0"/>
+              <a:t>Ջոհընս</a:t>
+            </a:r>
+            <a:r>
+              <a:rPr lang="en-US" dirty="0" smtClean="0"/>
+              <a:t>(</a:t>
+            </a:r>
+            <a:r>
+              <a:rPr lang="en-US" dirty="0"/>
+              <a:t>Viola Johns</a:t>
+            </a:r>
+            <a:r>
+              <a:rPr lang="en-US" dirty="0" smtClean="0"/>
+              <a:t>) </a:t>
+            </a:r>
+            <a:r>
+              <a:rPr lang="hy-AM" dirty="0"/>
+              <a:t>Օբյեկտների Հայտնաբերում</a:t>
+            </a:r>
+            <a:endParaRPr lang="en-US" dirty="0"/>
+          </a:p>
+        </p:txBody>
+      </p:sp>
+      <p:pic>
+        <p:nvPicPr>
+          <p:cNvPr id="5" name="Content Placeholder 4"/>
+          <p:cNvPicPr>
+            <a:picLocks noGrp="1"/>
+          </p:cNvPicPr>
+          <p:nvPr>
+            <p:ph sz="half" idx="2"/>
+          </p:nvPr>
+        </p:nvPicPr>
+        <p:blipFill>
+          <a:blip r:embed="rId2"/>
+          <a:stretch>
+            <a:fillRect/>
+          </a:stretch>
+        </p:blipFill>
+        <p:spPr>
+          <a:xfrm>
+            <a:off x="685800" y="2867891"/>
+            <a:ext cx="7200900" cy="2795153"/>
+          </a:xfrm>
+          <a:prstGeom prst="rect">
+            <a:avLst/>
+          </a:prstGeom>
+        </p:spPr>
+      </p:pic>
+      <p:pic>
+        <p:nvPicPr>
+          <p:cNvPr id="3074" name="Picture 2" descr="Image result for haar features"/>
+          <p:cNvPicPr>
+            <a:picLocks noChangeAspect="1" noChangeArrowheads="1"/>
+          </p:cNvPicPr>
+          <p:nvPr/>
+        </p:nvPicPr>
+        <p:blipFill>
+          <a:blip r:embed="rId3">
+            <a:extLst>
+              <a:ext uri="{28A0092B-C50C-407E-A947-70E740481C1C}">
+                <a14:useLocalDpi xmlns:a14="http://schemas.microsoft.com/office/drawing/2010/main" val="0"/>
+              </a:ext>
+            </a:extLst>
+          </a:blip>
+          <a:srcRect/>
+          <a:stretch>
+            <a:fillRect/>
+          </a:stretch>
+        </p:blipFill>
+        <p:spPr bwMode="auto">
+          <a:xfrm>
+            <a:off x="8239702" y="2867891"/>
+            <a:ext cx="3552825" cy="2847976"/>
+          </a:xfrm>
+          <a:prstGeom prst="rect">
+            <a:avLst/>
+          </a:prstGeom>
+          <a:noFill/>
+          <a:extLst>
+            <a:ext uri="{909E8E84-426E-40DD-AFC4-6F175D3DCCD1}">
+              <a14:hiddenFill xmlns:a14="http://schemas.microsoft.com/office/drawing/2010/main">
+                <a:solidFill>
+                  <a:srgbClr val="FFFFFF"/>
+                </a:solidFill>
+              </a14:hiddenFill>
+            </a:ext>
+          </a:extLst>
+        </p:spPr>
+      </p:pic>
+    </p:spTree>
+    <p:extLst>
+      <p:ext uri="{BB962C8B-B14F-4D97-AF65-F5344CB8AC3E}">
+        <p14:creationId xmlns:p14="http://schemas.microsoft.com/office/powerpoint/2010/main" val="1650807427"/>
       </p:ext>
     </p:extLst>
   </p:cSld>
@@ -9962,63 +11649,109 @@
           <a:p>
             <a:pPr algn="ctr"/>
             <a:r>
-              <a:rPr lang="hy-AM" dirty="0"/>
-              <a:t>Վիոլա </a:t>
-            </a:r>
-            <a:r>
               <a:rPr lang="hy-AM" dirty="0" smtClean="0"/>
-              <a:t>Ջոհընս</a:t>
-            </a:r>
-            <a:r>
-              <a:rPr lang="en-US" dirty="0" smtClean="0"/>
-              <a:t>(</a:t>
-            </a:r>
-            <a:r>
-              <a:rPr lang="en-US" dirty="0"/>
-              <a:t>Viola Johns</a:t>
-            </a:r>
-            <a:r>
-              <a:rPr lang="en-US" dirty="0" smtClean="0"/>
-              <a:t>) </a:t>
-            </a:r>
-            <a:r>
-              <a:rPr lang="hy-AM" dirty="0"/>
-              <a:t>Օբյեկտների Հայտնաբերում</a:t>
+              <a:t>Եզրակացություն</a:t>
             </a:r>
             <a:endParaRPr lang="en-US" dirty="0"/>
           </a:p>
         </p:txBody>
       </p:sp>
-      <p:pic>
-        <p:nvPicPr>
-          <p:cNvPr id="5" name="Content Placeholder 4"/>
-          <p:cNvPicPr>
-            <a:picLocks noGrp="1"/>
-          </p:cNvPicPr>
-          <p:nvPr>
-            <p:ph sz="half" idx="2"/>
-          </p:nvPr>
-        </p:nvPicPr>
-        <p:blipFill>
-          <a:blip r:embed="rId2"/>
-          <a:stretch>
-            <a:fillRect/>
-          </a:stretch>
-        </p:blipFill>
+      <p:sp>
+        <p:nvSpPr>
+          <p:cNvPr id="4" name="TextBox 3"/>
+          <p:cNvSpPr txBox="1"/>
+          <p:nvPr/>
+        </p:nvSpPr>
         <p:spPr>
           <a:xfrm>
-            <a:off x="685799" y="2867891"/>
-            <a:ext cx="10453255" cy="3699163"/>
+            <a:off x="1215736" y="2504209"/>
+            <a:ext cx="9601490" cy="2308324"/>
           </a:xfrm>
           <a:prstGeom prst="rect">
             <a:avLst/>
           </a:prstGeom>
+          <a:noFill/>
         </p:spPr>
-      </p:pic>
+        <p:txBody>
+          <a:bodyPr wrap="square" rtlCol="0">
+            <a:spAutoFit/>
+          </a:bodyPr>
+          <a:lstStyle/>
+          <a:p>
+            <a:r>
+              <a:rPr lang="hy-AM" dirty="0" smtClean="0"/>
+              <a:t>Կազմվեց ծրագիր, որը հնարավորություն է տալիս վերբեռնել պատկերը</a:t>
+            </a:r>
+            <a:r>
+              <a:rPr lang="en-US" dirty="0" smtClean="0"/>
+              <a:t>, </a:t>
+            </a:r>
+            <a:r>
+              <a:rPr lang="hy-AM" dirty="0" smtClean="0"/>
+              <a:t>նրա վրա կատարել որոշակի փոփոխություններ</a:t>
+            </a:r>
+            <a:r>
+              <a:rPr lang="en-US" dirty="0"/>
+              <a:t>(</a:t>
+            </a:r>
+            <a:r>
+              <a:rPr lang="hy-AM" dirty="0"/>
+              <a:t>իրագործել որոշակի ալգորիթմներ օգտագործողի մուտքագրած արժեքներով</a:t>
+            </a:r>
+            <a:r>
+              <a:rPr lang="en-US" dirty="0"/>
+              <a:t>)</a:t>
+            </a:r>
+            <a:r>
+              <a:rPr lang="hy-AM" dirty="0"/>
+              <a:t> և տեսնել արդյունքը նոր </a:t>
+            </a:r>
+            <a:r>
+              <a:rPr lang="hy-AM" dirty="0" smtClean="0"/>
+              <a:t>պատկերում։ Հնարավորություն է տրվում վերբեռնած պատկերի չափերը փոփոխելու, որպիսի հետագայում պատկերները պահպանելուց հիշողությունից շատ տարածք </a:t>
+            </a:r>
+            <a:r>
+              <a:rPr lang="hy-AM" dirty="0" smtClean="0"/>
+              <a:t>չպահանջ</a:t>
+            </a:r>
+            <a:r>
+              <a:rPr lang="hy-AM" dirty="0" smtClean="0"/>
+              <a:t>վի</a:t>
+            </a:r>
+            <a:r>
+              <a:rPr lang="hy-AM" dirty="0" smtClean="0"/>
+              <a:t>։ </a:t>
+            </a:r>
+            <a:r>
+              <a:rPr lang="hy-AM" dirty="0" smtClean="0"/>
+              <a:t>Ծրագիրը կարողանում է վերբեռնած </a:t>
+            </a:r>
+            <a:r>
+              <a:rPr lang="hy-AM" dirty="0"/>
+              <a:t>պատկերի մեջ հայտնաբերել ուղիղ գծերը, շրջանագծերը,օբյեկտների եզրագծերը, </a:t>
+            </a:r>
+            <a:r>
+              <a:rPr lang="hy-AM" dirty="0" smtClean="0"/>
+              <a:t>առանձնացնել </a:t>
+            </a:r>
+            <a:r>
+              <a:rPr lang="hy-AM" dirty="0"/>
+              <a:t>մարդու դեմքը պատկերից։</a:t>
+            </a:r>
+          </a:p>
+          <a:p>
+            <a:r>
+              <a:rPr lang="hy-AM" dirty="0" smtClean="0"/>
+              <a:t> </a:t>
+            </a:r>
+            <a:endParaRPr lang="en-US" dirty="0"/>
+          </a:p>
+        </p:txBody>
+      </p:sp>
     </p:spTree>
     <p:extLst>
       <p:ext uri="{BB962C8B-B14F-4D97-AF65-F5344CB8AC3E}">
-        <p14:creationId xmlns:p14="http://schemas.microsoft.com/office/powerpoint/2010/main" val="1650807427"/>
+        <p14:creationId xmlns:p14="http://schemas.microsoft.com/office/powerpoint/2010/main" val="2125919640"/>
       </p:ext>
     </p:extLst>
   </p:cSld>
@@ -10067,42 +11800,20 @@
           <a:bodyPr/>
           <a:lstStyle/>
           <a:p>
-            <a:r>
-              <a:rPr lang="hy-AM" i="1" dirty="0"/>
-              <a:t>Հաարի</a:t>
-            </a:r>
-            <a:r>
-              <a:rPr lang="en-US" i="1" dirty="0"/>
-              <a:t>(</a:t>
-            </a:r>
-            <a:r>
-              <a:rPr lang="en-US" i="1" dirty="0" err="1"/>
-              <a:t>Haar</a:t>
-            </a:r>
-            <a:r>
-              <a:rPr lang="en-US" i="1" dirty="0"/>
-              <a:t>) </a:t>
-            </a:r>
-            <a:r>
-              <a:rPr lang="hy-AM" i="1" dirty="0"/>
-              <a:t>հատկություններ</a:t>
-            </a:r>
-            <a:r>
-              <a:rPr lang="en-US" dirty="0"/>
-              <a:t/>
-            </a:r>
-            <a:br>
-              <a:rPr lang="en-US" dirty="0"/>
-            </a:br>
+            <a:pPr algn="ctr"/>
+            <a:r>
+              <a:rPr lang="hy-AM" dirty="0" smtClean="0"/>
+              <a:t>Հարցեր</a:t>
+            </a:r>
             <a:endParaRPr lang="en-US" dirty="0"/>
           </a:p>
         </p:txBody>
       </p:sp>
       <p:pic>
         <p:nvPicPr>
-          <p:cNvPr id="1026" name="Picture 2" descr="Image result for haar features"/>
+          <p:cNvPr id="5" name="Picture 4"/>
           <p:cNvPicPr>
-            <a:picLocks noChangeAspect="1" noChangeArrowheads="1"/>
+            <a:picLocks noChangeAspect="1"/>
           </p:cNvPicPr>
           <p:nvPr/>
         </p:nvPicPr>
@@ -10114,1006 +11825,24 @@
               </a:ext>
             </a:extLst>
           </a:blip>
-          <a:srcRect/>
           <a:stretch>
             <a:fillRect/>
           </a:stretch>
         </p:blipFill>
-        <p:spPr bwMode="auto">
+        <p:spPr>
           <a:xfrm>
-            <a:off x="685801" y="1802257"/>
-            <a:ext cx="5137682" cy="4321951"/>
+            <a:off x="3313113" y="2065866"/>
+            <a:ext cx="4876800" cy="4570461"/>
           </a:xfrm>
           <a:prstGeom prst="rect">
             <a:avLst/>
           </a:prstGeom>
-          <a:noFill/>
-          <a:extLst>
-            <a:ext uri="{909E8E84-426E-40DD-AFC4-6F175D3DCCD1}">
-              <a14:hiddenFill xmlns:a14="http://schemas.microsoft.com/office/drawing/2010/main">
-                <a:solidFill>
-                  <a:srgbClr val="FFFFFF"/>
-                </a:solidFill>
-              </a14:hiddenFill>
-            </a:ext>
-          </a:extLst>
         </p:spPr>
       </p:pic>
     </p:spTree>
     <p:extLst>
       <p:ext uri="{BB962C8B-B14F-4D97-AF65-F5344CB8AC3E}">
-        <p14:creationId xmlns:p14="http://schemas.microsoft.com/office/powerpoint/2010/main" val="1001642880"/>
-      </p:ext>
-    </p:extLst>
-  </p:cSld>
-  <p:clrMapOvr>
-    <a:masterClrMapping/>
-  </p:clrMapOvr>
-  <p:timing>
-    <p:tnLst>
-      <p:par>
-        <p:cTn id="1" dur="indefinite" restart="never" nodeType="tmRoot"/>
-      </p:par>
-    </p:tnLst>
-  </p:timing>
-</p:sld>
-</file>
-
-<file path=ppt/slides/slide19.xml><?xml version="1.0" encoding="utf-8"?>
-<p:sld xmlns:a="http://schemas.openxmlformats.org/drawingml/2006/main" xmlns:r="http://schemas.openxmlformats.org/officeDocument/2006/relationships" xmlns:p="http://schemas.openxmlformats.org/presentationml/2006/main">
-  <p:cSld>
-    <p:spTree>
-      <p:nvGrpSpPr>
-        <p:cNvPr id="1" name=""/>
-        <p:cNvGrpSpPr/>
-        <p:nvPr/>
-      </p:nvGrpSpPr>
-      <p:grpSpPr>
-        <a:xfrm>
-          <a:off x="0" y="0"/>
-          <a:ext cx="0" cy="0"/>
-          <a:chOff x="0" y="0"/>
-          <a:chExt cx="0" cy="0"/>
-        </a:xfrm>
-      </p:grpSpPr>
-      <p:sp>
-        <p:nvSpPr>
-          <p:cNvPr id="2" name="Title 1"/>
-          <p:cNvSpPr>
-            <a:spLocks noGrp="1"/>
-          </p:cNvSpPr>
-          <p:nvPr>
-            <p:ph type="title"/>
-          </p:nvPr>
-        </p:nvSpPr>
-        <p:spPr/>
-        <p:txBody>
-          <a:bodyPr/>
-          <a:lstStyle/>
-          <a:p>
-            <a:pPr algn="ctr"/>
-            <a:r>
-              <a:rPr lang="hy-AM" i="1" dirty="0"/>
-              <a:t>Պատկերը ինտեգրալ պատկերի վերածելու օրինակ</a:t>
-            </a:r>
-            <a:endParaRPr lang="en-US" dirty="0"/>
-          </a:p>
-        </p:txBody>
-      </p:sp>
-      <p:graphicFrame>
-        <p:nvGraphicFramePr>
-          <p:cNvPr id="7" name="Content Placeholder 6"/>
-          <p:cNvGraphicFramePr>
-            <a:graphicFrameLocks noGrp="1"/>
-          </p:cNvGraphicFramePr>
-          <p:nvPr>
-            <p:ph sz="half" idx="2"/>
-            <p:extLst>
-              <p:ext uri="{D42A27DB-BD31-4B8C-83A1-F6EECF244321}">
-                <p14:modId xmlns:p14="http://schemas.microsoft.com/office/powerpoint/2010/main" val="408708369"/>
-              </p:ext>
-            </p:extLst>
-          </p:nvPr>
-        </p:nvGraphicFramePr>
-        <p:xfrm>
-          <a:off x="973670" y="3067165"/>
-          <a:ext cx="2460914" cy="2172700"/>
-        </p:xfrm>
-        <a:graphic>
-          <a:graphicData uri="http://schemas.openxmlformats.org/drawingml/2006/table">
-            <a:tbl>
-              <a:tblPr firstRow="1" firstCol="1" bandRow="1">
-                <a:tableStyleId>{5940675A-B579-460E-94D1-54222C63F5DA}</a:tableStyleId>
-              </a:tblPr>
-              <a:tblGrid>
-                <a:gridCol w="820021">
-                  <a:extLst>
-                    <a:ext uri="{9D8B030D-6E8A-4147-A177-3AD203B41FA5}">
-                      <a16:colId xmlns:a16="http://schemas.microsoft.com/office/drawing/2014/main" xmlns="" val="20000"/>
-                    </a:ext>
-                  </a:extLst>
-                </a:gridCol>
-                <a:gridCol w="820021">
-                  <a:extLst>
-                    <a:ext uri="{9D8B030D-6E8A-4147-A177-3AD203B41FA5}">
-                      <a16:colId xmlns:a16="http://schemas.microsoft.com/office/drawing/2014/main" xmlns="" val="20001"/>
-                    </a:ext>
-                  </a:extLst>
-                </a:gridCol>
-                <a:gridCol w="820872">
-                  <a:extLst>
-                    <a:ext uri="{9D8B030D-6E8A-4147-A177-3AD203B41FA5}">
-                      <a16:colId xmlns:a16="http://schemas.microsoft.com/office/drawing/2014/main" xmlns="" val="20002"/>
-                    </a:ext>
-                  </a:extLst>
-                </a:gridCol>
-              </a:tblGrid>
-              <a:tr h="543175">
-                <a:tc>
-                  <a:txBody>
-                    <a:bodyPr/>
-                    <a:lstStyle/>
-                    <a:p>
-                      <a:pPr marL="228600" algn="ctr">
-                        <a:lnSpc>
-                          <a:spcPct val="150000"/>
-                        </a:lnSpc>
-                        <a:spcAft>
-                          <a:spcPts val="800"/>
-                        </a:spcAft>
-                      </a:pPr>
-                      <a:r>
-                        <a:rPr lang="hy-AM" sz="1200" dirty="0">
-                          <a:effectLst/>
-                        </a:rPr>
-                        <a:t>1</a:t>
-                      </a:r>
-                      <a:endParaRPr lang="en-US" sz="1100" dirty="0">
-                        <a:solidFill>
-                          <a:schemeClr val="bg1"/>
-                        </a:solidFill>
-                        <a:effectLst/>
-                        <a:latin typeface="Calibri" panose="020F0502020204030204" pitchFamily="34" charset="0"/>
-                        <a:ea typeface="Calibri" panose="020F0502020204030204" pitchFamily="34" charset="0"/>
-                        <a:cs typeface="Calibri" panose="020F0502020204030204" pitchFamily="34" charset="0"/>
-                      </a:endParaRPr>
-                    </a:p>
-                  </a:txBody>
-                  <a:tcPr marL="68580" marR="68580" marT="0" marB="0"/>
-                </a:tc>
-                <a:tc>
-                  <a:txBody>
-                    <a:bodyPr/>
-                    <a:lstStyle/>
-                    <a:p>
-                      <a:pPr marL="228600" algn="ctr">
-                        <a:lnSpc>
-                          <a:spcPct val="150000"/>
-                        </a:lnSpc>
-                        <a:spcAft>
-                          <a:spcPts val="800"/>
-                        </a:spcAft>
-                      </a:pPr>
-                      <a:r>
-                        <a:rPr lang="hy-AM" sz="1200" dirty="0">
-                          <a:effectLst/>
-                        </a:rPr>
-                        <a:t>1</a:t>
-                      </a:r>
-                      <a:endParaRPr lang="en-US" sz="1100" dirty="0">
-                        <a:solidFill>
-                          <a:schemeClr val="bg1"/>
-                        </a:solidFill>
-                        <a:effectLst/>
-                        <a:latin typeface="Calibri" panose="020F0502020204030204" pitchFamily="34" charset="0"/>
-                        <a:ea typeface="Calibri" panose="020F0502020204030204" pitchFamily="34" charset="0"/>
-                        <a:cs typeface="Calibri" panose="020F0502020204030204" pitchFamily="34" charset="0"/>
-                      </a:endParaRPr>
-                    </a:p>
-                  </a:txBody>
-                  <a:tcPr marL="68580" marR="68580" marT="0" marB="0"/>
-                </a:tc>
-                <a:tc>
-                  <a:txBody>
-                    <a:bodyPr/>
-                    <a:lstStyle/>
-                    <a:p>
-                      <a:pPr marL="228600" algn="ctr">
-                        <a:lnSpc>
-                          <a:spcPct val="150000"/>
-                        </a:lnSpc>
-                        <a:spcAft>
-                          <a:spcPts val="800"/>
-                        </a:spcAft>
-                      </a:pPr>
-                      <a:r>
-                        <a:rPr lang="hy-AM" sz="1200">
-                          <a:effectLst/>
-                        </a:rPr>
-                        <a:t>1</a:t>
-                      </a:r>
-                      <a:endParaRPr lang="en-US" sz="1100">
-                        <a:solidFill>
-                          <a:schemeClr val="bg1"/>
-                        </a:solidFill>
-                        <a:effectLst/>
-                        <a:latin typeface="Calibri" panose="020F0502020204030204" pitchFamily="34" charset="0"/>
-                        <a:ea typeface="Calibri" panose="020F0502020204030204" pitchFamily="34" charset="0"/>
-                        <a:cs typeface="Calibri" panose="020F0502020204030204" pitchFamily="34" charset="0"/>
-                      </a:endParaRPr>
-                    </a:p>
-                  </a:txBody>
-                  <a:tcPr marL="68580" marR="68580" marT="0" marB="0"/>
-                </a:tc>
-                <a:extLst>
-                  <a:ext uri="{0D108BD9-81ED-4DB2-BD59-A6C34878D82A}">
-                    <a16:rowId xmlns:a16="http://schemas.microsoft.com/office/drawing/2014/main" xmlns="" val="10000"/>
-                  </a:ext>
-                </a:extLst>
-              </a:tr>
-              <a:tr h="543175">
-                <a:tc>
-                  <a:txBody>
-                    <a:bodyPr/>
-                    <a:lstStyle/>
-                    <a:p>
-                      <a:pPr marL="228600" algn="ctr">
-                        <a:lnSpc>
-                          <a:spcPct val="150000"/>
-                        </a:lnSpc>
-                        <a:spcAft>
-                          <a:spcPts val="800"/>
-                        </a:spcAft>
-                      </a:pPr>
-                      <a:r>
-                        <a:rPr lang="hy-AM" sz="1200" dirty="0">
-                          <a:effectLst/>
-                        </a:rPr>
-                        <a:t>1</a:t>
-                      </a:r>
-                      <a:endParaRPr lang="en-US" sz="1100" dirty="0">
-                        <a:solidFill>
-                          <a:schemeClr val="bg1"/>
-                        </a:solidFill>
-                        <a:effectLst/>
-                        <a:latin typeface="Calibri" panose="020F0502020204030204" pitchFamily="34" charset="0"/>
-                        <a:ea typeface="Calibri" panose="020F0502020204030204" pitchFamily="34" charset="0"/>
-                        <a:cs typeface="Calibri" panose="020F0502020204030204" pitchFamily="34" charset="0"/>
-                      </a:endParaRPr>
-                    </a:p>
-                  </a:txBody>
-                  <a:tcPr marL="68580" marR="68580" marT="0" marB="0"/>
-                </a:tc>
-                <a:tc>
-                  <a:txBody>
-                    <a:bodyPr/>
-                    <a:lstStyle/>
-                    <a:p>
-                      <a:pPr marL="228600" algn="ctr">
-                        <a:lnSpc>
-                          <a:spcPct val="150000"/>
-                        </a:lnSpc>
-                        <a:spcAft>
-                          <a:spcPts val="800"/>
-                        </a:spcAft>
-                      </a:pPr>
-                      <a:r>
-                        <a:rPr lang="hy-AM" sz="1200">
-                          <a:effectLst/>
-                        </a:rPr>
-                        <a:t>1</a:t>
-                      </a:r>
-                      <a:endParaRPr lang="en-US" sz="1100">
-                        <a:solidFill>
-                          <a:schemeClr val="bg1"/>
-                        </a:solidFill>
-                        <a:effectLst/>
-                        <a:latin typeface="Calibri" panose="020F0502020204030204" pitchFamily="34" charset="0"/>
-                        <a:ea typeface="Calibri" panose="020F0502020204030204" pitchFamily="34" charset="0"/>
-                        <a:cs typeface="Calibri" panose="020F0502020204030204" pitchFamily="34" charset="0"/>
-                      </a:endParaRPr>
-                    </a:p>
-                  </a:txBody>
-                  <a:tcPr marL="68580" marR="68580" marT="0" marB="0"/>
-                </a:tc>
-                <a:tc>
-                  <a:txBody>
-                    <a:bodyPr/>
-                    <a:lstStyle/>
-                    <a:p>
-                      <a:pPr marL="228600" algn="ctr">
-                        <a:lnSpc>
-                          <a:spcPct val="150000"/>
-                        </a:lnSpc>
-                        <a:spcAft>
-                          <a:spcPts val="800"/>
-                        </a:spcAft>
-                      </a:pPr>
-                      <a:r>
-                        <a:rPr lang="hy-AM" sz="1200">
-                          <a:effectLst/>
-                        </a:rPr>
-                        <a:t>1</a:t>
-                      </a:r>
-                      <a:endParaRPr lang="en-US" sz="1100">
-                        <a:solidFill>
-                          <a:schemeClr val="bg1"/>
-                        </a:solidFill>
-                        <a:effectLst/>
-                        <a:latin typeface="Calibri" panose="020F0502020204030204" pitchFamily="34" charset="0"/>
-                        <a:ea typeface="Calibri" panose="020F0502020204030204" pitchFamily="34" charset="0"/>
-                        <a:cs typeface="Calibri" panose="020F0502020204030204" pitchFamily="34" charset="0"/>
-                      </a:endParaRPr>
-                    </a:p>
-                  </a:txBody>
-                  <a:tcPr marL="68580" marR="68580" marT="0" marB="0"/>
-                </a:tc>
-                <a:extLst>
-                  <a:ext uri="{0D108BD9-81ED-4DB2-BD59-A6C34878D82A}">
-                    <a16:rowId xmlns:a16="http://schemas.microsoft.com/office/drawing/2014/main" xmlns="" val="10001"/>
-                  </a:ext>
-                </a:extLst>
-              </a:tr>
-              <a:tr h="543175">
-                <a:tc>
-                  <a:txBody>
-                    <a:bodyPr/>
-                    <a:lstStyle/>
-                    <a:p>
-                      <a:pPr marL="228600" algn="ctr">
-                        <a:lnSpc>
-                          <a:spcPct val="150000"/>
-                        </a:lnSpc>
-                        <a:spcAft>
-                          <a:spcPts val="800"/>
-                        </a:spcAft>
-                      </a:pPr>
-                      <a:r>
-                        <a:rPr lang="hy-AM" sz="1200" dirty="0">
-                          <a:effectLst/>
-                        </a:rPr>
-                        <a:t>1</a:t>
-                      </a:r>
-                      <a:endParaRPr lang="en-US" sz="1100" dirty="0">
-                        <a:solidFill>
-                          <a:schemeClr val="bg1"/>
-                        </a:solidFill>
-                        <a:effectLst/>
-                        <a:latin typeface="Calibri" panose="020F0502020204030204" pitchFamily="34" charset="0"/>
-                        <a:ea typeface="Calibri" panose="020F0502020204030204" pitchFamily="34" charset="0"/>
-                        <a:cs typeface="Calibri" panose="020F0502020204030204" pitchFamily="34" charset="0"/>
-                      </a:endParaRPr>
-                    </a:p>
-                  </a:txBody>
-                  <a:tcPr marL="68580" marR="68580" marT="0" marB="0"/>
-                </a:tc>
-                <a:tc>
-                  <a:txBody>
-                    <a:bodyPr/>
-                    <a:lstStyle/>
-                    <a:p>
-                      <a:pPr marL="228600" algn="ctr">
-                        <a:lnSpc>
-                          <a:spcPct val="150000"/>
-                        </a:lnSpc>
-                        <a:spcAft>
-                          <a:spcPts val="800"/>
-                        </a:spcAft>
-                      </a:pPr>
-                      <a:r>
-                        <a:rPr lang="hy-AM" sz="1200">
-                          <a:effectLst/>
-                        </a:rPr>
-                        <a:t>1</a:t>
-                      </a:r>
-                      <a:endParaRPr lang="en-US" sz="1100">
-                        <a:solidFill>
-                          <a:schemeClr val="bg1"/>
-                        </a:solidFill>
-                        <a:effectLst/>
-                        <a:latin typeface="Calibri" panose="020F0502020204030204" pitchFamily="34" charset="0"/>
-                        <a:ea typeface="Calibri" panose="020F0502020204030204" pitchFamily="34" charset="0"/>
-                        <a:cs typeface="Calibri" panose="020F0502020204030204" pitchFamily="34" charset="0"/>
-                      </a:endParaRPr>
-                    </a:p>
-                  </a:txBody>
-                  <a:tcPr marL="68580" marR="68580" marT="0" marB="0"/>
-                </a:tc>
-                <a:tc>
-                  <a:txBody>
-                    <a:bodyPr/>
-                    <a:lstStyle/>
-                    <a:p>
-                      <a:pPr marL="228600" algn="ctr">
-                        <a:lnSpc>
-                          <a:spcPct val="150000"/>
-                        </a:lnSpc>
-                        <a:spcAft>
-                          <a:spcPts val="800"/>
-                        </a:spcAft>
-                      </a:pPr>
-                      <a:r>
-                        <a:rPr lang="hy-AM" sz="1200" dirty="0">
-                          <a:effectLst/>
-                        </a:rPr>
-                        <a:t>1</a:t>
-                      </a:r>
-                      <a:endParaRPr lang="en-US" sz="1100" dirty="0">
-                        <a:solidFill>
-                          <a:schemeClr val="bg1"/>
-                        </a:solidFill>
-                        <a:effectLst/>
-                        <a:latin typeface="Calibri" panose="020F0502020204030204" pitchFamily="34" charset="0"/>
-                        <a:ea typeface="Calibri" panose="020F0502020204030204" pitchFamily="34" charset="0"/>
-                        <a:cs typeface="Calibri" panose="020F0502020204030204" pitchFamily="34" charset="0"/>
-                      </a:endParaRPr>
-                    </a:p>
-                  </a:txBody>
-                  <a:tcPr marL="68580" marR="68580" marT="0" marB="0"/>
-                </a:tc>
-                <a:extLst>
-                  <a:ext uri="{0D108BD9-81ED-4DB2-BD59-A6C34878D82A}">
-                    <a16:rowId xmlns:a16="http://schemas.microsoft.com/office/drawing/2014/main" xmlns="" val="10002"/>
-                  </a:ext>
-                </a:extLst>
-              </a:tr>
-              <a:tr h="543175">
-                <a:tc gridSpan="3">
-                  <a:txBody>
-                    <a:bodyPr/>
-                    <a:lstStyle/>
-                    <a:p>
-                      <a:pPr marL="228600" algn="ctr">
-                        <a:lnSpc>
-                          <a:spcPct val="150000"/>
-                        </a:lnSpc>
-                        <a:spcAft>
-                          <a:spcPts val="800"/>
-                        </a:spcAft>
-                      </a:pPr>
-                      <a:r>
-                        <a:rPr lang="hy-AM" sz="1400" dirty="0" smtClean="0">
-                          <a:effectLst/>
-                        </a:rPr>
-                        <a:t>Մուտքային</a:t>
-                      </a:r>
-                      <a:r>
-                        <a:rPr lang="hy-AM" sz="1400" baseline="0" dirty="0" smtClean="0">
-                          <a:effectLst/>
-                        </a:rPr>
-                        <a:t> պատկեր</a:t>
-                      </a:r>
-                      <a:endParaRPr lang="en-US" sz="1400" dirty="0">
-                        <a:solidFill>
-                          <a:schemeClr val="bg1"/>
-                        </a:solidFill>
-                        <a:effectLst/>
-                        <a:latin typeface="Calibri" panose="020F0502020204030204" pitchFamily="34" charset="0"/>
-                        <a:ea typeface="Calibri" panose="020F0502020204030204" pitchFamily="34" charset="0"/>
-                        <a:cs typeface="Calibri" panose="020F0502020204030204" pitchFamily="34" charset="0"/>
-                      </a:endParaRPr>
-                    </a:p>
-                  </a:txBody>
-                  <a:tcPr marL="68580" marR="68580" marT="0" marB="0"/>
-                </a:tc>
-                <a:tc hMerge="1">
-                  <a:txBody>
-                    <a:bodyPr/>
-                    <a:lstStyle/>
-                    <a:p>
-                      <a:pPr marL="228600" algn="ctr">
-                        <a:lnSpc>
-                          <a:spcPct val="150000"/>
-                        </a:lnSpc>
-                        <a:spcAft>
-                          <a:spcPts val="800"/>
-                        </a:spcAft>
-                      </a:pPr>
-                      <a:endParaRPr lang="en-US" sz="1100" dirty="0">
-                        <a:solidFill>
-                          <a:srgbClr val="00000A"/>
-                        </a:solidFill>
-                        <a:effectLst/>
-                        <a:latin typeface="Calibri" panose="020F0502020204030204" pitchFamily="34" charset="0"/>
-                        <a:ea typeface="Calibri" panose="020F0502020204030204" pitchFamily="34" charset="0"/>
-                        <a:cs typeface="Calibri" panose="020F0502020204030204" pitchFamily="34" charset="0"/>
-                      </a:endParaRPr>
-                    </a:p>
-                  </a:txBody>
-                  <a:tcPr marL="68580" marR="68580" marT="0" marB="0"/>
-                </a:tc>
-                <a:tc hMerge="1">
-                  <a:txBody>
-                    <a:bodyPr/>
-                    <a:lstStyle/>
-                    <a:p>
-                      <a:pPr marL="228600" algn="ctr">
-                        <a:lnSpc>
-                          <a:spcPct val="150000"/>
-                        </a:lnSpc>
-                        <a:spcAft>
-                          <a:spcPts val="800"/>
-                        </a:spcAft>
-                      </a:pPr>
-                      <a:endParaRPr lang="en-US" sz="1100" dirty="0">
-                        <a:solidFill>
-                          <a:srgbClr val="00000A"/>
-                        </a:solidFill>
-                        <a:effectLst/>
-                        <a:latin typeface="Calibri" panose="020F0502020204030204" pitchFamily="34" charset="0"/>
-                        <a:ea typeface="Calibri" panose="020F0502020204030204" pitchFamily="34" charset="0"/>
-                        <a:cs typeface="Calibri" panose="020F0502020204030204" pitchFamily="34" charset="0"/>
-                      </a:endParaRPr>
-                    </a:p>
-                  </a:txBody>
-                  <a:tcPr marL="68580" marR="68580" marT="0" marB="0"/>
-                </a:tc>
-                <a:extLst>
-                  <a:ext uri="{0D108BD9-81ED-4DB2-BD59-A6C34878D82A}">
-                    <a16:rowId xmlns:a16="http://schemas.microsoft.com/office/drawing/2014/main" xmlns="" val="10003"/>
-                  </a:ext>
-                </a:extLst>
-              </a:tr>
-            </a:tbl>
-          </a:graphicData>
-        </a:graphic>
-      </p:graphicFrame>
-      <p:graphicFrame>
-        <p:nvGraphicFramePr>
-          <p:cNvPr id="8" name="Content Placeholder 7"/>
-          <p:cNvGraphicFramePr>
-            <a:graphicFrameLocks noGrp="1"/>
-          </p:cNvGraphicFramePr>
-          <p:nvPr>
-            <p:ph sz="quarter" idx="4"/>
-            <p:extLst>
-              <p:ext uri="{D42A27DB-BD31-4B8C-83A1-F6EECF244321}">
-                <p14:modId xmlns:p14="http://schemas.microsoft.com/office/powerpoint/2010/main" val="2850349241"/>
-              </p:ext>
-            </p:extLst>
-          </p:nvPr>
-        </p:nvGraphicFramePr>
-        <p:xfrm>
-          <a:off x="4260852" y="3067165"/>
-          <a:ext cx="2669883" cy="2172700"/>
-        </p:xfrm>
-        <a:graphic>
-          <a:graphicData uri="http://schemas.openxmlformats.org/drawingml/2006/table">
-            <a:tbl>
-              <a:tblPr firstRow="1" firstCol="1" bandRow="1">
-                <a:tableStyleId>{5940675A-B579-460E-94D1-54222C63F5DA}</a:tableStyleId>
-              </a:tblPr>
-              <a:tblGrid>
-                <a:gridCol w="889653">
-                  <a:extLst>
-                    <a:ext uri="{9D8B030D-6E8A-4147-A177-3AD203B41FA5}">
-                      <a16:colId xmlns:a16="http://schemas.microsoft.com/office/drawing/2014/main" xmlns="" val="20000"/>
-                    </a:ext>
-                  </a:extLst>
-                </a:gridCol>
-                <a:gridCol w="889653">
-                  <a:extLst>
-                    <a:ext uri="{9D8B030D-6E8A-4147-A177-3AD203B41FA5}">
-                      <a16:colId xmlns:a16="http://schemas.microsoft.com/office/drawing/2014/main" xmlns="" val="20001"/>
-                    </a:ext>
-                  </a:extLst>
-                </a:gridCol>
-                <a:gridCol w="890577">
-                  <a:extLst>
-                    <a:ext uri="{9D8B030D-6E8A-4147-A177-3AD203B41FA5}">
-                      <a16:colId xmlns:a16="http://schemas.microsoft.com/office/drawing/2014/main" xmlns="" val="20002"/>
-                    </a:ext>
-                  </a:extLst>
-                </a:gridCol>
-              </a:tblGrid>
-              <a:tr h="543175">
-                <a:tc>
-                  <a:txBody>
-                    <a:bodyPr/>
-                    <a:lstStyle/>
-                    <a:p>
-                      <a:pPr marL="228600" algn="ctr">
-                        <a:lnSpc>
-                          <a:spcPct val="150000"/>
-                        </a:lnSpc>
-                        <a:spcAft>
-                          <a:spcPts val="800"/>
-                        </a:spcAft>
-                      </a:pPr>
-                      <a:r>
-                        <a:rPr lang="en-US" sz="1200" dirty="0">
-                          <a:effectLst/>
-                        </a:rPr>
-                        <a:t>1</a:t>
-                      </a:r>
-                      <a:endParaRPr lang="en-US" sz="1100" dirty="0">
-                        <a:solidFill>
-                          <a:srgbClr val="00000A"/>
-                        </a:solidFill>
-                        <a:effectLst/>
-                        <a:latin typeface="Calibri" panose="020F0502020204030204" pitchFamily="34" charset="0"/>
-                        <a:ea typeface="Calibri" panose="020F0502020204030204" pitchFamily="34" charset="0"/>
-                        <a:cs typeface="Calibri" panose="020F0502020204030204" pitchFamily="34" charset="0"/>
-                      </a:endParaRPr>
-                    </a:p>
-                  </a:txBody>
-                  <a:tcPr marL="68580" marR="68580" marT="0" marB="0"/>
-                </a:tc>
-                <a:tc>
-                  <a:txBody>
-                    <a:bodyPr/>
-                    <a:lstStyle/>
-                    <a:p>
-                      <a:pPr marL="228600" algn="ctr">
-                        <a:lnSpc>
-                          <a:spcPct val="150000"/>
-                        </a:lnSpc>
-                        <a:spcAft>
-                          <a:spcPts val="800"/>
-                        </a:spcAft>
-                      </a:pPr>
-                      <a:r>
-                        <a:rPr lang="en-US" sz="1200">
-                          <a:effectLst/>
-                        </a:rPr>
-                        <a:t>2</a:t>
-                      </a:r>
-                      <a:endParaRPr lang="en-US" sz="1100">
-                        <a:solidFill>
-                          <a:srgbClr val="00000A"/>
-                        </a:solidFill>
-                        <a:effectLst/>
-                        <a:latin typeface="Calibri" panose="020F0502020204030204" pitchFamily="34" charset="0"/>
-                        <a:ea typeface="Calibri" panose="020F0502020204030204" pitchFamily="34" charset="0"/>
-                        <a:cs typeface="Calibri" panose="020F0502020204030204" pitchFamily="34" charset="0"/>
-                      </a:endParaRPr>
-                    </a:p>
-                  </a:txBody>
-                  <a:tcPr marL="68580" marR="68580" marT="0" marB="0"/>
-                </a:tc>
-                <a:tc>
-                  <a:txBody>
-                    <a:bodyPr/>
-                    <a:lstStyle/>
-                    <a:p>
-                      <a:pPr marL="228600" algn="ctr">
-                        <a:lnSpc>
-                          <a:spcPct val="150000"/>
-                        </a:lnSpc>
-                        <a:spcAft>
-                          <a:spcPts val="800"/>
-                        </a:spcAft>
-                      </a:pPr>
-                      <a:r>
-                        <a:rPr lang="en-US" sz="1200">
-                          <a:effectLst/>
-                        </a:rPr>
-                        <a:t>3</a:t>
-                      </a:r>
-                      <a:endParaRPr lang="en-US" sz="1100">
-                        <a:solidFill>
-                          <a:srgbClr val="00000A"/>
-                        </a:solidFill>
-                        <a:effectLst/>
-                        <a:latin typeface="Calibri" panose="020F0502020204030204" pitchFamily="34" charset="0"/>
-                        <a:ea typeface="Calibri" panose="020F0502020204030204" pitchFamily="34" charset="0"/>
-                        <a:cs typeface="Calibri" panose="020F0502020204030204" pitchFamily="34" charset="0"/>
-                      </a:endParaRPr>
-                    </a:p>
-                  </a:txBody>
-                  <a:tcPr marL="68580" marR="68580" marT="0" marB="0"/>
-                </a:tc>
-                <a:extLst>
-                  <a:ext uri="{0D108BD9-81ED-4DB2-BD59-A6C34878D82A}">
-                    <a16:rowId xmlns:a16="http://schemas.microsoft.com/office/drawing/2014/main" xmlns="" val="10000"/>
-                  </a:ext>
-                </a:extLst>
-              </a:tr>
-              <a:tr h="543175">
-                <a:tc>
-                  <a:txBody>
-                    <a:bodyPr/>
-                    <a:lstStyle/>
-                    <a:p>
-                      <a:pPr marL="228600" algn="ctr">
-                        <a:lnSpc>
-                          <a:spcPct val="150000"/>
-                        </a:lnSpc>
-                        <a:spcAft>
-                          <a:spcPts val="800"/>
-                        </a:spcAft>
-                      </a:pPr>
-                      <a:r>
-                        <a:rPr lang="en-US" sz="1200" dirty="0">
-                          <a:effectLst/>
-                        </a:rPr>
-                        <a:t>2</a:t>
-                      </a:r>
-                      <a:endParaRPr lang="en-US" sz="1100" dirty="0">
-                        <a:solidFill>
-                          <a:srgbClr val="00000A"/>
-                        </a:solidFill>
-                        <a:effectLst/>
-                        <a:latin typeface="Calibri" panose="020F0502020204030204" pitchFamily="34" charset="0"/>
-                        <a:ea typeface="Calibri" panose="020F0502020204030204" pitchFamily="34" charset="0"/>
-                        <a:cs typeface="Calibri" panose="020F0502020204030204" pitchFamily="34" charset="0"/>
-                      </a:endParaRPr>
-                    </a:p>
-                  </a:txBody>
-                  <a:tcPr marL="68580" marR="68580" marT="0" marB="0"/>
-                </a:tc>
-                <a:tc>
-                  <a:txBody>
-                    <a:bodyPr/>
-                    <a:lstStyle/>
-                    <a:p>
-                      <a:pPr marL="228600" algn="ctr">
-                        <a:lnSpc>
-                          <a:spcPct val="150000"/>
-                        </a:lnSpc>
-                        <a:spcAft>
-                          <a:spcPts val="800"/>
-                        </a:spcAft>
-                      </a:pPr>
-                      <a:r>
-                        <a:rPr lang="en-US" sz="1200">
-                          <a:effectLst/>
-                        </a:rPr>
-                        <a:t>4</a:t>
-                      </a:r>
-                      <a:endParaRPr lang="en-US" sz="1100">
-                        <a:solidFill>
-                          <a:srgbClr val="00000A"/>
-                        </a:solidFill>
-                        <a:effectLst/>
-                        <a:latin typeface="Calibri" panose="020F0502020204030204" pitchFamily="34" charset="0"/>
-                        <a:ea typeface="Calibri" panose="020F0502020204030204" pitchFamily="34" charset="0"/>
-                        <a:cs typeface="Calibri" panose="020F0502020204030204" pitchFamily="34" charset="0"/>
-                      </a:endParaRPr>
-                    </a:p>
-                  </a:txBody>
-                  <a:tcPr marL="68580" marR="68580" marT="0" marB="0"/>
-                </a:tc>
-                <a:tc>
-                  <a:txBody>
-                    <a:bodyPr/>
-                    <a:lstStyle/>
-                    <a:p>
-                      <a:pPr marL="228600" algn="ctr">
-                        <a:lnSpc>
-                          <a:spcPct val="150000"/>
-                        </a:lnSpc>
-                        <a:spcAft>
-                          <a:spcPts val="800"/>
-                        </a:spcAft>
-                      </a:pPr>
-                      <a:r>
-                        <a:rPr lang="en-US" sz="1200">
-                          <a:effectLst/>
-                        </a:rPr>
-                        <a:t>6</a:t>
-                      </a:r>
-                      <a:endParaRPr lang="en-US" sz="1100">
-                        <a:solidFill>
-                          <a:srgbClr val="00000A"/>
-                        </a:solidFill>
-                        <a:effectLst/>
-                        <a:latin typeface="Calibri" panose="020F0502020204030204" pitchFamily="34" charset="0"/>
-                        <a:ea typeface="Calibri" panose="020F0502020204030204" pitchFamily="34" charset="0"/>
-                        <a:cs typeface="Calibri" panose="020F0502020204030204" pitchFamily="34" charset="0"/>
-                      </a:endParaRPr>
-                    </a:p>
-                  </a:txBody>
-                  <a:tcPr marL="68580" marR="68580" marT="0" marB="0"/>
-                </a:tc>
-                <a:extLst>
-                  <a:ext uri="{0D108BD9-81ED-4DB2-BD59-A6C34878D82A}">
-                    <a16:rowId xmlns:a16="http://schemas.microsoft.com/office/drawing/2014/main" xmlns="" val="10001"/>
-                  </a:ext>
-                </a:extLst>
-              </a:tr>
-              <a:tr h="543175">
-                <a:tc>
-                  <a:txBody>
-                    <a:bodyPr/>
-                    <a:lstStyle/>
-                    <a:p>
-                      <a:pPr marL="228600" algn="ctr">
-                        <a:lnSpc>
-                          <a:spcPct val="150000"/>
-                        </a:lnSpc>
-                        <a:spcAft>
-                          <a:spcPts val="800"/>
-                        </a:spcAft>
-                      </a:pPr>
-                      <a:r>
-                        <a:rPr lang="en-US" sz="1200" dirty="0">
-                          <a:effectLst/>
-                        </a:rPr>
-                        <a:t>3</a:t>
-                      </a:r>
-                      <a:endParaRPr lang="en-US" sz="1100" dirty="0">
-                        <a:solidFill>
-                          <a:srgbClr val="00000A"/>
-                        </a:solidFill>
-                        <a:effectLst/>
-                        <a:latin typeface="Calibri" panose="020F0502020204030204" pitchFamily="34" charset="0"/>
-                        <a:ea typeface="Calibri" panose="020F0502020204030204" pitchFamily="34" charset="0"/>
-                        <a:cs typeface="Calibri" panose="020F0502020204030204" pitchFamily="34" charset="0"/>
-                      </a:endParaRPr>
-                    </a:p>
-                  </a:txBody>
-                  <a:tcPr marL="68580" marR="68580" marT="0" marB="0"/>
-                </a:tc>
-                <a:tc>
-                  <a:txBody>
-                    <a:bodyPr/>
-                    <a:lstStyle/>
-                    <a:p>
-                      <a:pPr marL="228600" algn="ctr">
-                        <a:lnSpc>
-                          <a:spcPct val="150000"/>
-                        </a:lnSpc>
-                        <a:spcAft>
-                          <a:spcPts val="800"/>
-                        </a:spcAft>
-                      </a:pPr>
-                      <a:r>
-                        <a:rPr lang="en-US" sz="1200" dirty="0">
-                          <a:effectLst/>
-                        </a:rPr>
-                        <a:t>6</a:t>
-                      </a:r>
-                      <a:endParaRPr lang="en-US" sz="1100" dirty="0">
-                        <a:solidFill>
-                          <a:srgbClr val="00000A"/>
-                        </a:solidFill>
-                        <a:effectLst/>
-                        <a:latin typeface="Calibri" panose="020F0502020204030204" pitchFamily="34" charset="0"/>
-                        <a:ea typeface="Calibri" panose="020F0502020204030204" pitchFamily="34" charset="0"/>
-                        <a:cs typeface="Calibri" panose="020F0502020204030204" pitchFamily="34" charset="0"/>
-                      </a:endParaRPr>
-                    </a:p>
-                  </a:txBody>
-                  <a:tcPr marL="68580" marR="68580" marT="0" marB="0"/>
-                </a:tc>
-                <a:tc>
-                  <a:txBody>
-                    <a:bodyPr/>
-                    <a:lstStyle/>
-                    <a:p>
-                      <a:pPr marL="228600" algn="ctr">
-                        <a:lnSpc>
-                          <a:spcPct val="150000"/>
-                        </a:lnSpc>
-                        <a:spcAft>
-                          <a:spcPts val="800"/>
-                        </a:spcAft>
-                      </a:pPr>
-                      <a:r>
-                        <a:rPr lang="en-US" sz="1200" dirty="0">
-                          <a:effectLst/>
-                        </a:rPr>
-                        <a:t>9</a:t>
-                      </a:r>
-                      <a:endParaRPr lang="en-US" sz="1100" dirty="0">
-                        <a:solidFill>
-                          <a:srgbClr val="00000A"/>
-                        </a:solidFill>
-                        <a:effectLst/>
-                        <a:latin typeface="Calibri" panose="020F0502020204030204" pitchFamily="34" charset="0"/>
-                        <a:ea typeface="Calibri" panose="020F0502020204030204" pitchFamily="34" charset="0"/>
-                        <a:cs typeface="Calibri" panose="020F0502020204030204" pitchFamily="34" charset="0"/>
-                      </a:endParaRPr>
-                    </a:p>
-                  </a:txBody>
-                  <a:tcPr marL="68580" marR="68580" marT="0" marB="0"/>
-                </a:tc>
-                <a:extLst>
-                  <a:ext uri="{0D108BD9-81ED-4DB2-BD59-A6C34878D82A}">
-                    <a16:rowId xmlns:a16="http://schemas.microsoft.com/office/drawing/2014/main" xmlns="" val="10002"/>
-                  </a:ext>
-                </a:extLst>
-              </a:tr>
-              <a:tr h="543175">
-                <a:tc gridSpan="3">
-                  <a:txBody>
-                    <a:bodyPr/>
-                    <a:lstStyle/>
-                    <a:p>
-                      <a:pPr marL="228600" algn="ctr">
-                        <a:lnSpc>
-                          <a:spcPct val="150000"/>
-                        </a:lnSpc>
-                        <a:spcAft>
-                          <a:spcPts val="800"/>
-                        </a:spcAft>
-                      </a:pPr>
-                      <a:r>
-                        <a:rPr lang="hy-AM" sz="1400" dirty="0" smtClean="0">
-                          <a:effectLst/>
-                        </a:rPr>
-                        <a:t>Ինտեգրալ պատկեր</a:t>
-                      </a:r>
-                      <a:endParaRPr lang="en-US" sz="1400" dirty="0">
-                        <a:solidFill>
-                          <a:srgbClr val="00000A"/>
-                        </a:solidFill>
-                        <a:effectLst/>
-                        <a:latin typeface="Calibri" panose="020F0502020204030204" pitchFamily="34" charset="0"/>
-                        <a:ea typeface="Calibri" panose="020F0502020204030204" pitchFamily="34" charset="0"/>
-                        <a:cs typeface="Calibri" panose="020F0502020204030204" pitchFamily="34" charset="0"/>
-                      </a:endParaRPr>
-                    </a:p>
-                  </a:txBody>
-                  <a:tcPr marL="68580" marR="68580" marT="0" marB="0"/>
-                </a:tc>
-                <a:tc hMerge="1">
-                  <a:txBody>
-                    <a:bodyPr/>
-                    <a:lstStyle/>
-                    <a:p>
-                      <a:pPr marL="228600" algn="ctr">
-                        <a:lnSpc>
-                          <a:spcPct val="150000"/>
-                        </a:lnSpc>
-                        <a:spcAft>
-                          <a:spcPts val="800"/>
-                        </a:spcAft>
-                      </a:pPr>
-                      <a:endParaRPr lang="en-US" sz="1100" dirty="0">
-                        <a:solidFill>
-                          <a:srgbClr val="00000A"/>
-                        </a:solidFill>
-                        <a:effectLst/>
-                        <a:latin typeface="Calibri" panose="020F0502020204030204" pitchFamily="34" charset="0"/>
-                        <a:ea typeface="Calibri" panose="020F0502020204030204" pitchFamily="34" charset="0"/>
-                        <a:cs typeface="Calibri" panose="020F0502020204030204" pitchFamily="34" charset="0"/>
-                      </a:endParaRPr>
-                    </a:p>
-                  </a:txBody>
-                  <a:tcPr marL="68580" marR="68580" marT="0" marB="0"/>
-                </a:tc>
-                <a:tc hMerge="1">
-                  <a:txBody>
-                    <a:bodyPr/>
-                    <a:lstStyle/>
-                    <a:p>
-                      <a:pPr marL="228600" algn="ctr">
-                        <a:lnSpc>
-                          <a:spcPct val="150000"/>
-                        </a:lnSpc>
-                        <a:spcAft>
-                          <a:spcPts val="800"/>
-                        </a:spcAft>
-                      </a:pPr>
-                      <a:endParaRPr lang="en-US" sz="1100" dirty="0">
-                        <a:solidFill>
-                          <a:srgbClr val="00000A"/>
-                        </a:solidFill>
-                        <a:effectLst/>
-                        <a:latin typeface="Calibri" panose="020F0502020204030204" pitchFamily="34" charset="0"/>
-                        <a:ea typeface="Calibri" panose="020F0502020204030204" pitchFamily="34" charset="0"/>
-                        <a:cs typeface="Calibri" panose="020F0502020204030204" pitchFamily="34" charset="0"/>
-                      </a:endParaRPr>
-                    </a:p>
-                  </a:txBody>
-                  <a:tcPr marL="68580" marR="68580" marT="0" marB="0"/>
-                </a:tc>
-                <a:extLst>
-                  <a:ext uri="{0D108BD9-81ED-4DB2-BD59-A6C34878D82A}">
-                    <a16:rowId xmlns:a16="http://schemas.microsoft.com/office/drawing/2014/main" xmlns="" val="10003"/>
-                  </a:ext>
-                </a:extLst>
-              </a:tr>
-            </a:tbl>
-          </a:graphicData>
-        </a:graphic>
-      </p:graphicFrame>
-    </p:spTree>
-    <p:extLst>
-      <p:ext uri="{BB962C8B-B14F-4D97-AF65-F5344CB8AC3E}">
-        <p14:creationId xmlns:p14="http://schemas.microsoft.com/office/powerpoint/2010/main" val="2908836663"/>
+        <p14:creationId xmlns:p14="http://schemas.microsoft.com/office/powerpoint/2010/main" val="2377849545"/>
       </p:ext>
     </p:extLst>
   </p:cSld>
@@ -11165,11 +11894,7 @@
             <a:pPr algn="ctr"/>
             <a:r>
               <a:rPr lang="hy-AM" dirty="0" smtClean="0"/>
-              <a:t>Խնդրի </a:t>
-            </a:r>
-            <a:r>
-              <a:rPr lang="hy-AM" dirty="0" smtClean="0"/>
-              <a:t>դրվածք</a:t>
+              <a:t>Խնդրի դրվածք</a:t>
             </a:r>
             <a:r>
               <a:rPr lang="hy-AM" dirty="0"/>
@@ -11203,15 +11928,7 @@
           <a:p>
             <a:r>
               <a:rPr lang="hy-AM" dirty="0" smtClean="0"/>
-              <a:t>Ուսումնասիրել պատկերների հետ </a:t>
-            </a:r>
-            <a:r>
-              <a:rPr lang="hy-AM" dirty="0" smtClean="0"/>
-              <a:t>աշխատանքը, որի արդյունքում </a:t>
-            </a:r>
-            <a:r>
-              <a:rPr lang="hy-AM" dirty="0" smtClean="0"/>
-              <a:t>ստեղծել ծրագիր, որը կտա հետևյալ հնարավորությունները՝</a:t>
+              <a:t>Ուսումնասիրել պատկերների հետ աշխատանքը, որի արդյունքում ստեղծել ծրագիր, որը կտա հետևյալ հնարավորությունները՝</a:t>
             </a:r>
           </a:p>
           <a:p>
@@ -11221,19 +11938,7 @@
             </a:pPr>
             <a:r>
               <a:rPr lang="hy-AM" dirty="0" smtClean="0"/>
-              <a:t>վերբեռնել պատկերը, </a:t>
-            </a:r>
-            <a:r>
-              <a:rPr lang="hy-AM" dirty="0" smtClean="0"/>
-              <a:t>որի վրա </a:t>
-            </a:r>
-            <a:r>
-              <a:rPr lang="hy-AM" dirty="0" smtClean="0"/>
-              <a:t>կատարել </a:t>
-            </a:r>
-            <a:r>
-              <a:rPr lang="hy-AM" dirty="0" smtClean="0"/>
-              <a:t>որոշակի փոփոխություններ</a:t>
+              <a:t>վերբեռնել պատկերը, որի վրա կատարել որոշակի փոփոխություններ</a:t>
             </a:r>
             <a:r>
               <a:rPr lang="en-US" dirty="0" smtClean="0"/>
@@ -11253,13 +11958,8 @@
             </a:r>
             <a:r>
               <a:rPr lang="hy-AM" dirty="0" smtClean="0"/>
-              <a:t> և տեսնել արդյունքը նոր </a:t>
-            </a:r>
-            <a:r>
-              <a:rPr lang="hy-AM" dirty="0" smtClean="0"/>
-              <a:t>պատկերում</a:t>
-            </a:r>
-            <a:endParaRPr lang="hy-AM" dirty="0" smtClean="0"/>
+              <a:t> և տեսնել արդյունքը նոր պատկերում</a:t>
+            </a:r>
           </a:p>
           <a:p>
             <a:pPr marL="285750" indent="-285750">
@@ -11268,19 +11968,7 @@
             </a:pPr>
             <a:r>
               <a:rPr lang="hy-AM" dirty="0" smtClean="0"/>
-              <a:t>մեծացնել </a:t>
-            </a:r>
-            <a:r>
-              <a:rPr lang="hy-AM" dirty="0" smtClean="0"/>
-              <a:t>և </a:t>
-            </a:r>
-            <a:r>
-              <a:rPr lang="hy-AM" dirty="0" smtClean="0"/>
-              <a:t>փոքրացնել </a:t>
-            </a:r>
-            <a:r>
-              <a:rPr lang="hy-AM" dirty="0" smtClean="0"/>
-              <a:t>վերբեռնած պատկերի չափերը</a:t>
+              <a:t>մեծացնել և փոքրացնել վերբեռնած պատկերի չափերը</a:t>
             </a:r>
           </a:p>
           <a:p>
@@ -11290,29 +11978,8 @@
             </a:pPr>
             <a:r>
               <a:rPr lang="hy-AM" dirty="0" smtClean="0"/>
-              <a:t>վերբեռնած պատկերի մեջ </a:t>
-            </a:r>
-            <a:r>
-              <a:rPr lang="hy-AM" dirty="0" smtClean="0"/>
-              <a:t>հայտնաբերել </a:t>
-            </a:r>
-            <a:r>
-              <a:rPr lang="hy-AM" dirty="0" smtClean="0"/>
-              <a:t>ուղիղ գծերը, շրջանագծերը,օբյեկտների եզրագծերը, </a:t>
-            </a:r>
-            <a:r>
-              <a:rPr lang="hy-AM" dirty="0" smtClean="0"/>
-              <a:t>կարողանալ </a:t>
-            </a:r>
-            <a:r>
-              <a:rPr lang="hy-AM" dirty="0" smtClean="0"/>
-              <a:t>առանձնացնել մարդու դեմքը </a:t>
-            </a:r>
-            <a:r>
-              <a:rPr lang="hy-AM" dirty="0" smtClean="0"/>
-              <a:t>պատկերից։</a:t>
-            </a:r>
-            <a:endParaRPr lang="hy-AM" dirty="0" smtClean="0"/>
+              <a:t>վերբեռնած պատկերի մեջ հայտնաբերել ուղիղ գծերը, շրջանագծերը,օբյեկտների եզրագծերը, կարողանալ առանձնացնել մարդու դեմքը պատկերից։</a:t>
+            </a:r>
           </a:p>
         </p:txBody>
       </p:sp>
@@ -11350,7 +12017,7 @@
                             </p:stCondLst>
                             <p:childTnLst>
                               <p:par>
-                                <p:cTn id="5" presetID="10" presetClass="entr" presetSubtype="0" fill="hold" grpId="0" nodeType="afterEffect">
+                                <p:cTn id="5" presetID="1" presetClass="entr" presetSubtype="0" fill="hold" grpId="0" nodeType="afterEffect">
                                   <p:stCondLst>
                                     <p:cond delay="0"/>
                                   </p:stCondLst>
@@ -11373,14 +12040,6 @@
                                         <p:strVal val="visible"/>
                                       </p:to>
                                     </p:set>
-                                    <p:animEffect transition="in" filter="fade">
-                                      <p:cBhvr>
-                                        <p:cTn id="7" dur="500"/>
-                                        <p:tgtEl>
-                                          <p:spTgt spid="2"/>
-                                        </p:tgtEl>
-                                      </p:cBhvr>
-                                    </p:animEffect>
                                   </p:childTnLst>
                                 </p:cTn>
                               </p:par>
@@ -11388,20 +12047,20 @@
                           </p:cTn>
                         </p:par>
                         <p:par>
-                          <p:cTn id="8" fill="hold">
+                          <p:cTn id="7" fill="hold">
                             <p:stCondLst>
-                              <p:cond delay="500"/>
+                              <p:cond delay="0"/>
                             </p:stCondLst>
                             <p:childTnLst>
                               <p:par>
-                                <p:cTn id="9" presetID="10" presetClass="entr" presetSubtype="0" fill="hold" grpId="0" nodeType="afterEffect">
+                                <p:cTn id="8" presetID="1" presetClass="entr" presetSubtype="0" fill="hold" grpId="0" nodeType="afterEffect">
                                   <p:stCondLst>
                                     <p:cond delay="0"/>
                                   </p:stCondLst>
                                   <p:childTnLst>
                                     <p:set>
                                       <p:cBhvr>
-                                        <p:cTn id="10" dur="1" fill="hold">
+                                        <p:cTn id="9" dur="1" fill="hold">
                                           <p:stCondLst>
                                             <p:cond delay="0"/>
                                           </p:stCondLst>
@@ -11417,14 +12076,6 @@
                                         <p:strVal val="visible"/>
                                       </p:to>
                                     </p:set>
-                                    <p:animEffect transition="in" filter="fade">
-                                      <p:cBhvr>
-                                        <p:cTn id="11" dur="500"/>
-                                        <p:tgtEl>
-                                          <p:spTgt spid="3"/>
-                                        </p:tgtEl>
-                                      </p:cBhvr>
-                                    </p:animEffect>
                                   </p:childTnLst>
                                 </p:cTn>
                               </p:par>
@@ -11463,713 +12114,6 @@
 </p:sld>
 </file>
 
-<file path=ppt/slides/slide20.xml><?xml version="1.0" encoding="utf-8"?>
-<p:sld xmlns:a="http://schemas.openxmlformats.org/drawingml/2006/main" xmlns:r="http://schemas.openxmlformats.org/officeDocument/2006/relationships" xmlns:p="http://schemas.openxmlformats.org/presentationml/2006/main">
-  <p:cSld>
-    <p:spTree>
-      <p:nvGrpSpPr>
-        <p:cNvPr id="1" name=""/>
-        <p:cNvGrpSpPr/>
-        <p:nvPr/>
-      </p:nvGrpSpPr>
-      <p:grpSpPr>
-        <a:xfrm>
-          <a:off x="0" y="0"/>
-          <a:ext cx="0" cy="0"/>
-          <a:chOff x="0" y="0"/>
-          <a:chExt cx="0" cy="0"/>
-        </a:xfrm>
-      </p:grpSpPr>
-      <p:sp>
-        <p:nvSpPr>
-          <p:cNvPr id="2" name="Title 1"/>
-          <p:cNvSpPr>
-            <a:spLocks noGrp="1"/>
-          </p:cNvSpPr>
-          <p:nvPr>
-            <p:ph type="title"/>
-          </p:nvPr>
-        </p:nvSpPr>
-        <p:spPr/>
-        <p:txBody>
-          <a:bodyPr/>
-          <a:lstStyle/>
-          <a:p>
-            <a:r>
-              <a:rPr lang="hy-AM" dirty="0"/>
-              <a:t>ԱդաԲուստ</a:t>
-            </a:r>
-            <a:r>
-              <a:rPr lang="en-US" dirty="0"/>
-              <a:t>(</a:t>
-            </a:r>
-            <a:r>
-              <a:rPr lang="hy-AM" dirty="0"/>
-              <a:t>AdaBoost</a:t>
-            </a:r>
-            <a:r>
-              <a:rPr lang="en-US" dirty="0" smtClean="0"/>
-              <a:t>)</a:t>
-            </a:r>
-            <a:r>
-              <a:rPr lang="hy-AM" dirty="0" smtClean="0"/>
-              <a:t> մետա-ալգորիթմ</a:t>
-            </a:r>
-            <a:endParaRPr lang="en-US" dirty="0"/>
-          </a:p>
-        </p:txBody>
-      </p:sp>
-      <mc:AlternateContent xmlns:mc="http://schemas.openxmlformats.org/markup-compatibility/2006" xmlns:a14="http://schemas.microsoft.com/office/drawing/2010/main">
-        <mc:Choice Requires="a14">
-          <p:sp>
-            <p:nvSpPr>
-              <p:cNvPr id="4" name="Content Placeholder 3"/>
-              <p:cNvSpPr>
-                <a:spLocks noGrp="1"/>
-              </p:cNvSpPr>
-              <p:nvPr>
-                <p:ph sz="half" idx="2"/>
-              </p:nvPr>
-            </p:nvSpPr>
-            <p:spPr/>
-            <p:txBody>
-              <a:bodyPr/>
-              <a:lstStyle/>
-              <a:p>
-                <a:r>
-                  <a:rPr lang="en-US" dirty="0"/>
-                  <a:t>H(x) = sign(</a:t>
-                </a:r>
-                <a14:m>
-                  <m:oMath xmlns:m="http://schemas.openxmlformats.org/officeDocument/2006/math">
-                    <m:sSub>
-                      <m:sSubPr>
-                        <m:ctrlPr>
-                          <a:rPr lang="en-US" i="1">
-                            <a:latin typeface="Cambria Math" panose="02040503050406030204" pitchFamily="18" charset="0"/>
-                          </a:rPr>
-                        </m:ctrlPr>
-                      </m:sSubPr>
-                      <m:e>
-                        <m:r>
-                          <m:rPr>
-                            <m:sty m:val="p"/>
-                          </m:rPr>
-                          <a:rPr lang="en-US">
-                            <a:latin typeface="Cambria Math" panose="02040503050406030204" pitchFamily="18" charset="0"/>
-                          </a:rPr>
-                          <m:t>α</m:t>
-                        </m:r>
-                      </m:e>
-                      <m:sub>
-                        <m:r>
-                          <a:rPr lang="en-US" i="1">
-                            <a:latin typeface="Cambria Math" panose="02040503050406030204" pitchFamily="18" charset="0"/>
-                          </a:rPr>
-                          <m:t>1</m:t>
-                        </m:r>
-                      </m:sub>
-                    </m:sSub>
-                    <m:sSub>
-                      <m:sSubPr>
-                        <m:ctrlPr>
-                          <a:rPr lang="en-US" i="1">
-                            <a:latin typeface="Cambria Math" panose="02040503050406030204" pitchFamily="18" charset="0"/>
-                          </a:rPr>
-                        </m:ctrlPr>
-                      </m:sSubPr>
-                      <m:e>
-                        <m:r>
-                          <a:rPr lang="en-US" i="1">
-                            <a:latin typeface="Cambria Math" panose="02040503050406030204" pitchFamily="18" charset="0"/>
-                          </a:rPr>
-                          <m:t>h</m:t>
-                        </m:r>
-                      </m:e>
-                      <m:sub>
-                        <m:r>
-                          <a:rPr lang="en-US" i="1">
-                            <a:latin typeface="Cambria Math" panose="02040503050406030204" pitchFamily="18" charset="0"/>
-                          </a:rPr>
-                          <m:t>1</m:t>
-                        </m:r>
-                      </m:sub>
-                    </m:sSub>
-                  </m:oMath>
-                </a14:m>
-                <a:r>
-                  <a:rPr lang="en-US" dirty="0"/>
-                  <a:t>(x) + </a:t>
-                </a:r>
-                <a14:m>
-                  <m:oMath xmlns:m="http://schemas.openxmlformats.org/officeDocument/2006/math">
-                    <m:sSub>
-                      <m:sSubPr>
-                        <m:ctrlPr>
-                          <a:rPr lang="en-US" i="1">
-                            <a:latin typeface="Cambria Math" panose="02040503050406030204" pitchFamily="18" charset="0"/>
-                          </a:rPr>
-                        </m:ctrlPr>
-                      </m:sSubPr>
-                      <m:e>
-                        <m:r>
-                          <m:rPr>
-                            <m:sty m:val="p"/>
-                          </m:rPr>
-                          <a:rPr lang="en-US">
-                            <a:latin typeface="Cambria Math" panose="02040503050406030204" pitchFamily="18" charset="0"/>
-                          </a:rPr>
-                          <m:t>α</m:t>
-                        </m:r>
-                      </m:e>
-                      <m:sub>
-                        <m:r>
-                          <a:rPr lang="en-US" i="1">
-                            <a:latin typeface="Cambria Math" panose="02040503050406030204" pitchFamily="18" charset="0"/>
-                          </a:rPr>
-                          <m:t>2</m:t>
-                        </m:r>
-                      </m:sub>
-                    </m:sSub>
-                    <m:sSub>
-                      <m:sSubPr>
-                        <m:ctrlPr>
-                          <a:rPr lang="en-US" i="1">
-                            <a:latin typeface="Cambria Math" panose="02040503050406030204" pitchFamily="18" charset="0"/>
-                          </a:rPr>
-                        </m:ctrlPr>
-                      </m:sSubPr>
-                      <m:e>
-                        <m:r>
-                          <a:rPr lang="en-US" i="1">
-                            <a:latin typeface="Cambria Math" panose="02040503050406030204" pitchFamily="18" charset="0"/>
-                          </a:rPr>
-                          <m:t>h</m:t>
-                        </m:r>
-                      </m:e>
-                      <m:sub>
-                        <m:r>
-                          <a:rPr lang="en-US" i="1">
-                            <a:latin typeface="Cambria Math" panose="02040503050406030204" pitchFamily="18" charset="0"/>
-                          </a:rPr>
-                          <m:t>2</m:t>
-                        </m:r>
-                      </m:sub>
-                    </m:sSub>
-                  </m:oMath>
-                </a14:m>
-                <a:r>
-                  <a:rPr lang="en-US" dirty="0"/>
-                  <a:t>(x) + … + </a:t>
-                </a:r>
-                <a14:m>
-                  <m:oMath xmlns:m="http://schemas.openxmlformats.org/officeDocument/2006/math">
-                    <m:sSub>
-                      <m:sSubPr>
-                        <m:ctrlPr>
-                          <a:rPr lang="en-US" i="1">
-                            <a:latin typeface="Cambria Math" panose="02040503050406030204" pitchFamily="18" charset="0"/>
-                          </a:rPr>
-                        </m:ctrlPr>
-                      </m:sSubPr>
-                      <m:e>
-                        <m:r>
-                          <m:rPr>
-                            <m:sty m:val="p"/>
-                          </m:rPr>
-                          <a:rPr lang="en-US">
-                            <a:latin typeface="Cambria Math" panose="02040503050406030204" pitchFamily="18" charset="0"/>
-                          </a:rPr>
-                          <m:t>α</m:t>
-                        </m:r>
-                      </m:e>
-                      <m:sub>
-                        <m:r>
-                          <a:rPr lang="en-US" i="1">
-                            <a:latin typeface="Cambria Math" panose="02040503050406030204" pitchFamily="18" charset="0"/>
-                          </a:rPr>
-                          <m:t>𝑇</m:t>
-                        </m:r>
-                      </m:sub>
-                    </m:sSub>
-                    <m:sSub>
-                      <m:sSubPr>
-                        <m:ctrlPr>
-                          <a:rPr lang="en-US" i="1">
-                            <a:latin typeface="Cambria Math" panose="02040503050406030204" pitchFamily="18" charset="0"/>
-                          </a:rPr>
-                        </m:ctrlPr>
-                      </m:sSubPr>
-                      <m:e>
-                        <m:r>
-                          <a:rPr lang="en-US" i="1">
-                            <a:latin typeface="Cambria Math" panose="02040503050406030204" pitchFamily="18" charset="0"/>
-                          </a:rPr>
-                          <m:t>h</m:t>
-                        </m:r>
-                      </m:e>
-                      <m:sub>
-                        <m:r>
-                          <a:rPr lang="en-US" i="1">
-                            <a:latin typeface="Cambria Math" panose="02040503050406030204" pitchFamily="18" charset="0"/>
-                          </a:rPr>
-                          <m:t>𝑇</m:t>
-                        </m:r>
-                      </m:sub>
-                    </m:sSub>
-                  </m:oMath>
-                </a14:m>
-                <a:r>
-                  <a:rPr lang="en-US" dirty="0"/>
-                  <a:t>(x))</a:t>
-                </a:r>
-              </a:p>
-              <a:p>
-                <a:endParaRPr lang="en-US" dirty="0"/>
-              </a:p>
-            </p:txBody>
-          </p:sp>
-        </mc:Choice>
-        <mc:Fallback xmlns="">
-          <p:sp>
-            <p:nvSpPr>
-              <p:cNvPr id="4" name="Content Placeholder 3"/>
-              <p:cNvSpPr>
-                <a:spLocks noGrp="1" noRot="1" noChangeAspect="1" noMove="1" noResize="1" noEditPoints="1" noAdjustHandles="1" noChangeArrowheads="1" noChangeShapeType="1" noTextEdit="1"/>
-              </p:cNvSpPr>
-              <p:nvPr>
-                <p:ph sz="half" idx="2"/>
-              </p:nvPr>
-            </p:nvSpPr>
-            <p:spPr>
-              <a:blipFill rotWithShape="0">
-                <a:blip r:embed="rId2"/>
-                <a:stretch>
-                  <a:fillRect l="-855" t="-1253"/>
-                </a:stretch>
-              </a:blipFill>
-            </p:spPr>
-            <p:txBody>
-              <a:bodyPr/>
-              <a:lstStyle/>
-              <a:p>
-                <a:r>
-                  <a:rPr lang="en-US">
-                    <a:noFill/>
-                  </a:rPr>
-                  <a:t> </a:t>
-                </a:r>
-              </a:p>
-            </p:txBody>
-          </p:sp>
-        </mc:Fallback>
-      </mc:AlternateContent>
-    </p:spTree>
-    <p:extLst>
-      <p:ext uri="{BB962C8B-B14F-4D97-AF65-F5344CB8AC3E}">
-        <p14:creationId xmlns:p14="http://schemas.microsoft.com/office/powerpoint/2010/main" val="2647576433"/>
-      </p:ext>
-    </p:extLst>
-  </p:cSld>
-  <p:clrMapOvr>
-    <a:masterClrMapping/>
-  </p:clrMapOvr>
-  <p:timing>
-    <p:tnLst>
-      <p:par>
-        <p:cTn id="1" dur="indefinite" restart="never" nodeType="tmRoot"/>
-      </p:par>
-    </p:tnLst>
-  </p:timing>
-</p:sld>
-</file>
-
-<file path=ppt/slides/slide21.xml><?xml version="1.0" encoding="utf-8"?>
-<p:sld xmlns:a="http://schemas.openxmlformats.org/drawingml/2006/main" xmlns:r="http://schemas.openxmlformats.org/officeDocument/2006/relationships" xmlns:p="http://schemas.openxmlformats.org/presentationml/2006/main">
-  <p:cSld>
-    <p:spTree>
-      <p:nvGrpSpPr>
-        <p:cNvPr id="1" name=""/>
-        <p:cNvGrpSpPr/>
-        <p:nvPr/>
-      </p:nvGrpSpPr>
-      <p:grpSpPr>
-        <a:xfrm>
-          <a:off x="0" y="0"/>
-          <a:ext cx="0" cy="0"/>
-          <a:chOff x="0" y="0"/>
-          <a:chExt cx="0" cy="0"/>
-        </a:xfrm>
-      </p:grpSpPr>
-      <p:sp>
-        <p:nvSpPr>
-          <p:cNvPr id="2" name="Title 1"/>
-          <p:cNvSpPr>
-            <a:spLocks noGrp="1"/>
-          </p:cNvSpPr>
-          <p:nvPr>
-            <p:ph type="title"/>
-          </p:nvPr>
-        </p:nvSpPr>
-        <p:spPr/>
-        <p:txBody>
-          <a:bodyPr/>
-          <a:lstStyle/>
-          <a:p>
-            <a:pPr algn="ctr"/>
-            <a:r>
-              <a:rPr lang="hy-AM" dirty="0" smtClean="0"/>
-              <a:t>Եզրակացություն</a:t>
-            </a:r>
-            <a:endParaRPr lang="en-US" dirty="0"/>
-          </a:p>
-        </p:txBody>
-      </p:sp>
-    </p:spTree>
-    <p:extLst>
-      <p:ext uri="{BB962C8B-B14F-4D97-AF65-F5344CB8AC3E}">
-        <p14:creationId xmlns:p14="http://schemas.microsoft.com/office/powerpoint/2010/main" val="2125919640"/>
-      </p:ext>
-    </p:extLst>
-  </p:cSld>
-  <p:clrMapOvr>
-    <a:masterClrMapping/>
-  </p:clrMapOvr>
-  <p:timing>
-    <p:tnLst>
-      <p:par>
-        <p:cTn id="1" dur="indefinite" restart="never" nodeType="tmRoot"/>
-      </p:par>
-    </p:tnLst>
-  </p:timing>
-</p:sld>
-</file>
-
-<file path=ppt/slides/slide22.xml><?xml version="1.0" encoding="utf-8"?>
-<p:sld xmlns:a="http://schemas.openxmlformats.org/drawingml/2006/main" xmlns:r="http://schemas.openxmlformats.org/officeDocument/2006/relationships" xmlns:p="http://schemas.openxmlformats.org/presentationml/2006/main">
-  <p:cSld>
-    <p:spTree>
-      <p:nvGrpSpPr>
-        <p:cNvPr id="1" name=""/>
-        <p:cNvGrpSpPr/>
-        <p:nvPr/>
-      </p:nvGrpSpPr>
-      <p:grpSpPr>
-        <a:xfrm>
-          <a:off x="0" y="0"/>
-          <a:ext cx="0" cy="0"/>
-          <a:chOff x="0" y="0"/>
-          <a:chExt cx="0" cy="0"/>
-        </a:xfrm>
-      </p:grpSpPr>
-      <p:sp>
-        <p:nvSpPr>
-          <p:cNvPr id="2" name="Title 1"/>
-          <p:cNvSpPr>
-            <a:spLocks noGrp="1"/>
-          </p:cNvSpPr>
-          <p:nvPr>
-            <p:ph type="title"/>
-          </p:nvPr>
-        </p:nvSpPr>
-        <p:spPr/>
-        <p:txBody>
-          <a:bodyPr/>
-          <a:lstStyle/>
-          <a:p>
-            <a:pPr algn="ctr"/>
-            <a:r>
-              <a:rPr lang="hy-AM" dirty="0" smtClean="0"/>
-              <a:t>Հարցեր</a:t>
-            </a:r>
-            <a:endParaRPr lang="en-US" dirty="0"/>
-          </a:p>
-        </p:txBody>
-      </p:sp>
-    </p:spTree>
-    <p:extLst>
-      <p:ext uri="{BB962C8B-B14F-4D97-AF65-F5344CB8AC3E}">
-        <p14:creationId xmlns:p14="http://schemas.microsoft.com/office/powerpoint/2010/main" val="2377849545"/>
-      </p:ext>
-    </p:extLst>
-  </p:cSld>
-  <p:clrMapOvr>
-    <a:masterClrMapping/>
-  </p:clrMapOvr>
-  <p:timing>
-    <p:tnLst>
-      <p:par>
-        <p:cTn id="1" dur="indefinite" restart="never" nodeType="tmRoot"/>
-      </p:par>
-    </p:tnLst>
-  </p:timing>
-</p:sld>
-</file>
-
-<file path=ppt/slides/slide23.xml><?xml version="1.0" encoding="utf-8"?>
-<p:sld xmlns:a="http://schemas.openxmlformats.org/drawingml/2006/main" xmlns:r="http://schemas.openxmlformats.org/officeDocument/2006/relationships" xmlns:p="http://schemas.openxmlformats.org/presentationml/2006/main">
-  <p:cSld>
-    <p:spTree>
-      <p:nvGrpSpPr>
-        <p:cNvPr id="1" name=""/>
-        <p:cNvGrpSpPr/>
-        <p:nvPr/>
-      </p:nvGrpSpPr>
-      <p:grpSpPr>
-        <a:xfrm>
-          <a:off x="0" y="0"/>
-          <a:ext cx="0" cy="0"/>
-          <a:chOff x="0" y="0"/>
-          <a:chExt cx="0" cy="0"/>
-        </a:xfrm>
-      </p:grpSpPr>
-      <p:sp>
-        <p:nvSpPr>
-          <p:cNvPr id="2" name="Title 1"/>
-          <p:cNvSpPr>
-            <a:spLocks noGrp="1"/>
-          </p:cNvSpPr>
-          <p:nvPr>
-            <p:ph type="title"/>
-          </p:nvPr>
-        </p:nvSpPr>
-        <p:spPr/>
-        <p:txBody>
-          <a:bodyPr/>
-          <a:lstStyle/>
-          <a:p>
-            <a:endParaRPr lang="en-US"/>
-          </a:p>
-        </p:txBody>
-      </p:sp>
-      <p:sp>
-        <p:nvSpPr>
-          <p:cNvPr id="3" name="Text Placeholder 2"/>
-          <p:cNvSpPr>
-            <a:spLocks noGrp="1"/>
-          </p:cNvSpPr>
-          <p:nvPr>
-            <p:ph type="body" idx="1"/>
-          </p:nvPr>
-        </p:nvSpPr>
-        <p:spPr/>
-        <p:txBody>
-          <a:bodyPr/>
-          <a:lstStyle/>
-          <a:p>
-            <a:endParaRPr lang="en-US"/>
-          </a:p>
-        </p:txBody>
-      </p:sp>
-      <p:sp>
-        <p:nvSpPr>
-          <p:cNvPr id="4" name="Content Placeholder 3"/>
-          <p:cNvSpPr>
-            <a:spLocks noGrp="1"/>
-          </p:cNvSpPr>
-          <p:nvPr>
-            <p:ph sz="half" idx="2"/>
-          </p:nvPr>
-        </p:nvSpPr>
-        <p:spPr/>
-        <p:txBody>
-          <a:bodyPr/>
-          <a:lstStyle/>
-          <a:p>
-            <a:endParaRPr lang="en-US"/>
-          </a:p>
-        </p:txBody>
-      </p:sp>
-      <p:sp>
-        <p:nvSpPr>
-          <p:cNvPr id="5" name="Text Placeholder 4"/>
-          <p:cNvSpPr>
-            <a:spLocks noGrp="1"/>
-          </p:cNvSpPr>
-          <p:nvPr>
-            <p:ph type="body" sz="quarter" idx="3"/>
-          </p:nvPr>
-        </p:nvSpPr>
-        <p:spPr/>
-        <p:txBody>
-          <a:bodyPr/>
-          <a:lstStyle/>
-          <a:p>
-            <a:endParaRPr lang="en-US"/>
-          </a:p>
-        </p:txBody>
-      </p:sp>
-      <p:sp>
-        <p:nvSpPr>
-          <p:cNvPr id="6" name="Content Placeholder 5"/>
-          <p:cNvSpPr>
-            <a:spLocks noGrp="1"/>
-          </p:cNvSpPr>
-          <p:nvPr>
-            <p:ph sz="quarter" idx="4"/>
-          </p:nvPr>
-        </p:nvSpPr>
-        <p:spPr/>
-        <p:txBody>
-          <a:bodyPr/>
-          <a:lstStyle/>
-          <a:p>
-            <a:endParaRPr lang="en-US"/>
-          </a:p>
-        </p:txBody>
-      </p:sp>
-    </p:spTree>
-    <p:extLst>
-      <p:ext uri="{BB962C8B-B14F-4D97-AF65-F5344CB8AC3E}">
-        <p14:creationId xmlns:p14="http://schemas.microsoft.com/office/powerpoint/2010/main" val="3130059080"/>
-      </p:ext>
-    </p:extLst>
-  </p:cSld>
-  <p:clrMapOvr>
-    <a:masterClrMapping/>
-  </p:clrMapOvr>
-  <p:timing>
-    <p:tnLst>
-      <p:par>
-        <p:cTn id="1" dur="indefinite" restart="never" nodeType="tmRoot"/>
-      </p:par>
-    </p:tnLst>
-  </p:timing>
-</p:sld>
-</file>
-
-<file path=ppt/slides/slide24.xml><?xml version="1.0" encoding="utf-8"?>
-<p:sld xmlns:a="http://schemas.openxmlformats.org/drawingml/2006/main" xmlns:r="http://schemas.openxmlformats.org/officeDocument/2006/relationships" xmlns:p="http://schemas.openxmlformats.org/presentationml/2006/main">
-  <p:cSld>
-    <p:spTree>
-      <p:nvGrpSpPr>
-        <p:cNvPr id="1" name=""/>
-        <p:cNvGrpSpPr/>
-        <p:nvPr/>
-      </p:nvGrpSpPr>
-      <p:grpSpPr>
-        <a:xfrm>
-          <a:off x="0" y="0"/>
-          <a:ext cx="0" cy="0"/>
-          <a:chOff x="0" y="0"/>
-          <a:chExt cx="0" cy="0"/>
-        </a:xfrm>
-      </p:grpSpPr>
-      <p:sp>
-        <p:nvSpPr>
-          <p:cNvPr id="2" name="Title 1"/>
-          <p:cNvSpPr>
-            <a:spLocks noGrp="1"/>
-          </p:cNvSpPr>
-          <p:nvPr>
-            <p:ph type="title"/>
-          </p:nvPr>
-        </p:nvSpPr>
-        <p:spPr/>
-        <p:txBody>
-          <a:bodyPr/>
-          <a:lstStyle/>
-          <a:p>
-            <a:endParaRPr lang="en-US"/>
-          </a:p>
-        </p:txBody>
-      </p:sp>
-      <p:sp>
-        <p:nvSpPr>
-          <p:cNvPr id="3" name="Text Placeholder 2"/>
-          <p:cNvSpPr>
-            <a:spLocks noGrp="1"/>
-          </p:cNvSpPr>
-          <p:nvPr>
-            <p:ph type="body" idx="1"/>
-          </p:nvPr>
-        </p:nvSpPr>
-        <p:spPr/>
-        <p:txBody>
-          <a:bodyPr/>
-          <a:lstStyle/>
-          <a:p>
-            <a:endParaRPr lang="en-US"/>
-          </a:p>
-        </p:txBody>
-      </p:sp>
-      <p:sp>
-        <p:nvSpPr>
-          <p:cNvPr id="4" name="Content Placeholder 3"/>
-          <p:cNvSpPr>
-            <a:spLocks noGrp="1"/>
-          </p:cNvSpPr>
-          <p:nvPr>
-            <p:ph sz="half" idx="2"/>
-          </p:nvPr>
-        </p:nvSpPr>
-        <p:spPr/>
-        <p:txBody>
-          <a:bodyPr/>
-          <a:lstStyle/>
-          <a:p>
-            <a:endParaRPr lang="en-US"/>
-          </a:p>
-        </p:txBody>
-      </p:sp>
-      <p:sp>
-        <p:nvSpPr>
-          <p:cNvPr id="5" name="Text Placeholder 4"/>
-          <p:cNvSpPr>
-            <a:spLocks noGrp="1"/>
-          </p:cNvSpPr>
-          <p:nvPr>
-            <p:ph type="body" sz="quarter" idx="3"/>
-          </p:nvPr>
-        </p:nvSpPr>
-        <p:spPr/>
-        <p:txBody>
-          <a:bodyPr/>
-          <a:lstStyle/>
-          <a:p>
-            <a:endParaRPr lang="en-US"/>
-          </a:p>
-        </p:txBody>
-      </p:sp>
-      <p:sp>
-        <p:nvSpPr>
-          <p:cNvPr id="6" name="Content Placeholder 5"/>
-          <p:cNvSpPr>
-            <a:spLocks noGrp="1"/>
-          </p:cNvSpPr>
-          <p:nvPr>
-            <p:ph sz="quarter" idx="4"/>
-          </p:nvPr>
-        </p:nvSpPr>
-        <p:spPr/>
-        <p:txBody>
-          <a:bodyPr/>
-          <a:lstStyle/>
-          <a:p>
-            <a:endParaRPr lang="en-US"/>
-          </a:p>
-        </p:txBody>
-      </p:sp>
-    </p:spTree>
-    <p:extLst>
-      <p:ext uri="{BB962C8B-B14F-4D97-AF65-F5344CB8AC3E}">
-        <p14:creationId xmlns:p14="http://schemas.microsoft.com/office/powerpoint/2010/main" val="892272754"/>
-      </p:ext>
-    </p:extLst>
-  </p:cSld>
-  <p:clrMapOvr>
-    <a:masterClrMapping/>
-  </p:clrMapOvr>
-  <p:timing>
-    <p:tnLst>
-      <p:par>
-        <p:cTn id="1" dur="indefinite" restart="never" nodeType="tmRoot"/>
-      </p:par>
-    </p:tnLst>
-  </p:timing>
-</p:sld>
-</file>
-
 <file path=ppt/slides/slide3.xml><?xml version="1.0" encoding="utf-8"?>
 <p:sld xmlns:a="http://schemas.openxmlformats.org/drawingml/2006/main" xmlns:r="http://schemas.openxmlformats.org/officeDocument/2006/relationships" xmlns:p="http://schemas.openxmlformats.org/presentationml/2006/main">
   <p:cSld>
@@ -12197,7 +12141,12 @@
             <p:ph type="title"/>
           </p:nvPr>
         </p:nvSpPr>
-        <p:spPr/>
+        <p:spPr>
+          <a:xfrm>
+            <a:off x="685801" y="484909"/>
+            <a:ext cx="10131425" cy="1456267"/>
+          </a:xfrm>
+        </p:spPr>
         <p:txBody>
           <a:bodyPr/>
           <a:lstStyle/>
@@ -12220,18 +12169,18 @@
               <a:t> </a:t>
             </a:r>
             <a:r>
-              <a:rPr lang="en-US" dirty="0" err="1" smtClean="0"/>
+              <a:rPr lang="en-US" dirty="0" err="1"/>
               <a:t>մշակում</a:t>
             </a:r>
             <a:r>
-              <a:rPr lang="hy-AM" dirty="0" smtClean="0"/>
+              <a:rPr lang="hy-AM" dirty="0"/>
               <a:t/>
             </a:r>
             <a:br>
-              <a:rPr lang="hy-AM" dirty="0" smtClean="0"/>
+              <a:rPr lang="hy-AM" dirty="0"/>
             </a:br>
             <a:r>
-              <a:rPr lang="hy-AM" dirty="0" smtClean="0"/>
+              <a:rPr lang="hy-AM" dirty="0"/>
               <a:t>Էրոզիա</a:t>
             </a:r>
             <a:endParaRPr lang="en-US" dirty="0"/>
@@ -12240,7 +12189,7 @@
       </p:sp>
       <p:pic>
         <p:nvPicPr>
-          <p:cNvPr id="6" name="Picture 5"/>
+          <p:cNvPr id="7" name="Picture 6"/>
           <p:cNvPicPr/>
           <p:nvPr/>
         </p:nvPicPr>
@@ -12252,7 +12201,7 @@
         </p:blipFill>
         <p:spPr>
           <a:xfrm>
-            <a:off x="1278083" y="2065867"/>
+            <a:off x="685801" y="2949094"/>
             <a:ext cx="4633807" cy="3353012"/>
           </a:xfrm>
           <a:prstGeom prst="rect">
@@ -12262,7 +12211,7 @@
       </p:pic>
       <p:pic>
         <p:nvPicPr>
-          <p:cNvPr id="9" name="Content Placeholder 8"/>
+          <p:cNvPr id="8" name="Content Placeholder 8"/>
           <p:cNvPicPr>
             <a:picLocks noGrp="1"/>
           </p:cNvPicPr>
@@ -12278,7 +12227,7 @@
         </p:blipFill>
         <p:spPr>
           <a:xfrm>
-            <a:off x="6758954" y="2065867"/>
+            <a:off x="6395272" y="2949094"/>
             <a:ext cx="3486772" cy="3353012"/>
           </a:xfrm>
           <a:prstGeom prst="rect">
@@ -12289,25 +12238,13 @@
     </p:spTree>
     <p:extLst>
       <p:ext uri="{BB962C8B-B14F-4D97-AF65-F5344CB8AC3E}">
-        <p14:creationId xmlns:p14="http://schemas.microsoft.com/office/powerpoint/2010/main" val="1402629627"/>
+        <p14:creationId xmlns:p14="http://schemas.microsoft.com/office/powerpoint/2010/main" val="3130059080"/>
       </p:ext>
     </p:extLst>
   </p:cSld>
   <p:clrMapOvr>
     <a:masterClrMapping/>
   </p:clrMapOvr>
-  <mc:AlternateContent xmlns:mc="http://schemas.openxmlformats.org/markup-compatibility/2006" xmlns:p14="http://schemas.microsoft.com/office/powerpoint/2010/main">
-    <mc:Choice Requires="p14">
-      <p:transition spd="slow" p14:dur="1300">
-        <p14:pan dir="u"/>
-      </p:transition>
-    </mc:Choice>
-    <mc:Fallback xmlns="">
-      <p:transition spd="slow">
-        <p:fade/>
-      </p:transition>
-    </mc:Fallback>
-  </mc:AlternateContent>
   <p:timing>
     <p:tnLst>
       <p:par>
@@ -12332,7 +12269,7 @@
                             </p:stCondLst>
                             <p:childTnLst>
                               <p:par>
-                                <p:cTn id="5" presetID="10" presetClass="entr" presetSubtype="0" fill="hold" nodeType="afterEffect">
+                                <p:cTn id="5" presetID="1" presetClass="entr" presetSubtype="0" fill="hold" grpId="0" nodeType="afterEffect">
                                   <p:stCondLst>
                                     <p:cond delay="0"/>
                                   </p:stCondLst>
@@ -12345,7 +12282,7 @@
                                           </p:stCondLst>
                                         </p:cTn>
                                         <p:tgtEl>
-                                          <p:spTgt spid="6"/>
+                                          <p:spTgt spid="2"/>
                                         </p:tgtEl>
                                         <p:attrNameLst>
                                           <p:attrName>style.visibility</p:attrName>
@@ -12355,14 +12292,6 @@
                                         <p:strVal val="visible"/>
                                       </p:to>
                                     </p:set>
-                                    <p:animEffect transition="in" filter="fade">
-                                      <p:cBhvr>
-                                        <p:cTn id="7" dur="500"/>
-                                        <p:tgtEl>
-                                          <p:spTgt spid="6"/>
-                                        </p:tgtEl>
-                                      </p:cBhvr>
-                                    </p:animEffect>
                                   </p:childTnLst>
                                 </p:cTn>
                               </p:par>
@@ -12370,26 +12299,62 @@
                           </p:cTn>
                         </p:par>
                         <p:par>
-                          <p:cTn id="8" fill="hold">
+                          <p:cTn id="7" fill="hold">
                             <p:stCondLst>
-                              <p:cond delay="500"/>
+                              <p:cond delay="0"/>
                             </p:stCondLst>
                             <p:childTnLst>
                               <p:par>
-                                <p:cTn id="9" presetID="2" presetClass="entr" presetSubtype="2" fill="hold" nodeType="afterEffect">
+                                <p:cTn id="8" presetID="1" presetClass="entr" presetSubtype="0" fill="hold" nodeType="afterEffect">
                                   <p:stCondLst>
                                     <p:cond delay="0"/>
                                   </p:stCondLst>
                                   <p:childTnLst>
                                     <p:set>
                                       <p:cBhvr>
-                                        <p:cTn id="10" dur="1" fill="hold">
+                                        <p:cTn id="9" dur="1" fill="hold">
                                           <p:stCondLst>
                                             <p:cond delay="0"/>
                                           </p:stCondLst>
                                         </p:cTn>
                                         <p:tgtEl>
-                                          <p:spTgt spid="9"/>
+                                          <p:spTgt spid="7"/>
+                                        </p:tgtEl>
+                                        <p:attrNameLst>
+                                          <p:attrName>style.visibility</p:attrName>
+                                        </p:attrNameLst>
+                                      </p:cBhvr>
+                                      <p:to>
+                                        <p:strVal val="visible"/>
+                                      </p:to>
+                                    </p:set>
+                                  </p:childTnLst>
+                                </p:cTn>
+                              </p:par>
+                            </p:childTnLst>
+                          </p:cTn>
+                        </p:par>
+                        <p:par>
+                          <p:cTn id="10" fill="hold">
+                            <p:stCondLst>
+                              <p:cond delay="0"/>
+                            </p:stCondLst>
+                            <p:childTnLst>
+                              <p:par>
+                                <p:cTn id="11" presetID="2" presetClass="entr" presetSubtype="2" fill="hold" nodeType="afterEffect">
+                                  <p:stCondLst>
+                                    <p:cond delay="600"/>
+                                  </p:stCondLst>
+                                  <p:childTnLst>
+                                    <p:set>
+                                      <p:cBhvr>
+                                        <p:cTn id="12" dur="1" fill="hold">
+                                          <p:stCondLst>
+                                            <p:cond delay="0"/>
+                                          </p:stCondLst>
+                                        </p:cTn>
+                                        <p:tgtEl>
+                                          <p:spTgt spid="8"/>
                                         </p:tgtEl>
                                         <p:attrNameLst>
                                           <p:attrName>style.visibility</p:attrName>
@@ -12401,9 +12366,9 @@
                                     </p:set>
                                     <p:anim calcmode="lin" valueType="num">
                                       <p:cBhvr additive="base">
-                                        <p:cTn id="11" dur="1400" fill="hold"/>
+                                        <p:cTn id="13" dur="700" fill="hold"/>
                                         <p:tgtEl>
-                                          <p:spTgt spid="9"/>
+                                          <p:spTgt spid="8"/>
                                         </p:tgtEl>
                                         <p:attrNameLst>
                                           <p:attrName>ppt_x</p:attrName>
@@ -12424,9 +12389,9 @@
                                     </p:anim>
                                     <p:anim calcmode="lin" valueType="num">
                                       <p:cBhvr additive="base">
-                                        <p:cTn id="12" dur="1400" fill="hold"/>
+                                        <p:cTn id="14" dur="700" fill="hold"/>
                                         <p:tgtEl>
-                                          <p:spTgt spid="9"/>
+                                          <p:spTgt spid="8"/>
                                         </p:tgtEl>
                                         <p:attrNameLst>
                                           <p:attrName>ppt_y</p:attrName>
@@ -12475,6 +12440,9 @@
         </p:cTn>
       </p:par>
     </p:tnLst>
+    <p:bldLst>
+      <p:bldP spid="2" grpId="0"/>
+    </p:bldLst>
   </p:timing>
 </p:sld>
 </file>
@@ -12799,7 +12767,7 @@
                               <p:par>
                                 <p:cTn id="15" presetID="42" presetClass="entr" presetSubtype="0" fill="hold" nodeType="afterEffect">
                                   <p:stCondLst>
-                                    <p:cond delay="0"/>
+                                    <p:cond delay="900"/>
                                   </p:stCondLst>
                                   <p:childTnLst>
                                     <p:set>
@@ -13138,6 +13106,9 @@
                     <p:cTn id="3" fill="hold">
                       <p:stCondLst>
                         <p:cond delay="indefinite"/>
+                        <p:cond evt="onBegin" delay="0">
+                          <p:tn val="2"/>
+                        </p:cond>
                       </p:stCondLst>
                       <p:childTnLst>
                         <p:par>
@@ -13147,7 +13118,7 @@
                             </p:stCondLst>
                             <p:childTnLst>
                               <p:par>
-                                <p:cTn id="5" presetID="10" presetClass="entr" presetSubtype="0" fill="hold" nodeType="clickEffect">
+                                <p:cTn id="5" presetID="10" presetClass="entr" presetSubtype="0" fill="hold" nodeType="afterEffect">
                                   <p:stCondLst>
                                     <p:cond delay="0"/>
                                   </p:stCondLst>
@@ -13184,30 +13155,21 @@
                             </p:childTnLst>
                           </p:cTn>
                         </p:par>
-                      </p:childTnLst>
-                    </p:cTn>
-                  </p:par>
-                  <p:par>
-                    <p:cTn id="8" fill="hold">
-                      <p:stCondLst>
-                        <p:cond delay="indefinite"/>
-                      </p:stCondLst>
-                      <p:childTnLst>
                         <p:par>
-                          <p:cTn id="9" fill="hold">
+                          <p:cTn id="8" fill="hold">
                             <p:stCondLst>
-                              <p:cond delay="0"/>
+                              <p:cond delay="500"/>
                             </p:stCondLst>
                             <p:childTnLst>
                               <p:par>
-                                <p:cTn id="10" presetID="42" presetClass="entr" presetSubtype="0" fill="hold" nodeType="clickEffect">
+                                <p:cTn id="9" presetID="42" presetClass="entr" presetSubtype="0" fill="hold" nodeType="afterEffect">
                                   <p:stCondLst>
                                     <p:cond delay="0"/>
                                   </p:stCondLst>
                                   <p:childTnLst>
                                     <p:set>
                                       <p:cBhvr>
-                                        <p:cTn id="11" dur="1" fill="hold">
+                                        <p:cTn id="10" dur="1" fill="hold">
                                           <p:stCondLst>
                                             <p:cond delay="0"/>
                                           </p:stCondLst>
@@ -13225,7 +13187,7 @@
                                     </p:set>
                                     <p:animEffect transition="in" filter="fade">
                                       <p:cBhvr>
-                                        <p:cTn id="12" dur="1000"/>
+                                        <p:cTn id="11" dur="1000"/>
                                         <p:tgtEl>
                                           <p:spTgt spid="10"/>
                                         </p:tgtEl>
@@ -13233,7 +13195,7 @@
                                     </p:animEffect>
                                     <p:anim calcmode="lin" valueType="num">
                                       <p:cBhvr>
-                                        <p:cTn id="13" dur="1000" fill="hold"/>
+                                        <p:cTn id="12" dur="1000" fill="hold"/>
                                         <p:tgtEl>
                                           <p:spTgt spid="10"/>
                                         </p:tgtEl>
@@ -13256,7 +13218,7 @@
                                     </p:anim>
                                     <p:anim calcmode="lin" valueType="num">
                                       <p:cBhvr>
-                                        <p:cTn id="14" dur="1000" fill="hold"/>
+                                        <p:cTn id="13" dur="1000" fill="hold"/>
                                         <p:tgtEl>
                                           <p:spTgt spid="10"/>
                                         </p:tgtEl>
@@ -13280,8 +13242,17 @@
                                   </p:childTnLst>
                                 </p:cTn>
                               </p:par>
+                            </p:childTnLst>
+                          </p:cTn>
+                        </p:par>
+                        <p:par>
+                          <p:cTn id="14" fill="hold">
+                            <p:stCondLst>
+                              <p:cond delay="1500"/>
+                            </p:stCondLst>
+                            <p:childTnLst>
                               <p:par>
-                                <p:cTn id="15" presetID="42" presetClass="entr" presetSubtype="0" fill="hold" nodeType="withEffect">
+                                <p:cTn id="15" presetID="42" presetClass="entr" presetSubtype="0" fill="hold" nodeType="afterEffect">
                                   <p:stCondLst>
                                     <p:cond delay="0"/>
                                   </p:stCondLst>
@@ -13361,15 +13332,24 @@
                                   </p:childTnLst>
                                 </p:cTn>
                               </p:par>
+                            </p:childTnLst>
+                          </p:cTn>
+                        </p:par>
+                        <p:par>
+                          <p:cTn id="20" fill="hold">
+                            <p:stCondLst>
+                              <p:cond delay="2500"/>
+                            </p:stCondLst>
+                            <p:childTnLst>
                               <p:par>
-                                <p:cTn id="20" presetID="42" presetClass="entr" presetSubtype="0" fill="hold" nodeType="withEffect">
+                                <p:cTn id="21" presetID="42" presetClass="entr" presetSubtype="0" fill="hold" nodeType="afterEffect">
                                   <p:stCondLst>
                                     <p:cond delay="0"/>
                                   </p:stCondLst>
                                   <p:childTnLst>
                                     <p:set>
                                       <p:cBhvr>
-                                        <p:cTn id="21" dur="1" fill="hold">
+                                        <p:cTn id="22" dur="1" fill="hold">
                                           <p:stCondLst>
                                             <p:cond delay="0"/>
                                           </p:stCondLst>
@@ -13387,7 +13367,7 @@
                                     </p:set>
                                     <p:animEffect transition="in" filter="fade">
                                       <p:cBhvr>
-                                        <p:cTn id="22" dur="1000"/>
+                                        <p:cTn id="23" dur="1000"/>
                                         <p:tgtEl>
                                           <p:spTgt spid="8"/>
                                         </p:tgtEl>
@@ -13395,7 +13375,7 @@
                                     </p:animEffect>
                                     <p:anim calcmode="lin" valueType="num">
                                       <p:cBhvr>
-                                        <p:cTn id="23" dur="1000" fill="hold"/>
+                                        <p:cTn id="24" dur="1000" fill="hold"/>
                                         <p:tgtEl>
                                           <p:spTgt spid="8"/>
                                         </p:tgtEl>
@@ -13418,7 +13398,7 @@
                                     </p:anim>
                                     <p:anim calcmode="lin" valueType="num">
                                       <p:cBhvr>
-                                        <p:cTn id="24" dur="1000" fill="hold"/>
+                                        <p:cTn id="25" dur="1000" fill="hold"/>
                                         <p:tgtEl>
                                           <p:spTgt spid="8"/>
                                         </p:tgtEl>
@@ -13442,15 +13422,24 @@
                                   </p:childTnLst>
                                 </p:cTn>
                               </p:par>
+                            </p:childTnLst>
+                          </p:cTn>
+                        </p:par>
+                        <p:par>
+                          <p:cTn id="26" fill="hold">
+                            <p:stCondLst>
+                              <p:cond delay="3500"/>
+                            </p:stCondLst>
+                            <p:childTnLst>
                               <p:par>
-                                <p:cTn id="25" presetID="42" presetClass="entr" presetSubtype="0" fill="hold" nodeType="withEffect">
+                                <p:cTn id="27" presetID="42" presetClass="entr" presetSubtype="0" fill="hold" nodeType="afterEffect">
                                   <p:stCondLst>
                                     <p:cond delay="0"/>
                                   </p:stCondLst>
                                   <p:childTnLst>
                                     <p:set>
                                       <p:cBhvr>
-                                        <p:cTn id="26" dur="1" fill="hold">
+                                        <p:cTn id="28" dur="1" fill="hold">
                                           <p:stCondLst>
                                             <p:cond delay="0"/>
                                           </p:stCondLst>
@@ -13468,7 +13457,7 @@
                                     </p:set>
                                     <p:animEffect transition="in" filter="fade">
                                       <p:cBhvr>
-                                        <p:cTn id="27" dur="1000"/>
+                                        <p:cTn id="29" dur="1000"/>
                                         <p:tgtEl>
                                           <p:spTgt spid="7"/>
                                         </p:tgtEl>
@@ -13476,7 +13465,7 @@
                                     </p:animEffect>
                                     <p:anim calcmode="lin" valueType="num">
                                       <p:cBhvr>
-                                        <p:cTn id="28" dur="1000" fill="hold"/>
+                                        <p:cTn id="30" dur="1000" fill="hold"/>
                                         <p:tgtEl>
                                           <p:spTgt spid="7"/>
                                         </p:tgtEl>
@@ -13499,7 +13488,7 @@
                                     </p:anim>
                                     <p:anim calcmode="lin" valueType="num">
                                       <p:cBhvr>
-                                        <p:cTn id="29" dur="1000" fill="hold"/>
+                                        <p:cTn id="31" dur="1000" fill="hold"/>
                                         <p:tgtEl>
                                           <p:spTgt spid="7"/>
                                         </p:tgtEl>
@@ -13712,6 +13701,9 @@
                     <p:cTn id="3" fill="hold">
                       <p:stCondLst>
                         <p:cond delay="indefinite"/>
+                        <p:cond evt="onBegin" delay="0">
+                          <p:tn val="2"/>
+                        </p:cond>
                       </p:stCondLst>
                       <p:childTnLst>
                         <p:par>
@@ -13721,7 +13713,7 @@
                             </p:stCondLst>
                             <p:childTnLst>
                               <p:par>
-                                <p:cTn id="5" presetID="1" presetClass="entr" presetSubtype="0" fill="hold" nodeType="clickEffect">
+                                <p:cTn id="5" presetID="1" presetClass="entr" presetSubtype="0" fill="hold" nodeType="afterEffect">
                                   <p:stCondLst>
                                     <p:cond delay="0"/>
                                   </p:stCondLst>
@@ -13750,30 +13742,48 @@
                             </p:childTnLst>
                           </p:cTn>
                         </p:par>
-                      </p:childTnLst>
-                    </p:cTn>
-                  </p:par>
-                  <p:par>
-                    <p:cTn id="7" fill="hold">
-                      <p:stCondLst>
-                        <p:cond delay="indefinite"/>
-                      </p:stCondLst>
-                      <p:childTnLst>
                         <p:par>
-                          <p:cTn id="8" fill="hold">
+                          <p:cTn id="7" fill="hold">
                             <p:stCondLst>
                               <p:cond delay="0"/>
                             </p:stCondLst>
                             <p:childTnLst>
                               <p:par>
-                                <p:cTn id="9" presetID="2" presetClass="entr" presetSubtype="4" fill="hold" nodeType="clickEffect">
+                                <p:cTn id="8" presetID="1" presetClass="entr" presetSubtype="0" fill="hold" nodeType="afterEffect">
                                   <p:stCondLst>
                                     <p:cond delay="0"/>
                                   </p:stCondLst>
                                   <p:childTnLst>
                                     <p:set>
                                       <p:cBhvr>
-                                        <p:cTn id="10" dur="1" fill="hold">
+                                        <p:cTn id="9" dur="1" fill="hold">
+                                          <p:stCondLst>
+                                            <p:cond delay="0"/>
+                                          </p:stCondLst>
+                                        </p:cTn>
+                                        <p:tgtEl>
+                                          <p:spTgt spid="4"/>
+                                        </p:tgtEl>
+                                        <p:attrNameLst>
+                                          <p:attrName>style.visibility</p:attrName>
+                                        </p:attrNameLst>
+                                      </p:cBhvr>
+                                      <p:to>
+                                        <p:strVal val="visible"/>
+                                      </p:to>
+                                    </p:set>
+                                  </p:childTnLst>
+                                </p:cTn>
+                              </p:par>
+                              <p:par>
+                                <p:cTn id="10" presetID="1" presetClass="entr" presetSubtype="0" fill="hold" nodeType="withEffect">
+                                  <p:stCondLst>
+                                    <p:cond delay="0"/>
+                                  </p:stCondLst>
+                                  <p:childTnLst>
+                                    <p:set>
+                                      <p:cBhvr>
+                                        <p:cTn id="11" dur="1" fill="hold">
                                           <p:stCondLst>
                                             <p:cond delay="0"/>
                                           </p:stCondLst>
@@ -13789,52 +13799,6 @@
                                         <p:strVal val="visible"/>
                                       </p:to>
                                     </p:set>
-                                    <p:anim calcmode="lin" valueType="num">
-                                      <p:cBhvr additive="base">
-                                        <p:cTn id="11" dur="500" fill="hold"/>
-                                        <p:tgtEl>
-                                          <p:spTgt spid="8"/>
-                                        </p:tgtEl>
-                                        <p:attrNameLst>
-                                          <p:attrName>ppt_x</p:attrName>
-                                        </p:attrNameLst>
-                                      </p:cBhvr>
-                                      <p:tavLst>
-                                        <p:tav tm="0">
-                                          <p:val>
-                                            <p:strVal val="#ppt_x"/>
-                                          </p:val>
-                                        </p:tav>
-                                        <p:tav tm="100000">
-                                          <p:val>
-                                            <p:strVal val="#ppt_x"/>
-                                          </p:val>
-                                        </p:tav>
-                                      </p:tavLst>
-                                    </p:anim>
-                                    <p:anim calcmode="lin" valueType="num">
-                                      <p:cBhvr additive="base">
-                                        <p:cTn id="12" dur="500" fill="hold"/>
-                                        <p:tgtEl>
-                                          <p:spTgt spid="8"/>
-                                        </p:tgtEl>
-                                        <p:attrNameLst>
-                                          <p:attrName>ppt_y</p:attrName>
-                                        </p:attrNameLst>
-                                      </p:cBhvr>
-                                      <p:tavLst>
-                                        <p:tav tm="0">
-                                          <p:val>
-                                            <p:strVal val="1+#ppt_h/2"/>
-                                          </p:val>
-                                        </p:tav>
-                                        <p:tav tm="100000">
-                                          <p:val>
-                                            <p:strVal val="#ppt_y"/>
-                                          </p:val>
-                                        </p:tav>
-                                      </p:tavLst>
-                                    </p:anim>
                                   </p:childTnLst>
                                 </p:cTn>
                               </p:par>
@@ -13969,14 +13933,14 @@
                 <a:gridCol w="2881313">
                   <a:extLst>
                     <a:ext uri="{9D8B030D-6E8A-4147-A177-3AD203B41FA5}">
-                      <a16:colId xmlns:a16="http://schemas.microsoft.com/office/drawing/2014/main" xmlns="" val="3318161435"/>
+                      <a16:colId xmlns:a16="http://schemas.microsoft.com/office/drawing/2014/main" val="3318161435"/>
                     </a:ext>
                   </a:extLst>
                 </a:gridCol>
                 <a:gridCol w="2881313">
                   <a:extLst>
                     <a:ext uri="{9D8B030D-6E8A-4147-A177-3AD203B41FA5}">
-                      <a16:colId xmlns:a16="http://schemas.microsoft.com/office/drawing/2014/main" xmlns="" val="4127245324"/>
+                      <a16:colId xmlns:a16="http://schemas.microsoft.com/office/drawing/2014/main" val="4127245324"/>
                     </a:ext>
                   </a:extLst>
                 </a:gridCol>
@@ -14053,7 +14017,7 @@
                 </a:tc>
                 <a:extLst>
                   <a:ext uri="{0D108BD9-81ED-4DB2-BD59-A6C34878D82A}">
-                    <a16:rowId xmlns:a16="http://schemas.microsoft.com/office/drawing/2014/main" xmlns="" val="2750261522"/>
+                    <a16:rowId xmlns:a16="http://schemas.microsoft.com/office/drawing/2014/main" val="2750261522"/>
                   </a:ext>
                 </a:extLst>
               </a:tr>
@@ -14139,83 +14103,7 @@
   <p:timing>
     <p:tnLst>
       <p:par>
-        <p:cTn id="1" dur="indefinite" restart="never" nodeType="tmRoot">
-          <p:childTnLst>
-            <p:seq concurrent="1" nextAc="seek">
-              <p:cTn id="2" dur="indefinite" nodeType="mainSeq">
-                <p:childTnLst>
-                  <p:par>
-                    <p:cTn id="3" fill="hold">
-                      <p:stCondLst>
-                        <p:cond delay="indefinite"/>
-                      </p:stCondLst>
-                      <p:childTnLst>
-                        <p:par>
-                          <p:cTn id="4" fill="hold">
-                            <p:stCondLst>
-                              <p:cond delay="0"/>
-                            </p:stCondLst>
-                            <p:childTnLst>
-                              <p:par>
-                                <p:cTn id="5" presetID="10" presetClass="entr" presetSubtype="0" fill="hold" nodeType="clickEffect">
-                                  <p:stCondLst>
-                                    <p:cond delay="0"/>
-                                  </p:stCondLst>
-                                  <p:childTnLst>
-                                    <p:set>
-                                      <p:cBhvr>
-                                        <p:cTn id="6" dur="1" fill="hold">
-                                          <p:stCondLst>
-                                            <p:cond delay="0"/>
-                                          </p:stCondLst>
-                                        </p:cTn>
-                                        <p:tgtEl>
-                                          <p:spTgt spid="11"/>
-                                        </p:tgtEl>
-                                        <p:attrNameLst>
-                                          <p:attrName>style.visibility</p:attrName>
-                                        </p:attrNameLst>
-                                      </p:cBhvr>
-                                      <p:to>
-                                        <p:strVal val="visible"/>
-                                      </p:to>
-                                    </p:set>
-                                    <p:animEffect transition="in" filter="fade">
-                                      <p:cBhvr>
-                                        <p:cTn id="7" dur="500"/>
-                                        <p:tgtEl>
-                                          <p:spTgt spid="11"/>
-                                        </p:tgtEl>
-                                      </p:cBhvr>
-                                    </p:animEffect>
-                                  </p:childTnLst>
-                                </p:cTn>
-                              </p:par>
-                            </p:childTnLst>
-                          </p:cTn>
-                        </p:par>
-                      </p:childTnLst>
-                    </p:cTn>
-                  </p:par>
-                </p:childTnLst>
-              </p:cTn>
-              <p:prevCondLst>
-                <p:cond evt="onPrev" delay="0">
-                  <p:tgtEl>
-                    <p:sldTgt/>
-                  </p:tgtEl>
-                </p:cond>
-              </p:prevCondLst>
-              <p:nextCondLst>
-                <p:cond evt="onNext" delay="0">
-                  <p:tgtEl>
-                    <p:sldTgt/>
-                  </p:tgtEl>
-                </p:cond>
-              </p:nextCondLst>
-            </p:seq>
-          </p:childTnLst>
-        </p:cTn>
+        <p:cTn id="1" dur="indefinite" restart="never" nodeType="tmRoot"/>
       </p:par>
     </p:tnLst>
   </p:timing>

--- a/presentation/Presentation.pptx
+++ b/presentation/Presentation.pptx
@@ -2913,11 +2913,11 @@
           <c:showPercent val="0"/>
           <c:showBubbleSize val="0"/>
         </c:dLbls>
-        <c:axId val="-336008592"/>
-        <c:axId val="-336008048"/>
+        <c:axId val="1700614000"/>
+        <c:axId val="1700613456"/>
       </c:scatterChart>
       <c:valAx>
-        <c:axId val="-336008592"/>
+        <c:axId val="1700614000"/>
         <c:scaling>
           <c:orientation val="minMax"/>
         </c:scaling>
@@ -2927,12 +2927,12 @@
         <c:majorTickMark val="none"/>
         <c:minorTickMark val="none"/>
         <c:tickLblPos val="nextTo"/>
-        <c:crossAx val="-336008048"/>
+        <c:crossAx val="1700613456"/>
         <c:crosses val="autoZero"/>
         <c:crossBetween val="midCat"/>
       </c:valAx>
       <c:valAx>
-        <c:axId val="-336008048"/>
+        <c:axId val="1700613456"/>
         <c:scaling>
           <c:orientation val="minMax"/>
         </c:scaling>
@@ -2942,7 +2942,7 @@
         <c:majorTickMark val="none"/>
         <c:minorTickMark val="none"/>
         <c:tickLblPos val="nextTo"/>
-        <c:crossAx val="-336008592"/>
+        <c:crossAx val="1700614000"/>
         <c:crosses val="autoZero"/>
         <c:crossBetween val="midCat"/>
       </c:valAx>
@@ -5663,11 +5663,11 @@
           <c:showPercent val="0"/>
           <c:showBubbleSize val="0"/>
         </c:dLbls>
-        <c:axId val="-458312624"/>
-        <c:axId val="-458309904"/>
+        <c:axId val="1700616720"/>
+        <c:axId val="1700615088"/>
       </c:scatterChart>
       <c:valAx>
-        <c:axId val="-458312624"/>
+        <c:axId val="1700616720"/>
         <c:scaling>
           <c:orientation val="minMax"/>
         </c:scaling>
@@ -5677,12 +5677,12 @@
         <c:majorTickMark val="none"/>
         <c:minorTickMark val="none"/>
         <c:tickLblPos val="nextTo"/>
-        <c:crossAx val="-458309904"/>
+        <c:crossAx val="1700615088"/>
         <c:crosses val="autoZero"/>
         <c:crossBetween val="midCat"/>
       </c:valAx>
       <c:valAx>
-        <c:axId val="-458309904"/>
+        <c:axId val="1700615088"/>
         <c:scaling>
           <c:orientation val="minMax"/>
         </c:scaling>
@@ -5692,7 +5692,7 @@
         <c:majorTickMark val="none"/>
         <c:minorTickMark val="none"/>
         <c:tickLblPos val="nextTo"/>
-        <c:crossAx val="-458312624"/>
+        <c:crossAx val="1700616720"/>
         <c:crosses val="autoZero"/>
         <c:crossBetween val="midCat"/>
       </c:valAx>
@@ -8511,11 +8511,11 @@
           <c:showPercent val="0"/>
           <c:showBubbleSize val="0"/>
         </c:dLbls>
-        <c:axId val="-336635952"/>
-        <c:axId val="-336642480"/>
+        <c:axId val="1696140496"/>
+        <c:axId val="1696137776"/>
       </c:scatterChart>
       <c:valAx>
-        <c:axId val="-336635952"/>
+        <c:axId val="1696140496"/>
         <c:scaling>
           <c:orientation val="minMax"/>
         </c:scaling>
@@ -8525,12 +8525,12 @@
         <c:majorTickMark val="none"/>
         <c:minorTickMark val="none"/>
         <c:tickLblPos val="nextTo"/>
-        <c:crossAx val="-336642480"/>
+        <c:crossAx val="1696137776"/>
         <c:crosses val="autoZero"/>
         <c:crossBetween val="midCat"/>
       </c:valAx>
       <c:valAx>
-        <c:axId val="-336642480"/>
+        <c:axId val="1696137776"/>
         <c:scaling>
           <c:orientation val="minMax"/>
         </c:scaling>
@@ -8540,7 +8540,7 @@
         <c:majorTickMark val="none"/>
         <c:minorTickMark val="none"/>
         <c:tickLblPos val="nextTo"/>
-        <c:crossAx val="-336635952"/>
+        <c:crossAx val="1696140496"/>
         <c:crosses val="autoZero"/>
         <c:crossBetween val="midCat"/>
       </c:valAx>
@@ -11261,11 +11261,11 @@
           <c:showPercent val="0"/>
           <c:showBubbleSize val="0"/>
         </c:dLbls>
-        <c:axId val="-369393456"/>
-        <c:axId val="-369392912"/>
+        <c:axId val="1697428960"/>
+        <c:axId val="1697425696"/>
       </c:scatterChart>
       <c:valAx>
-        <c:axId val="-369393456"/>
+        <c:axId val="1697428960"/>
         <c:scaling>
           <c:orientation val="minMax"/>
         </c:scaling>
@@ -11275,12 +11275,12 @@
         <c:majorTickMark val="none"/>
         <c:minorTickMark val="none"/>
         <c:tickLblPos val="nextTo"/>
-        <c:crossAx val="-369392912"/>
+        <c:crossAx val="1697425696"/>
         <c:crosses val="autoZero"/>
         <c:crossBetween val="midCat"/>
       </c:valAx>
       <c:valAx>
-        <c:axId val="-369392912"/>
+        <c:axId val="1697425696"/>
         <c:scaling>
           <c:orientation val="minMax"/>
         </c:scaling>
@@ -11290,7 +11290,7 @@
         <c:majorTickMark val="none"/>
         <c:minorTickMark val="none"/>
         <c:tickLblPos val="nextTo"/>
-        <c:crossAx val="-369393456"/>
+        <c:crossAx val="1697428960"/>
         <c:crosses val="autoZero"/>
         <c:crossBetween val="midCat"/>
       </c:valAx>
@@ -21670,8 +21670,8 @@
           </a:p>
         </p:txBody>
       </p:sp>
-      <mc:AlternateContent xmlns:mc="http://schemas.openxmlformats.org/markup-compatibility/2006">
-        <mc:Choice xmlns:a14="http://schemas.microsoft.com/office/drawing/2010/main" Requires="a14">
+      <mc:AlternateContent xmlns:mc="http://schemas.openxmlformats.org/markup-compatibility/2006" xmlns:a14="http://schemas.microsoft.com/office/drawing/2010/main">
+        <mc:Choice Requires="a14">
           <p:sp>
             <p:nvSpPr>
               <p:cNvPr id="55" name="TextBox 54"/>
@@ -21694,6 +21694,7 @@
               </a:bodyPr>
               <a:lstStyle/>
               <a:p>
+                <a:pPr/>
                 <a14:m>
                   <m:oMathPara xmlns:m="http://schemas.openxmlformats.org/officeDocument/2006/math">
                     <m:oMathParaPr>
@@ -21759,7 +21760,7 @@
             </p:txBody>
           </p:sp>
         </mc:Choice>
-        <mc:Fallback>
+        <mc:Fallback xmlns="">
           <p:sp>
             <p:nvSpPr>
               <p:cNvPr id="55" name="TextBox 54"/>
@@ -21798,8 +21799,8 @@
           </p:sp>
         </mc:Fallback>
       </mc:AlternateContent>
-      <mc:AlternateContent xmlns:mc="http://schemas.openxmlformats.org/markup-compatibility/2006">
-        <mc:Choice xmlns:a14="http://schemas.microsoft.com/office/drawing/2010/main" Requires="a14">
+      <mc:AlternateContent xmlns:mc="http://schemas.openxmlformats.org/markup-compatibility/2006" xmlns:a14="http://schemas.microsoft.com/office/drawing/2010/main">
+        <mc:Choice Requires="a14">
           <p:sp>
             <p:nvSpPr>
               <p:cNvPr id="56" name="Rectangle 55"/>
@@ -22017,7 +22018,7 @@
             </p:txBody>
           </p:sp>
         </mc:Choice>
-        <mc:Fallback>
+        <mc:Fallback xmlns="">
           <p:sp>
             <p:nvSpPr>
               <p:cNvPr id="56" name="Rectangle 55"/>
@@ -22092,8 +22093,8 @@
           </a:fontRef>
         </p:style>
       </p:cxnSp>
-      <mc:AlternateContent xmlns:mc="http://schemas.openxmlformats.org/markup-compatibility/2006">
-        <mc:Choice xmlns:a14="http://schemas.microsoft.com/office/drawing/2010/main" Requires="a14">
+      <mc:AlternateContent xmlns:mc="http://schemas.openxmlformats.org/markup-compatibility/2006" xmlns:a14="http://schemas.microsoft.com/office/drawing/2010/main">
+        <mc:Choice Requires="a14">
           <p:sp>
             <p:nvSpPr>
               <p:cNvPr id="58" name="Rectangle 57"/>
@@ -22304,7 +22305,7 @@
             </p:txBody>
           </p:sp>
         </mc:Choice>
-        <mc:Fallback>
+        <mc:Fallback xmlns="">
           <p:sp>
             <p:nvSpPr>
               <p:cNvPr id="58" name="Rectangle 57"/>
@@ -22433,8 +22434,8 @@
           </a:p>
         </p:txBody>
       </p:sp>
-      <mc:AlternateContent xmlns:mc="http://schemas.openxmlformats.org/markup-compatibility/2006">
-        <mc:Choice xmlns:a14="http://schemas.microsoft.com/office/drawing/2010/main" Requires="a14">
+      <mc:AlternateContent xmlns:mc="http://schemas.openxmlformats.org/markup-compatibility/2006" xmlns:a14="http://schemas.microsoft.com/office/drawing/2010/main">
+        <mc:Choice Requires="a14">
           <p:sp>
             <p:nvSpPr>
               <p:cNvPr id="61" name="TextBox 60"/>
@@ -22457,6 +22458,7 @@
               </a:bodyPr>
               <a:lstStyle/>
               <a:p>
+                <a:pPr/>
                 <a14:m>
                   <m:oMathPara xmlns:m="http://schemas.openxmlformats.org/officeDocument/2006/math">
                     <m:oMathParaPr>
@@ -22514,7 +22516,7 @@
             </p:txBody>
           </p:sp>
         </mc:Choice>
-        <mc:Fallback>
+        <mc:Fallback xmlns="">
           <p:sp>
             <p:nvSpPr>
               <p:cNvPr id="61" name="TextBox 60"/>
@@ -23994,35 +23996,35 @@
                     <a:gridCol w="999490">
                       <a:extLst>
                         <a:ext uri="{9D8B030D-6E8A-4147-A177-3AD203B41FA5}">
-                          <a16:colId xmlns="" xmlns:a16="http://schemas.microsoft.com/office/drawing/2014/main" val="1216725777"/>
+                          <a16:colId xmlns:a16="http://schemas.microsoft.com/office/drawing/2014/main" xmlns="" val="1216725777"/>
                         </a:ext>
                       </a:extLst>
                     </a:gridCol>
                     <a:gridCol w="999490">
                       <a:extLst>
                         <a:ext uri="{9D8B030D-6E8A-4147-A177-3AD203B41FA5}">
-                          <a16:colId xmlns="" xmlns:a16="http://schemas.microsoft.com/office/drawing/2014/main" val="1506238522"/>
+                          <a16:colId xmlns:a16="http://schemas.microsoft.com/office/drawing/2014/main" xmlns="" val="1506238522"/>
                         </a:ext>
                       </a:extLst>
                     </a:gridCol>
                     <a:gridCol w="999490">
                       <a:extLst>
                         <a:ext uri="{9D8B030D-6E8A-4147-A177-3AD203B41FA5}">
-                          <a16:colId xmlns="" xmlns:a16="http://schemas.microsoft.com/office/drawing/2014/main" val="2836820485"/>
+                          <a16:colId xmlns:a16="http://schemas.microsoft.com/office/drawing/2014/main" xmlns="" val="2836820485"/>
                         </a:ext>
                       </a:extLst>
                     </a:gridCol>
                     <a:gridCol w="999490">
                       <a:extLst>
                         <a:ext uri="{9D8B030D-6E8A-4147-A177-3AD203B41FA5}">
-                          <a16:colId xmlns="" xmlns:a16="http://schemas.microsoft.com/office/drawing/2014/main" val="1651784423"/>
+                          <a16:colId xmlns:a16="http://schemas.microsoft.com/office/drawing/2014/main" xmlns="" val="1651784423"/>
                         </a:ext>
                       </a:extLst>
                     </a:gridCol>
                     <a:gridCol w="999490">
                       <a:extLst>
                         <a:ext uri="{9D8B030D-6E8A-4147-A177-3AD203B41FA5}">
-                          <a16:colId xmlns="" xmlns:a16="http://schemas.microsoft.com/office/drawing/2014/main" val="1257235431"/>
+                          <a16:colId xmlns:a16="http://schemas.microsoft.com/office/drawing/2014/main" xmlns="" val="1257235431"/>
                         </a:ext>
                       </a:extLst>
                     </a:gridCol>
@@ -24343,7 +24345,7 @@
                     </a:tc>
                     <a:extLst>
                       <a:ext uri="{0D108BD9-81ED-4DB2-BD59-A6C34878D82A}">
-                        <a16:rowId xmlns="" xmlns:a16="http://schemas.microsoft.com/office/drawing/2014/main" val="1324942624"/>
+                        <a16:rowId xmlns:a16="http://schemas.microsoft.com/office/drawing/2014/main" xmlns="" val="1324942624"/>
                       </a:ext>
                     </a:extLst>
                   </a:tr>
@@ -24531,7 +24533,7 @@
                     </a:tc>
                     <a:extLst>
                       <a:ext uri="{0D108BD9-81ED-4DB2-BD59-A6C34878D82A}">
-                        <a16:rowId xmlns="" xmlns:a16="http://schemas.microsoft.com/office/drawing/2014/main" val="2491110305"/>
+                        <a16:rowId xmlns:a16="http://schemas.microsoft.com/office/drawing/2014/main" xmlns="" val="2491110305"/>
                       </a:ext>
                     </a:extLst>
                   </a:tr>
@@ -24719,7 +24721,7 @@
                     </a:tc>
                     <a:extLst>
                       <a:ext uri="{0D108BD9-81ED-4DB2-BD59-A6C34878D82A}">
-                        <a16:rowId xmlns="" xmlns:a16="http://schemas.microsoft.com/office/drawing/2014/main" val="1031351399"/>
+                        <a16:rowId xmlns:a16="http://schemas.microsoft.com/office/drawing/2014/main" xmlns="" val="1031351399"/>
                       </a:ext>
                     </a:extLst>
                   </a:tr>
@@ -24907,7 +24909,7 @@
                     </a:tc>
                     <a:extLst>
                       <a:ext uri="{0D108BD9-81ED-4DB2-BD59-A6C34878D82A}">
-                        <a16:rowId xmlns="" xmlns:a16="http://schemas.microsoft.com/office/drawing/2014/main" val="1041437350"/>
+                        <a16:rowId xmlns:a16="http://schemas.microsoft.com/office/drawing/2014/main" xmlns="" val="1041437350"/>
                       </a:ext>
                     </a:extLst>
                   </a:tr>
@@ -25095,7 +25097,7 @@
                     </a:tc>
                     <a:extLst>
                       <a:ext uri="{0D108BD9-81ED-4DB2-BD59-A6C34878D82A}">
-                        <a16:rowId xmlns="" xmlns:a16="http://schemas.microsoft.com/office/drawing/2014/main" val="2051532882"/>
+                        <a16:rowId xmlns:a16="http://schemas.microsoft.com/office/drawing/2014/main" xmlns="" val="2051532882"/>
                       </a:ext>
                     </a:extLst>
                   </a:tr>
@@ -25283,7 +25285,7 @@
                     </a:tc>
                     <a:extLst>
                       <a:ext uri="{0D108BD9-81ED-4DB2-BD59-A6C34878D82A}">
-                        <a16:rowId xmlns="" xmlns:a16="http://schemas.microsoft.com/office/drawing/2014/main" val="4146497862"/>
+                        <a16:rowId xmlns:a16="http://schemas.microsoft.com/office/drawing/2014/main" xmlns="" val="4146497862"/>
                       </a:ext>
                     </a:extLst>
                   </a:tr>
@@ -25374,7 +25376,7 @@
                     </a:tc>
                     <a:extLst>
                       <a:ext uri="{0D108BD9-81ED-4DB2-BD59-A6C34878D82A}">
-                        <a16:rowId xmlns="" xmlns:a16="http://schemas.microsoft.com/office/drawing/2014/main" val="766546503"/>
+                        <a16:rowId xmlns:a16="http://schemas.microsoft.com/office/drawing/2014/main" xmlns="" val="766546503"/>
                       </a:ext>
                     </a:extLst>
                   </a:tr>
@@ -27214,7 +27216,7 @@
         <p:spPr>
           <a:xfrm>
             <a:off x="1215736" y="2504209"/>
-            <a:ext cx="9601490" cy="2308324"/>
+            <a:ext cx="9601490" cy="1754326"/>
           </a:xfrm>
           <a:prstGeom prst="rect">
             <a:avLst/>
@@ -27229,7 +27231,23 @@
           <a:p>
             <a:r>
               <a:rPr lang="hy-AM" dirty="0" smtClean="0"/>
-              <a:t>Կազմվեց ծրագիր, որը հնարավորություն է տալիս վերբեռնել պատկերը</a:t>
+              <a:t>Մշակվեց </a:t>
+            </a:r>
+            <a:r>
+              <a:rPr lang="hy-AM" dirty="0" smtClean="0"/>
+              <a:t>ծրագիր</a:t>
+            </a:r>
+            <a:r>
+              <a:rPr lang="hy-AM" dirty="0" smtClean="0"/>
+              <a:t>, </a:t>
+            </a:r>
+            <a:r>
+              <a:rPr lang="hy-AM" dirty="0" smtClean="0"/>
+              <a:t>որում կա հնարավորություն բեռնել </a:t>
+            </a:r>
+            <a:r>
+              <a:rPr lang="hy-AM" dirty="0" smtClean="0"/>
+              <a:t>պատկերը</a:t>
             </a:r>
             <a:r>
               <a:rPr lang="en-US" dirty="0" smtClean="0"/>
@@ -27237,45 +27255,75 @@
             </a:r>
             <a:r>
               <a:rPr lang="hy-AM" dirty="0" smtClean="0"/>
-              <a:t>նրա վրա կատարել որոշակի փոփոխություններ</a:t>
+              <a:t>նրա վրա կատարել որոշակի </a:t>
             </a:r>
             <a:r>
-              <a:rPr lang="en-US" dirty="0"/>
+              <a:rPr lang="hy-AM" dirty="0" smtClean="0"/>
+              <a:t>փոփոխություններ </a:t>
+            </a:r>
+            <a:r>
+              <a:rPr lang="en-US" dirty="0" smtClean="0"/>
               <a:t>(</a:t>
             </a:r>
             <a:r>
               <a:rPr lang="hy-AM" dirty="0"/>
-              <a:t>իրագործել որոշակի ալգորիթմներ օգտագործողի մուտքագրած արժեքներով</a:t>
+              <a:t>իրագործել որոշակի ալգորիթմներ օգտագործողի մուտքագրած </a:t>
             </a:r>
             <a:r>
-              <a:rPr lang="en-US" dirty="0"/>
+              <a:rPr lang="hy-AM" dirty="0" smtClean="0"/>
+              <a:t>արգումենտներով</a:t>
+            </a:r>
+            <a:r>
+              <a:rPr lang="en-US" dirty="0" smtClean="0"/>
               <a:t>)</a:t>
             </a:r>
             <a:r>
-              <a:rPr lang="hy-AM" dirty="0"/>
-              <a:t> և տեսնել արդյունքը նոր </a:t>
+              <a:rPr lang="hy-AM" dirty="0" smtClean="0"/>
+              <a:t>։ </a:t>
             </a:r>
             <a:r>
               <a:rPr lang="hy-AM" dirty="0" smtClean="0"/>
-              <a:t>պատկերում։ Հնարավորություն է տրվում վերբեռնած պատկերի չափերը փոփոխելու, որպիսի հետագայում պատկերները պահպանելուց հիշողությունից շատ տարածք չպահանջվի։ Ծրագիրը կարողանում է վերբեռնած </a:t>
+              <a:t>Կարող ենք պատկերի չափերը փոփոխել</a:t>
+            </a:r>
+            <a:r>
+              <a:rPr lang="en-US" dirty="0" smtClean="0"/>
+              <a:t> (</a:t>
+            </a:r>
+            <a:r>
+              <a:rPr lang="hy-AM" dirty="0" smtClean="0"/>
+              <a:t>մեծացնել,փոքրացնել</a:t>
+            </a:r>
+            <a:r>
+              <a:rPr lang="en-US" dirty="0" smtClean="0"/>
+              <a:t>)</a:t>
+            </a:r>
+            <a:r>
+              <a:rPr lang="hy-AM" dirty="0" smtClean="0"/>
+              <a:t>, նրա մեջ </a:t>
             </a:r>
             <a:r>
               <a:rPr lang="hy-AM" dirty="0"/>
-              <a:t>պատկերի մեջ հայտնաբերել ուղիղ գծերը, շրջանագծերը,օբյեկտների եզրագծերը, </a:t>
+              <a:t>հայտնաբերել ուղիղ գծերը, </a:t>
             </a:r>
             <a:r>
               <a:rPr lang="hy-AM" dirty="0" smtClean="0"/>
-              <a:t>առանձնացնել </a:t>
+              <a:t>շրջանագծերը, օբյեկտների եզրագծերը</a:t>
             </a:r>
             <a:r>
               <a:rPr lang="hy-AM" dirty="0"/>
-              <a:t>մարդու դեմքը պատկերից։</a:t>
+              <a:t>։ </a:t>
             </a:r>
-          </a:p>
-          <a:p>
             <a:r>
               <a:rPr lang="hy-AM" dirty="0" smtClean="0"/>
+              <a:t>Ֆոտոխցիկից</a:t>
+            </a:r>
+            <a:r>
+              <a:rPr lang="en-US" dirty="0" smtClean="0"/>
               <a:t> </a:t>
+            </a:r>
+            <a:r>
+              <a:rPr lang="hy-AM" dirty="0" smtClean="0"/>
+              <a:t>կարողանում է առանձնացնել մարդու դեմքը և քառակուսու մեջ է վերցնում։</a:t>
             </a:r>
             <a:endParaRPr lang="en-US" dirty="0"/>
           </a:p>
@@ -27603,8 +27651,8 @@
           </a:p>
         </p:txBody>
       </p:sp>
-      <mc:AlternateContent xmlns:mc="http://schemas.openxmlformats.org/markup-compatibility/2006">
-        <mc:Choice xmlns:a14="http://schemas.microsoft.com/office/drawing/2010/main" Requires="a14">
+      <mc:AlternateContent xmlns:mc="http://schemas.openxmlformats.org/markup-compatibility/2006" xmlns:a14="http://schemas.microsoft.com/office/drawing/2010/main">
+        <mc:Choice Requires="a14">
           <p:sp>
             <p:nvSpPr>
               <p:cNvPr id="24" name="TextBox 23"/>
@@ -27627,6 +27675,7 @@
               </a:bodyPr>
               <a:lstStyle/>
               <a:p>
+                <a:pPr/>
                 <a14:m>
                   <m:oMathPara xmlns:m="http://schemas.openxmlformats.org/officeDocument/2006/math">
                     <m:oMathParaPr>
@@ -27692,7 +27741,7 @@
             </p:txBody>
           </p:sp>
         </mc:Choice>
-        <mc:Fallback>
+        <mc:Fallback xmlns="">
           <p:sp>
             <p:nvSpPr>
               <p:cNvPr id="24" name="TextBox 23"/>
@@ -27731,8 +27780,8 @@
           </p:sp>
         </mc:Fallback>
       </mc:AlternateContent>
-      <mc:AlternateContent xmlns:mc="http://schemas.openxmlformats.org/markup-compatibility/2006">
-        <mc:Choice xmlns:a14="http://schemas.microsoft.com/office/drawing/2010/main" Requires="a14">
+      <mc:AlternateContent xmlns:mc="http://schemas.openxmlformats.org/markup-compatibility/2006" xmlns:a14="http://schemas.microsoft.com/office/drawing/2010/main">
+        <mc:Choice Requires="a14">
           <p:sp>
             <p:nvSpPr>
               <p:cNvPr id="25" name="Rectangle 24"/>
@@ -27950,7 +27999,7 @@
             </p:txBody>
           </p:sp>
         </mc:Choice>
-        <mc:Fallback>
+        <mc:Fallback xmlns="">
           <p:sp>
             <p:nvSpPr>
               <p:cNvPr id="25" name="Rectangle 24"/>
@@ -28025,8 +28074,8 @@
           </a:fontRef>
         </p:style>
       </p:cxnSp>
-      <mc:AlternateContent xmlns:mc="http://schemas.openxmlformats.org/markup-compatibility/2006">
-        <mc:Choice xmlns:a14="http://schemas.microsoft.com/office/drawing/2010/main" Requires="a14">
+      <mc:AlternateContent xmlns:mc="http://schemas.openxmlformats.org/markup-compatibility/2006" xmlns:a14="http://schemas.microsoft.com/office/drawing/2010/main">
+        <mc:Choice Requires="a14">
           <p:sp>
             <p:nvSpPr>
               <p:cNvPr id="28" name="Rectangle 27"/>
@@ -28237,7 +28286,7 @@
             </p:txBody>
           </p:sp>
         </mc:Choice>
-        <mc:Fallback>
+        <mc:Fallback xmlns="">
           <p:sp>
             <p:nvSpPr>
               <p:cNvPr id="28" name="Rectangle 27"/>
@@ -28366,8 +28415,8 @@
           </a:p>
         </p:txBody>
       </p:sp>
-      <mc:AlternateContent xmlns:mc="http://schemas.openxmlformats.org/markup-compatibility/2006">
-        <mc:Choice xmlns:a14="http://schemas.microsoft.com/office/drawing/2010/main" Requires="a14">
+      <mc:AlternateContent xmlns:mc="http://schemas.openxmlformats.org/markup-compatibility/2006" xmlns:a14="http://schemas.microsoft.com/office/drawing/2010/main">
+        <mc:Choice Requires="a14">
           <p:sp>
             <p:nvSpPr>
               <p:cNvPr id="32" name="TextBox 31"/>
@@ -28390,6 +28439,7 @@
               </a:bodyPr>
               <a:lstStyle/>
               <a:p>
+                <a:pPr/>
                 <a14:m>
                   <m:oMathPara xmlns:m="http://schemas.openxmlformats.org/officeDocument/2006/math">
                     <m:oMathParaPr>
@@ -28447,7 +28497,7 @@
             </p:txBody>
           </p:sp>
         </mc:Choice>
-        <mc:Fallback>
+        <mc:Fallback xmlns="">
           <p:sp>
             <p:nvSpPr>
               <p:cNvPr id="32" name="TextBox 31"/>
@@ -28575,17 +28625,8 @@
           <a:p>
             <a:r>
               <a:rPr lang="hy-AM" sz="2400" dirty="0" smtClean="0"/>
-              <a:t>Ուսումնասիրել պատկերների հետ աշխատանքը, որի արդյունքում ստեղծել ծրագիր, որը կտա պատկերը բեռնելու և </a:t>
+              <a:t>Ուսումնասիրել պատկերների հետ աշխատանքը, որի արդյունքում ստեղծել ծրագիր, որը կտա պատկերը բեռնելու և նրա վրա իրականացնելու հետևյալ գործողությունները՝</a:t>
             </a:r>
-            <a:r>
-              <a:rPr lang="hy-AM" sz="2400" dirty="0" smtClean="0"/>
-              <a:t>նրա վրա իրականացնելու հետևյալ գործողությունները</a:t>
-            </a:r>
-            <a:r>
-              <a:rPr lang="hy-AM" sz="2400" dirty="0" smtClean="0"/>
-              <a:t>՝</a:t>
-            </a:r>
-            <a:endParaRPr lang="hy-AM" sz="2400" dirty="0" smtClean="0"/>
           </a:p>
           <a:p>
             <a:pPr marL="285750" indent="-285750">
@@ -28594,11 +28635,7 @@
             </a:pPr>
             <a:r>
               <a:rPr lang="hy-AM" sz="2400" dirty="0" smtClean="0"/>
-              <a:t>կատարել </a:t>
-            </a:r>
-            <a:r>
-              <a:rPr lang="hy-AM" sz="2400" dirty="0" smtClean="0"/>
-              <a:t>որոշակի փոփոխություններ</a:t>
+              <a:t>կատարել որոշակի փոփոխություններ</a:t>
             </a:r>
             <a:r>
               <a:rPr lang="en-US" sz="2400" dirty="0" smtClean="0"/>
@@ -28632,15 +28669,7 @@
             </a:pPr>
             <a:r>
               <a:rPr lang="hy-AM" sz="2400" dirty="0" smtClean="0"/>
-              <a:t>մեծացնել և փոքրացնել </a:t>
-            </a:r>
-            <a:r>
-              <a:rPr lang="hy-AM" sz="2400" dirty="0" smtClean="0"/>
-              <a:t>պատկերի </a:t>
-            </a:r>
-            <a:r>
-              <a:rPr lang="hy-AM" sz="2400" dirty="0" smtClean="0"/>
-              <a:t>չափերը</a:t>
+              <a:t>մեծացնել և փոքրացնել պատկերի չափերը</a:t>
             </a:r>
           </a:p>
           <a:p>
@@ -28650,11 +28679,7 @@
             </a:pPr>
             <a:r>
               <a:rPr lang="hy-AM" sz="2400" dirty="0" smtClean="0"/>
-              <a:t>պատկերի </a:t>
-            </a:r>
-            <a:r>
-              <a:rPr lang="hy-AM" sz="2400" dirty="0" smtClean="0"/>
-              <a:t>մեջ հայտնաբերել ուղիղ գծերը,</a:t>
+              <a:t>պատկերի մեջ հայտնաբերել ուղիղ գծերը,</a:t>
             </a:r>
             <a:r>
               <a:rPr lang="en-US" sz="2400" dirty="0" smtClean="0"/>
@@ -30717,14 +30742,14 @@
                 <a:gridCol w="2616957">
                   <a:extLst>
                     <a:ext uri="{9D8B030D-6E8A-4147-A177-3AD203B41FA5}">
-                      <a16:colId xmlns="" xmlns:a16="http://schemas.microsoft.com/office/drawing/2014/main" val="3318161435"/>
+                      <a16:colId xmlns:a16="http://schemas.microsoft.com/office/drawing/2014/main" xmlns="" val="3318161435"/>
                     </a:ext>
                   </a:extLst>
                 </a:gridCol>
                 <a:gridCol w="2640843">
                   <a:extLst>
                     <a:ext uri="{9D8B030D-6E8A-4147-A177-3AD203B41FA5}">
-                      <a16:colId xmlns="" xmlns:a16="http://schemas.microsoft.com/office/drawing/2014/main" val="4127245324"/>
+                      <a16:colId xmlns:a16="http://schemas.microsoft.com/office/drawing/2014/main" xmlns="" val="4127245324"/>
                     </a:ext>
                   </a:extLst>
                 </a:gridCol>
@@ -30801,7 +30826,7 @@
                 </a:tc>
                 <a:extLst>
                   <a:ext uri="{0D108BD9-81ED-4DB2-BD59-A6C34878D82A}">
-                    <a16:rowId xmlns="" xmlns:a16="http://schemas.microsoft.com/office/drawing/2014/main" val="2750261522"/>
+                    <a16:rowId xmlns:a16="http://schemas.microsoft.com/office/drawing/2014/main" xmlns="" val="2750261522"/>
                   </a:ext>
                 </a:extLst>
               </a:tr>

--- a/presentation/Presentation.pptx
+++ b/presentation/Presentation.pptx
@@ -5,7 +5,7 @@
     <p:sldMasterId id="2147483648" r:id="rId1"/>
   </p:sldMasterIdLst>
   <p:notesMasterIdLst>
-    <p:notesMasterId r:id="rId21"/>
+    <p:notesMasterId r:id="rId20"/>
   </p:notesMasterIdLst>
   <p:sldIdLst>
     <p:sldId id="256" r:id="rId2"/>
@@ -26,7 +26,6 @@
     <p:sldId id="268" r:id="rId17"/>
     <p:sldId id="277" r:id="rId18"/>
     <p:sldId id="279" r:id="rId19"/>
-    <p:sldId id="289" r:id="rId20"/>
   </p:sldIdLst>
   <p:sldSz cx="12192000" cy="6858000"/>
   <p:notesSz cx="6858000" cy="9144000"/>
@@ -2913,11 +2912,11 @@
           <c:showPercent val="0"/>
           <c:showBubbleSize val="0"/>
         </c:dLbls>
-        <c:axId val="1700614000"/>
-        <c:axId val="1700613456"/>
+        <c:axId val="1631690928"/>
+        <c:axId val="1631702896"/>
       </c:scatterChart>
       <c:valAx>
-        <c:axId val="1700614000"/>
+        <c:axId val="1631690928"/>
         <c:scaling>
           <c:orientation val="minMax"/>
         </c:scaling>
@@ -2927,12 +2926,12 @@
         <c:majorTickMark val="none"/>
         <c:minorTickMark val="none"/>
         <c:tickLblPos val="nextTo"/>
-        <c:crossAx val="1700613456"/>
+        <c:crossAx val="1631702896"/>
         <c:crosses val="autoZero"/>
         <c:crossBetween val="midCat"/>
       </c:valAx>
       <c:valAx>
-        <c:axId val="1700613456"/>
+        <c:axId val="1631702896"/>
         <c:scaling>
           <c:orientation val="minMax"/>
         </c:scaling>
@@ -2942,7 +2941,7 @@
         <c:majorTickMark val="none"/>
         <c:minorTickMark val="none"/>
         <c:tickLblPos val="nextTo"/>
-        <c:crossAx val="1700614000"/>
+        <c:crossAx val="1631690928"/>
         <c:crosses val="autoZero"/>
         <c:crossBetween val="midCat"/>
       </c:valAx>
@@ -5663,11 +5662,11 @@
           <c:showPercent val="0"/>
           <c:showBubbleSize val="0"/>
         </c:dLbls>
-        <c:axId val="1700616720"/>
-        <c:axId val="1700615088"/>
+        <c:axId val="1631695824"/>
+        <c:axId val="1631692560"/>
       </c:scatterChart>
       <c:valAx>
-        <c:axId val="1700616720"/>
+        <c:axId val="1631695824"/>
         <c:scaling>
           <c:orientation val="minMax"/>
         </c:scaling>
@@ -5677,12 +5676,12 @@
         <c:majorTickMark val="none"/>
         <c:minorTickMark val="none"/>
         <c:tickLblPos val="nextTo"/>
-        <c:crossAx val="1700615088"/>
+        <c:crossAx val="1631692560"/>
         <c:crosses val="autoZero"/>
         <c:crossBetween val="midCat"/>
       </c:valAx>
       <c:valAx>
-        <c:axId val="1700615088"/>
+        <c:axId val="1631692560"/>
         <c:scaling>
           <c:orientation val="minMax"/>
         </c:scaling>
@@ -5692,5605 +5691,7 @@
         <c:majorTickMark val="none"/>
         <c:minorTickMark val="none"/>
         <c:tickLblPos val="nextTo"/>
-        <c:crossAx val="1700616720"/>
-        <c:crosses val="autoZero"/>
-        <c:crossBetween val="midCat"/>
-      </c:valAx>
-      <c:spPr>
-        <a:noFill/>
-        <a:ln>
-          <a:noFill/>
-        </a:ln>
-        <a:effectLst/>
-      </c:spPr>
-    </c:plotArea>
-    <c:plotVisOnly val="1"/>
-    <c:dispBlanksAs val="gap"/>
-    <c:showDLblsOverMax val="0"/>
-  </c:chart>
-  <c:spPr>
-    <a:noFill/>
-    <a:ln>
-      <a:noFill/>
-    </a:ln>
-    <a:effectLst/>
-  </c:spPr>
-  <c:txPr>
-    <a:bodyPr/>
-    <a:lstStyle/>
-    <a:p>
-      <a:pPr>
-        <a:defRPr/>
-      </a:pPr>
-      <a:endParaRPr lang="en-US"/>
-    </a:p>
-  </c:txPr>
-  <c:externalData r:id="rId3">
-    <c:autoUpdate val="0"/>
-  </c:externalData>
-</c:chartSpace>
-</file>
-
-<file path=ppt/charts/chart3.xml><?xml version="1.0" encoding="utf-8"?>
-<c:chartSpace xmlns:c="http://schemas.openxmlformats.org/drawingml/2006/chart" xmlns:a="http://schemas.openxmlformats.org/drawingml/2006/main" xmlns:r="http://schemas.openxmlformats.org/officeDocument/2006/relationships">
-  <c:date1904 val="0"/>
-  <c:lang val="en-US"/>
-  <c:roundedCorners val="0"/>
-  <mc:AlternateContent xmlns:mc="http://schemas.openxmlformats.org/markup-compatibility/2006">
-    <mc:Choice xmlns:c14="http://schemas.microsoft.com/office/drawing/2007/8/2/chart" Requires="c14">
-      <c14:style val="102"/>
-    </mc:Choice>
-    <mc:Fallback>
-      <c:style val="2"/>
-    </mc:Fallback>
-  </mc:AlternateContent>
-  <c:chart>
-    <c:autoTitleDeleted val="1"/>
-    <c:plotArea>
-      <c:layout/>
-      <c:scatterChart>
-        <c:scatterStyle val="smoothMarker"/>
-        <c:varyColors val="0"/>
-        <c:ser>
-          <c:idx val="0"/>
-          <c:order val="0"/>
-          <c:tx>
-            <c:strRef>
-              <c:f>Sheet1!$B$1</c:f>
-              <c:strCache>
-                <c:ptCount val="1"/>
-                <c:pt idx="0">
-                  <c:v>Y-Values</c:v>
-                </c:pt>
-              </c:strCache>
-            </c:strRef>
-          </c:tx>
-          <c:spPr>
-            <a:ln w="19050" cap="rnd">
-              <a:solidFill>
-                <a:schemeClr val="accent1"/>
-              </a:solidFill>
-              <a:round/>
-            </a:ln>
-            <a:effectLst/>
-          </c:spPr>
-          <c:marker>
-            <c:symbol val="none"/>
-          </c:marker>
-          <c:xVal>
-            <c:numRef>
-              <c:f>Sheet1!$A$2:$A$630</c:f>
-              <c:numCache>
-                <c:formatCode>General</c:formatCode>
-                <c:ptCount val="629"/>
-                <c:pt idx="149">
-                  <c:v>1.49</c:v>
-                </c:pt>
-                <c:pt idx="150">
-                  <c:v>1.5</c:v>
-                </c:pt>
-                <c:pt idx="151">
-                  <c:v>1.51</c:v>
-                </c:pt>
-                <c:pt idx="152">
-                  <c:v>1.52</c:v>
-                </c:pt>
-                <c:pt idx="153">
-                  <c:v>1.53</c:v>
-                </c:pt>
-                <c:pt idx="154">
-                  <c:v>1.54</c:v>
-                </c:pt>
-                <c:pt idx="155">
-                  <c:v>1.55</c:v>
-                </c:pt>
-                <c:pt idx="156">
-                  <c:v>1.56</c:v>
-                </c:pt>
-                <c:pt idx="157">
-                  <c:v>1.57</c:v>
-                </c:pt>
-                <c:pt idx="158">
-                  <c:v>1.58</c:v>
-                </c:pt>
-                <c:pt idx="159">
-                  <c:v>1.59</c:v>
-                </c:pt>
-                <c:pt idx="160">
-                  <c:v>1.6</c:v>
-                </c:pt>
-                <c:pt idx="161">
-                  <c:v>1.61</c:v>
-                </c:pt>
-                <c:pt idx="162">
-                  <c:v>1.62</c:v>
-                </c:pt>
-                <c:pt idx="163">
-                  <c:v>1.63</c:v>
-                </c:pt>
-                <c:pt idx="164">
-                  <c:v>1.64</c:v>
-                </c:pt>
-                <c:pt idx="165">
-                  <c:v>1.65</c:v>
-                </c:pt>
-                <c:pt idx="166">
-                  <c:v>1.66</c:v>
-                </c:pt>
-                <c:pt idx="167">
-                  <c:v>1.67</c:v>
-                </c:pt>
-                <c:pt idx="168">
-                  <c:v>1.68</c:v>
-                </c:pt>
-                <c:pt idx="169">
-                  <c:v>1.69</c:v>
-                </c:pt>
-                <c:pt idx="170">
-                  <c:v>1.7</c:v>
-                </c:pt>
-                <c:pt idx="171">
-                  <c:v>1.71</c:v>
-                </c:pt>
-                <c:pt idx="172">
-                  <c:v>1.72</c:v>
-                </c:pt>
-                <c:pt idx="173">
-                  <c:v>1.73</c:v>
-                </c:pt>
-                <c:pt idx="174">
-                  <c:v>1.74</c:v>
-                </c:pt>
-                <c:pt idx="175">
-                  <c:v>1.75</c:v>
-                </c:pt>
-                <c:pt idx="176">
-                  <c:v>1.76</c:v>
-                </c:pt>
-                <c:pt idx="177">
-                  <c:v>1.77</c:v>
-                </c:pt>
-                <c:pt idx="178">
-                  <c:v>1.78</c:v>
-                </c:pt>
-                <c:pt idx="179">
-                  <c:v>1.79</c:v>
-                </c:pt>
-                <c:pt idx="180">
-                  <c:v>1.8</c:v>
-                </c:pt>
-                <c:pt idx="181">
-                  <c:v>1.81</c:v>
-                </c:pt>
-                <c:pt idx="182">
-                  <c:v>1.82</c:v>
-                </c:pt>
-                <c:pt idx="183">
-                  <c:v>1.83</c:v>
-                </c:pt>
-                <c:pt idx="184">
-                  <c:v>1.84</c:v>
-                </c:pt>
-                <c:pt idx="185">
-                  <c:v>1.85</c:v>
-                </c:pt>
-                <c:pt idx="186">
-                  <c:v>1.86</c:v>
-                </c:pt>
-                <c:pt idx="187">
-                  <c:v>1.87</c:v>
-                </c:pt>
-                <c:pt idx="188">
-                  <c:v>1.88</c:v>
-                </c:pt>
-                <c:pt idx="189">
-                  <c:v>1.89</c:v>
-                </c:pt>
-                <c:pt idx="190">
-                  <c:v>1.9</c:v>
-                </c:pt>
-                <c:pt idx="191">
-                  <c:v>1.91</c:v>
-                </c:pt>
-                <c:pt idx="192">
-                  <c:v>1.92</c:v>
-                </c:pt>
-                <c:pt idx="193">
-                  <c:v>1.93</c:v>
-                </c:pt>
-                <c:pt idx="194">
-                  <c:v>1.94</c:v>
-                </c:pt>
-                <c:pt idx="195">
-                  <c:v>1.95</c:v>
-                </c:pt>
-                <c:pt idx="196">
-                  <c:v>1.96</c:v>
-                </c:pt>
-                <c:pt idx="197">
-                  <c:v>1.97</c:v>
-                </c:pt>
-                <c:pt idx="198">
-                  <c:v>1.98</c:v>
-                </c:pt>
-                <c:pt idx="199">
-                  <c:v>1.99</c:v>
-                </c:pt>
-                <c:pt idx="200">
-                  <c:v>2</c:v>
-                </c:pt>
-                <c:pt idx="201">
-                  <c:v>2.0099999999999998</c:v>
-                </c:pt>
-                <c:pt idx="202">
-                  <c:v>2.02</c:v>
-                </c:pt>
-                <c:pt idx="203">
-                  <c:v>2.0299999999999998</c:v>
-                </c:pt>
-                <c:pt idx="204">
-                  <c:v>2.04</c:v>
-                </c:pt>
-                <c:pt idx="205">
-                  <c:v>2.0499999999999998</c:v>
-                </c:pt>
-                <c:pt idx="206">
-                  <c:v>2.06</c:v>
-                </c:pt>
-                <c:pt idx="207">
-                  <c:v>2.0699999999999998</c:v>
-                </c:pt>
-                <c:pt idx="208">
-                  <c:v>2.08</c:v>
-                </c:pt>
-                <c:pt idx="209">
-                  <c:v>2.09</c:v>
-                </c:pt>
-                <c:pt idx="210">
-                  <c:v>2.1</c:v>
-                </c:pt>
-                <c:pt idx="211">
-                  <c:v>2.11</c:v>
-                </c:pt>
-                <c:pt idx="212">
-                  <c:v>2.12</c:v>
-                </c:pt>
-                <c:pt idx="213">
-                  <c:v>2.13</c:v>
-                </c:pt>
-                <c:pt idx="214">
-                  <c:v>2.14</c:v>
-                </c:pt>
-                <c:pt idx="215">
-                  <c:v>2.15</c:v>
-                </c:pt>
-                <c:pt idx="216">
-                  <c:v>2.16</c:v>
-                </c:pt>
-                <c:pt idx="217">
-                  <c:v>2.17</c:v>
-                </c:pt>
-                <c:pt idx="218">
-                  <c:v>2.1800000000000002</c:v>
-                </c:pt>
-                <c:pt idx="219">
-                  <c:v>2.19</c:v>
-                </c:pt>
-                <c:pt idx="220">
-                  <c:v>2.2000000000000002</c:v>
-                </c:pt>
-                <c:pt idx="221">
-                  <c:v>2.21</c:v>
-                </c:pt>
-                <c:pt idx="222">
-                  <c:v>2.2200000000000002</c:v>
-                </c:pt>
-                <c:pt idx="223">
-                  <c:v>2.23</c:v>
-                </c:pt>
-                <c:pt idx="224">
-                  <c:v>2.2400000000000002</c:v>
-                </c:pt>
-                <c:pt idx="225">
-                  <c:v>2.25</c:v>
-                </c:pt>
-                <c:pt idx="226">
-                  <c:v>2.2599999999999998</c:v>
-                </c:pt>
-                <c:pt idx="227">
-                  <c:v>2.27</c:v>
-                </c:pt>
-                <c:pt idx="228">
-                  <c:v>2.2799999999999998</c:v>
-                </c:pt>
-                <c:pt idx="229">
-                  <c:v>2.29</c:v>
-                </c:pt>
-                <c:pt idx="230">
-                  <c:v>2.2999999999999998</c:v>
-                </c:pt>
-                <c:pt idx="231">
-                  <c:v>2.31</c:v>
-                </c:pt>
-                <c:pt idx="232">
-                  <c:v>2.3199999999999998</c:v>
-                </c:pt>
-                <c:pt idx="233">
-                  <c:v>2.33</c:v>
-                </c:pt>
-                <c:pt idx="234">
-                  <c:v>2.34</c:v>
-                </c:pt>
-                <c:pt idx="235">
-                  <c:v>2.35</c:v>
-                </c:pt>
-                <c:pt idx="236">
-                  <c:v>2.36</c:v>
-                </c:pt>
-                <c:pt idx="237">
-                  <c:v>2.37</c:v>
-                </c:pt>
-                <c:pt idx="238">
-                  <c:v>2.38</c:v>
-                </c:pt>
-                <c:pt idx="239">
-                  <c:v>2.39</c:v>
-                </c:pt>
-                <c:pt idx="240">
-                  <c:v>2.4</c:v>
-                </c:pt>
-                <c:pt idx="241">
-                  <c:v>2.41</c:v>
-                </c:pt>
-                <c:pt idx="242">
-                  <c:v>2.42</c:v>
-                </c:pt>
-                <c:pt idx="243">
-                  <c:v>2.4300000000000002</c:v>
-                </c:pt>
-                <c:pt idx="244">
-                  <c:v>2.44</c:v>
-                </c:pt>
-                <c:pt idx="245">
-                  <c:v>2.4500000000000002</c:v>
-                </c:pt>
-                <c:pt idx="246">
-                  <c:v>2.46</c:v>
-                </c:pt>
-                <c:pt idx="247">
-                  <c:v>2.4700000000000002</c:v>
-                </c:pt>
-                <c:pt idx="248">
-                  <c:v>2.48</c:v>
-                </c:pt>
-                <c:pt idx="249">
-                  <c:v>2.4900000000000002</c:v>
-                </c:pt>
-                <c:pt idx="250">
-                  <c:v>2.5</c:v>
-                </c:pt>
-                <c:pt idx="251">
-                  <c:v>2.5099999999999998</c:v>
-                </c:pt>
-                <c:pt idx="252">
-                  <c:v>2.52</c:v>
-                </c:pt>
-                <c:pt idx="253">
-                  <c:v>2.5299999999999998</c:v>
-                </c:pt>
-                <c:pt idx="254">
-                  <c:v>2.54</c:v>
-                </c:pt>
-                <c:pt idx="255">
-                  <c:v>2.5499999999999998</c:v>
-                </c:pt>
-                <c:pt idx="256">
-                  <c:v>2.56</c:v>
-                </c:pt>
-                <c:pt idx="257">
-                  <c:v>2.57</c:v>
-                </c:pt>
-                <c:pt idx="258">
-                  <c:v>2.58</c:v>
-                </c:pt>
-                <c:pt idx="259">
-                  <c:v>2.59</c:v>
-                </c:pt>
-                <c:pt idx="260">
-                  <c:v>2.6</c:v>
-                </c:pt>
-                <c:pt idx="261">
-                  <c:v>2.61</c:v>
-                </c:pt>
-                <c:pt idx="262">
-                  <c:v>2.62</c:v>
-                </c:pt>
-                <c:pt idx="263">
-                  <c:v>2.63</c:v>
-                </c:pt>
-                <c:pt idx="264">
-                  <c:v>2.64</c:v>
-                </c:pt>
-                <c:pt idx="265">
-                  <c:v>2.65</c:v>
-                </c:pt>
-                <c:pt idx="266">
-                  <c:v>2.66</c:v>
-                </c:pt>
-                <c:pt idx="267">
-                  <c:v>2.67</c:v>
-                </c:pt>
-                <c:pt idx="268">
-                  <c:v>2.68</c:v>
-                </c:pt>
-                <c:pt idx="269">
-                  <c:v>2.69</c:v>
-                </c:pt>
-                <c:pt idx="270">
-                  <c:v>2.7</c:v>
-                </c:pt>
-                <c:pt idx="271">
-                  <c:v>2.71</c:v>
-                </c:pt>
-                <c:pt idx="272">
-                  <c:v>2.72</c:v>
-                </c:pt>
-                <c:pt idx="273">
-                  <c:v>2.73</c:v>
-                </c:pt>
-                <c:pt idx="274">
-                  <c:v>2.74</c:v>
-                </c:pt>
-                <c:pt idx="275">
-                  <c:v>2.75</c:v>
-                </c:pt>
-                <c:pt idx="276">
-                  <c:v>2.76</c:v>
-                </c:pt>
-                <c:pt idx="277">
-                  <c:v>2.77</c:v>
-                </c:pt>
-                <c:pt idx="278">
-                  <c:v>2.78</c:v>
-                </c:pt>
-                <c:pt idx="279">
-                  <c:v>2.79</c:v>
-                </c:pt>
-                <c:pt idx="280">
-                  <c:v>2.8</c:v>
-                </c:pt>
-                <c:pt idx="281">
-                  <c:v>2.81</c:v>
-                </c:pt>
-                <c:pt idx="282">
-                  <c:v>2.82</c:v>
-                </c:pt>
-                <c:pt idx="283">
-                  <c:v>2.83</c:v>
-                </c:pt>
-                <c:pt idx="284">
-                  <c:v>2.84</c:v>
-                </c:pt>
-                <c:pt idx="285">
-                  <c:v>2.85</c:v>
-                </c:pt>
-                <c:pt idx="286">
-                  <c:v>2.86</c:v>
-                </c:pt>
-                <c:pt idx="287">
-                  <c:v>2.87</c:v>
-                </c:pt>
-                <c:pt idx="288">
-                  <c:v>2.88</c:v>
-                </c:pt>
-                <c:pt idx="289">
-                  <c:v>2.89</c:v>
-                </c:pt>
-                <c:pt idx="290">
-                  <c:v>2.9</c:v>
-                </c:pt>
-                <c:pt idx="291">
-                  <c:v>2.91</c:v>
-                </c:pt>
-                <c:pt idx="292">
-                  <c:v>2.92</c:v>
-                </c:pt>
-                <c:pt idx="293">
-                  <c:v>2.93</c:v>
-                </c:pt>
-                <c:pt idx="294">
-                  <c:v>2.94</c:v>
-                </c:pt>
-                <c:pt idx="295">
-                  <c:v>2.95</c:v>
-                </c:pt>
-                <c:pt idx="296">
-                  <c:v>2.96</c:v>
-                </c:pt>
-                <c:pt idx="297">
-                  <c:v>2.97</c:v>
-                </c:pt>
-                <c:pt idx="298">
-                  <c:v>2.98</c:v>
-                </c:pt>
-                <c:pt idx="299">
-                  <c:v>2.99</c:v>
-                </c:pt>
-                <c:pt idx="300">
-                  <c:v>3</c:v>
-                </c:pt>
-                <c:pt idx="301">
-                  <c:v>3.01</c:v>
-                </c:pt>
-                <c:pt idx="302">
-                  <c:v>3.02</c:v>
-                </c:pt>
-                <c:pt idx="303">
-                  <c:v>3.03</c:v>
-                </c:pt>
-                <c:pt idx="304">
-                  <c:v>3.04</c:v>
-                </c:pt>
-                <c:pt idx="305">
-                  <c:v>3.05</c:v>
-                </c:pt>
-                <c:pt idx="306">
-                  <c:v>3.06</c:v>
-                </c:pt>
-                <c:pt idx="307">
-                  <c:v>3.07</c:v>
-                </c:pt>
-                <c:pt idx="308">
-                  <c:v>3.08</c:v>
-                </c:pt>
-                <c:pt idx="309">
-                  <c:v>3.09</c:v>
-                </c:pt>
-                <c:pt idx="310">
-                  <c:v>3.1</c:v>
-                </c:pt>
-                <c:pt idx="311">
-                  <c:v>3.11</c:v>
-                </c:pt>
-                <c:pt idx="312">
-                  <c:v>3.12</c:v>
-                </c:pt>
-                <c:pt idx="313">
-                  <c:v>3.13</c:v>
-                </c:pt>
-                <c:pt idx="314">
-                  <c:v>3.14</c:v>
-                </c:pt>
-                <c:pt idx="315">
-                  <c:v>3.15</c:v>
-                </c:pt>
-                <c:pt idx="316">
-                  <c:v>3.16</c:v>
-                </c:pt>
-                <c:pt idx="317">
-                  <c:v>3.17</c:v>
-                </c:pt>
-                <c:pt idx="318">
-                  <c:v>3.18</c:v>
-                </c:pt>
-                <c:pt idx="319">
-                  <c:v>3.19</c:v>
-                </c:pt>
-                <c:pt idx="320">
-                  <c:v>3.2</c:v>
-                </c:pt>
-                <c:pt idx="321">
-                  <c:v>3.21</c:v>
-                </c:pt>
-                <c:pt idx="322">
-                  <c:v>3.22</c:v>
-                </c:pt>
-                <c:pt idx="323">
-                  <c:v>3.23</c:v>
-                </c:pt>
-                <c:pt idx="324">
-                  <c:v>3.24</c:v>
-                </c:pt>
-                <c:pt idx="325">
-                  <c:v>3.25</c:v>
-                </c:pt>
-                <c:pt idx="326">
-                  <c:v>3.26</c:v>
-                </c:pt>
-                <c:pt idx="327">
-                  <c:v>3.27</c:v>
-                </c:pt>
-                <c:pt idx="328">
-                  <c:v>3.28</c:v>
-                </c:pt>
-                <c:pt idx="329">
-                  <c:v>3.29</c:v>
-                </c:pt>
-                <c:pt idx="330">
-                  <c:v>3.3</c:v>
-                </c:pt>
-                <c:pt idx="331">
-                  <c:v>3.31</c:v>
-                </c:pt>
-                <c:pt idx="332">
-                  <c:v>3.32</c:v>
-                </c:pt>
-                <c:pt idx="333">
-                  <c:v>3.33</c:v>
-                </c:pt>
-                <c:pt idx="334">
-                  <c:v>3.34</c:v>
-                </c:pt>
-                <c:pt idx="335">
-                  <c:v>3.35</c:v>
-                </c:pt>
-                <c:pt idx="336">
-                  <c:v>3.36</c:v>
-                </c:pt>
-                <c:pt idx="337">
-                  <c:v>3.37</c:v>
-                </c:pt>
-                <c:pt idx="338">
-                  <c:v>3.38</c:v>
-                </c:pt>
-                <c:pt idx="339">
-                  <c:v>3.39</c:v>
-                </c:pt>
-                <c:pt idx="340">
-                  <c:v>3.4</c:v>
-                </c:pt>
-                <c:pt idx="341">
-                  <c:v>3.41</c:v>
-                </c:pt>
-                <c:pt idx="342">
-                  <c:v>3.42</c:v>
-                </c:pt>
-                <c:pt idx="343">
-                  <c:v>3.43</c:v>
-                </c:pt>
-                <c:pt idx="344">
-                  <c:v>3.44</c:v>
-                </c:pt>
-                <c:pt idx="345">
-                  <c:v>3.45</c:v>
-                </c:pt>
-                <c:pt idx="346">
-                  <c:v>3.46</c:v>
-                </c:pt>
-                <c:pt idx="347">
-                  <c:v>3.47</c:v>
-                </c:pt>
-                <c:pt idx="348">
-                  <c:v>3.48</c:v>
-                </c:pt>
-                <c:pt idx="349">
-                  <c:v>3.49</c:v>
-                </c:pt>
-                <c:pt idx="350">
-                  <c:v>3.5</c:v>
-                </c:pt>
-                <c:pt idx="351">
-                  <c:v>3.51</c:v>
-                </c:pt>
-                <c:pt idx="352">
-                  <c:v>3.52</c:v>
-                </c:pt>
-                <c:pt idx="353">
-                  <c:v>3.53</c:v>
-                </c:pt>
-                <c:pt idx="354">
-                  <c:v>3.54</c:v>
-                </c:pt>
-                <c:pt idx="355">
-                  <c:v>3.55</c:v>
-                </c:pt>
-                <c:pt idx="356">
-                  <c:v>3.56</c:v>
-                </c:pt>
-                <c:pt idx="357">
-                  <c:v>3.57</c:v>
-                </c:pt>
-                <c:pt idx="358">
-                  <c:v>3.58</c:v>
-                </c:pt>
-                <c:pt idx="359">
-                  <c:v>3.59</c:v>
-                </c:pt>
-                <c:pt idx="360">
-                  <c:v>3.6</c:v>
-                </c:pt>
-                <c:pt idx="361">
-                  <c:v>3.61</c:v>
-                </c:pt>
-                <c:pt idx="362">
-                  <c:v>3.62</c:v>
-                </c:pt>
-                <c:pt idx="363">
-                  <c:v>3.63</c:v>
-                </c:pt>
-                <c:pt idx="364">
-                  <c:v>3.64</c:v>
-                </c:pt>
-                <c:pt idx="365">
-                  <c:v>3.65</c:v>
-                </c:pt>
-                <c:pt idx="366">
-                  <c:v>3.66</c:v>
-                </c:pt>
-                <c:pt idx="367">
-                  <c:v>3.67</c:v>
-                </c:pt>
-                <c:pt idx="368">
-                  <c:v>3.68</c:v>
-                </c:pt>
-                <c:pt idx="369">
-                  <c:v>3.69</c:v>
-                </c:pt>
-                <c:pt idx="370">
-                  <c:v>3.7</c:v>
-                </c:pt>
-                <c:pt idx="371">
-                  <c:v>3.71</c:v>
-                </c:pt>
-                <c:pt idx="372">
-                  <c:v>3.72</c:v>
-                </c:pt>
-                <c:pt idx="373">
-                  <c:v>3.73</c:v>
-                </c:pt>
-                <c:pt idx="374">
-                  <c:v>3.74</c:v>
-                </c:pt>
-                <c:pt idx="375">
-                  <c:v>3.75</c:v>
-                </c:pt>
-                <c:pt idx="376">
-                  <c:v>3.76</c:v>
-                </c:pt>
-                <c:pt idx="377">
-                  <c:v>3.77</c:v>
-                </c:pt>
-                <c:pt idx="378">
-                  <c:v>3.78</c:v>
-                </c:pt>
-                <c:pt idx="379">
-                  <c:v>3.79</c:v>
-                </c:pt>
-                <c:pt idx="380">
-                  <c:v>3.8</c:v>
-                </c:pt>
-                <c:pt idx="381">
-                  <c:v>3.81</c:v>
-                </c:pt>
-                <c:pt idx="382">
-                  <c:v>3.82</c:v>
-                </c:pt>
-                <c:pt idx="383">
-                  <c:v>3.83</c:v>
-                </c:pt>
-                <c:pt idx="384">
-                  <c:v>3.84</c:v>
-                </c:pt>
-                <c:pt idx="385">
-                  <c:v>3.85</c:v>
-                </c:pt>
-                <c:pt idx="386">
-                  <c:v>3.86</c:v>
-                </c:pt>
-                <c:pt idx="387">
-                  <c:v>3.87</c:v>
-                </c:pt>
-                <c:pt idx="388">
-                  <c:v>3.88</c:v>
-                </c:pt>
-                <c:pt idx="389">
-                  <c:v>3.89</c:v>
-                </c:pt>
-                <c:pt idx="390">
-                  <c:v>3.9</c:v>
-                </c:pt>
-                <c:pt idx="391">
-                  <c:v>3.91</c:v>
-                </c:pt>
-                <c:pt idx="392">
-                  <c:v>3.92</c:v>
-                </c:pt>
-                <c:pt idx="393">
-                  <c:v>3.93</c:v>
-                </c:pt>
-                <c:pt idx="394">
-                  <c:v>3.94</c:v>
-                </c:pt>
-                <c:pt idx="395">
-                  <c:v>3.95</c:v>
-                </c:pt>
-                <c:pt idx="396">
-                  <c:v>3.96</c:v>
-                </c:pt>
-                <c:pt idx="397">
-                  <c:v>3.97</c:v>
-                </c:pt>
-                <c:pt idx="398">
-                  <c:v>3.98</c:v>
-                </c:pt>
-                <c:pt idx="399">
-                  <c:v>3.99</c:v>
-                </c:pt>
-                <c:pt idx="400">
-                  <c:v>4</c:v>
-                </c:pt>
-                <c:pt idx="401">
-                  <c:v>4.01</c:v>
-                </c:pt>
-                <c:pt idx="402">
-                  <c:v>4.0199999999999996</c:v>
-                </c:pt>
-                <c:pt idx="403">
-                  <c:v>4.03</c:v>
-                </c:pt>
-                <c:pt idx="404">
-                  <c:v>4.04</c:v>
-                </c:pt>
-                <c:pt idx="405">
-                  <c:v>4.05</c:v>
-                </c:pt>
-                <c:pt idx="406">
-                  <c:v>4.0599999999999996</c:v>
-                </c:pt>
-                <c:pt idx="407">
-                  <c:v>4.07</c:v>
-                </c:pt>
-                <c:pt idx="408">
-                  <c:v>4.08</c:v>
-                </c:pt>
-                <c:pt idx="409">
-                  <c:v>4.09</c:v>
-                </c:pt>
-                <c:pt idx="410">
-                  <c:v>4.0999999999999996</c:v>
-                </c:pt>
-                <c:pt idx="411">
-                  <c:v>4.1100000000000003</c:v>
-                </c:pt>
-                <c:pt idx="412">
-                  <c:v>4.12</c:v>
-                </c:pt>
-                <c:pt idx="413">
-                  <c:v>4.13</c:v>
-                </c:pt>
-                <c:pt idx="414">
-                  <c:v>4.1399999999999997</c:v>
-                </c:pt>
-                <c:pt idx="415">
-                  <c:v>4.1500000000000004</c:v>
-                </c:pt>
-                <c:pt idx="416">
-                  <c:v>4.16</c:v>
-                </c:pt>
-                <c:pt idx="417">
-                  <c:v>4.17</c:v>
-                </c:pt>
-                <c:pt idx="418">
-                  <c:v>4.18</c:v>
-                </c:pt>
-                <c:pt idx="419">
-                  <c:v>4.1900000000000004</c:v>
-                </c:pt>
-                <c:pt idx="420">
-                  <c:v>4.2</c:v>
-                </c:pt>
-                <c:pt idx="421">
-                  <c:v>4.21</c:v>
-                </c:pt>
-                <c:pt idx="422">
-                  <c:v>4.22</c:v>
-                </c:pt>
-                <c:pt idx="423">
-                  <c:v>4.2300000000000004</c:v>
-                </c:pt>
-                <c:pt idx="424">
-                  <c:v>4.24</c:v>
-                </c:pt>
-                <c:pt idx="425">
-                  <c:v>4.25</c:v>
-                </c:pt>
-                <c:pt idx="426">
-                  <c:v>4.26</c:v>
-                </c:pt>
-                <c:pt idx="427">
-                  <c:v>4.2699999999999996</c:v>
-                </c:pt>
-                <c:pt idx="428">
-                  <c:v>4.28</c:v>
-                </c:pt>
-                <c:pt idx="429">
-                  <c:v>4.29</c:v>
-                </c:pt>
-                <c:pt idx="430">
-                  <c:v>4.3</c:v>
-                </c:pt>
-                <c:pt idx="431">
-                  <c:v>4.3099999999999996</c:v>
-                </c:pt>
-                <c:pt idx="432">
-                  <c:v>4.32</c:v>
-                </c:pt>
-                <c:pt idx="433">
-                  <c:v>4.33</c:v>
-                </c:pt>
-                <c:pt idx="434">
-                  <c:v>4.34</c:v>
-                </c:pt>
-                <c:pt idx="435">
-                  <c:v>4.3499999999999996</c:v>
-                </c:pt>
-                <c:pt idx="436">
-                  <c:v>4.3600000000000003</c:v>
-                </c:pt>
-                <c:pt idx="437">
-                  <c:v>4.37</c:v>
-                </c:pt>
-                <c:pt idx="438">
-                  <c:v>4.38</c:v>
-                </c:pt>
-                <c:pt idx="439">
-                  <c:v>4.3899999999999997</c:v>
-                </c:pt>
-                <c:pt idx="440">
-                  <c:v>4.4000000000000004</c:v>
-                </c:pt>
-                <c:pt idx="441">
-                  <c:v>4.41</c:v>
-                </c:pt>
-                <c:pt idx="442">
-                  <c:v>4.42</c:v>
-                </c:pt>
-                <c:pt idx="443">
-                  <c:v>4.43</c:v>
-                </c:pt>
-                <c:pt idx="444">
-                  <c:v>4.4400000000000004</c:v>
-                </c:pt>
-                <c:pt idx="445">
-                  <c:v>4.45</c:v>
-                </c:pt>
-                <c:pt idx="446">
-                  <c:v>4.46</c:v>
-                </c:pt>
-                <c:pt idx="447">
-                  <c:v>4.47</c:v>
-                </c:pt>
-                <c:pt idx="448">
-                  <c:v>4.4800000000000004</c:v>
-                </c:pt>
-                <c:pt idx="449">
-                  <c:v>4.49</c:v>
-                </c:pt>
-                <c:pt idx="450">
-                  <c:v>4.5</c:v>
-                </c:pt>
-                <c:pt idx="451">
-                  <c:v>4.51</c:v>
-                </c:pt>
-                <c:pt idx="452">
-                  <c:v>4.5199999999999996</c:v>
-                </c:pt>
-                <c:pt idx="453">
-                  <c:v>4.53</c:v>
-                </c:pt>
-                <c:pt idx="454">
-                  <c:v>4.54</c:v>
-                </c:pt>
-                <c:pt idx="455">
-                  <c:v>4.55</c:v>
-                </c:pt>
-                <c:pt idx="456">
-                  <c:v>4.5599999999999996</c:v>
-                </c:pt>
-                <c:pt idx="457">
-                  <c:v>4.57</c:v>
-                </c:pt>
-                <c:pt idx="458">
-                  <c:v>4.58</c:v>
-                </c:pt>
-                <c:pt idx="459">
-                  <c:v>4.59</c:v>
-                </c:pt>
-                <c:pt idx="460">
-                  <c:v>4.5999999999999996</c:v>
-                </c:pt>
-                <c:pt idx="461">
-                  <c:v>4.6100000000000003</c:v>
-                </c:pt>
-                <c:pt idx="462">
-                  <c:v>4.62</c:v>
-                </c:pt>
-                <c:pt idx="463">
-                  <c:v>4.63</c:v>
-                </c:pt>
-                <c:pt idx="464">
-                  <c:v>4.6399999999999997</c:v>
-                </c:pt>
-                <c:pt idx="465">
-                  <c:v>4.6500000000000004</c:v>
-                </c:pt>
-                <c:pt idx="466">
-                  <c:v>4.66</c:v>
-                </c:pt>
-                <c:pt idx="467">
-                  <c:v>4.67</c:v>
-                </c:pt>
-                <c:pt idx="468">
-                  <c:v>4.68</c:v>
-                </c:pt>
-                <c:pt idx="469">
-                  <c:v>4.6900000000000004</c:v>
-                </c:pt>
-                <c:pt idx="470">
-                  <c:v>4.7</c:v>
-                </c:pt>
-                <c:pt idx="471">
-                  <c:v>4.71</c:v>
-                </c:pt>
-                <c:pt idx="472">
-                  <c:v>4.72</c:v>
-                </c:pt>
-                <c:pt idx="473">
-                  <c:v>4.7300000000000004</c:v>
-                </c:pt>
-                <c:pt idx="474">
-                  <c:v>4.74</c:v>
-                </c:pt>
-                <c:pt idx="475">
-                  <c:v>4.75</c:v>
-                </c:pt>
-                <c:pt idx="476">
-                  <c:v>4.76</c:v>
-                </c:pt>
-                <c:pt idx="477">
-                  <c:v>4.7699999999999996</c:v>
-                </c:pt>
-                <c:pt idx="478">
-                  <c:v>4.78</c:v>
-                </c:pt>
-                <c:pt idx="479">
-                  <c:v>4.79</c:v>
-                </c:pt>
-                <c:pt idx="480">
-                  <c:v>4.8</c:v>
-                </c:pt>
-                <c:pt idx="481">
-                  <c:v>4.8099999999999996</c:v>
-                </c:pt>
-                <c:pt idx="482">
-                  <c:v>4.82</c:v>
-                </c:pt>
-                <c:pt idx="483">
-                  <c:v>4.83</c:v>
-                </c:pt>
-                <c:pt idx="484">
-                  <c:v>4.84</c:v>
-                </c:pt>
-                <c:pt idx="485">
-                  <c:v>4.8499999999999996</c:v>
-                </c:pt>
-                <c:pt idx="486">
-                  <c:v>4.8600000000000003</c:v>
-                </c:pt>
-                <c:pt idx="487">
-                  <c:v>4.87</c:v>
-                </c:pt>
-                <c:pt idx="488">
-                  <c:v>4.88</c:v>
-                </c:pt>
-                <c:pt idx="489">
-                  <c:v>4.8899999999999997</c:v>
-                </c:pt>
-                <c:pt idx="490">
-                  <c:v>4.9000000000000004</c:v>
-                </c:pt>
-                <c:pt idx="491">
-                  <c:v>4.91</c:v>
-                </c:pt>
-                <c:pt idx="492">
-                  <c:v>4.92</c:v>
-                </c:pt>
-                <c:pt idx="493">
-                  <c:v>4.93</c:v>
-                </c:pt>
-                <c:pt idx="494">
-                  <c:v>4.9400000000000004</c:v>
-                </c:pt>
-                <c:pt idx="495">
-                  <c:v>4.95</c:v>
-                </c:pt>
-                <c:pt idx="496">
-                  <c:v>4.96</c:v>
-                </c:pt>
-                <c:pt idx="497">
-                  <c:v>4.97</c:v>
-                </c:pt>
-                <c:pt idx="498">
-                  <c:v>4.9800000000000004</c:v>
-                </c:pt>
-                <c:pt idx="499">
-                  <c:v>4.99</c:v>
-                </c:pt>
-                <c:pt idx="500">
-                  <c:v>5</c:v>
-                </c:pt>
-                <c:pt idx="501">
-                  <c:v>5.01</c:v>
-                </c:pt>
-                <c:pt idx="502">
-                  <c:v>5.0199999999999996</c:v>
-                </c:pt>
-                <c:pt idx="503">
-                  <c:v>5.03</c:v>
-                </c:pt>
-                <c:pt idx="504">
-                  <c:v>5.04</c:v>
-                </c:pt>
-                <c:pt idx="505">
-                  <c:v>5.05</c:v>
-                </c:pt>
-                <c:pt idx="506">
-                  <c:v>5.0599999999999996</c:v>
-                </c:pt>
-                <c:pt idx="507">
-                  <c:v>5.07</c:v>
-                </c:pt>
-                <c:pt idx="508">
-                  <c:v>5.08</c:v>
-                </c:pt>
-                <c:pt idx="509">
-                  <c:v>5.09</c:v>
-                </c:pt>
-                <c:pt idx="510">
-                  <c:v>5.0999999999999996</c:v>
-                </c:pt>
-                <c:pt idx="511">
-                  <c:v>5.1100000000000003</c:v>
-                </c:pt>
-                <c:pt idx="512">
-                  <c:v>5.12</c:v>
-                </c:pt>
-                <c:pt idx="513">
-                  <c:v>5.13</c:v>
-                </c:pt>
-                <c:pt idx="514">
-                  <c:v>5.14</c:v>
-                </c:pt>
-                <c:pt idx="515">
-                  <c:v>5.15</c:v>
-                </c:pt>
-                <c:pt idx="516">
-                  <c:v>5.16</c:v>
-                </c:pt>
-                <c:pt idx="517">
-                  <c:v>5.17</c:v>
-                </c:pt>
-                <c:pt idx="518">
-                  <c:v>5.18</c:v>
-                </c:pt>
-                <c:pt idx="519">
-                  <c:v>5.19</c:v>
-                </c:pt>
-                <c:pt idx="520">
-                  <c:v>5.2</c:v>
-                </c:pt>
-                <c:pt idx="521">
-                  <c:v>5.21</c:v>
-                </c:pt>
-                <c:pt idx="522">
-                  <c:v>5.22</c:v>
-                </c:pt>
-                <c:pt idx="523">
-                  <c:v>5.23</c:v>
-                </c:pt>
-                <c:pt idx="524">
-                  <c:v>5.24</c:v>
-                </c:pt>
-                <c:pt idx="525">
-                  <c:v>5.25</c:v>
-                </c:pt>
-                <c:pt idx="526">
-                  <c:v>5.26</c:v>
-                </c:pt>
-                <c:pt idx="527">
-                  <c:v>5.27</c:v>
-                </c:pt>
-                <c:pt idx="528">
-                  <c:v>5.28</c:v>
-                </c:pt>
-                <c:pt idx="529">
-                  <c:v>5.29</c:v>
-                </c:pt>
-                <c:pt idx="530">
-                  <c:v>5.3</c:v>
-                </c:pt>
-                <c:pt idx="531">
-                  <c:v>5.31</c:v>
-                </c:pt>
-                <c:pt idx="532">
-                  <c:v>5.32</c:v>
-                </c:pt>
-                <c:pt idx="533">
-                  <c:v>5.33</c:v>
-                </c:pt>
-                <c:pt idx="534">
-                  <c:v>5.34</c:v>
-                </c:pt>
-                <c:pt idx="535">
-                  <c:v>5.35</c:v>
-                </c:pt>
-                <c:pt idx="536">
-                  <c:v>5.36</c:v>
-                </c:pt>
-                <c:pt idx="537">
-                  <c:v>5.37</c:v>
-                </c:pt>
-                <c:pt idx="538">
-                  <c:v>5.38</c:v>
-                </c:pt>
-                <c:pt idx="539">
-                  <c:v>5.39</c:v>
-                </c:pt>
-                <c:pt idx="540">
-                  <c:v>5.4</c:v>
-                </c:pt>
-                <c:pt idx="541">
-                  <c:v>5.41</c:v>
-                </c:pt>
-                <c:pt idx="542">
-                  <c:v>5.42</c:v>
-                </c:pt>
-                <c:pt idx="543">
-                  <c:v>5.43</c:v>
-                </c:pt>
-                <c:pt idx="544">
-                  <c:v>5.44</c:v>
-                </c:pt>
-                <c:pt idx="545">
-                  <c:v>5.45</c:v>
-                </c:pt>
-                <c:pt idx="546">
-                  <c:v>5.46</c:v>
-                </c:pt>
-                <c:pt idx="547">
-                  <c:v>5.47</c:v>
-                </c:pt>
-                <c:pt idx="548">
-                  <c:v>5.48</c:v>
-                </c:pt>
-                <c:pt idx="549">
-                  <c:v>5.49</c:v>
-                </c:pt>
-                <c:pt idx="550">
-                  <c:v>5.5</c:v>
-                </c:pt>
-                <c:pt idx="551">
-                  <c:v>5.51</c:v>
-                </c:pt>
-                <c:pt idx="552">
-                  <c:v>5.52</c:v>
-                </c:pt>
-                <c:pt idx="553">
-                  <c:v>5.53</c:v>
-                </c:pt>
-                <c:pt idx="554">
-                  <c:v>5.54</c:v>
-                </c:pt>
-                <c:pt idx="555">
-                  <c:v>5.55</c:v>
-                </c:pt>
-                <c:pt idx="556">
-                  <c:v>5.56</c:v>
-                </c:pt>
-                <c:pt idx="557">
-                  <c:v>5.57</c:v>
-                </c:pt>
-                <c:pt idx="558">
-                  <c:v>5.58</c:v>
-                </c:pt>
-                <c:pt idx="559">
-                  <c:v>5.59</c:v>
-                </c:pt>
-                <c:pt idx="560">
-                  <c:v>5.6</c:v>
-                </c:pt>
-                <c:pt idx="561">
-                  <c:v>5.61</c:v>
-                </c:pt>
-                <c:pt idx="562">
-                  <c:v>5.62</c:v>
-                </c:pt>
-                <c:pt idx="563">
-                  <c:v>5.63</c:v>
-                </c:pt>
-                <c:pt idx="564">
-                  <c:v>5.64</c:v>
-                </c:pt>
-                <c:pt idx="565">
-                  <c:v>5.65</c:v>
-                </c:pt>
-                <c:pt idx="566">
-                  <c:v>5.66</c:v>
-                </c:pt>
-                <c:pt idx="567">
-                  <c:v>5.67</c:v>
-                </c:pt>
-                <c:pt idx="568">
-                  <c:v>5.68</c:v>
-                </c:pt>
-                <c:pt idx="569">
-                  <c:v>5.69</c:v>
-                </c:pt>
-                <c:pt idx="570">
-                  <c:v>5.7</c:v>
-                </c:pt>
-                <c:pt idx="571">
-                  <c:v>5.71</c:v>
-                </c:pt>
-                <c:pt idx="572">
-                  <c:v>5.72</c:v>
-                </c:pt>
-                <c:pt idx="573">
-                  <c:v>5.73</c:v>
-                </c:pt>
-                <c:pt idx="574">
-                  <c:v>5.74</c:v>
-                </c:pt>
-                <c:pt idx="575">
-                  <c:v>5.75</c:v>
-                </c:pt>
-                <c:pt idx="576">
-                  <c:v>5.76</c:v>
-                </c:pt>
-                <c:pt idx="577">
-                  <c:v>5.77</c:v>
-                </c:pt>
-                <c:pt idx="578">
-                  <c:v>5.78</c:v>
-                </c:pt>
-                <c:pt idx="579">
-                  <c:v>5.79</c:v>
-                </c:pt>
-                <c:pt idx="580">
-                  <c:v>5.8</c:v>
-                </c:pt>
-                <c:pt idx="581">
-                  <c:v>5.81</c:v>
-                </c:pt>
-                <c:pt idx="582">
-                  <c:v>5.82</c:v>
-                </c:pt>
-                <c:pt idx="583">
-                  <c:v>5.83</c:v>
-                </c:pt>
-                <c:pt idx="584">
-                  <c:v>5.84</c:v>
-                </c:pt>
-                <c:pt idx="585">
-                  <c:v>5.85</c:v>
-                </c:pt>
-                <c:pt idx="586">
-                  <c:v>5.86</c:v>
-                </c:pt>
-                <c:pt idx="587">
-                  <c:v>5.87</c:v>
-                </c:pt>
-                <c:pt idx="588">
-                  <c:v>5.88</c:v>
-                </c:pt>
-                <c:pt idx="589">
-                  <c:v>5.89</c:v>
-                </c:pt>
-                <c:pt idx="590">
-                  <c:v>5.9</c:v>
-                </c:pt>
-                <c:pt idx="591">
-                  <c:v>5.91</c:v>
-                </c:pt>
-                <c:pt idx="592">
-                  <c:v>5.92</c:v>
-                </c:pt>
-                <c:pt idx="593">
-                  <c:v>5.93</c:v>
-                </c:pt>
-                <c:pt idx="594">
-                  <c:v>5.94</c:v>
-                </c:pt>
-                <c:pt idx="595">
-                  <c:v>5.95</c:v>
-                </c:pt>
-                <c:pt idx="596">
-                  <c:v>5.96</c:v>
-                </c:pt>
-                <c:pt idx="597">
-                  <c:v>5.97</c:v>
-                </c:pt>
-                <c:pt idx="598">
-                  <c:v>5.98</c:v>
-                </c:pt>
-                <c:pt idx="599">
-                  <c:v>5.99</c:v>
-                </c:pt>
-              </c:numCache>
-            </c:numRef>
-          </c:xVal>
-          <c:yVal>
-            <c:numRef>
-              <c:f>Sheet1!$B$2:$B$630</c:f>
-              <c:numCache>
-                <c:formatCode>General</c:formatCode>
-                <c:ptCount val="629"/>
-                <c:pt idx="149">
-                  <c:v>199.67377520431432</c:v>
-                </c:pt>
-                <c:pt idx="150">
-                  <c:v>199.74949866040544</c:v>
-                </c:pt>
-                <c:pt idx="151">
-                  <c:v>199.8152472497548</c:v>
-                </c:pt>
-                <c:pt idx="152">
-                  <c:v>199.8710143975583</c:v>
-                </c:pt>
-                <c:pt idx="153">
-                  <c:v>199.9167945271476</c:v>
-                </c:pt>
-                <c:pt idx="154">
-                  <c:v>199.95258306054791</c:v>
-                </c:pt>
-                <c:pt idx="155">
-                  <c:v>199.97837641893568</c:v>
-                </c:pt>
-                <c:pt idx="156">
-                  <c:v>199.99417202299662</c:v>
-                </c:pt>
-                <c:pt idx="157">
-                  <c:v>199.99996829318346</c:v>
-                </c:pt>
-                <c:pt idx="158">
-                  <c:v>199.99576464987399</c:v>
-                </c:pt>
-                <c:pt idx="159">
-                  <c:v>199.98156151342909</c:v>
-                </c:pt>
-                <c:pt idx="160">
-                  <c:v>199.95736030415051</c:v>
-                </c:pt>
-                <c:pt idx="161">
-                  <c:v>199.92316344213907</c:v>
-                </c:pt>
-                <c:pt idx="162">
-                  <c:v>199.87897434705241</c:v>
-                </c:pt>
-                <c:pt idx="163">
-                  <c:v>199.82479743776327</c:v>
-                </c:pt>
-                <c:pt idx="164">
-                  <c:v>199.76063813191735</c:v>
-                </c:pt>
-                <c:pt idx="165">
-                  <c:v>199.68650284539189</c:v>
-                </c:pt>
-                <c:pt idx="166">
-                  <c:v>199.60239899165367</c:v>
-                </c:pt>
-                <c:pt idx="167">
-                  <c:v>199.50833498101804</c:v>
-                </c:pt>
-                <c:pt idx="168">
-                  <c:v>199.4043202198076</c:v>
-                </c:pt>
-                <c:pt idx="169">
-                  <c:v>199.29036510941185</c:v>
-                </c:pt>
-                <c:pt idx="170">
-                  <c:v>199.16648104524685</c:v>
-                </c:pt>
-                <c:pt idx="171">
-                  <c:v>199.0326804156158</c:v>
-                </c:pt>
-                <c:pt idx="172">
-                  <c:v>198.88897660047013</c:v>
-                </c:pt>
-                <c:pt idx="173">
-                  <c:v>198.73538397007164</c:v>
-                </c:pt>
-                <c:pt idx="174">
-                  <c:v>198.57191788355533</c:v>
-                </c:pt>
-                <c:pt idx="175">
-                  <c:v>198.39859468739371</c:v>
-                </c:pt>
-                <c:pt idx="176">
-                  <c:v>198.21543171376186</c:v>
-                </c:pt>
-                <c:pt idx="177">
-                  <c:v>198.02244727880455</c:v>
-                </c:pt>
-                <c:pt idx="178">
-                  <c:v>197.81966068080447</c:v>
-                </c:pt>
-                <c:pt idx="179">
-                  <c:v>197.60709219825242</c:v>
-                </c:pt>
-                <c:pt idx="180">
-                  <c:v>197.38476308781952</c:v>
-                </c:pt>
-                <c:pt idx="181">
-                  <c:v>197.15269558223153</c:v>
-                </c:pt>
-                <c:pt idx="182">
-                  <c:v>196.91091288804563</c:v>
-                </c:pt>
-                <c:pt idx="183">
-                  <c:v>196.65943918332977</c:v>
-                </c:pt>
-                <c:pt idx="184">
-                  <c:v>196.39829961524481</c:v>
-                </c:pt>
-                <c:pt idx="185">
-                  <c:v>196.12752029753</c:v>
-                </c:pt>
-                <c:pt idx="186">
-                  <c:v>195.84712830789141</c:v>
-                </c:pt>
-                <c:pt idx="187">
-                  <c:v>195.5571516852944</c:v>
-                </c:pt>
-                <c:pt idx="188">
-                  <c:v>195.25761942715954</c:v>
-                </c:pt>
-                <c:pt idx="189">
-                  <c:v>194.94856148646306</c:v>
-                </c:pt>
-                <c:pt idx="190">
-                  <c:v>194.63000876874145</c:v>
-                </c:pt>
-                <c:pt idx="191">
-                  <c:v>194.30199312900106</c:v>
-                </c:pt>
-                <c:pt idx="192">
-                  <c:v>193.96454736853249</c:v>
-                </c:pt>
-                <c:pt idx="193">
-                  <c:v>193.61770523163062</c:v>
-                </c:pt>
-                <c:pt idx="194">
-                  <c:v>193.26150140222006</c:v>
-                </c:pt>
-                <c:pt idx="195">
-                  <c:v>192.89597150038693</c:v>
-                </c:pt>
-                <c:pt idx="196">
-                  <c:v>192.52115207881684</c:v>
-                </c:pt>
-                <c:pt idx="197">
-                  <c:v>192.13708061913954</c:v>
-                </c:pt>
-                <c:pt idx="198">
-                  <c:v>191.74379552818098</c:v>
-                </c:pt>
-                <c:pt idx="199">
-                  <c:v>191.34133613412251</c:v>
-                </c:pt>
-                <c:pt idx="200">
-                  <c:v>190.92974268256819</c:v>
-                </c:pt>
-                <c:pt idx="201">
-                  <c:v>190.50905633252012</c:v>
-                </c:pt>
-                <c:pt idx="202">
-                  <c:v>190.07931915226271</c:v>
-                </c:pt>
-                <c:pt idx="203">
-                  <c:v>189.640574115156</c:v>
-                </c:pt>
-                <c:pt idx="204">
-                  <c:v>189.19286509533796</c:v>
-                </c:pt>
-                <c:pt idx="205">
-                  <c:v>188.73623686333755</c:v>
-                </c:pt>
-                <c:pt idx="206">
-                  <c:v>188.27073508159742</c:v>
-                </c:pt>
-                <c:pt idx="207">
-                  <c:v>187.7964062999078</c:v>
-                </c:pt>
-                <c:pt idx="208">
-                  <c:v>187.31329795075163</c:v>
-                </c:pt>
-                <c:pt idx="209">
-                  <c:v>186.82145834456128</c:v>
-                </c:pt>
-                <c:pt idx="210">
-                  <c:v>186.32093666488737</c:v>
-                </c:pt>
-                <c:pt idx="211">
-                  <c:v>185.81178296348088</c:v>
-                </c:pt>
-                <c:pt idx="212">
-                  <c:v>185.29404815528761</c:v>
-                </c:pt>
-                <c:pt idx="213">
-                  <c:v>184.76778401335699</c:v>
-                </c:pt>
-                <c:pt idx="214">
-                  <c:v>184.23304316366455</c:v>
-                </c:pt>
-                <c:pt idx="215">
-                  <c:v>183.68987907984979</c:v>
-                </c:pt>
-                <c:pt idx="216">
-                  <c:v>183.13834607786831</c:v>
-                </c:pt>
-                <c:pt idx="217">
-                  <c:v>182.5784993105608</c:v>
-                </c:pt>
-                <c:pt idx="218">
-                  <c:v>182.01039476213742</c:v>
-                </c:pt>
-                <c:pt idx="219">
-                  <c:v>181.4340892425796</c:v>
-                </c:pt>
-                <c:pt idx="220">
-                  <c:v>180.84964038195901</c:v>
-                </c:pt>
-                <c:pt idx="221">
-                  <c:v>180.25710662467472</c:v>
-                </c:pt>
-                <c:pt idx="222">
-                  <c:v>179.65654722360864</c:v>
-                </c:pt>
-                <c:pt idx="223">
-                  <c:v>179.04802223420046</c:v>
-                </c:pt>
-                <c:pt idx="224">
-                  <c:v>178.43159250844198</c:v>
-                </c:pt>
-                <c:pt idx="225">
-                  <c:v>177.80731968879212</c:v>
-                </c:pt>
-                <c:pt idx="226">
-                  <c:v>177.17526620201261</c:v>
-                </c:pt>
-                <c:pt idx="227">
-                  <c:v>176.53549525292536</c:v>
-                </c:pt>
-                <c:pt idx="228">
-                  <c:v>175.88807081809222</c:v>
-                </c:pt>
-                <c:pt idx="229">
-                  <c:v>175.23305763941707</c:v>
-                </c:pt>
-                <c:pt idx="230">
-                  <c:v>174.57052121767202</c:v>
-                </c:pt>
-                <c:pt idx="231">
-                  <c:v>173.90052780594709</c:v>
-                </c:pt>
-                <c:pt idx="232">
-                  <c:v>173.22314440302515</c:v>
-                </c:pt>
-                <c:pt idx="233">
-                  <c:v>172.53843874668195</c:v>
-                </c:pt>
-                <c:pt idx="234">
-                  <c:v>171.84647930691261</c:v>
-                </c:pt>
-                <c:pt idx="235">
-                  <c:v>171.14733527908442</c:v>
-                </c:pt>
-                <c:pt idx="236">
-                  <c:v>170.44107657701761</c:v>
-                </c:pt>
-                <c:pt idx="237">
-                  <c:v>169.72777382599378</c:v>
-                </c:pt>
-                <c:pt idx="238">
-                  <c:v>169.00749835569366</c:v>
-                </c:pt>
-                <c:pt idx="239">
-                  <c:v>168.28032219306397</c:v>
-                </c:pt>
-                <c:pt idx="240">
-                  <c:v>167.54631805511508</c:v>
-                </c:pt>
-                <c:pt idx="241">
-                  <c:v>166.80555934164909</c:v>
-                </c:pt>
-                <c:pt idx="242">
-                  <c:v>166.05812012792006</c:v>
-                </c:pt>
-                <c:pt idx="243">
-                  <c:v>165.30407515722646</c:v>
-                </c:pt>
-                <c:pt idx="244">
-                  <c:v>164.54349983343707</c:v>
-                </c:pt>
-                <c:pt idx="245">
-                  <c:v>163.77647021345035</c:v>
-                </c:pt>
-                <c:pt idx="246">
-                  <c:v>163.00306299958922</c:v>
-                </c:pt>
-                <c:pt idx="247">
-                  <c:v>162.22335553193045</c:v>
-                </c:pt>
-                <c:pt idx="248">
-                  <c:v>161.43742578057117</c:v>
-                </c:pt>
-                <c:pt idx="249">
-                  <c:v>160.64535233783147</c:v>
-                </c:pt>
-                <c:pt idx="250">
-                  <c:v>159.84721441039565</c:v>
-                </c:pt>
-                <c:pt idx="251">
-                  <c:v>159.04309181139129</c:v>
-                </c:pt>
-                <c:pt idx="252">
-                  <c:v>158.2330649524082</c:v>
-                </c:pt>
-                <c:pt idx="253">
-                  <c:v>157.41721483545726</c:v>
-                </c:pt>
-                <c:pt idx="254">
-                  <c:v>156.59562304487028</c:v>
-                </c:pt>
-                <c:pt idx="255">
-                  <c:v>155.76837173914168</c:v>
-                </c:pt>
-                <c:pt idx="256">
-                  <c:v>154.93554364271267</c:v>
-                </c:pt>
-                <c:pt idx="257">
-                  <c:v>154.09722203769886</c:v>
-                </c:pt>
-                <c:pt idx="258">
-                  <c:v>153.25349075556213</c:v>
-                </c:pt>
-                <c:pt idx="259">
-                  <c:v>152.40443416872762</c:v>
-                </c:pt>
-                <c:pt idx="260">
-                  <c:v>151.55013718214641</c:v>
-                </c:pt>
-                <c:pt idx="261">
-                  <c:v>150.69068522480535</c:v>
-                </c:pt>
-                <c:pt idx="262">
-                  <c:v>149.82616424118385</c:v>
-                </c:pt>
-                <c:pt idx="263">
-                  <c:v>148.95666068265996</c:v>
-                </c:pt>
-                <c:pt idx="264">
-                  <c:v>148.08226149886482</c:v>
-                </c:pt>
-                <c:pt idx="265">
-                  <c:v>147.20305412898827</c:v>
-                </c:pt>
-                <c:pt idx="266">
-                  <c:v>146.3191264930345</c:v>
-                </c:pt>
-                <c:pt idx="267">
-                  <c:v>145.43056698303064</c:v>
-                </c:pt>
-                <c:pt idx="268">
-                  <c:v>144.5374644541871</c:v>
-                </c:pt>
-                <c:pt idx="269">
-                  <c:v>143.63990821601263</c:v>
-                </c:pt>
-                <c:pt idx="270">
-                  <c:v>142.73798802338297</c:v>
-                </c:pt>
-                <c:pt idx="271">
-                  <c:v>141.83179406756591</c:v>
-                </c:pt>
-                <c:pt idx="272">
-                  <c:v>140.92141696720174</c:v>
-                </c:pt>
-                <c:pt idx="273">
-                  <c:v>140.00694775924194</c:v>
-                </c:pt>
-                <c:pt idx="274">
-                  <c:v>139.08847788984522</c:v>
-                </c:pt>
-                <c:pt idx="275">
-                  <c:v>138.16609920523317</c:v>
-                </c:pt>
-                <c:pt idx="276">
-                  <c:v>137.23990394250558</c:v>
-                </c:pt>
-                <c:pt idx="277">
-                  <c:v>136.30998472041682</c:v>
-                </c:pt>
-                <c:pt idx="278">
-                  <c:v>135.3764345301143</c:v>
-                </c:pt>
-                <c:pt idx="279">
-                  <c:v>134.43934672583902</c:v>
-                </c:pt>
-                <c:pt idx="280">
-                  <c:v>133.49881501559051</c:v>
-                </c:pt>
-                <c:pt idx="281">
-                  <c:v>132.554933451756</c:v>
-                </c:pt>
-                <c:pt idx="282">
-                  <c:v>131.60779642170539</c:v>
-                </c:pt>
-                <c:pt idx="283">
-                  <c:v>130.65749863835231</c:v>
-                </c:pt>
-                <c:pt idx="284">
-                  <c:v>129.70413513068326</c:v>
-                </c:pt>
-                <c:pt idx="285">
-                  <c:v>128.74780123425444</c:v>
-                </c:pt>
-                <c:pt idx="286">
-                  <c:v>127.78859258165868</c:v>
-                </c:pt>
-                <c:pt idx="287">
-                  <c:v>126.82660509296178</c:v>
-                </c:pt>
-                <c:pt idx="288">
-                  <c:v>125.86193496611108</c:v>
-                </c:pt>
-                <c:pt idx="289">
-                  <c:v>124.89467866731526</c:v>
-                </c:pt>
-                <c:pt idx="290">
-                  <c:v>123.92493292139824</c:v>
-                </c:pt>
-                <c:pt idx="291">
-                  <c:v>122.95279470212643</c:v>
-                </c:pt>
-                <c:pt idx="292">
-                  <c:v>121.97836122251169</c:v>
-                </c:pt>
-                <c:pt idx="293">
-                  <c:v>121.00172992508992</c:v>
-                </c:pt>
-                <c:pt idx="294">
-                  <c:v>120.02299847217705</c:v>
-                </c:pt>
-                <c:pt idx="295">
-                  <c:v>119.04226473610271</c:v>
-                </c:pt>
-                <c:pt idx="296">
-                  <c:v>118.05962678942329</c:v>
-                </c:pt>
-                <c:pt idx="297">
-                  <c:v>117.07518289511454</c:v>
-                </c:pt>
-                <c:pt idx="298">
-                  <c:v>116.08903149674558</c:v>
-                </c:pt>
-                <c:pt idx="299">
-                  <c:v>115.10127120863439</c:v>
-                </c:pt>
-                <c:pt idx="300">
-                  <c:v>114.11200080598672</c:v>
-                </c:pt>
-                <c:pt idx="301">
-                  <c:v>113.12131921501842</c:v>
-                </c:pt>
-                <c:pt idx="302">
-                  <c:v>112.12932550306297</c:v>
-                </c:pt>
-                <c:pt idx="303">
-                  <c:v>111.13611886866499</c:v>
-                </c:pt>
-                <c:pt idx="304">
-                  <c:v>110.14179863166018</c:v>
-                </c:pt>
-                <c:pt idx="305">
-                  <c:v>109.14646422324373</c:v>
-                </c:pt>
-                <c:pt idx="306">
-                  <c:v>108.1502151760269</c:v>
-                </c:pt>
-                <c:pt idx="307">
-                  <c:v>107.15315111408437</c:v>
-                </c:pt>
-                <c:pt idx="308">
-                  <c:v>106.15537174299132</c:v>
-                </c:pt>
-                <c:pt idx="309">
-                  <c:v>105.15697683985346</c:v>
-                </c:pt>
-                <c:pt idx="310">
-                  <c:v>104.15806624332905</c:v>
-                </c:pt>
-                <c:pt idx="311">
-                  <c:v>103.15873984364539</c:v>
-                </c:pt>
-                <c:pt idx="312">
-                  <c:v>102.1590975726096</c:v>
-                </c:pt>
-                <c:pt idx="313">
-                  <c:v>101.15923939361583</c:v>
-                </c:pt>
-                <c:pt idx="314">
-                  <c:v>100.15926529164868</c:v>
-                </c:pt>
-                <c:pt idx="315">
-                  <c:v>99.159275263285139</c:v>
-                </c:pt>
-                <c:pt idx="316">
-                  <c:v>98.159369306694614</c:v>
-                </c:pt>
-                <c:pt idx="317">
-                  <c:v>97.159647411639625</c:v>
-                </c:pt>
-                <c:pt idx="318">
-                  <c:v>96.160209549476463</c:v>
-                </c:pt>
-                <c:pt idx="319">
-                  <c:v>95.161155663158581</c:v>
-                </c:pt>
-                <c:pt idx="320">
-                  <c:v>94.162585657241991</c:v>
-                </c:pt>
-                <c:pt idx="321">
-                  <c:v>93.164599387895223</c:v>
-                </c:pt>
-                <c:pt idx="322">
-                  <c:v>92.167296652913464</c:v>
-                </c:pt>
-                <c:pt idx="323">
-                  <c:v>91.17077718173924</c:v>
-                </c:pt>
-                <c:pt idx="324">
-                  <c:v>90.175140625489135</c:v>
-                </c:pt>
-                <c:pt idx="325">
-                  <c:v>89.180486546989158</c:v>
-                </c:pt>
-                <c:pt idx="326">
-                  <c:v>88.186914410818261</c:v>
-                </c:pt>
-                <c:pt idx="327">
-                  <c:v>87.194523573362034</c:v>
-                </c:pt>
-                <c:pt idx="328">
-                  <c:v>86.203413272877313</c:v>
-                </c:pt>
-                <c:pt idx="329">
-                  <c:v>85.213682619568146</c:v>
-                </c:pt>
-                <c:pt idx="330">
-                  <c:v>84.225430585675184</c:v>
-                </c:pt>
-                <c:pt idx="331">
-                  <c:v>83.238755995578174</c:v>
-                </c:pt>
-                <c:pt idx="332">
-                  <c:v>82.253757515913989</c:v>
-                </c:pt>
-                <c:pt idx="333">
-                  <c:v>81.270533645709691</c:v>
-                </c:pt>
-                <c:pt idx="334">
-                  <c:v>80.289182706533012</c:v>
-                </c:pt>
-                <c:pt idx="335">
-                  <c:v>79.309802832660026</c:v>
-                </c:pt>
-                <c:pt idx="336">
-                  <c:v>78.332491961262036</c:v>
-                </c:pt>
-                <c:pt idx="337">
-                  <c:v>77.357347822611686</c:v>
-                </c:pt>
-                <c:pt idx="338">
-                  <c:v>76.384467930310308</c:v>
-                </c:pt>
-                <c:pt idx="339">
-                  <c:v>75.413949571536307</c:v>
-                </c:pt>
-                <c:pt idx="340">
-                  <c:v>74.44588979731688</c:v>
-                </c:pt>
-                <c:pt idx="341">
-                  <c:v>73.48038541282267</c:v>
-                </c:pt>
-                <c:pt idx="342">
-                  <c:v>72.5175329676876</c:v>
-                </c:pt>
-                <c:pt idx="343">
-                  <c:v>71.55742874635375</c:v>
-                </c:pt>
-                <c:pt idx="344">
-                  <c:v>70.600168758443232</c:v>
-                </c:pt>
-                <c:pt idx="345">
-                  <c:v>69.645848729157066</c:v>
-                </c:pt>
-                <c:pt idx="346">
-                  <c:v>68.694564089702979</c:v>
-                </c:pt>
-                <c:pt idx="347">
-                  <c:v>67.746409967752101</c:v>
-                </c:pt>
-                <c:pt idx="348">
-                  <c:v>66.80148117792659</c:v>
-                </c:pt>
-                <c:pt idx="349">
-                  <c:v>65.859872212317896</c:v>
-                </c:pt>
-                <c:pt idx="350">
-                  <c:v>64.921677231038018</c:v>
-                </c:pt>
-                <c:pt idx="351">
-                  <c:v>63.986990052803186</c:v>
-                </c:pt>
-                <c:pt idx="352">
-                  <c:v>63.05590414555229</c:v>
-                </c:pt>
-                <c:pt idx="353">
-                  <c:v>62.128512617100242</c:v>
-                </c:pt>
-                <c:pt idx="354">
-                  <c:v>61.204908205826968</c:v>
-                </c:pt>
-                <c:pt idx="355">
-                  <c:v>60.285183271404023</c:v>
-                </c:pt>
-                <c:pt idx="356">
-                  <c:v>59.369429785558317</c:v>
-                </c:pt>
-                <c:pt idx="357">
-                  <c:v>58.457739322875412</c:v>
-                </c:pt>
-                <c:pt idx="358">
-                  <c:v>57.550203051641738</c:v>
-                </c:pt>
-                <c:pt idx="359">
-                  <c:v>56.646911724728227</c:v>
-                </c:pt>
-                <c:pt idx="360">
-                  <c:v>55.747955670514756</c:v>
-                </c:pt>
-                <c:pt idx="361">
-                  <c:v>54.853424783857683</c:v>
-                </c:pt>
-                <c:pt idx="362">
-                  <c:v>53.96340851710017</c:v>
-                </c:pt>
-                <c:pt idx="363">
-                  <c:v>53.077995871127285</c:v>
-                </c:pt>
-                <c:pt idx="364">
-                  <c:v>52.197275386465712</c:v>
-                </c:pt>
-                <c:pt idx="365">
-                  <c:v>51.321335134430065</c:v>
-                </c:pt>
-                <c:pt idx="366">
-                  <c:v>50.450262708315506</c:v>
-                </c:pt>
-                <c:pt idx="367">
-                  <c:v>49.584145214638852</c:v>
-                </c:pt>
-                <c:pt idx="368">
-                  <c:v>48.723069264427622</c:v>
-                </c:pt>
-                <c:pt idx="369">
-                  <c:v>47.867120964559348</c:v>
-                </c:pt>
-                <c:pt idx="370">
-                  <c:v>47.016385909150657</c:v>
-                </c:pt>
-                <c:pt idx="371">
-                  <c:v>46.170949170998234</c:v>
-                </c:pt>
-                <c:pt idx="372">
-                  <c:v>45.330895293071279</c:v>
-                </c:pt>
-                <c:pt idx="373">
-                  <c:v>44.496308280057619</c:v>
-                </c:pt>
-                <c:pt idx="374">
-                  <c:v>43.667271589962994</c:v>
-                </c:pt>
-                <c:pt idx="375">
-                  <c:v>42.843868125765624</c:v>
-                </c:pt>
-                <c:pt idx="376">
-                  <c:v>42.026180227125721</c:v>
-                </c:pt>
-                <c:pt idx="377">
-                  <c:v>41.214289662151728</c:v>
-                </c:pt>
-                <c:pt idx="378">
-                  <c:v>40.408277619223611</c:v>
-                </c:pt>
-                <c:pt idx="379">
-                  <c:v>39.60822469887394</c:v>
-                </c:pt>
-                <c:pt idx="380">
-                  <c:v>38.81421090572811</c:v>
-                </c:pt>
-                <c:pt idx="381">
-                  <c:v>38.026315640503668</c:v>
-                </c:pt>
-                <c:pt idx="382">
-                  <c:v>37.244617692070669</c:v>
-                </c:pt>
-                <c:pt idx="383">
-                  <c:v>36.469195229572435</c:v>
-                </c:pt>
-                <c:pt idx="384">
-                  <c:v>35.700125794609121</c:v>
-                </c:pt>
-                <c:pt idx="385">
-                  <c:v>34.937486293483261</c:v>
-                </c:pt>
-                <c:pt idx="386">
-                  <c:v>34.181352989509506</c:v>
-                </c:pt>
-                <c:pt idx="387">
-                  <c:v>33.431801495388086</c:v>
-                </c:pt>
-                <c:pt idx="388">
-                  <c:v>32.688906765643836</c:v>
-                </c:pt>
-                <c:pt idx="389">
-                  <c:v>31.952743089130593</c:v>
-                </c:pt>
-                <c:pt idx="390">
-                  <c:v>31.223384081602617</c:v>
-                </c:pt>
-                <c:pt idx="391">
-                  <c:v>30.500902678352801</c:v>
-                </c:pt>
-                <c:pt idx="392">
-                  <c:v>29.785371126919458</c:v>
-                </c:pt>
-                <c:pt idx="393">
-                  <c:v>29.07686097986138</c:v>
-                </c:pt>
-                <c:pt idx="394">
-                  <c:v>28.375443087602946</c:v>
-                </c:pt>
-                <c:pt idx="395">
-                  <c:v>27.681187591348788</c:v>
-                </c:pt>
-                <c:pt idx="396">
-                  <c:v>26.99416391607005</c:v>
-                </c:pt>
-                <c:pt idx="397">
-                  <c:v>26.314440763561663</c:v>
-                </c:pt>
-                <c:pt idx="398">
-                  <c:v>25.642086105572531</c:v>
-                </c:pt>
-                <c:pt idx="399">
-                  <c:v>24.977167177008099</c:v>
-                </c:pt>
-                <c:pt idx="400">
-                  <c:v>24.319750469207179</c:v>
-                </c:pt>
-                <c:pt idx="401">
-                  <c:v>23.669901723292668</c:v>
-                </c:pt>
-                <c:pt idx="402">
-                  <c:v>23.027685923597616</c:v>
-                </c:pt>
-                <c:pt idx="403">
-                  <c:v>22.393167291166776</c:v>
-                </c:pt>
-                <c:pt idx="404">
-                  <c:v>21.766409277334716</c:v>
-                </c:pt>
-                <c:pt idx="405">
-                  <c:v>21.147474557380491</c:v>
-                </c:pt>
-                <c:pt idx="406">
-                  <c:v>20.536425024260325</c:v>
-                </c:pt>
-                <c:pt idx="407">
-                  <c:v>19.933321782418233</c:v>
-                </c:pt>
-                <c:pt idx="408">
-                  <c:v>19.338225141675949</c:v>
-                </c:pt>
-                <c:pt idx="409">
-                  <c:v>18.751194611201569</c:v>
-                </c:pt>
-                <c:pt idx="410">
-                  <c:v>18.172288893558971</c:v>
-                </c:pt>
-                <c:pt idx="411">
-                  <c:v>17.60156587883742</c:v>
-                </c:pt>
-                <c:pt idx="412">
-                  <c:v>17.039082638862908</c:v>
-                </c:pt>
-                <c:pt idx="413">
-                  <c:v>16.484895421490648</c:v>
-                </c:pt>
-                <c:pt idx="414">
-                  <c:v>15.939059644980546</c:v>
-                </c:pt>
-                <c:pt idx="415">
-                  <c:v>15.401629892455347</c:v>
-                </c:pt>
-                <c:pt idx="416">
-                  <c:v>14.87265990644255</c:v>
-                </c:pt>
-                <c:pt idx="417">
-                  <c:v>14.352202583499889</c:v>
-                </c:pt>
-                <c:pt idx="418">
-                  <c:v>13.840309968925951</c:v>
-                </c:pt>
-                <c:pt idx="419">
-                  <c:v>13.337033251555567</c:v>
-                </c:pt>
-                <c:pt idx="420">
-                  <c:v>12.842422758641177</c:v>
-                </c:pt>
-                <c:pt idx="421">
-                  <c:v>12.356527950819867</c:v>
-                </c:pt>
-                <c:pt idx="422">
-                  <c:v>11.879397417167468</c:v>
-                </c:pt>
-                <c:pt idx="423">
-                  <c:v>11.411078870339736</c:v>
-                </c:pt>
-                <c:pt idx="424">
-                  <c:v>10.951619141801146</c:v>
-                </c:pt>
-                <c:pt idx="425">
-                  <c:v>10.501064177141643</c:v>
-                </c:pt>
-                <c:pt idx="426">
-                  <c:v>10.059459031482234</c:v>
-                </c:pt>
-                <c:pt idx="427">
-                  <c:v>9.6268478649694629</c:v>
-                </c:pt>
-                <c:pt idx="428">
-                  <c:v>9.2032739383594588</c:v>
-                </c:pt>
-                <c:pt idx="429">
-                  <c:v>8.7887796086919678</c:v>
-                </c:pt>
-                <c:pt idx="430">
-                  <c:v>8.3834063250545086</c:v>
-                </c:pt>
-                <c:pt idx="431">
-                  <c:v>7.9871946244376346</c:v>
-                </c:pt>
-                <c:pt idx="432">
-                  <c:v>7.600184127681203</c:v>
-                </c:pt>
-                <c:pt idx="433">
-                  <c:v>7.2224135355124446</c:v>
-                </c:pt>
-                <c:pt idx="434">
-                  <c:v>6.8539206246757516</c:v>
-                </c:pt>
-                <c:pt idx="435">
-                  <c:v>6.4947422441550913</c:v>
-                </c:pt>
-                <c:pt idx="436">
-                  <c:v>6.1449143114892166</c:v>
-                </c:pt>
-                <c:pt idx="437">
-                  <c:v>5.8044718091799012</c:v>
-                </c:pt>
-                <c:pt idx="438">
-                  <c:v>5.4734487811936674</c:v>
-                </c:pt>
-                <c:pt idx="439">
-                  <c:v>5.1518783295574337</c:v>
-                </c:pt>
-                <c:pt idx="440">
-                  <c:v>4.8397926110483951</c:v>
-                </c:pt>
-                <c:pt idx="441">
-                  <c:v>4.5372228339783618</c:v>
-                </c:pt>
-                <c:pt idx="442">
-                  <c:v>4.2441992550728855</c:v>
-                </c:pt>
-                <c:pt idx="443">
-                  <c:v>3.9607511764456689</c:v>
-                </c:pt>
-                <c:pt idx="444">
-                  <c:v>3.6869069426683296</c:v>
-                </c:pt>
-                <c:pt idx="445">
-                  <c:v>3.422693937936117</c:v>
-                </c:pt>
-                <c:pt idx="446">
-                  <c:v>3.1681385833292808</c:v>
-                </c:pt>
-                <c:pt idx="447">
-                  <c:v>2.9232663341711742</c:v>
-                </c:pt>
-                <c:pt idx="448">
-                  <c:v>2.6881016774826065</c:v>
-                </c:pt>
-                <c:pt idx="449">
-                  <c:v>2.4626681295333555</c:v>
-                </c:pt>
-                <c:pt idx="450">
-                  <c:v>2.2469882334902991</c:v>
-                </c:pt>
-                <c:pt idx="451">
-                  <c:v>2.0410835571633186</c:v>
-                </c:pt>
-                <c:pt idx="452">
-                  <c:v>1.8449746908484599</c:v>
-                </c:pt>
-                <c:pt idx="453">
-                  <c:v>1.658681245268923</c:v>
-                </c:pt>
-                <c:pt idx="454">
-                  <c:v>1.4822218496140493</c:v>
-                </c:pt>
-                <c:pt idx="455">
-                  <c:v>1.3156141496763496</c:v>
-                </c:pt>
-                <c:pt idx="456">
-                  <c:v>1.1588748060869563</c:v>
-                </c:pt>
-                <c:pt idx="457">
-                  <c:v>1.012019492649614</c:v>
-                </c:pt>
-                <c:pt idx="458">
-                  <c:v>0.87506289477330768</c:v>
-                </c:pt>
-                <c:pt idx="459">
-                  <c:v>0.7480187080036842</c:v>
-                </c:pt>
-                <c:pt idx="460">
-                  <c:v>0.63089963665355242</c:v>
-                </c:pt>
-                <c:pt idx="461">
-                  <c:v>0.52371739253244698</c:v>
-                </c:pt>
-                <c:pt idx="462">
-                  <c:v>0.4264826937754691</c:v>
-                </c:pt>
-                <c:pt idx="463">
-                  <c:v>0.33920526377144711</c:v>
-                </c:pt>
-                <c:pt idx="464">
-                  <c:v>0.26189383019067236</c:v>
-                </c:pt>
-                <c:pt idx="465">
-                  <c:v>0.19455612411205436</c:v>
-                </c:pt>
-                <c:pt idx="466">
-                  <c:v>0.1371988792501071</c:v>
-                </c:pt>
-                <c:pt idx="467">
-                  <c:v>8.982783128152505E-2</c:v>
-                </c:pt>
-                <c:pt idx="468">
-                  <c:v>5.2447717271604688E-2</c:v>
-                </c:pt>
-                <c:pt idx="469">
-                  <c:v>2.5062275200610884E-2</c:v>
-                </c:pt>
-                <c:pt idx="470">
-                  <c:v>7.6742435899177508E-3</c:v>
-                </c:pt>
-                <c:pt idx="471">
-                  <c:v>2.8536122820810306E-4</c:v>
-                </c:pt>
-                <c:pt idx="472">
-                  <c:v>2.8963669975468065E-3</c:v>
-                </c:pt>
-                <c:pt idx="473">
-                  <c:v>1.5506999799569599E-2</c:v>
-                </c:pt>
-                <c:pt idx="474">
-                  <c:v>3.8115998581460531E-2</c:v>
-                </c:pt>
-                <c:pt idx="475">
-                  <c:v>7.0721102462201202E-2</c:v>
-                </c:pt>
-                <c:pt idx="476">
-                  <c:v>0.11331905095858019</c:v>
-                </c:pt>
-                <c:pt idx="477">
-                  <c:v>0.16590558431124691</c:v>
-                </c:pt>
-                <c:pt idx="478">
-                  <c:v>0.22847544391066776</c:v>
-                </c:pt>
-                <c:pt idx="479">
-                  <c:v>0.30102237282304145</c:v>
-                </c:pt>
-                <c:pt idx="480">
-                  <c:v>0.38353911641593186</c:v>
-                </c:pt>
-                <c:pt idx="481">
-                  <c:v>0.47601742308373218</c:v>
-                </c:pt>
-                <c:pt idx="482">
-                  <c:v>0.57844804507286085</c:v>
-                </c:pt>
-                <c:pt idx="483">
-                  <c:v>0.69082073940646183</c:v>
-                </c:pt>
-                <c:pt idx="484">
-                  <c:v>0.81312426890873724</c:v>
-                </c:pt>
-                <c:pt idx="485">
-                  <c:v>0.9453464033286707</c:v>
-                </c:pt>
-                <c:pt idx="486">
-                  <c:v>1.0874739205630135</c:v>
-                </c:pt>
-                <c:pt idx="487">
-                  <c:v>1.2394926079784625</c:v>
-                </c:pt>
-                <c:pt idx="488">
-                  <c:v>1.4013872638329588</c:v>
-                </c:pt>
-                <c:pt idx="489">
-                  <c:v>1.5731416987958369</c:v>
-                </c:pt>
-                <c:pt idx="490">
-                  <c:v>1.754738737566754</c:v>
-                </c:pt>
-                <c:pt idx="491">
-                  <c:v>1.9461602205931001</c:v>
-                </c:pt>
-                <c:pt idx="492">
-                  <c:v>2.1473870058861451</c:v>
-                </c:pt>
-                <c:pt idx="493">
-                  <c:v>2.3583989709350277</c:v>
-                </c:pt>
-                <c:pt idx="494">
-                  <c:v>2.5791750147190982</c:v>
-                </c:pt>
-                <c:pt idx="495">
-                  <c:v>2.8096930598179171</c:v>
-                </c:pt>
-                <c:pt idx="496">
-                  <c:v>3.049930054619125</c:v>
-                </c:pt>
-                <c:pt idx="497">
-                  <c:v>3.2998619756234007</c:v>
-                </c:pt>
-                <c:pt idx="498">
-                  <c:v>3.5594638298469476</c:v>
-                </c:pt>
-                <c:pt idx="499">
-                  <c:v>3.8287096573206583</c:v>
-                </c:pt>
-                <c:pt idx="500">
-                  <c:v>4.1075725336861524</c:v>
-                </c:pt>
-                <c:pt idx="501">
-                  <c:v>4.3960245728881944</c:v>
-                </c:pt>
-                <c:pt idx="502">
-                  <c:v>4.6940369299632323</c:v>
-                </c:pt>
-                <c:pt idx="503">
-                  <c:v>5.0015798039239172</c:v>
-                </c:pt>
-                <c:pt idx="504">
-                  <c:v>5.3186224407391052</c:v>
-                </c:pt>
-                <c:pt idx="505">
-                  <c:v>5.645133136409342</c:v>
-                </c:pt>
-                <c:pt idx="506">
-                  <c:v>5.9810792401371344</c:v>
-                </c:pt>
-                <c:pt idx="507">
-                  <c:v>6.3264271575921072</c:v>
-                </c:pt>
-                <c:pt idx="508">
-                  <c:v>6.6811423542702357</c:v>
-                </c:pt>
-                <c:pt idx="509">
-                  <c:v>7.0451893589474963</c:v>
-                </c:pt>
-                <c:pt idx="510">
-                  <c:v>7.418531767226753</c:v>
-                </c:pt>
-                <c:pt idx="511">
-                  <c:v>7.8011322451783798</c:v>
-                </c:pt>
-                <c:pt idx="512">
-                  <c:v>8.19295253307331</c:v>
-                </c:pt>
-                <c:pt idx="513">
-                  <c:v>8.5939534492092946</c:v>
-                </c:pt>
-                <c:pt idx="514">
-                  <c:v>9.0040948938289347</c:v>
-                </c:pt>
-                <c:pt idx="515">
-                  <c:v>9.4233358531295579</c:v>
-                </c:pt>
-                <c:pt idx="516">
-                  <c:v>9.851634403364514</c:v>
-                </c:pt>
-                <c:pt idx="517">
-                  <c:v>10.288947715035761</c:v>
-                </c:pt>
-                <c:pt idx="518">
-                  <c:v>10.735232057176532</c:v>
-                </c:pt>
-                <c:pt idx="519">
-                  <c:v>11.190442801724572</c:v>
-                </c:pt>
-                <c:pt idx="520">
-                  <c:v>11.654534427984686</c:v>
-                </c:pt>
-                <c:pt idx="521">
-                  <c:v>12.127460527181015</c:v>
-                </c:pt>
-                <c:pt idx="522">
-                  <c:v>12.609173807097761</c:v>
-                </c:pt>
-                <c:pt idx="523">
-                  <c:v>13.099626096808393</c:v>
-                </c:pt>
-                <c:pt idx="524">
-                  <c:v>13.598768351492566</c:v>
-                </c:pt>
-                <c:pt idx="525">
-                  <c:v>14.106550657340804</c:v>
-                </c:pt>
-                <c:pt idx="526">
-                  <c:v>14.622922236545662</c:v>
-                </c:pt>
-                <c:pt idx="527">
-                  <c:v>15.147831452379549</c:v>
-                </c:pt>
-                <c:pt idx="528">
-                  <c:v>15.681225814358328</c:v>
-                </c:pt>
-                <c:pt idx="529">
-                  <c:v>16.223051983490222</c:v>
-                </c:pt>
-                <c:pt idx="530">
-                  <c:v>16.773255777609876</c:v>
-                </c:pt>
-                <c:pt idx="531">
-                  <c:v>17.331782176796366</c:v>
-                </c:pt>
-                <c:pt idx="532">
-                  <c:v>17.898575328875296</c:v>
-                </c:pt>
-                <c:pt idx="533">
-                  <c:v>18.473578555003655</c:v>
-                </c:pt>
-                <c:pt idx="534">
-                  <c:v>19.056734355338051</c:v>
-                </c:pt>
-                <c:pt idx="535">
-                  <c:v>19.647984414784418</c:v>
-                </c:pt>
-                <c:pt idx="536">
-                  <c:v>20.247269608829583</c:v>
-                </c:pt>
-                <c:pt idx="537">
-                  <c:v>20.854530009453399</c:v>
-                </c:pt>
-                <c:pt idx="538">
-                  <c:v>21.46970489112195</c:v>
-                </c:pt>
-                <c:pt idx="539">
-                  <c:v>22.092732736859688</c:v>
-                </c:pt>
-                <c:pt idx="540">
-                  <c:v>22.723551244401278</c:v>
-                </c:pt>
-                <c:pt idx="541">
-                  <c:v>23.362097332421556</c:v>
-                </c:pt>
-                <c:pt idx="542">
-                  <c:v>24.008307146843904</c:v>
-                </c:pt>
-                <c:pt idx="543">
-                  <c:v>24.662116067225355</c:v>
-                </c:pt>
-                <c:pt idx="544">
-                  <c:v>25.32345871321877</c:v>
-                </c:pt>
-                <c:pt idx="545">
-                  <c:v>25.99226895111056</c:v>
-                </c:pt>
-                <c:pt idx="546">
-                  <c:v>26.668479900434349</c:v>
-                </c:pt>
-                <c:pt idx="547">
-                  <c:v>27.352023940658682</c:v>
-                </c:pt>
-                <c:pt idx="548">
-                  <c:v>28.042832717949253</c:v>
-                </c:pt>
-                <c:pt idx="549">
-                  <c:v>28.740837152003849</c:v>
-                </c:pt>
-                <c:pt idx="550">
-                  <c:v>29.445967442960807</c:v>
-                </c:pt>
-                <c:pt idx="551">
-                  <c:v>30.158153078378646</c:v>
-                </c:pt>
-                <c:pt idx="552">
-                  <c:v>30.877322840287292</c:v>
-                </c:pt>
-                <c:pt idx="553">
-                  <c:v>31.603404812309932</c:v>
-                </c:pt>
-                <c:pt idx="554">
-                  <c:v>32.33632638685431</c:v>
-                </c:pt>
-                <c:pt idx="555">
-                  <c:v>33.076014272373797</c:v>
-                </c:pt>
-                <c:pt idx="556">
-                  <c:v>33.822394500696234</c:v>
-                </c:pt>
-                <c:pt idx="557">
-                  <c:v>34.575392434420863</c:v>
-                </c:pt>
-                <c:pt idx="558">
-                  <c:v>35.334932774381656</c:v>
-                </c:pt>
-                <c:pt idx="559">
-                  <c:v>36.100939567177626</c:v>
-                </c:pt>
-                <c:pt idx="560">
-                  <c:v>36.873336212767839</c:v>
-                </c:pt>
-                <c:pt idx="561">
-                  <c:v>37.652045472131469</c:v>
-                </c:pt>
-                <c:pt idx="562">
-                  <c:v>38.436989474991364</c:v>
-                </c:pt>
-                <c:pt idx="563">
-                  <c:v>39.228089727601422</c:v>
-                </c:pt>
-                <c:pt idx="564">
-                  <c:v>40.025267120595622</c:v>
-                </c:pt>
-                <c:pt idx="565">
-                  <c:v>40.828441936899061</c:v>
-                </c:pt>
-                <c:pt idx="566">
-                  <c:v>41.637533859699275</c:v>
-                </c:pt>
-                <c:pt idx="567">
-                  <c:v>42.452461980478283</c:v>
-                </c:pt>
-                <c:pt idx="568">
-                  <c:v>43.273144807103137</c:v>
-                </c:pt>
-                <c:pt idx="569">
-                  <c:v>44.099500271975124</c:v>
-                </c:pt>
-                <c:pt idx="570">
-                  <c:v>44.931445740236242</c:v>
-                </c:pt>
-                <c:pt idx="571">
-                  <c:v>45.76889801803302</c:v>
-                </c:pt>
-                <c:pt idx="572">
-                  <c:v>46.611773360835571</c:v>
-                </c:pt>
-                <c:pt idx="573">
-                  <c:v>47.459987481812071</c:v>
-                </c:pt>
-                <c:pt idx="574">
-                  <c:v>48.313455560257125</c:v>
-                </c:pt>
-                <c:pt idx="575">
-                  <c:v>49.172092250074165</c:v>
-                </c:pt>
-                <c:pt idx="576">
-                  <c:v>50.035811688309757</c:v>
-                </c:pt>
-                <c:pt idx="577">
-                  <c:v>50.904527503739828</c:v>
-                </c:pt>
-                <c:pt idx="578">
-                  <c:v>51.778152825506844</c:v>
-                </c:pt>
-                <c:pt idx="579">
-                  <c:v>52.656600291806491</c:v>
-                </c:pt>
-                <c:pt idx="580">
-                  <c:v>53.539782058624262</c:v>
-                </c:pt>
-                <c:pt idx="581">
-                  <c:v>54.427609808519449</c:v>
-                </c:pt>
-                <c:pt idx="582">
-                  <c:v>55.319994759456996</c:v>
-                </c:pt>
-                <c:pt idx="583">
-                  <c:v>56.216847673685308</c:v>
-                </c:pt>
-                <c:pt idx="584">
-                  <c:v>57.118078866660412</c:v>
-                </c:pt>
-                <c:pt idx="585">
-                  <c:v>58.02359821601403</c:v>
-                </c:pt>
-                <c:pt idx="586">
-                  <c:v>58.933315170565912</c:v>
-                </c:pt>
-                <c:pt idx="587">
-                  <c:v>59.847138759378538</c:v>
-                </c:pt>
-                <c:pt idx="588">
-                  <c:v>60.764977600854614</c:v>
-                </c:pt>
-                <c:pt idx="589">
-                  <c:v>61.686739911874866</c:v>
-                </c:pt>
-                <c:pt idx="590">
-                  <c:v>62.612333516976399</c:v>
-                </c:pt>
-                <c:pt idx="591">
-                  <c:v>63.541665857569868</c:v>
-                </c:pt>
-                <c:pt idx="592">
-                  <c:v>64.474644001195742</c:v>
-                </c:pt>
-                <c:pt idx="593">
-                  <c:v>65.411174650817117</c:v>
-                </c:pt>
-                <c:pt idx="594">
-                  <c:v>66.351164154149586</c:v>
-                </c:pt>
-                <c:pt idx="595">
-                  <c:v>67.294518513025935</c:v>
-                </c:pt>
-                <c:pt idx="596">
-                  <c:v>68.241143392796516</c:v>
-                </c:pt>
-                <c:pt idx="597">
-                  <c:v>69.190944131762194</c:v>
-                </c:pt>
-                <c:pt idx="598">
-                  <c:v>70.143825750640644</c:v>
-                </c:pt>
-                <c:pt idx="599">
-                  <c:v>71.099692962063884</c:v>
-                </c:pt>
-              </c:numCache>
-            </c:numRef>
-          </c:yVal>
-          <c:smooth val="1"/>
-        </c:ser>
-        <c:dLbls>
-          <c:showLegendKey val="0"/>
-          <c:showVal val="0"/>
-          <c:showCatName val="0"/>
-          <c:showSerName val="0"/>
-          <c:showPercent val="0"/>
-          <c:showBubbleSize val="0"/>
-        </c:dLbls>
-        <c:axId val="1696140496"/>
-        <c:axId val="1696137776"/>
-      </c:scatterChart>
-      <c:valAx>
-        <c:axId val="1696140496"/>
-        <c:scaling>
-          <c:orientation val="minMax"/>
-        </c:scaling>
-        <c:delete val="1"/>
-        <c:axPos val="b"/>
-        <c:numFmt formatCode="General" sourceLinked="1"/>
-        <c:majorTickMark val="none"/>
-        <c:minorTickMark val="none"/>
-        <c:tickLblPos val="nextTo"/>
-        <c:crossAx val="1696137776"/>
-        <c:crosses val="autoZero"/>
-        <c:crossBetween val="midCat"/>
-      </c:valAx>
-      <c:valAx>
-        <c:axId val="1696137776"/>
-        <c:scaling>
-          <c:orientation val="minMax"/>
-        </c:scaling>
-        <c:delete val="1"/>
-        <c:axPos val="l"/>
-        <c:numFmt formatCode="General" sourceLinked="1"/>
-        <c:majorTickMark val="none"/>
-        <c:minorTickMark val="none"/>
-        <c:tickLblPos val="nextTo"/>
-        <c:crossAx val="1696140496"/>
-        <c:crosses val="autoZero"/>
-        <c:crossBetween val="midCat"/>
-      </c:valAx>
-      <c:spPr>
-        <a:noFill/>
-        <a:ln>
-          <a:noFill/>
-        </a:ln>
-        <a:effectLst/>
-      </c:spPr>
-    </c:plotArea>
-    <c:plotVisOnly val="1"/>
-    <c:dispBlanksAs val="gap"/>
-    <c:showDLblsOverMax val="0"/>
-  </c:chart>
-  <c:spPr>
-    <a:noFill/>
-    <a:ln>
-      <a:noFill/>
-    </a:ln>
-    <a:effectLst/>
-  </c:spPr>
-  <c:txPr>
-    <a:bodyPr/>
-    <a:lstStyle/>
-    <a:p>
-      <a:pPr>
-        <a:defRPr/>
-      </a:pPr>
-      <a:endParaRPr lang="en-US"/>
-    </a:p>
-  </c:txPr>
-  <c:externalData r:id="rId3">
-    <c:autoUpdate val="0"/>
-  </c:externalData>
-</c:chartSpace>
-</file>
-
-<file path=ppt/charts/chart4.xml><?xml version="1.0" encoding="utf-8"?>
-<c:chartSpace xmlns:c="http://schemas.openxmlformats.org/drawingml/2006/chart" xmlns:a="http://schemas.openxmlformats.org/drawingml/2006/main" xmlns:r="http://schemas.openxmlformats.org/officeDocument/2006/relationships">
-  <c:date1904 val="0"/>
-  <c:lang val="en-US"/>
-  <c:roundedCorners val="0"/>
-  <mc:AlternateContent xmlns:mc="http://schemas.openxmlformats.org/markup-compatibility/2006">
-    <mc:Choice xmlns:c14="http://schemas.microsoft.com/office/drawing/2007/8/2/chart" Requires="c14">
-      <c14:style val="102"/>
-    </mc:Choice>
-    <mc:Fallback>
-      <c:style val="2"/>
-    </mc:Fallback>
-  </mc:AlternateContent>
-  <c:chart>
-    <c:autoTitleDeleted val="1"/>
-    <c:plotArea>
-      <c:layout>
-        <c:manualLayout>
-          <c:layoutTarget val="inner"/>
-          <c:xMode val="edge"/>
-          <c:yMode val="edge"/>
-          <c:x val="7.8501353530227511E-3"/>
-          <c:y val="5.0098309562507222E-2"/>
-          <c:w val="0.95682425555837491"/>
-          <c:h val="0.93071123772652287"/>
-        </c:manualLayout>
-      </c:layout>
-      <c:scatterChart>
-        <c:scatterStyle val="smoothMarker"/>
-        <c:varyColors val="0"/>
-        <c:ser>
-          <c:idx val="0"/>
-          <c:order val="0"/>
-          <c:tx>
-            <c:strRef>
-              <c:f>Sheet1!$B$1</c:f>
-              <c:strCache>
-                <c:ptCount val="1"/>
-                <c:pt idx="0">
-                  <c:v>Y-Values</c:v>
-                </c:pt>
-              </c:strCache>
-            </c:strRef>
-          </c:tx>
-          <c:spPr>
-            <a:ln w="19050" cap="rnd">
-              <a:solidFill>
-                <a:schemeClr val="accent1"/>
-              </a:solidFill>
-              <a:round/>
-            </a:ln>
-            <a:effectLst/>
-          </c:spPr>
-          <c:marker>
-            <c:symbol val="none"/>
-          </c:marker>
-          <c:xVal>
-            <c:numRef>
-              <c:f>Sheet1!$A$2:$A$630</c:f>
-              <c:numCache>
-                <c:formatCode>General</c:formatCode>
-                <c:ptCount val="629"/>
-                <c:pt idx="167">
-                  <c:v>1.67</c:v>
-                </c:pt>
-                <c:pt idx="168">
-                  <c:v>1.68</c:v>
-                </c:pt>
-                <c:pt idx="169">
-                  <c:v>1.69</c:v>
-                </c:pt>
-                <c:pt idx="170">
-                  <c:v>1.7</c:v>
-                </c:pt>
-                <c:pt idx="171">
-                  <c:v>1.71</c:v>
-                </c:pt>
-                <c:pt idx="172">
-                  <c:v>1.72</c:v>
-                </c:pt>
-                <c:pt idx="173">
-                  <c:v>1.73</c:v>
-                </c:pt>
-                <c:pt idx="174">
-                  <c:v>1.74</c:v>
-                </c:pt>
-                <c:pt idx="175">
-                  <c:v>1.75</c:v>
-                </c:pt>
-                <c:pt idx="176">
-                  <c:v>1.76</c:v>
-                </c:pt>
-                <c:pt idx="177">
-                  <c:v>1.77</c:v>
-                </c:pt>
-                <c:pt idx="178">
-                  <c:v>1.78</c:v>
-                </c:pt>
-                <c:pt idx="179">
-                  <c:v>1.79</c:v>
-                </c:pt>
-                <c:pt idx="180">
-                  <c:v>1.8</c:v>
-                </c:pt>
-                <c:pt idx="181">
-                  <c:v>1.81</c:v>
-                </c:pt>
-                <c:pt idx="182">
-                  <c:v>1.82</c:v>
-                </c:pt>
-                <c:pt idx="183">
-                  <c:v>1.83</c:v>
-                </c:pt>
-                <c:pt idx="184">
-                  <c:v>1.84</c:v>
-                </c:pt>
-                <c:pt idx="185">
-                  <c:v>1.85</c:v>
-                </c:pt>
-                <c:pt idx="186">
-                  <c:v>1.86</c:v>
-                </c:pt>
-                <c:pt idx="187">
-                  <c:v>1.87</c:v>
-                </c:pt>
-                <c:pt idx="188">
-                  <c:v>1.88</c:v>
-                </c:pt>
-                <c:pt idx="189">
-                  <c:v>1.89</c:v>
-                </c:pt>
-                <c:pt idx="190">
-                  <c:v>1.9</c:v>
-                </c:pt>
-                <c:pt idx="191">
-                  <c:v>1.91</c:v>
-                </c:pt>
-                <c:pt idx="192">
-                  <c:v>1.92</c:v>
-                </c:pt>
-                <c:pt idx="193">
-                  <c:v>1.93</c:v>
-                </c:pt>
-                <c:pt idx="194">
-                  <c:v>1.94</c:v>
-                </c:pt>
-                <c:pt idx="195">
-                  <c:v>1.95</c:v>
-                </c:pt>
-                <c:pt idx="196">
-                  <c:v>1.96</c:v>
-                </c:pt>
-                <c:pt idx="197">
-                  <c:v>1.97</c:v>
-                </c:pt>
-                <c:pt idx="198">
-                  <c:v>1.98</c:v>
-                </c:pt>
-                <c:pt idx="199">
-                  <c:v>1.99</c:v>
-                </c:pt>
-                <c:pt idx="200">
-                  <c:v>2</c:v>
-                </c:pt>
-                <c:pt idx="201">
-                  <c:v>2.0099999999999998</c:v>
-                </c:pt>
-                <c:pt idx="202">
-                  <c:v>2.02</c:v>
-                </c:pt>
-                <c:pt idx="203">
-                  <c:v>2.0299999999999998</c:v>
-                </c:pt>
-                <c:pt idx="204">
-                  <c:v>2.04</c:v>
-                </c:pt>
-                <c:pt idx="205">
-                  <c:v>2.0499999999999998</c:v>
-                </c:pt>
-                <c:pt idx="206">
-                  <c:v>2.06</c:v>
-                </c:pt>
-                <c:pt idx="207">
-                  <c:v>2.0699999999999998</c:v>
-                </c:pt>
-                <c:pt idx="208">
-                  <c:v>2.08</c:v>
-                </c:pt>
-                <c:pt idx="209">
-                  <c:v>2.09</c:v>
-                </c:pt>
-                <c:pt idx="210">
-                  <c:v>2.1</c:v>
-                </c:pt>
-                <c:pt idx="211">
-                  <c:v>2.11</c:v>
-                </c:pt>
-                <c:pt idx="212">
-                  <c:v>2.12</c:v>
-                </c:pt>
-                <c:pt idx="213">
-                  <c:v>2.13</c:v>
-                </c:pt>
-                <c:pt idx="214">
-                  <c:v>2.14</c:v>
-                </c:pt>
-                <c:pt idx="215">
-                  <c:v>2.15</c:v>
-                </c:pt>
-                <c:pt idx="216">
-                  <c:v>2.16</c:v>
-                </c:pt>
-                <c:pt idx="217">
-                  <c:v>2.17</c:v>
-                </c:pt>
-                <c:pt idx="218">
-                  <c:v>2.1800000000000002</c:v>
-                </c:pt>
-                <c:pt idx="219">
-                  <c:v>2.19</c:v>
-                </c:pt>
-                <c:pt idx="220">
-                  <c:v>2.2000000000000002</c:v>
-                </c:pt>
-                <c:pt idx="221">
-                  <c:v>2.21</c:v>
-                </c:pt>
-                <c:pt idx="222">
-                  <c:v>2.2200000000000002</c:v>
-                </c:pt>
-                <c:pt idx="223">
-                  <c:v>2.23</c:v>
-                </c:pt>
-                <c:pt idx="224">
-                  <c:v>2.2400000000000002</c:v>
-                </c:pt>
-                <c:pt idx="225">
-                  <c:v>2.25</c:v>
-                </c:pt>
-                <c:pt idx="226">
-                  <c:v>2.2599999999999998</c:v>
-                </c:pt>
-                <c:pt idx="227">
-                  <c:v>2.27</c:v>
-                </c:pt>
-                <c:pt idx="228">
-                  <c:v>2.2799999999999998</c:v>
-                </c:pt>
-                <c:pt idx="229">
-                  <c:v>2.29</c:v>
-                </c:pt>
-                <c:pt idx="230">
-                  <c:v>2.2999999999999998</c:v>
-                </c:pt>
-                <c:pt idx="231">
-                  <c:v>2.31</c:v>
-                </c:pt>
-                <c:pt idx="232">
-                  <c:v>2.3199999999999998</c:v>
-                </c:pt>
-                <c:pt idx="233">
-                  <c:v>2.33</c:v>
-                </c:pt>
-                <c:pt idx="234">
-                  <c:v>2.34</c:v>
-                </c:pt>
-                <c:pt idx="235">
-                  <c:v>2.35</c:v>
-                </c:pt>
-                <c:pt idx="236">
-                  <c:v>2.36</c:v>
-                </c:pt>
-                <c:pt idx="237">
-                  <c:v>2.37</c:v>
-                </c:pt>
-                <c:pt idx="238">
-                  <c:v>2.38</c:v>
-                </c:pt>
-                <c:pt idx="239">
-                  <c:v>2.39</c:v>
-                </c:pt>
-                <c:pt idx="240">
-                  <c:v>2.4</c:v>
-                </c:pt>
-                <c:pt idx="241">
-                  <c:v>2.41</c:v>
-                </c:pt>
-                <c:pt idx="242">
-                  <c:v>2.42</c:v>
-                </c:pt>
-                <c:pt idx="243">
-                  <c:v>2.4300000000000002</c:v>
-                </c:pt>
-                <c:pt idx="244">
-                  <c:v>2.44</c:v>
-                </c:pt>
-                <c:pt idx="245">
-                  <c:v>2.4500000000000002</c:v>
-                </c:pt>
-                <c:pt idx="246">
-                  <c:v>2.46</c:v>
-                </c:pt>
-                <c:pt idx="247">
-                  <c:v>2.4700000000000002</c:v>
-                </c:pt>
-                <c:pt idx="248">
-                  <c:v>2.48</c:v>
-                </c:pt>
-                <c:pt idx="249">
-                  <c:v>2.4900000000000002</c:v>
-                </c:pt>
-                <c:pt idx="250">
-                  <c:v>2.5</c:v>
-                </c:pt>
-                <c:pt idx="251">
-                  <c:v>2.5099999999999998</c:v>
-                </c:pt>
-                <c:pt idx="252">
-                  <c:v>2.52</c:v>
-                </c:pt>
-                <c:pt idx="253">
-                  <c:v>2.5299999999999998</c:v>
-                </c:pt>
-                <c:pt idx="254">
-                  <c:v>2.54</c:v>
-                </c:pt>
-                <c:pt idx="255">
-                  <c:v>2.5499999999999998</c:v>
-                </c:pt>
-                <c:pt idx="256">
-                  <c:v>2.56</c:v>
-                </c:pt>
-                <c:pt idx="257">
-                  <c:v>2.57</c:v>
-                </c:pt>
-                <c:pt idx="258">
-                  <c:v>2.58</c:v>
-                </c:pt>
-                <c:pt idx="259">
-                  <c:v>2.59</c:v>
-                </c:pt>
-                <c:pt idx="260">
-                  <c:v>2.6</c:v>
-                </c:pt>
-                <c:pt idx="261">
-                  <c:v>2.61</c:v>
-                </c:pt>
-                <c:pt idx="262">
-                  <c:v>2.62</c:v>
-                </c:pt>
-                <c:pt idx="263">
-                  <c:v>2.63</c:v>
-                </c:pt>
-                <c:pt idx="264">
-                  <c:v>2.64</c:v>
-                </c:pt>
-                <c:pt idx="265">
-                  <c:v>2.65</c:v>
-                </c:pt>
-                <c:pt idx="266">
-                  <c:v>2.66</c:v>
-                </c:pt>
-                <c:pt idx="267">
-                  <c:v>2.67</c:v>
-                </c:pt>
-                <c:pt idx="268">
-                  <c:v>2.68</c:v>
-                </c:pt>
-                <c:pt idx="269">
-                  <c:v>2.69</c:v>
-                </c:pt>
-                <c:pt idx="270">
-                  <c:v>2.7</c:v>
-                </c:pt>
-                <c:pt idx="271">
-                  <c:v>2.71</c:v>
-                </c:pt>
-                <c:pt idx="272">
-                  <c:v>2.72</c:v>
-                </c:pt>
-                <c:pt idx="273">
-                  <c:v>2.73</c:v>
-                </c:pt>
-                <c:pt idx="274">
-                  <c:v>2.74</c:v>
-                </c:pt>
-                <c:pt idx="275">
-                  <c:v>2.75</c:v>
-                </c:pt>
-                <c:pt idx="276">
-                  <c:v>2.76</c:v>
-                </c:pt>
-                <c:pt idx="277">
-                  <c:v>2.77</c:v>
-                </c:pt>
-                <c:pt idx="278">
-                  <c:v>2.78</c:v>
-                </c:pt>
-                <c:pt idx="279">
-                  <c:v>2.79</c:v>
-                </c:pt>
-                <c:pt idx="280">
-                  <c:v>2.8</c:v>
-                </c:pt>
-                <c:pt idx="281">
-                  <c:v>2.81</c:v>
-                </c:pt>
-                <c:pt idx="282">
-                  <c:v>2.82</c:v>
-                </c:pt>
-                <c:pt idx="283">
-                  <c:v>2.83</c:v>
-                </c:pt>
-                <c:pt idx="284">
-                  <c:v>2.84</c:v>
-                </c:pt>
-                <c:pt idx="285">
-                  <c:v>2.85</c:v>
-                </c:pt>
-                <c:pt idx="286">
-                  <c:v>2.86</c:v>
-                </c:pt>
-                <c:pt idx="287">
-                  <c:v>2.87</c:v>
-                </c:pt>
-                <c:pt idx="288">
-                  <c:v>2.88</c:v>
-                </c:pt>
-                <c:pt idx="289">
-                  <c:v>2.89</c:v>
-                </c:pt>
-                <c:pt idx="290">
-                  <c:v>2.9</c:v>
-                </c:pt>
-                <c:pt idx="291">
-                  <c:v>2.91</c:v>
-                </c:pt>
-                <c:pt idx="292">
-                  <c:v>2.92</c:v>
-                </c:pt>
-                <c:pt idx="293">
-                  <c:v>2.93</c:v>
-                </c:pt>
-                <c:pt idx="294">
-                  <c:v>2.94</c:v>
-                </c:pt>
-                <c:pt idx="295">
-                  <c:v>2.95</c:v>
-                </c:pt>
-                <c:pt idx="296">
-                  <c:v>2.96</c:v>
-                </c:pt>
-                <c:pt idx="297">
-                  <c:v>2.97</c:v>
-                </c:pt>
-                <c:pt idx="298">
-                  <c:v>2.98</c:v>
-                </c:pt>
-                <c:pt idx="299">
-                  <c:v>2.99</c:v>
-                </c:pt>
-                <c:pt idx="300">
-                  <c:v>3</c:v>
-                </c:pt>
-                <c:pt idx="301">
-                  <c:v>3.01</c:v>
-                </c:pt>
-                <c:pt idx="302">
-                  <c:v>3.02</c:v>
-                </c:pt>
-                <c:pt idx="303">
-                  <c:v>3.03</c:v>
-                </c:pt>
-                <c:pt idx="304">
-                  <c:v>3.04</c:v>
-                </c:pt>
-                <c:pt idx="305">
-                  <c:v>3.05</c:v>
-                </c:pt>
-                <c:pt idx="306">
-                  <c:v>3.06</c:v>
-                </c:pt>
-                <c:pt idx="307">
-                  <c:v>3.07</c:v>
-                </c:pt>
-                <c:pt idx="308">
-                  <c:v>3.08</c:v>
-                </c:pt>
-                <c:pt idx="309">
-                  <c:v>3.09</c:v>
-                </c:pt>
-                <c:pt idx="310">
-                  <c:v>3.1</c:v>
-                </c:pt>
-                <c:pt idx="311">
-                  <c:v>3.11</c:v>
-                </c:pt>
-                <c:pt idx="312">
-                  <c:v>3.12</c:v>
-                </c:pt>
-                <c:pt idx="313">
-                  <c:v>3.13</c:v>
-                </c:pt>
-                <c:pt idx="314">
-                  <c:v>3.14</c:v>
-                </c:pt>
-                <c:pt idx="315">
-                  <c:v>3.15</c:v>
-                </c:pt>
-                <c:pt idx="316">
-                  <c:v>3.16</c:v>
-                </c:pt>
-                <c:pt idx="317">
-                  <c:v>3.17</c:v>
-                </c:pt>
-                <c:pt idx="318">
-                  <c:v>3.18</c:v>
-                </c:pt>
-                <c:pt idx="319">
-                  <c:v>3.19</c:v>
-                </c:pt>
-                <c:pt idx="320">
-                  <c:v>3.2</c:v>
-                </c:pt>
-                <c:pt idx="321">
-                  <c:v>3.21</c:v>
-                </c:pt>
-                <c:pt idx="322">
-                  <c:v>3.22</c:v>
-                </c:pt>
-                <c:pt idx="323">
-                  <c:v>3.23</c:v>
-                </c:pt>
-                <c:pt idx="324">
-                  <c:v>3.24</c:v>
-                </c:pt>
-                <c:pt idx="325">
-                  <c:v>3.25</c:v>
-                </c:pt>
-                <c:pt idx="326">
-                  <c:v>3.26</c:v>
-                </c:pt>
-                <c:pt idx="327">
-                  <c:v>3.27</c:v>
-                </c:pt>
-                <c:pt idx="328">
-                  <c:v>3.28</c:v>
-                </c:pt>
-                <c:pt idx="329">
-                  <c:v>3.29</c:v>
-                </c:pt>
-                <c:pt idx="330">
-                  <c:v>3.3</c:v>
-                </c:pt>
-                <c:pt idx="331">
-                  <c:v>3.31</c:v>
-                </c:pt>
-                <c:pt idx="332">
-                  <c:v>3.32</c:v>
-                </c:pt>
-                <c:pt idx="333">
-                  <c:v>3.33</c:v>
-                </c:pt>
-                <c:pt idx="334">
-                  <c:v>3.34</c:v>
-                </c:pt>
-                <c:pt idx="335">
-                  <c:v>3.35</c:v>
-                </c:pt>
-                <c:pt idx="336">
-                  <c:v>3.36</c:v>
-                </c:pt>
-                <c:pt idx="337">
-                  <c:v>3.37</c:v>
-                </c:pt>
-                <c:pt idx="338">
-                  <c:v>3.38</c:v>
-                </c:pt>
-                <c:pt idx="339">
-                  <c:v>3.39</c:v>
-                </c:pt>
-                <c:pt idx="340">
-                  <c:v>3.4</c:v>
-                </c:pt>
-                <c:pt idx="341">
-                  <c:v>3.41</c:v>
-                </c:pt>
-                <c:pt idx="342">
-                  <c:v>3.42</c:v>
-                </c:pt>
-                <c:pt idx="343">
-                  <c:v>3.43</c:v>
-                </c:pt>
-                <c:pt idx="344">
-                  <c:v>3.44</c:v>
-                </c:pt>
-                <c:pt idx="345">
-                  <c:v>3.45</c:v>
-                </c:pt>
-                <c:pt idx="346">
-                  <c:v>3.46</c:v>
-                </c:pt>
-                <c:pt idx="347">
-                  <c:v>3.47</c:v>
-                </c:pt>
-                <c:pt idx="348">
-                  <c:v>3.48</c:v>
-                </c:pt>
-                <c:pt idx="349">
-                  <c:v>3.49</c:v>
-                </c:pt>
-                <c:pt idx="350">
-                  <c:v>3.5</c:v>
-                </c:pt>
-                <c:pt idx="351">
-                  <c:v>3.51</c:v>
-                </c:pt>
-                <c:pt idx="352">
-                  <c:v>3.52</c:v>
-                </c:pt>
-                <c:pt idx="353">
-                  <c:v>3.53</c:v>
-                </c:pt>
-                <c:pt idx="354">
-                  <c:v>3.54</c:v>
-                </c:pt>
-                <c:pt idx="355">
-                  <c:v>3.55</c:v>
-                </c:pt>
-                <c:pt idx="356">
-                  <c:v>3.56</c:v>
-                </c:pt>
-                <c:pt idx="357">
-                  <c:v>3.57</c:v>
-                </c:pt>
-                <c:pt idx="358">
-                  <c:v>3.58</c:v>
-                </c:pt>
-                <c:pt idx="359">
-                  <c:v>3.59</c:v>
-                </c:pt>
-                <c:pt idx="360">
-                  <c:v>3.6</c:v>
-                </c:pt>
-                <c:pt idx="361">
-                  <c:v>3.61</c:v>
-                </c:pt>
-                <c:pt idx="362">
-                  <c:v>3.62</c:v>
-                </c:pt>
-                <c:pt idx="363">
-                  <c:v>3.63</c:v>
-                </c:pt>
-                <c:pt idx="364">
-                  <c:v>3.64</c:v>
-                </c:pt>
-                <c:pt idx="365">
-                  <c:v>3.65</c:v>
-                </c:pt>
-                <c:pt idx="366">
-                  <c:v>3.66</c:v>
-                </c:pt>
-                <c:pt idx="367">
-                  <c:v>3.67</c:v>
-                </c:pt>
-                <c:pt idx="368">
-                  <c:v>3.68</c:v>
-                </c:pt>
-                <c:pt idx="369">
-                  <c:v>3.69</c:v>
-                </c:pt>
-                <c:pt idx="370">
-                  <c:v>3.7</c:v>
-                </c:pt>
-                <c:pt idx="371">
-                  <c:v>3.71</c:v>
-                </c:pt>
-                <c:pt idx="372">
-                  <c:v>3.72</c:v>
-                </c:pt>
-                <c:pt idx="373">
-                  <c:v>3.73</c:v>
-                </c:pt>
-                <c:pt idx="374">
-                  <c:v>3.74</c:v>
-                </c:pt>
-                <c:pt idx="375">
-                  <c:v>3.75</c:v>
-                </c:pt>
-                <c:pt idx="376">
-                  <c:v>3.76</c:v>
-                </c:pt>
-                <c:pt idx="377">
-                  <c:v>3.77</c:v>
-                </c:pt>
-                <c:pt idx="378">
-                  <c:v>3.78</c:v>
-                </c:pt>
-                <c:pt idx="379">
-                  <c:v>3.79</c:v>
-                </c:pt>
-                <c:pt idx="380">
-                  <c:v>3.8</c:v>
-                </c:pt>
-                <c:pt idx="381">
-                  <c:v>3.81</c:v>
-                </c:pt>
-                <c:pt idx="382">
-                  <c:v>3.82</c:v>
-                </c:pt>
-                <c:pt idx="383">
-                  <c:v>3.83</c:v>
-                </c:pt>
-                <c:pt idx="384">
-                  <c:v>3.84</c:v>
-                </c:pt>
-                <c:pt idx="385">
-                  <c:v>3.85</c:v>
-                </c:pt>
-                <c:pt idx="386">
-                  <c:v>3.86</c:v>
-                </c:pt>
-                <c:pt idx="387">
-                  <c:v>3.87</c:v>
-                </c:pt>
-                <c:pt idx="388">
-                  <c:v>3.88</c:v>
-                </c:pt>
-                <c:pt idx="389">
-                  <c:v>3.89</c:v>
-                </c:pt>
-                <c:pt idx="390">
-                  <c:v>3.9</c:v>
-                </c:pt>
-                <c:pt idx="391">
-                  <c:v>3.91</c:v>
-                </c:pt>
-                <c:pt idx="392">
-                  <c:v>3.92</c:v>
-                </c:pt>
-                <c:pt idx="393">
-                  <c:v>3.93</c:v>
-                </c:pt>
-                <c:pt idx="394">
-                  <c:v>3.94</c:v>
-                </c:pt>
-                <c:pt idx="395">
-                  <c:v>3.95</c:v>
-                </c:pt>
-                <c:pt idx="396">
-                  <c:v>3.96</c:v>
-                </c:pt>
-                <c:pt idx="397">
-                  <c:v>3.97</c:v>
-                </c:pt>
-                <c:pt idx="398">
-                  <c:v>3.98</c:v>
-                </c:pt>
-                <c:pt idx="399">
-                  <c:v>3.99</c:v>
-                </c:pt>
-                <c:pt idx="400">
-                  <c:v>4</c:v>
-                </c:pt>
-                <c:pt idx="401">
-                  <c:v>4.01</c:v>
-                </c:pt>
-                <c:pt idx="402">
-                  <c:v>4.0199999999999996</c:v>
-                </c:pt>
-                <c:pt idx="403">
-                  <c:v>4.03</c:v>
-                </c:pt>
-                <c:pt idx="404">
-                  <c:v>4.04</c:v>
-                </c:pt>
-                <c:pt idx="405">
-                  <c:v>4.05</c:v>
-                </c:pt>
-                <c:pt idx="406">
-                  <c:v>4.0599999999999996</c:v>
-                </c:pt>
-                <c:pt idx="407">
-                  <c:v>4.07</c:v>
-                </c:pt>
-                <c:pt idx="408">
-                  <c:v>4.08</c:v>
-                </c:pt>
-                <c:pt idx="409">
-                  <c:v>4.09</c:v>
-                </c:pt>
-                <c:pt idx="410">
-                  <c:v>4.0999999999999996</c:v>
-                </c:pt>
-                <c:pt idx="411">
-                  <c:v>4.1100000000000003</c:v>
-                </c:pt>
-                <c:pt idx="412">
-                  <c:v>4.12</c:v>
-                </c:pt>
-                <c:pt idx="413">
-                  <c:v>4.13</c:v>
-                </c:pt>
-                <c:pt idx="414">
-                  <c:v>4.1399999999999997</c:v>
-                </c:pt>
-                <c:pt idx="415">
-                  <c:v>4.1500000000000004</c:v>
-                </c:pt>
-                <c:pt idx="416">
-                  <c:v>4.16</c:v>
-                </c:pt>
-                <c:pt idx="417">
-                  <c:v>4.17</c:v>
-                </c:pt>
-                <c:pt idx="418">
-                  <c:v>4.18</c:v>
-                </c:pt>
-                <c:pt idx="419">
-                  <c:v>4.1900000000000004</c:v>
-                </c:pt>
-                <c:pt idx="420">
-                  <c:v>4.2</c:v>
-                </c:pt>
-                <c:pt idx="421">
-                  <c:v>4.21</c:v>
-                </c:pt>
-                <c:pt idx="422">
-                  <c:v>4.22</c:v>
-                </c:pt>
-                <c:pt idx="423">
-                  <c:v>4.2300000000000004</c:v>
-                </c:pt>
-                <c:pt idx="424">
-                  <c:v>4.24</c:v>
-                </c:pt>
-                <c:pt idx="425">
-                  <c:v>4.25</c:v>
-                </c:pt>
-                <c:pt idx="426">
-                  <c:v>4.26</c:v>
-                </c:pt>
-                <c:pt idx="427">
-                  <c:v>4.2699999999999996</c:v>
-                </c:pt>
-                <c:pt idx="428">
-                  <c:v>4.28</c:v>
-                </c:pt>
-                <c:pt idx="429">
-                  <c:v>4.29</c:v>
-                </c:pt>
-                <c:pt idx="430">
-                  <c:v>4.3</c:v>
-                </c:pt>
-                <c:pt idx="431">
-                  <c:v>4.3099999999999996</c:v>
-                </c:pt>
-                <c:pt idx="432">
-                  <c:v>4.32</c:v>
-                </c:pt>
-                <c:pt idx="433">
-                  <c:v>4.33</c:v>
-                </c:pt>
-                <c:pt idx="434">
-                  <c:v>4.34</c:v>
-                </c:pt>
-                <c:pt idx="435">
-                  <c:v>4.3499999999999996</c:v>
-                </c:pt>
-                <c:pt idx="436">
-                  <c:v>4.3600000000000003</c:v>
-                </c:pt>
-                <c:pt idx="437">
-                  <c:v>4.37</c:v>
-                </c:pt>
-                <c:pt idx="438">
-                  <c:v>4.38</c:v>
-                </c:pt>
-                <c:pt idx="439">
-                  <c:v>4.3899999999999997</c:v>
-                </c:pt>
-                <c:pt idx="440">
-                  <c:v>4.4000000000000004</c:v>
-                </c:pt>
-                <c:pt idx="441">
-                  <c:v>4.41</c:v>
-                </c:pt>
-                <c:pt idx="442">
-                  <c:v>4.42</c:v>
-                </c:pt>
-                <c:pt idx="443">
-                  <c:v>4.43</c:v>
-                </c:pt>
-                <c:pt idx="444">
-                  <c:v>4.4400000000000004</c:v>
-                </c:pt>
-                <c:pt idx="445">
-                  <c:v>4.45</c:v>
-                </c:pt>
-                <c:pt idx="446">
-                  <c:v>4.46</c:v>
-                </c:pt>
-                <c:pt idx="447">
-                  <c:v>4.47</c:v>
-                </c:pt>
-                <c:pt idx="448">
-                  <c:v>4.4800000000000004</c:v>
-                </c:pt>
-                <c:pt idx="449">
-                  <c:v>4.49</c:v>
-                </c:pt>
-                <c:pt idx="450">
-                  <c:v>4.5</c:v>
-                </c:pt>
-                <c:pt idx="451">
-                  <c:v>4.51</c:v>
-                </c:pt>
-                <c:pt idx="452">
-                  <c:v>4.5199999999999996</c:v>
-                </c:pt>
-                <c:pt idx="453">
-                  <c:v>4.53</c:v>
-                </c:pt>
-                <c:pt idx="454">
-                  <c:v>4.54</c:v>
-                </c:pt>
-                <c:pt idx="455">
-                  <c:v>4.55</c:v>
-                </c:pt>
-                <c:pt idx="456">
-                  <c:v>4.5599999999999996</c:v>
-                </c:pt>
-                <c:pt idx="457">
-                  <c:v>4.57</c:v>
-                </c:pt>
-                <c:pt idx="458">
-                  <c:v>4.58</c:v>
-                </c:pt>
-                <c:pt idx="459">
-                  <c:v>4.59</c:v>
-                </c:pt>
-                <c:pt idx="460">
-                  <c:v>4.5999999999999996</c:v>
-                </c:pt>
-                <c:pt idx="461">
-                  <c:v>4.6100000000000003</c:v>
-                </c:pt>
-                <c:pt idx="462">
-                  <c:v>4.62</c:v>
-                </c:pt>
-                <c:pt idx="463">
-                  <c:v>4.63</c:v>
-                </c:pt>
-                <c:pt idx="464">
-                  <c:v>4.6399999999999997</c:v>
-                </c:pt>
-                <c:pt idx="465">
-                  <c:v>4.6500000000000004</c:v>
-                </c:pt>
-                <c:pt idx="466">
-                  <c:v>4.66</c:v>
-                </c:pt>
-                <c:pt idx="467">
-                  <c:v>4.67</c:v>
-                </c:pt>
-                <c:pt idx="468">
-                  <c:v>4.68</c:v>
-                </c:pt>
-                <c:pt idx="469">
-                  <c:v>4.6900000000000004</c:v>
-                </c:pt>
-                <c:pt idx="470">
-                  <c:v>4.7</c:v>
-                </c:pt>
-                <c:pt idx="471">
-                  <c:v>4.71</c:v>
-                </c:pt>
-                <c:pt idx="472">
-                  <c:v>4.72</c:v>
-                </c:pt>
-                <c:pt idx="473">
-                  <c:v>4.7300000000000004</c:v>
-                </c:pt>
-                <c:pt idx="474">
-                  <c:v>4.74</c:v>
-                </c:pt>
-                <c:pt idx="475">
-                  <c:v>4.75</c:v>
-                </c:pt>
-                <c:pt idx="476">
-                  <c:v>4.76</c:v>
-                </c:pt>
-                <c:pt idx="477">
-                  <c:v>4.7699999999999996</c:v>
-                </c:pt>
-                <c:pt idx="478">
-                  <c:v>4.78</c:v>
-                </c:pt>
-                <c:pt idx="479">
-                  <c:v>4.79</c:v>
-                </c:pt>
-                <c:pt idx="480">
-                  <c:v>4.8</c:v>
-                </c:pt>
-                <c:pt idx="481">
-                  <c:v>4.8099999999999996</c:v>
-                </c:pt>
-                <c:pt idx="482">
-                  <c:v>4.82</c:v>
-                </c:pt>
-                <c:pt idx="483">
-                  <c:v>4.83</c:v>
-                </c:pt>
-                <c:pt idx="484">
-                  <c:v>4.84</c:v>
-                </c:pt>
-                <c:pt idx="485">
-                  <c:v>4.8499999999999996</c:v>
-                </c:pt>
-                <c:pt idx="486">
-                  <c:v>4.8600000000000003</c:v>
-                </c:pt>
-                <c:pt idx="487">
-                  <c:v>4.87</c:v>
-                </c:pt>
-                <c:pt idx="488">
-                  <c:v>4.88</c:v>
-                </c:pt>
-                <c:pt idx="489">
-                  <c:v>4.8899999999999997</c:v>
-                </c:pt>
-                <c:pt idx="490">
-                  <c:v>4.9000000000000004</c:v>
-                </c:pt>
-                <c:pt idx="491">
-                  <c:v>4.91</c:v>
-                </c:pt>
-                <c:pt idx="492">
-                  <c:v>4.92</c:v>
-                </c:pt>
-                <c:pt idx="493">
-                  <c:v>4.93</c:v>
-                </c:pt>
-                <c:pt idx="494">
-                  <c:v>4.9400000000000004</c:v>
-                </c:pt>
-                <c:pt idx="495">
-                  <c:v>4.95</c:v>
-                </c:pt>
-                <c:pt idx="496">
-                  <c:v>4.96</c:v>
-                </c:pt>
-                <c:pt idx="497">
-                  <c:v>4.97</c:v>
-                </c:pt>
-                <c:pt idx="498">
-                  <c:v>4.9800000000000004</c:v>
-                </c:pt>
-                <c:pt idx="499">
-                  <c:v>4.99</c:v>
-                </c:pt>
-                <c:pt idx="500">
-                  <c:v>5</c:v>
-                </c:pt>
-                <c:pt idx="501">
-                  <c:v>5.01</c:v>
-                </c:pt>
-                <c:pt idx="502">
-                  <c:v>5.0199999999999996</c:v>
-                </c:pt>
-                <c:pt idx="503">
-                  <c:v>5.03</c:v>
-                </c:pt>
-                <c:pt idx="504">
-                  <c:v>5.04</c:v>
-                </c:pt>
-                <c:pt idx="505">
-                  <c:v>5.05</c:v>
-                </c:pt>
-                <c:pt idx="506">
-                  <c:v>5.0599999999999996</c:v>
-                </c:pt>
-                <c:pt idx="507">
-                  <c:v>5.07</c:v>
-                </c:pt>
-                <c:pt idx="508">
-                  <c:v>5.08</c:v>
-                </c:pt>
-                <c:pt idx="509">
-                  <c:v>5.09</c:v>
-                </c:pt>
-                <c:pt idx="510">
-                  <c:v>5.0999999999999996</c:v>
-                </c:pt>
-                <c:pt idx="511">
-                  <c:v>5.1100000000000003</c:v>
-                </c:pt>
-                <c:pt idx="512">
-                  <c:v>5.12</c:v>
-                </c:pt>
-                <c:pt idx="513">
-                  <c:v>5.13</c:v>
-                </c:pt>
-                <c:pt idx="514">
-                  <c:v>5.14</c:v>
-                </c:pt>
-                <c:pt idx="515">
-                  <c:v>5.15</c:v>
-                </c:pt>
-                <c:pt idx="516">
-                  <c:v>5.16</c:v>
-                </c:pt>
-                <c:pt idx="517">
-                  <c:v>5.17</c:v>
-                </c:pt>
-                <c:pt idx="518">
-                  <c:v>5.18</c:v>
-                </c:pt>
-                <c:pt idx="519">
-                  <c:v>5.19</c:v>
-                </c:pt>
-                <c:pt idx="520">
-                  <c:v>5.2</c:v>
-                </c:pt>
-                <c:pt idx="521">
-                  <c:v>5.21</c:v>
-                </c:pt>
-                <c:pt idx="522">
-                  <c:v>5.22</c:v>
-                </c:pt>
-                <c:pt idx="523">
-                  <c:v>5.23</c:v>
-                </c:pt>
-                <c:pt idx="524">
-                  <c:v>5.24</c:v>
-                </c:pt>
-                <c:pt idx="525">
-                  <c:v>5.25</c:v>
-                </c:pt>
-                <c:pt idx="526">
-                  <c:v>5.26</c:v>
-                </c:pt>
-                <c:pt idx="527">
-                  <c:v>5.27</c:v>
-                </c:pt>
-                <c:pt idx="528">
-                  <c:v>5.28</c:v>
-                </c:pt>
-                <c:pt idx="529">
-                  <c:v>5.29</c:v>
-                </c:pt>
-                <c:pt idx="530">
-                  <c:v>5.3</c:v>
-                </c:pt>
-                <c:pt idx="531">
-                  <c:v>5.31</c:v>
-                </c:pt>
-                <c:pt idx="532">
-                  <c:v>5.32</c:v>
-                </c:pt>
-                <c:pt idx="533">
-                  <c:v>5.33</c:v>
-                </c:pt>
-                <c:pt idx="534">
-                  <c:v>5.34</c:v>
-                </c:pt>
-                <c:pt idx="535">
-                  <c:v>5.35</c:v>
-                </c:pt>
-                <c:pt idx="536">
-                  <c:v>5.36</c:v>
-                </c:pt>
-                <c:pt idx="537">
-                  <c:v>5.37</c:v>
-                </c:pt>
-                <c:pt idx="538">
-                  <c:v>5.38</c:v>
-                </c:pt>
-                <c:pt idx="539">
-                  <c:v>5.39</c:v>
-                </c:pt>
-                <c:pt idx="540">
-                  <c:v>5.4</c:v>
-                </c:pt>
-                <c:pt idx="541">
-                  <c:v>5.41</c:v>
-                </c:pt>
-                <c:pt idx="542">
-                  <c:v>5.42</c:v>
-                </c:pt>
-                <c:pt idx="543">
-                  <c:v>5.43</c:v>
-                </c:pt>
-                <c:pt idx="544">
-                  <c:v>5.44</c:v>
-                </c:pt>
-                <c:pt idx="545">
-                  <c:v>5.45</c:v>
-                </c:pt>
-                <c:pt idx="546">
-                  <c:v>5.46</c:v>
-                </c:pt>
-                <c:pt idx="547">
-                  <c:v>5.47</c:v>
-                </c:pt>
-                <c:pt idx="548">
-                  <c:v>5.48</c:v>
-                </c:pt>
-                <c:pt idx="549">
-                  <c:v>5.49</c:v>
-                </c:pt>
-                <c:pt idx="550">
-                  <c:v>5.5</c:v>
-                </c:pt>
-                <c:pt idx="551">
-                  <c:v>5.51</c:v>
-                </c:pt>
-                <c:pt idx="552">
-                  <c:v>5.52</c:v>
-                </c:pt>
-                <c:pt idx="553">
-                  <c:v>5.53</c:v>
-                </c:pt>
-                <c:pt idx="554">
-                  <c:v>5.54</c:v>
-                </c:pt>
-                <c:pt idx="555">
-                  <c:v>5.55</c:v>
-                </c:pt>
-                <c:pt idx="556">
-                  <c:v>5.56</c:v>
-                </c:pt>
-                <c:pt idx="557">
-                  <c:v>5.57</c:v>
-                </c:pt>
-                <c:pt idx="558">
-                  <c:v>5.58</c:v>
-                </c:pt>
-                <c:pt idx="559">
-                  <c:v>5.59</c:v>
-                </c:pt>
-                <c:pt idx="560">
-                  <c:v>5.6</c:v>
-                </c:pt>
-                <c:pt idx="561">
-                  <c:v>5.61</c:v>
-                </c:pt>
-                <c:pt idx="562">
-                  <c:v>5.62</c:v>
-                </c:pt>
-                <c:pt idx="563">
-                  <c:v>5.63</c:v>
-                </c:pt>
-                <c:pt idx="564">
-                  <c:v>5.64</c:v>
-                </c:pt>
-                <c:pt idx="565">
-                  <c:v>5.65</c:v>
-                </c:pt>
-                <c:pt idx="566">
-                  <c:v>5.66</c:v>
-                </c:pt>
-                <c:pt idx="567">
-                  <c:v>5.67</c:v>
-                </c:pt>
-                <c:pt idx="568">
-                  <c:v>5.68</c:v>
-                </c:pt>
-                <c:pt idx="569">
-                  <c:v>5.69</c:v>
-                </c:pt>
-                <c:pt idx="570">
-                  <c:v>5.7</c:v>
-                </c:pt>
-                <c:pt idx="571">
-                  <c:v>5.71</c:v>
-                </c:pt>
-                <c:pt idx="572">
-                  <c:v>5.72</c:v>
-                </c:pt>
-                <c:pt idx="573">
-                  <c:v>5.73</c:v>
-                </c:pt>
-                <c:pt idx="574">
-                  <c:v>5.74</c:v>
-                </c:pt>
-                <c:pt idx="575">
-                  <c:v>5.75</c:v>
-                </c:pt>
-                <c:pt idx="576">
-                  <c:v>5.76</c:v>
-                </c:pt>
-                <c:pt idx="577">
-                  <c:v>5.77</c:v>
-                </c:pt>
-                <c:pt idx="578">
-                  <c:v>5.78</c:v>
-                </c:pt>
-                <c:pt idx="579">
-                  <c:v>5.79</c:v>
-                </c:pt>
-                <c:pt idx="580">
-                  <c:v>5.8</c:v>
-                </c:pt>
-                <c:pt idx="581">
-                  <c:v>5.81</c:v>
-                </c:pt>
-                <c:pt idx="582">
-                  <c:v>5.82</c:v>
-                </c:pt>
-                <c:pt idx="583">
-                  <c:v>5.83</c:v>
-                </c:pt>
-                <c:pt idx="584">
-                  <c:v>5.84</c:v>
-                </c:pt>
-                <c:pt idx="585">
-                  <c:v>5.85</c:v>
-                </c:pt>
-                <c:pt idx="586">
-                  <c:v>5.86</c:v>
-                </c:pt>
-                <c:pt idx="587">
-                  <c:v>5.87</c:v>
-                </c:pt>
-                <c:pt idx="588">
-                  <c:v>5.88</c:v>
-                </c:pt>
-                <c:pt idx="589">
-                  <c:v>5.89</c:v>
-                </c:pt>
-                <c:pt idx="590">
-                  <c:v>5.9</c:v>
-                </c:pt>
-                <c:pt idx="591">
-                  <c:v>5.91</c:v>
-                </c:pt>
-                <c:pt idx="592">
-                  <c:v>5.92</c:v>
-                </c:pt>
-                <c:pt idx="593">
-                  <c:v>5.93</c:v>
-                </c:pt>
-                <c:pt idx="594">
-                  <c:v>5.94</c:v>
-                </c:pt>
-                <c:pt idx="595">
-                  <c:v>5.95</c:v>
-                </c:pt>
-                <c:pt idx="596">
-                  <c:v>5.96</c:v>
-                </c:pt>
-                <c:pt idx="597">
-                  <c:v>5.97</c:v>
-                </c:pt>
-                <c:pt idx="598">
-                  <c:v>5.98</c:v>
-                </c:pt>
-                <c:pt idx="599">
-                  <c:v>5.99</c:v>
-                </c:pt>
-              </c:numCache>
-            </c:numRef>
-          </c:xVal>
-          <c:yVal>
-            <c:numRef>
-              <c:f>Sheet1!$B$2:$B$630</c:f>
-              <c:numCache>
-                <c:formatCode>General</c:formatCode>
-                <c:ptCount val="629"/>
-                <c:pt idx="167">
-                  <c:v>199.50833498101804</c:v>
-                </c:pt>
-                <c:pt idx="168">
-                  <c:v>199.4043202198076</c:v>
-                </c:pt>
-                <c:pt idx="169">
-                  <c:v>199.29036510941185</c:v>
-                </c:pt>
-                <c:pt idx="170">
-                  <c:v>199.16648104524685</c:v>
-                </c:pt>
-                <c:pt idx="171">
-                  <c:v>199.0326804156158</c:v>
-                </c:pt>
-                <c:pt idx="172">
-                  <c:v>198.88897660047013</c:v>
-                </c:pt>
-                <c:pt idx="173">
-                  <c:v>198.73538397007164</c:v>
-                </c:pt>
-                <c:pt idx="174">
-                  <c:v>198.57191788355533</c:v>
-                </c:pt>
-                <c:pt idx="175">
-                  <c:v>198.39859468739371</c:v>
-                </c:pt>
-                <c:pt idx="176">
-                  <c:v>198.21543171376186</c:v>
-                </c:pt>
-                <c:pt idx="177">
-                  <c:v>198.02244727880455</c:v>
-                </c:pt>
-                <c:pt idx="178">
-                  <c:v>197.81966068080447</c:v>
-                </c:pt>
-                <c:pt idx="179">
-                  <c:v>197.60709219825242</c:v>
-                </c:pt>
-                <c:pt idx="180">
-                  <c:v>197.38476308781952</c:v>
-                </c:pt>
-                <c:pt idx="181">
-                  <c:v>197.15269558223153</c:v>
-                </c:pt>
-                <c:pt idx="182">
-                  <c:v>196.91091288804563</c:v>
-                </c:pt>
-                <c:pt idx="183">
-                  <c:v>196.65943918332977</c:v>
-                </c:pt>
-                <c:pt idx="184">
-                  <c:v>196.39829961524481</c:v>
-                </c:pt>
-                <c:pt idx="185">
-                  <c:v>196.12752029753</c:v>
-                </c:pt>
-                <c:pt idx="186">
-                  <c:v>195.84712830789141</c:v>
-                </c:pt>
-                <c:pt idx="187">
-                  <c:v>195.5571516852944</c:v>
-                </c:pt>
-                <c:pt idx="188">
-                  <c:v>195.25761942715954</c:v>
-                </c:pt>
-                <c:pt idx="189">
-                  <c:v>194.94856148646306</c:v>
-                </c:pt>
-                <c:pt idx="190">
-                  <c:v>194.63000876874145</c:v>
-                </c:pt>
-                <c:pt idx="191">
-                  <c:v>194.30199312900106</c:v>
-                </c:pt>
-                <c:pt idx="192">
-                  <c:v>193.96454736853249</c:v>
-                </c:pt>
-                <c:pt idx="193">
-                  <c:v>193.61770523163062</c:v>
-                </c:pt>
-                <c:pt idx="194">
-                  <c:v>193.26150140222006</c:v>
-                </c:pt>
-                <c:pt idx="195">
-                  <c:v>192.89597150038693</c:v>
-                </c:pt>
-                <c:pt idx="196">
-                  <c:v>192.52115207881684</c:v>
-                </c:pt>
-                <c:pt idx="197">
-                  <c:v>192.13708061913954</c:v>
-                </c:pt>
-                <c:pt idx="198">
-                  <c:v>191.74379552818098</c:v>
-                </c:pt>
-                <c:pt idx="199">
-                  <c:v>191.34133613412251</c:v>
-                </c:pt>
-                <c:pt idx="200">
-                  <c:v>190.92974268256819</c:v>
-                </c:pt>
-                <c:pt idx="201">
-                  <c:v>190.50905633252012</c:v>
-                </c:pt>
-                <c:pt idx="202">
-                  <c:v>190.07931915226271</c:v>
-                </c:pt>
-                <c:pt idx="203">
-                  <c:v>189.640574115156</c:v>
-                </c:pt>
-                <c:pt idx="204">
-                  <c:v>189.19286509533796</c:v>
-                </c:pt>
-                <c:pt idx="205">
-                  <c:v>188.73623686333755</c:v>
-                </c:pt>
-                <c:pt idx="206">
-                  <c:v>188.27073508159742</c:v>
-                </c:pt>
-                <c:pt idx="207">
-                  <c:v>187.7964062999078</c:v>
-                </c:pt>
-                <c:pt idx="208">
-                  <c:v>187.31329795075163</c:v>
-                </c:pt>
-                <c:pt idx="209">
-                  <c:v>186.82145834456128</c:v>
-                </c:pt>
-                <c:pt idx="210">
-                  <c:v>186.32093666488737</c:v>
-                </c:pt>
-                <c:pt idx="211">
-                  <c:v>185.81178296348088</c:v>
-                </c:pt>
-                <c:pt idx="212">
-                  <c:v>185.29404815528761</c:v>
-                </c:pt>
-                <c:pt idx="213">
-                  <c:v>184.76778401335699</c:v>
-                </c:pt>
-                <c:pt idx="214">
-                  <c:v>184.23304316366455</c:v>
-                </c:pt>
-                <c:pt idx="215">
-                  <c:v>183.68987907984979</c:v>
-                </c:pt>
-                <c:pt idx="216">
-                  <c:v>183.13834607786831</c:v>
-                </c:pt>
-                <c:pt idx="217">
-                  <c:v>182.5784993105608</c:v>
-                </c:pt>
-                <c:pt idx="218">
-                  <c:v>182.01039476213742</c:v>
-                </c:pt>
-                <c:pt idx="219">
-                  <c:v>181.4340892425796</c:v>
-                </c:pt>
-                <c:pt idx="220">
-                  <c:v>180.84964038195901</c:v>
-                </c:pt>
-                <c:pt idx="221">
-                  <c:v>180.25710662467472</c:v>
-                </c:pt>
-                <c:pt idx="222">
-                  <c:v>179.65654722360864</c:v>
-                </c:pt>
-                <c:pt idx="223">
-                  <c:v>179.04802223420046</c:v>
-                </c:pt>
-                <c:pt idx="224">
-                  <c:v>178.43159250844198</c:v>
-                </c:pt>
-                <c:pt idx="225">
-                  <c:v>177.80731968879212</c:v>
-                </c:pt>
-                <c:pt idx="226">
-                  <c:v>177.17526620201261</c:v>
-                </c:pt>
-                <c:pt idx="227">
-                  <c:v>176.53549525292536</c:v>
-                </c:pt>
-                <c:pt idx="228">
-                  <c:v>175.88807081809222</c:v>
-                </c:pt>
-                <c:pt idx="229">
-                  <c:v>175.23305763941707</c:v>
-                </c:pt>
-                <c:pt idx="230">
-                  <c:v>174.57052121767202</c:v>
-                </c:pt>
-                <c:pt idx="231">
-                  <c:v>173.90052780594709</c:v>
-                </c:pt>
-                <c:pt idx="232">
-                  <c:v>173.22314440302515</c:v>
-                </c:pt>
-                <c:pt idx="233">
-                  <c:v>172.53843874668195</c:v>
-                </c:pt>
-                <c:pt idx="234">
-                  <c:v>171.84647930691261</c:v>
-                </c:pt>
-                <c:pt idx="235">
-                  <c:v>171.14733527908442</c:v>
-                </c:pt>
-                <c:pt idx="236">
-                  <c:v>170.44107657701761</c:v>
-                </c:pt>
-                <c:pt idx="237">
-                  <c:v>169.72777382599378</c:v>
-                </c:pt>
-                <c:pt idx="238">
-                  <c:v>169.00749835569366</c:v>
-                </c:pt>
-                <c:pt idx="239">
-                  <c:v>168.28032219306397</c:v>
-                </c:pt>
-                <c:pt idx="240">
-                  <c:v>167.54631805511508</c:v>
-                </c:pt>
-                <c:pt idx="241">
-                  <c:v>166.80555934164909</c:v>
-                </c:pt>
-                <c:pt idx="242">
-                  <c:v>166.05812012792006</c:v>
-                </c:pt>
-                <c:pt idx="243">
-                  <c:v>165.30407515722646</c:v>
-                </c:pt>
-                <c:pt idx="244">
-                  <c:v>164.54349983343707</c:v>
-                </c:pt>
-                <c:pt idx="245">
-                  <c:v>163.77647021345035</c:v>
-                </c:pt>
-                <c:pt idx="246">
-                  <c:v>163.00306299958922</c:v>
-                </c:pt>
-                <c:pt idx="247">
-                  <c:v>162.22335553193045</c:v>
-                </c:pt>
-                <c:pt idx="248">
-                  <c:v>161.43742578057117</c:v>
-                </c:pt>
-                <c:pt idx="249">
-                  <c:v>160.64535233783147</c:v>
-                </c:pt>
-                <c:pt idx="250">
-                  <c:v>159.84721441039565</c:v>
-                </c:pt>
-                <c:pt idx="251">
-                  <c:v>159.04309181139129</c:v>
-                </c:pt>
-                <c:pt idx="252">
-                  <c:v>158.2330649524082</c:v>
-                </c:pt>
-                <c:pt idx="253">
-                  <c:v>157.41721483545726</c:v>
-                </c:pt>
-                <c:pt idx="254">
-                  <c:v>156.59562304487028</c:v>
-                </c:pt>
-                <c:pt idx="255">
-                  <c:v>155.76837173914168</c:v>
-                </c:pt>
-                <c:pt idx="256">
-                  <c:v>154.93554364271267</c:v>
-                </c:pt>
-                <c:pt idx="257">
-                  <c:v>154.09722203769886</c:v>
-                </c:pt>
-                <c:pt idx="258">
-                  <c:v>153.25349075556213</c:v>
-                </c:pt>
-                <c:pt idx="259">
-                  <c:v>152.40443416872762</c:v>
-                </c:pt>
-                <c:pt idx="260">
-                  <c:v>151.55013718214641</c:v>
-                </c:pt>
-                <c:pt idx="261">
-                  <c:v>150.69068522480535</c:v>
-                </c:pt>
-                <c:pt idx="262">
-                  <c:v>149.82616424118385</c:v>
-                </c:pt>
-                <c:pt idx="263">
-                  <c:v>148.95666068265996</c:v>
-                </c:pt>
-                <c:pt idx="264">
-                  <c:v>148.08226149886482</c:v>
-                </c:pt>
-                <c:pt idx="265">
-                  <c:v>147.20305412898827</c:v>
-                </c:pt>
-                <c:pt idx="266">
-                  <c:v>146.3191264930345</c:v>
-                </c:pt>
-                <c:pt idx="267">
-                  <c:v>145.43056698303064</c:v>
-                </c:pt>
-                <c:pt idx="268">
-                  <c:v>144.5374644541871</c:v>
-                </c:pt>
-                <c:pt idx="269">
-                  <c:v>143.63990821601263</c:v>
-                </c:pt>
-                <c:pt idx="270">
-                  <c:v>142.73798802338297</c:v>
-                </c:pt>
-                <c:pt idx="271">
-                  <c:v>141.83179406756591</c:v>
-                </c:pt>
-                <c:pt idx="272">
-                  <c:v>140.92141696720174</c:v>
-                </c:pt>
-                <c:pt idx="273">
-                  <c:v>140.00694775924194</c:v>
-                </c:pt>
-                <c:pt idx="274">
-                  <c:v>139.08847788984522</c:v>
-                </c:pt>
-                <c:pt idx="275">
-                  <c:v>138.16609920523317</c:v>
-                </c:pt>
-                <c:pt idx="276">
-                  <c:v>137.23990394250558</c:v>
-                </c:pt>
-                <c:pt idx="277">
-                  <c:v>136.30998472041682</c:v>
-                </c:pt>
-                <c:pt idx="278">
-                  <c:v>135.3764345301143</c:v>
-                </c:pt>
-                <c:pt idx="279">
-                  <c:v>134.43934672583902</c:v>
-                </c:pt>
-                <c:pt idx="280">
-                  <c:v>133.49881501559051</c:v>
-                </c:pt>
-                <c:pt idx="281">
-                  <c:v>132.554933451756</c:v>
-                </c:pt>
-                <c:pt idx="282">
-                  <c:v>131.60779642170539</c:v>
-                </c:pt>
-                <c:pt idx="283">
-                  <c:v>130.65749863835231</c:v>
-                </c:pt>
-                <c:pt idx="284">
-                  <c:v>129.70413513068326</c:v>
-                </c:pt>
-                <c:pt idx="285">
-                  <c:v>128.74780123425444</c:v>
-                </c:pt>
-                <c:pt idx="286">
-                  <c:v>127.78859258165868</c:v>
-                </c:pt>
-                <c:pt idx="287">
-                  <c:v>126.82660509296178</c:v>
-                </c:pt>
-                <c:pt idx="288">
-                  <c:v>125.86193496611108</c:v>
-                </c:pt>
-                <c:pt idx="289">
-                  <c:v>124.89467866731526</c:v>
-                </c:pt>
-                <c:pt idx="290">
-                  <c:v>123.92493292139824</c:v>
-                </c:pt>
-                <c:pt idx="291">
-                  <c:v>122.95279470212643</c:v>
-                </c:pt>
-                <c:pt idx="292">
-                  <c:v>121.97836122251169</c:v>
-                </c:pt>
-                <c:pt idx="293">
-                  <c:v>121.00172992508992</c:v>
-                </c:pt>
-                <c:pt idx="294">
-                  <c:v>120.02299847217705</c:v>
-                </c:pt>
-                <c:pt idx="295">
-                  <c:v>119.04226473610271</c:v>
-                </c:pt>
-                <c:pt idx="296">
-                  <c:v>118.05962678942329</c:v>
-                </c:pt>
-                <c:pt idx="297">
-                  <c:v>117.07518289511454</c:v>
-                </c:pt>
-                <c:pt idx="298">
-                  <c:v>116.08903149674558</c:v>
-                </c:pt>
-                <c:pt idx="299">
-                  <c:v>115.10127120863439</c:v>
-                </c:pt>
-                <c:pt idx="300">
-                  <c:v>114.11200080598672</c:v>
-                </c:pt>
-                <c:pt idx="301">
-                  <c:v>113.12131921501842</c:v>
-                </c:pt>
-                <c:pt idx="302">
-                  <c:v>112.12932550306297</c:v>
-                </c:pt>
-                <c:pt idx="303">
-                  <c:v>111.13611886866499</c:v>
-                </c:pt>
-                <c:pt idx="304">
-                  <c:v>110.14179863166018</c:v>
-                </c:pt>
-                <c:pt idx="305">
-                  <c:v>109.14646422324373</c:v>
-                </c:pt>
-                <c:pt idx="306">
-                  <c:v>108.1502151760269</c:v>
-                </c:pt>
-                <c:pt idx="307">
-                  <c:v>107.15315111408437</c:v>
-                </c:pt>
-                <c:pt idx="308">
-                  <c:v>106.15537174299132</c:v>
-                </c:pt>
-                <c:pt idx="309">
-                  <c:v>105.15697683985346</c:v>
-                </c:pt>
-                <c:pt idx="310">
-                  <c:v>104.15806624332905</c:v>
-                </c:pt>
-                <c:pt idx="311">
-                  <c:v>103.15873984364539</c:v>
-                </c:pt>
-                <c:pt idx="312">
-                  <c:v>102.1590975726096</c:v>
-                </c:pt>
-                <c:pt idx="313">
-                  <c:v>101.15923939361583</c:v>
-                </c:pt>
-                <c:pt idx="314">
-                  <c:v>100.15926529164868</c:v>
-                </c:pt>
-                <c:pt idx="315">
-                  <c:v>99.159275263285139</c:v>
-                </c:pt>
-                <c:pt idx="316">
-                  <c:v>98.159369306694614</c:v>
-                </c:pt>
-                <c:pt idx="317">
-                  <c:v>97.159647411639625</c:v>
-                </c:pt>
-                <c:pt idx="318">
-                  <c:v>96.160209549476463</c:v>
-                </c:pt>
-                <c:pt idx="319">
-                  <c:v>95.161155663158581</c:v>
-                </c:pt>
-                <c:pt idx="320">
-                  <c:v>94.162585657241991</c:v>
-                </c:pt>
-                <c:pt idx="321">
-                  <c:v>93.164599387895223</c:v>
-                </c:pt>
-                <c:pt idx="322">
-                  <c:v>92.167296652913464</c:v>
-                </c:pt>
-                <c:pt idx="323">
-                  <c:v>91.17077718173924</c:v>
-                </c:pt>
-                <c:pt idx="324">
-                  <c:v>90.175140625489135</c:v>
-                </c:pt>
-                <c:pt idx="325">
-                  <c:v>89.180486546989158</c:v>
-                </c:pt>
-                <c:pt idx="326">
-                  <c:v>88.186914410818261</c:v>
-                </c:pt>
-                <c:pt idx="327">
-                  <c:v>87.194523573362034</c:v>
-                </c:pt>
-                <c:pt idx="328">
-                  <c:v>86.203413272877313</c:v>
-                </c:pt>
-                <c:pt idx="329">
-                  <c:v>85.213682619568146</c:v>
-                </c:pt>
-                <c:pt idx="330">
-                  <c:v>84.225430585675184</c:v>
-                </c:pt>
-                <c:pt idx="331">
-                  <c:v>83.238755995578174</c:v>
-                </c:pt>
-                <c:pt idx="332">
-                  <c:v>82.253757515913989</c:v>
-                </c:pt>
-                <c:pt idx="333">
-                  <c:v>81.270533645709691</c:v>
-                </c:pt>
-                <c:pt idx="334">
-                  <c:v>80.289182706533012</c:v>
-                </c:pt>
-                <c:pt idx="335">
-                  <c:v>79.309802832660026</c:v>
-                </c:pt>
-                <c:pt idx="336">
-                  <c:v>78.332491961262036</c:v>
-                </c:pt>
-                <c:pt idx="337">
-                  <c:v>77.357347822611686</c:v>
-                </c:pt>
-                <c:pt idx="338">
-                  <c:v>76.384467930310308</c:v>
-                </c:pt>
-                <c:pt idx="339">
-                  <c:v>75.413949571536307</c:v>
-                </c:pt>
-                <c:pt idx="340">
-                  <c:v>74.44588979731688</c:v>
-                </c:pt>
-                <c:pt idx="341">
-                  <c:v>73.48038541282267</c:v>
-                </c:pt>
-                <c:pt idx="342">
-                  <c:v>72.5175329676876</c:v>
-                </c:pt>
-                <c:pt idx="343">
-                  <c:v>71.55742874635375</c:v>
-                </c:pt>
-                <c:pt idx="344">
-                  <c:v>70.600168758443232</c:v>
-                </c:pt>
-                <c:pt idx="345">
-                  <c:v>69.645848729157066</c:v>
-                </c:pt>
-                <c:pt idx="346">
-                  <c:v>68.694564089702979</c:v>
-                </c:pt>
-                <c:pt idx="347">
-                  <c:v>67.746409967752101</c:v>
-                </c:pt>
-                <c:pt idx="348">
-                  <c:v>66.80148117792659</c:v>
-                </c:pt>
-                <c:pt idx="349">
-                  <c:v>65.859872212317896</c:v>
-                </c:pt>
-                <c:pt idx="350">
-                  <c:v>64.921677231038018</c:v>
-                </c:pt>
-                <c:pt idx="351">
-                  <c:v>63.986990052803186</c:v>
-                </c:pt>
-                <c:pt idx="352">
-                  <c:v>63.05590414555229</c:v>
-                </c:pt>
-                <c:pt idx="353">
-                  <c:v>62.128512617100242</c:v>
-                </c:pt>
-                <c:pt idx="354">
-                  <c:v>61.204908205826968</c:v>
-                </c:pt>
-                <c:pt idx="355">
-                  <c:v>60.285183271404023</c:v>
-                </c:pt>
-                <c:pt idx="356">
-                  <c:v>59.369429785558317</c:v>
-                </c:pt>
-                <c:pt idx="357">
-                  <c:v>58.457739322875412</c:v>
-                </c:pt>
-                <c:pt idx="358">
-                  <c:v>57.550203051641738</c:v>
-                </c:pt>
-                <c:pt idx="359">
-                  <c:v>56.646911724728227</c:v>
-                </c:pt>
-                <c:pt idx="360">
-                  <c:v>55.747955670514756</c:v>
-                </c:pt>
-                <c:pt idx="361">
-                  <c:v>54.853424783857683</c:v>
-                </c:pt>
-                <c:pt idx="362">
-                  <c:v>53.96340851710017</c:v>
-                </c:pt>
-                <c:pt idx="363">
-                  <c:v>53.077995871127285</c:v>
-                </c:pt>
-                <c:pt idx="364">
-                  <c:v>52.197275386465712</c:v>
-                </c:pt>
-                <c:pt idx="365">
-                  <c:v>51.321335134430065</c:v>
-                </c:pt>
-                <c:pt idx="366">
-                  <c:v>50.450262708315506</c:v>
-                </c:pt>
-                <c:pt idx="367">
-                  <c:v>49.584145214638852</c:v>
-                </c:pt>
-                <c:pt idx="368">
-                  <c:v>48.723069264427622</c:v>
-                </c:pt>
-                <c:pt idx="369">
-                  <c:v>47.867120964559348</c:v>
-                </c:pt>
-                <c:pt idx="370">
-                  <c:v>47.016385909150657</c:v>
-                </c:pt>
-                <c:pt idx="371">
-                  <c:v>46.170949170998234</c:v>
-                </c:pt>
-                <c:pt idx="372">
-                  <c:v>45.330895293071279</c:v>
-                </c:pt>
-                <c:pt idx="373">
-                  <c:v>44.496308280057619</c:v>
-                </c:pt>
-                <c:pt idx="374">
-                  <c:v>43.667271589962994</c:v>
-                </c:pt>
-                <c:pt idx="375">
-                  <c:v>42.843868125765624</c:v>
-                </c:pt>
-                <c:pt idx="376">
-                  <c:v>42.026180227125721</c:v>
-                </c:pt>
-                <c:pt idx="377">
-                  <c:v>41.214289662151728</c:v>
-                </c:pt>
-                <c:pt idx="378">
-                  <c:v>40.408277619223611</c:v>
-                </c:pt>
-                <c:pt idx="379">
-                  <c:v>39.60822469887394</c:v>
-                </c:pt>
-                <c:pt idx="380">
-                  <c:v>38.81421090572811</c:v>
-                </c:pt>
-                <c:pt idx="381">
-                  <c:v>38.026315640503668</c:v>
-                </c:pt>
-                <c:pt idx="382">
-                  <c:v>37.244617692070669</c:v>
-                </c:pt>
-                <c:pt idx="383">
-                  <c:v>36.469195229572435</c:v>
-                </c:pt>
-                <c:pt idx="384">
-                  <c:v>35.700125794609121</c:v>
-                </c:pt>
-                <c:pt idx="385">
-                  <c:v>34.937486293483261</c:v>
-                </c:pt>
-                <c:pt idx="386">
-                  <c:v>34.181352989509506</c:v>
-                </c:pt>
-                <c:pt idx="387">
-                  <c:v>33.431801495388086</c:v>
-                </c:pt>
-                <c:pt idx="388">
-                  <c:v>32.688906765643836</c:v>
-                </c:pt>
-                <c:pt idx="389">
-                  <c:v>31.952743089130593</c:v>
-                </c:pt>
-                <c:pt idx="390">
-                  <c:v>31.223384081602617</c:v>
-                </c:pt>
-                <c:pt idx="391">
-                  <c:v>30.500902678352801</c:v>
-                </c:pt>
-                <c:pt idx="392">
-                  <c:v>29.785371126919458</c:v>
-                </c:pt>
-                <c:pt idx="393">
-                  <c:v>29.07686097986138</c:v>
-                </c:pt>
-                <c:pt idx="394">
-                  <c:v>28.375443087602946</c:v>
-                </c:pt>
-                <c:pt idx="395">
-                  <c:v>27.681187591348788</c:v>
-                </c:pt>
-                <c:pt idx="396">
-                  <c:v>26.99416391607005</c:v>
-                </c:pt>
-                <c:pt idx="397">
-                  <c:v>26.314440763561663</c:v>
-                </c:pt>
-                <c:pt idx="398">
-                  <c:v>25.642086105572531</c:v>
-                </c:pt>
-                <c:pt idx="399">
-                  <c:v>24.977167177008099</c:v>
-                </c:pt>
-                <c:pt idx="400">
-                  <c:v>24.319750469207179</c:v>
-                </c:pt>
-                <c:pt idx="401">
-                  <c:v>23.669901723292668</c:v>
-                </c:pt>
-                <c:pt idx="402">
-                  <c:v>23.027685923597616</c:v>
-                </c:pt>
-                <c:pt idx="403">
-                  <c:v>22.393167291166776</c:v>
-                </c:pt>
-                <c:pt idx="404">
-                  <c:v>21.766409277334716</c:v>
-                </c:pt>
-                <c:pt idx="405">
-                  <c:v>21.147474557380491</c:v>
-                </c:pt>
-                <c:pt idx="406">
-                  <c:v>20.536425024260325</c:v>
-                </c:pt>
-                <c:pt idx="407">
-                  <c:v>19.933321782418233</c:v>
-                </c:pt>
-                <c:pt idx="408">
-                  <c:v>19.338225141675949</c:v>
-                </c:pt>
-                <c:pt idx="409">
-                  <c:v>18.751194611201569</c:v>
-                </c:pt>
-                <c:pt idx="410">
-                  <c:v>18.172288893558971</c:v>
-                </c:pt>
-                <c:pt idx="411">
-                  <c:v>17.60156587883742</c:v>
-                </c:pt>
-                <c:pt idx="412">
-                  <c:v>17.039082638862908</c:v>
-                </c:pt>
-                <c:pt idx="413">
-                  <c:v>16.484895421490648</c:v>
-                </c:pt>
-                <c:pt idx="414">
-                  <c:v>15.939059644980546</c:v>
-                </c:pt>
-                <c:pt idx="415">
-                  <c:v>15.401629892455347</c:v>
-                </c:pt>
-                <c:pt idx="416">
-                  <c:v>14.87265990644255</c:v>
-                </c:pt>
-                <c:pt idx="417">
-                  <c:v>14.352202583499889</c:v>
-                </c:pt>
-                <c:pt idx="418">
-                  <c:v>13.840309968925951</c:v>
-                </c:pt>
-                <c:pt idx="419">
-                  <c:v>13.337033251555567</c:v>
-                </c:pt>
-                <c:pt idx="420">
-                  <c:v>12.842422758641177</c:v>
-                </c:pt>
-                <c:pt idx="421">
-                  <c:v>12.356527950819867</c:v>
-                </c:pt>
-                <c:pt idx="422">
-                  <c:v>11.879397417167468</c:v>
-                </c:pt>
-                <c:pt idx="423">
-                  <c:v>11.411078870339736</c:v>
-                </c:pt>
-                <c:pt idx="424">
-                  <c:v>10.951619141801146</c:v>
-                </c:pt>
-                <c:pt idx="425">
-                  <c:v>10.501064177141643</c:v>
-                </c:pt>
-                <c:pt idx="426">
-                  <c:v>10.059459031482234</c:v>
-                </c:pt>
-                <c:pt idx="427">
-                  <c:v>9.6268478649694629</c:v>
-                </c:pt>
-                <c:pt idx="428">
-                  <c:v>9.2032739383594588</c:v>
-                </c:pt>
-                <c:pt idx="429">
-                  <c:v>8.7887796086919678</c:v>
-                </c:pt>
-                <c:pt idx="430">
-                  <c:v>8.3834063250545086</c:v>
-                </c:pt>
-                <c:pt idx="431">
-                  <c:v>7.9871946244376346</c:v>
-                </c:pt>
-                <c:pt idx="432">
-                  <c:v>7.600184127681203</c:v>
-                </c:pt>
-                <c:pt idx="433">
-                  <c:v>7.2224135355124446</c:v>
-                </c:pt>
-                <c:pt idx="434">
-                  <c:v>6.8539206246757516</c:v>
-                </c:pt>
-                <c:pt idx="435">
-                  <c:v>6.4947422441550913</c:v>
-                </c:pt>
-                <c:pt idx="436">
-                  <c:v>6.1449143114892166</c:v>
-                </c:pt>
-                <c:pt idx="437">
-                  <c:v>5.8044718091799012</c:v>
-                </c:pt>
-                <c:pt idx="438">
-                  <c:v>5.4734487811936674</c:v>
-                </c:pt>
-                <c:pt idx="439">
-                  <c:v>5.1518783295574337</c:v>
-                </c:pt>
-                <c:pt idx="440">
-                  <c:v>4.8397926110483951</c:v>
-                </c:pt>
-                <c:pt idx="441">
-                  <c:v>4.5372228339783618</c:v>
-                </c:pt>
-                <c:pt idx="442">
-                  <c:v>4.2441992550728855</c:v>
-                </c:pt>
-                <c:pt idx="443">
-                  <c:v>3.9607511764456689</c:v>
-                </c:pt>
-                <c:pt idx="444">
-                  <c:v>3.6869069426683296</c:v>
-                </c:pt>
-                <c:pt idx="445">
-                  <c:v>3.422693937936117</c:v>
-                </c:pt>
-                <c:pt idx="446">
-                  <c:v>3.1681385833292808</c:v>
-                </c:pt>
-                <c:pt idx="447">
-                  <c:v>2.9232663341711742</c:v>
-                </c:pt>
-                <c:pt idx="448">
-                  <c:v>2.6881016774826065</c:v>
-                </c:pt>
-                <c:pt idx="449">
-                  <c:v>2.4626681295333555</c:v>
-                </c:pt>
-                <c:pt idx="450">
-                  <c:v>2.2469882334902991</c:v>
-                </c:pt>
-                <c:pt idx="451">
-                  <c:v>2.0410835571633186</c:v>
-                </c:pt>
-                <c:pt idx="452">
-                  <c:v>1.8449746908484599</c:v>
-                </c:pt>
-                <c:pt idx="453">
-                  <c:v>1.658681245268923</c:v>
-                </c:pt>
-                <c:pt idx="454">
-                  <c:v>1.4822218496140493</c:v>
-                </c:pt>
-                <c:pt idx="455">
-                  <c:v>1.3156141496763496</c:v>
-                </c:pt>
-                <c:pt idx="456">
-                  <c:v>1.1588748060869563</c:v>
-                </c:pt>
-                <c:pt idx="457">
-                  <c:v>1.012019492649614</c:v>
-                </c:pt>
-                <c:pt idx="458">
-                  <c:v>0.87506289477330768</c:v>
-                </c:pt>
-                <c:pt idx="459">
-                  <c:v>0.7480187080036842</c:v>
-                </c:pt>
-                <c:pt idx="460">
-                  <c:v>0.63089963665355242</c:v>
-                </c:pt>
-                <c:pt idx="461">
-                  <c:v>0.52371739253244698</c:v>
-                </c:pt>
-                <c:pt idx="462">
-                  <c:v>0.4264826937754691</c:v>
-                </c:pt>
-                <c:pt idx="463">
-                  <c:v>0.33920526377144711</c:v>
-                </c:pt>
-                <c:pt idx="464">
-                  <c:v>0.26189383019067236</c:v>
-                </c:pt>
-                <c:pt idx="465">
-                  <c:v>0.19455612411205436</c:v>
-                </c:pt>
-                <c:pt idx="466">
-                  <c:v>0.1371988792501071</c:v>
-                </c:pt>
-                <c:pt idx="467">
-                  <c:v>8.982783128152505E-2</c:v>
-                </c:pt>
-                <c:pt idx="468">
-                  <c:v>5.2447717271604688E-2</c:v>
-                </c:pt>
-                <c:pt idx="469">
-                  <c:v>2.5062275200610884E-2</c:v>
-                </c:pt>
-                <c:pt idx="470">
-                  <c:v>7.6742435899177508E-3</c:v>
-                </c:pt>
-                <c:pt idx="471">
-                  <c:v>2.8536122820810306E-4</c:v>
-                </c:pt>
-                <c:pt idx="472">
-                  <c:v>2.8963669975468065E-3</c:v>
-                </c:pt>
-                <c:pt idx="473">
-                  <c:v>1.5506999799569599E-2</c:v>
-                </c:pt>
-                <c:pt idx="474">
-                  <c:v>3.8115998581460531E-2</c:v>
-                </c:pt>
-                <c:pt idx="475">
-                  <c:v>7.0721102462201202E-2</c:v>
-                </c:pt>
-                <c:pt idx="476">
-                  <c:v>0.11331905095858019</c:v>
-                </c:pt>
-                <c:pt idx="477">
-                  <c:v>0.16590558431124691</c:v>
-                </c:pt>
-                <c:pt idx="478">
-                  <c:v>0.22847544391066776</c:v>
-                </c:pt>
-                <c:pt idx="479">
-                  <c:v>0.30102237282304145</c:v>
-                </c:pt>
-                <c:pt idx="480">
-                  <c:v>0.38353911641593186</c:v>
-                </c:pt>
-                <c:pt idx="481">
-                  <c:v>0.47601742308373218</c:v>
-                </c:pt>
-                <c:pt idx="482">
-                  <c:v>0.57844804507286085</c:v>
-                </c:pt>
-                <c:pt idx="483">
-                  <c:v>0.69082073940646183</c:v>
-                </c:pt>
-                <c:pt idx="484">
-                  <c:v>0.81312426890873724</c:v>
-                </c:pt>
-                <c:pt idx="485">
-                  <c:v>0.9453464033286707</c:v>
-                </c:pt>
-                <c:pt idx="486">
-                  <c:v>1.0874739205630135</c:v>
-                </c:pt>
-                <c:pt idx="487">
-                  <c:v>1.2394926079784625</c:v>
-                </c:pt>
-                <c:pt idx="488">
-                  <c:v>1.4013872638329588</c:v>
-                </c:pt>
-                <c:pt idx="489">
-                  <c:v>1.5731416987958369</c:v>
-                </c:pt>
-                <c:pt idx="490">
-                  <c:v>1.754738737566754</c:v>
-                </c:pt>
-                <c:pt idx="491">
-                  <c:v>1.9461602205931001</c:v>
-                </c:pt>
-                <c:pt idx="492">
-                  <c:v>2.1473870058861451</c:v>
-                </c:pt>
-                <c:pt idx="493">
-                  <c:v>2.3583989709350277</c:v>
-                </c:pt>
-                <c:pt idx="494">
-                  <c:v>2.5791750147190982</c:v>
-                </c:pt>
-                <c:pt idx="495">
-                  <c:v>2.8096930598179171</c:v>
-                </c:pt>
-                <c:pt idx="496">
-                  <c:v>3.049930054619125</c:v>
-                </c:pt>
-                <c:pt idx="497">
-                  <c:v>3.2998619756234007</c:v>
-                </c:pt>
-                <c:pt idx="498">
-                  <c:v>3.5594638298469476</c:v>
-                </c:pt>
-                <c:pt idx="499">
-                  <c:v>3.8287096573206583</c:v>
-                </c:pt>
-                <c:pt idx="500">
-                  <c:v>4.1075725336861524</c:v>
-                </c:pt>
-                <c:pt idx="501">
-                  <c:v>4.3960245728881944</c:v>
-                </c:pt>
-                <c:pt idx="502">
-                  <c:v>4.6940369299632323</c:v>
-                </c:pt>
-                <c:pt idx="503">
-                  <c:v>5.0015798039239172</c:v>
-                </c:pt>
-                <c:pt idx="504">
-                  <c:v>5.3186224407391052</c:v>
-                </c:pt>
-                <c:pt idx="505">
-                  <c:v>5.645133136409342</c:v>
-                </c:pt>
-                <c:pt idx="506">
-                  <c:v>5.9810792401371344</c:v>
-                </c:pt>
-                <c:pt idx="507">
-                  <c:v>6.3264271575921072</c:v>
-                </c:pt>
-                <c:pt idx="508">
-                  <c:v>6.6811423542702357</c:v>
-                </c:pt>
-                <c:pt idx="509">
-                  <c:v>7.0451893589474963</c:v>
-                </c:pt>
-                <c:pt idx="510">
-                  <c:v>7.418531767226753</c:v>
-                </c:pt>
-                <c:pt idx="511">
-                  <c:v>7.8011322451783798</c:v>
-                </c:pt>
-                <c:pt idx="512">
-                  <c:v>8.19295253307331</c:v>
-                </c:pt>
-                <c:pt idx="513">
-                  <c:v>8.5939534492092946</c:v>
-                </c:pt>
-                <c:pt idx="514">
-                  <c:v>9.0040948938289347</c:v>
-                </c:pt>
-                <c:pt idx="515">
-                  <c:v>9.4233358531295579</c:v>
-                </c:pt>
-                <c:pt idx="516">
-                  <c:v>9.851634403364514</c:v>
-                </c:pt>
-                <c:pt idx="517">
-                  <c:v>10.288947715035761</c:v>
-                </c:pt>
-                <c:pt idx="518">
-                  <c:v>10.735232057176532</c:v>
-                </c:pt>
-                <c:pt idx="519">
-                  <c:v>11.190442801724572</c:v>
-                </c:pt>
-                <c:pt idx="520">
-                  <c:v>11.654534427984686</c:v>
-                </c:pt>
-                <c:pt idx="521">
-                  <c:v>12.127460527181015</c:v>
-                </c:pt>
-                <c:pt idx="522">
-                  <c:v>12.609173807097761</c:v>
-                </c:pt>
-                <c:pt idx="523">
-                  <c:v>13.099626096808393</c:v>
-                </c:pt>
-                <c:pt idx="524">
-                  <c:v>13.598768351492566</c:v>
-                </c:pt>
-                <c:pt idx="525">
-                  <c:v>14.106550657340804</c:v>
-                </c:pt>
-                <c:pt idx="526">
-                  <c:v>14.622922236545662</c:v>
-                </c:pt>
-                <c:pt idx="527">
-                  <c:v>15.147831452379549</c:v>
-                </c:pt>
-                <c:pt idx="528">
-                  <c:v>15.681225814358328</c:v>
-                </c:pt>
-                <c:pt idx="529">
-                  <c:v>16.223051983490222</c:v>
-                </c:pt>
-                <c:pt idx="530">
-                  <c:v>16.773255777609876</c:v>
-                </c:pt>
-                <c:pt idx="531">
-                  <c:v>17.331782176796366</c:v>
-                </c:pt>
-                <c:pt idx="532">
-                  <c:v>17.898575328875296</c:v>
-                </c:pt>
-                <c:pt idx="533">
-                  <c:v>18.473578555003655</c:v>
-                </c:pt>
-                <c:pt idx="534">
-                  <c:v>19.056734355338051</c:v>
-                </c:pt>
-                <c:pt idx="535">
-                  <c:v>19.647984414784418</c:v>
-                </c:pt>
-                <c:pt idx="536">
-                  <c:v>20.247269608829583</c:v>
-                </c:pt>
-                <c:pt idx="537">
-                  <c:v>20.854530009453399</c:v>
-                </c:pt>
-                <c:pt idx="538">
-                  <c:v>21.46970489112195</c:v>
-                </c:pt>
-                <c:pt idx="539">
-                  <c:v>22.092732736859688</c:v>
-                </c:pt>
-                <c:pt idx="540">
-                  <c:v>22.723551244401278</c:v>
-                </c:pt>
-                <c:pt idx="541">
-                  <c:v>23.362097332421556</c:v>
-                </c:pt>
-                <c:pt idx="542">
-                  <c:v>24.008307146843904</c:v>
-                </c:pt>
-                <c:pt idx="543">
-                  <c:v>24.662116067225355</c:v>
-                </c:pt>
-                <c:pt idx="544">
-                  <c:v>25.32345871321877</c:v>
-                </c:pt>
-                <c:pt idx="545">
-                  <c:v>25.99226895111056</c:v>
-                </c:pt>
-                <c:pt idx="546">
-                  <c:v>26.668479900434349</c:v>
-                </c:pt>
-                <c:pt idx="547">
-                  <c:v>27.352023940658682</c:v>
-                </c:pt>
-                <c:pt idx="548">
-                  <c:v>28.042832717949253</c:v>
-                </c:pt>
-                <c:pt idx="549">
-                  <c:v>28.740837152003849</c:v>
-                </c:pt>
-                <c:pt idx="550">
-                  <c:v>29.445967442960807</c:v>
-                </c:pt>
-                <c:pt idx="551">
-                  <c:v>30.158153078378646</c:v>
-                </c:pt>
-                <c:pt idx="552">
-                  <c:v>30.877322840287292</c:v>
-                </c:pt>
-                <c:pt idx="553">
-                  <c:v>31.603404812309932</c:v>
-                </c:pt>
-                <c:pt idx="554">
-                  <c:v>32.33632638685431</c:v>
-                </c:pt>
-                <c:pt idx="555">
-                  <c:v>33.076014272373797</c:v>
-                </c:pt>
-                <c:pt idx="556">
-                  <c:v>33.822394500696234</c:v>
-                </c:pt>
-                <c:pt idx="557">
-                  <c:v>34.575392434420863</c:v>
-                </c:pt>
-                <c:pt idx="558">
-                  <c:v>35.334932774381656</c:v>
-                </c:pt>
-                <c:pt idx="559">
-                  <c:v>36.100939567177626</c:v>
-                </c:pt>
-                <c:pt idx="560">
-                  <c:v>36.873336212767839</c:v>
-                </c:pt>
-                <c:pt idx="561">
-                  <c:v>37.652045472131469</c:v>
-                </c:pt>
-                <c:pt idx="562">
-                  <c:v>38.436989474991364</c:v>
-                </c:pt>
-                <c:pt idx="563">
-                  <c:v>39.228089727601422</c:v>
-                </c:pt>
-                <c:pt idx="564">
-                  <c:v>40.025267120595622</c:v>
-                </c:pt>
-                <c:pt idx="565">
-                  <c:v>40.828441936899061</c:v>
-                </c:pt>
-                <c:pt idx="566">
-                  <c:v>41.637533859699275</c:v>
-                </c:pt>
-                <c:pt idx="567">
-                  <c:v>42.452461980478283</c:v>
-                </c:pt>
-                <c:pt idx="568">
-                  <c:v>43.273144807103137</c:v>
-                </c:pt>
-                <c:pt idx="569">
-                  <c:v>44.099500271975124</c:v>
-                </c:pt>
-                <c:pt idx="570">
-                  <c:v>44.931445740236242</c:v>
-                </c:pt>
-                <c:pt idx="571">
-                  <c:v>45.76889801803302</c:v>
-                </c:pt>
-                <c:pt idx="572">
-                  <c:v>46.611773360835571</c:v>
-                </c:pt>
-                <c:pt idx="573">
-                  <c:v>47.459987481812071</c:v>
-                </c:pt>
-                <c:pt idx="574">
-                  <c:v>48.313455560257125</c:v>
-                </c:pt>
-                <c:pt idx="575">
-                  <c:v>49.172092250074165</c:v>
-                </c:pt>
-                <c:pt idx="576">
-                  <c:v>50.035811688309757</c:v>
-                </c:pt>
-                <c:pt idx="577">
-                  <c:v>50.904527503739828</c:v>
-                </c:pt>
-                <c:pt idx="578">
-                  <c:v>51.778152825506844</c:v>
-                </c:pt>
-                <c:pt idx="579">
-                  <c:v>52.656600291806491</c:v>
-                </c:pt>
-                <c:pt idx="580">
-                  <c:v>53.539782058624262</c:v>
-                </c:pt>
-                <c:pt idx="581">
-                  <c:v>54.427609808519449</c:v>
-                </c:pt>
-                <c:pt idx="582">
-                  <c:v>55.319994759456996</c:v>
-                </c:pt>
-                <c:pt idx="583">
-                  <c:v>56.216847673685308</c:v>
-                </c:pt>
-                <c:pt idx="584">
-                  <c:v>57.118078866660412</c:v>
-                </c:pt>
-                <c:pt idx="585">
-                  <c:v>58.02359821601403</c:v>
-                </c:pt>
-                <c:pt idx="586">
-                  <c:v>58.933315170565912</c:v>
-                </c:pt>
-                <c:pt idx="587">
-                  <c:v>59.847138759378538</c:v>
-                </c:pt>
-                <c:pt idx="588">
-                  <c:v>60.764977600854614</c:v>
-                </c:pt>
-                <c:pt idx="589">
-                  <c:v>61.686739911874866</c:v>
-                </c:pt>
-                <c:pt idx="590">
-                  <c:v>62.612333516976399</c:v>
-                </c:pt>
-                <c:pt idx="591">
-                  <c:v>63.541665857569868</c:v>
-                </c:pt>
-                <c:pt idx="592">
-                  <c:v>64.474644001195742</c:v>
-                </c:pt>
-                <c:pt idx="593">
-                  <c:v>65.411174650817117</c:v>
-                </c:pt>
-                <c:pt idx="594">
-                  <c:v>66.351164154149586</c:v>
-                </c:pt>
-                <c:pt idx="595">
-                  <c:v>67.294518513025935</c:v>
-                </c:pt>
-                <c:pt idx="596">
-                  <c:v>68.241143392796516</c:v>
-                </c:pt>
-                <c:pt idx="597">
-                  <c:v>69.190944131762194</c:v>
-                </c:pt>
-                <c:pt idx="598">
-                  <c:v>70.143825750640644</c:v>
-                </c:pt>
-                <c:pt idx="599">
-                  <c:v>71.099692962063884</c:v>
-                </c:pt>
-              </c:numCache>
-            </c:numRef>
-          </c:yVal>
-          <c:smooth val="1"/>
-        </c:ser>
-        <c:dLbls>
-          <c:showLegendKey val="0"/>
-          <c:showVal val="0"/>
-          <c:showCatName val="0"/>
-          <c:showSerName val="0"/>
-          <c:showPercent val="0"/>
-          <c:showBubbleSize val="0"/>
-        </c:dLbls>
-        <c:axId val="1697428960"/>
-        <c:axId val="1697425696"/>
-      </c:scatterChart>
-      <c:valAx>
-        <c:axId val="1697428960"/>
-        <c:scaling>
-          <c:orientation val="minMax"/>
-        </c:scaling>
-        <c:delete val="1"/>
-        <c:axPos val="b"/>
-        <c:numFmt formatCode="General" sourceLinked="1"/>
-        <c:majorTickMark val="none"/>
-        <c:minorTickMark val="none"/>
-        <c:tickLblPos val="nextTo"/>
-        <c:crossAx val="1697425696"/>
-        <c:crosses val="autoZero"/>
-        <c:crossBetween val="midCat"/>
-      </c:valAx>
-      <c:valAx>
-        <c:axId val="1697425696"/>
-        <c:scaling>
-          <c:orientation val="minMax"/>
-        </c:scaling>
-        <c:delete val="1"/>
-        <c:axPos val="l"/>
-        <c:numFmt formatCode="General" sourceLinked="1"/>
-        <c:majorTickMark val="none"/>
-        <c:minorTickMark val="none"/>
-        <c:tickLblPos val="nextTo"/>
-        <c:crossAx val="1697428960"/>
+        <c:crossAx val="1631695824"/>
         <c:crosses val="autoZero"/>
         <c:crossBetween val="midCat"/>
       </c:valAx>
@@ -11370,86 +5771,6 @@
 </file>
 
 <file path=ppt/charts/colors2.xml><?xml version="1.0" encoding="utf-8"?>
-<cs:colorStyle xmlns:cs="http://schemas.microsoft.com/office/drawing/2012/chartStyle" xmlns:a="http://schemas.openxmlformats.org/drawingml/2006/main" meth="cycle" id="10">
-  <a:schemeClr val="accent1"/>
-  <a:schemeClr val="accent2"/>
-  <a:schemeClr val="accent3"/>
-  <a:schemeClr val="accent4"/>
-  <a:schemeClr val="accent5"/>
-  <a:schemeClr val="accent6"/>
-  <cs:variation/>
-  <cs:variation>
-    <a:lumMod val="60000"/>
-  </cs:variation>
-  <cs:variation>
-    <a:lumMod val="80000"/>
-    <a:lumOff val="20000"/>
-  </cs:variation>
-  <cs:variation>
-    <a:lumMod val="80000"/>
-  </cs:variation>
-  <cs:variation>
-    <a:lumMod val="60000"/>
-    <a:lumOff val="40000"/>
-  </cs:variation>
-  <cs:variation>
-    <a:lumMod val="50000"/>
-  </cs:variation>
-  <cs:variation>
-    <a:lumMod val="70000"/>
-    <a:lumOff val="30000"/>
-  </cs:variation>
-  <cs:variation>
-    <a:lumMod val="70000"/>
-  </cs:variation>
-  <cs:variation>
-    <a:lumMod val="50000"/>
-    <a:lumOff val="50000"/>
-  </cs:variation>
-</cs:colorStyle>
-</file>
-
-<file path=ppt/charts/colors3.xml><?xml version="1.0" encoding="utf-8"?>
-<cs:colorStyle xmlns:cs="http://schemas.microsoft.com/office/drawing/2012/chartStyle" xmlns:a="http://schemas.openxmlformats.org/drawingml/2006/main" meth="cycle" id="10">
-  <a:schemeClr val="accent1"/>
-  <a:schemeClr val="accent2"/>
-  <a:schemeClr val="accent3"/>
-  <a:schemeClr val="accent4"/>
-  <a:schemeClr val="accent5"/>
-  <a:schemeClr val="accent6"/>
-  <cs:variation/>
-  <cs:variation>
-    <a:lumMod val="60000"/>
-  </cs:variation>
-  <cs:variation>
-    <a:lumMod val="80000"/>
-    <a:lumOff val="20000"/>
-  </cs:variation>
-  <cs:variation>
-    <a:lumMod val="80000"/>
-  </cs:variation>
-  <cs:variation>
-    <a:lumMod val="60000"/>
-    <a:lumOff val="40000"/>
-  </cs:variation>
-  <cs:variation>
-    <a:lumMod val="50000"/>
-  </cs:variation>
-  <cs:variation>
-    <a:lumMod val="70000"/>
-    <a:lumOff val="30000"/>
-  </cs:variation>
-  <cs:variation>
-    <a:lumMod val="70000"/>
-  </cs:variation>
-  <cs:variation>
-    <a:lumMod val="50000"/>
-    <a:lumOff val="50000"/>
-  </cs:variation>
-</cs:colorStyle>
-</file>
-
-<file path=ppt/charts/colors4.xml><?xml version="1.0" encoding="utf-8"?>
 <cs:colorStyle xmlns:cs="http://schemas.microsoft.com/office/drawing/2012/chartStyle" xmlns:a="http://schemas.openxmlformats.org/drawingml/2006/main" meth="cycle" id="10">
   <a:schemeClr val="accent1"/>
   <a:schemeClr val="accent2"/>
@@ -12521,1038 +6842,6 @@
 </cs:chartStyle>
 </file>
 
-<file path=ppt/charts/style3.xml><?xml version="1.0" encoding="utf-8"?>
-<cs:chartStyle xmlns:cs="http://schemas.microsoft.com/office/drawing/2012/chartStyle" xmlns:a="http://schemas.openxmlformats.org/drawingml/2006/main" id="240">
-  <cs:axisTitle>
-    <cs:lnRef idx="0"/>
-    <cs:fillRef idx="0"/>
-    <cs:effectRef idx="0"/>
-    <cs:fontRef idx="minor">
-      <a:schemeClr val="tx1">
-        <a:lumMod val="65000"/>
-        <a:lumOff val="35000"/>
-      </a:schemeClr>
-    </cs:fontRef>
-    <cs:defRPr sz="1330" kern="1200"/>
-  </cs:axisTitle>
-  <cs:categoryAxis>
-    <cs:lnRef idx="0"/>
-    <cs:fillRef idx="0"/>
-    <cs:effectRef idx="0"/>
-    <cs:fontRef idx="minor">
-      <a:schemeClr val="tx1">
-        <a:lumMod val="65000"/>
-        <a:lumOff val="35000"/>
-      </a:schemeClr>
-    </cs:fontRef>
-    <cs:spPr>
-      <a:ln w="9525" cap="flat" cmpd="sng" algn="ctr">
-        <a:solidFill>
-          <a:schemeClr val="tx1">
-            <a:lumMod val="25000"/>
-            <a:lumOff val="75000"/>
-          </a:schemeClr>
-        </a:solidFill>
-        <a:round/>
-      </a:ln>
-    </cs:spPr>
-    <cs:defRPr sz="1197" kern="1200"/>
-  </cs:categoryAxis>
-  <cs:chartArea mods="allowNoFillOverride allowNoLineOverride">
-    <cs:lnRef idx="0"/>
-    <cs:fillRef idx="0"/>
-    <cs:effectRef idx="0"/>
-    <cs:fontRef idx="minor">
-      <a:schemeClr val="tx1"/>
-    </cs:fontRef>
-    <cs:spPr>
-      <a:solidFill>
-        <a:schemeClr val="bg1"/>
-      </a:solidFill>
-      <a:ln w="9525" cap="flat" cmpd="sng" algn="ctr">
-        <a:solidFill>
-          <a:schemeClr val="tx1">
-            <a:lumMod val="15000"/>
-            <a:lumOff val="85000"/>
-          </a:schemeClr>
-        </a:solidFill>
-        <a:round/>
-      </a:ln>
-    </cs:spPr>
-    <cs:defRPr sz="1330" kern="1200"/>
-  </cs:chartArea>
-  <cs:dataLabel>
-    <cs:lnRef idx="0"/>
-    <cs:fillRef idx="0"/>
-    <cs:effectRef idx="0"/>
-    <cs:fontRef idx="minor">
-      <a:schemeClr val="tx1">
-        <a:lumMod val="75000"/>
-        <a:lumOff val="25000"/>
-      </a:schemeClr>
-    </cs:fontRef>
-    <cs:defRPr sz="1197" kern="1200"/>
-  </cs:dataLabel>
-  <cs:dataLabelCallout>
-    <cs:lnRef idx="0"/>
-    <cs:fillRef idx="0"/>
-    <cs:effectRef idx="0"/>
-    <cs:fontRef idx="minor">
-      <a:schemeClr val="dk1">
-        <a:lumMod val="65000"/>
-        <a:lumOff val="35000"/>
-      </a:schemeClr>
-    </cs:fontRef>
-    <cs:spPr>
-      <a:solidFill>
-        <a:schemeClr val="lt1"/>
-      </a:solidFill>
-      <a:ln>
-        <a:solidFill>
-          <a:schemeClr val="dk1">
-            <a:lumMod val="25000"/>
-            <a:lumOff val="75000"/>
-          </a:schemeClr>
-        </a:solidFill>
-      </a:ln>
-    </cs:spPr>
-    <cs:defRPr sz="1197" kern="1200"/>
-    <cs:bodyPr rot="0" spcFirstLastPara="1" vertOverflow="clip" horzOverflow="clip" vert="horz" wrap="square" lIns="36576" tIns="18288" rIns="36576" bIns="18288" anchor="ctr" anchorCtr="1">
-      <a:spAutoFit/>
-    </cs:bodyPr>
-  </cs:dataLabelCallout>
-  <cs:dataPoint>
-    <cs:lnRef idx="0"/>
-    <cs:fillRef idx="1">
-      <cs:styleClr val="auto"/>
-    </cs:fillRef>
-    <cs:effectRef idx="0"/>
-    <cs:fontRef idx="minor">
-      <a:schemeClr val="tx1"/>
-    </cs:fontRef>
-  </cs:dataPoint>
-  <cs:dataPoint3D>
-    <cs:lnRef idx="0"/>
-    <cs:fillRef idx="1">
-      <cs:styleClr val="auto"/>
-    </cs:fillRef>
-    <cs:effectRef idx="0"/>
-    <cs:fontRef idx="minor">
-      <a:schemeClr val="tx1"/>
-    </cs:fontRef>
-  </cs:dataPoint3D>
-  <cs:dataPointLine>
-    <cs:lnRef idx="0">
-      <cs:styleClr val="auto"/>
-    </cs:lnRef>
-    <cs:fillRef idx="1"/>
-    <cs:effectRef idx="0"/>
-    <cs:fontRef idx="minor">
-      <a:schemeClr val="tx1"/>
-    </cs:fontRef>
-    <cs:spPr>
-      <a:ln w="19050" cap="rnd">
-        <a:solidFill>
-          <a:schemeClr val="phClr"/>
-        </a:solidFill>
-        <a:round/>
-      </a:ln>
-    </cs:spPr>
-  </cs:dataPointLine>
-  <cs:dataPointMarker>
-    <cs:lnRef idx="0">
-      <cs:styleClr val="auto"/>
-    </cs:lnRef>
-    <cs:fillRef idx="1">
-      <cs:styleClr val="auto"/>
-    </cs:fillRef>
-    <cs:effectRef idx="0"/>
-    <cs:fontRef idx="minor">
-      <a:schemeClr val="tx1"/>
-    </cs:fontRef>
-    <cs:spPr>
-      <a:ln w="9525">
-        <a:solidFill>
-          <a:schemeClr val="phClr"/>
-        </a:solidFill>
-      </a:ln>
-    </cs:spPr>
-  </cs:dataPointMarker>
-  <cs:dataPointMarkerLayout symbol="circle" size="5"/>
-  <cs:dataPointWireframe>
-    <cs:lnRef idx="0">
-      <cs:styleClr val="auto"/>
-    </cs:lnRef>
-    <cs:fillRef idx="0"/>
-    <cs:effectRef idx="0"/>
-    <cs:fontRef idx="minor">
-      <a:schemeClr val="dk1"/>
-    </cs:fontRef>
-    <cs:spPr>
-      <a:ln w="9525" cap="rnd">
-        <a:solidFill>
-          <a:schemeClr val="phClr"/>
-        </a:solidFill>
-        <a:round/>
-      </a:ln>
-    </cs:spPr>
-  </cs:dataPointWireframe>
-  <cs:dataTable>
-    <cs:lnRef idx="0"/>
-    <cs:fillRef idx="0"/>
-    <cs:effectRef idx="0"/>
-    <cs:fontRef idx="minor">
-      <a:schemeClr val="tx1">
-        <a:lumMod val="65000"/>
-        <a:lumOff val="35000"/>
-      </a:schemeClr>
-    </cs:fontRef>
-    <cs:spPr>
-      <a:noFill/>
-      <a:ln w="9525" cap="flat" cmpd="sng" algn="ctr">
-        <a:solidFill>
-          <a:schemeClr val="tx1">
-            <a:lumMod val="15000"/>
-            <a:lumOff val="85000"/>
-          </a:schemeClr>
-        </a:solidFill>
-        <a:round/>
-      </a:ln>
-    </cs:spPr>
-    <cs:defRPr sz="1197" kern="1200"/>
-  </cs:dataTable>
-  <cs:downBar>
-    <cs:lnRef idx="0"/>
-    <cs:fillRef idx="0"/>
-    <cs:effectRef idx="0"/>
-    <cs:fontRef idx="minor">
-      <a:schemeClr val="tx1"/>
-    </cs:fontRef>
-    <cs:spPr>
-      <a:solidFill>
-        <a:schemeClr val="dk1">
-          <a:lumMod val="75000"/>
-          <a:lumOff val="25000"/>
-        </a:schemeClr>
-      </a:solidFill>
-      <a:ln w="9525" cap="flat" cmpd="sng" algn="ctr">
-        <a:solidFill>
-          <a:schemeClr val="tx1">
-            <a:lumMod val="65000"/>
-            <a:lumOff val="35000"/>
-          </a:schemeClr>
-        </a:solidFill>
-        <a:round/>
-      </a:ln>
-    </cs:spPr>
-  </cs:downBar>
-  <cs:dropLine>
-    <cs:lnRef idx="0"/>
-    <cs:fillRef idx="0"/>
-    <cs:effectRef idx="0"/>
-    <cs:fontRef idx="minor">
-      <a:schemeClr val="tx1"/>
-    </cs:fontRef>
-    <cs:spPr>
-      <a:ln w="9525" cap="flat" cmpd="sng" algn="ctr">
-        <a:solidFill>
-          <a:schemeClr val="tx1">
-            <a:lumMod val="35000"/>
-            <a:lumOff val="65000"/>
-          </a:schemeClr>
-        </a:solidFill>
-        <a:round/>
-      </a:ln>
-    </cs:spPr>
-  </cs:dropLine>
-  <cs:errorBar>
-    <cs:lnRef idx="0"/>
-    <cs:fillRef idx="0"/>
-    <cs:effectRef idx="0"/>
-    <cs:fontRef idx="minor">
-      <a:schemeClr val="tx1"/>
-    </cs:fontRef>
-    <cs:spPr>
-      <a:ln w="9525" cap="flat" cmpd="sng" algn="ctr">
-        <a:solidFill>
-          <a:schemeClr val="tx1">
-            <a:lumMod val="65000"/>
-            <a:lumOff val="35000"/>
-          </a:schemeClr>
-        </a:solidFill>
-        <a:round/>
-      </a:ln>
-    </cs:spPr>
-  </cs:errorBar>
-  <cs:floor>
-    <cs:lnRef idx="0"/>
-    <cs:fillRef idx="0"/>
-    <cs:effectRef idx="0"/>
-    <cs:fontRef idx="minor">
-      <a:schemeClr val="tx1"/>
-    </cs:fontRef>
-    <cs:spPr>
-      <a:noFill/>
-      <a:ln>
-        <a:noFill/>
-      </a:ln>
-    </cs:spPr>
-  </cs:floor>
-  <cs:gridlineMajor>
-    <cs:lnRef idx="0"/>
-    <cs:fillRef idx="0"/>
-    <cs:effectRef idx="0"/>
-    <cs:fontRef idx="minor">
-      <a:schemeClr val="tx1"/>
-    </cs:fontRef>
-    <cs:spPr>
-      <a:ln w="9525" cap="flat" cmpd="sng" algn="ctr">
-        <a:solidFill>
-          <a:schemeClr val="tx1">
-            <a:lumMod val="15000"/>
-            <a:lumOff val="85000"/>
-          </a:schemeClr>
-        </a:solidFill>
-        <a:round/>
-      </a:ln>
-    </cs:spPr>
-  </cs:gridlineMajor>
-  <cs:gridlineMinor>
-    <cs:lnRef idx="0"/>
-    <cs:fillRef idx="0"/>
-    <cs:effectRef idx="0"/>
-    <cs:fontRef idx="minor">
-      <a:schemeClr val="tx1"/>
-    </cs:fontRef>
-    <cs:spPr>
-      <a:ln w="9525" cap="flat" cmpd="sng" algn="ctr">
-        <a:solidFill>
-          <a:schemeClr val="tx1">
-            <a:lumMod val="5000"/>
-            <a:lumOff val="95000"/>
-          </a:schemeClr>
-        </a:solidFill>
-        <a:round/>
-      </a:ln>
-    </cs:spPr>
-  </cs:gridlineMinor>
-  <cs:hiLoLine>
-    <cs:lnRef idx="0"/>
-    <cs:fillRef idx="0"/>
-    <cs:effectRef idx="0"/>
-    <cs:fontRef idx="minor">
-      <a:schemeClr val="tx1"/>
-    </cs:fontRef>
-    <cs:spPr>
-      <a:ln w="9525" cap="flat" cmpd="sng" algn="ctr">
-        <a:solidFill>
-          <a:schemeClr val="tx1">
-            <a:lumMod val="50000"/>
-            <a:lumOff val="50000"/>
-          </a:schemeClr>
-        </a:solidFill>
-        <a:round/>
-      </a:ln>
-    </cs:spPr>
-  </cs:hiLoLine>
-  <cs:leaderLine>
-    <cs:lnRef idx="0"/>
-    <cs:fillRef idx="0"/>
-    <cs:effectRef idx="0"/>
-    <cs:fontRef idx="minor">
-      <a:schemeClr val="tx1"/>
-    </cs:fontRef>
-    <cs:spPr>
-      <a:ln w="9525" cap="flat" cmpd="sng" algn="ctr">
-        <a:solidFill>
-          <a:schemeClr val="tx1">
-            <a:lumMod val="35000"/>
-            <a:lumOff val="65000"/>
-          </a:schemeClr>
-        </a:solidFill>
-        <a:round/>
-      </a:ln>
-    </cs:spPr>
-  </cs:leaderLine>
-  <cs:legend>
-    <cs:lnRef idx="0"/>
-    <cs:fillRef idx="0"/>
-    <cs:effectRef idx="0"/>
-    <cs:fontRef idx="minor">
-      <a:schemeClr val="tx1">
-        <a:lumMod val="65000"/>
-        <a:lumOff val="35000"/>
-      </a:schemeClr>
-    </cs:fontRef>
-    <cs:defRPr sz="1197" kern="1200"/>
-  </cs:legend>
-  <cs:plotArea mods="allowNoFillOverride allowNoLineOverride">
-    <cs:lnRef idx="0"/>
-    <cs:fillRef idx="0"/>
-    <cs:effectRef idx="0"/>
-    <cs:fontRef idx="minor">
-      <a:schemeClr val="tx1"/>
-    </cs:fontRef>
-  </cs:plotArea>
-  <cs:plotArea3D mods="allowNoFillOverride allowNoLineOverride">
-    <cs:lnRef idx="0"/>
-    <cs:fillRef idx="0"/>
-    <cs:effectRef idx="0"/>
-    <cs:fontRef idx="minor">
-      <a:schemeClr val="tx1"/>
-    </cs:fontRef>
-  </cs:plotArea3D>
-  <cs:seriesAxis>
-    <cs:lnRef idx="0"/>
-    <cs:fillRef idx="0"/>
-    <cs:effectRef idx="0"/>
-    <cs:fontRef idx="minor">
-      <a:schemeClr val="tx1">
-        <a:lumMod val="65000"/>
-        <a:lumOff val="35000"/>
-      </a:schemeClr>
-    </cs:fontRef>
-    <cs:defRPr sz="1197" kern="1200"/>
-  </cs:seriesAxis>
-  <cs:seriesLine>
-    <cs:lnRef idx="0"/>
-    <cs:fillRef idx="0"/>
-    <cs:effectRef idx="0"/>
-    <cs:fontRef idx="minor">
-      <a:schemeClr val="tx1"/>
-    </cs:fontRef>
-    <cs:spPr>
-      <a:ln w="9525" cap="flat" cmpd="sng" algn="ctr">
-        <a:solidFill>
-          <a:schemeClr val="tx1">
-            <a:lumMod val="35000"/>
-            <a:lumOff val="65000"/>
-          </a:schemeClr>
-        </a:solidFill>
-        <a:round/>
-      </a:ln>
-    </cs:spPr>
-  </cs:seriesLine>
-  <cs:title>
-    <cs:lnRef idx="0"/>
-    <cs:fillRef idx="0"/>
-    <cs:effectRef idx="0"/>
-    <cs:fontRef idx="minor">
-      <a:schemeClr val="tx1">
-        <a:lumMod val="65000"/>
-        <a:lumOff val="35000"/>
-      </a:schemeClr>
-    </cs:fontRef>
-    <cs:defRPr sz="1862" b="0" kern="1200" spc="0" baseline="0"/>
-  </cs:title>
-  <cs:trendline>
-    <cs:lnRef idx="0">
-      <cs:styleClr val="auto"/>
-    </cs:lnRef>
-    <cs:fillRef idx="0"/>
-    <cs:effectRef idx="0"/>
-    <cs:fontRef idx="minor">
-      <a:schemeClr val="tx1"/>
-    </cs:fontRef>
-    <cs:spPr>
-      <a:ln w="19050" cap="rnd">
-        <a:solidFill>
-          <a:schemeClr val="phClr"/>
-        </a:solidFill>
-        <a:prstDash val="sysDot"/>
-      </a:ln>
-    </cs:spPr>
-  </cs:trendline>
-  <cs:trendlineLabel>
-    <cs:lnRef idx="0"/>
-    <cs:fillRef idx="0"/>
-    <cs:effectRef idx="0"/>
-    <cs:fontRef idx="minor">
-      <a:schemeClr val="tx1">
-        <a:lumMod val="65000"/>
-        <a:lumOff val="35000"/>
-      </a:schemeClr>
-    </cs:fontRef>
-    <cs:defRPr sz="1197" kern="1200"/>
-  </cs:trendlineLabel>
-  <cs:upBar>
-    <cs:lnRef idx="0"/>
-    <cs:fillRef idx="0"/>
-    <cs:effectRef idx="0"/>
-    <cs:fontRef idx="minor">
-      <a:schemeClr val="tx1"/>
-    </cs:fontRef>
-    <cs:spPr>
-      <a:solidFill>
-        <a:schemeClr val="lt1"/>
-      </a:solidFill>
-      <a:ln w="9525" cap="flat" cmpd="sng" algn="ctr">
-        <a:solidFill>
-          <a:schemeClr val="tx1">
-            <a:lumMod val="65000"/>
-            <a:lumOff val="35000"/>
-          </a:schemeClr>
-        </a:solidFill>
-        <a:round/>
-      </a:ln>
-    </cs:spPr>
-  </cs:upBar>
-  <cs:valueAxis>
-    <cs:lnRef idx="0"/>
-    <cs:fillRef idx="0"/>
-    <cs:effectRef idx="0"/>
-    <cs:fontRef idx="minor">
-      <a:schemeClr val="tx1">
-        <a:lumMod val="65000"/>
-        <a:lumOff val="35000"/>
-      </a:schemeClr>
-    </cs:fontRef>
-    <cs:spPr>
-      <a:ln w="9525" cap="flat" cmpd="sng" algn="ctr">
-        <a:solidFill>
-          <a:schemeClr val="tx1">
-            <a:lumMod val="25000"/>
-            <a:lumOff val="75000"/>
-          </a:schemeClr>
-        </a:solidFill>
-        <a:round/>
-      </a:ln>
-    </cs:spPr>
-    <cs:defRPr sz="1197" kern="1200"/>
-  </cs:valueAxis>
-  <cs:wall>
-    <cs:lnRef idx="0"/>
-    <cs:fillRef idx="0"/>
-    <cs:effectRef idx="0"/>
-    <cs:fontRef idx="minor">
-      <a:schemeClr val="tx1"/>
-    </cs:fontRef>
-    <cs:spPr>
-      <a:noFill/>
-      <a:ln>
-        <a:noFill/>
-      </a:ln>
-    </cs:spPr>
-  </cs:wall>
-</cs:chartStyle>
-</file>
-
-<file path=ppt/charts/style4.xml><?xml version="1.0" encoding="utf-8"?>
-<cs:chartStyle xmlns:cs="http://schemas.microsoft.com/office/drawing/2012/chartStyle" xmlns:a="http://schemas.openxmlformats.org/drawingml/2006/main" id="240">
-  <cs:axisTitle>
-    <cs:lnRef idx="0"/>
-    <cs:fillRef idx="0"/>
-    <cs:effectRef idx="0"/>
-    <cs:fontRef idx="minor">
-      <a:schemeClr val="tx1">
-        <a:lumMod val="65000"/>
-        <a:lumOff val="35000"/>
-      </a:schemeClr>
-    </cs:fontRef>
-    <cs:defRPr sz="1330" kern="1200"/>
-  </cs:axisTitle>
-  <cs:categoryAxis>
-    <cs:lnRef idx="0"/>
-    <cs:fillRef idx="0"/>
-    <cs:effectRef idx="0"/>
-    <cs:fontRef idx="minor">
-      <a:schemeClr val="tx1">
-        <a:lumMod val="65000"/>
-        <a:lumOff val="35000"/>
-      </a:schemeClr>
-    </cs:fontRef>
-    <cs:spPr>
-      <a:ln w="9525" cap="flat" cmpd="sng" algn="ctr">
-        <a:solidFill>
-          <a:schemeClr val="tx1">
-            <a:lumMod val="25000"/>
-            <a:lumOff val="75000"/>
-          </a:schemeClr>
-        </a:solidFill>
-        <a:round/>
-      </a:ln>
-    </cs:spPr>
-    <cs:defRPr sz="1197" kern="1200"/>
-  </cs:categoryAxis>
-  <cs:chartArea mods="allowNoFillOverride allowNoLineOverride">
-    <cs:lnRef idx="0"/>
-    <cs:fillRef idx="0"/>
-    <cs:effectRef idx="0"/>
-    <cs:fontRef idx="minor">
-      <a:schemeClr val="tx1"/>
-    </cs:fontRef>
-    <cs:spPr>
-      <a:solidFill>
-        <a:schemeClr val="bg1"/>
-      </a:solidFill>
-      <a:ln w="9525" cap="flat" cmpd="sng" algn="ctr">
-        <a:solidFill>
-          <a:schemeClr val="tx1">
-            <a:lumMod val="15000"/>
-            <a:lumOff val="85000"/>
-          </a:schemeClr>
-        </a:solidFill>
-        <a:round/>
-      </a:ln>
-    </cs:spPr>
-    <cs:defRPr sz="1330" kern="1200"/>
-  </cs:chartArea>
-  <cs:dataLabel>
-    <cs:lnRef idx="0"/>
-    <cs:fillRef idx="0"/>
-    <cs:effectRef idx="0"/>
-    <cs:fontRef idx="minor">
-      <a:schemeClr val="tx1">
-        <a:lumMod val="75000"/>
-        <a:lumOff val="25000"/>
-      </a:schemeClr>
-    </cs:fontRef>
-    <cs:defRPr sz="1197" kern="1200"/>
-  </cs:dataLabel>
-  <cs:dataLabelCallout>
-    <cs:lnRef idx="0"/>
-    <cs:fillRef idx="0"/>
-    <cs:effectRef idx="0"/>
-    <cs:fontRef idx="minor">
-      <a:schemeClr val="dk1">
-        <a:lumMod val="65000"/>
-        <a:lumOff val="35000"/>
-      </a:schemeClr>
-    </cs:fontRef>
-    <cs:spPr>
-      <a:solidFill>
-        <a:schemeClr val="lt1"/>
-      </a:solidFill>
-      <a:ln>
-        <a:solidFill>
-          <a:schemeClr val="dk1">
-            <a:lumMod val="25000"/>
-            <a:lumOff val="75000"/>
-          </a:schemeClr>
-        </a:solidFill>
-      </a:ln>
-    </cs:spPr>
-    <cs:defRPr sz="1197" kern="1200"/>
-    <cs:bodyPr rot="0" spcFirstLastPara="1" vertOverflow="clip" horzOverflow="clip" vert="horz" wrap="square" lIns="36576" tIns="18288" rIns="36576" bIns="18288" anchor="ctr" anchorCtr="1">
-      <a:spAutoFit/>
-    </cs:bodyPr>
-  </cs:dataLabelCallout>
-  <cs:dataPoint>
-    <cs:lnRef idx="0"/>
-    <cs:fillRef idx="1">
-      <cs:styleClr val="auto"/>
-    </cs:fillRef>
-    <cs:effectRef idx="0"/>
-    <cs:fontRef idx="minor">
-      <a:schemeClr val="tx1"/>
-    </cs:fontRef>
-  </cs:dataPoint>
-  <cs:dataPoint3D>
-    <cs:lnRef idx="0"/>
-    <cs:fillRef idx="1">
-      <cs:styleClr val="auto"/>
-    </cs:fillRef>
-    <cs:effectRef idx="0"/>
-    <cs:fontRef idx="minor">
-      <a:schemeClr val="tx1"/>
-    </cs:fontRef>
-  </cs:dataPoint3D>
-  <cs:dataPointLine>
-    <cs:lnRef idx="0">
-      <cs:styleClr val="auto"/>
-    </cs:lnRef>
-    <cs:fillRef idx="1"/>
-    <cs:effectRef idx="0"/>
-    <cs:fontRef idx="minor">
-      <a:schemeClr val="tx1"/>
-    </cs:fontRef>
-    <cs:spPr>
-      <a:ln w="19050" cap="rnd">
-        <a:solidFill>
-          <a:schemeClr val="phClr"/>
-        </a:solidFill>
-        <a:round/>
-      </a:ln>
-    </cs:spPr>
-  </cs:dataPointLine>
-  <cs:dataPointMarker>
-    <cs:lnRef idx="0">
-      <cs:styleClr val="auto"/>
-    </cs:lnRef>
-    <cs:fillRef idx="1">
-      <cs:styleClr val="auto"/>
-    </cs:fillRef>
-    <cs:effectRef idx="0"/>
-    <cs:fontRef idx="minor">
-      <a:schemeClr val="tx1"/>
-    </cs:fontRef>
-    <cs:spPr>
-      <a:ln w="9525">
-        <a:solidFill>
-          <a:schemeClr val="phClr"/>
-        </a:solidFill>
-      </a:ln>
-    </cs:spPr>
-  </cs:dataPointMarker>
-  <cs:dataPointMarkerLayout symbol="circle" size="5"/>
-  <cs:dataPointWireframe>
-    <cs:lnRef idx="0">
-      <cs:styleClr val="auto"/>
-    </cs:lnRef>
-    <cs:fillRef idx="0"/>
-    <cs:effectRef idx="0"/>
-    <cs:fontRef idx="minor">
-      <a:schemeClr val="dk1"/>
-    </cs:fontRef>
-    <cs:spPr>
-      <a:ln w="9525" cap="rnd">
-        <a:solidFill>
-          <a:schemeClr val="phClr"/>
-        </a:solidFill>
-        <a:round/>
-      </a:ln>
-    </cs:spPr>
-  </cs:dataPointWireframe>
-  <cs:dataTable>
-    <cs:lnRef idx="0"/>
-    <cs:fillRef idx="0"/>
-    <cs:effectRef idx="0"/>
-    <cs:fontRef idx="minor">
-      <a:schemeClr val="tx1">
-        <a:lumMod val="65000"/>
-        <a:lumOff val="35000"/>
-      </a:schemeClr>
-    </cs:fontRef>
-    <cs:spPr>
-      <a:noFill/>
-      <a:ln w="9525" cap="flat" cmpd="sng" algn="ctr">
-        <a:solidFill>
-          <a:schemeClr val="tx1">
-            <a:lumMod val="15000"/>
-            <a:lumOff val="85000"/>
-          </a:schemeClr>
-        </a:solidFill>
-        <a:round/>
-      </a:ln>
-    </cs:spPr>
-    <cs:defRPr sz="1197" kern="1200"/>
-  </cs:dataTable>
-  <cs:downBar>
-    <cs:lnRef idx="0"/>
-    <cs:fillRef idx="0"/>
-    <cs:effectRef idx="0"/>
-    <cs:fontRef idx="minor">
-      <a:schemeClr val="tx1"/>
-    </cs:fontRef>
-    <cs:spPr>
-      <a:solidFill>
-        <a:schemeClr val="dk1">
-          <a:lumMod val="75000"/>
-          <a:lumOff val="25000"/>
-        </a:schemeClr>
-      </a:solidFill>
-      <a:ln w="9525" cap="flat" cmpd="sng" algn="ctr">
-        <a:solidFill>
-          <a:schemeClr val="tx1">
-            <a:lumMod val="65000"/>
-            <a:lumOff val="35000"/>
-          </a:schemeClr>
-        </a:solidFill>
-        <a:round/>
-      </a:ln>
-    </cs:spPr>
-  </cs:downBar>
-  <cs:dropLine>
-    <cs:lnRef idx="0"/>
-    <cs:fillRef idx="0"/>
-    <cs:effectRef idx="0"/>
-    <cs:fontRef idx="minor">
-      <a:schemeClr val="tx1"/>
-    </cs:fontRef>
-    <cs:spPr>
-      <a:ln w="9525" cap="flat" cmpd="sng" algn="ctr">
-        <a:solidFill>
-          <a:schemeClr val="tx1">
-            <a:lumMod val="35000"/>
-            <a:lumOff val="65000"/>
-          </a:schemeClr>
-        </a:solidFill>
-        <a:round/>
-      </a:ln>
-    </cs:spPr>
-  </cs:dropLine>
-  <cs:errorBar>
-    <cs:lnRef idx="0"/>
-    <cs:fillRef idx="0"/>
-    <cs:effectRef idx="0"/>
-    <cs:fontRef idx="minor">
-      <a:schemeClr val="tx1"/>
-    </cs:fontRef>
-    <cs:spPr>
-      <a:ln w="9525" cap="flat" cmpd="sng" algn="ctr">
-        <a:solidFill>
-          <a:schemeClr val="tx1">
-            <a:lumMod val="65000"/>
-            <a:lumOff val="35000"/>
-          </a:schemeClr>
-        </a:solidFill>
-        <a:round/>
-      </a:ln>
-    </cs:spPr>
-  </cs:errorBar>
-  <cs:floor>
-    <cs:lnRef idx="0"/>
-    <cs:fillRef idx="0"/>
-    <cs:effectRef idx="0"/>
-    <cs:fontRef idx="minor">
-      <a:schemeClr val="tx1"/>
-    </cs:fontRef>
-    <cs:spPr>
-      <a:noFill/>
-      <a:ln>
-        <a:noFill/>
-      </a:ln>
-    </cs:spPr>
-  </cs:floor>
-  <cs:gridlineMajor>
-    <cs:lnRef idx="0"/>
-    <cs:fillRef idx="0"/>
-    <cs:effectRef idx="0"/>
-    <cs:fontRef idx="minor">
-      <a:schemeClr val="tx1"/>
-    </cs:fontRef>
-    <cs:spPr>
-      <a:ln w="9525" cap="flat" cmpd="sng" algn="ctr">
-        <a:solidFill>
-          <a:schemeClr val="tx1">
-            <a:lumMod val="15000"/>
-            <a:lumOff val="85000"/>
-          </a:schemeClr>
-        </a:solidFill>
-        <a:round/>
-      </a:ln>
-    </cs:spPr>
-  </cs:gridlineMajor>
-  <cs:gridlineMinor>
-    <cs:lnRef idx="0"/>
-    <cs:fillRef idx="0"/>
-    <cs:effectRef idx="0"/>
-    <cs:fontRef idx="minor">
-      <a:schemeClr val="tx1"/>
-    </cs:fontRef>
-    <cs:spPr>
-      <a:ln w="9525" cap="flat" cmpd="sng" algn="ctr">
-        <a:solidFill>
-          <a:schemeClr val="tx1">
-            <a:lumMod val="5000"/>
-            <a:lumOff val="95000"/>
-          </a:schemeClr>
-        </a:solidFill>
-        <a:round/>
-      </a:ln>
-    </cs:spPr>
-  </cs:gridlineMinor>
-  <cs:hiLoLine>
-    <cs:lnRef idx="0"/>
-    <cs:fillRef idx="0"/>
-    <cs:effectRef idx="0"/>
-    <cs:fontRef idx="minor">
-      <a:schemeClr val="tx1"/>
-    </cs:fontRef>
-    <cs:spPr>
-      <a:ln w="9525" cap="flat" cmpd="sng" algn="ctr">
-        <a:solidFill>
-          <a:schemeClr val="tx1">
-            <a:lumMod val="50000"/>
-            <a:lumOff val="50000"/>
-          </a:schemeClr>
-        </a:solidFill>
-        <a:round/>
-      </a:ln>
-    </cs:spPr>
-  </cs:hiLoLine>
-  <cs:leaderLine>
-    <cs:lnRef idx="0"/>
-    <cs:fillRef idx="0"/>
-    <cs:effectRef idx="0"/>
-    <cs:fontRef idx="minor">
-      <a:schemeClr val="tx1"/>
-    </cs:fontRef>
-    <cs:spPr>
-      <a:ln w="9525" cap="flat" cmpd="sng" algn="ctr">
-        <a:solidFill>
-          <a:schemeClr val="tx1">
-            <a:lumMod val="35000"/>
-            <a:lumOff val="65000"/>
-          </a:schemeClr>
-        </a:solidFill>
-        <a:round/>
-      </a:ln>
-    </cs:spPr>
-  </cs:leaderLine>
-  <cs:legend>
-    <cs:lnRef idx="0"/>
-    <cs:fillRef idx="0"/>
-    <cs:effectRef idx="0"/>
-    <cs:fontRef idx="minor">
-      <a:schemeClr val="tx1">
-        <a:lumMod val="65000"/>
-        <a:lumOff val="35000"/>
-      </a:schemeClr>
-    </cs:fontRef>
-    <cs:defRPr sz="1197" kern="1200"/>
-  </cs:legend>
-  <cs:plotArea mods="allowNoFillOverride allowNoLineOverride">
-    <cs:lnRef idx="0"/>
-    <cs:fillRef idx="0"/>
-    <cs:effectRef idx="0"/>
-    <cs:fontRef idx="minor">
-      <a:schemeClr val="tx1"/>
-    </cs:fontRef>
-  </cs:plotArea>
-  <cs:plotArea3D mods="allowNoFillOverride allowNoLineOverride">
-    <cs:lnRef idx="0"/>
-    <cs:fillRef idx="0"/>
-    <cs:effectRef idx="0"/>
-    <cs:fontRef idx="minor">
-      <a:schemeClr val="tx1"/>
-    </cs:fontRef>
-  </cs:plotArea3D>
-  <cs:seriesAxis>
-    <cs:lnRef idx="0"/>
-    <cs:fillRef idx="0"/>
-    <cs:effectRef idx="0"/>
-    <cs:fontRef idx="minor">
-      <a:schemeClr val="tx1">
-        <a:lumMod val="65000"/>
-        <a:lumOff val="35000"/>
-      </a:schemeClr>
-    </cs:fontRef>
-    <cs:defRPr sz="1197" kern="1200"/>
-  </cs:seriesAxis>
-  <cs:seriesLine>
-    <cs:lnRef idx="0"/>
-    <cs:fillRef idx="0"/>
-    <cs:effectRef idx="0"/>
-    <cs:fontRef idx="minor">
-      <a:schemeClr val="tx1"/>
-    </cs:fontRef>
-    <cs:spPr>
-      <a:ln w="9525" cap="flat" cmpd="sng" algn="ctr">
-        <a:solidFill>
-          <a:schemeClr val="tx1">
-            <a:lumMod val="35000"/>
-            <a:lumOff val="65000"/>
-          </a:schemeClr>
-        </a:solidFill>
-        <a:round/>
-      </a:ln>
-    </cs:spPr>
-  </cs:seriesLine>
-  <cs:title>
-    <cs:lnRef idx="0"/>
-    <cs:fillRef idx="0"/>
-    <cs:effectRef idx="0"/>
-    <cs:fontRef idx="minor">
-      <a:schemeClr val="tx1">
-        <a:lumMod val="65000"/>
-        <a:lumOff val="35000"/>
-      </a:schemeClr>
-    </cs:fontRef>
-    <cs:defRPr sz="1862" b="0" kern="1200" spc="0" baseline="0"/>
-  </cs:title>
-  <cs:trendline>
-    <cs:lnRef idx="0">
-      <cs:styleClr val="auto"/>
-    </cs:lnRef>
-    <cs:fillRef idx="0"/>
-    <cs:effectRef idx="0"/>
-    <cs:fontRef idx="minor">
-      <a:schemeClr val="tx1"/>
-    </cs:fontRef>
-    <cs:spPr>
-      <a:ln w="19050" cap="rnd">
-        <a:solidFill>
-          <a:schemeClr val="phClr"/>
-        </a:solidFill>
-        <a:prstDash val="sysDot"/>
-      </a:ln>
-    </cs:spPr>
-  </cs:trendline>
-  <cs:trendlineLabel>
-    <cs:lnRef idx="0"/>
-    <cs:fillRef idx="0"/>
-    <cs:effectRef idx="0"/>
-    <cs:fontRef idx="minor">
-      <a:schemeClr val="tx1">
-        <a:lumMod val="65000"/>
-        <a:lumOff val="35000"/>
-      </a:schemeClr>
-    </cs:fontRef>
-    <cs:defRPr sz="1197" kern="1200"/>
-  </cs:trendlineLabel>
-  <cs:upBar>
-    <cs:lnRef idx="0"/>
-    <cs:fillRef idx="0"/>
-    <cs:effectRef idx="0"/>
-    <cs:fontRef idx="minor">
-      <a:schemeClr val="tx1"/>
-    </cs:fontRef>
-    <cs:spPr>
-      <a:solidFill>
-        <a:schemeClr val="lt1"/>
-      </a:solidFill>
-      <a:ln w="9525" cap="flat" cmpd="sng" algn="ctr">
-        <a:solidFill>
-          <a:schemeClr val="tx1">
-            <a:lumMod val="65000"/>
-            <a:lumOff val="35000"/>
-          </a:schemeClr>
-        </a:solidFill>
-        <a:round/>
-      </a:ln>
-    </cs:spPr>
-  </cs:upBar>
-  <cs:valueAxis>
-    <cs:lnRef idx="0"/>
-    <cs:fillRef idx="0"/>
-    <cs:effectRef idx="0"/>
-    <cs:fontRef idx="minor">
-      <a:schemeClr val="tx1">
-        <a:lumMod val="65000"/>
-        <a:lumOff val="35000"/>
-      </a:schemeClr>
-    </cs:fontRef>
-    <cs:spPr>
-      <a:ln w="9525" cap="flat" cmpd="sng" algn="ctr">
-        <a:solidFill>
-          <a:schemeClr val="tx1">
-            <a:lumMod val="25000"/>
-            <a:lumOff val="75000"/>
-          </a:schemeClr>
-        </a:solidFill>
-        <a:round/>
-      </a:ln>
-    </cs:spPr>
-    <cs:defRPr sz="1197" kern="1200"/>
-  </cs:valueAxis>
-  <cs:wall>
-    <cs:lnRef idx="0"/>
-    <cs:fillRef idx="0"/>
-    <cs:effectRef idx="0"/>
-    <cs:fontRef idx="minor">
-      <a:schemeClr val="tx1"/>
-    </cs:fontRef>
-    <cs:spPr>
-      <a:noFill/>
-      <a:ln>
-        <a:noFill/>
-      </a:ln>
-    </cs:spPr>
-  </cs:wall>
-</cs:chartStyle>
-</file>
-
 <file path=ppt/notesMasters/notesMaster1.xml><?xml version="1.0" encoding="utf-8"?>
 <p:notesMaster xmlns:a="http://schemas.openxmlformats.org/drawingml/2006/main" xmlns:r="http://schemas.openxmlformats.org/officeDocument/2006/relationships" xmlns:p="http://schemas.openxmlformats.org/presentationml/2006/main">
   <p:cSld>
@@ -13635,7 +6924,7 @@
           <a:p>
             <a:fld id="{3055C09D-E245-48FB-89F4-1FC6DB8B2588}" type="datetimeFigureOut">
               <a:rPr lang="en-US"/>
-              <a:t>5/21/2017</a:t>
+              <a:t>5/22/2017</a:t>
             </a:fld>
             <a:endParaRPr lang="en-US"/>
           </a:p>
@@ -14131,7 +7420,7 @@
           <a:p>
             <a:fld id="{77A820DD-81EF-45F2-976F-377F6597C6DE}" type="datetime1">
               <a:rPr lang="en-US" smtClean="0"/>
-              <a:t>5/21/2017</a:t>
+              <a:t>5/22/2017</a:t>
             </a:fld>
             <a:endParaRPr lang="en-US" dirty="0"/>
           </a:p>
@@ -14461,7 +7750,7 @@
           <a:p>
             <a:fld id="{9A87A22E-963C-4EA9-BBD3-3B00554EDEC0}" type="datetime1">
               <a:rPr lang="en-US" smtClean="0"/>
-              <a:t>5/21/2017</a:t>
+              <a:t>5/22/2017</a:t>
             </a:fld>
             <a:endParaRPr lang="en-US" dirty="0"/>
           </a:p>
@@ -14735,7 +8024,7 @@
           <a:p>
             <a:fld id="{6ED827E4-5C50-433C-ABAA-CF510350A630}" type="datetime1">
               <a:rPr lang="en-US" smtClean="0"/>
-              <a:t>5/21/2017</a:t>
+              <a:t>5/22/2017</a:t>
             </a:fld>
             <a:endParaRPr lang="en-US" dirty="0"/>
           </a:p>
@@ -15299,7 +8588,7 @@
           <a:p>
             <a:fld id="{9F970929-C94F-41F3-BD87-051A408F1C86}" type="datetime1">
               <a:rPr lang="en-US" smtClean="0"/>
-              <a:t>5/21/2017</a:t>
+              <a:t>5/22/2017</a:t>
             </a:fld>
             <a:endParaRPr lang="en-US" dirty="0"/>
           </a:p>
@@ -15573,7 +8862,7 @@
           <a:p>
             <a:fld id="{C76932A2-A407-419B-A6AA-F5A6C14038BB}" type="datetime1">
               <a:rPr lang="en-US" smtClean="0"/>
-              <a:t>5/21/2017</a:t>
+              <a:t>5/22/2017</a:t>
             </a:fld>
             <a:endParaRPr lang="en-US" dirty="0"/>
           </a:p>
@@ -16131,7 +9420,7 @@
           <a:p>
             <a:fld id="{411B3862-DA3C-4802-A71A-1C8810333BC0}" type="datetime1">
               <a:rPr lang="en-US" smtClean="0"/>
-              <a:t>5/21/2017</a:t>
+              <a:t>5/22/2017</a:t>
             </a:fld>
             <a:endParaRPr lang="en-US" dirty="0"/>
           </a:p>
@@ -16454,7 +9743,7 @@
           <a:p>
             <a:fld id="{8F434BED-DE24-49F3-8F63-D6238C3A2F69}" type="datetime1">
               <a:rPr lang="en-US" smtClean="0"/>
-              <a:t>5/21/2017</a:t>
+              <a:t>5/22/2017</a:t>
             </a:fld>
             <a:endParaRPr lang="en-US" dirty="0"/>
           </a:p>
@@ -16627,7 +9916,7 @@
           <a:p>
             <a:fld id="{6461EA9A-46DC-4759-B9BB-1390DE72CCE5}" type="datetime1">
               <a:rPr lang="en-US" smtClean="0"/>
-              <a:t>5/21/2017</a:t>
+              <a:t>5/22/2017</a:t>
             </a:fld>
             <a:endParaRPr lang="en-US" dirty="0"/>
           </a:p>
@@ -16861,7 +10150,7 @@
           <a:p>
             <a:fld id="{9A4CB683-F55D-49FF-999A-379B0E0813BA}" type="datetime1">
               <a:rPr lang="en-US" smtClean="0"/>
-              <a:t>5/21/2017</a:t>
+              <a:t>5/22/2017</a:t>
             </a:fld>
             <a:endParaRPr lang="en-US" dirty="0"/>
           </a:p>
@@ -17057,7 +10346,7 @@
           <a:p>
             <a:fld id="{FC35190C-482B-49D3-B211-6FEC2F4E1AE8}" type="datetime1">
               <a:rPr lang="en-US" smtClean="0"/>
-              <a:t>5/21/2017</a:t>
+              <a:t>5/22/2017</a:t>
             </a:fld>
             <a:endParaRPr lang="en-US" dirty="0"/>
           </a:p>
@@ -17329,7 +10618,7 @@
           <a:p>
             <a:fld id="{876E8631-BA14-4ADB-A48B-F9799A2181E9}" type="datetime1">
               <a:rPr lang="en-US" smtClean="0"/>
-              <a:t>5/21/2017</a:t>
+              <a:t>5/22/2017</a:t>
             </a:fld>
             <a:endParaRPr lang="en-US" dirty="0"/>
           </a:p>
@@ -17591,7 +10880,7 @@
           <a:p>
             <a:fld id="{9F6084B4-4078-4243-AD1C-6768BD2A4605}" type="datetime1">
               <a:rPr lang="en-US" smtClean="0"/>
-              <a:t>5/21/2017</a:t>
+              <a:t>5/22/2017</a:t>
             </a:fld>
             <a:endParaRPr lang="en-US" dirty="0"/>
           </a:p>
@@ -17961,7 +11250,7 @@
           <a:p>
             <a:fld id="{CA262F93-A1FD-41DE-8BF0-8A474CD17E7F}" type="datetime1">
               <a:rPr lang="en-US" smtClean="0"/>
-              <a:t>5/21/2017</a:t>
+              <a:t>5/22/2017</a:t>
             </a:fld>
             <a:endParaRPr lang="en-US" dirty="0"/>
           </a:p>
@@ -18105,7 +11394,7 @@
           <a:p>
             <a:fld id="{D702A060-76AE-4366-B056-1D535E9428E6}" type="datetime1">
               <a:rPr lang="en-US" smtClean="0"/>
-              <a:t>5/21/2017</a:t>
+              <a:t>5/22/2017</a:t>
             </a:fld>
             <a:endParaRPr lang="en-US" dirty="0"/>
           </a:p>
@@ -18226,7 +11515,7 @@
           <a:p>
             <a:fld id="{DF0E9C67-F323-404B-A180-EFF80552B78E}" type="datetime1">
               <a:rPr lang="en-US" smtClean="0"/>
-              <a:t>5/21/2017</a:t>
+              <a:t>5/22/2017</a:t>
             </a:fld>
             <a:endParaRPr lang="en-US" dirty="0"/>
           </a:p>
@@ -18507,7 +11796,7 @@
           <a:p>
             <a:fld id="{0B17E5D7-A1AF-4F70-9777-5174452B8D88}" type="datetime1">
               <a:rPr lang="en-US" smtClean="0"/>
-              <a:t>5/21/2017</a:t>
+              <a:t>5/22/2017</a:t>
             </a:fld>
             <a:endParaRPr lang="en-US" dirty="0"/>
           </a:p>
@@ -18827,7 +12116,7 @@
           <a:p>
             <a:fld id="{E58F534A-277B-486D-8EF9-E650F13B0D83}" type="datetime1">
               <a:rPr lang="en-US" smtClean="0"/>
-              <a:t>5/21/2017</a:t>
+              <a:t>5/22/2017</a:t>
             </a:fld>
             <a:endParaRPr lang="en-US" dirty="0"/>
           </a:p>
@@ -19037,7 +12326,7 @@
           <a:p>
             <a:fld id="{46200E3D-2298-4905-A1E5-556A8EC05415}" type="datetime1">
               <a:rPr lang="en-US" smtClean="0"/>
-              <a:t>5/21/2017</a:t>
+              <a:t>5/22/2017</a:t>
             </a:fld>
             <a:endParaRPr lang="en-US" dirty="0"/>
           </a:p>
@@ -19696,91 +12985,9 @@
   <p:timing>
     <p:tnLst>
       <p:par>
-        <p:cTn id="1" dur="indefinite" restart="never" nodeType="tmRoot">
-          <p:childTnLst>
-            <p:seq concurrent="1" nextAc="seek">
-              <p:cTn id="2" dur="indefinite" nodeType="mainSeq">
-                <p:childTnLst>
-                  <p:par>
-                    <p:cTn id="3" fill="hold">
-                      <p:stCondLst>
-                        <p:cond delay="indefinite"/>
-                        <p:cond evt="onBegin" delay="0">
-                          <p:tn val="2"/>
-                        </p:cond>
-                      </p:stCondLst>
-                      <p:childTnLst>
-                        <p:par>
-                          <p:cTn id="4" fill="hold">
-                            <p:stCondLst>
-                              <p:cond delay="0"/>
-                            </p:stCondLst>
-                            <p:childTnLst>
-                              <p:par>
-                                <p:cTn id="5" presetID="10" presetClass="entr" presetSubtype="0" fill="hold" grpId="0" nodeType="afterEffect">
-                                  <p:stCondLst>
-                                    <p:cond delay="0"/>
-                                  </p:stCondLst>
-                                  <p:childTnLst>
-                                    <p:set>
-                                      <p:cBhvr>
-                                        <p:cTn id="6" dur="1" fill="hold">
-                                          <p:stCondLst>
-                                            <p:cond delay="0"/>
-                                          </p:stCondLst>
-                                        </p:cTn>
-                                        <p:tgtEl>
-                                          <p:spTgt spid="2"/>
-                                        </p:tgtEl>
-                                        <p:attrNameLst>
-                                          <p:attrName>style.visibility</p:attrName>
-                                        </p:attrNameLst>
-                                      </p:cBhvr>
-                                      <p:to>
-                                        <p:strVal val="visible"/>
-                                      </p:to>
-                                    </p:set>
-                                    <p:animEffect transition="in" filter="fade">
-                                      <p:cBhvr>
-                                        <p:cTn id="7" dur="500"/>
-                                        <p:tgtEl>
-                                          <p:spTgt spid="2"/>
-                                        </p:tgtEl>
-                                      </p:cBhvr>
-                                    </p:animEffect>
-                                  </p:childTnLst>
-                                </p:cTn>
-                              </p:par>
-                            </p:childTnLst>
-                          </p:cTn>
-                        </p:par>
-                      </p:childTnLst>
-                    </p:cTn>
-                  </p:par>
-                </p:childTnLst>
-              </p:cTn>
-              <p:prevCondLst>
-                <p:cond evt="onPrev" delay="0">
-                  <p:tgtEl>
-                    <p:sldTgt/>
-                  </p:tgtEl>
-                </p:cond>
-              </p:prevCondLst>
-              <p:nextCondLst>
-                <p:cond evt="onNext" delay="0">
-                  <p:tgtEl>
-                    <p:sldTgt/>
-                  </p:tgtEl>
-                </p:cond>
-              </p:nextCondLst>
-            </p:seq>
-          </p:childTnLst>
-        </p:cTn>
+        <p:cTn id="1" dur="indefinite" restart="never" nodeType="tmRoot"/>
       </p:par>
     </p:tnLst>
-    <p:bldLst>
-      <p:bldP spid="2" grpId="0"/>
-    </p:bldLst>
   </p:timing>
 </p:sld>
 </file>
@@ -22770,7 +15977,7 @@
                               <p:par>
                                 <p:cTn id="5" presetID="6" presetClass="entr" presetSubtype="16" fill="hold" nodeType="afterEffect">
                                   <p:stCondLst>
-                                    <p:cond delay="1800"/>
+                                    <p:cond delay="5300"/>
                                   </p:stCondLst>
                                   <p:childTnLst>
                                     <p:set>
@@ -22808,7 +16015,7 @@
                         <p:par>
                           <p:cTn id="8" fill="hold">
                             <p:stCondLst>
-                              <p:cond delay="3400"/>
+                              <p:cond delay="6900"/>
                             </p:stCondLst>
                             <p:childTnLst>
                               <p:par>
@@ -22844,13 +16051,13 @@
                         <p:par>
                           <p:cTn id="11" fill="hold">
                             <p:stCondLst>
-                              <p:cond delay="3400"/>
+                              <p:cond delay="6900"/>
                             </p:stCondLst>
                             <p:childTnLst>
                               <p:par>
                                 <p:cTn id="12" presetID="1" presetClass="entr" presetSubtype="0" fill="hold" nodeType="afterEffect">
                                   <p:stCondLst>
-                                    <p:cond delay="2600"/>
+                                    <p:cond delay="4800"/>
                                   </p:stCondLst>
                                   <p:childTnLst>
                                     <p:set>
@@ -22880,7 +16087,7 @@
                         <p:par>
                           <p:cTn id="14" fill="hold">
                             <p:stCondLst>
-                              <p:cond delay="6000"/>
+                              <p:cond delay="11700"/>
                             </p:stCondLst>
                             <p:childTnLst>
                               <p:par>
@@ -22916,7 +16123,7 @@
                         <p:par>
                           <p:cTn id="17" fill="hold">
                             <p:stCondLst>
-                              <p:cond delay="6000"/>
+                              <p:cond delay="11700"/>
                             </p:stCondLst>
                             <p:childTnLst>
                               <p:par>
@@ -22952,7 +16159,7 @@
                         <p:par>
                           <p:cTn id="20" fill="hold">
                             <p:stCondLst>
-                              <p:cond delay="6000"/>
+                              <p:cond delay="11700"/>
                             </p:stCondLst>
                             <p:childTnLst>
                               <p:par>
@@ -22988,7 +16195,7 @@
                         <p:par>
                           <p:cTn id="23" fill="hold">
                             <p:stCondLst>
-                              <p:cond delay="6000"/>
+                              <p:cond delay="11700"/>
                             </p:stCondLst>
                             <p:childTnLst>
                               <p:par>
@@ -23024,7 +16231,7 @@
                         <p:par>
                           <p:cTn id="26" fill="hold">
                             <p:stCondLst>
-                              <p:cond delay="6000"/>
+                              <p:cond delay="11700"/>
                             </p:stCondLst>
                             <p:childTnLst>
                               <p:par>
@@ -23060,7 +16267,7 @@
                         <p:par>
                           <p:cTn id="29" fill="hold">
                             <p:stCondLst>
-                              <p:cond delay="6000"/>
+                              <p:cond delay="11700"/>
                             </p:stCondLst>
                             <p:childTnLst>
                               <p:par>
@@ -23096,7 +16303,7 @@
                         <p:par>
                           <p:cTn id="32" fill="hold">
                             <p:stCondLst>
-                              <p:cond delay="6000"/>
+                              <p:cond delay="11700"/>
                             </p:stCondLst>
                             <p:childTnLst>
                               <p:par>
@@ -23132,7 +16339,7 @@
                         <p:par>
                           <p:cTn id="35" fill="hold">
                             <p:stCondLst>
-                              <p:cond delay="6000"/>
+                              <p:cond delay="11700"/>
                             </p:stCondLst>
                             <p:childTnLst>
                               <p:par>
@@ -23168,7 +16375,7 @@
                         <p:par>
                           <p:cTn id="38" fill="hold">
                             <p:stCondLst>
-                              <p:cond delay="6000"/>
+                              <p:cond delay="11700"/>
                             </p:stCondLst>
                             <p:childTnLst>
                               <p:par>
@@ -23204,7 +16411,7 @@
                         <p:par>
                           <p:cTn id="41" fill="hold">
                             <p:stCondLst>
-                              <p:cond delay="6000"/>
+                              <p:cond delay="11700"/>
                             </p:stCondLst>
                             <p:childTnLst>
                               <p:par>
@@ -23240,7 +16447,7 @@
                         <p:par>
                           <p:cTn id="44" fill="hold">
                             <p:stCondLst>
-                              <p:cond delay="6000"/>
+                              <p:cond delay="11700"/>
                             </p:stCondLst>
                             <p:childTnLst>
                               <p:par>
@@ -23276,7 +16483,7 @@
                         <p:par>
                           <p:cTn id="47" fill="hold">
                             <p:stCondLst>
-                              <p:cond delay="6000"/>
+                              <p:cond delay="11700"/>
                             </p:stCondLst>
                             <p:childTnLst>
                               <p:par>
@@ -23996,35 +17203,35 @@
                     <a:gridCol w="999490">
                       <a:extLst>
                         <a:ext uri="{9D8B030D-6E8A-4147-A177-3AD203B41FA5}">
-                          <a16:colId xmlns:a16="http://schemas.microsoft.com/office/drawing/2014/main" xmlns="" val="1216725777"/>
+                          <a16:colId xmlns="" xmlns:a16="http://schemas.microsoft.com/office/drawing/2014/main" val="1216725777"/>
                         </a:ext>
                       </a:extLst>
                     </a:gridCol>
                     <a:gridCol w="999490">
                       <a:extLst>
                         <a:ext uri="{9D8B030D-6E8A-4147-A177-3AD203B41FA5}">
-                          <a16:colId xmlns:a16="http://schemas.microsoft.com/office/drawing/2014/main" xmlns="" val="1506238522"/>
+                          <a16:colId xmlns="" xmlns:a16="http://schemas.microsoft.com/office/drawing/2014/main" val="1506238522"/>
                         </a:ext>
                       </a:extLst>
                     </a:gridCol>
                     <a:gridCol w="999490">
                       <a:extLst>
                         <a:ext uri="{9D8B030D-6E8A-4147-A177-3AD203B41FA5}">
-                          <a16:colId xmlns:a16="http://schemas.microsoft.com/office/drawing/2014/main" xmlns="" val="2836820485"/>
+                          <a16:colId xmlns="" xmlns:a16="http://schemas.microsoft.com/office/drawing/2014/main" val="2836820485"/>
                         </a:ext>
                       </a:extLst>
                     </a:gridCol>
                     <a:gridCol w="999490">
                       <a:extLst>
                         <a:ext uri="{9D8B030D-6E8A-4147-A177-3AD203B41FA5}">
-                          <a16:colId xmlns:a16="http://schemas.microsoft.com/office/drawing/2014/main" xmlns="" val="1651784423"/>
+                          <a16:colId xmlns="" xmlns:a16="http://schemas.microsoft.com/office/drawing/2014/main" val="1651784423"/>
                         </a:ext>
                       </a:extLst>
                     </a:gridCol>
                     <a:gridCol w="999490">
                       <a:extLst>
                         <a:ext uri="{9D8B030D-6E8A-4147-A177-3AD203B41FA5}">
-                          <a16:colId xmlns:a16="http://schemas.microsoft.com/office/drawing/2014/main" xmlns="" val="1257235431"/>
+                          <a16:colId xmlns="" xmlns:a16="http://schemas.microsoft.com/office/drawing/2014/main" val="1257235431"/>
                         </a:ext>
                       </a:extLst>
                     </a:gridCol>
@@ -24345,7 +17552,7 @@
                     </a:tc>
                     <a:extLst>
                       <a:ext uri="{0D108BD9-81ED-4DB2-BD59-A6C34878D82A}">
-                        <a16:rowId xmlns:a16="http://schemas.microsoft.com/office/drawing/2014/main" xmlns="" val="1324942624"/>
+                        <a16:rowId xmlns="" xmlns:a16="http://schemas.microsoft.com/office/drawing/2014/main" val="1324942624"/>
                       </a:ext>
                     </a:extLst>
                   </a:tr>
@@ -24533,7 +17740,7 @@
                     </a:tc>
                     <a:extLst>
                       <a:ext uri="{0D108BD9-81ED-4DB2-BD59-A6C34878D82A}">
-                        <a16:rowId xmlns:a16="http://schemas.microsoft.com/office/drawing/2014/main" xmlns="" val="2491110305"/>
+                        <a16:rowId xmlns="" xmlns:a16="http://schemas.microsoft.com/office/drawing/2014/main" val="2491110305"/>
                       </a:ext>
                     </a:extLst>
                   </a:tr>
@@ -24721,7 +17928,7 @@
                     </a:tc>
                     <a:extLst>
                       <a:ext uri="{0D108BD9-81ED-4DB2-BD59-A6C34878D82A}">
-                        <a16:rowId xmlns:a16="http://schemas.microsoft.com/office/drawing/2014/main" xmlns="" val="1031351399"/>
+                        <a16:rowId xmlns="" xmlns:a16="http://schemas.microsoft.com/office/drawing/2014/main" val="1031351399"/>
                       </a:ext>
                     </a:extLst>
                   </a:tr>
@@ -24909,7 +18116,7 @@
                     </a:tc>
                     <a:extLst>
                       <a:ext uri="{0D108BD9-81ED-4DB2-BD59-A6C34878D82A}">
-                        <a16:rowId xmlns:a16="http://schemas.microsoft.com/office/drawing/2014/main" xmlns="" val="1041437350"/>
+                        <a16:rowId xmlns="" xmlns:a16="http://schemas.microsoft.com/office/drawing/2014/main" val="1041437350"/>
                       </a:ext>
                     </a:extLst>
                   </a:tr>
@@ -25097,7 +18304,7 @@
                     </a:tc>
                     <a:extLst>
                       <a:ext uri="{0D108BD9-81ED-4DB2-BD59-A6C34878D82A}">
-                        <a16:rowId xmlns:a16="http://schemas.microsoft.com/office/drawing/2014/main" xmlns="" val="2051532882"/>
+                        <a16:rowId xmlns="" xmlns:a16="http://schemas.microsoft.com/office/drawing/2014/main" val="2051532882"/>
                       </a:ext>
                     </a:extLst>
                   </a:tr>
@@ -25285,7 +18492,7 @@
                     </a:tc>
                     <a:extLst>
                       <a:ext uri="{0D108BD9-81ED-4DB2-BD59-A6C34878D82A}">
-                        <a16:rowId xmlns:a16="http://schemas.microsoft.com/office/drawing/2014/main" xmlns="" val="4146497862"/>
+                        <a16:rowId xmlns="" xmlns:a16="http://schemas.microsoft.com/office/drawing/2014/main" val="4146497862"/>
                       </a:ext>
                     </a:extLst>
                   </a:tr>
@@ -25376,7 +18583,7 @@
                     </a:tc>
                     <a:extLst>
                       <a:ext uri="{0D108BD9-81ED-4DB2-BD59-A6C34878D82A}">
-                        <a16:rowId xmlns:a16="http://schemas.microsoft.com/office/drawing/2014/main" xmlns="" val="766546503"/>
+                        <a16:rowId xmlns="" xmlns:a16="http://schemas.microsoft.com/office/drawing/2014/main" val="766546503"/>
                       </a:ext>
                     </a:extLst>
                   </a:tr>
@@ -27231,23 +20438,7 @@
           <a:p>
             <a:r>
               <a:rPr lang="hy-AM" dirty="0" smtClean="0"/>
-              <a:t>Մշակվեց </a:t>
-            </a:r>
-            <a:r>
-              <a:rPr lang="hy-AM" dirty="0" smtClean="0"/>
-              <a:t>ծրագիր</a:t>
-            </a:r>
-            <a:r>
-              <a:rPr lang="hy-AM" dirty="0" smtClean="0"/>
-              <a:t>, </a:t>
-            </a:r>
-            <a:r>
-              <a:rPr lang="hy-AM" dirty="0" smtClean="0"/>
-              <a:t>որում կա հնարավորություն բեռնել </a:t>
-            </a:r>
-            <a:r>
-              <a:rPr lang="hy-AM" dirty="0" smtClean="0"/>
-              <a:t>պատկերը</a:t>
+              <a:t>Մշակվեց ծրագիր, որում կա հնարավորություն բեռնել պատկերը</a:t>
             </a:r>
             <a:r>
               <a:rPr lang="en-US" dirty="0" smtClean="0"/>
@@ -27255,11 +20446,7 @@
             </a:r>
             <a:r>
               <a:rPr lang="hy-AM" dirty="0" smtClean="0"/>
-              <a:t>նրա վրա կատարել որոշակի </a:t>
-            </a:r>
-            <a:r>
-              <a:rPr lang="hy-AM" dirty="0" smtClean="0"/>
-              <a:t>փոփոխություններ </a:t>
+              <a:t>նրա վրա կատարել որոշակի փոփոխություններ </a:t>
             </a:r>
             <a:r>
               <a:rPr lang="en-US" dirty="0" smtClean="0"/>
@@ -27279,11 +20466,7 @@
             </a:r>
             <a:r>
               <a:rPr lang="hy-AM" dirty="0" smtClean="0"/>
-              <a:t>։ </a:t>
-            </a:r>
-            <a:r>
-              <a:rPr lang="hy-AM" dirty="0" smtClean="0"/>
-              <a:t>Կարող ենք պատկերի չափերը փոփոխել</a:t>
+              <a:t>։ Կարող ենք պատկերի չափերը փոփոխել</a:t>
             </a:r>
             <a:r>
               <a:rPr lang="en-US" dirty="0" smtClean="0"/>
@@ -27477,1069 +20660,6 @@
     <p:extLst>
       <p:ext uri="{BB962C8B-B14F-4D97-AF65-F5344CB8AC3E}">
         <p14:creationId xmlns:p14="http://schemas.microsoft.com/office/powerpoint/2010/main" val="2377849545"/>
-      </p:ext>
-    </p:extLst>
-  </p:cSld>
-  <p:clrMapOvr>
-    <a:masterClrMapping/>
-  </p:clrMapOvr>
-  <p:timing>
-    <p:tnLst>
-      <p:par>
-        <p:cTn id="1" dur="indefinite" restart="never" nodeType="tmRoot"/>
-      </p:par>
-    </p:tnLst>
-  </p:timing>
-</p:sld>
-</file>
-
-<file path=ppt/slides/slide19.xml><?xml version="1.0" encoding="utf-8"?>
-<p:sld xmlns:a="http://schemas.openxmlformats.org/drawingml/2006/main" xmlns:r="http://schemas.openxmlformats.org/officeDocument/2006/relationships" xmlns:p="http://schemas.openxmlformats.org/presentationml/2006/main">
-  <p:cSld>
-    <p:spTree>
-      <p:nvGrpSpPr>
-        <p:cNvPr id="1" name=""/>
-        <p:cNvGrpSpPr/>
-        <p:nvPr/>
-      </p:nvGrpSpPr>
-      <p:grpSpPr>
-        <a:xfrm>
-          <a:off x="0" y="0"/>
-          <a:ext cx="0" cy="0"/>
-          <a:chOff x="0" y="0"/>
-          <a:chExt cx="0" cy="0"/>
-        </a:xfrm>
-      </p:grpSpPr>
-      <p:pic>
-        <p:nvPicPr>
-          <p:cNvPr id="10" name="Picture 9"/>
-          <p:cNvPicPr>
-            <a:picLocks noChangeAspect="1"/>
-          </p:cNvPicPr>
-          <p:nvPr/>
-        </p:nvPicPr>
-        <p:blipFill>
-          <a:blip r:embed="rId2"/>
-          <a:stretch>
-            <a:fillRect/>
-          </a:stretch>
-        </p:blipFill>
-        <p:spPr>
-          <a:xfrm>
-            <a:off x="6190167" y="3507859"/>
-            <a:ext cx="4241656" cy="3042681"/>
-          </a:xfrm>
-          <a:prstGeom prst="rect">
-            <a:avLst/>
-          </a:prstGeom>
-        </p:spPr>
-      </p:pic>
-      <p:graphicFrame>
-        <p:nvGraphicFramePr>
-          <p:cNvPr id="19" name="Chart 18"/>
-          <p:cNvGraphicFramePr/>
-          <p:nvPr>
-            <p:extLst>
-              <p:ext uri="{D42A27DB-BD31-4B8C-83A1-F6EECF244321}">
-                <p14:modId xmlns:p14="http://schemas.microsoft.com/office/powerpoint/2010/main" val="1034955586"/>
-              </p:ext>
-            </p:extLst>
-          </p:nvPr>
-        </p:nvGraphicFramePr>
-        <p:xfrm>
-          <a:off x="5200072" y="3916825"/>
-          <a:ext cx="6221845" cy="2175808"/>
-        </p:xfrm>
-        <a:graphic>
-          <a:graphicData uri="http://schemas.openxmlformats.org/drawingml/2006/chart">
-            <c:chart xmlns:c="http://schemas.openxmlformats.org/drawingml/2006/chart" xmlns:r="http://schemas.openxmlformats.org/officeDocument/2006/relationships" r:id="rId3"/>
-          </a:graphicData>
-        </a:graphic>
-      </p:graphicFrame>
-      <p:graphicFrame>
-        <p:nvGraphicFramePr>
-          <p:cNvPr id="20" name="Chart 19"/>
-          <p:cNvGraphicFramePr/>
-          <p:nvPr>
-            <p:extLst>
-              <p:ext uri="{D42A27DB-BD31-4B8C-83A1-F6EECF244321}">
-                <p14:modId xmlns:p14="http://schemas.microsoft.com/office/powerpoint/2010/main" val="143514918"/>
-              </p:ext>
-            </p:extLst>
-          </p:nvPr>
-        </p:nvGraphicFramePr>
-        <p:xfrm>
-          <a:off x="5075381" y="3264293"/>
-          <a:ext cx="6471226" cy="2706211"/>
-        </p:xfrm>
-        <a:graphic>
-          <a:graphicData uri="http://schemas.openxmlformats.org/drawingml/2006/chart">
-            <c:chart xmlns:c="http://schemas.openxmlformats.org/drawingml/2006/chart" xmlns:r="http://schemas.openxmlformats.org/officeDocument/2006/relationships" r:id="rId4"/>
-          </a:graphicData>
-        </a:graphic>
-      </p:graphicFrame>
-      <p:cxnSp>
-        <p:nvCxnSpPr>
-          <p:cNvPr id="22" name="Straight Connector 21"/>
-          <p:cNvCxnSpPr/>
-          <p:nvPr/>
-        </p:nvCxnSpPr>
-        <p:spPr>
-          <a:xfrm flipH="1" flipV="1">
-            <a:off x="9289473" y="3761509"/>
-            <a:ext cx="10391" cy="2208995"/>
-          </a:xfrm>
-          <a:prstGeom prst="line">
-            <a:avLst/>
-          </a:prstGeom>
-          <a:ln>
-            <a:solidFill>
-              <a:schemeClr val="bg1"/>
-            </a:solidFill>
-          </a:ln>
-        </p:spPr>
-        <p:style>
-          <a:lnRef idx="1">
-            <a:schemeClr val="accent1"/>
-          </a:lnRef>
-          <a:fillRef idx="0">
-            <a:schemeClr val="accent1"/>
-          </a:fillRef>
-          <a:effectRef idx="0">
-            <a:schemeClr val="accent1"/>
-          </a:effectRef>
-          <a:fontRef idx="minor">
-            <a:schemeClr val="tx1"/>
-          </a:fontRef>
-        </p:style>
-      </p:cxnSp>
-      <p:sp>
-        <p:nvSpPr>
-          <p:cNvPr id="23" name="TextBox 22"/>
-          <p:cNvSpPr txBox="1"/>
-          <p:nvPr/>
-        </p:nvSpPr>
-        <p:spPr>
-          <a:xfrm>
-            <a:off x="9860973" y="3576843"/>
-            <a:ext cx="309700" cy="369332"/>
-          </a:xfrm>
-          <a:prstGeom prst="rect">
-            <a:avLst/>
-          </a:prstGeom>
-          <a:noFill/>
-        </p:spPr>
-        <p:txBody>
-          <a:bodyPr wrap="none" rtlCol="0">
-            <a:spAutoFit/>
-          </a:bodyPr>
-          <a:lstStyle/>
-          <a:p>
-            <a:r>
-              <a:rPr lang="el-GR" b="1" dirty="0">
-                <a:solidFill>
-                  <a:schemeClr val="bg1"/>
-                </a:solidFill>
-              </a:rPr>
-              <a:t>θ</a:t>
-            </a:r>
-            <a:endParaRPr lang="en-US" dirty="0">
-              <a:solidFill>
-                <a:schemeClr val="bg1"/>
-              </a:solidFill>
-            </a:endParaRPr>
-          </a:p>
-        </p:txBody>
-      </p:sp>
-      <mc:AlternateContent xmlns:mc="http://schemas.openxmlformats.org/markup-compatibility/2006" xmlns:a14="http://schemas.microsoft.com/office/drawing/2010/main">
-        <mc:Choice Requires="a14">
-          <p:sp>
-            <p:nvSpPr>
-              <p:cNvPr id="24" name="TextBox 23"/>
-              <p:cNvSpPr txBox="1"/>
-              <p:nvPr/>
-            </p:nvSpPr>
-            <p:spPr>
-              <a:xfrm>
-                <a:off x="9130958" y="3457516"/>
-                <a:ext cx="469936" cy="401072"/>
-              </a:xfrm>
-              <a:prstGeom prst="rect">
-                <a:avLst/>
-              </a:prstGeom>
-              <a:noFill/>
-            </p:spPr>
-            <p:txBody>
-              <a:bodyPr wrap="none" rtlCol="0">
-                <a:spAutoFit/>
-              </a:bodyPr>
-              <a:lstStyle/>
-              <a:p>
-                <a:pPr/>
-                <a14:m>
-                  <m:oMathPara xmlns:m="http://schemas.openxmlformats.org/officeDocument/2006/math">
-                    <m:oMathParaPr>
-                      <m:jc m:val="centerGroup"/>
-                    </m:oMathParaPr>
-                    <m:oMath xmlns:m="http://schemas.openxmlformats.org/officeDocument/2006/math">
-                      <m:sSup>
-                        <m:sSupPr>
-                          <m:ctrlPr>
-                            <a:rPr lang="en-US" i="1" smtClean="0">
-                              <a:solidFill>
-                                <a:schemeClr val="bg1"/>
-                              </a:solidFill>
-                              <a:latin typeface="Cambria Math" panose="02040503050406030204" pitchFamily="18" charset="0"/>
-                            </a:rPr>
-                          </m:ctrlPr>
-                        </m:sSupPr>
-                        <m:e>
-                          <m:r>
-                            <m:rPr>
-                              <m:nor/>
-                            </m:rPr>
-                            <a:rPr lang="el-GR" b="1" dirty="0">
-                              <a:solidFill>
-                                <a:schemeClr val="bg1"/>
-                              </a:solidFill>
-                            </a:rPr>
-                            <m:t>θ</m:t>
-                          </m:r>
-                          <m:r>
-                            <m:rPr>
-                              <m:nor/>
-                            </m:rPr>
-                            <a:rPr lang="en-US" dirty="0">
-                              <a:solidFill>
-                                <a:schemeClr val="bg1"/>
-                              </a:solidFill>
-                            </a:rPr>
-                            <m:t> </m:t>
-                          </m:r>
-                        </m:e>
-                        <m:sup>
-                          <m:r>
-                            <a:rPr lang="en-US" i="1" smtClean="0">
-                              <a:solidFill>
-                                <a:schemeClr val="bg1"/>
-                              </a:solidFill>
-                              <a:latin typeface="Cambria Math" panose="02040503050406030204" pitchFamily="18" charset="0"/>
-                            </a:rPr>
-                            <m:t>ˊ</m:t>
-                          </m:r>
-                        </m:sup>
-                      </m:sSup>
-                    </m:oMath>
-                  </m:oMathPara>
-                </a14:m>
-                <a:endParaRPr lang="en-US" dirty="0">
-                  <a:solidFill>
-                    <a:schemeClr val="bg1"/>
-                  </a:solidFill>
-                </a:endParaRPr>
-              </a:p>
-            </p:txBody>
-          </p:sp>
-        </mc:Choice>
-        <mc:Fallback xmlns="">
-          <p:sp>
-            <p:nvSpPr>
-              <p:cNvPr id="24" name="TextBox 23"/>
-              <p:cNvSpPr txBox="1">
-                <a:spLocks noRot="1" noChangeAspect="1" noMove="1" noResize="1" noEditPoints="1" noAdjustHandles="1" noChangeArrowheads="1" noChangeShapeType="1" noTextEdit="1"/>
-              </p:cNvSpPr>
-              <p:nvPr/>
-            </p:nvSpPr>
-            <p:spPr>
-              <a:xfrm>
-                <a:off x="9130958" y="3457516"/>
-                <a:ext cx="469936" cy="401072"/>
-              </a:xfrm>
-              <a:prstGeom prst="rect">
-                <a:avLst/>
-              </a:prstGeom>
-              <a:blipFill rotWithShape="0">
-                <a:blip r:embed="rId5"/>
-                <a:stretch>
-                  <a:fillRect/>
-                </a:stretch>
-              </a:blipFill>
-            </p:spPr>
-            <p:txBody>
-              <a:bodyPr/>
-              <a:lstStyle/>
-              <a:p>
-                <a:r>
-                  <a:rPr lang="en-US">
-                    <a:noFill/>
-                  </a:rPr>
-                  <a:t> </a:t>
-                </a:r>
-              </a:p>
-            </p:txBody>
-          </p:sp>
-        </mc:Fallback>
-      </mc:AlternateContent>
-      <mc:AlternateContent xmlns:mc="http://schemas.openxmlformats.org/markup-compatibility/2006" xmlns:a14="http://schemas.microsoft.com/office/drawing/2010/main">
-        <mc:Choice Requires="a14">
-          <p:sp>
-            <p:nvSpPr>
-              <p:cNvPr id="25" name="Rectangle 24"/>
-              <p:cNvSpPr/>
-              <p:nvPr/>
-            </p:nvSpPr>
-            <p:spPr>
-              <a:xfrm>
-                <a:off x="8081471" y="3898540"/>
-                <a:ext cx="2098973" cy="373757"/>
-              </a:xfrm>
-              <a:prstGeom prst="rect">
-                <a:avLst/>
-              </a:prstGeom>
-            </p:spPr>
-            <p:txBody>
-              <a:bodyPr wrap="none">
-                <a:spAutoFit/>
-              </a:bodyPr>
-              <a:lstStyle/>
-              <a:p>
-                <a:pPr>
-                  <a:lnSpc>
-                    <a:spcPct val="107000"/>
-                  </a:lnSpc>
-                  <a:spcAft>
-                    <a:spcPts val="800"/>
-                  </a:spcAft>
-                </a:pPr>
-                <a14:m>
-                  <m:oMath xmlns:m="http://schemas.openxmlformats.org/officeDocument/2006/math">
-                    <m:sSub>
-                      <m:sSubPr>
-                        <m:ctrlPr>
-                          <a:rPr lang="en-US" b="1" i="1" smtClean="0">
-                            <a:solidFill>
-                              <a:schemeClr val="bg1"/>
-                            </a:solidFill>
-                            <a:latin typeface="Cambria Math" panose="02040503050406030204" pitchFamily="18" charset="0"/>
-                            <a:ea typeface="Calibri" panose="020F0502020204030204" pitchFamily="34" charset="0"/>
-                            <a:cs typeface="Times New Roman" panose="02020603050405020304" pitchFamily="18" charset="0"/>
-                          </a:rPr>
-                        </m:ctrlPr>
-                      </m:sSubPr>
-                      <m:e>
-                        <m:r>
-                          <a:rPr lang="en-US" b="1" i="1">
-                            <a:solidFill>
-                              <a:schemeClr val="bg1"/>
-                            </a:solidFill>
-                            <a:effectLst/>
-                            <a:latin typeface="Cambria Math" panose="02040503050406030204" pitchFamily="18" charset="0"/>
-                            <a:ea typeface="Calibri" panose="020F0502020204030204" pitchFamily="34" charset="0"/>
-                            <a:cs typeface="Times New Roman" panose="02020603050405020304" pitchFamily="18" charset="0"/>
-                          </a:rPr>
-                          <m:t>𝒙</m:t>
-                        </m:r>
-                      </m:e>
-                      <m:sub>
-                        <m:r>
-                          <a:rPr lang="en-US" b="1" i="1">
-                            <a:solidFill>
-                              <a:schemeClr val="bg1"/>
-                            </a:solidFill>
-                            <a:effectLst/>
-                            <a:latin typeface="Cambria Math" panose="02040503050406030204" pitchFamily="18" charset="0"/>
-                            <a:ea typeface="Calibri" panose="020F0502020204030204" pitchFamily="34" charset="0"/>
-                            <a:cs typeface="Times New Roman" panose="02020603050405020304" pitchFamily="18" charset="0"/>
-                          </a:rPr>
-                          <m:t>𝒊</m:t>
-                        </m:r>
-                      </m:sub>
-                    </m:sSub>
-                  </m:oMath>
-                </a14:m>
-                <a:r>
-                  <a:rPr lang="en-US" b="1" dirty="0" err="1">
-                    <a:solidFill>
-                      <a:schemeClr val="bg1"/>
-                    </a:solidFill>
-                    <a:effectLst/>
-                    <a:latin typeface="Calibri" panose="020F0502020204030204" pitchFamily="34" charset="0"/>
-                    <a:ea typeface="Times New Roman" panose="02020603050405020304" pitchFamily="18" charset="0"/>
-                    <a:cs typeface="Times New Roman" panose="02020603050405020304" pitchFamily="18" charset="0"/>
-                  </a:rPr>
-                  <a:t>cos</a:t>
-                </a:r>
-                <a:r>
-                  <a:rPr lang="en-US" b="1" dirty="0" err="1">
-                    <a:solidFill>
-                      <a:schemeClr val="bg1"/>
-                    </a:solidFill>
-                    <a:effectLst/>
-                    <a:latin typeface="Arial" panose="020B0604020202020204" pitchFamily="34" charset="0"/>
-                    <a:ea typeface="Calibri" panose="020F0502020204030204" pitchFamily="34" charset="0"/>
-                    <a:cs typeface="Times New Roman" panose="02020603050405020304" pitchFamily="18" charset="0"/>
-                  </a:rPr>
-                  <a:t>θ</a:t>
-                </a:r>
-                <a:r>
-                  <a:rPr lang="en-US" b="1" dirty="0">
-                    <a:solidFill>
-                      <a:schemeClr val="bg1"/>
-                    </a:solidFill>
-                    <a:effectLst/>
-                    <a:latin typeface="Arial" panose="020B0604020202020204" pitchFamily="34" charset="0"/>
-                    <a:ea typeface="Calibri" panose="020F0502020204030204" pitchFamily="34" charset="0"/>
-                    <a:cs typeface="Times New Roman" panose="02020603050405020304" pitchFamily="18" charset="0"/>
-                  </a:rPr>
-                  <a:t> + </a:t>
-                </a:r>
-                <a14:m>
-                  <m:oMath xmlns:m="http://schemas.openxmlformats.org/officeDocument/2006/math">
-                    <m:sSub>
-                      <m:sSubPr>
-                        <m:ctrlPr>
-                          <a:rPr lang="en-US" b="1" i="1">
-                            <a:solidFill>
-                              <a:schemeClr val="bg1"/>
-                            </a:solidFill>
-                            <a:effectLst/>
-                            <a:latin typeface="Cambria Math" panose="02040503050406030204" pitchFamily="18" charset="0"/>
-                            <a:ea typeface="Calibri" panose="020F0502020204030204" pitchFamily="34" charset="0"/>
-                            <a:cs typeface="Times New Roman" panose="02020603050405020304" pitchFamily="18" charset="0"/>
-                          </a:rPr>
-                        </m:ctrlPr>
-                      </m:sSubPr>
-                      <m:e>
-                        <m:r>
-                          <a:rPr lang="en-US" b="1" i="1">
-                            <a:solidFill>
-                              <a:schemeClr val="bg1"/>
-                            </a:solidFill>
-                            <a:effectLst/>
-                            <a:latin typeface="Cambria Math" panose="02040503050406030204" pitchFamily="18" charset="0"/>
-                            <a:ea typeface="Calibri" panose="020F0502020204030204" pitchFamily="34" charset="0"/>
-                            <a:cs typeface="Times New Roman" panose="02020603050405020304" pitchFamily="18" charset="0"/>
-                          </a:rPr>
-                          <m:t>𝒚</m:t>
-                        </m:r>
-                      </m:e>
-                      <m:sub>
-                        <m:r>
-                          <a:rPr lang="en-US" b="1" i="1">
-                            <a:solidFill>
-                              <a:schemeClr val="bg1"/>
-                            </a:solidFill>
-                            <a:effectLst/>
-                            <a:latin typeface="Cambria Math" panose="02040503050406030204" pitchFamily="18" charset="0"/>
-                            <a:ea typeface="Calibri" panose="020F0502020204030204" pitchFamily="34" charset="0"/>
-                            <a:cs typeface="Times New Roman" panose="02020603050405020304" pitchFamily="18" charset="0"/>
-                          </a:rPr>
-                          <m:t>𝒊</m:t>
-                        </m:r>
-                      </m:sub>
-                    </m:sSub>
-                  </m:oMath>
-                </a14:m>
-                <a:r>
-                  <a:rPr lang="en-US" b="1" dirty="0" err="1">
-                    <a:solidFill>
-                      <a:schemeClr val="bg1"/>
-                    </a:solidFill>
-                    <a:effectLst/>
-                    <a:latin typeface="Calibri" panose="020F0502020204030204" pitchFamily="34" charset="0"/>
-                    <a:ea typeface="Times New Roman" panose="02020603050405020304" pitchFamily="18" charset="0"/>
-                    <a:cs typeface="Times New Roman" panose="02020603050405020304" pitchFamily="18" charset="0"/>
-                  </a:rPr>
-                  <a:t>sin</a:t>
-                </a:r>
-                <a:r>
-                  <a:rPr lang="en-US" b="1" dirty="0" err="1">
-                    <a:solidFill>
-                      <a:schemeClr val="bg1"/>
-                    </a:solidFill>
-                    <a:effectLst/>
-                    <a:latin typeface="Arial" panose="020B0604020202020204" pitchFamily="34" charset="0"/>
-                    <a:ea typeface="Calibri" panose="020F0502020204030204" pitchFamily="34" charset="0"/>
-                    <a:cs typeface="Times New Roman" panose="02020603050405020304" pitchFamily="18" charset="0"/>
-                  </a:rPr>
-                  <a:t>θ</a:t>
-                </a:r>
-                <a:r>
-                  <a:rPr lang="en-US" b="1" dirty="0">
-                    <a:solidFill>
-                      <a:schemeClr val="bg1"/>
-                    </a:solidFill>
-                    <a:effectLst/>
-                    <a:latin typeface="Arial" panose="020B0604020202020204" pitchFamily="34" charset="0"/>
-                    <a:ea typeface="Calibri" panose="020F0502020204030204" pitchFamily="34" charset="0"/>
-                    <a:cs typeface="Times New Roman" panose="02020603050405020304" pitchFamily="18" charset="0"/>
-                  </a:rPr>
-                  <a:t> = </a:t>
-                </a:r>
-                <a:r>
-                  <a:rPr lang="en-US" b="1" dirty="0">
-                    <a:solidFill>
-                      <a:schemeClr val="bg1"/>
-                    </a:solidFill>
-                    <a:latin typeface="Arial" panose="020B0604020202020204" pitchFamily="34" charset="0"/>
-                    <a:ea typeface="Calibri" panose="020F0502020204030204" pitchFamily="34" charset="0"/>
-                    <a:cs typeface="Times New Roman" panose="02020603050405020304" pitchFamily="18" charset="0"/>
-                  </a:rPr>
-                  <a:t>ρ</a:t>
-                </a:r>
-                <a:endParaRPr lang="en-US" sz="1600" dirty="0">
-                  <a:solidFill>
-                    <a:schemeClr val="bg1"/>
-                  </a:solidFill>
-                  <a:latin typeface="Calibri" panose="020F0502020204030204" pitchFamily="34" charset="0"/>
-                  <a:ea typeface="Calibri" panose="020F0502020204030204" pitchFamily="34" charset="0"/>
-                  <a:cs typeface="Times New Roman" panose="02020603050405020304" pitchFamily="18" charset="0"/>
-                </a:endParaRPr>
-              </a:p>
-            </p:txBody>
-          </p:sp>
-        </mc:Choice>
-        <mc:Fallback xmlns="">
-          <p:sp>
-            <p:nvSpPr>
-              <p:cNvPr id="25" name="Rectangle 24"/>
-              <p:cNvSpPr>
-                <a:spLocks noRot="1" noChangeAspect="1" noMove="1" noResize="1" noEditPoints="1" noAdjustHandles="1" noChangeArrowheads="1" noChangeShapeType="1" noTextEdit="1"/>
-              </p:cNvSpPr>
-              <p:nvPr/>
-            </p:nvSpPr>
-            <p:spPr>
-              <a:xfrm>
-                <a:off x="8081471" y="3898540"/>
-                <a:ext cx="2098973" cy="373757"/>
-              </a:xfrm>
-              <a:prstGeom prst="rect">
-                <a:avLst/>
-              </a:prstGeom>
-              <a:blipFill rotWithShape="0">
-                <a:blip r:embed="rId6"/>
-                <a:stretch>
-                  <a:fillRect t="-9836" r="-1453" b="-26230"/>
-                </a:stretch>
-              </a:blipFill>
-            </p:spPr>
-            <p:txBody>
-              <a:bodyPr/>
-              <a:lstStyle/>
-              <a:p>
-                <a:r>
-                  <a:rPr lang="en-US">
-                    <a:noFill/>
-                  </a:rPr>
-                  <a:t> </a:t>
-                </a:r>
-              </a:p>
-            </p:txBody>
-          </p:sp>
-        </mc:Fallback>
-      </mc:AlternateContent>
-      <p:cxnSp>
-        <p:nvCxnSpPr>
-          <p:cNvPr id="27" name="Straight Arrow Connector 26"/>
-          <p:cNvCxnSpPr/>
-          <p:nvPr/>
-        </p:nvCxnSpPr>
-        <p:spPr>
-          <a:xfrm flipH="1">
-            <a:off x="7720445" y="4267554"/>
-            <a:ext cx="374073" cy="243566"/>
-          </a:xfrm>
-          <a:prstGeom prst="straightConnector1">
-            <a:avLst/>
-          </a:prstGeom>
-          <a:ln>
-            <a:solidFill>
-              <a:schemeClr val="bg1"/>
-            </a:solidFill>
-            <a:tailEnd type="triangle"/>
-          </a:ln>
-        </p:spPr>
-        <p:style>
-          <a:lnRef idx="1">
-            <a:schemeClr val="accent1"/>
-          </a:lnRef>
-          <a:fillRef idx="0">
-            <a:schemeClr val="accent1"/>
-          </a:fillRef>
-          <a:effectRef idx="0">
-            <a:schemeClr val="accent1"/>
-          </a:effectRef>
-          <a:fontRef idx="minor">
-            <a:schemeClr val="tx1"/>
-          </a:fontRef>
-        </p:style>
-      </p:cxnSp>
-      <mc:AlternateContent xmlns:mc="http://schemas.openxmlformats.org/markup-compatibility/2006" xmlns:a14="http://schemas.microsoft.com/office/drawing/2010/main">
-        <mc:Choice Requires="a14">
-          <p:sp>
-            <p:nvSpPr>
-              <p:cNvPr id="28" name="Rectangle 27"/>
-              <p:cNvSpPr/>
-              <p:nvPr/>
-            </p:nvSpPr>
-            <p:spPr>
-              <a:xfrm>
-                <a:off x="6303508" y="5464648"/>
-                <a:ext cx="2105385" cy="416845"/>
-              </a:xfrm>
-              <a:prstGeom prst="rect">
-                <a:avLst/>
-              </a:prstGeom>
-              <a:ln>
-                <a:noFill/>
-              </a:ln>
-            </p:spPr>
-            <p:txBody>
-              <a:bodyPr wrap="none">
-                <a:spAutoFit/>
-              </a:bodyPr>
-              <a:lstStyle/>
-              <a:p>
-                <a:pPr>
-                  <a:lnSpc>
-                    <a:spcPct val="107000"/>
-                  </a:lnSpc>
-                  <a:spcAft>
-                    <a:spcPts val="800"/>
-                  </a:spcAft>
-                </a:pPr>
-                <a14:m>
-                  <m:oMath xmlns:m="http://schemas.openxmlformats.org/officeDocument/2006/math">
-                    <m:sSub>
-                      <m:sSubPr>
-                        <m:ctrlPr>
-                          <a:rPr lang="en-US" b="1" i="1" smtClean="0">
-                            <a:solidFill>
-                              <a:schemeClr val="bg1"/>
-                            </a:solidFill>
-                            <a:latin typeface="Cambria Math" panose="02040503050406030204" pitchFamily="18" charset="0"/>
-                            <a:ea typeface="Calibri" panose="020F0502020204030204" pitchFamily="34" charset="0"/>
-                            <a:cs typeface="Times New Roman" panose="02020603050405020304" pitchFamily="18" charset="0"/>
-                          </a:rPr>
-                        </m:ctrlPr>
-                      </m:sSubPr>
-                      <m:e>
-                        <m:r>
-                          <a:rPr lang="en-US" b="1" i="1">
-                            <a:solidFill>
-                              <a:schemeClr val="bg1"/>
-                            </a:solidFill>
-                            <a:effectLst/>
-                            <a:latin typeface="Cambria Math" panose="02040503050406030204" pitchFamily="18" charset="0"/>
-                            <a:ea typeface="Calibri" panose="020F0502020204030204" pitchFamily="34" charset="0"/>
-                            <a:cs typeface="Times New Roman" panose="02020603050405020304" pitchFamily="18" charset="0"/>
-                          </a:rPr>
-                          <m:t>𝒙</m:t>
-                        </m:r>
-                      </m:e>
-                      <m:sub>
-                        <m:r>
-                          <a:rPr lang="en-US" b="1" i="1">
-                            <a:solidFill>
-                              <a:schemeClr val="bg1"/>
-                            </a:solidFill>
-                            <a:effectLst/>
-                            <a:latin typeface="Cambria Math" panose="02040503050406030204" pitchFamily="18" charset="0"/>
-                            <a:ea typeface="Calibri" panose="020F0502020204030204" pitchFamily="34" charset="0"/>
-                            <a:cs typeface="Times New Roman" panose="02020603050405020304" pitchFamily="18" charset="0"/>
-                          </a:rPr>
-                          <m:t>𝒋</m:t>
-                        </m:r>
-                      </m:sub>
-                    </m:sSub>
-                  </m:oMath>
-                </a14:m>
-                <a:r>
-                  <a:rPr lang="en-US" b="1" dirty="0" err="1">
-                    <a:solidFill>
-                      <a:schemeClr val="bg1"/>
-                    </a:solidFill>
-                    <a:effectLst/>
-                    <a:latin typeface="Calibri" panose="020F0502020204030204" pitchFamily="34" charset="0"/>
-                    <a:ea typeface="Times New Roman" panose="02020603050405020304" pitchFamily="18" charset="0"/>
-                    <a:cs typeface="Times New Roman" panose="02020603050405020304" pitchFamily="18" charset="0"/>
-                  </a:rPr>
-                  <a:t>cos</a:t>
-                </a:r>
-                <a:r>
-                  <a:rPr lang="en-US" b="1" dirty="0" err="1">
-                    <a:solidFill>
-                      <a:schemeClr val="bg1"/>
-                    </a:solidFill>
-                    <a:effectLst/>
-                    <a:latin typeface="Arial" panose="020B0604020202020204" pitchFamily="34" charset="0"/>
-                    <a:ea typeface="Calibri" panose="020F0502020204030204" pitchFamily="34" charset="0"/>
-                    <a:cs typeface="Times New Roman" panose="02020603050405020304" pitchFamily="18" charset="0"/>
-                  </a:rPr>
-                  <a:t>θ</a:t>
-                </a:r>
-                <a:r>
-                  <a:rPr lang="en-US" b="1" dirty="0">
-                    <a:solidFill>
-                      <a:schemeClr val="bg1"/>
-                    </a:solidFill>
-                    <a:effectLst/>
-                    <a:latin typeface="Arial" panose="020B0604020202020204" pitchFamily="34" charset="0"/>
-                    <a:ea typeface="Calibri" panose="020F0502020204030204" pitchFamily="34" charset="0"/>
-                    <a:cs typeface="Times New Roman" panose="02020603050405020304" pitchFamily="18" charset="0"/>
-                  </a:rPr>
-                  <a:t> + </a:t>
-                </a:r>
-                <a14:m>
-                  <m:oMath xmlns:m="http://schemas.openxmlformats.org/officeDocument/2006/math">
-                    <m:sSub>
-                      <m:sSubPr>
-                        <m:ctrlPr>
-                          <a:rPr lang="en-US" b="1" i="1">
-                            <a:solidFill>
-                              <a:schemeClr val="bg1"/>
-                            </a:solidFill>
-                            <a:effectLst/>
-                            <a:latin typeface="Cambria Math" panose="02040503050406030204" pitchFamily="18" charset="0"/>
-                            <a:ea typeface="Calibri" panose="020F0502020204030204" pitchFamily="34" charset="0"/>
-                            <a:cs typeface="Times New Roman" panose="02020603050405020304" pitchFamily="18" charset="0"/>
-                          </a:rPr>
-                        </m:ctrlPr>
-                      </m:sSubPr>
-                      <m:e>
-                        <m:r>
-                          <a:rPr lang="en-US" b="1" i="1">
-                            <a:solidFill>
-                              <a:schemeClr val="bg1"/>
-                            </a:solidFill>
-                            <a:effectLst/>
-                            <a:latin typeface="Cambria Math" panose="02040503050406030204" pitchFamily="18" charset="0"/>
-                            <a:ea typeface="Calibri" panose="020F0502020204030204" pitchFamily="34" charset="0"/>
-                            <a:cs typeface="Times New Roman" panose="02020603050405020304" pitchFamily="18" charset="0"/>
-                          </a:rPr>
-                          <m:t>𝒚</m:t>
-                        </m:r>
-                      </m:e>
-                      <m:sub>
-                        <m:r>
-                          <a:rPr lang="en-US" b="1" i="1">
-                            <a:solidFill>
-                              <a:schemeClr val="bg1"/>
-                            </a:solidFill>
-                            <a:effectLst/>
-                            <a:latin typeface="Cambria Math" panose="02040503050406030204" pitchFamily="18" charset="0"/>
-                            <a:ea typeface="Calibri" panose="020F0502020204030204" pitchFamily="34" charset="0"/>
-                            <a:cs typeface="Times New Roman" panose="02020603050405020304" pitchFamily="18" charset="0"/>
-                          </a:rPr>
-                          <m:t>𝒋</m:t>
-                        </m:r>
-                      </m:sub>
-                    </m:sSub>
-                  </m:oMath>
-                </a14:m>
-                <a:r>
-                  <a:rPr lang="en-US" b="1" dirty="0" err="1">
-                    <a:solidFill>
-                      <a:schemeClr val="bg1"/>
-                    </a:solidFill>
-                    <a:effectLst/>
-                    <a:latin typeface="Calibri" panose="020F0502020204030204" pitchFamily="34" charset="0"/>
-                    <a:ea typeface="Times New Roman" panose="02020603050405020304" pitchFamily="18" charset="0"/>
-                    <a:cs typeface="Times New Roman" panose="02020603050405020304" pitchFamily="18" charset="0"/>
-                  </a:rPr>
-                  <a:t>sin</a:t>
-                </a:r>
-                <a:r>
-                  <a:rPr lang="en-US" b="1" dirty="0" err="1">
-                    <a:solidFill>
-                      <a:schemeClr val="bg1"/>
-                    </a:solidFill>
-                    <a:effectLst/>
-                    <a:latin typeface="Arial" panose="020B0604020202020204" pitchFamily="34" charset="0"/>
-                    <a:ea typeface="Calibri" panose="020F0502020204030204" pitchFamily="34" charset="0"/>
-                    <a:cs typeface="Times New Roman" panose="02020603050405020304" pitchFamily="18" charset="0"/>
-                  </a:rPr>
-                  <a:t>θ</a:t>
-                </a:r>
-                <a:r>
-                  <a:rPr lang="en-US" b="1" dirty="0">
-                    <a:solidFill>
-                      <a:schemeClr val="bg1"/>
-                    </a:solidFill>
-                    <a:effectLst/>
-                    <a:latin typeface="Arial" panose="020B0604020202020204" pitchFamily="34" charset="0"/>
-                    <a:ea typeface="Calibri" panose="020F0502020204030204" pitchFamily="34" charset="0"/>
-                    <a:cs typeface="Times New Roman" panose="02020603050405020304" pitchFamily="18" charset="0"/>
-                  </a:rPr>
-                  <a:t> = ρ</a:t>
-                </a:r>
-                <a:endParaRPr lang="en-US" sz="1600" dirty="0">
-                  <a:solidFill>
-                    <a:schemeClr val="bg1"/>
-                  </a:solidFill>
-                  <a:effectLst/>
-                  <a:latin typeface="Calibri" panose="020F0502020204030204" pitchFamily="34" charset="0"/>
-                  <a:ea typeface="Calibri" panose="020F0502020204030204" pitchFamily="34" charset="0"/>
-                  <a:cs typeface="Times New Roman" panose="02020603050405020304" pitchFamily="18" charset="0"/>
-                </a:endParaRPr>
-              </a:p>
-            </p:txBody>
-          </p:sp>
-        </mc:Choice>
-        <mc:Fallback xmlns="">
-          <p:sp>
-            <p:nvSpPr>
-              <p:cNvPr id="28" name="Rectangle 27"/>
-              <p:cNvSpPr>
-                <a:spLocks noRot="1" noChangeAspect="1" noMove="1" noResize="1" noEditPoints="1" noAdjustHandles="1" noChangeArrowheads="1" noChangeShapeType="1" noTextEdit="1"/>
-              </p:cNvSpPr>
-              <p:nvPr/>
-            </p:nvSpPr>
-            <p:spPr>
-              <a:xfrm>
-                <a:off x="6303508" y="5464648"/>
-                <a:ext cx="2105385" cy="416845"/>
-              </a:xfrm>
-              <a:prstGeom prst="rect">
-                <a:avLst/>
-              </a:prstGeom>
-              <a:blipFill rotWithShape="0">
-                <a:blip r:embed="rId7"/>
-                <a:stretch>
-                  <a:fillRect t="-2899" r="-2029" b="-15942"/>
-                </a:stretch>
-              </a:blipFill>
-              <a:ln>
-                <a:noFill/>
-              </a:ln>
-            </p:spPr>
-            <p:txBody>
-              <a:bodyPr/>
-              <a:lstStyle/>
-              <a:p>
-                <a:r>
-                  <a:rPr lang="en-US">
-                    <a:noFill/>
-                  </a:rPr>
-                  <a:t> </a:t>
-                </a:r>
-              </a:p>
-            </p:txBody>
-          </p:sp>
-        </mc:Fallback>
-      </mc:AlternateContent>
-      <p:cxnSp>
-        <p:nvCxnSpPr>
-          <p:cNvPr id="30" name="Straight Arrow Connector 29"/>
-          <p:cNvCxnSpPr/>
-          <p:nvPr/>
-        </p:nvCxnSpPr>
-        <p:spPr>
-          <a:xfrm flipV="1">
-            <a:off x="7356200" y="5101936"/>
-            <a:ext cx="260336" cy="362712"/>
-          </a:xfrm>
-          <a:prstGeom prst="straightConnector1">
-            <a:avLst/>
-          </a:prstGeom>
-          <a:ln>
-            <a:solidFill>
-              <a:schemeClr val="bg1"/>
-            </a:solidFill>
-            <a:tailEnd type="triangle"/>
-          </a:ln>
-        </p:spPr>
-        <p:style>
-          <a:lnRef idx="1">
-            <a:schemeClr val="accent1"/>
-          </a:lnRef>
-          <a:fillRef idx="0">
-            <a:schemeClr val="accent1"/>
-          </a:fillRef>
-          <a:effectRef idx="0">
-            <a:schemeClr val="accent1"/>
-          </a:effectRef>
-          <a:fontRef idx="minor">
-            <a:schemeClr val="tx1"/>
-          </a:fontRef>
-        </p:style>
-      </p:cxnSp>
-      <p:sp>
-        <p:nvSpPr>
-          <p:cNvPr id="31" name="Rectangle 30"/>
-          <p:cNvSpPr/>
-          <p:nvPr/>
-        </p:nvSpPr>
-        <p:spPr>
-          <a:xfrm>
-            <a:off x="6492555" y="6206350"/>
-            <a:ext cx="391454" cy="388696"/>
-          </a:xfrm>
-          <a:prstGeom prst="rect">
-            <a:avLst/>
-          </a:prstGeom>
-        </p:spPr>
-        <p:txBody>
-          <a:bodyPr wrap="none">
-            <a:spAutoFit/>
-          </a:bodyPr>
-          <a:lstStyle/>
-          <a:p>
-            <a:pPr>
-              <a:lnSpc>
-                <a:spcPct val="107000"/>
-              </a:lnSpc>
-              <a:spcAft>
-                <a:spcPts val="800"/>
-              </a:spcAft>
-            </a:pPr>
-            <a:r>
-              <a:rPr lang="en-US" b="1" dirty="0">
-                <a:solidFill>
-                  <a:schemeClr val="bg1"/>
-                </a:solidFill>
-                <a:latin typeface="Arial" panose="020B0604020202020204" pitchFamily="34" charset="0"/>
-                <a:ea typeface="Calibri" panose="020F0502020204030204" pitchFamily="34" charset="0"/>
-                <a:cs typeface="Times New Roman" panose="02020603050405020304" pitchFamily="18" charset="0"/>
-              </a:rPr>
-              <a:t> ρ</a:t>
-            </a:r>
-            <a:endParaRPr lang="en-US" sz="1600" dirty="0">
-              <a:solidFill>
-                <a:schemeClr val="bg1"/>
-              </a:solidFill>
-              <a:latin typeface="Calibri" panose="020F0502020204030204" pitchFamily="34" charset="0"/>
-              <a:ea typeface="Calibri" panose="020F0502020204030204" pitchFamily="34" charset="0"/>
-              <a:cs typeface="Times New Roman" panose="02020603050405020304" pitchFamily="18" charset="0"/>
-            </a:endParaRPr>
-          </a:p>
-        </p:txBody>
-      </p:sp>
-      <mc:AlternateContent xmlns:mc="http://schemas.openxmlformats.org/markup-compatibility/2006" xmlns:a14="http://schemas.microsoft.com/office/drawing/2010/main">
-        <mc:Choice Requires="a14">
-          <p:sp>
-            <p:nvSpPr>
-              <p:cNvPr id="32" name="TextBox 31"/>
-              <p:cNvSpPr txBox="1"/>
-              <p:nvPr/>
-            </p:nvSpPr>
-            <p:spPr>
-              <a:xfrm>
-                <a:off x="6253612" y="5825182"/>
-                <a:ext cx="434670" cy="379656"/>
-              </a:xfrm>
-              <a:prstGeom prst="rect">
-                <a:avLst/>
-              </a:prstGeom>
-              <a:noFill/>
-            </p:spPr>
-            <p:txBody>
-              <a:bodyPr wrap="none" rtlCol="0">
-                <a:spAutoFit/>
-              </a:bodyPr>
-              <a:lstStyle/>
-              <a:p>
-                <a:pPr/>
-                <a14:m>
-                  <m:oMathPara xmlns:m="http://schemas.openxmlformats.org/officeDocument/2006/math">
-                    <m:oMathParaPr>
-                      <m:jc m:val="centerGroup"/>
-                    </m:oMathParaPr>
-                    <m:oMath xmlns:m="http://schemas.openxmlformats.org/officeDocument/2006/math">
-                      <m:sSup>
-                        <m:sSupPr>
-                          <m:ctrlPr>
-                            <a:rPr lang="en-US" i="1" smtClean="0">
-                              <a:solidFill>
-                                <a:schemeClr val="bg1"/>
-                              </a:solidFill>
-                              <a:latin typeface="Cambria Math" panose="02040503050406030204" pitchFamily="18" charset="0"/>
-                            </a:rPr>
-                          </m:ctrlPr>
-                        </m:sSupPr>
-                        <m:e>
-                          <m:r>
-                            <m:rPr>
-                              <m:nor/>
-                            </m:rPr>
-                            <a:rPr lang="en-US" b="1" dirty="0">
-                              <a:solidFill>
-                                <a:schemeClr val="bg1"/>
-                              </a:solidFill>
-                              <a:latin typeface="Arial" panose="020B0604020202020204" pitchFamily="34" charset="0"/>
-                              <a:ea typeface="Calibri" panose="020F0502020204030204" pitchFamily="34" charset="0"/>
-                              <a:cs typeface="Times New Roman" panose="02020603050405020304" pitchFamily="18" charset="0"/>
-                            </a:rPr>
-                            <m:t>ρ</m:t>
-                          </m:r>
-                        </m:e>
-                        <m:sup>
-                          <m:r>
-                            <a:rPr lang="en-US" i="1" smtClean="0">
-                              <a:solidFill>
-                                <a:schemeClr val="bg1"/>
-                              </a:solidFill>
-                              <a:latin typeface="Cambria Math" panose="02040503050406030204" pitchFamily="18" charset="0"/>
-                            </a:rPr>
-                            <m:t>ˊ</m:t>
-                          </m:r>
-                        </m:sup>
-                      </m:sSup>
-                    </m:oMath>
-                  </m:oMathPara>
-                </a14:m>
-                <a:endParaRPr lang="en-US" dirty="0">
-                  <a:solidFill>
-                    <a:schemeClr val="bg1"/>
-                  </a:solidFill>
-                </a:endParaRPr>
-              </a:p>
-            </p:txBody>
-          </p:sp>
-        </mc:Choice>
-        <mc:Fallback xmlns="">
-          <p:sp>
-            <p:nvSpPr>
-              <p:cNvPr id="32" name="TextBox 31"/>
-              <p:cNvSpPr txBox="1">
-                <a:spLocks noRot="1" noChangeAspect="1" noMove="1" noResize="1" noEditPoints="1" noAdjustHandles="1" noChangeArrowheads="1" noChangeShapeType="1" noTextEdit="1"/>
-              </p:cNvSpPr>
-              <p:nvPr/>
-            </p:nvSpPr>
-            <p:spPr>
-              <a:xfrm>
-                <a:off x="6253612" y="5825182"/>
-                <a:ext cx="434670" cy="379656"/>
-              </a:xfrm>
-              <a:prstGeom prst="rect">
-                <a:avLst/>
-              </a:prstGeom>
-              <a:blipFill rotWithShape="0">
-                <a:blip r:embed="rId8"/>
-                <a:stretch>
-                  <a:fillRect b="-8065"/>
-                </a:stretch>
-              </a:blipFill>
-            </p:spPr>
-            <p:txBody>
-              <a:bodyPr/>
-              <a:lstStyle/>
-              <a:p>
-                <a:r>
-                  <a:rPr lang="en-US">
-                    <a:noFill/>
-                  </a:rPr>
-                  <a:t> </a:t>
-                </a:r>
-              </a:p>
-            </p:txBody>
-          </p:sp>
-        </mc:Fallback>
-      </mc:AlternateContent>
-    </p:spTree>
-    <p:extLst>
-      <p:ext uri="{BB962C8B-B14F-4D97-AF65-F5344CB8AC3E}">
-        <p14:creationId xmlns:p14="http://schemas.microsoft.com/office/powerpoint/2010/main" val="4100515973"/>
       </p:ext>
     </p:extLst>
   </p:cSld>
@@ -29062,9 +21182,9 @@
                             </p:stCondLst>
                             <p:childTnLst>
                               <p:par>
-                                <p:cTn id="8" presetID="1" presetClass="entr" presetSubtype="0" fill="hold" nodeType="afterEffect">
+                                <p:cTn id="8" presetID="42" presetClass="entr" presetSubtype="0" fill="hold" nodeType="afterEffect">
                                   <p:stCondLst>
-                                    <p:cond delay="0"/>
+                                    <p:cond delay="12000"/>
                                   </p:stCondLst>
                                   <p:childTnLst>
                                     <p:set>
@@ -29085,6 +21205,60 @@
                                         <p:strVal val="visible"/>
                                       </p:to>
                                     </p:set>
+                                    <p:animEffect transition="in" filter="fade">
+                                      <p:cBhvr>
+                                        <p:cTn id="10" dur="1000"/>
+                                        <p:tgtEl>
+                                          <p:spTgt spid="7"/>
+                                        </p:tgtEl>
+                                      </p:cBhvr>
+                                    </p:animEffect>
+                                    <p:anim calcmode="lin" valueType="num">
+                                      <p:cBhvr>
+                                        <p:cTn id="11" dur="1000" fill="hold"/>
+                                        <p:tgtEl>
+                                          <p:spTgt spid="7"/>
+                                        </p:tgtEl>
+                                        <p:attrNameLst>
+                                          <p:attrName>ppt_x</p:attrName>
+                                        </p:attrNameLst>
+                                      </p:cBhvr>
+                                      <p:tavLst>
+                                        <p:tav tm="0">
+                                          <p:val>
+                                            <p:strVal val="#ppt_x"/>
+                                          </p:val>
+                                        </p:tav>
+                                        <p:tav tm="100000">
+                                          <p:val>
+                                            <p:strVal val="#ppt_x"/>
+                                          </p:val>
+                                        </p:tav>
+                                      </p:tavLst>
+                                    </p:anim>
+                                    <p:anim calcmode="lin" valueType="num">
+                                      <p:cBhvr>
+                                        <p:cTn id="12" dur="1000" fill="hold"/>
+                                        <p:tgtEl>
+                                          <p:spTgt spid="7"/>
+                                        </p:tgtEl>
+                                        <p:attrNameLst>
+                                          <p:attrName>ppt_y</p:attrName>
+                                        </p:attrNameLst>
+                                      </p:cBhvr>
+                                      <p:tavLst>
+                                        <p:tav tm="0">
+                                          <p:val>
+                                            <p:strVal val="#ppt_y+.1"/>
+                                          </p:val>
+                                        </p:tav>
+                                        <p:tav tm="100000">
+                                          <p:val>
+                                            <p:strVal val="#ppt_y"/>
+                                          </p:val>
+                                        </p:tav>
+                                      </p:tavLst>
+                                    </p:anim>
                                   </p:childTnLst>
                                 </p:cTn>
                               </p:par>
@@ -29092,20 +21266,20 @@
                           </p:cTn>
                         </p:par>
                         <p:par>
-                          <p:cTn id="10" fill="hold">
+                          <p:cTn id="13" fill="hold">
                             <p:stCondLst>
-                              <p:cond delay="0"/>
+                              <p:cond delay="13000"/>
                             </p:stCondLst>
                             <p:childTnLst>
                               <p:par>
-                                <p:cTn id="11" presetID="2" presetClass="entr" presetSubtype="2" fill="hold" nodeType="afterEffect">
+                                <p:cTn id="14" presetID="2" presetClass="entr" presetSubtype="2" fill="hold" nodeType="afterEffect">
                                   <p:stCondLst>
-                                    <p:cond delay="2000"/>
+                                    <p:cond delay="41000"/>
                                   </p:stCondLst>
                                   <p:childTnLst>
                                     <p:set>
                                       <p:cBhvr>
-                                        <p:cTn id="12" dur="1" fill="hold">
+                                        <p:cTn id="15" dur="1" fill="hold">
                                           <p:stCondLst>
                                             <p:cond delay="0"/>
                                           </p:stCondLst>
@@ -29123,7 +21297,7 @@
                                     </p:set>
                                     <p:anim calcmode="lin" valueType="num">
                                       <p:cBhvr additive="base">
-                                        <p:cTn id="13" dur="700" fill="hold"/>
+                                        <p:cTn id="16" dur="700" fill="hold"/>
                                         <p:tgtEl>
                                           <p:spTgt spid="8"/>
                                         </p:tgtEl>
@@ -29146,7 +21320,7 @@
                                     </p:anim>
                                     <p:anim calcmode="lin" valueType="num">
                                       <p:cBhvr additive="base">
-                                        <p:cTn id="14" dur="700" fill="hold"/>
+                                        <p:cTn id="17" dur="700" fill="hold"/>
                                         <p:tgtEl>
                                           <p:spTgt spid="8"/>
                                         </p:tgtEl>
@@ -29458,7 +21632,7 @@
                               <p:par>
                                 <p:cTn id="9" presetID="42" presetClass="entr" presetSubtype="0" fill="hold" nodeType="afterEffect">
                                   <p:stCondLst>
-                                    <p:cond delay="600"/>
+                                    <p:cond delay="5500"/>
                                   </p:stCondLst>
                                   <p:childTnLst>
                                     <p:set>
@@ -29542,13 +21716,13 @@
                         <p:par>
                           <p:cTn id="14" fill="hold">
                             <p:stCondLst>
-                              <p:cond delay="2100"/>
+                              <p:cond delay="7000"/>
                             </p:stCondLst>
                             <p:childTnLst>
                               <p:par>
                                 <p:cTn id="15" presetID="42" presetClass="entr" presetSubtype="0" fill="hold" nodeType="afterEffect">
                                   <p:stCondLst>
-                                    <p:cond delay="900"/>
+                                    <p:cond delay="200"/>
                                   </p:stCondLst>
                                   <p:childTnLst>
                                     <p:set>
@@ -29974,7 +22148,7 @@
                               <p:par>
                                 <p:cTn id="9" presetID="42" presetClass="entr" presetSubtype="0" fill="hold" nodeType="afterEffect">
                                   <p:stCondLst>
-                                    <p:cond delay="0"/>
+                                    <p:cond delay="3800"/>
                                   </p:stCondLst>
                                   <p:childTnLst>
                                     <p:set>
@@ -30058,7 +22232,7 @@
                         <p:par>
                           <p:cTn id="14" fill="hold">
                             <p:stCondLst>
-                              <p:cond delay="1500"/>
+                              <p:cond delay="5300"/>
                             </p:stCondLst>
                             <p:childTnLst>
                               <p:par>
@@ -30148,7 +22322,7 @@
                         <p:par>
                           <p:cTn id="20" fill="hold">
                             <p:stCondLst>
-                              <p:cond delay="2500"/>
+                              <p:cond delay="6300"/>
                             </p:stCondLst>
                             <p:childTnLst>
                               <p:par>
@@ -30238,7 +22412,7 @@
                         <p:par>
                           <p:cTn id="26" fill="hold">
                             <p:stCondLst>
-                              <p:cond delay="3500"/>
+                              <p:cond delay="7300"/>
                             </p:stCondLst>
                             <p:childTnLst>
                               <p:par>
@@ -30506,6 +22680,90 @@
           </a:p>
         </p:txBody>
       </p:sp>
+      <mc:AlternateContent xmlns:mc="http://schemas.openxmlformats.org/markup-compatibility/2006">
+        <mc:Choice xmlns:a14="http://schemas.microsoft.com/office/drawing/2010/main" Requires="a14">
+          <p:sp>
+            <p:nvSpPr>
+              <p:cNvPr id="5" name="TextBox 4"/>
+              <p:cNvSpPr txBox="1"/>
+              <p:nvPr/>
+            </p:nvSpPr>
+            <p:spPr>
+              <a:xfrm>
+                <a:off x="1815353" y="6051176"/>
+                <a:ext cx="1484702" cy="369332"/>
+              </a:xfrm>
+              <a:prstGeom prst="rect">
+                <a:avLst/>
+              </a:prstGeom>
+              <a:noFill/>
+            </p:spPr>
+            <p:txBody>
+              <a:bodyPr wrap="none" rtlCol="0">
+                <a:spAutoFit/>
+              </a:bodyPr>
+              <a:lstStyle/>
+              <a:p>
+                <a:r>
+                  <a:rPr lang="en-US" dirty="0" smtClean="0"/>
+                  <a:t>A –  (A  </a:t>
+                </a:r>
+                <a14:m>
+                  <m:oMath xmlns:m="http://schemas.openxmlformats.org/officeDocument/2006/math">
+                    <m:r>
+                      <a:rPr lang="en-US" i="1"/>
+                      <m:t>⊝</m:t>
+                    </m:r>
+                  </m:oMath>
+                </a14:m>
+                <a:r>
+                  <a:rPr lang="en-US" dirty="0" smtClean="0"/>
+                  <a:t>  B)</a:t>
+                </a:r>
+                <a:endParaRPr lang="en-US" dirty="0"/>
+              </a:p>
+            </p:txBody>
+          </p:sp>
+        </mc:Choice>
+        <mc:Fallback>
+          <p:sp>
+            <p:nvSpPr>
+              <p:cNvPr id="5" name="TextBox 4"/>
+              <p:cNvSpPr txBox="1">
+                <a:spLocks noRot="1" noChangeAspect="1" noMove="1" noResize="1" noEditPoints="1" noAdjustHandles="1" noChangeArrowheads="1" noChangeShapeType="1" noTextEdit="1"/>
+              </p:cNvSpPr>
+              <p:nvPr/>
+            </p:nvSpPr>
+            <p:spPr>
+              <a:xfrm>
+                <a:off x="1815353" y="6051176"/>
+                <a:ext cx="1484702" cy="369332"/>
+              </a:xfrm>
+              <a:prstGeom prst="rect">
+                <a:avLst/>
+              </a:prstGeom>
+              <a:blipFill rotWithShape="0">
+                <a:blip r:embed="rId5"/>
+                <a:stretch>
+                  <a:fillRect l="-3704" t="-10000" b="-26667"/>
+                </a:stretch>
+              </a:blipFill>
+            </p:spPr>
+            <p:txBody>
+              <a:bodyPr/>
+              <a:lstStyle/>
+              <a:p>
+                <a:r>
+                  <a:rPr lang="en-US">
+                    <a:noFill/>
+                  </a:rPr>
+                  <a:t> </a:t>
+                </a:r>
+              </a:p>
+            </p:txBody>
+          </p:sp>
+        </mc:Fallback>
+      </mc:AlternateContent>
     </p:spTree>
     <p:extLst>
       <p:ext uri="{BB962C8B-B14F-4D97-AF65-F5344CB8AC3E}">
@@ -30742,14 +23000,14 @@
                 <a:gridCol w="2616957">
                   <a:extLst>
                     <a:ext uri="{9D8B030D-6E8A-4147-A177-3AD203B41FA5}">
-                      <a16:colId xmlns:a16="http://schemas.microsoft.com/office/drawing/2014/main" xmlns="" val="3318161435"/>
+                      <a16:colId xmlns="" xmlns:a16="http://schemas.microsoft.com/office/drawing/2014/main" val="3318161435"/>
                     </a:ext>
                   </a:extLst>
                 </a:gridCol>
                 <a:gridCol w="2640843">
                   <a:extLst>
                     <a:ext uri="{9D8B030D-6E8A-4147-A177-3AD203B41FA5}">
-                      <a16:colId xmlns:a16="http://schemas.microsoft.com/office/drawing/2014/main" xmlns="" val="4127245324"/>
+                      <a16:colId xmlns="" xmlns:a16="http://schemas.microsoft.com/office/drawing/2014/main" val="4127245324"/>
                     </a:ext>
                   </a:extLst>
                 </a:gridCol>
@@ -30826,7 +23084,7 @@
                 </a:tc>
                 <a:extLst>
                   <a:ext uri="{0D108BD9-81ED-4DB2-BD59-A6C34878D82A}">
-                    <a16:rowId xmlns:a16="http://schemas.microsoft.com/office/drawing/2014/main" xmlns="" val="2750261522"/>
+                    <a16:rowId xmlns="" xmlns:a16="http://schemas.microsoft.com/office/drawing/2014/main" val="2750261522"/>
                   </a:ext>
                 </a:extLst>
               </a:tr>

--- a/presentation/Presentation.pptx
+++ b/presentation/Presentation.pptx
@@ -9,7 +9,7 @@
   </p:notesMasterIdLst>
   <p:sldIdLst>
     <p:sldId id="256" r:id="rId2"/>
-    <p:sldId id="280" r:id="rId3"/>
+    <p:sldId id="289" r:id="rId3"/>
     <p:sldId id="281" r:id="rId4"/>
     <p:sldId id="259" r:id="rId5"/>
     <p:sldId id="260" r:id="rId6"/>
@@ -21,14 +21,14 @@
     <p:sldId id="271" r:id="rId12"/>
     <p:sldId id="270" r:id="rId13"/>
     <p:sldId id="288" r:id="rId14"/>
-    <p:sldId id="276" r:id="rId15"/>
+    <p:sldId id="291" r:id="rId15"/>
     <p:sldId id="269" r:id="rId16"/>
     <p:sldId id="268" r:id="rId17"/>
-    <p:sldId id="277" r:id="rId18"/>
+    <p:sldId id="290" r:id="rId18"/>
     <p:sldId id="279" r:id="rId19"/>
   </p:sldIdLst>
   <p:sldSz cx="12192000" cy="6858000"/>
-  <p:notesSz cx="6858000" cy="9144000"/>
+  <p:notesSz cx="6808788" cy="9940925"/>
   <p:defaultTextStyle>
     <a:defPPr>
       <a:defRPr lang="en-US"/>
@@ -169,7 +169,7 @@
           <c:spPr>
             <a:ln w="19050" cap="rnd">
               <a:solidFill>
-                <a:schemeClr val="accent1"/>
+                <a:prstClr val="black"/>
               </a:solidFill>
               <a:round/>
             </a:ln>
@@ -2903,6 +2903,11 @@
             </c:numRef>
           </c:yVal>
           <c:smooth val="1"/>
+          <c:extLst xmlns:c16r2="http://schemas.microsoft.com/office/drawing/2015/06/chart">
+            <c:ext xmlns:c16="http://schemas.microsoft.com/office/drawing/2014/chart" uri="{C3380CC4-5D6E-409C-BE32-E72D297353CC}">
+              <c16:uniqueId val="{00000000-5E99-4AE1-81D8-89C765C504C9}"/>
+            </c:ext>
+          </c:extLst>
         </c:ser>
         <c:dLbls>
           <c:showLegendKey val="0"/>
@@ -2912,11 +2917,11 @@
           <c:showPercent val="0"/>
           <c:showBubbleSize val="0"/>
         </c:dLbls>
-        <c:axId val="1631690928"/>
-        <c:axId val="1631702896"/>
+        <c:axId val="1032470976"/>
+        <c:axId val="1032467712"/>
       </c:scatterChart>
       <c:valAx>
-        <c:axId val="1631690928"/>
+        <c:axId val="1032470976"/>
         <c:scaling>
           <c:orientation val="minMax"/>
         </c:scaling>
@@ -2926,12 +2931,12 @@
         <c:majorTickMark val="none"/>
         <c:minorTickMark val="none"/>
         <c:tickLblPos val="nextTo"/>
-        <c:crossAx val="1631702896"/>
+        <c:crossAx val="1032467712"/>
         <c:crosses val="autoZero"/>
         <c:crossBetween val="midCat"/>
       </c:valAx>
       <c:valAx>
-        <c:axId val="1631702896"/>
+        <c:axId val="1032467712"/>
         <c:scaling>
           <c:orientation val="minMax"/>
         </c:scaling>
@@ -2941,7 +2946,7 @@
         <c:majorTickMark val="none"/>
         <c:minorTickMark val="none"/>
         <c:tickLblPos val="nextTo"/>
-        <c:crossAx val="1631690928"/>
+        <c:crossAx val="1032470976"/>
         <c:crosses val="autoZero"/>
         <c:crossBetween val="midCat"/>
       </c:valAx>
@@ -3027,7 +3032,7 @@
           <c:spPr>
             <a:ln w="19050" cap="rnd">
               <a:solidFill>
-                <a:schemeClr val="accent1"/>
+                <a:prstClr val="black"/>
               </a:solidFill>
               <a:round/>
             </a:ln>
@@ -5653,6 +5658,11 @@
             </c:numRef>
           </c:yVal>
           <c:smooth val="1"/>
+          <c:extLst xmlns:c16r2="http://schemas.microsoft.com/office/drawing/2015/06/chart">
+            <c:ext xmlns:c16="http://schemas.microsoft.com/office/drawing/2014/chart" uri="{C3380CC4-5D6E-409C-BE32-E72D297353CC}">
+              <c16:uniqueId val="{00000000-70A1-41F1-B0E8-0CA11757F3E8}"/>
+            </c:ext>
+          </c:extLst>
         </c:ser>
         <c:dLbls>
           <c:showLegendKey val="0"/>
@@ -5662,11 +5672,11 @@
           <c:showPercent val="0"/>
           <c:showBubbleSize val="0"/>
         </c:dLbls>
-        <c:axId val="1631695824"/>
-        <c:axId val="1631692560"/>
+        <c:axId val="1032459552"/>
+        <c:axId val="1032470432"/>
       </c:scatterChart>
       <c:valAx>
-        <c:axId val="1631695824"/>
+        <c:axId val="1032459552"/>
         <c:scaling>
           <c:orientation val="minMax"/>
         </c:scaling>
@@ -5676,12 +5686,12 @@
         <c:majorTickMark val="none"/>
         <c:minorTickMark val="none"/>
         <c:tickLblPos val="nextTo"/>
-        <c:crossAx val="1631692560"/>
+        <c:crossAx val="1032470432"/>
         <c:crosses val="autoZero"/>
         <c:crossBetween val="midCat"/>
       </c:valAx>
       <c:valAx>
-        <c:axId val="1631692560"/>
+        <c:axId val="1032470432"/>
         <c:scaling>
           <c:orientation val="minMax"/>
         </c:scaling>
@@ -5691,7 +5701,7 @@
         <c:majorTickMark val="none"/>
         <c:minorTickMark val="none"/>
         <c:tickLblPos val="nextTo"/>
-        <c:crossAx val="1631695824"/>
+        <c:crossAx val="1032459552"/>
         <c:crosses val="autoZero"/>
         <c:crossBetween val="midCat"/>
       </c:valAx>
@@ -6877,7 +6887,7 @@
         <p:spPr>
           <a:xfrm>
             <a:off x="0" y="0"/>
-            <a:ext cx="2971800" cy="458788"/>
+            <a:ext cx="2950475" cy="498773"/>
           </a:xfrm>
           <a:prstGeom prst="rect">
             <a:avLst/>
@@ -6907,8 +6917,8 @@
         </p:nvSpPr>
         <p:spPr>
           <a:xfrm>
-            <a:off x="3884613" y="0"/>
-            <a:ext cx="2971800" cy="458788"/>
+            <a:off x="3856737" y="0"/>
+            <a:ext cx="2950475" cy="498773"/>
           </a:xfrm>
           <a:prstGeom prst="rect">
             <a:avLst/>
@@ -6924,7 +6934,7 @@
           <a:p>
             <a:fld id="{3055C09D-E245-48FB-89F4-1FC6DB8B2588}" type="datetimeFigureOut">
               <a:rPr lang="en-US"/>
-              <a:t>5/22/2017</a:t>
+              <a:t>5/25/2017</a:t>
             </a:fld>
             <a:endParaRPr lang="en-US"/>
           </a:p>
@@ -6942,8 +6952,8 @@
         </p:nvSpPr>
         <p:spPr>
           <a:xfrm>
-            <a:off x="685800" y="1143000"/>
-            <a:ext cx="5486400" cy="3086100"/>
+            <a:off x="423863" y="1243013"/>
+            <a:ext cx="5961062" cy="3354387"/>
           </a:xfrm>
           <a:prstGeom prst="rect">
             <a:avLst/>
@@ -6975,8 +6985,8 @@
         </p:nvSpPr>
         <p:spPr>
           <a:xfrm>
-            <a:off x="685800" y="4400550"/>
-            <a:ext cx="5486400" cy="3600450"/>
+            <a:off x="680879" y="4784070"/>
+            <a:ext cx="5447030" cy="3914239"/>
           </a:xfrm>
           <a:prstGeom prst="rect">
             <a:avLst/>
@@ -7034,8 +7044,8 @@
         </p:nvSpPr>
         <p:spPr>
           <a:xfrm>
-            <a:off x="0" y="8685213"/>
-            <a:ext cx="2971800" cy="458787"/>
+            <a:off x="0" y="9442154"/>
+            <a:ext cx="2950475" cy="498772"/>
           </a:xfrm>
           <a:prstGeom prst="rect">
             <a:avLst/>
@@ -7065,8 +7075,8 @@
         </p:nvSpPr>
         <p:spPr>
           <a:xfrm>
-            <a:off x="3884613" y="8685213"/>
-            <a:ext cx="2971800" cy="458787"/>
+            <a:off x="3856737" y="9442154"/>
+            <a:ext cx="2950475" cy="498772"/>
           </a:xfrm>
           <a:prstGeom prst="rect">
             <a:avLst/>
@@ -7420,7 +7430,7 @@
           <a:p>
             <a:fld id="{77A820DD-81EF-45F2-976F-377F6597C6DE}" type="datetime1">
               <a:rPr lang="en-US" smtClean="0"/>
-              <a:t>5/22/2017</a:t>
+              <a:t>5/25/2017</a:t>
             </a:fld>
             <a:endParaRPr lang="en-US" dirty="0"/>
           </a:p>
@@ -7750,7 +7760,7 @@
           <a:p>
             <a:fld id="{9A87A22E-963C-4EA9-BBD3-3B00554EDEC0}" type="datetime1">
               <a:rPr lang="en-US" smtClean="0"/>
-              <a:t>5/22/2017</a:t>
+              <a:t>5/25/2017</a:t>
             </a:fld>
             <a:endParaRPr lang="en-US" dirty="0"/>
           </a:p>
@@ -8024,7 +8034,7 @@
           <a:p>
             <a:fld id="{6ED827E4-5C50-433C-ABAA-CF510350A630}" type="datetime1">
               <a:rPr lang="en-US" smtClean="0"/>
-              <a:t>5/22/2017</a:t>
+              <a:t>5/25/2017</a:t>
             </a:fld>
             <a:endParaRPr lang="en-US" dirty="0"/>
           </a:p>
@@ -8588,7 +8598,7 @@
           <a:p>
             <a:fld id="{9F970929-C94F-41F3-BD87-051A408F1C86}" type="datetime1">
               <a:rPr lang="en-US" smtClean="0"/>
-              <a:t>5/22/2017</a:t>
+              <a:t>5/25/2017</a:t>
             </a:fld>
             <a:endParaRPr lang="en-US" dirty="0"/>
           </a:p>
@@ -8862,7 +8872,7 @@
           <a:p>
             <a:fld id="{C76932A2-A407-419B-A6AA-F5A6C14038BB}" type="datetime1">
               <a:rPr lang="en-US" smtClean="0"/>
-              <a:t>5/22/2017</a:t>
+              <a:t>5/25/2017</a:t>
             </a:fld>
             <a:endParaRPr lang="en-US" dirty="0"/>
           </a:p>
@@ -9420,7 +9430,7 @@
           <a:p>
             <a:fld id="{411B3862-DA3C-4802-A71A-1C8810333BC0}" type="datetime1">
               <a:rPr lang="en-US" smtClean="0"/>
-              <a:t>5/22/2017</a:t>
+              <a:t>5/25/2017</a:t>
             </a:fld>
             <a:endParaRPr lang="en-US" dirty="0"/>
           </a:p>
@@ -9743,7 +9753,7 @@
           <a:p>
             <a:fld id="{8F434BED-DE24-49F3-8F63-D6238C3A2F69}" type="datetime1">
               <a:rPr lang="en-US" smtClean="0"/>
-              <a:t>5/22/2017</a:t>
+              <a:t>5/25/2017</a:t>
             </a:fld>
             <a:endParaRPr lang="en-US" dirty="0"/>
           </a:p>
@@ -9916,7 +9926,7 @@
           <a:p>
             <a:fld id="{6461EA9A-46DC-4759-B9BB-1390DE72CCE5}" type="datetime1">
               <a:rPr lang="en-US" smtClean="0"/>
-              <a:t>5/22/2017</a:t>
+              <a:t>5/25/2017</a:t>
             </a:fld>
             <a:endParaRPr lang="en-US" dirty="0"/>
           </a:p>
@@ -10150,7 +10160,7 @@
           <a:p>
             <a:fld id="{9A4CB683-F55D-49FF-999A-379B0E0813BA}" type="datetime1">
               <a:rPr lang="en-US" smtClean="0"/>
-              <a:t>5/22/2017</a:t>
+              <a:t>5/25/2017</a:t>
             </a:fld>
             <a:endParaRPr lang="en-US" dirty="0"/>
           </a:p>
@@ -10346,7 +10356,7 @@
           <a:p>
             <a:fld id="{FC35190C-482B-49D3-B211-6FEC2F4E1AE8}" type="datetime1">
               <a:rPr lang="en-US" smtClean="0"/>
-              <a:t>5/22/2017</a:t>
+              <a:t>5/25/2017</a:t>
             </a:fld>
             <a:endParaRPr lang="en-US" dirty="0"/>
           </a:p>
@@ -10618,7 +10628,7 @@
           <a:p>
             <a:fld id="{876E8631-BA14-4ADB-A48B-F9799A2181E9}" type="datetime1">
               <a:rPr lang="en-US" smtClean="0"/>
-              <a:t>5/22/2017</a:t>
+              <a:t>5/25/2017</a:t>
             </a:fld>
             <a:endParaRPr lang="en-US" dirty="0"/>
           </a:p>
@@ -10880,7 +10890,7 @@
           <a:p>
             <a:fld id="{9F6084B4-4078-4243-AD1C-6768BD2A4605}" type="datetime1">
               <a:rPr lang="en-US" smtClean="0"/>
-              <a:t>5/22/2017</a:t>
+              <a:t>5/25/2017</a:t>
             </a:fld>
             <a:endParaRPr lang="en-US" dirty="0"/>
           </a:p>
@@ -11250,7 +11260,7 @@
           <a:p>
             <a:fld id="{CA262F93-A1FD-41DE-8BF0-8A474CD17E7F}" type="datetime1">
               <a:rPr lang="en-US" smtClean="0"/>
-              <a:t>5/22/2017</a:t>
+              <a:t>5/25/2017</a:t>
             </a:fld>
             <a:endParaRPr lang="en-US" dirty="0"/>
           </a:p>
@@ -11394,7 +11404,7 @@
           <a:p>
             <a:fld id="{D702A060-76AE-4366-B056-1D535E9428E6}" type="datetime1">
               <a:rPr lang="en-US" smtClean="0"/>
-              <a:t>5/22/2017</a:t>
+              <a:t>5/25/2017</a:t>
             </a:fld>
             <a:endParaRPr lang="en-US" dirty="0"/>
           </a:p>
@@ -11515,7 +11525,7 @@
           <a:p>
             <a:fld id="{DF0E9C67-F323-404B-A180-EFF80552B78E}" type="datetime1">
               <a:rPr lang="en-US" smtClean="0"/>
-              <a:t>5/22/2017</a:t>
+              <a:t>5/25/2017</a:t>
             </a:fld>
             <a:endParaRPr lang="en-US" dirty="0"/>
           </a:p>
@@ -11796,7 +11806,7 @@
           <a:p>
             <a:fld id="{0B17E5D7-A1AF-4F70-9777-5174452B8D88}" type="datetime1">
               <a:rPr lang="en-US" smtClean="0"/>
-              <a:t>5/22/2017</a:t>
+              <a:t>5/25/2017</a:t>
             </a:fld>
             <a:endParaRPr lang="en-US" dirty="0"/>
           </a:p>
@@ -12116,7 +12126,7 @@
           <a:p>
             <a:fld id="{E58F534A-277B-486D-8EF9-E650F13B0D83}" type="datetime1">
               <a:rPr lang="en-US" smtClean="0"/>
-              <a:t>5/22/2017</a:t>
+              <a:t>5/25/2017</a:t>
             </a:fld>
             <a:endParaRPr lang="en-US" dirty="0"/>
           </a:p>
@@ -12326,7 +12336,7 @@
           <a:p>
             <a:fld id="{46200E3D-2298-4905-A1E5-556A8EC05415}" type="datetime1">
               <a:rPr lang="en-US" smtClean="0"/>
-              <a:t>5/22/2017</a:t>
+              <a:t>5/25/2017</a:t>
             </a:fld>
             <a:endParaRPr lang="en-US" dirty="0"/>
           </a:p>
@@ -13147,11 +13157,11 @@
           <a:lstStyle/>
           <a:p>
             <a:fld id="{D57F1E4F-1CFF-5643-939E-217C01CDF565}" type="slidenum">
-              <a:rPr lang="en-US" smtClean="0"/>
+              <a:rPr lang="en-US" sz="2000" smtClean="0"/>
               <a:pPr/>
               <a:t>10</a:t>
             </a:fld>
-            <a:endParaRPr lang="en-US" dirty="0"/>
+            <a:endParaRPr lang="en-US" sz="2000" dirty="0"/>
           </a:p>
         </p:txBody>
       </p:sp>
@@ -13177,9 +13187,6 @@
                     <p:cTn id="3" fill="hold">
                       <p:stCondLst>
                         <p:cond delay="indefinite"/>
-                        <p:cond evt="onBegin" delay="0">
-                          <p:tn val="2"/>
-                        </p:cond>
                       </p:stCondLst>
                       <p:childTnLst>
                         <p:par>
@@ -13189,9 +13196,9 @@
                             </p:stCondLst>
                             <p:childTnLst>
                               <p:par>
-                                <p:cTn id="5" presetID="42" presetClass="entr" presetSubtype="0" fill="hold" nodeType="afterEffect">
+                                <p:cTn id="5" presetID="42" presetClass="entr" presetSubtype="0" fill="hold" nodeType="clickEffect">
                                   <p:stCondLst>
-                                    <p:cond delay="500"/>
+                                    <p:cond delay="0"/>
                                   </p:stCondLst>
                                   <p:childTnLst>
                                     <p:set>
@@ -13272,21 +13279,30 @@
                             </p:childTnLst>
                           </p:cTn>
                         </p:par>
+                      </p:childTnLst>
+                    </p:cTn>
+                  </p:par>
+                  <p:par>
+                    <p:cTn id="10" fill="hold">
+                      <p:stCondLst>
+                        <p:cond delay="indefinite"/>
+                      </p:stCondLst>
+                      <p:childTnLst>
                         <p:par>
-                          <p:cTn id="10" fill="hold">
+                          <p:cTn id="11" fill="hold">
                             <p:stCondLst>
-                              <p:cond delay="1500"/>
+                              <p:cond delay="0"/>
                             </p:stCondLst>
                             <p:childTnLst>
                               <p:par>
-                                <p:cTn id="11" presetID="10" presetClass="entr" presetSubtype="0" fill="hold" nodeType="afterEffect">
+                                <p:cTn id="12" presetID="10" presetClass="entr" presetSubtype="0" fill="hold" nodeType="clickEffect">
                                   <p:stCondLst>
-                                    <p:cond delay="700"/>
+                                    <p:cond delay="0"/>
                                   </p:stCondLst>
                                   <p:childTnLst>
                                     <p:set>
                                       <p:cBhvr>
-                                        <p:cTn id="12" dur="1" fill="hold">
+                                        <p:cTn id="13" dur="1" fill="hold">
                                           <p:stCondLst>
                                             <p:cond delay="0"/>
                                           </p:stCondLst>
@@ -13304,7 +13320,7 @@
                                     </p:set>
                                     <p:animEffect transition="in" filter="fade">
                                       <p:cBhvr>
-                                        <p:cTn id="13" dur="900"/>
+                                        <p:cTn id="14" dur="900"/>
                                         <p:tgtEl>
                                           <p:spTgt spid="4"/>
                                         </p:tgtEl>
@@ -13482,11 +13498,11 @@
           <a:lstStyle/>
           <a:p>
             <a:fld id="{D57F1E4F-1CFF-5643-939E-217C01CDF565}" type="slidenum">
-              <a:rPr lang="en-US" smtClean="0"/>
+              <a:rPr lang="en-US" sz="2000" smtClean="0"/>
               <a:pPr/>
               <a:t>11</a:t>
             </a:fld>
-            <a:endParaRPr lang="en-US" dirty="0"/>
+            <a:endParaRPr lang="en-US" sz="2000" dirty="0"/>
           </a:p>
         </p:txBody>
       </p:sp>
@@ -13859,11 +13875,11 @@
           <a:lstStyle/>
           <a:p>
             <a:fld id="{D57F1E4F-1CFF-5643-939E-217C01CDF565}" type="slidenum">
-              <a:rPr lang="en-US" smtClean="0"/>
+              <a:rPr lang="en-US" sz="2000" smtClean="0"/>
               <a:pPr/>
               <a:t>12</a:t>
             </a:fld>
-            <a:endParaRPr lang="en-US" dirty="0"/>
+            <a:endParaRPr lang="en-US" sz="2000" dirty="0"/>
           </a:p>
         </p:txBody>
       </p:sp>
@@ -15941,6 +15957,34 @@
           </a:p>
         </p:txBody>
       </p:sp>
+      <p:sp>
+        <p:nvSpPr>
+          <p:cNvPr id="22" name="Slide Number Placeholder 2"/>
+          <p:cNvSpPr>
+            <a:spLocks noGrp="1"/>
+          </p:cNvSpPr>
+          <p:nvPr>
+            <p:ph type="sldNum" sz="quarter" idx="12"/>
+          </p:nvPr>
+        </p:nvSpPr>
+        <p:spPr>
+          <a:xfrm>
+            <a:off x="10266060" y="5870575"/>
+            <a:ext cx="551167" cy="377825"/>
+          </a:xfrm>
+        </p:spPr>
+        <p:txBody>
+          <a:bodyPr/>
+          <a:lstStyle/>
+          <a:p>
+            <a:r>
+              <a:rPr lang="en-US" sz="2000" dirty="0" smtClean="0"/>
+              <a:t>13</a:t>
+            </a:r>
+            <a:endParaRPr lang="en-US" sz="2000" dirty="0"/>
+          </a:p>
+        </p:txBody>
+      </p:sp>
     </p:spTree>
     <p:extLst>
       <p:ext uri="{BB962C8B-B14F-4D97-AF65-F5344CB8AC3E}">
@@ -15963,9 +16007,6 @@
                     <p:cTn id="3" fill="hold">
                       <p:stCondLst>
                         <p:cond delay="indefinite"/>
-                        <p:cond evt="onBegin" delay="0">
-                          <p:tn val="2"/>
-                        </p:cond>
                       </p:stCondLst>
                       <p:childTnLst>
                         <p:par>
@@ -15975,9 +16016,9 @@
                             </p:stCondLst>
                             <p:childTnLst>
                               <p:par>
-                                <p:cTn id="5" presetID="6" presetClass="entr" presetSubtype="16" fill="hold" nodeType="afterEffect">
+                                <p:cTn id="5" presetID="6" presetClass="entr" presetSubtype="16" fill="hold" nodeType="clickEffect">
                                   <p:stCondLst>
-                                    <p:cond delay="5300"/>
+                                    <p:cond delay="0"/>
                                   </p:stCondLst>
                                   <p:childTnLst>
                                     <p:set>
@@ -16015,7 +16056,7 @@
                         <p:par>
                           <p:cTn id="8" fill="hold">
                             <p:stCondLst>
-                              <p:cond delay="6900"/>
+                              <p:cond delay="1600"/>
                             </p:stCondLst>
                             <p:childTnLst>
                               <p:par>
@@ -16051,7 +16092,7 @@
                         <p:par>
                           <p:cTn id="11" fill="hold">
                             <p:stCondLst>
-                              <p:cond delay="6900"/>
+                              <p:cond delay="1600"/>
                             </p:stCondLst>
                             <p:childTnLst>
                               <p:par>
@@ -16087,7 +16128,7 @@
                         <p:par>
                           <p:cTn id="14" fill="hold">
                             <p:stCondLst>
-                              <p:cond delay="11700"/>
+                              <p:cond delay="6400"/>
                             </p:stCondLst>
                             <p:childTnLst>
                               <p:par>
@@ -16123,7 +16164,7 @@
                         <p:par>
                           <p:cTn id="17" fill="hold">
                             <p:stCondLst>
-                              <p:cond delay="11700"/>
+                              <p:cond delay="6400"/>
                             </p:stCondLst>
                             <p:childTnLst>
                               <p:par>
@@ -16159,7 +16200,7 @@
                         <p:par>
                           <p:cTn id="20" fill="hold">
                             <p:stCondLst>
-                              <p:cond delay="11700"/>
+                              <p:cond delay="6400"/>
                             </p:stCondLst>
                             <p:childTnLst>
                               <p:par>
@@ -16195,7 +16236,7 @@
                         <p:par>
                           <p:cTn id="23" fill="hold">
                             <p:stCondLst>
-                              <p:cond delay="11700"/>
+                              <p:cond delay="6400"/>
                             </p:stCondLst>
                             <p:childTnLst>
                               <p:par>
@@ -16231,7 +16272,7 @@
                         <p:par>
                           <p:cTn id="26" fill="hold">
                             <p:stCondLst>
-                              <p:cond delay="11700"/>
+                              <p:cond delay="6400"/>
                             </p:stCondLst>
                             <p:childTnLst>
                               <p:par>
@@ -16267,7 +16308,7 @@
                         <p:par>
                           <p:cTn id="29" fill="hold">
                             <p:stCondLst>
-                              <p:cond delay="11700"/>
+                              <p:cond delay="6400"/>
                             </p:stCondLst>
                             <p:childTnLst>
                               <p:par>
@@ -16303,7 +16344,7 @@
                         <p:par>
                           <p:cTn id="32" fill="hold">
                             <p:stCondLst>
-                              <p:cond delay="11700"/>
+                              <p:cond delay="6400"/>
                             </p:stCondLst>
                             <p:childTnLst>
                               <p:par>
@@ -16339,7 +16380,7 @@
                         <p:par>
                           <p:cTn id="35" fill="hold">
                             <p:stCondLst>
-                              <p:cond delay="11700"/>
+                              <p:cond delay="6400"/>
                             </p:stCondLst>
                             <p:childTnLst>
                               <p:par>
@@ -16375,7 +16416,7 @@
                         <p:par>
                           <p:cTn id="38" fill="hold">
                             <p:stCondLst>
-                              <p:cond delay="11700"/>
+                              <p:cond delay="6400"/>
                             </p:stCondLst>
                             <p:childTnLst>
                               <p:par>
@@ -16411,7 +16452,7 @@
                         <p:par>
                           <p:cTn id="41" fill="hold">
                             <p:stCondLst>
-                              <p:cond delay="11700"/>
+                              <p:cond delay="6400"/>
                             </p:stCondLst>
                             <p:childTnLst>
                               <p:par>
@@ -16447,7 +16488,7 @@
                         <p:par>
                           <p:cTn id="44" fill="hold">
                             <p:stCondLst>
-                              <p:cond delay="11700"/>
+                              <p:cond delay="6400"/>
                             </p:stCondLst>
                             <p:childTnLst>
                               <p:par>
@@ -16483,7 +16524,7 @@
                         <p:par>
                           <p:cTn id="47" fill="hold">
                             <p:stCondLst>
-                              <p:cond delay="11700"/>
+                              <p:cond delay="6400"/>
                             </p:stCondLst>
                             <p:childTnLst>
                               <p:par>
@@ -16577,85 +16618,30 @@
           <a:chExt cx="0" cy="0"/>
         </a:xfrm>
       </p:grpSpPr>
-      <p:sp>
-        <p:nvSpPr>
-          <p:cNvPr id="2" name="Title 1"/>
-          <p:cNvSpPr>
-            <a:spLocks noGrp="1"/>
-          </p:cNvSpPr>
-          <p:nvPr>
-            <p:ph type="title"/>
-          </p:nvPr>
-        </p:nvSpPr>
-        <p:spPr/>
-        <p:txBody>
-          <a:bodyPr/>
-          <a:lstStyle/>
-          <a:p>
-            <a:pPr algn="ctr"/>
-            <a:r>
-              <a:rPr lang="en-US" dirty="0" err="1"/>
-              <a:t>Պատկերների</a:t>
-            </a:r>
-            <a:r>
-              <a:rPr lang="en-US" dirty="0"/>
-              <a:t> </a:t>
-            </a:r>
-            <a:r>
-              <a:rPr lang="en-US" dirty="0" err="1"/>
-              <a:t>ձևափոխում</a:t>
-            </a:r>
-            <a:r>
-              <a:rPr lang="en-US" dirty="0"/>
-              <a:t/>
-            </a:r>
-            <a:br>
-              <a:rPr lang="en-US" dirty="0"/>
-            </a:br>
-            <a:r>
-              <a:rPr lang="hy-AM" dirty="0"/>
-              <a:t>Հոուֆ</a:t>
-            </a:r>
-            <a:r>
-              <a:rPr lang="en-US" dirty="0"/>
-              <a:t>(Hough)-</a:t>
-            </a:r>
-            <a:r>
-              <a:rPr lang="hy-AM" dirty="0"/>
-              <a:t>ի</a:t>
-            </a:r>
-            <a:r>
-              <a:rPr lang="en-US" dirty="0"/>
-              <a:t> </a:t>
-            </a:r>
-            <a:r>
-              <a:rPr lang="en-US" dirty="0" err="1"/>
-              <a:t>ձևափոխում</a:t>
-            </a:r>
-            <a:endParaRPr lang="en-US" dirty="0"/>
-          </a:p>
-        </p:txBody>
-      </p:sp>
       <p:pic>
         <p:nvPicPr>
-          <p:cNvPr id="7" name="Content Placeholder 6"/>
+          <p:cNvPr id="9" name="Picture 8"/>
           <p:cNvPicPr>
-            <a:picLocks noGrp="1" noChangeAspect="1"/>
+            <a:picLocks noChangeAspect="1"/>
           </p:cNvPicPr>
-          <p:nvPr>
-            <p:ph sz="half" idx="2"/>
-          </p:nvPr>
+          <p:nvPr/>
         </p:nvPicPr>
         <p:blipFill>
-          <a:blip r:embed="rId2"/>
+          <a:blip r:embed="rId2">
+            <a:extLst>
+              <a:ext uri="{28A0092B-C50C-407E-A947-70E740481C1C}">
+                <a14:useLocalDpi xmlns:a14="http://schemas.microsoft.com/office/drawing/2010/main" val="0"/>
+              </a:ext>
+            </a:extLst>
+          </a:blip>
           <a:stretch>
             <a:fillRect/>
           </a:stretch>
         </p:blipFill>
         <p:spPr>
           <a:xfrm>
-            <a:off x="1009795" y="2076959"/>
-            <a:ext cx="5193578" cy="3782483"/>
+            <a:off x="761134" y="2323233"/>
+            <a:ext cx="2590607" cy="3001241"/>
           </a:xfrm>
           <a:prstGeom prst="rect">
             <a:avLst/>
@@ -16664,24 +16650,125 @@
       </p:pic>
       <p:pic>
         <p:nvPicPr>
-          <p:cNvPr id="4" name="Content Placeholder 8"/>
+          <p:cNvPr id="10" name="Picture 9"/>
           <p:cNvPicPr>
-            <a:picLocks noGrp="1" noChangeAspect="1"/>
+            <a:picLocks noChangeAspect="1"/>
           </p:cNvPicPr>
-          <p:nvPr>
-            <p:ph sz="half" idx="2"/>
-          </p:nvPr>
+          <p:nvPr/>
         </p:nvPicPr>
         <p:blipFill>
-          <a:blip r:embed="rId3"/>
+          <a:blip r:embed="rId2">
+            <a:extLst>
+              <a:ext uri="{28A0092B-C50C-407E-A947-70E740481C1C}">
+                <a14:useLocalDpi xmlns:a14="http://schemas.microsoft.com/office/drawing/2010/main" val="0"/>
+              </a:ext>
+            </a:extLst>
+          </a:blip>
           <a:stretch>
             <a:fillRect/>
           </a:stretch>
         </p:blipFill>
         <p:spPr>
           <a:xfrm>
-            <a:off x="6282134" y="2076959"/>
-            <a:ext cx="5353720" cy="3782483"/>
+            <a:off x="3451103" y="2323232"/>
+            <a:ext cx="2590608" cy="3001242"/>
+          </a:xfrm>
+          <a:prstGeom prst="rect">
+            <a:avLst/>
+          </a:prstGeom>
+        </p:spPr>
+      </p:pic>
+      <p:cxnSp>
+        <p:nvCxnSpPr>
+          <p:cNvPr id="25" name="Straight Connector 24"/>
+          <p:cNvCxnSpPr/>
+          <p:nvPr/>
+        </p:nvCxnSpPr>
+        <p:spPr>
+          <a:xfrm flipV="1">
+            <a:off x="3445235" y="3549650"/>
+            <a:ext cx="2596476" cy="7940"/>
+          </a:xfrm>
+          <a:prstGeom prst="line">
+            <a:avLst/>
+          </a:prstGeom>
+          <a:ln w="19050">
+            <a:solidFill>
+              <a:schemeClr val="bg2">
+                <a:lumMod val="75000"/>
+              </a:schemeClr>
+            </a:solidFill>
+          </a:ln>
+        </p:spPr>
+        <p:style>
+          <a:lnRef idx="1">
+            <a:schemeClr val="accent1"/>
+          </a:lnRef>
+          <a:fillRef idx="0">
+            <a:schemeClr val="accent1"/>
+          </a:fillRef>
+          <a:effectRef idx="0">
+            <a:schemeClr val="accent1"/>
+          </a:effectRef>
+          <a:fontRef idx="minor">
+            <a:schemeClr val="tx1"/>
+          </a:fontRef>
+        </p:style>
+      </p:cxnSp>
+      <p:pic>
+        <p:nvPicPr>
+          <p:cNvPr id="33" name="Picture 32"/>
+          <p:cNvPicPr>
+            <a:picLocks noChangeAspect="1"/>
+          </p:cNvPicPr>
+          <p:nvPr/>
+        </p:nvPicPr>
+        <p:blipFill>
+          <a:blip r:embed="rId3">
+            <a:extLst>
+              <a:ext uri="{28A0092B-C50C-407E-A947-70E740481C1C}">
+                <a14:useLocalDpi xmlns:a14="http://schemas.microsoft.com/office/drawing/2010/main" val="0"/>
+              </a:ext>
+            </a:extLst>
+          </a:blip>
+          <a:stretch>
+            <a:fillRect/>
+          </a:stretch>
+        </p:blipFill>
+        <p:spPr>
+          <a:xfrm>
+            <a:off x="6323324" y="2323232"/>
+            <a:ext cx="2250932" cy="3001242"/>
+          </a:xfrm>
+          <a:prstGeom prst="rect">
+            <a:avLst/>
+          </a:prstGeom>
+        </p:spPr>
+      </p:pic>
+      <p:pic>
+        <p:nvPicPr>
+          <p:cNvPr id="34" name="Picture 33"/>
+          <p:cNvPicPr>
+            <a:picLocks noChangeAspect="1"/>
+          </p:cNvPicPr>
+          <p:nvPr/>
+        </p:nvPicPr>
+        <p:blipFill>
+          <a:blip r:embed="rId3">
+            <a:extLst>
+              <a:ext uri="{28A0092B-C50C-407E-A947-70E740481C1C}">
+                <a14:useLocalDpi xmlns:a14="http://schemas.microsoft.com/office/drawing/2010/main" val="0"/>
+              </a:ext>
+            </a:extLst>
+          </a:blip>
+          <a:stretch>
+            <a:fillRect/>
+          </a:stretch>
+        </p:blipFill>
+        <p:spPr>
+          <a:xfrm>
+            <a:off x="8658225" y="2323232"/>
+            <a:ext cx="2250932" cy="3001242"/>
           </a:xfrm>
           <a:prstGeom prst="rect">
             <a:avLst/>
@@ -16690,13 +16777,13 @@
       </p:pic>
       <p:sp>
         <p:nvSpPr>
-          <p:cNvPr id="6" name="Rectangle 5"/>
+          <p:cNvPr id="35" name="Rectangle 34"/>
           <p:cNvSpPr/>
           <p:nvPr/>
         </p:nvSpPr>
         <p:spPr>
           <a:xfrm>
-            <a:off x="2345599" y="6100171"/>
+            <a:off x="2216560" y="5579978"/>
             <a:ext cx="2090637" cy="463075"/>
           </a:xfrm>
           <a:prstGeom prst="rect">
@@ -16766,13 +16853,13 @@
         <mc:Choice Requires="a14">
           <p:sp>
             <p:nvSpPr>
-              <p:cNvPr id="5" name="Rectangle 4"/>
+              <p:cNvPr id="36" name="Rectangle 35"/>
               <p:cNvSpPr/>
               <p:nvPr/>
             </p:nvSpPr>
             <p:spPr>
               <a:xfrm>
-                <a:off x="7175278" y="6055415"/>
+                <a:off x="6992220" y="5579978"/>
                 <a:ext cx="3164071" cy="507831"/>
               </a:xfrm>
               <a:prstGeom prst="rect">
@@ -17046,7 +17133,7 @@
         <mc:Fallback xmlns="">
           <p:sp>
             <p:nvSpPr>
-              <p:cNvPr id="5" name="Rectangle 4"/>
+              <p:cNvPr id="36" name="Rectangle 35"/>
               <p:cNvSpPr>
                 <a:spLocks noRot="1" noChangeAspect="1" noMove="1" noResize="1" noEditPoints="1" noAdjustHandles="1" noChangeArrowheads="1" noChangeShapeType="1" noTextEdit="1"/>
               </p:cNvSpPr>
@@ -17054,7 +17141,7 @@
             </p:nvSpPr>
             <p:spPr>
               <a:xfrm>
-                <a:off x="7175278" y="6055415"/>
+                <a:off x="6992220" y="5579978"/>
                 <a:ext cx="3164071" cy="507831"/>
               </a:xfrm>
               <a:prstGeom prst="rect">
@@ -17084,7 +17171,401 @@
       </mc:AlternateContent>
       <p:sp>
         <p:nvSpPr>
-          <p:cNvPr id="3" name="Slide Number Placeholder 2"/>
+          <p:cNvPr id="38" name="Oval 37"/>
+          <p:cNvSpPr/>
+          <p:nvPr/>
+        </p:nvSpPr>
+        <p:spPr>
+          <a:xfrm>
+            <a:off x="8991600" y="3705224"/>
+            <a:ext cx="371475" cy="377826"/>
+          </a:xfrm>
+          <a:prstGeom prst="ellipse">
+            <a:avLst/>
+          </a:prstGeom>
+          <a:noFill/>
+          <a:ln>
+            <a:solidFill>
+              <a:srgbClr val="00B050"/>
+            </a:solidFill>
+          </a:ln>
+        </p:spPr>
+        <p:style>
+          <a:lnRef idx="2">
+            <a:schemeClr val="accent1">
+              <a:shade val="50000"/>
+            </a:schemeClr>
+          </a:lnRef>
+          <a:fillRef idx="1">
+            <a:schemeClr val="accent1"/>
+          </a:fillRef>
+          <a:effectRef idx="0">
+            <a:schemeClr val="accent1"/>
+          </a:effectRef>
+          <a:fontRef idx="minor">
+            <a:schemeClr val="lt1"/>
+          </a:fontRef>
+        </p:style>
+        <p:txBody>
+          <a:bodyPr rtlCol="0" anchor="ctr"/>
+          <a:lstStyle/>
+          <a:p>
+            <a:pPr algn="ctr"/>
+            <a:endParaRPr lang="en-US"/>
+          </a:p>
+        </p:txBody>
+      </p:sp>
+      <p:sp>
+        <p:nvSpPr>
+          <p:cNvPr id="39" name="Oval 38"/>
+          <p:cNvSpPr/>
+          <p:nvPr/>
+        </p:nvSpPr>
+        <p:spPr>
+          <a:xfrm>
+            <a:off x="9648825" y="3273425"/>
+            <a:ext cx="361950" cy="349250"/>
+          </a:xfrm>
+          <a:prstGeom prst="ellipse">
+            <a:avLst/>
+          </a:prstGeom>
+          <a:noFill/>
+          <a:ln>
+            <a:solidFill>
+              <a:srgbClr val="00B050"/>
+            </a:solidFill>
+          </a:ln>
+        </p:spPr>
+        <p:style>
+          <a:lnRef idx="2">
+            <a:schemeClr val="accent1">
+              <a:shade val="50000"/>
+            </a:schemeClr>
+          </a:lnRef>
+          <a:fillRef idx="1">
+            <a:schemeClr val="accent1"/>
+          </a:fillRef>
+          <a:effectRef idx="0">
+            <a:schemeClr val="accent1"/>
+          </a:effectRef>
+          <a:fontRef idx="minor">
+            <a:schemeClr val="lt1"/>
+          </a:fontRef>
+        </p:style>
+        <p:txBody>
+          <a:bodyPr rtlCol="0" anchor="ctr"/>
+          <a:lstStyle/>
+          <a:p>
+            <a:pPr algn="ctr"/>
+            <a:endParaRPr lang="en-US"/>
+          </a:p>
+        </p:txBody>
+      </p:sp>
+      <p:sp>
+        <p:nvSpPr>
+          <p:cNvPr id="40" name="Oval 39"/>
+          <p:cNvSpPr/>
+          <p:nvPr/>
+        </p:nvSpPr>
+        <p:spPr>
+          <a:xfrm>
+            <a:off x="9602715" y="3967163"/>
+            <a:ext cx="365197" cy="361950"/>
+          </a:xfrm>
+          <a:prstGeom prst="ellipse">
+            <a:avLst/>
+          </a:prstGeom>
+          <a:noFill/>
+          <a:ln>
+            <a:solidFill>
+              <a:srgbClr val="00B050"/>
+            </a:solidFill>
+          </a:ln>
+        </p:spPr>
+        <p:style>
+          <a:lnRef idx="2">
+            <a:schemeClr val="accent1">
+              <a:shade val="50000"/>
+            </a:schemeClr>
+          </a:lnRef>
+          <a:fillRef idx="1">
+            <a:schemeClr val="accent1"/>
+          </a:fillRef>
+          <a:effectRef idx="0">
+            <a:schemeClr val="accent1"/>
+          </a:effectRef>
+          <a:fontRef idx="minor">
+            <a:schemeClr val="lt1"/>
+          </a:fontRef>
+        </p:style>
+        <p:txBody>
+          <a:bodyPr rtlCol="0" anchor="ctr"/>
+          <a:lstStyle/>
+          <a:p>
+            <a:pPr algn="ctr"/>
+            <a:endParaRPr lang="en-US"/>
+          </a:p>
+        </p:txBody>
+      </p:sp>
+      <p:sp>
+        <p:nvSpPr>
+          <p:cNvPr id="41" name="Oval 40"/>
+          <p:cNvSpPr/>
+          <p:nvPr/>
+        </p:nvSpPr>
+        <p:spPr>
+          <a:xfrm>
+            <a:off x="10116870" y="3622675"/>
+            <a:ext cx="473609" cy="471488"/>
+          </a:xfrm>
+          <a:prstGeom prst="ellipse">
+            <a:avLst/>
+          </a:prstGeom>
+          <a:noFill/>
+          <a:ln>
+            <a:solidFill>
+              <a:srgbClr val="00B050"/>
+            </a:solidFill>
+          </a:ln>
+        </p:spPr>
+        <p:style>
+          <a:lnRef idx="2">
+            <a:schemeClr val="accent1">
+              <a:shade val="50000"/>
+            </a:schemeClr>
+          </a:lnRef>
+          <a:fillRef idx="1">
+            <a:schemeClr val="accent1"/>
+          </a:fillRef>
+          <a:effectRef idx="0">
+            <a:schemeClr val="accent1"/>
+          </a:effectRef>
+          <a:fontRef idx="minor">
+            <a:schemeClr val="lt1"/>
+          </a:fontRef>
+        </p:style>
+        <p:txBody>
+          <a:bodyPr rtlCol="0" anchor="ctr"/>
+          <a:lstStyle/>
+          <a:p>
+            <a:pPr algn="ctr"/>
+            <a:endParaRPr lang="en-US"/>
+          </a:p>
+        </p:txBody>
+      </p:sp>
+      <p:sp>
+        <p:nvSpPr>
+          <p:cNvPr id="42" name="Oval 41"/>
+          <p:cNvSpPr/>
+          <p:nvPr/>
+        </p:nvSpPr>
+        <p:spPr>
+          <a:xfrm>
+            <a:off x="9005887" y="4429125"/>
+            <a:ext cx="371475" cy="361950"/>
+          </a:xfrm>
+          <a:prstGeom prst="ellipse">
+            <a:avLst/>
+          </a:prstGeom>
+          <a:noFill/>
+          <a:ln>
+            <a:solidFill>
+              <a:srgbClr val="00B050"/>
+            </a:solidFill>
+          </a:ln>
+        </p:spPr>
+        <p:style>
+          <a:lnRef idx="2">
+            <a:schemeClr val="accent1">
+              <a:shade val="50000"/>
+            </a:schemeClr>
+          </a:lnRef>
+          <a:fillRef idx="1">
+            <a:schemeClr val="accent1"/>
+          </a:fillRef>
+          <a:effectRef idx="0">
+            <a:schemeClr val="accent1"/>
+          </a:effectRef>
+          <a:fontRef idx="minor">
+            <a:schemeClr val="lt1"/>
+          </a:fontRef>
+        </p:style>
+        <p:txBody>
+          <a:bodyPr rtlCol="0" anchor="ctr"/>
+          <a:lstStyle/>
+          <a:p>
+            <a:pPr algn="ctr"/>
+            <a:endParaRPr lang="en-US"/>
+          </a:p>
+        </p:txBody>
+      </p:sp>
+      <p:sp>
+        <p:nvSpPr>
+          <p:cNvPr id="43" name="Oval 42"/>
+          <p:cNvSpPr/>
+          <p:nvPr/>
+        </p:nvSpPr>
+        <p:spPr>
+          <a:xfrm>
+            <a:off x="9749854" y="4536356"/>
+            <a:ext cx="441896" cy="430932"/>
+          </a:xfrm>
+          <a:prstGeom prst="ellipse">
+            <a:avLst/>
+          </a:prstGeom>
+          <a:noFill/>
+          <a:ln>
+            <a:solidFill>
+              <a:srgbClr val="00B050"/>
+            </a:solidFill>
+          </a:ln>
+        </p:spPr>
+        <p:style>
+          <a:lnRef idx="2">
+            <a:schemeClr val="accent1">
+              <a:shade val="50000"/>
+            </a:schemeClr>
+          </a:lnRef>
+          <a:fillRef idx="1">
+            <a:schemeClr val="accent1"/>
+          </a:fillRef>
+          <a:effectRef idx="0">
+            <a:schemeClr val="accent1"/>
+          </a:effectRef>
+          <a:fontRef idx="minor">
+            <a:schemeClr val="lt1"/>
+          </a:fontRef>
+        </p:style>
+        <p:txBody>
+          <a:bodyPr rtlCol="0" anchor="ctr"/>
+          <a:lstStyle/>
+          <a:p>
+            <a:pPr algn="ctr"/>
+            <a:endParaRPr lang="en-US"/>
+          </a:p>
+        </p:txBody>
+      </p:sp>
+      <p:sp>
+        <p:nvSpPr>
+          <p:cNvPr id="44" name="Oval 43"/>
+          <p:cNvSpPr/>
+          <p:nvPr/>
+        </p:nvSpPr>
+        <p:spPr>
+          <a:xfrm>
+            <a:off x="10353675" y="4210050"/>
+            <a:ext cx="414338" cy="409575"/>
+          </a:xfrm>
+          <a:prstGeom prst="ellipse">
+            <a:avLst/>
+          </a:prstGeom>
+          <a:noFill/>
+          <a:ln>
+            <a:solidFill>
+              <a:srgbClr val="00B050"/>
+            </a:solidFill>
+          </a:ln>
+        </p:spPr>
+        <p:style>
+          <a:lnRef idx="2">
+            <a:schemeClr val="accent1">
+              <a:shade val="50000"/>
+            </a:schemeClr>
+          </a:lnRef>
+          <a:fillRef idx="1">
+            <a:schemeClr val="accent1"/>
+          </a:fillRef>
+          <a:effectRef idx="0">
+            <a:schemeClr val="accent1"/>
+          </a:effectRef>
+          <a:fontRef idx="minor">
+            <a:schemeClr val="lt1"/>
+          </a:fontRef>
+        </p:style>
+        <p:txBody>
+          <a:bodyPr rtlCol="0" anchor="ctr"/>
+          <a:lstStyle/>
+          <a:p>
+            <a:pPr algn="ctr"/>
+            <a:endParaRPr lang="en-US"/>
+          </a:p>
+        </p:txBody>
+      </p:sp>
+      <p:sp>
+        <p:nvSpPr>
+          <p:cNvPr id="45" name="Title 1"/>
+          <p:cNvSpPr>
+            <a:spLocks noGrp="1"/>
+          </p:cNvSpPr>
+          <p:nvPr>
+            <p:ph type="title"/>
+          </p:nvPr>
+        </p:nvSpPr>
+        <p:spPr>
+          <a:xfrm>
+            <a:off x="777732" y="488537"/>
+            <a:ext cx="10131425" cy="1456267"/>
+          </a:xfrm>
+        </p:spPr>
+        <p:txBody>
+          <a:bodyPr/>
+          <a:lstStyle/>
+          <a:p>
+            <a:pPr algn="ctr"/>
+            <a:r>
+              <a:rPr lang="en-US" dirty="0" err="1"/>
+              <a:t>Պատկերների</a:t>
+            </a:r>
+            <a:r>
+              <a:rPr lang="en-US" dirty="0"/>
+              <a:t> </a:t>
+            </a:r>
+            <a:r>
+              <a:rPr lang="en-US" dirty="0" err="1" smtClean="0"/>
+              <a:t>ձևափոխու</a:t>
+            </a:r>
+            <a:r>
+              <a:rPr lang="hy-AM" dirty="0" smtClean="0"/>
+              <a:t>թյուն</a:t>
+            </a:r>
+            <a:r>
+              <a:rPr lang="en-US" dirty="0"/>
+              <a:t/>
+            </a:r>
+            <a:br>
+              <a:rPr lang="en-US" dirty="0"/>
+            </a:br>
+            <a:r>
+              <a:rPr lang="hy-AM" dirty="0"/>
+              <a:t>Հոուֆ</a:t>
+            </a:r>
+            <a:r>
+              <a:rPr lang="en-US" dirty="0"/>
+              <a:t>(Hough)-</a:t>
+            </a:r>
+            <a:r>
+              <a:rPr lang="hy-AM" dirty="0"/>
+              <a:t>ի</a:t>
+            </a:r>
+            <a:r>
+              <a:rPr lang="en-US" dirty="0"/>
+              <a:t> </a:t>
+            </a:r>
+            <a:r>
+              <a:rPr lang="en-US" dirty="0" err="1" smtClean="0"/>
+              <a:t>ձևափոխու</a:t>
+            </a:r>
+            <a:r>
+              <a:rPr lang="hy-AM" dirty="0" smtClean="0"/>
+              <a:t>թյուն</a:t>
+            </a:r>
+            <a:endParaRPr lang="en-US" dirty="0"/>
+          </a:p>
+        </p:txBody>
+      </p:sp>
+      <p:sp>
+        <p:nvSpPr>
+          <p:cNvPr id="46" name="Slide Number Placeholder 2"/>
           <p:cNvSpPr>
             <a:spLocks noGrp="1"/>
           </p:cNvSpPr>
@@ -17094,7 +17575,7 @@
         </p:nvSpPr>
         <p:spPr>
           <a:xfrm>
-            <a:off x="10817226" y="6100171"/>
+            <a:off x="10285260" y="5811515"/>
             <a:ext cx="551167" cy="377825"/>
           </a:xfrm>
         </p:spPr>
@@ -17102,19 +17583,18 @@
           <a:bodyPr/>
           <a:lstStyle/>
           <a:p>
-            <a:fld id="{D57F1E4F-1CFF-5643-939E-217C01CDF565}" type="slidenum">
-              <a:rPr lang="en-US" smtClean="0"/>
-              <a:pPr/>
+            <a:r>
+              <a:rPr lang="hy-AM" sz="2000" dirty="0" smtClean="0"/>
               <a:t>14</a:t>
-            </a:fld>
-            <a:endParaRPr lang="en-US" dirty="0"/>
+            </a:r>
+            <a:endParaRPr lang="en-US" sz="2000" dirty="0"/>
           </a:p>
         </p:txBody>
       </p:sp>
     </p:spTree>
     <p:extLst>
       <p:ext uri="{BB962C8B-B14F-4D97-AF65-F5344CB8AC3E}">
-        <p14:creationId xmlns:p14="http://schemas.microsoft.com/office/powerpoint/2010/main" val="234726359"/>
+        <p14:creationId xmlns:p14="http://schemas.microsoft.com/office/powerpoint/2010/main" val="3614013614"/>
       </p:ext>
     </p:extLst>
   </p:cSld>
@@ -17172,8 +17652,8 @@
           </a:p>
         </p:txBody>
       </p:sp>
-      <mc:AlternateContent xmlns:mc="http://schemas.openxmlformats.org/markup-compatibility/2006" xmlns:a14="http://schemas.microsoft.com/office/drawing/2010/main">
-        <mc:Choice Requires="a14">
+      <mc:AlternateContent xmlns:mc="http://schemas.openxmlformats.org/markup-compatibility/2006">
+        <mc:Choice xmlns:a14="http://schemas.microsoft.com/office/drawing/2010/main" Requires="a14">
           <p:graphicFrame>
             <p:nvGraphicFramePr>
               <p:cNvPr id="14" name="Content Placeholder 13"/>
@@ -17184,7 +17664,7 @@
                 <p:ph sz="half" idx="2"/>
                 <p:extLst>
                   <p:ext uri="{D42A27DB-BD31-4B8C-83A1-F6EECF244321}">
-                    <p14:modId xmlns:p14="http://schemas.microsoft.com/office/powerpoint/2010/main" val="2428515171"/>
+                    <p14:modId xmlns:p14="http://schemas.microsoft.com/office/powerpoint/2010/main" val="1344985569"/>
                   </p:ext>
                 </p:extLst>
               </p:nvPr>
@@ -17203,35 +17683,35 @@
                     <a:gridCol w="999490">
                       <a:extLst>
                         <a:ext uri="{9D8B030D-6E8A-4147-A177-3AD203B41FA5}">
-                          <a16:colId xmlns="" xmlns:a16="http://schemas.microsoft.com/office/drawing/2014/main" val="1216725777"/>
+                          <a16:colId xmlns:a16="http://schemas.microsoft.com/office/drawing/2014/main" xmlns="" val="1216725777"/>
                         </a:ext>
                       </a:extLst>
                     </a:gridCol>
                     <a:gridCol w="999490">
                       <a:extLst>
                         <a:ext uri="{9D8B030D-6E8A-4147-A177-3AD203B41FA5}">
-                          <a16:colId xmlns="" xmlns:a16="http://schemas.microsoft.com/office/drawing/2014/main" val="1506238522"/>
+                          <a16:colId xmlns:a16="http://schemas.microsoft.com/office/drawing/2014/main" xmlns="" val="1506238522"/>
                         </a:ext>
                       </a:extLst>
                     </a:gridCol>
                     <a:gridCol w="999490">
                       <a:extLst>
                         <a:ext uri="{9D8B030D-6E8A-4147-A177-3AD203B41FA5}">
-                          <a16:colId xmlns="" xmlns:a16="http://schemas.microsoft.com/office/drawing/2014/main" val="2836820485"/>
+                          <a16:colId xmlns:a16="http://schemas.microsoft.com/office/drawing/2014/main" xmlns="" val="2836820485"/>
                         </a:ext>
                       </a:extLst>
                     </a:gridCol>
                     <a:gridCol w="999490">
                       <a:extLst>
                         <a:ext uri="{9D8B030D-6E8A-4147-A177-3AD203B41FA5}">
-                          <a16:colId xmlns="" xmlns:a16="http://schemas.microsoft.com/office/drawing/2014/main" val="1651784423"/>
+                          <a16:colId xmlns:a16="http://schemas.microsoft.com/office/drawing/2014/main" xmlns="" val="1651784423"/>
                         </a:ext>
                       </a:extLst>
                     </a:gridCol>
                     <a:gridCol w="999490">
                       <a:extLst>
                         <a:ext uri="{9D8B030D-6E8A-4147-A177-3AD203B41FA5}">
-                          <a16:colId xmlns="" xmlns:a16="http://schemas.microsoft.com/office/drawing/2014/main" val="1257235431"/>
+                          <a16:colId xmlns:a16="http://schemas.microsoft.com/office/drawing/2014/main" xmlns="" val="1257235431"/>
                         </a:ext>
                       </a:extLst>
                     </a:gridCol>
@@ -17552,7 +18032,7 @@
                     </a:tc>
                     <a:extLst>
                       <a:ext uri="{0D108BD9-81ED-4DB2-BD59-A6C34878D82A}">
-                        <a16:rowId xmlns="" xmlns:a16="http://schemas.microsoft.com/office/drawing/2014/main" val="1324942624"/>
+                        <a16:rowId xmlns:a16="http://schemas.microsoft.com/office/drawing/2014/main" xmlns="" val="1324942624"/>
                       </a:ext>
                     </a:extLst>
                   </a:tr>
@@ -17740,7 +18220,7 @@
                     </a:tc>
                     <a:extLst>
                       <a:ext uri="{0D108BD9-81ED-4DB2-BD59-A6C34878D82A}">
-                        <a16:rowId xmlns="" xmlns:a16="http://schemas.microsoft.com/office/drawing/2014/main" val="2491110305"/>
+                        <a16:rowId xmlns:a16="http://schemas.microsoft.com/office/drawing/2014/main" xmlns="" val="2491110305"/>
                       </a:ext>
                     </a:extLst>
                   </a:tr>
@@ -17928,7 +18408,7 @@
                     </a:tc>
                     <a:extLst>
                       <a:ext uri="{0D108BD9-81ED-4DB2-BD59-A6C34878D82A}">
-                        <a16:rowId xmlns="" xmlns:a16="http://schemas.microsoft.com/office/drawing/2014/main" val="1031351399"/>
+                        <a16:rowId xmlns:a16="http://schemas.microsoft.com/office/drawing/2014/main" xmlns="" val="1031351399"/>
                       </a:ext>
                     </a:extLst>
                   </a:tr>
@@ -18116,7 +18596,7 @@
                     </a:tc>
                     <a:extLst>
                       <a:ext uri="{0D108BD9-81ED-4DB2-BD59-A6C34878D82A}">
-                        <a16:rowId xmlns="" xmlns:a16="http://schemas.microsoft.com/office/drawing/2014/main" val="1041437350"/>
+                        <a16:rowId xmlns:a16="http://schemas.microsoft.com/office/drawing/2014/main" xmlns="" val="1041437350"/>
                       </a:ext>
                     </a:extLst>
                   </a:tr>
@@ -18304,7 +18784,7 @@
                     </a:tc>
                     <a:extLst>
                       <a:ext uri="{0D108BD9-81ED-4DB2-BD59-A6C34878D82A}">
-                        <a16:rowId xmlns="" xmlns:a16="http://schemas.microsoft.com/office/drawing/2014/main" val="2051532882"/>
+                        <a16:rowId xmlns:a16="http://schemas.microsoft.com/office/drawing/2014/main" xmlns="" val="2051532882"/>
                       </a:ext>
                     </a:extLst>
                   </a:tr>
@@ -18492,7 +18972,7 @@
                     </a:tc>
                     <a:extLst>
                       <a:ext uri="{0D108BD9-81ED-4DB2-BD59-A6C34878D82A}">
-                        <a16:rowId xmlns="" xmlns:a16="http://schemas.microsoft.com/office/drawing/2014/main" val="4146497862"/>
+                        <a16:rowId xmlns:a16="http://schemas.microsoft.com/office/drawing/2014/main" xmlns="" val="4146497862"/>
                       </a:ext>
                     </a:extLst>
                   </a:tr>
@@ -18526,7 +19006,13 @@
                             <a:rPr lang="hy-AM" sz="1000" dirty="0">
                               <a:effectLst/>
                             </a:rPr>
-                            <a:t>հայտնաբերման աղուսյակ</a:t>
+                            <a:t>հայտնաբերման </a:t>
+                          </a:r>
+                          <a:r>
+                            <a:rPr lang="hy-AM" sz="1000" dirty="0" smtClean="0">
+                              <a:effectLst/>
+                            </a:rPr>
+                            <a:t>աղյուսակ</a:t>
                           </a:r>
                           <a:endParaRPr lang="en-US" sz="900" dirty="0">
                             <a:solidFill>
@@ -18583,7 +19069,7 @@
                     </a:tc>
                     <a:extLst>
                       <a:ext uri="{0D108BD9-81ED-4DB2-BD59-A6C34878D82A}">
-                        <a16:rowId xmlns="" xmlns:a16="http://schemas.microsoft.com/office/drawing/2014/main" val="766546503"/>
+                        <a16:rowId xmlns:a16="http://schemas.microsoft.com/office/drawing/2014/main" xmlns="" val="766546503"/>
                       </a:ext>
                     </a:extLst>
                   </a:tr>
@@ -18592,7 +19078,7 @@
             </a:graphic>
           </p:graphicFrame>
         </mc:Choice>
-        <mc:Fallback xmlns="">
+        <mc:Fallback>
           <p:graphicFrame>
             <p:nvGraphicFramePr>
               <p:cNvPr id="14" name="Content Placeholder 13"/>
@@ -18603,7 +19089,7 @@
                 <p:ph sz="half" idx="2"/>
                 <p:extLst>
                   <p:ext uri="{D42A27DB-BD31-4B8C-83A1-F6EECF244321}">
-                    <p14:modId xmlns:p14="http://schemas.microsoft.com/office/powerpoint/2010/main" val="2428515171"/>
+                    <p14:modId xmlns:p14="http://schemas.microsoft.com/office/powerpoint/2010/main" val="1344985569"/>
                   </p:ext>
                 </p:extLst>
               </p:nvPr>
@@ -18622,35 +19108,35 @@
                     <a:gridCol w="999490">
                       <a:extLst>
                         <a:ext uri="{9D8B030D-6E8A-4147-A177-3AD203B41FA5}">
-                          <a16:colId xmlns:a16="http://schemas.microsoft.com/office/drawing/2014/main" val="1216725777"/>
+                          <a16:colId xmlns:a16="http://schemas.microsoft.com/office/drawing/2014/main" xmlns:a14="http://schemas.microsoft.com/office/drawing/2010/main" xmlns="" val="1216725777"/>
                         </a:ext>
                       </a:extLst>
                     </a:gridCol>
                     <a:gridCol w="999490">
                       <a:extLst>
                         <a:ext uri="{9D8B030D-6E8A-4147-A177-3AD203B41FA5}">
-                          <a16:colId xmlns:a16="http://schemas.microsoft.com/office/drawing/2014/main" val="1506238522"/>
+                          <a16:colId xmlns:a16="http://schemas.microsoft.com/office/drawing/2014/main" xmlns:a14="http://schemas.microsoft.com/office/drawing/2010/main" xmlns="" val="1506238522"/>
                         </a:ext>
                       </a:extLst>
                     </a:gridCol>
                     <a:gridCol w="999490">
                       <a:extLst>
                         <a:ext uri="{9D8B030D-6E8A-4147-A177-3AD203B41FA5}">
-                          <a16:colId xmlns:a16="http://schemas.microsoft.com/office/drawing/2014/main" val="2836820485"/>
+                          <a16:colId xmlns:a16="http://schemas.microsoft.com/office/drawing/2014/main" xmlns:a14="http://schemas.microsoft.com/office/drawing/2010/main" xmlns="" val="2836820485"/>
                         </a:ext>
                       </a:extLst>
                     </a:gridCol>
                     <a:gridCol w="999490">
                       <a:extLst>
                         <a:ext uri="{9D8B030D-6E8A-4147-A177-3AD203B41FA5}">
-                          <a16:colId xmlns:a16="http://schemas.microsoft.com/office/drawing/2014/main" val="1651784423"/>
+                          <a16:colId xmlns:a16="http://schemas.microsoft.com/office/drawing/2014/main" xmlns:a14="http://schemas.microsoft.com/office/drawing/2010/main" xmlns="" val="1651784423"/>
                         </a:ext>
                       </a:extLst>
                     </a:gridCol>
                     <a:gridCol w="999490">
                       <a:extLst>
                         <a:ext uri="{9D8B030D-6E8A-4147-A177-3AD203B41FA5}">
-                          <a16:colId xmlns:a16="http://schemas.microsoft.com/office/drawing/2014/main" val="1257235431"/>
+                          <a16:colId xmlns:a16="http://schemas.microsoft.com/office/drawing/2014/main" xmlns:a14="http://schemas.microsoft.com/office/drawing/2010/main" xmlns="" val="1257235431"/>
                         </a:ext>
                       </a:extLst>
                     </a:gridCol>
@@ -18700,7 +19186,7 @@
                         </a:p>
                       </a:txBody>
                       <a:tcPr marL="57725" marR="57725" marT="0" marB="0">
-                        <a:blipFill>
+                        <a:blipFill rotWithShape="0">
                           <a:blip r:embed="rId2"/>
                           <a:stretch>
                             <a:fillRect l="-100610" t="-1111" r="-303049" b="-320000"/>
@@ -18717,7 +19203,7 @@
                         </a:p>
                       </a:txBody>
                       <a:tcPr marL="57725" marR="57725" marT="0" marB="0">
-                        <a:blipFill>
+                        <a:blipFill rotWithShape="0">
                           <a:blip r:embed="rId2"/>
                           <a:stretch>
                             <a:fillRect l="-199394" t="-1111" r="-201212" b="-320000"/>
@@ -18734,7 +19220,7 @@
                         </a:p>
                       </a:txBody>
                       <a:tcPr marL="57725" marR="57725" marT="0" marB="0">
-                        <a:blipFill>
+                        <a:blipFill rotWithShape="0">
                           <a:blip r:embed="rId2"/>
                           <a:stretch>
                             <a:fillRect l="-301220" t="-1111" r="-102439" b="-320000"/>
@@ -18785,7 +19271,7 @@
                     </a:tc>
                     <a:extLst>
                       <a:ext uri="{0D108BD9-81ED-4DB2-BD59-A6C34878D82A}">
-                        <a16:rowId xmlns:a16="http://schemas.microsoft.com/office/drawing/2014/main" val="1324942624"/>
+                        <a16:rowId xmlns:a16="http://schemas.microsoft.com/office/drawing/2014/main" xmlns:a14="http://schemas.microsoft.com/office/drawing/2010/main" xmlns="" val="1324942624"/>
                       </a:ext>
                     </a:extLst>
                   </a:tr>
@@ -18973,7 +19459,7 @@
                     </a:tc>
                     <a:extLst>
                       <a:ext uri="{0D108BD9-81ED-4DB2-BD59-A6C34878D82A}">
-                        <a16:rowId xmlns:a16="http://schemas.microsoft.com/office/drawing/2014/main" val="2491110305"/>
+                        <a16:rowId xmlns:a16="http://schemas.microsoft.com/office/drawing/2014/main" xmlns:a14="http://schemas.microsoft.com/office/drawing/2010/main" xmlns="" val="2491110305"/>
                       </a:ext>
                     </a:extLst>
                   </a:tr>
@@ -19161,7 +19647,7 @@
                     </a:tc>
                     <a:extLst>
                       <a:ext uri="{0D108BD9-81ED-4DB2-BD59-A6C34878D82A}">
-                        <a16:rowId xmlns:a16="http://schemas.microsoft.com/office/drawing/2014/main" val="1031351399"/>
+                        <a16:rowId xmlns:a16="http://schemas.microsoft.com/office/drawing/2014/main" xmlns:a14="http://schemas.microsoft.com/office/drawing/2010/main" xmlns="" val="1031351399"/>
                       </a:ext>
                     </a:extLst>
                   </a:tr>
@@ -19349,7 +19835,7 @@
                     </a:tc>
                     <a:extLst>
                       <a:ext uri="{0D108BD9-81ED-4DB2-BD59-A6C34878D82A}">
-                        <a16:rowId xmlns:a16="http://schemas.microsoft.com/office/drawing/2014/main" val="1041437350"/>
+                        <a16:rowId xmlns:a16="http://schemas.microsoft.com/office/drawing/2014/main" xmlns:a14="http://schemas.microsoft.com/office/drawing/2010/main" xmlns="" val="1041437350"/>
                       </a:ext>
                     </a:extLst>
                   </a:tr>
@@ -19441,12 +19927,12 @@
                             </a:spcAft>
                           </a:pPr>
                           <a:r>
-                            <a:rPr lang="hy-AM" sz="1000">
+                            <a:rPr lang="hy-AM" sz="1000" dirty="0">
                               <a:effectLst/>
                             </a:rPr>
                             <a:t>Կարճ</a:t>
                           </a:r>
-                          <a:endParaRPr lang="en-US" sz="900">
+                          <a:endParaRPr lang="en-US" sz="900" dirty="0">
                             <a:solidFill>
                               <a:srgbClr val="00000A"/>
                             </a:solidFill>
@@ -19537,7 +20023,7 @@
                     </a:tc>
                     <a:extLst>
                       <a:ext uri="{0D108BD9-81ED-4DB2-BD59-A6C34878D82A}">
-                        <a16:rowId xmlns:a16="http://schemas.microsoft.com/office/drawing/2014/main" val="2051532882"/>
+                        <a16:rowId xmlns:a16="http://schemas.microsoft.com/office/drawing/2014/main" xmlns:a14="http://schemas.microsoft.com/office/drawing/2010/main" xmlns="" val="2051532882"/>
                       </a:ext>
                     </a:extLst>
                   </a:tr>
@@ -19725,7 +20211,7 @@
                     </a:tc>
                     <a:extLst>
                       <a:ext uri="{0D108BD9-81ED-4DB2-BD59-A6C34878D82A}">
-                        <a16:rowId xmlns:a16="http://schemas.microsoft.com/office/drawing/2014/main" val="4146497862"/>
+                        <a16:rowId xmlns:a16="http://schemas.microsoft.com/office/drawing/2014/main" xmlns:a14="http://schemas.microsoft.com/office/drawing/2010/main" xmlns="" val="4146497862"/>
                       </a:ext>
                     </a:extLst>
                   </a:tr>
@@ -19759,7 +20245,13 @@
                             <a:rPr lang="hy-AM" sz="1000" dirty="0">
                               <a:effectLst/>
                             </a:rPr>
-                            <a:t>հայտնաբերման աղուսյակ</a:t>
+                            <a:t>հայտնաբերման </a:t>
+                          </a:r>
+                          <a:r>
+                            <a:rPr lang="hy-AM" sz="1000" dirty="0" smtClean="0">
+                              <a:effectLst/>
+                            </a:rPr>
+                            <a:t>աղյուսակ</a:t>
                           </a:r>
                           <a:endParaRPr lang="en-US" sz="900" dirty="0">
                             <a:solidFill>
@@ -19816,7 +20308,7 @@
                     </a:tc>
                     <a:extLst>
                       <a:ext uri="{0D108BD9-81ED-4DB2-BD59-A6C34878D82A}">
-                        <a16:rowId xmlns:a16="http://schemas.microsoft.com/office/drawing/2014/main" val="766546503"/>
+                        <a16:rowId xmlns:a16="http://schemas.microsoft.com/office/drawing/2014/main" xmlns:a14="http://schemas.microsoft.com/office/drawing/2010/main" xmlns="" val="766546503"/>
                       </a:ext>
                     </a:extLst>
                   </a:tr>
@@ -19924,11 +20416,11 @@
           <a:lstStyle/>
           <a:p>
             <a:fld id="{D57F1E4F-1CFF-5643-939E-217C01CDF565}" type="slidenum">
-              <a:rPr lang="en-US" smtClean="0"/>
+              <a:rPr lang="en-US" sz="2000" smtClean="0"/>
               <a:pPr/>
               <a:t>15</a:t>
             </a:fld>
-            <a:endParaRPr lang="en-US" dirty="0"/>
+            <a:endParaRPr lang="en-US" sz="2000" dirty="0"/>
           </a:p>
         </p:txBody>
       </p:sp>
@@ -19995,21 +20487,30 @@
                             </p:childTnLst>
                           </p:cTn>
                         </p:par>
+                      </p:childTnLst>
+                    </p:cTn>
+                  </p:par>
+                  <p:par>
+                    <p:cTn id="7" fill="hold">
+                      <p:stCondLst>
+                        <p:cond delay="indefinite"/>
+                      </p:stCondLst>
+                      <p:childTnLst>
                         <p:par>
-                          <p:cTn id="7" fill="hold">
+                          <p:cTn id="8" fill="hold">
                             <p:stCondLst>
                               <p:cond delay="0"/>
                             </p:stCondLst>
                             <p:childTnLst>
                               <p:par>
-                                <p:cTn id="8" presetID="42" presetClass="entr" presetSubtype="0" fill="hold" nodeType="afterEffect">
+                                <p:cTn id="9" presetID="42" presetClass="entr" presetSubtype="0" fill="hold" nodeType="clickEffect">
                                   <p:stCondLst>
                                     <p:cond delay="0"/>
                                   </p:stCondLst>
                                   <p:childTnLst>
                                     <p:set>
                                       <p:cBhvr>
-                                        <p:cTn id="9" dur="1" fill="hold">
+                                        <p:cTn id="10" dur="1" fill="hold">
                                           <p:stCondLst>
                                             <p:cond delay="0"/>
                                           </p:stCondLst>
@@ -20027,7 +20528,7 @@
                                     </p:set>
                                     <p:animEffect transition="in" filter="fade">
                                       <p:cBhvr>
-                                        <p:cTn id="10" dur="1000"/>
+                                        <p:cTn id="11" dur="1000"/>
                                         <p:tgtEl>
                                           <p:spTgt spid="1026"/>
                                         </p:tgtEl>
@@ -20035,7 +20536,7 @@
                                     </p:animEffect>
                                     <p:anim calcmode="lin" valueType="num">
                                       <p:cBhvr>
-                                        <p:cTn id="11" dur="1000" fill="hold"/>
+                                        <p:cTn id="12" dur="1000" fill="hold"/>
                                         <p:tgtEl>
                                           <p:spTgt spid="1026"/>
                                         </p:tgtEl>
@@ -20058,7 +20559,7 @@
                                     </p:anim>
                                     <p:anim calcmode="lin" valueType="num">
                                       <p:cBhvr>
-                                        <p:cTn id="12" dur="1000" fill="hold"/>
+                                        <p:cTn id="13" dur="1000" fill="hold"/>
                                         <p:tgtEl>
                                           <p:spTgt spid="1026"/>
                                         </p:tgtEl>
@@ -20085,21 +20586,30 @@
                             </p:childTnLst>
                           </p:cTn>
                         </p:par>
+                      </p:childTnLst>
+                    </p:cTn>
+                  </p:par>
+                  <p:par>
+                    <p:cTn id="14" fill="hold">
+                      <p:stCondLst>
+                        <p:cond delay="indefinite"/>
+                      </p:stCondLst>
+                      <p:childTnLst>
                         <p:par>
-                          <p:cTn id="13" fill="hold">
+                          <p:cTn id="15" fill="hold">
                             <p:stCondLst>
-                              <p:cond delay="1000"/>
+                              <p:cond delay="0"/>
                             </p:stCondLst>
                             <p:childTnLst>
                               <p:par>
-                                <p:cTn id="14" presetID="42" presetClass="entr" presetSubtype="0" fill="hold" nodeType="afterEffect">
+                                <p:cTn id="16" presetID="42" presetClass="entr" presetSubtype="0" fill="hold" nodeType="clickEffect">
                                   <p:stCondLst>
                                     <p:cond delay="0"/>
                                   </p:stCondLst>
                                   <p:childTnLst>
                                     <p:set>
                                       <p:cBhvr>
-                                        <p:cTn id="15" dur="1" fill="hold">
+                                        <p:cTn id="17" dur="1" fill="hold">
                                           <p:stCondLst>
                                             <p:cond delay="0"/>
                                           </p:stCondLst>
@@ -20117,7 +20627,7 @@
                                     </p:set>
                                     <p:animEffect transition="in" filter="fade">
                                       <p:cBhvr>
-                                        <p:cTn id="16" dur="1000"/>
+                                        <p:cTn id="18" dur="1000"/>
                                         <p:tgtEl>
                                           <p:spTgt spid="5"/>
                                         </p:tgtEl>
@@ -20125,7 +20635,7 @@
                                     </p:animEffect>
                                     <p:anim calcmode="lin" valueType="num">
                                       <p:cBhvr>
-                                        <p:cTn id="17" dur="1000" fill="hold"/>
+                                        <p:cTn id="19" dur="1000" fill="hold"/>
                                         <p:tgtEl>
                                           <p:spTgt spid="5"/>
                                         </p:tgtEl>
@@ -20148,7 +20658,7 @@
                                     </p:anim>
                                     <p:anim calcmode="lin" valueType="num">
                                       <p:cBhvr>
-                                        <p:cTn id="18" dur="1000" fill="hold"/>
+                                        <p:cTn id="20" dur="1000" fill="hold"/>
                                         <p:tgtEl>
                                           <p:spTgt spid="5"/>
                                         </p:tgtEl>
@@ -20321,11 +20831,11 @@
           <a:lstStyle/>
           <a:p>
             <a:fld id="{D57F1E4F-1CFF-5643-939E-217C01CDF565}" type="slidenum">
-              <a:rPr lang="en-US" smtClean="0"/>
+              <a:rPr lang="en-US" sz="2000" smtClean="0"/>
               <a:pPr/>
               <a:t>16</a:t>
             </a:fld>
-            <a:endParaRPr lang="en-US" dirty="0"/>
+            <a:endParaRPr lang="en-US" sz="2000" dirty="0"/>
           </a:p>
         </p:txBody>
       </p:sp>
@@ -20366,7 +20876,139 @@
   <p:timing>
     <p:tnLst>
       <p:par>
-        <p:cTn id="1" dur="indefinite" restart="never" nodeType="tmRoot"/>
+        <p:cTn id="1" dur="indefinite" restart="never" nodeType="tmRoot">
+          <p:childTnLst>
+            <p:seq concurrent="1" nextAc="seek">
+              <p:cTn id="2" dur="indefinite" nodeType="mainSeq">
+                <p:childTnLst>
+                  <p:par>
+                    <p:cTn id="3" fill="hold">
+                      <p:stCondLst>
+                        <p:cond delay="indefinite"/>
+                        <p:cond evt="onBegin" delay="0">
+                          <p:tn val="2"/>
+                        </p:cond>
+                      </p:stCondLst>
+                      <p:childTnLst>
+                        <p:par>
+                          <p:cTn id="4" fill="hold">
+                            <p:stCondLst>
+                              <p:cond delay="0"/>
+                            </p:stCondLst>
+                            <p:childTnLst>
+                              <p:par>
+                                <p:cTn id="5" presetID="10" presetClass="entr" presetSubtype="0" fill="hold" nodeType="afterEffect">
+                                  <p:stCondLst>
+                                    <p:cond delay="0"/>
+                                  </p:stCondLst>
+                                  <p:childTnLst>
+                                    <p:set>
+                                      <p:cBhvr>
+                                        <p:cTn id="6" dur="1" fill="hold">
+                                          <p:stCondLst>
+                                            <p:cond delay="0"/>
+                                          </p:stCondLst>
+                                        </p:cTn>
+                                        <p:tgtEl>
+                                          <p:spTgt spid="7"/>
+                                        </p:tgtEl>
+                                        <p:attrNameLst>
+                                          <p:attrName>style.visibility</p:attrName>
+                                        </p:attrNameLst>
+                                      </p:cBhvr>
+                                      <p:to>
+                                        <p:strVal val="visible"/>
+                                      </p:to>
+                                    </p:set>
+                                    <p:animEffect transition="in" filter="fade">
+                                      <p:cBhvr>
+                                        <p:cTn id="7" dur="500"/>
+                                        <p:tgtEl>
+                                          <p:spTgt spid="7"/>
+                                        </p:tgtEl>
+                                      </p:cBhvr>
+                                    </p:animEffect>
+                                  </p:childTnLst>
+                                </p:cTn>
+                              </p:par>
+                            </p:childTnLst>
+                          </p:cTn>
+                        </p:par>
+                      </p:childTnLst>
+                    </p:cTn>
+                  </p:par>
+                  <p:par>
+                    <p:cTn id="8" fill="hold">
+                      <p:stCondLst>
+                        <p:cond delay="indefinite"/>
+                      </p:stCondLst>
+                      <p:childTnLst>
+                        <p:par>
+                          <p:cTn id="9" fill="hold">
+                            <p:stCondLst>
+                              <p:cond delay="0"/>
+                            </p:stCondLst>
+                            <p:childTnLst>
+                              <p:par>
+                                <p:cTn id="10" presetID="10" presetClass="entr" presetSubtype="0" fill="hold" nodeType="clickEffect">
+                                  <p:stCondLst>
+                                    <p:cond delay="0"/>
+                                  </p:stCondLst>
+                                  <p:childTnLst>
+                                    <p:set>
+                                      <p:cBhvr>
+                                        <p:cTn id="11" dur="1" fill="hold">
+                                          <p:stCondLst>
+                                            <p:cond delay="0"/>
+                                          </p:stCondLst>
+                                        </p:cTn>
+                                        <p:tgtEl>
+                                          <p:spTgt spid="3074"/>
+                                        </p:tgtEl>
+                                        <p:attrNameLst>
+                                          <p:attrName>style.visibility</p:attrName>
+                                        </p:attrNameLst>
+                                      </p:cBhvr>
+                                      <p:to>
+                                        <p:strVal val="visible"/>
+                                      </p:to>
+                                    </p:set>
+                                    <p:animEffect transition="in" filter="fade">
+                                      <p:cBhvr>
+                                        <p:cTn id="12" dur="500"/>
+                                        <p:tgtEl>
+                                          <p:spTgt spid="3074"/>
+                                        </p:tgtEl>
+                                      </p:cBhvr>
+                                    </p:animEffect>
+                                  </p:childTnLst>
+                                </p:cTn>
+                              </p:par>
+                            </p:childTnLst>
+                          </p:cTn>
+                        </p:par>
+                      </p:childTnLst>
+                    </p:cTn>
+                  </p:par>
+                </p:childTnLst>
+              </p:cTn>
+              <p:prevCondLst>
+                <p:cond evt="onPrev" delay="0">
+                  <p:tgtEl>
+                    <p:sldTgt/>
+                  </p:tgtEl>
+                </p:cond>
+              </p:prevCondLst>
+              <p:nextCondLst>
+                <p:cond evt="onNext" delay="0">
+                  <p:tgtEl>
+                    <p:sldTgt/>
+                  </p:tgtEl>
+                </p:cond>
+              </p:nextCondLst>
+            </p:seq>
+          </p:childTnLst>
+        </p:cTn>
       </p:par>
     </p:tnLst>
   </p:timing>
@@ -20392,7 +21034,7 @@
       </p:grpSpPr>
       <p:sp>
         <p:nvSpPr>
-          <p:cNvPr id="2" name="Title 1"/>
+          <p:cNvPr id="8" name="Title 1"/>
           <p:cNvSpPr>
             <a:spLocks noGrp="1"/>
           </p:cNvSpPr>
@@ -20400,7 +21042,12 @@
             <p:ph type="title"/>
           </p:nvPr>
         </p:nvSpPr>
-        <p:spPr/>
+        <p:spPr>
+          <a:xfrm>
+            <a:off x="685801" y="609600"/>
+            <a:ext cx="10131425" cy="1456267"/>
+          </a:xfrm>
+        </p:spPr>
         <p:txBody>
           <a:bodyPr/>
           <a:lstStyle/>
@@ -20416,14 +21063,14 @@
       </p:sp>
       <p:sp>
         <p:nvSpPr>
-          <p:cNvPr id="4" name="TextBox 3"/>
+          <p:cNvPr id="9" name="TextBox 8"/>
           <p:cNvSpPr txBox="1"/>
           <p:nvPr/>
         </p:nvSpPr>
         <p:spPr>
           <a:xfrm>
             <a:off x="1215736" y="2504209"/>
-            <a:ext cx="9601490" cy="1754326"/>
+            <a:ext cx="9601490" cy="2308324"/>
           </a:xfrm>
           <a:prstGeom prst="rect">
             <a:avLst/>
@@ -20438,83 +21085,87 @@
           <a:p>
             <a:r>
               <a:rPr lang="hy-AM" dirty="0" smtClean="0"/>
-              <a:t>Մշակվեց ծրագիր, որում կա հնարավորություն բեռնել պատկերը</a:t>
+              <a:t>Մշակվեց ծրագրային փաթեթ, որում կա հնարավորություն պատկերի վրա կիրառելու՝</a:t>
+            </a:r>
+          </a:p>
+          <a:p>
+            <a:pPr marL="285750" indent="-285750">
+              <a:buFont typeface="Arial" panose="020B0604020202020204" pitchFamily="34" charset="0"/>
+              <a:buChar char="•"/>
+            </a:pPr>
+            <a:r>
+              <a:rPr lang="hy-AM" dirty="0" smtClean="0"/>
+              <a:t> 	Մորֆոլոգիական մշակում, չափերի փոփոխություն, սեգմենտավորում</a:t>
+            </a:r>
+          </a:p>
+          <a:p>
+            <a:pPr marL="285750" indent="-285750">
+              <a:buFont typeface="Arial" panose="020B0604020202020204" pitchFamily="34" charset="0"/>
+              <a:buChar char="•"/>
+            </a:pPr>
+            <a:r>
+              <a:rPr lang="hy-AM" dirty="0" smtClean="0"/>
+              <a:t>   Ձևափոխություն</a:t>
+            </a:r>
+          </a:p>
+          <a:p>
+            <a:pPr marL="285750" indent="-285750">
+              <a:buFont typeface="Arial" panose="020B0604020202020204" pitchFamily="34" charset="0"/>
+              <a:buChar char="•"/>
+            </a:pPr>
+            <a:r>
+              <a:rPr lang="hy-AM" dirty="0"/>
+              <a:t> </a:t>
+            </a:r>
+            <a:r>
+              <a:rPr lang="hy-AM" dirty="0" smtClean="0"/>
+              <a:t>  Գծերի,շրջանագծերի, եզրագծերի հայտնաբերում</a:t>
+            </a:r>
+          </a:p>
+          <a:p>
+            <a:r>
+              <a:rPr lang="hy-AM" dirty="0" smtClean="0"/>
+              <a:t>Ֆոտոխցիկից կարողանում է առանձնացնել մարդու դեմքը և քառակուսու մեջ է վերցնում։</a:t>
+            </a:r>
+          </a:p>
+          <a:p>
+            <a:r>
+              <a:rPr lang="hy-AM" dirty="0" smtClean="0"/>
+              <a:t>Ծրագիրը աշխատում է </a:t>
             </a:r>
             <a:r>
               <a:rPr lang="en-US" dirty="0" smtClean="0"/>
-              <a:t>, </a:t>
+              <a:t>Window, Linux, Mac, Android</a:t>
+            </a:r>
+            <a:r>
+              <a:rPr lang="en-US" dirty="0"/>
+              <a:t> </a:t>
             </a:r>
             <a:r>
               <a:rPr lang="hy-AM" dirty="0" smtClean="0"/>
-              <a:t>նրա վրա կատարել որոշակի փոփոխություններ </a:t>
+              <a:t>օպերացիոն համակարգերում։</a:t>
             </a:r>
             <a:r>
               <a:rPr lang="en-US" dirty="0" smtClean="0"/>
-              <a:t>(</a:t>
-            </a:r>
-            <a:r>
-              <a:rPr lang="hy-AM" dirty="0"/>
-              <a:t>իրագործել որոշակի ալգորիթմներ օգտագործողի մուտքագրած </a:t>
-            </a:r>
-            <a:r>
-              <a:rPr lang="hy-AM" dirty="0" smtClean="0"/>
-              <a:t>արգումենտներով</a:t>
-            </a:r>
-            <a:r>
-              <a:rPr lang="en-US" dirty="0" smtClean="0"/>
-              <a:t>)</a:t>
-            </a:r>
-            <a:r>
-              <a:rPr lang="hy-AM" dirty="0" smtClean="0"/>
-              <a:t>։ Կարող ենք պատկերի չափերը փոփոխել</a:t>
-            </a:r>
-            <a:r>
-              <a:rPr lang="en-US" dirty="0" smtClean="0"/>
-              <a:t> (</a:t>
-            </a:r>
-            <a:r>
-              <a:rPr lang="hy-AM" dirty="0" smtClean="0"/>
-              <a:t>մեծացնել,փոքրացնել</a:t>
-            </a:r>
-            <a:r>
-              <a:rPr lang="en-US" dirty="0" smtClean="0"/>
-              <a:t>)</a:t>
-            </a:r>
-            <a:r>
-              <a:rPr lang="hy-AM" dirty="0" smtClean="0"/>
-              <a:t>, նրա մեջ </a:t>
-            </a:r>
-            <a:r>
-              <a:rPr lang="hy-AM" dirty="0"/>
-              <a:t>հայտնաբերել ուղիղ գծերը, </a:t>
-            </a:r>
-            <a:r>
-              <a:rPr lang="hy-AM" dirty="0" smtClean="0"/>
-              <a:t>շրջանագծերը, օբյեկտների եզրագծերը</a:t>
-            </a:r>
-            <a:r>
-              <a:rPr lang="hy-AM" dirty="0"/>
-              <a:t>։ </a:t>
-            </a:r>
-            <a:r>
-              <a:rPr lang="hy-AM" dirty="0" smtClean="0"/>
-              <a:t>Ֆոտոխցիկից</a:t>
-            </a:r>
-            <a:r>
-              <a:rPr lang="en-US" dirty="0" smtClean="0"/>
-              <a:t> </a:t>
-            </a:r>
-            <a:r>
-              <a:rPr lang="hy-AM" dirty="0" smtClean="0"/>
-              <a:t>կարողանում է առանձնացնել մարդու դեմքը և քառակուսու մեջ է վերցնում։</a:t>
-            </a:r>
+              <a:t>  </a:t>
+            </a:r>
+            <a:endParaRPr lang="hy-AM" dirty="0"/>
+          </a:p>
+          <a:p>
+            <a:endParaRPr lang="hy-AM" dirty="0" smtClean="0"/>
+          </a:p>
+          <a:p>
+            <a:pPr marL="285750" indent="-285750">
+              <a:buFont typeface="Arial" panose="020B0604020202020204" pitchFamily="34" charset="0"/>
+              <a:buChar char="•"/>
+            </a:pPr>
             <a:endParaRPr lang="en-US" dirty="0"/>
           </a:p>
         </p:txBody>
       </p:sp>
       <p:sp>
         <p:nvSpPr>
-          <p:cNvPr id="3" name="Slide Number Placeholder 2"/>
+          <p:cNvPr id="10" name="Slide Number Placeholder 2"/>
           <p:cNvSpPr>
             <a:spLocks noGrp="1"/>
           </p:cNvSpPr>
@@ -20522,24 +21173,29 @@
             <p:ph type="sldNum" sz="quarter" idx="12"/>
           </p:nvPr>
         </p:nvSpPr>
-        <p:spPr/>
+        <p:spPr>
+          <a:xfrm>
+            <a:off x="10266060" y="5870575"/>
+            <a:ext cx="551167" cy="377825"/>
+          </a:xfrm>
+        </p:spPr>
         <p:txBody>
           <a:bodyPr/>
           <a:lstStyle/>
           <a:p>
             <a:fld id="{D57F1E4F-1CFF-5643-939E-217C01CDF565}" type="slidenum">
-              <a:rPr lang="en-US" smtClean="0"/>
+              <a:rPr lang="en-US" sz="2000" smtClean="0"/>
               <a:pPr/>
               <a:t>17</a:t>
             </a:fld>
-            <a:endParaRPr lang="en-US" dirty="0"/>
+            <a:endParaRPr lang="en-US" sz="2000" dirty="0"/>
           </a:p>
         </p:txBody>
       </p:sp>
     </p:spTree>
     <p:extLst>
       <p:ext uri="{BB962C8B-B14F-4D97-AF65-F5344CB8AC3E}">
-        <p14:creationId xmlns:p14="http://schemas.microsoft.com/office/powerpoint/2010/main" val="2125919640"/>
+        <p14:creationId xmlns:p14="http://schemas.microsoft.com/office/powerpoint/2010/main" val="1071088648"/>
       </p:ext>
     </p:extLst>
   </p:cSld>
@@ -20627,35 +21283,6 @@
           </a:prstGeom>
         </p:spPr>
       </p:pic>
-      <p:sp>
-        <p:nvSpPr>
-          <p:cNvPr id="3" name="Slide Number Placeholder 2"/>
-          <p:cNvSpPr>
-            <a:spLocks noGrp="1"/>
-          </p:cNvSpPr>
-          <p:nvPr>
-            <p:ph type="sldNum" sz="quarter" idx="12"/>
-          </p:nvPr>
-        </p:nvSpPr>
-        <p:spPr>
-          <a:xfrm>
-            <a:off x="10678042" y="6161977"/>
-            <a:ext cx="551167" cy="377825"/>
-          </a:xfrm>
-        </p:spPr>
-        <p:txBody>
-          <a:bodyPr/>
-          <a:lstStyle/>
-          <a:p>
-            <a:fld id="{D57F1E4F-1CFF-5643-939E-217C01CDF565}" type="slidenum">
-              <a:rPr lang="en-US" smtClean="0"/>
-              <a:pPr/>
-              <a:t>18</a:t>
-            </a:fld>
-            <a:endParaRPr lang="en-US" dirty="0"/>
-          </a:p>
-        </p:txBody>
-      </p:sp>
     </p:spTree>
     <p:extLst>
       <p:ext uri="{BB962C8B-B14F-4D97-AF65-F5344CB8AC3E}">
@@ -20695,126 +21322,7 @@
       </p:grpSpPr>
       <p:sp>
         <p:nvSpPr>
-          <p:cNvPr id="2" name="Title 1"/>
-          <p:cNvSpPr>
-            <a:spLocks noGrp="1"/>
-          </p:cNvSpPr>
-          <p:nvPr>
-            <p:ph type="title"/>
-          </p:nvPr>
-        </p:nvSpPr>
-        <p:spPr/>
-        <p:txBody>
-          <a:bodyPr/>
-          <a:lstStyle/>
-          <a:p>
-            <a:pPr algn="ctr"/>
-            <a:r>
-              <a:rPr lang="hy-AM" dirty="0" smtClean="0"/>
-              <a:t>Խնդրի դրվածք</a:t>
-            </a:r>
-            <a:r>
-              <a:rPr lang="hy-AM" dirty="0"/>
-              <a:t>Ը</a:t>
-            </a:r>
-            <a:endParaRPr lang="en-US" dirty="0"/>
-          </a:p>
-        </p:txBody>
-      </p:sp>
-      <p:sp>
-        <p:nvSpPr>
-          <p:cNvPr id="3" name="TextBox 2"/>
-          <p:cNvSpPr txBox="1"/>
-          <p:nvPr/>
-        </p:nvSpPr>
-        <p:spPr>
-          <a:xfrm>
-            <a:off x="685801" y="2065867"/>
-            <a:ext cx="10389741" cy="3416320"/>
-          </a:xfrm>
-          <a:prstGeom prst="rect">
-            <a:avLst/>
-          </a:prstGeom>
-          <a:noFill/>
-        </p:spPr>
-        <p:txBody>
-          <a:bodyPr wrap="square" rtlCol="0">
-            <a:spAutoFit/>
-          </a:bodyPr>
-          <a:lstStyle/>
-          <a:p>
-            <a:r>
-              <a:rPr lang="hy-AM" sz="2400" dirty="0" smtClean="0"/>
-              <a:t>Ուսումնասիրել պատկերների հետ աշխատանքը, որի արդյունքում ստեղծել ծրագիր, որը կտա պատկերը բեռնելու և նրա վրա իրականացնելու հետևյալ գործողությունները՝</a:t>
-            </a:r>
-          </a:p>
-          <a:p>
-            <a:pPr marL="285750" indent="-285750">
-              <a:buFont typeface="Arial" panose="020B0604020202020204" pitchFamily="34" charset="0"/>
-              <a:buChar char="•"/>
-            </a:pPr>
-            <a:r>
-              <a:rPr lang="hy-AM" sz="2400" dirty="0" smtClean="0"/>
-              <a:t>կատարել որոշակի փոփոխություններ</a:t>
-            </a:r>
-            <a:r>
-              <a:rPr lang="en-US" sz="2400" dirty="0" smtClean="0"/>
-              <a:t> (</a:t>
-            </a:r>
-            <a:r>
-              <a:rPr lang="hy-AM" sz="2400" dirty="0" smtClean="0"/>
-              <a:t>իրագործել </a:t>
-            </a:r>
-            <a:r>
-              <a:rPr lang="hy-AM" sz="2400" dirty="0"/>
-              <a:t>որոշակի ալգորիթմներ օգտագործողի </a:t>
-            </a:r>
-            <a:r>
-              <a:rPr lang="hy-AM" sz="2400" dirty="0" smtClean="0"/>
-              <a:t>մուտքագրած արգումենտներով</a:t>
-            </a:r>
-            <a:r>
-              <a:rPr lang="en-US" sz="2400" dirty="0" smtClean="0"/>
-              <a:t>)</a:t>
-            </a:r>
-            <a:r>
-              <a:rPr lang="hy-AM" sz="2400" dirty="0" smtClean="0"/>
-              <a:t> և տեսնել արդյունքը նոր պատկերում</a:t>
-            </a:r>
-          </a:p>
-          <a:p>
-            <a:pPr marL="285750" indent="-285750">
-              <a:buFont typeface="Arial" panose="020B0604020202020204" pitchFamily="34" charset="0"/>
-              <a:buChar char="•"/>
-            </a:pPr>
-            <a:r>
-              <a:rPr lang="hy-AM" sz="2400" dirty="0" smtClean="0"/>
-              <a:t>մեծացնել և փոքրացնել պատկերի չափերը</a:t>
-            </a:r>
-          </a:p>
-          <a:p>
-            <a:pPr marL="285750" indent="-285750">
-              <a:buFont typeface="Arial" panose="020B0604020202020204" pitchFamily="34" charset="0"/>
-              <a:buChar char="•"/>
-            </a:pPr>
-            <a:r>
-              <a:rPr lang="hy-AM" sz="2400" dirty="0" smtClean="0"/>
-              <a:t>պատկերի մեջ հայտնաբերել ուղիղ գծերը,</a:t>
-            </a:r>
-            <a:r>
-              <a:rPr lang="en-US" sz="2400" dirty="0" smtClean="0"/>
-              <a:t> </a:t>
-            </a:r>
-            <a:r>
-              <a:rPr lang="hy-AM" sz="2400" dirty="0" smtClean="0"/>
-              <a:t>շրջանագծերը,օբյեկտների եզրագծերը, կարողանալ առանձնացնել մարդու դեմքը պատկերից։</a:t>
-            </a:r>
-          </a:p>
-        </p:txBody>
-      </p:sp>
-      <p:sp>
-        <p:nvSpPr>
-          <p:cNvPr id="4" name="Slide Number Placeholder 3"/>
+          <p:cNvPr id="7" name="Slide Number Placeholder 6"/>
           <p:cNvSpPr>
             <a:spLocks noGrp="1"/>
           </p:cNvSpPr>
@@ -20828,18 +21336,152 @@
           <a:lstStyle/>
           <a:p>
             <a:fld id="{D57F1E4F-1CFF-5643-939E-217C01CDF565}" type="slidenum">
-              <a:rPr lang="en-US" smtClean="0"/>
+              <a:rPr lang="en-US" sz="2000" smtClean="0"/>
               <a:pPr/>
               <a:t>2</a:t>
             </a:fld>
+            <a:endParaRPr lang="en-US" sz="2000" dirty="0"/>
+          </a:p>
+        </p:txBody>
+      </p:sp>
+      <p:sp>
+        <p:nvSpPr>
+          <p:cNvPr id="11" name="Title 1"/>
+          <p:cNvSpPr>
+            <a:spLocks noGrp="1"/>
+          </p:cNvSpPr>
+          <p:nvPr>
+            <p:ph type="title"/>
+          </p:nvPr>
+        </p:nvSpPr>
+        <p:spPr>
+          <a:xfrm>
+            <a:off x="838201" y="762000"/>
+            <a:ext cx="10131425" cy="1456267"/>
+          </a:xfrm>
+        </p:spPr>
+        <p:txBody>
+          <a:bodyPr/>
+          <a:lstStyle/>
+          <a:p>
+            <a:pPr algn="ctr"/>
+            <a:r>
+              <a:rPr lang="hy-AM" dirty="0" smtClean="0"/>
+              <a:t>Խնդրի դրվածք</a:t>
+            </a:r>
+            <a:r>
+              <a:rPr lang="hy-AM" dirty="0"/>
+              <a:t>Ը</a:t>
+            </a:r>
             <a:endParaRPr lang="en-US" dirty="0"/>
+          </a:p>
+        </p:txBody>
+      </p:sp>
+      <p:sp>
+        <p:nvSpPr>
+          <p:cNvPr id="12" name="TextBox 11"/>
+          <p:cNvSpPr txBox="1"/>
+          <p:nvPr/>
+        </p:nvSpPr>
+        <p:spPr>
+          <a:xfrm>
+            <a:off x="838201" y="2218267"/>
+            <a:ext cx="10389741" cy="3785652"/>
+          </a:xfrm>
+          <a:prstGeom prst="rect">
+            <a:avLst/>
+          </a:prstGeom>
+          <a:noFill/>
+        </p:spPr>
+        <p:txBody>
+          <a:bodyPr wrap="square" rtlCol="0">
+            <a:spAutoFit/>
+          </a:bodyPr>
+          <a:lstStyle/>
+          <a:p>
+            <a:r>
+              <a:rPr lang="hy-AM" sz="2400" dirty="0" smtClean="0"/>
+              <a:t>Ուսումնասիրել պատկերների մշակման եղանակները, ստեղծել ծրագրային փաթեթ, որը հնարավորություն կտա պատկերների հետ իրականացնելու հետևյալ գործողությունները՝</a:t>
+            </a:r>
+            <a:endParaRPr lang="en-US" sz="2400" dirty="0" smtClean="0"/>
+          </a:p>
+          <a:p>
+            <a:pPr marL="342900" indent="-342900">
+              <a:buFont typeface="Arial" panose="020B0604020202020204" pitchFamily="34" charset="0"/>
+              <a:buChar char="•"/>
+            </a:pPr>
+            <a:r>
+              <a:rPr lang="hy-AM" sz="2400" dirty="0" smtClean="0"/>
+              <a:t>Մորֆոլոգիական մշակում</a:t>
+            </a:r>
+          </a:p>
+          <a:p>
+            <a:pPr marL="342900" indent="-342900">
+              <a:buFont typeface="Arial" panose="020B0604020202020204" pitchFamily="34" charset="0"/>
+              <a:buChar char="•"/>
+            </a:pPr>
+            <a:r>
+              <a:rPr lang="hy-AM" sz="2400" dirty="0"/>
+              <a:t>Չ</a:t>
+            </a:r>
+            <a:r>
+              <a:rPr lang="hy-AM" sz="2400" dirty="0" smtClean="0"/>
+              <a:t>ափերի փոփոխություն</a:t>
+            </a:r>
+          </a:p>
+          <a:p>
+            <a:pPr marL="342900" indent="-342900">
+              <a:buFont typeface="Arial" panose="020B0604020202020204" pitchFamily="34" charset="0"/>
+              <a:buChar char="•"/>
+            </a:pPr>
+            <a:r>
+              <a:rPr lang="hy-AM" sz="2400" dirty="0" smtClean="0"/>
+              <a:t>Սեգմենտավորում</a:t>
+            </a:r>
+          </a:p>
+          <a:p>
+            <a:pPr marL="342900" indent="-342900">
+              <a:buFont typeface="Arial" panose="020B0604020202020204" pitchFamily="34" charset="0"/>
+              <a:buChar char="•"/>
+            </a:pPr>
+            <a:r>
+              <a:rPr lang="hy-AM" sz="2400" dirty="0" smtClean="0"/>
+              <a:t>Ձևափոխություն</a:t>
+            </a:r>
+          </a:p>
+          <a:p>
+            <a:pPr marL="342900" indent="-342900">
+              <a:buFont typeface="Arial" panose="020B0604020202020204" pitchFamily="34" charset="0"/>
+              <a:buChar char="•"/>
+            </a:pPr>
+            <a:r>
+              <a:rPr lang="hy-AM" sz="2400" dirty="0" smtClean="0"/>
+              <a:t>Գծերի, շրջանագծերի, եզրագծերի հայտնաբերում</a:t>
+            </a:r>
+          </a:p>
+          <a:p>
+            <a:pPr marL="342900" indent="-342900">
+              <a:buFont typeface="Arial" panose="020B0604020202020204" pitchFamily="34" charset="0"/>
+              <a:buChar char="•"/>
+            </a:pPr>
+            <a:r>
+              <a:rPr lang="hy-AM" sz="2400" dirty="0" smtClean="0"/>
+              <a:t>Դեմքի հայտնաբերում</a:t>
+            </a:r>
+          </a:p>
+          <a:p>
+            <a:pPr marL="342900" indent="-342900">
+              <a:buFont typeface="Arial" panose="020B0604020202020204" pitchFamily="34" charset="0"/>
+              <a:buChar char="•"/>
+            </a:pPr>
+            <a:endParaRPr lang="hy-AM" sz="2400" dirty="0" smtClean="0"/>
           </a:p>
         </p:txBody>
       </p:sp>
     </p:spTree>
     <p:extLst>
       <p:ext uri="{BB962C8B-B14F-4D97-AF65-F5344CB8AC3E}">
-        <p14:creationId xmlns:p14="http://schemas.microsoft.com/office/powerpoint/2010/main" val="940159030"/>
+        <p14:creationId xmlns:p14="http://schemas.microsoft.com/office/powerpoint/2010/main" val="212917913"/>
       </p:ext>
     </p:extLst>
   </p:cSld>
@@ -20883,7 +21525,7 @@
                                           </p:stCondLst>
                                         </p:cTn>
                                         <p:tgtEl>
-                                          <p:spTgt spid="2"/>
+                                          <p:spTgt spid="11"/>
                                         </p:tgtEl>
                                         <p:attrNameLst>
                                           <p:attrName>style.visibility</p:attrName>
@@ -20919,7 +21561,7 @@
                                           </p:stCondLst>
                                         </p:cTn>
                                         <p:tgtEl>
-                                          <p:spTgt spid="3"/>
+                                          <p:spTgt spid="12"/>
                                         </p:tgtEl>
                                         <p:attrNameLst>
                                           <p:attrName>style.visibility</p:attrName>
@@ -20960,8 +21602,8 @@
       </p:par>
     </p:tnLst>
     <p:bldLst>
-      <p:bldP spid="2" grpId="0"/>
-      <p:bldP spid="3" grpId="0"/>
+      <p:bldP spid="11" grpId="0"/>
+      <p:bldP spid="12" grpId="0"/>
     </p:bldLst>
   </p:timing>
 </p:sld>
@@ -21104,11 +21746,11 @@
           <a:lstStyle/>
           <a:p>
             <a:fld id="{D57F1E4F-1CFF-5643-939E-217C01CDF565}" type="slidenum">
-              <a:rPr lang="en-US" smtClean="0"/>
+              <a:rPr lang="en-US" sz="2000" smtClean="0"/>
               <a:pPr/>
               <a:t>3</a:t>
             </a:fld>
-            <a:endParaRPr lang="en-US" dirty="0"/>
+            <a:endParaRPr lang="en-US" sz="2000" dirty="0"/>
           </a:p>
         </p:txBody>
       </p:sp>
@@ -21175,21 +21817,30 @@
                             </p:childTnLst>
                           </p:cTn>
                         </p:par>
+                      </p:childTnLst>
+                    </p:cTn>
+                  </p:par>
+                  <p:par>
+                    <p:cTn id="7" fill="hold">
+                      <p:stCondLst>
+                        <p:cond delay="indefinite"/>
+                      </p:stCondLst>
+                      <p:childTnLst>
                         <p:par>
-                          <p:cTn id="7" fill="hold">
+                          <p:cTn id="8" fill="hold">
                             <p:stCondLst>
                               <p:cond delay="0"/>
                             </p:stCondLst>
                             <p:childTnLst>
                               <p:par>
-                                <p:cTn id="8" presetID="42" presetClass="entr" presetSubtype="0" fill="hold" nodeType="afterEffect">
+                                <p:cTn id="9" presetID="42" presetClass="entr" presetSubtype="0" fill="hold" nodeType="clickEffect">
                                   <p:stCondLst>
-                                    <p:cond delay="12000"/>
+                                    <p:cond delay="0"/>
                                   </p:stCondLst>
                                   <p:childTnLst>
                                     <p:set>
                                       <p:cBhvr>
-                                        <p:cTn id="9" dur="1" fill="hold">
+                                        <p:cTn id="10" dur="1" fill="hold">
                                           <p:stCondLst>
                                             <p:cond delay="0"/>
                                           </p:stCondLst>
@@ -21207,7 +21858,7 @@
                                     </p:set>
                                     <p:animEffect transition="in" filter="fade">
                                       <p:cBhvr>
-                                        <p:cTn id="10" dur="1000"/>
+                                        <p:cTn id="11" dur="1000"/>
                                         <p:tgtEl>
                                           <p:spTgt spid="7"/>
                                         </p:tgtEl>
@@ -21215,7 +21866,7 @@
                                     </p:animEffect>
                                     <p:anim calcmode="lin" valueType="num">
                                       <p:cBhvr>
-                                        <p:cTn id="11" dur="1000" fill="hold"/>
+                                        <p:cTn id="12" dur="1000" fill="hold"/>
                                         <p:tgtEl>
                                           <p:spTgt spid="7"/>
                                         </p:tgtEl>
@@ -21238,7 +21889,7 @@
                                     </p:anim>
                                     <p:anim calcmode="lin" valueType="num">
                                       <p:cBhvr>
-                                        <p:cTn id="12" dur="1000" fill="hold"/>
+                                        <p:cTn id="13" dur="1000" fill="hold"/>
                                         <p:tgtEl>
                                           <p:spTgt spid="7"/>
                                         </p:tgtEl>
@@ -21265,21 +21916,30 @@
                             </p:childTnLst>
                           </p:cTn>
                         </p:par>
+                      </p:childTnLst>
+                    </p:cTn>
+                  </p:par>
+                  <p:par>
+                    <p:cTn id="14" fill="hold">
+                      <p:stCondLst>
+                        <p:cond delay="indefinite"/>
+                      </p:stCondLst>
+                      <p:childTnLst>
                         <p:par>
-                          <p:cTn id="13" fill="hold">
+                          <p:cTn id="15" fill="hold">
                             <p:stCondLst>
-                              <p:cond delay="13000"/>
+                              <p:cond delay="0"/>
                             </p:stCondLst>
                             <p:childTnLst>
                               <p:par>
-                                <p:cTn id="14" presetID="2" presetClass="entr" presetSubtype="2" fill="hold" nodeType="afterEffect">
+                                <p:cTn id="16" presetID="2" presetClass="entr" presetSubtype="2" fill="hold" nodeType="clickEffect">
                                   <p:stCondLst>
-                                    <p:cond delay="41000"/>
+                                    <p:cond delay="0"/>
                                   </p:stCondLst>
                                   <p:childTnLst>
                                     <p:set>
                                       <p:cBhvr>
-                                        <p:cTn id="15" dur="1" fill="hold">
+                                        <p:cTn id="17" dur="1" fill="hold">
                                           <p:stCondLst>
                                             <p:cond delay="0"/>
                                           </p:stCondLst>
@@ -21297,7 +21957,7 @@
                                     </p:set>
                                     <p:anim calcmode="lin" valueType="num">
                                       <p:cBhvr additive="base">
-                                        <p:cTn id="16" dur="700" fill="hold"/>
+                                        <p:cTn id="18" dur="700" fill="hold"/>
                                         <p:tgtEl>
                                           <p:spTgt spid="8"/>
                                         </p:tgtEl>
@@ -21320,7 +21980,7 @@
                                     </p:anim>
                                     <p:anim calcmode="lin" valueType="num">
                                       <p:cBhvr additive="base">
-                                        <p:cTn id="17" dur="700" fill="hold"/>
+                                        <p:cTn id="19" dur="700" fill="hold"/>
                                         <p:tgtEl>
                                           <p:spTgt spid="8"/>
                                         </p:tgtEl>
@@ -21544,11 +22204,11 @@
           <a:lstStyle/>
           <a:p>
             <a:fld id="{D57F1E4F-1CFF-5643-939E-217C01CDF565}" type="slidenum">
-              <a:rPr lang="en-US" smtClean="0"/>
+              <a:rPr lang="en-US" sz="2000" smtClean="0"/>
               <a:pPr/>
               <a:t>4</a:t>
             </a:fld>
-            <a:endParaRPr lang="en-US" dirty="0"/>
+            <a:endParaRPr lang="en-US" sz="2000" dirty="0"/>
           </a:p>
         </p:txBody>
       </p:sp>
@@ -21623,21 +22283,30 @@
                             </p:childTnLst>
                           </p:cTn>
                         </p:par>
+                      </p:childTnLst>
+                    </p:cTn>
+                  </p:par>
+                  <p:par>
+                    <p:cTn id="8" fill="hold">
+                      <p:stCondLst>
+                        <p:cond delay="indefinite"/>
+                      </p:stCondLst>
+                      <p:childTnLst>
                         <p:par>
-                          <p:cTn id="8" fill="hold">
+                          <p:cTn id="9" fill="hold">
                             <p:stCondLst>
-                              <p:cond delay="500"/>
+                              <p:cond delay="0"/>
                             </p:stCondLst>
                             <p:childTnLst>
                               <p:par>
-                                <p:cTn id="9" presetID="42" presetClass="entr" presetSubtype="0" fill="hold" nodeType="afterEffect">
+                                <p:cTn id="10" presetID="42" presetClass="entr" presetSubtype="0" fill="hold" nodeType="clickEffect">
                                   <p:stCondLst>
-                                    <p:cond delay="5500"/>
+                                    <p:cond delay="0"/>
                                   </p:stCondLst>
                                   <p:childTnLst>
                                     <p:set>
                                       <p:cBhvr>
-                                        <p:cTn id="10" dur="1" fill="hold">
+                                        <p:cTn id="11" dur="1" fill="hold">
                                           <p:stCondLst>
                                             <p:cond delay="0"/>
                                           </p:stCondLst>
@@ -21655,7 +22324,7 @@
                                     </p:set>
                                     <p:animEffect transition="in" filter="fade">
                                       <p:cBhvr>
-                                        <p:cTn id="11" dur="1000"/>
+                                        <p:cTn id="12" dur="1000"/>
                                         <p:tgtEl>
                                           <p:spTgt spid="8"/>
                                         </p:tgtEl>
@@ -21663,7 +22332,7 @@
                                     </p:animEffect>
                                     <p:anim calcmode="lin" valueType="num">
                                       <p:cBhvr>
-                                        <p:cTn id="12" dur="1000" fill="hold"/>
+                                        <p:cTn id="13" dur="1000" fill="hold"/>
                                         <p:tgtEl>
                                           <p:spTgt spid="8"/>
                                         </p:tgtEl>
@@ -21686,7 +22355,7 @@
                                     </p:anim>
                                     <p:anim calcmode="lin" valueType="num">
                                       <p:cBhvr>
-                                        <p:cTn id="13" dur="1000" fill="hold"/>
+                                        <p:cTn id="14" dur="1000" fill="hold"/>
                                         <p:tgtEl>
                                           <p:spTgt spid="8"/>
                                         </p:tgtEl>
@@ -21710,19 +22379,10 @@
                                   </p:childTnLst>
                                 </p:cTn>
                               </p:par>
-                            </p:childTnLst>
-                          </p:cTn>
-                        </p:par>
-                        <p:par>
-                          <p:cTn id="14" fill="hold">
-                            <p:stCondLst>
-                              <p:cond delay="7000"/>
-                            </p:stCondLst>
-                            <p:childTnLst>
                               <p:par>
-                                <p:cTn id="15" presetID="42" presetClass="entr" presetSubtype="0" fill="hold" nodeType="afterEffect">
+                                <p:cTn id="15" presetID="42" presetClass="entr" presetSubtype="0" fill="hold" nodeType="withEffect">
                                   <p:stCondLst>
-                                    <p:cond delay="200"/>
+                                    <p:cond delay="0"/>
                                   </p:stCondLst>
                                   <p:childTnLst>
                                     <p:set>
@@ -21924,7 +22584,7 @@
         </p:blipFill>
         <p:spPr>
           <a:xfrm>
-            <a:off x="8026815" y="4578808"/>
+            <a:off x="7493415" y="4508518"/>
             <a:ext cx="2410414" cy="2091460"/>
           </a:xfrm>
         </p:spPr>
@@ -21951,7 +22611,7 @@
         </p:blipFill>
         <p:spPr>
           <a:xfrm>
-            <a:off x="5710414" y="4578808"/>
+            <a:off x="5177014" y="4508518"/>
             <a:ext cx="2238249" cy="2091460"/>
           </a:xfrm>
           <a:prstGeom prst="rect">
@@ -21973,7 +22633,7 @@
         </p:blipFill>
         <p:spPr bwMode="auto">
           <a:xfrm>
-            <a:off x="2092098" y="2136157"/>
+            <a:off x="1558698" y="2065867"/>
             <a:ext cx="3185283" cy="4534110"/>
           </a:xfrm>
           <a:prstGeom prst="rect">
@@ -22005,7 +22665,7 @@
         </p:blipFill>
         <p:spPr>
           <a:xfrm>
-            <a:off x="6186466" y="2136157"/>
+            <a:off x="5653066" y="2065867"/>
             <a:ext cx="1743685" cy="2372360"/>
           </a:xfrm>
         </p:spPr>
@@ -22034,7 +22694,7 @@
         </p:blipFill>
         <p:spPr>
           <a:xfrm>
-            <a:off x="8026815" y="2136157"/>
+            <a:off x="7493415" y="2065867"/>
             <a:ext cx="1995145" cy="2372360"/>
           </a:xfrm>
         </p:spPr>
@@ -22051,7 +22711,7 @@
         </p:nvSpPr>
         <p:spPr>
           <a:xfrm>
-            <a:off x="11303295" y="6239064"/>
+            <a:off x="10266059" y="5850677"/>
             <a:ext cx="551167" cy="377825"/>
           </a:xfrm>
         </p:spPr>
@@ -22060,11 +22720,11 @@
           <a:lstStyle/>
           <a:p>
             <a:fld id="{D57F1E4F-1CFF-5643-939E-217C01CDF565}" type="slidenum">
-              <a:rPr lang="en-US" smtClean="0"/>
+              <a:rPr lang="en-US" sz="2000" smtClean="0"/>
               <a:pPr/>
               <a:t>5</a:t>
             </a:fld>
-            <a:endParaRPr lang="en-US" dirty="0"/>
+            <a:endParaRPr lang="en-US" sz="2000" dirty="0"/>
           </a:p>
         </p:txBody>
       </p:sp>
@@ -22148,7 +22808,7 @@
                               <p:par>
                                 <p:cTn id="9" presetID="42" presetClass="entr" presetSubtype="0" fill="hold" nodeType="afterEffect">
                                   <p:stCondLst>
-                                    <p:cond delay="3800"/>
+                                    <p:cond delay="1500"/>
                                   </p:stCondLst>
                                   <p:childTnLst>
                                     <p:set>
@@ -22232,7 +22892,7 @@
                         <p:par>
                           <p:cTn id="14" fill="hold">
                             <p:stCondLst>
-                              <p:cond delay="5300"/>
+                              <p:cond delay="3000"/>
                             </p:stCondLst>
                             <p:childTnLst>
                               <p:par>
@@ -22322,7 +22982,7 @@
                         <p:par>
                           <p:cTn id="20" fill="hold">
                             <p:stCondLst>
-                              <p:cond delay="6300"/>
+                              <p:cond delay="4000"/>
                             </p:stCondLst>
                             <p:childTnLst>
                               <p:par>
@@ -22412,7 +23072,7 @@
                         <p:par>
                           <p:cTn id="26" fill="hold">
                             <p:stCondLst>
-                              <p:cond delay="7300"/>
+                              <p:cond delay="5000"/>
                             </p:stCondLst>
                             <p:childTnLst>
                               <p:par>
@@ -22672,16 +23332,16 @@
           <a:lstStyle/>
           <a:p>
             <a:fld id="{D57F1E4F-1CFF-5643-939E-217C01CDF565}" type="slidenum">
-              <a:rPr lang="en-US" smtClean="0"/>
+              <a:rPr lang="en-US" sz="2000" smtClean="0"/>
               <a:pPr/>
               <a:t>6</a:t>
             </a:fld>
-            <a:endParaRPr lang="en-US" dirty="0"/>
+            <a:endParaRPr lang="en-US" sz="2000" dirty="0"/>
           </a:p>
         </p:txBody>
       </p:sp>
-      <mc:AlternateContent xmlns:mc="http://schemas.openxmlformats.org/markup-compatibility/2006">
-        <mc:Choice xmlns:a14="http://schemas.microsoft.com/office/drawing/2010/main" Requires="a14">
+      <mc:AlternateContent xmlns:mc="http://schemas.openxmlformats.org/markup-compatibility/2006" xmlns:a14="http://schemas.microsoft.com/office/drawing/2010/main">
+        <mc:Choice Requires="a14">
           <p:sp>
             <p:nvSpPr>
               <p:cNvPr id="5" name="TextBox 4"/>
@@ -22711,7 +23371,9 @@
                 <a14:m>
                   <m:oMath xmlns:m="http://schemas.openxmlformats.org/officeDocument/2006/math">
                     <m:r>
-                      <a:rPr lang="en-US" i="1"/>
+                      <a:rPr lang="en-US" i="1">
+                        <a:latin typeface="Cambria Math" panose="02040503050406030204" pitchFamily="18" charset="0"/>
+                      </a:rPr>
                       <m:t>⊝</m:t>
                     </m:r>
                   </m:oMath>
@@ -22725,7 +23387,7 @@
             </p:txBody>
           </p:sp>
         </mc:Choice>
-        <mc:Fallback>
+        <mc:Fallback xmlns="">
           <p:sp>
             <p:nvSpPr>
               <p:cNvPr id="5" name="TextBox 4"/>
@@ -23000,14 +23662,14 @@
                 <a:gridCol w="2616957">
                   <a:extLst>
                     <a:ext uri="{9D8B030D-6E8A-4147-A177-3AD203B41FA5}">
-                      <a16:colId xmlns="" xmlns:a16="http://schemas.microsoft.com/office/drawing/2014/main" val="3318161435"/>
+                      <a16:colId xmlns:a16="http://schemas.microsoft.com/office/drawing/2014/main" xmlns="" val="3318161435"/>
                     </a:ext>
                   </a:extLst>
                 </a:gridCol>
                 <a:gridCol w="2640843">
                   <a:extLst>
                     <a:ext uri="{9D8B030D-6E8A-4147-A177-3AD203B41FA5}">
-                      <a16:colId xmlns="" xmlns:a16="http://schemas.microsoft.com/office/drawing/2014/main" val="4127245324"/>
+                      <a16:colId xmlns:a16="http://schemas.microsoft.com/office/drawing/2014/main" xmlns="" val="4127245324"/>
                     </a:ext>
                   </a:extLst>
                 </a:gridCol>
@@ -23084,7 +23746,7 @@
                 </a:tc>
                 <a:extLst>
                   <a:ext uri="{0D108BD9-81ED-4DB2-BD59-A6C34878D82A}">
-                    <a16:rowId xmlns="" xmlns:a16="http://schemas.microsoft.com/office/drawing/2014/main" val="2750261522"/>
+                    <a16:rowId xmlns:a16="http://schemas.microsoft.com/office/drawing/2014/main" xmlns="" val="2750261522"/>
                   </a:ext>
                 </a:extLst>
               </a:tr>
@@ -23173,11 +23835,11 @@
           <a:lstStyle/>
           <a:p>
             <a:fld id="{D57F1E4F-1CFF-5643-939E-217C01CDF565}" type="slidenum">
-              <a:rPr lang="en-US" smtClean="0"/>
+              <a:rPr lang="en-US" sz="2000" smtClean="0"/>
               <a:pPr/>
               <a:t>7</a:t>
             </a:fld>
-            <a:endParaRPr lang="en-US" dirty="0"/>
+            <a:endParaRPr lang="en-US" sz="2000" dirty="0"/>
           </a:p>
         </p:txBody>
       </p:sp>
@@ -23545,11 +24207,11 @@
           <a:lstStyle/>
           <a:p>
             <a:fld id="{D57F1E4F-1CFF-5643-939E-217C01CDF565}" type="slidenum">
-              <a:rPr lang="en-US" smtClean="0"/>
+              <a:rPr lang="en-US" sz="2000" smtClean="0"/>
               <a:pPr/>
               <a:t>8</a:t>
             </a:fld>
-            <a:endParaRPr lang="en-US" dirty="0"/>
+            <a:endParaRPr lang="en-US" sz="2000" dirty="0"/>
           </a:p>
         </p:txBody>
       </p:sp>
@@ -23993,11 +24655,11 @@
           <a:lstStyle/>
           <a:p>
             <a:fld id="{D57F1E4F-1CFF-5643-939E-217C01CDF565}" type="slidenum">
-              <a:rPr lang="en-US" smtClean="0"/>
+              <a:rPr lang="en-US" sz="2000" smtClean="0"/>
               <a:pPr/>
               <a:t>9</a:t>
             </a:fld>
-            <a:endParaRPr lang="en-US" dirty="0"/>
+            <a:endParaRPr lang="en-US" sz="2000" dirty="0"/>
           </a:p>
         </p:txBody>
       </p:sp>
